--- a/experiment_diagram/experiment-B-N6_interconnect.pptx
+++ b/experiment_diagram/experiment-B-N6_interconnect.pptx
@@ -816,7 +816,7 @@
           <a:p>
             <a:fld id="{50E52EA3-2204-804F-9678-85900D481E2E}" type="datetimeFigureOut">
               <a:rPr lang="en-US" smtClean="0"/>
-              <a:t>3/4/22</a:t>
+              <a:t>3/16/22</a:t>
             </a:fld>
             <a:endParaRPr lang="en-US"/>
           </a:p>
@@ -1014,7 +1014,7 @@
           <a:p>
             <a:fld id="{50E52EA3-2204-804F-9678-85900D481E2E}" type="datetimeFigureOut">
               <a:rPr lang="en-US" smtClean="0"/>
-              <a:t>3/4/22</a:t>
+              <a:t>3/16/22</a:t>
             </a:fld>
             <a:endParaRPr lang="en-US"/>
           </a:p>
@@ -1222,7 +1222,7 @@
           <a:p>
             <a:fld id="{50E52EA3-2204-804F-9678-85900D481E2E}" type="datetimeFigureOut">
               <a:rPr lang="en-US" smtClean="0"/>
-              <a:t>3/4/22</a:t>
+              <a:t>3/16/22</a:t>
             </a:fld>
             <a:endParaRPr lang="en-US"/>
           </a:p>
@@ -1420,7 +1420,7 @@
           <a:p>
             <a:fld id="{50E52EA3-2204-804F-9678-85900D481E2E}" type="datetimeFigureOut">
               <a:rPr lang="en-US" smtClean="0"/>
-              <a:t>3/4/22</a:t>
+              <a:t>3/16/22</a:t>
             </a:fld>
             <a:endParaRPr lang="en-US"/>
           </a:p>
@@ -1695,7 +1695,7 @@
           <a:p>
             <a:fld id="{50E52EA3-2204-804F-9678-85900D481E2E}" type="datetimeFigureOut">
               <a:rPr lang="en-US" smtClean="0"/>
-              <a:t>3/4/22</a:t>
+              <a:t>3/16/22</a:t>
             </a:fld>
             <a:endParaRPr lang="en-US"/>
           </a:p>
@@ -1960,7 +1960,7 @@
           <a:p>
             <a:fld id="{50E52EA3-2204-804F-9678-85900D481E2E}" type="datetimeFigureOut">
               <a:rPr lang="en-US" smtClean="0"/>
-              <a:t>3/4/22</a:t>
+              <a:t>3/16/22</a:t>
             </a:fld>
             <a:endParaRPr lang="en-US"/>
           </a:p>
@@ -2372,7 +2372,7 @@
           <a:p>
             <a:fld id="{50E52EA3-2204-804F-9678-85900D481E2E}" type="datetimeFigureOut">
               <a:rPr lang="en-US" smtClean="0"/>
-              <a:t>3/4/22</a:t>
+              <a:t>3/16/22</a:t>
             </a:fld>
             <a:endParaRPr lang="en-US"/>
           </a:p>
@@ -2513,7 +2513,7 @@
           <a:p>
             <a:fld id="{50E52EA3-2204-804F-9678-85900D481E2E}" type="datetimeFigureOut">
               <a:rPr lang="en-US" smtClean="0"/>
-              <a:t>3/4/22</a:t>
+              <a:t>3/16/22</a:t>
             </a:fld>
             <a:endParaRPr lang="en-US"/>
           </a:p>
@@ -2626,7 +2626,7 @@
           <a:p>
             <a:fld id="{50E52EA3-2204-804F-9678-85900D481E2E}" type="datetimeFigureOut">
               <a:rPr lang="en-US" smtClean="0"/>
-              <a:t>3/4/22</a:t>
+              <a:t>3/16/22</a:t>
             </a:fld>
             <a:endParaRPr lang="en-US"/>
           </a:p>
@@ -2937,7 +2937,7 @@
           <a:p>
             <a:fld id="{50E52EA3-2204-804F-9678-85900D481E2E}" type="datetimeFigureOut">
               <a:rPr lang="en-US" smtClean="0"/>
-              <a:t>3/4/22</a:t>
+              <a:t>3/16/22</a:t>
             </a:fld>
             <a:endParaRPr lang="en-US"/>
           </a:p>
@@ -3225,7 +3225,7 @@
           <a:p>
             <a:fld id="{50E52EA3-2204-804F-9678-85900D481E2E}" type="datetimeFigureOut">
               <a:rPr lang="en-US" smtClean="0"/>
-              <a:t>3/4/22</a:t>
+              <a:t>3/16/22</a:t>
             </a:fld>
             <a:endParaRPr lang="en-US"/>
           </a:p>
@@ -3466,7 +3466,7 @@
           <a:p>
             <a:fld id="{50E52EA3-2204-804F-9678-85900D481E2E}" type="datetimeFigureOut">
               <a:rPr lang="en-US" smtClean="0"/>
-              <a:t>3/4/22</a:t>
+              <a:t>3/16/22</a:t>
             </a:fld>
             <a:endParaRPr lang="en-US"/>
           </a:p>
@@ -5413,7 +5413,7 @@
         </p:nvSpPr>
         <p:spPr>
           <a:xfrm>
-            <a:off x="6809665" y="5437384"/>
+            <a:off x="6809665" y="5603639"/>
             <a:ext cx="1977223" cy="523220"/>
           </a:xfrm>
           <a:prstGeom prst="rect">
@@ -5533,7 +5533,7 @@
         </p:nvSpPr>
         <p:spPr>
           <a:xfrm>
-            <a:off x="5562514" y="704514"/>
+            <a:off x="5562514" y="771015"/>
             <a:ext cx="6051126" cy="307777"/>
           </a:xfrm>
           <a:prstGeom prst="rect">
@@ -5660,7 +5660,7 @@
         </p:nvSpPr>
         <p:spPr>
           <a:xfrm>
-            <a:off x="9975959" y="3007020"/>
+            <a:off x="9776521" y="3048156"/>
             <a:ext cx="959687" cy="738664"/>
           </a:xfrm>
           <a:prstGeom prst="rect">
@@ -7501,6 +7501,870 @@
           </p:txBody>
         </p:sp>
       </p:grpSp>
+      <p:sp>
+        <p:nvSpPr>
+          <p:cNvPr id="2" name="TextBox 1">
+            <a:extLst>
+              <a:ext uri="{FF2B5EF4-FFF2-40B4-BE49-F238E27FC236}">
+                <a16:creationId xmlns:a16="http://schemas.microsoft.com/office/drawing/2014/main" id="{1B17CB3D-9857-1143-A863-1626A712DC87}"/>
+              </a:ext>
+            </a:extLst>
+          </p:cNvPr>
+          <p:cNvSpPr txBox="1"/>
+          <p:nvPr/>
+        </p:nvSpPr>
+        <p:spPr>
+          <a:xfrm>
+            <a:off x="4899020" y="1300814"/>
+            <a:ext cx="297180" cy="369332"/>
+          </a:xfrm>
+          <a:prstGeom prst="rect">
+            <a:avLst/>
+          </a:prstGeom>
+          <a:solidFill>
+            <a:schemeClr val="accent6">
+              <a:lumMod val="20000"/>
+              <a:lumOff val="80000"/>
+            </a:schemeClr>
+          </a:solidFill>
+          <a:ln w="25400">
+            <a:solidFill>
+              <a:schemeClr val="accent6">
+                <a:lumMod val="50000"/>
+              </a:schemeClr>
+            </a:solidFill>
+          </a:ln>
+        </p:spPr>
+        <p:txBody>
+          <a:bodyPr wrap="square" rtlCol="0">
+            <a:spAutoFit/>
+          </a:bodyPr>
+          <a:lstStyle/>
+          <a:p>
+            <a:pPr algn="ctr"/>
+            <a:r>
+              <a:rPr lang="en-US" b="1" dirty="0">
+                <a:solidFill>
+                  <a:schemeClr val="accent6">
+                    <a:lumMod val="50000"/>
+                  </a:schemeClr>
+                </a:solidFill>
+              </a:rPr>
+              <a:t>1</a:t>
+            </a:r>
+          </a:p>
+        </p:txBody>
+      </p:sp>
+      <p:sp>
+        <p:nvSpPr>
+          <p:cNvPr id="80" name="TextBox 79">
+            <a:extLst>
+              <a:ext uri="{FF2B5EF4-FFF2-40B4-BE49-F238E27FC236}">
+                <a16:creationId xmlns:a16="http://schemas.microsoft.com/office/drawing/2014/main" id="{E3529C63-5322-A744-B319-98BA91E66223}"/>
+              </a:ext>
+            </a:extLst>
+          </p:cNvPr>
+          <p:cNvSpPr txBox="1"/>
+          <p:nvPr/>
+        </p:nvSpPr>
+        <p:spPr>
+          <a:xfrm>
+            <a:off x="5848517" y="1298458"/>
+            <a:ext cx="297180" cy="369332"/>
+          </a:xfrm>
+          <a:prstGeom prst="rect">
+            <a:avLst/>
+          </a:prstGeom>
+          <a:solidFill>
+            <a:schemeClr val="accent6">
+              <a:lumMod val="20000"/>
+              <a:lumOff val="80000"/>
+            </a:schemeClr>
+          </a:solidFill>
+          <a:ln w="25400">
+            <a:solidFill>
+              <a:schemeClr val="accent6">
+                <a:lumMod val="50000"/>
+              </a:schemeClr>
+            </a:solidFill>
+          </a:ln>
+        </p:spPr>
+        <p:txBody>
+          <a:bodyPr wrap="square" rtlCol="0">
+            <a:spAutoFit/>
+          </a:bodyPr>
+          <a:lstStyle/>
+          <a:p>
+            <a:pPr algn="ctr"/>
+            <a:r>
+              <a:rPr lang="en-US" b="1" dirty="0">
+                <a:solidFill>
+                  <a:schemeClr val="accent6">
+                    <a:lumMod val="50000"/>
+                  </a:schemeClr>
+                </a:solidFill>
+              </a:rPr>
+              <a:t>2</a:t>
+            </a:r>
+          </a:p>
+        </p:txBody>
+      </p:sp>
+      <p:sp>
+        <p:nvSpPr>
+          <p:cNvPr id="81" name="TextBox 80">
+            <a:extLst>
+              <a:ext uri="{FF2B5EF4-FFF2-40B4-BE49-F238E27FC236}">
+                <a16:creationId xmlns:a16="http://schemas.microsoft.com/office/drawing/2014/main" id="{4F258ED9-EC4A-6146-92F1-A7D878A4A006}"/>
+              </a:ext>
+            </a:extLst>
+          </p:cNvPr>
+          <p:cNvSpPr txBox="1"/>
+          <p:nvPr/>
+        </p:nvSpPr>
+        <p:spPr>
+          <a:xfrm>
+            <a:off x="6825875" y="1295398"/>
+            <a:ext cx="297180" cy="369332"/>
+          </a:xfrm>
+          <a:prstGeom prst="rect">
+            <a:avLst/>
+          </a:prstGeom>
+          <a:solidFill>
+            <a:schemeClr val="accent6">
+              <a:lumMod val="20000"/>
+              <a:lumOff val="80000"/>
+            </a:schemeClr>
+          </a:solidFill>
+          <a:ln w="25400">
+            <a:solidFill>
+              <a:schemeClr val="accent6">
+                <a:lumMod val="50000"/>
+              </a:schemeClr>
+            </a:solidFill>
+          </a:ln>
+        </p:spPr>
+        <p:txBody>
+          <a:bodyPr wrap="square" rtlCol="0">
+            <a:spAutoFit/>
+          </a:bodyPr>
+          <a:lstStyle/>
+          <a:p>
+            <a:pPr algn="ctr"/>
+            <a:r>
+              <a:rPr lang="en-US" b="1" dirty="0">
+                <a:solidFill>
+                  <a:schemeClr val="accent6">
+                    <a:lumMod val="50000"/>
+                  </a:schemeClr>
+                </a:solidFill>
+              </a:rPr>
+              <a:t>3</a:t>
+            </a:r>
+          </a:p>
+        </p:txBody>
+      </p:sp>
+      <p:sp>
+        <p:nvSpPr>
+          <p:cNvPr id="85" name="TextBox 84">
+            <a:extLst>
+              <a:ext uri="{FF2B5EF4-FFF2-40B4-BE49-F238E27FC236}">
+                <a16:creationId xmlns:a16="http://schemas.microsoft.com/office/drawing/2014/main" id="{EE4152AD-6E88-E645-994E-833183D46272}"/>
+              </a:ext>
+            </a:extLst>
+          </p:cNvPr>
+          <p:cNvSpPr txBox="1"/>
+          <p:nvPr/>
+        </p:nvSpPr>
+        <p:spPr>
+          <a:xfrm>
+            <a:off x="4148184" y="3047100"/>
+            <a:ext cx="297180" cy="369332"/>
+          </a:xfrm>
+          <a:prstGeom prst="rect">
+            <a:avLst/>
+          </a:prstGeom>
+          <a:solidFill>
+            <a:schemeClr val="accent6">
+              <a:lumMod val="20000"/>
+              <a:lumOff val="80000"/>
+            </a:schemeClr>
+          </a:solidFill>
+          <a:ln w="25400">
+            <a:solidFill>
+              <a:schemeClr val="accent6">
+                <a:lumMod val="50000"/>
+              </a:schemeClr>
+            </a:solidFill>
+          </a:ln>
+        </p:spPr>
+        <p:txBody>
+          <a:bodyPr wrap="square" rtlCol="0">
+            <a:spAutoFit/>
+          </a:bodyPr>
+          <a:lstStyle/>
+          <a:p>
+            <a:pPr algn="ctr"/>
+            <a:r>
+              <a:rPr lang="en-US" b="1" dirty="0">
+                <a:solidFill>
+                  <a:schemeClr val="accent6">
+                    <a:lumMod val="50000"/>
+                  </a:schemeClr>
+                </a:solidFill>
+              </a:rPr>
+              <a:t>4</a:t>
+            </a:r>
+          </a:p>
+        </p:txBody>
+      </p:sp>
+      <p:sp>
+        <p:nvSpPr>
+          <p:cNvPr id="88" name="TextBox 87">
+            <a:extLst>
+              <a:ext uri="{FF2B5EF4-FFF2-40B4-BE49-F238E27FC236}">
+                <a16:creationId xmlns:a16="http://schemas.microsoft.com/office/drawing/2014/main" id="{B2109F4C-9694-BD4C-8273-4C27F4E653F1}"/>
+              </a:ext>
+            </a:extLst>
+          </p:cNvPr>
+          <p:cNvSpPr txBox="1"/>
+          <p:nvPr/>
+        </p:nvSpPr>
+        <p:spPr>
+          <a:xfrm>
+            <a:off x="3729782" y="5040932"/>
+            <a:ext cx="297180" cy="369332"/>
+          </a:xfrm>
+          <a:prstGeom prst="rect">
+            <a:avLst/>
+          </a:prstGeom>
+          <a:solidFill>
+            <a:schemeClr val="accent6">
+              <a:lumMod val="20000"/>
+              <a:lumOff val="80000"/>
+            </a:schemeClr>
+          </a:solidFill>
+          <a:ln w="25400">
+            <a:solidFill>
+              <a:schemeClr val="accent6">
+                <a:lumMod val="50000"/>
+              </a:schemeClr>
+            </a:solidFill>
+          </a:ln>
+        </p:spPr>
+        <p:txBody>
+          <a:bodyPr wrap="square" rtlCol="0">
+            <a:spAutoFit/>
+          </a:bodyPr>
+          <a:lstStyle/>
+          <a:p>
+            <a:pPr algn="ctr"/>
+            <a:r>
+              <a:rPr lang="en-US" b="1" dirty="0">
+                <a:solidFill>
+                  <a:schemeClr val="accent6">
+                    <a:lumMod val="50000"/>
+                  </a:schemeClr>
+                </a:solidFill>
+              </a:rPr>
+              <a:t>5</a:t>
+            </a:r>
+          </a:p>
+        </p:txBody>
+      </p:sp>
+      <p:sp>
+        <p:nvSpPr>
+          <p:cNvPr id="89" name="TextBox 88">
+            <a:extLst>
+              <a:ext uri="{FF2B5EF4-FFF2-40B4-BE49-F238E27FC236}">
+                <a16:creationId xmlns:a16="http://schemas.microsoft.com/office/drawing/2014/main" id="{741C2CDB-C418-E240-9824-F33B6FB55B1F}"/>
+              </a:ext>
+            </a:extLst>
+          </p:cNvPr>
+          <p:cNvSpPr txBox="1"/>
+          <p:nvPr/>
+        </p:nvSpPr>
+        <p:spPr>
+          <a:xfrm>
+            <a:off x="5238280" y="6468265"/>
+            <a:ext cx="297180" cy="369332"/>
+          </a:xfrm>
+          <a:prstGeom prst="rect">
+            <a:avLst/>
+          </a:prstGeom>
+          <a:solidFill>
+            <a:schemeClr val="accent6">
+              <a:lumMod val="20000"/>
+              <a:lumOff val="80000"/>
+            </a:schemeClr>
+          </a:solidFill>
+          <a:ln w="25400">
+            <a:solidFill>
+              <a:schemeClr val="accent6">
+                <a:lumMod val="50000"/>
+              </a:schemeClr>
+            </a:solidFill>
+          </a:ln>
+        </p:spPr>
+        <p:txBody>
+          <a:bodyPr wrap="square" rtlCol="0">
+            <a:spAutoFit/>
+          </a:bodyPr>
+          <a:lstStyle/>
+          <a:p>
+            <a:pPr algn="ctr"/>
+            <a:r>
+              <a:rPr lang="en-US" b="1" dirty="0">
+                <a:solidFill>
+                  <a:schemeClr val="accent6">
+                    <a:lumMod val="50000"/>
+                  </a:schemeClr>
+                </a:solidFill>
+              </a:rPr>
+              <a:t>6</a:t>
+            </a:r>
+          </a:p>
+        </p:txBody>
+      </p:sp>
+      <p:sp>
+        <p:nvSpPr>
+          <p:cNvPr id="90" name="TextBox 89">
+            <a:extLst>
+              <a:ext uri="{FF2B5EF4-FFF2-40B4-BE49-F238E27FC236}">
+                <a16:creationId xmlns:a16="http://schemas.microsoft.com/office/drawing/2014/main" id="{F72EDA13-3023-F544-9568-8433B3292E59}"/>
+              </a:ext>
+            </a:extLst>
+          </p:cNvPr>
+          <p:cNvSpPr txBox="1"/>
+          <p:nvPr/>
+        </p:nvSpPr>
+        <p:spPr>
+          <a:xfrm>
+            <a:off x="5099500" y="2700643"/>
+            <a:ext cx="297180" cy="369332"/>
+          </a:xfrm>
+          <a:prstGeom prst="rect">
+            <a:avLst/>
+          </a:prstGeom>
+          <a:solidFill>
+            <a:schemeClr val="accent6">
+              <a:lumMod val="20000"/>
+              <a:lumOff val="80000"/>
+            </a:schemeClr>
+          </a:solidFill>
+          <a:ln w="25400">
+            <a:solidFill>
+              <a:schemeClr val="accent6">
+                <a:lumMod val="50000"/>
+              </a:schemeClr>
+            </a:solidFill>
+          </a:ln>
+        </p:spPr>
+        <p:txBody>
+          <a:bodyPr wrap="square" rtlCol="0">
+            <a:spAutoFit/>
+          </a:bodyPr>
+          <a:lstStyle/>
+          <a:p>
+            <a:pPr algn="ctr"/>
+            <a:r>
+              <a:rPr lang="en-US" b="1" dirty="0">
+                <a:solidFill>
+                  <a:schemeClr val="accent6">
+                    <a:lumMod val="50000"/>
+                  </a:schemeClr>
+                </a:solidFill>
+              </a:rPr>
+              <a:t>7</a:t>
+            </a:r>
+          </a:p>
+        </p:txBody>
+      </p:sp>
+      <p:sp>
+        <p:nvSpPr>
+          <p:cNvPr id="92" name="TextBox 91">
+            <a:extLst>
+              <a:ext uri="{FF2B5EF4-FFF2-40B4-BE49-F238E27FC236}">
+                <a16:creationId xmlns:a16="http://schemas.microsoft.com/office/drawing/2014/main" id="{C8B9378D-E069-5E43-A1D1-C030C23C26D6}"/>
+              </a:ext>
+            </a:extLst>
+          </p:cNvPr>
+          <p:cNvSpPr txBox="1"/>
+          <p:nvPr/>
+        </p:nvSpPr>
+        <p:spPr>
+          <a:xfrm>
+            <a:off x="5665266" y="2644816"/>
+            <a:ext cx="297180" cy="369332"/>
+          </a:xfrm>
+          <a:prstGeom prst="rect">
+            <a:avLst/>
+          </a:prstGeom>
+          <a:solidFill>
+            <a:schemeClr val="accent6">
+              <a:lumMod val="20000"/>
+              <a:lumOff val="80000"/>
+            </a:schemeClr>
+          </a:solidFill>
+          <a:ln w="25400">
+            <a:solidFill>
+              <a:schemeClr val="accent6">
+                <a:lumMod val="50000"/>
+              </a:schemeClr>
+            </a:solidFill>
+          </a:ln>
+        </p:spPr>
+        <p:txBody>
+          <a:bodyPr wrap="square" rtlCol="0">
+            <a:spAutoFit/>
+          </a:bodyPr>
+          <a:lstStyle/>
+          <a:p>
+            <a:pPr algn="ctr"/>
+            <a:r>
+              <a:rPr lang="en-US" b="1" dirty="0">
+                <a:solidFill>
+                  <a:schemeClr val="accent6">
+                    <a:lumMod val="50000"/>
+                  </a:schemeClr>
+                </a:solidFill>
+              </a:rPr>
+              <a:t>8</a:t>
+            </a:r>
+          </a:p>
+        </p:txBody>
+      </p:sp>
+      <p:sp>
+        <p:nvSpPr>
+          <p:cNvPr id="93" name="TextBox 92">
+            <a:extLst>
+              <a:ext uri="{FF2B5EF4-FFF2-40B4-BE49-F238E27FC236}">
+                <a16:creationId xmlns:a16="http://schemas.microsoft.com/office/drawing/2014/main" id="{EB3F2261-BC40-1B43-8A84-3C51732111A7}"/>
+              </a:ext>
+            </a:extLst>
+          </p:cNvPr>
+          <p:cNvSpPr txBox="1"/>
+          <p:nvPr/>
+        </p:nvSpPr>
+        <p:spPr>
+          <a:xfrm>
+            <a:off x="6205061" y="2702341"/>
+            <a:ext cx="297180" cy="369332"/>
+          </a:xfrm>
+          <a:prstGeom prst="rect">
+            <a:avLst/>
+          </a:prstGeom>
+          <a:solidFill>
+            <a:schemeClr val="accent6">
+              <a:lumMod val="20000"/>
+              <a:lumOff val="80000"/>
+            </a:schemeClr>
+          </a:solidFill>
+          <a:ln w="25400">
+            <a:solidFill>
+              <a:schemeClr val="accent6">
+                <a:lumMod val="50000"/>
+              </a:schemeClr>
+            </a:solidFill>
+          </a:ln>
+        </p:spPr>
+        <p:txBody>
+          <a:bodyPr wrap="square" rtlCol="0">
+            <a:spAutoFit/>
+          </a:bodyPr>
+          <a:lstStyle/>
+          <a:p>
+            <a:pPr algn="ctr"/>
+            <a:r>
+              <a:rPr lang="en-US" b="1" dirty="0">
+                <a:solidFill>
+                  <a:schemeClr val="accent6">
+                    <a:lumMod val="50000"/>
+                  </a:schemeClr>
+                </a:solidFill>
+              </a:rPr>
+              <a:t>9</a:t>
+            </a:r>
+          </a:p>
+        </p:txBody>
+      </p:sp>
+      <p:sp>
+        <p:nvSpPr>
+          <p:cNvPr id="94" name="TextBox 93">
+            <a:extLst>
+              <a:ext uri="{FF2B5EF4-FFF2-40B4-BE49-F238E27FC236}">
+                <a16:creationId xmlns:a16="http://schemas.microsoft.com/office/drawing/2014/main" id="{0CC0ADAB-FFED-C340-A9EF-F806DD0E31E1}"/>
+              </a:ext>
+            </a:extLst>
+          </p:cNvPr>
+          <p:cNvSpPr txBox="1"/>
+          <p:nvPr/>
+        </p:nvSpPr>
+        <p:spPr>
+          <a:xfrm>
+            <a:off x="7537027" y="5276905"/>
+            <a:ext cx="481986" cy="369332"/>
+          </a:xfrm>
+          <a:prstGeom prst="rect">
+            <a:avLst/>
+          </a:prstGeom>
+          <a:solidFill>
+            <a:schemeClr val="accent6">
+              <a:lumMod val="20000"/>
+              <a:lumOff val="80000"/>
+            </a:schemeClr>
+          </a:solidFill>
+          <a:ln w="25400">
+            <a:solidFill>
+              <a:schemeClr val="accent6">
+                <a:lumMod val="50000"/>
+              </a:schemeClr>
+            </a:solidFill>
+          </a:ln>
+        </p:spPr>
+        <p:txBody>
+          <a:bodyPr wrap="square" rtlCol="0">
+            <a:spAutoFit/>
+          </a:bodyPr>
+          <a:lstStyle/>
+          <a:p>
+            <a:pPr algn="ctr"/>
+            <a:r>
+              <a:rPr lang="en-US" b="1" dirty="0">
+                <a:solidFill>
+                  <a:schemeClr val="accent6">
+                    <a:lumMod val="50000"/>
+                  </a:schemeClr>
+                </a:solidFill>
+              </a:rPr>
+              <a:t>10</a:t>
+            </a:r>
+          </a:p>
+        </p:txBody>
+      </p:sp>
+      <p:sp>
+        <p:nvSpPr>
+          <p:cNvPr id="95" name="TextBox 94">
+            <a:extLst>
+              <a:ext uri="{FF2B5EF4-FFF2-40B4-BE49-F238E27FC236}">
+                <a16:creationId xmlns:a16="http://schemas.microsoft.com/office/drawing/2014/main" id="{955074F7-B7FF-8B4A-A57E-D123CD396386}"/>
+              </a:ext>
+            </a:extLst>
+          </p:cNvPr>
+          <p:cNvSpPr txBox="1"/>
+          <p:nvPr/>
+        </p:nvSpPr>
+        <p:spPr>
+          <a:xfrm>
+            <a:off x="5868650" y="4266559"/>
+            <a:ext cx="481986" cy="369332"/>
+          </a:xfrm>
+          <a:prstGeom prst="rect">
+            <a:avLst/>
+          </a:prstGeom>
+          <a:solidFill>
+            <a:schemeClr val="accent6">
+              <a:lumMod val="20000"/>
+              <a:lumOff val="80000"/>
+            </a:schemeClr>
+          </a:solidFill>
+          <a:ln w="25400">
+            <a:solidFill>
+              <a:schemeClr val="accent6">
+                <a:lumMod val="50000"/>
+              </a:schemeClr>
+            </a:solidFill>
+          </a:ln>
+        </p:spPr>
+        <p:txBody>
+          <a:bodyPr wrap="square" rtlCol="0">
+            <a:spAutoFit/>
+          </a:bodyPr>
+          <a:lstStyle/>
+          <a:p>
+            <a:pPr algn="ctr"/>
+            <a:r>
+              <a:rPr lang="en-US" b="1" dirty="0">
+                <a:solidFill>
+                  <a:schemeClr val="accent6">
+                    <a:lumMod val="50000"/>
+                  </a:schemeClr>
+                </a:solidFill>
+              </a:rPr>
+              <a:t>11</a:t>
+            </a:r>
+          </a:p>
+        </p:txBody>
+      </p:sp>
+      <p:sp>
+        <p:nvSpPr>
+          <p:cNvPr id="96" name="TextBox 95">
+            <a:extLst>
+              <a:ext uri="{FF2B5EF4-FFF2-40B4-BE49-F238E27FC236}">
+                <a16:creationId xmlns:a16="http://schemas.microsoft.com/office/drawing/2014/main" id="{F5995287-6C5B-2049-BDBC-7533E75F350E}"/>
+              </a:ext>
+            </a:extLst>
+          </p:cNvPr>
+          <p:cNvSpPr txBox="1"/>
+          <p:nvPr/>
+        </p:nvSpPr>
+        <p:spPr>
+          <a:xfrm>
+            <a:off x="8994280" y="4032680"/>
+            <a:ext cx="481986" cy="369332"/>
+          </a:xfrm>
+          <a:prstGeom prst="rect">
+            <a:avLst/>
+          </a:prstGeom>
+          <a:solidFill>
+            <a:schemeClr val="accent6">
+              <a:lumMod val="20000"/>
+              <a:lumOff val="80000"/>
+            </a:schemeClr>
+          </a:solidFill>
+          <a:ln w="25400">
+            <a:solidFill>
+              <a:schemeClr val="accent6">
+                <a:lumMod val="50000"/>
+              </a:schemeClr>
+            </a:solidFill>
+          </a:ln>
+        </p:spPr>
+        <p:txBody>
+          <a:bodyPr wrap="square" rtlCol="0">
+            <a:spAutoFit/>
+          </a:bodyPr>
+          <a:lstStyle/>
+          <a:p>
+            <a:pPr algn="ctr"/>
+            <a:r>
+              <a:rPr lang="en-US" b="1" dirty="0">
+                <a:solidFill>
+                  <a:schemeClr val="accent6">
+                    <a:lumMod val="50000"/>
+                  </a:schemeClr>
+                </a:solidFill>
+              </a:rPr>
+              <a:t>12</a:t>
+            </a:r>
+          </a:p>
+        </p:txBody>
+      </p:sp>
+      <p:sp>
+        <p:nvSpPr>
+          <p:cNvPr id="97" name="TextBox 96">
+            <a:extLst>
+              <a:ext uri="{FF2B5EF4-FFF2-40B4-BE49-F238E27FC236}">
+                <a16:creationId xmlns:a16="http://schemas.microsoft.com/office/drawing/2014/main" id="{E713F805-3CF5-684C-81FB-5D5321772451}"/>
+              </a:ext>
+            </a:extLst>
+          </p:cNvPr>
+          <p:cNvSpPr txBox="1"/>
+          <p:nvPr/>
+        </p:nvSpPr>
+        <p:spPr>
+          <a:xfrm>
+            <a:off x="10701173" y="5013839"/>
+            <a:ext cx="481986" cy="369332"/>
+          </a:xfrm>
+          <a:prstGeom prst="rect">
+            <a:avLst/>
+          </a:prstGeom>
+          <a:solidFill>
+            <a:schemeClr val="accent6">
+              <a:lumMod val="20000"/>
+              <a:lumOff val="80000"/>
+            </a:schemeClr>
+          </a:solidFill>
+          <a:ln w="25400">
+            <a:solidFill>
+              <a:schemeClr val="accent6">
+                <a:lumMod val="50000"/>
+              </a:schemeClr>
+            </a:solidFill>
+          </a:ln>
+        </p:spPr>
+        <p:txBody>
+          <a:bodyPr wrap="square" rtlCol="0">
+            <a:spAutoFit/>
+          </a:bodyPr>
+          <a:lstStyle/>
+          <a:p>
+            <a:pPr algn="ctr"/>
+            <a:r>
+              <a:rPr lang="en-US" b="1" dirty="0">
+                <a:solidFill>
+                  <a:schemeClr val="accent6">
+                    <a:lumMod val="50000"/>
+                  </a:schemeClr>
+                </a:solidFill>
+              </a:rPr>
+              <a:t>13</a:t>
+            </a:r>
+          </a:p>
+        </p:txBody>
+      </p:sp>
+      <p:sp>
+        <p:nvSpPr>
+          <p:cNvPr id="98" name="TextBox 97">
+            <a:extLst>
+              <a:ext uri="{FF2B5EF4-FFF2-40B4-BE49-F238E27FC236}">
+                <a16:creationId xmlns:a16="http://schemas.microsoft.com/office/drawing/2014/main" id="{4E29A9A4-6A48-9348-AF91-21BA80C6C07B}"/>
+              </a:ext>
+            </a:extLst>
+          </p:cNvPr>
+          <p:cNvSpPr txBox="1"/>
+          <p:nvPr/>
+        </p:nvSpPr>
+        <p:spPr>
+          <a:xfrm>
+            <a:off x="10994966" y="2797605"/>
+            <a:ext cx="481986" cy="369332"/>
+          </a:xfrm>
+          <a:prstGeom prst="rect">
+            <a:avLst/>
+          </a:prstGeom>
+          <a:solidFill>
+            <a:schemeClr val="accent6">
+              <a:lumMod val="20000"/>
+              <a:lumOff val="80000"/>
+            </a:schemeClr>
+          </a:solidFill>
+          <a:ln w="25400">
+            <a:solidFill>
+              <a:schemeClr val="accent6">
+                <a:lumMod val="50000"/>
+              </a:schemeClr>
+            </a:solidFill>
+          </a:ln>
+        </p:spPr>
+        <p:txBody>
+          <a:bodyPr wrap="square" rtlCol="0">
+            <a:spAutoFit/>
+          </a:bodyPr>
+          <a:lstStyle/>
+          <a:p>
+            <a:pPr algn="ctr"/>
+            <a:r>
+              <a:rPr lang="en-US" b="1" dirty="0">
+                <a:solidFill>
+                  <a:schemeClr val="accent6">
+                    <a:lumMod val="50000"/>
+                  </a:schemeClr>
+                </a:solidFill>
+              </a:rPr>
+              <a:t>14</a:t>
+            </a:r>
+          </a:p>
+        </p:txBody>
+      </p:sp>
+      <p:sp>
+        <p:nvSpPr>
+          <p:cNvPr id="99" name="TextBox 98">
+            <a:extLst>
+              <a:ext uri="{FF2B5EF4-FFF2-40B4-BE49-F238E27FC236}">
+                <a16:creationId xmlns:a16="http://schemas.microsoft.com/office/drawing/2014/main" id="{0CC4B71B-821E-CF40-A2BD-5C83A466D98B}"/>
+              </a:ext>
+            </a:extLst>
+          </p:cNvPr>
+          <p:cNvSpPr txBox="1"/>
+          <p:nvPr/>
+        </p:nvSpPr>
+        <p:spPr>
+          <a:xfrm>
+            <a:off x="10696505" y="3273876"/>
+            <a:ext cx="481986" cy="369332"/>
+          </a:xfrm>
+          <a:prstGeom prst="rect">
+            <a:avLst/>
+          </a:prstGeom>
+          <a:solidFill>
+            <a:schemeClr val="accent6">
+              <a:lumMod val="20000"/>
+              <a:lumOff val="80000"/>
+            </a:schemeClr>
+          </a:solidFill>
+          <a:ln w="25400">
+            <a:solidFill>
+              <a:schemeClr val="accent6">
+                <a:lumMod val="50000"/>
+              </a:schemeClr>
+            </a:solidFill>
+          </a:ln>
+        </p:spPr>
+        <p:txBody>
+          <a:bodyPr wrap="square" rtlCol="0">
+            <a:spAutoFit/>
+          </a:bodyPr>
+          <a:lstStyle/>
+          <a:p>
+            <a:pPr algn="ctr"/>
+            <a:r>
+              <a:rPr lang="en-US" b="1" dirty="0">
+                <a:solidFill>
+                  <a:schemeClr val="accent6">
+                    <a:lumMod val="50000"/>
+                  </a:schemeClr>
+                </a:solidFill>
+              </a:rPr>
+              <a:t>15</a:t>
+            </a:r>
+          </a:p>
+        </p:txBody>
+      </p:sp>
+      <p:sp>
+        <p:nvSpPr>
+          <p:cNvPr id="100" name="TextBox 99">
+            <a:extLst>
+              <a:ext uri="{FF2B5EF4-FFF2-40B4-BE49-F238E27FC236}">
+                <a16:creationId xmlns:a16="http://schemas.microsoft.com/office/drawing/2014/main" id="{3204184B-53FA-7E49-BDFD-FC64CEDAC013}"/>
+              </a:ext>
+            </a:extLst>
+          </p:cNvPr>
+          <p:cNvSpPr txBox="1"/>
+          <p:nvPr/>
+        </p:nvSpPr>
+        <p:spPr>
+          <a:xfrm>
+            <a:off x="7876376" y="458545"/>
+            <a:ext cx="481986" cy="369332"/>
+          </a:xfrm>
+          <a:prstGeom prst="rect">
+            <a:avLst/>
+          </a:prstGeom>
+          <a:solidFill>
+            <a:schemeClr val="accent6">
+              <a:lumMod val="20000"/>
+              <a:lumOff val="80000"/>
+            </a:schemeClr>
+          </a:solidFill>
+          <a:ln w="25400">
+            <a:solidFill>
+              <a:schemeClr val="accent6">
+                <a:lumMod val="50000"/>
+              </a:schemeClr>
+            </a:solidFill>
+          </a:ln>
+        </p:spPr>
+        <p:txBody>
+          <a:bodyPr wrap="square" rtlCol="0">
+            <a:spAutoFit/>
+          </a:bodyPr>
+          <a:lstStyle/>
+          <a:p>
+            <a:pPr algn="ctr"/>
+            <a:r>
+              <a:rPr lang="en-US" b="1" dirty="0">
+                <a:solidFill>
+                  <a:schemeClr val="accent6">
+                    <a:lumMod val="50000"/>
+                  </a:schemeClr>
+                </a:solidFill>
+              </a:rPr>
+              <a:t>16</a:t>
+            </a:r>
+          </a:p>
+        </p:txBody>
+      </p:sp>
     </p:spTree>
     <p:extLst>
       <p:ext uri="{BB962C8B-B14F-4D97-AF65-F5344CB8AC3E}">

--- a/experiment_diagram/experiment-B-N6_interconnect.pptx
+++ b/experiment_diagram/experiment-B-N6_interconnect.pptx
@@ -816,7 +816,7 @@
           <a:p>
             <a:fld id="{50E52EA3-2204-804F-9678-85900D481E2E}" type="datetimeFigureOut">
               <a:rPr lang="en-US" smtClean="0"/>
-              <a:t>3/16/22</a:t>
+              <a:t>3/17/22</a:t>
             </a:fld>
             <a:endParaRPr lang="en-US"/>
           </a:p>
@@ -1014,7 +1014,7 @@
           <a:p>
             <a:fld id="{50E52EA3-2204-804F-9678-85900D481E2E}" type="datetimeFigureOut">
               <a:rPr lang="en-US" smtClean="0"/>
-              <a:t>3/16/22</a:t>
+              <a:t>3/17/22</a:t>
             </a:fld>
             <a:endParaRPr lang="en-US"/>
           </a:p>
@@ -1222,7 +1222,7 @@
           <a:p>
             <a:fld id="{50E52EA3-2204-804F-9678-85900D481E2E}" type="datetimeFigureOut">
               <a:rPr lang="en-US" smtClean="0"/>
-              <a:t>3/16/22</a:t>
+              <a:t>3/17/22</a:t>
             </a:fld>
             <a:endParaRPr lang="en-US"/>
           </a:p>
@@ -1420,7 +1420,7 @@
           <a:p>
             <a:fld id="{50E52EA3-2204-804F-9678-85900D481E2E}" type="datetimeFigureOut">
               <a:rPr lang="en-US" smtClean="0"/>
-              <a:t>3/16/22</a:t>
+              <a:t>3/17/22</a:t>
             </a:fld>
             <a:endParaRPr lang="en-US"/>
           </a:p>
@@ -1695,7 +1695,7 @@
           <a:p>
             <a:fld id="{50E52EA3-2204-804F-9678-85900D481E2E}" type="datetimeFigureOut">
               <a:rPr lang="en-US" smtClean="0"/>
-              <a:t>3/16/22</a:t>
+              <a:t>3/17/22</a:t>
             </a:fld>
             <a:endParaRPr lang="en-US"/>
           </a:p>
@@ -1960,7 +1960,7 @@
           <a:p>
             <a:fld id="{50E52EA3-2204-804F-9678-85900D481E2E}" type="datetimeFigureOut">
               <a:rPr lang="en-US" smtClean="0"/>
-              <a:t>3/16/22</a:t>
+              <a:t>3/17/22</a:t>
             </a:fld>
             <a:endParaRPr lang="en-US"/>
           </a:p>
@@ -2372,7 +2372,7 @@
           <a:p>
             <a:fld id="{50E52EA3-2204-804F-9678-85900D481E2E}" type="datetimeFigureOut">
               <a:rPr lang="en-US" smtClean="0"/>
-              <a:t>3/16/22</a:t>
+              <a:t>3/17/22</a:t>
             </a:fld>
             <a:endParaRPr lang="en-US"/>
           </a:p>
@@ -2513,7 +2513,7 @@
           <a:p>
             <a:fld id="{50E52EA3-2204-804F-9678-85900D481E2E}" type="datetimeFigureOut">
               <a:rPr lang="en-US" smtClean="0"/>
-              <a:t>3/16/22</a:t>
+              <a:t>3/17/22</a:t>
             </a:fld>
             <a:endParaRPr lang="en-US"/>
           </a:p>
@@ -2626,7 +2626,7 @@
           <a:p>
             <a:fld id="{50E52EA3-2204-804F-9678-85900D481E2E}" type="datetimeFigureOut">
               <a:rPr lang="en-US" smtClean="0"/>
-              <a:t>3/16/22</a:t>
+              <a:t>3/17/22</a:t>
             </a:fld>
             <a:endParaRPr lang="en-US"/>
           </a:p>
@@ -2937,7 +2937,7 @@
           <a:p>
             <a:fld id="{50E52EA3-2204-804F-9678-85900D481E2E}" type="datetimeFigureOut">
               <a:rPr lang="en-US" smtClean="0"/>
-              <a:t>3/16/22</a:t>
+              <a:t>3/17/22</a:t>
             </a:fld>
             <a:endParaRPr lang="en-US"/>
           </a:p>
@@ -3225,7 +3225,7 @@
           <a:p>
             <a:fld id="{50E52EA3-2204-804F-9678-85900D481E2E}" type="datetimeFigureOut">
               <a:rPr lang="en-US" smtClean="0"/>
-              <a:t>3/16/22</a:t>
+              <a:t>3/17/22</a:t>
             </a:fld>
             <a:endParaRPr lang="en-US"/>
           </a:p>
@@ -3466,7 +3466,7 @@
           <a:p>
             <a:fld id="{50E52EA3-2204-804F-9678-85900D481E2E}" type="datetimeFigureOut">
               <a:rPr lang="en-US" smtClean="0"/>
-              <a:t>3/16/22</a:t>
+              <a:t>3/17/22</a:t>
             </a:fld>
             <a:endParaRPr lang="en-US"/>
           </a:p>
@@ -7515,7 +7515,7 @@
         </p:nvSpPr>
         <p:spPr>
           <a:xfrm>
-            <a:off x="4899020" y="1300814"/>
+            <a:off x="4996124" y="1275360"/>
             <a:ext cx="297180" cy="369332"/>
           </a:xfrm>
           <a:prstGeom prst="rect">
@@ -7569,7 +7569,7 @@
         </p:nvSpPr>
         <p:spPr>
           <a:xfrm>
-            <a:off x="5848517" y="1298458"/>
+            <a:off x="5848517" y="1275360"/>
             <a:ext cx="297180" cy="369332"/>
           </a:xfrm>
           <a:prstGeom prst="rect">
@@ -7623,7 +7623,7 @@
         </p:nvSpPr>
         <p:spPr>
           <a:xfrm>
-            <a:off x="6825875" y="1295398"/>
+            <a:off x="6825875" y="1275360"/>
             <a:ext cx="297180" cy="369332"/>
           </a:xfrm>
           <a:prstGeom prst="rect">
@@ -7766,7 +7766,7 @@
                   </a:schemeClr>
                 </a:solidFill>
               </a:rPr>
-              <a:t>5</a:t>
+              <a:t>6</a:t>
             </a:r>
           </a:p>
         </p:txBody>
@@ -7820,7 +7820,7 @@
                   </a:schemeClr>
                 </a:solidFill>
               </a:rPr>
-              <a:t>6</a:t>
+              <a:t>7</a:t>
             </a:r>
           </a:p>
         </p:txBody>
@@ -7874,7 +7874,7 @@
                   </a:schemeClr>
                 </a:solidFill>
               </a:rPr>
-              <a:t>7</a:t>
+              <a:t>8</a:t>
             </a:r>
           </a:p>
         </p:txBody>
@@ -7928,17 +7928,17 @@
                   </a:schemeClr>
                 </a:solidFill>
               </a:rPr>
-              <a:t>8</a:t>
-            </a:r>
-          </a:p>
-        </p:txBody>
-      </p:sp>
-      <p:sp>
-        <p:nvSpPr>
-          <p:cNvPr id="93" name="TextBox 92">
-            <a:extLst>
-              <a:ext uri="{FF2B5EF4-FFF2-40B4-BE49-F238E27FC236}">
-                <a16:creationId xmlns:a16="http://schemas.microsoft.com/office/drawing/2014/main" id="{EB3F2261-BC40-1B43-8A84-3C51732111A7}"/>
+              <a:t>9</a:t>
+            </a:r>
+          </a:p>
+        </p:txBody>
+      </p:sp>
+      <p:sp>
+        <p:nvSpPr>
+          <p:cNvPr id="94" name="TextBox 93">
+            <a:extLst>
+              <a:ext uri="{FF2B5EF4-FFF2-40B4-BE49-F238E27FC236}">
+                <a16:creationId xmlns:a16="http://schemas.microsoft.com/office/drawing/2014/main" id="{0CC0ADAB-FFED-C340-A9EF-F806DD0E31E1}"/>
               </a:ext>
             </a:extLst>
           </p:cNvPr>
@@ -7947,8 +7947,8 @@
         </p:nvSpPr>
         <p:spPr>
           <a:xfrm>
-            <a:off x="6205061" y="2702341"/>
-            <a:ext cx="297180" cy="369332"/>
+            <a:off x="7537027" y="5276905"/>
+            <a:ext cx="481986" cy="369332"/>
           </a:xfrm>
           <a:prstGeom prst="rect">
             <a:avLst/>
@@ -7982,17 +7982,17 @@
                   </a:schemeClr>
                 </a:solidFill>
               </a:rPr>
-              <a:t>9</a:t>
-            </a:r>
-          </a:p>
-        </p:txBody>
-      </p:sp>
-      <p:sp>
-        <p:nvSpPr>
-          <p:cNvPr id="94" name="TextBox 93">
-            <a:extLst>
-              <a:ext uri="{FF2B5EF4-FFF2-40B4-BE49-F238E27FC236}">
-                <a16:creationId xmlns:a16="http://schemas.microsoft.com/office/drawing/2014/main" id="{0CC0ADAB-FFED-C340-A9EF-F806DD0E31E1}"/>
+              <a:t>11</a:t>
+            </a:r>
+          </a:p>
+        </p:txBody>
+      </p:sp>
+      <p:sp>
+        <p:nvSpPr>
+          <p:cNvPr id="95" name="TextBox 94">
+            <a:extLst>
+              <a:ext uri="{FF2B5EF4-FFF2-40B4-BE49-F238E27FC236}">
+                <a16:creationId xmlns:a16="http://schemas.microsoft.com/office/drawing/2014/main" id="{955074F7-B7FF-8B4A-A57E-D123CD396386}"/>
               </a:ext>
             </a:extLst>
           </p:cNvPr>
@@ -8001,7 +8001,7 @@
         </p:nvSpPr>
         <p:spPr>
           <a:xfrm>
-            <a:off x="7537027" y="5276905"/>
+            <a:off x="5868650" y="4266559"/>
             <a:ext cx="481986" cy="369332"/>
           </a:xfrm>
           <a:prstGeom prst="rect">
@@ -8036,17 +8036,17 @@
                   </a:schemeClr>
                 </a:solidFill>
               </a:rPr>
-              <a:t>10</a:t>
-            </a:r>
-          </a:p>
-        </p:txBody>
-      </p:sp>
-      <p:sp>
-        <p:nvSpPr>
-          <p:cNvPr id="95" name="TextBox 94">
-            <a:extLst>
-              <a:ext uri="{FF2B5EF4-FFF2-40B4-BE49-F238E27FC236}">
-                <a16:creationId xmlns:a16="http://schemas.microsoft.com/office/drawing/2014/main" id="{955074F7-B7FF-8B4A-A57E-D123CD396386}"/>
+              <a:t>12</a:t>
+            </a:r>
+          </a:p>
+        </p:txBody>
+      </p:sp>
+      <p:sp>
+        <p:nvSpPr>
+          <p:cNvPr id="96" name="TextBox 95">
+            <a:extLst>
+              <a:ext uri="{FF2B5EF4-FFF2-40B4-BE49-F238E27FC236}">
+                <a16:creationId xmlns:a16="http://schemas.microsoft.com/office/drawing/2014/main" id="{F5995287-6C5B-2049-BDBC-7533E75F350E}"/>
               </a:ext>
             </a:extLst>
           </p:cNvPr>
@@ -8055,7 +8055,7 @@
         </p:nvSpPr>
         <p:spPr>
           <a:xfrm>
-            <a:off x="5868650" y="4266559"/>
+            <a:off x="8994280" y="4032680"/>
             <a:ext cx="481986" cy="369332"/>
           </a:xfrm>
           <a:prstGeom prst="rect">
@@ -8090,17 +8090,17 @@
                   </a:schemeClr>
                 </a:solidFill>
               </a:rPr>
-              <a:t>11</a:t>
-            </a:r>
-          </a:p>
-        </p:txBody>
-      </p:sp>
-      <p:sp>
-        <p:nvSpPr>
-          <p:cNvPr id="96" name="TextBox 95">
-            <a:extLst>
-              <a:ext uri="{FF2B5EF4-FFF2-40B4-BE49-F238E27FC236}">
-                <a16:creationId xmlns:a16="http://schemas.microsoft.com/office/drawing/2014/main" id="{F5995287-6C5B-2049-BDBC-7533E75F350E}"/>
+              <a:t>13</a:t>
+            </a:r>
+          </a:p>
+        </p:txBody>
+      </p:sp>
+      <p:sp>
+        <p:nvSpPr>
+          <p:cNvPr id="97" name="TextBox 96">
+            <a:extLst>
+              <a:ext uri="{FF2B5EF4-FFF2-40B4-BE49-F238E27FC236}">
+                <a16:creationId xmlns:a16="http://schemas.microsoft.com/office/drawing/2014/main" id="{E713F805-3CF5-684C-81FB-5D5321772451}"/>
               </a:ext>
             </a:extLst>
           </p:cNvPr>
@@ -8109,7 +8109,7 @@
         </p:nvSpPr>
         <p:spPr>
           <a:xfrm>
-            <a:off x="8994280" y="4032680"/>
+            <a:off x="10701173" y="5013839"/>
             <a:ext cx="481986" cy="369332"/>
           </a:xfrm>
           <a:prstGeom prst="rect">
@@ -8144,17 +8144,17 @@
                   </a:schemeClr>
                 </a:solidFill>
               </a:rPr>
-              <a:t>12</a:t>
-            </a:r>
-          </a:p>
-        </p:txBody>
-      </p:sp>
-      <p:sp>
-        <p:nvSpPr>
-          <p:cNvPr id="97" name="TextBox 96">
-            <a:extLst>
-              <a:ext uri="{FF2B5EF4-FFF2-40B4-BE49-F238E27FC236}">
-                <a16:creationId xmlns:a16="http://schemas.microsoft.com/office/drawing/2014/main" id="{E713F805-3CF5-684C-81FB-5D5321772451}"/>
+              <a:t>14</a:t>
+            </a:r>
+          </a:p>
+        </p:txBody>
+      </p:sp>
+      <p:sp>
+        <p:nvSpPr>
+          <p:cNvPr id="98" name="TextBox 97">
+            <a:extLst>
+              <a:ext uri="{FF2B5EF4-FFF2-40B4-BE49-F238E27FC236}">
+                <a16:creationId xmlns:a16="http://schemas.microsoft.com/office/drawing/2014/main" id="{4E29A9A4-6A48-9348-AF91-21BA80C6C07B}"/>
               </a:ext>
             </a:extLst>
           </p:cNvPr>
@@ -8163,7 +8163,7 @@
         </p:nvSpPr>
         <p:spPr>
           <a:xfrm>
-            <a:off x="10701173" y="5013839"/>
+            <a:off x="11181082" y="2765237"/>
             <a:ext cx="481986" cy="369332"/>
           </a:xfrm>
           <a:prstGeom prst="rect">
@@ -8198,17 +8198,17 @@
                   </a:schemeClr>
                 </a:solidFill>
               </a:rPr>
-              <a:t>13</a:t>
-            </a:r>
-          </a:p>
-        </p:txBody>
-      </p:sp>
-      <p:sp>
-        <p:nvSpPr>
-          <p:cNvPr id="98" name="TextBox 97">
-            <a:extLst>
-              <a:ext uri="{FF2B5EF4-FFF2-40B4-BE49-F238E27FC236}">
-                <a16:creationId xmlns:a16="http://schemas.microsoft.com/office/drawing/2014/main" id="{4E29A9A4-6A48-9348-AF91-21BA80C6C07B}"/>
+              <a:t>15</a:t>
+            </a:r>
+          </a:p>
+        </p:txBody>
+      </p:sp>
+      <p:sp>
+        <p:nvSpPr>
+          <p:cNvPr id="99" name="TextBox 98">
+            <a:extLst>
+              <a:ext uri="{FF2B5EF4-FFF2-40B4-BE49-F238E27FC236}">
+                <a16:creationId xmlns:a16="http://schemas.microsoft.com/office/drawing/2014/main" id="{0CC4B71B-821E-CF40-A2BD-5C83A466D98B}"/>
               </a:ext>
             </a:extLst>
           </p:cNvPr>
@@ -8217,7 +8217,7 @@
         </p:nvSpPr>
         <p:spPr>
           <a:xfrm>
-            <a:off x="10994966" y="2797605"/>
+            <a:off x="10696505" y="3273876"/>
             <a:ext cx="481986" cy="369332"/>
           </a:xfrm>
           <a:prstGeom prst="rect">
@@ -8252,17 +8252,17 @@
                   </a:schemeClr>
                 </a:solidFill>
               </a:rPr>
-              <a:t>14</a:t>
-            </a:r>
-          </a:p>
-        </p:txBody>
-      </p:sp>
-      <p:sp>
-        <p:nvSpPr>
-          <p:cNvPr id="99" name="TextBox 98">
-            <a:extLst>
-              <a:ext uri="{FF2B5EF4-FFF2-40B4-BE49-F238E27FC236}">
-                <a16:creationId xmlns:a16="http://schemas.microsoft.com/office/drawing/2014/main" id="{0CC4B71B-821E-CF40-A2BD-5C83A466D98B}"/>
+              <a:t>16</a:t>
+            </a:r>
+          </a:p>
+        </p:txBody>
+      </p:sp>
+      <p:sp>
+        <p:nvSpPr>
+          <p:cNvPr id="101" name="TextBox 100">
+            <a:extLst>
+              <a:ext uri="{FF2B5EF4-FFF2-40B4-BE49-F238E27FC236}">
+                <a16:creationId xmlns:a16="http://schemas.microsoft.com/office/drawing/2014/main" id="{43D6964B-D4D6-5743-BB72-390BB83E816C}"/>
               </a:ext>
             </a:extLst>
           </p:cNvPr>
@@ -8271,8 +8271,8 @@
         </p:nvSpPr>
         <p:spPr>
           <a:xfrm>
-            <a:off x="10696505" y="3273876"/>
-            <a:ext cx="481986" cy="369332"/>
+            <a:off x="5238350" y="529864"/>
+            <a:ext cx="297180" cy="369332"/>
           </a:xfrm>
           <a:prstGeom prst="rect">
             <a:avLst/>
@@ -8306,17 +8306,17 @@
                   </a:schemeClr>
                 </a:solidFill>
               </a:rPr>
-              <a:t>15</a:t>
-            </a:r>
-          </a:p>
-        </p:txBody>
-      </p:sp>
-      <p:sp>
-        <p:nvSpPr>
-          <p:cNvPr id="100" name="TextBox 99">
-            <a:extLst>
-              <a:ext uri="{FF2B5EF4-FFF2-40B4-BE49-F238E27FC236}">
-                <a16:creationId xmlns:a16="http://schemas.microsoft.com/office/drawing/2014/main" id="{3204184B-53FA-7E49-BDFD-FC64CEDAC013}"/>
+              <a:t>5</a:t>
+            </a:r>
+          </a:p>
+        </p:txBody>
+      </p:sp>
+      <p:sp>
+        <p:nvSpPr>
+          <p:cNvPr id="104" name="TextBox 103">
+            <a:extLst>
+              <a:ext uri="{FF2B5EF4-FFF2-40B4-BE49-F238E27FC236}">
+                <a16:creationId xmlns:a16="http://schemas.microsoft.com/office/drawing/2014/main" id="{8FF9DF29-8FC9-A74D-A896-3FC80ADACA58}"/>
               </a:ext>
             </a:extLst>
           </p:cNvPr>
@@ -8325,7 +8325,7 @@
         </p:nvSpPr>
         <p:spPr>
           <a:xfrm>
-            <a:off x="7876376" y="458545"/>
+            <a:off x="6175364" y="2661558"/>
             <a:ext cx="481986" cy="369332"/>
           </a:xfrm>
           <a:prstGeom prst="rect">
@@ -8360,7 +8360,7 @@
                   </a:schemeClr>
                 </a:solidFill>
               </a:rPr>
-              <a:t>16</a:t>
+              <a:t>10</a:t>
             </a:r>
           </a:p>
         </p:txBody>

--- a/experiment_diagram/experiment-B-N6_interconnect.pptx
+++ b/experiment_diagram/experiment-B-N6_interconnect.pptx
@@ -4047,10 +4047,10 @@
       </p:sp>
       <p:sp>
         <p:nvSpPr>
-          <p:cNvPr id="12" name="Rounded Rectangle 11">
-            <a:extLst>
-              <a:ext uri="{FF2B5EF4-FFF2-40B4-BE49-F238E27FC236}">
-                <a16:creationId xmlns:a16="http://schemas.microsoft.com/office/drawing/2014/main" id="{F0116956-FCCD-0748-BCB3-ABD6C0D6A895}"/>
+          <p:cNvPr id="19" name="Oval 18">
+            <a:extLst>
+              <a:ext uri="{FF2B5EF4-FFF2-40B4-BE49-F238E27FC236}">
+                <a16:creationId xmlns:a16="http://schemas.microsoft.com/office/drawing/2014/main" id="{3F422638-7BB9-C542-A481-D2E4D0C253EC}"/>
               </a:ext>
             </a:extLst>
           </p:cNvPr>
@@ -4059,21 +4059,17 @@
         </p:nvSpPr>
         <p:spPr>
           <a:xfrm>
-            <a:off x="10221601" y="3814394"/>
-            <a:ext cx="1427830" cy="824359"/>
-          </a:xfrm>
-          <a:prstGeom prst="roundRect">
+            <a:off x="2706615" y="1839933"/>
+            <a:ext cx="1382139" cy="824359"/>
+          </a:xfrm>
+          <a:prstGeom prst="ellipse">
             <a:avLst/>
           </a:prstGeom>
           <a:solidFill>
-            <a:schemeClr val="bg1">
-              <a:lumMod val="50000"/>
-            </a:schemeClr>
+            <a:srgbClr val="307F9C"/>
           </a:solidFill>
-          <a:ln w="25400" cap="flat" cmpd="sng" algn="ctr">
-            <a:solidFill>
-              <a:schemeClr val="tx1"/>
-            </a:solidFill>
+          <a:ln w="12700" cap="flat" cmpd="sng" algn="ctr">
+            <a:noFill/>
             <a:prstDash val="solid"/>
             <a:miter lim="800000"/>
           </a:ln>
@@ -4118,7 +4114,7 @@
                 <a:cs typeface="+mn-cs"/>
                 <a:sym typeface="Arial"/>
               </a:rPr>
-              <a:t>Electric Grid Operations UC/ED</a:t>
+              <a:t>Socio-economic  Scenario</a:t>
             </a:r>
           </a:p>
           <a:p>
@@ -4157,265 +4153,7 @@
                 <a:cs typeface="+mn-cs"/>
                 <a:sym typeface="Arial"/>
               </a:rPr>
-              <a:t>(</a:t>
-            </a:r>
-            <a:r>
-              <a:rPr lang="en-US" sz="1400" kern="0" dirty="0">
-                <a:solidFill>
-                  <a:srgbClr val="FFFFFF"/>
-                </a:solidFill>
-                <a:latin typeface="Calibri" panose="020F0502020204030204"/>
-                <a:sym typeface="Arial"/>
-              </a:rPr>
-              <a:t>GO</a:t>
-            </a:r>
-            <a:r>
-              <a:rPr kumimoji="0" lang="en-US" sz="1400" b="0" i="0" u="none" strike="noStrike" kern="0" cap="none" spc="0" normalizeH="0" baseline="0" noProof="0" dirty="0">
-                <a:ln>
-                  <a:noFill/>
-                </a:ln>
-                <a:solidFill>
-                  <a:srgbClr val="FFFFFF"/>
-                </a:solidFill>
-                <a:effectLst/>
-                <a:uLnTx/>
-                <a:uFillTx/>
-                <a:latin typeface="Calibri" panose="020F0502020204030204"/>
-                <a:ea typeface="+mn-ea"/>
-                <a:cs typeface="+mn-cs"/>
-                <a:sym typeface="Arial"/>
-              </a:rPr>
-              <a:t>)</a:t>
-            </a:r>
-          </a:p>
-        </p:txBody>
-      </p:sp>
-      <p:sp>
-        <p:nvSpPr>
-          <p:cNvPr id="19" name="Oval 18">
-            <a:extLst>
-              <a:ext uri="{FF2B5EF4-FFF2-40B4-BE49-F238E27FC236}">
-                <a16:creationId xmlns:a16="http://schemas.microsoft.com/office/drawing/2014/main" id="{3F422638-7BB9-C542-A481-D2E4D0C253EC}"/>
-              </a:ext>
-            </a:extLst>
-          </p:cNvPr>
-          <p:cNvSpPr/>
-          <p:nvPr/>
-        </p:nvSpPr>
-        <p:spPr>
-          <a:xfrm>
-            <a:off x="2706615" y="1839933"/>
-            <a:ext cx="1382139" cy="824359"/>
-          </a:xfrm>
-          <a:prstGeom prst="ellipse">
-            <a:avLst/>
-          </a:prstGeom>
-          <a:solidFill>
-            <a:srgbClr val="307F9C"/>
-          </a:solidFill>
-          <a:ln w="12700" cap="flat" cmpd="sng" algn="ctr">
-            <a:noFill/>
-            <a:prstDash val="solid"/>
-            <a:miter lim="800000"/>
-          </a:ln>
-          <a:effectLst/>
-        </p:spPr>
-        <p:txBody>
-          <a:bodyPr rtlCol="0" anchor="ctr"/>
-          <a:lstStyle/>
-          <a:p>
-            <a:pPr marL="0" marR="0" lvl="0" indent="0" algn="ctr" defTabSz="914400" eaLnBrk="1" fontAlgn="auto" latinLnBrk="0" hangingPunct="1">
-              <a:lnSpc>
-                <a:spcPct val="100000"/>
-              </a:lnSpc>
-              <a:spcBef>
-                <a:spcPts val="0"/>
-              </a:spcBef>
-              <a:spcAft>
-                <a:spcPts val="0"/>
-              </a:spcAft>
-              <a:buClr>
-                <a:srgbClr val="000000"/>
-              </a:buClr>
-              <a:buSzTx/>
-              <a:buFont typeface="Arial"/>
-              <a:buNone/>
-              <a:tabLst/>
-              <a:defRPr/>
-            </a:pPr>
-            <a:r>
-              <a:rPr kumimoji="0" lang="en-US" sz="1400" b="0" i="0" u="none" strike="noStrike" kern="0" cap="none" spc="0" normalizeH="0" baseline="0" noProof="0" dirty="0">
-                <a:ln>
-                  <a:noFill/>
-                </a:ln>
-                <a:solidFill>
-                  <a:srgbClr val="FFFFFF"/>
-                </a:solidFill>
-                <a:effectLst/>
-                <a:uLnTx/>
-                <a:uFillTx/>
-                <a:latin typeface="Calibri" panose="020F0502020204030204"/>
-                <a:ea typeface="+mn-ea"/>
-                <a:cs typeface="+mn-cs"/>
-                <a:sym typeface="Arial"/>
-              </a:rPr>
-              <a:t>Socio-economic  Scenario</a:t>
-            </a:r>
-          </a:p>
-          <a:p>
-            <a:pPr marL="0" marR="0" lvl="0" indent="0" algn="ctr" defTabSz="914400" eaLnBrk="1" fontAlgn="auto" latinLnBrk="0" hangingPunct="1">
-              <a:lnSpc>
-                <a:spcPct val="100000"/>
-              </a:lnSpc>
-              <a:spcBef>
-                <a:spcPts val="0"/>
-              </a:spcBef>
-              <a:spcAft>
-                <a:spcPts val="0"/>
-              </a:spcAft>
-              <a:buClr>
-                <a:srgbClr val="000000"/>
-              </a:buClr>
-              <a:buSzTx/>
-              <a:buFont typeface="Arial"/>
-              <a:buNone/>
-              <a:tabLst/>
-              <a:defRPr/>
-            </a:pPr>
-            <a:r>
-              <a:rPr kumimoji="0" lang="en-US" sz="1400" b="0" i="0" u="none" strike="noStrike" kern="0" cap="none" spc="0" normalizeH="0" baseline="0" noProof="0" dirty="0">
-                <a:ln>
-                  <a:noFill/>
-                </a:ln>
-                <a:solidFill>
-                  <a:srgbClr val="FFFFFF"/>
-                </a:solidFill>
-                <a:effectLst/>
-                <a:uLnTx/>
-                <a:uFillTx/>
-                <a:latin typeface="Calibri" panose="020F0502020204030204"/>
-                <a:ea typeface="+mn-ea"/>
-                <a:cs typeface="+mn-cs"/>
-                <a:sym typeface="Arial"/>
-              </a:rPr>
               <a:t>(SSP3, 5)</a:t>
-            </a:r>
-          </a:p>
-        </p:txBody>
-      </p:sp>
-      <p:sp>
-        <p:nvSpPr>
-          <p:cNvPr id="24" name="Rounded Rectangle 23">
-            <a:extLst>
-              <a:ext uri="{FF2B5EF4-FFF2-40B4-BE49-F238E27FC236}">
-                <a16:creationId xmlns:a16="http://schemas.microsoft.com/office/drawing/2014/main" id="{1D075DFC-86C8-F549-9F4F-5BAF7DAC4516}"/>
-              </a:ext>
-            </a:extLst>
-          </p:cNvPr>
-          <p:cNvSpPr/>
-          <p:nvPr/>
-        </p:nvSpPr>
-        <p:spPr>
-          <a:xfrm>
-            <a:off x="5434323" y="5089471"/>
-            <a:ext cx="1382139" cy="744200"/>
-          </a:xfrm>
-          <a:prstGeom prst="roundRect">
-            <a:avLst/>
-          </a:prstGeom>
-          <a:solidFill>
-            <a:schemeClr val="bg1">
-              <a:lumMod val="50000"/>
-            </a:schemeClr>
-          </a:solidFill>
-          <a:ln w="25400" cap="flat" cmpd="sng" algn="ctr">
-            <a:solidFill>
-              <a:schemeClr val="tx1"/>
-            </a:solidFill>
-            <a:prstDash val="solid"/>
-            <a:miter lim="800000"/>
-          </a:ln>
-          <a:effectLst/>
-        </p:spPr>
-        <p:txBody>
-          <a:bodyPr rtlCol="0" anchor="ctr"/>
-          <a:lstStyle/>
-          <a:p>
-            <a:pPr marL="0" marR="0" lvl="0" indent="0" algn="ctr" defTabSz="914400" eaLnBrk="1" fontAlgn="auto" latinLnBrk="0" hangingPunct="1">
-              <a:lnSpc>
-                <a:spcPct val="100000"/>
-              </a:lnSpc>
-              <a:spcBef>
-                <a:spcPts val="0"/>
-              </a:spcBef>
-              <a:spcAft>
-                <a:spcPts val="0"/>
-              </a:spcAft>
-              <a:buClr>
-                <a:srgbClr val="000000"/>
-              </a:buClr>
-              <a:buSzTx/>
-              <a:buFont typeface="Arial"/>
-              <a:buNone/>
-              <a:tabLst/>
-              <a:defRPr/>
-            </a:pPr>
-            <a:r>
-              <a:rPr kumimoji="0" lang="en-US" sz="1400" b="0" i="0" u="none" strike="noStrike" kern="0" cap="none" spc="0" normalizeH="0" baseline="0" noProof="0" dirty="0">
-                <a:ln>
-                  <a:noFill/>
-                </a:ln>
-                <a:solidFill>
-                  <a:srgbClr val="FFFFFF"/>
-                </a:solidFill>
-                <a:effectLst/>
-                <a:uLnTx/>
-                <a:uFillTx/>
-                <a:latin typeface="Calibri" panose="020F0502020204030204"/>
-                <a:ea typeface="+mn-ea"/>
-                <a:cs typeface="+mn-cs"/>
-                <a:sym typeface="Arial"/>
-              </a:rPr>
-              <a:t>Energy, Water, Land Markets</a:t>
-            </a:r>
-          </a:p>
-          <a:p>
-            <a:pPr marL="0" marR="0" lvl="0" indent="0" algn="ctr" defTabSz="914400" eaLnBrk="1" fontAlgn="auto" latinLnBrk="0" hangingPunct="1">
-              <a:lnSpc>
-                <a:spcPct val="100000"/>
-              </a:lnSpc>
-              <a:spcBef>
-                <a:spcPts val="0"/>
-              </a:spcBef>
-              <a:spcAft>
-                <a:spcPts val="0"/>
-              </a:spcAft>
-              <a:buClr>
-                <a:srgbClr val="000000"/>
-              </a:buClr>
-              <a:buSzTx/>
-              <a:buFont typeface="Arial"/>
-              <a:buNone/>
-              <a:tabLst/>
-              <a:defRPr/>
-            </a:pPr>
-            <a:r>
-              <a:rPr kumimoji="0" lang="en-US" sz="1400" b="0" i="0" u="none" strike="noStrike" kern="0" cap="none" spc="0" normalizeH="0" baseline="0" noProof="0" dirty="0">
-                <a:ln>
-                  <a:noFill/>
-                </a:ln>
-                <a:solidFill>
-                  <a:srgbClr val="FFFFFF"/>
-                </a:solidFill>
-                <a:effectLst/>
-                <a:uLnTx/>
-                <a:uFillTx/>
-                <a:latin typeface="Calibri" panose="020F0502020204030204"/>
-                <a:ea typeface="+mn-ea"/>
-                <a:cs typeface="+mn-cs"/>
-                <a:sym typeface="Arial"/>
-              </a:rPr>
-              <a:t>(GCAM-USA)</a:t>
             </a:r>
           </a:p>
         </p:txBody>
@@ -4449,7 +4187,9 @@
           <a:noFill/>
           <a:ln w="25400" cap="flat" cmpd="sng" algn="ctr">
             <a:solidFill>
-              <a:schemeClr val="tx1"/>
+              <a:schemeClr val="accent6">
+                <a:lumMod val="75000"/>
+              </a:schemeClr>
             </a:solidFill>
             <a:prstDash val="solid"/>
             <a:miter lim="800000"/>
@@ -4487,7 +4227,9 @@
           <a:noFill/>
           <a:ln w="25400" cap="flat" cmpd="sng" algn="ctr">
             <a:solidFill>
-              <a:schemeClr val="tx1"/>
+              <a:schemeClr val="accent6">
+                <a:lumMod val="75000"/>
+              </a:schemeClr>
             </a:solidFill>
             <a:prstDash val="solid"/>
             <a:miter lim="800000"/>
@@ -4522,7 +4264,9 @@
           <a:noFill/>
           <a:ln w="25400" cap="flat" cmpd="sng" algn="ctr">
             <a:solidFill>
-              <a:schemeClr val="tx1"/>
+              <a:schemeClr val="accent6">
+                <a:lumMod val="75000"/>
+              </a:schemeClr>
             </a:solidFill>
             <a:prstDash val="solid"/>
             <a:miter lim="800000"/>
@@ -4531,84 +4275,6 @@
           <a:effectLst/>
         </p:spPr>
       </p:cxnSp>
-      <p:sp>
-        <p:nvSpPr>
-          <p:cNvPr id="36" name="Rounded Rectangle 35">
-            <a:extLst>
-              <a:ext uri="{FF2B5EF4-FFF2-40B4-BE49-F238E27FC236}">
-                <a16:creationId xmlns:a16="http://schemas.microsoft.com/office/drawing/2014/main" id="{BC28141A-8220-3B48-9D85-19C7DBB3D748}"/>
-              </a:ext>
-            </a:extLst>
-          </p:cNvPr>
-          <p:cNvSpPr/>
-          <p:nvPr/>
-        </p:nvSpPr>
-        <p:spPr>
-          <a:xfrm>
-            <a:off x="8739578" y="5049392"/>
-            <a:ext cx="1427831" cy="824359"/>
-          </a:xfrm>
-          <a:prstGeom prst="roundRect">
-            <a:avLst/>
-          </a:prstGeom>
-          <a:solidFill>
-            <a:schemeClr val="bg1">
-              <a:lumMod val="50000"/>
-            </a:schemeClr>
-          </a:solidFill>
-          <a:ln w="25400" cap="flat" cmpd="sng" algn="ctr">
-            <a:solidFill>
-              <a:schemeClr val="tx1"/>
-            </a:solidFill>
-            <a:prstDash val="solid"/>
-            <a:miter lim="800000"/>
-          </a:ln>
-          <a:effectLst/>
-        </p:spPr>
-        <p:txBody>
-          <a:bodyPr rtlCol="0" anchor="ctr"/>
-          <a:lstStyle/>
-          <a:p>
-            <a:pPr marL="0" marR="0" lvl="0" indent="0" algn="ctr" defTabSz="914400" eaLnBrk="1" fontAlgn="auto" latinLnBrk="0" hangingPunct="1">
-              <a:lnSpc>
-                <a:spcPct val="100000"/>
-              </a:lnSpc>
-              <a:spcBef>
-                <a:spcPts val="0"/>
-              </a:spcBef>
-              <a:spcAft>
-                <a:spcPts val="0"/>
-              </a:spcAft>
-              <a:buClr>
-                <a:srgbClr val="000000"/>
-              </a:buClr>
-              <a:buSzTx/>
-              <a:buFont typeface="Arial"/>
-              <a:buNone/>
-              <a:tabLst/>
-              <a:defRPr/>
-            </a:pPr>
-            <a:r>
-              <a:rPr kumimoji="0" lang="en-US" sz="1400" b="0" i="0" u="none" strike="noStrike" kern="0" cap="none" spc="0" normalizeH="0" baseline="0" noProof="0" dirty="0">
-                <a:ln>
-                  <a:noFill/>
-                </a:ln>
-                <a:solidFill>
-                  <a:srgbClr val="FFFFFF"/>
-                </a:solidFill>
-                <a:effectLst/>
-                <a:uLnTx/>
-                <a:uFillTx/>
-                <a:latin typeface="Calibri" panose="020F0502020204030204"/>
-                <a:ea typeface="+mn-ea"/>
-                <a:cs typeface="+mn-cs"/>
-                <a:sym typeface="Arial"/>
-              </a:rPr>
-              <a:t>Total ELectricity Loads (TELL)</a:t>
-            </a:r>
-          </a:p>
-        </p:txBody>
-      </p:sp>
       <p:cxnSp>
         <p:nvCxnSpPr>
           <p:cNvPr id="37" name="Straight Arrow Connector 232">
@@ -4636,7 +4302,9 @@
           <a:noFill/>
           <a:ln w="25400" cap="flat" cmpd="sng" algn="ctr">
             <a:solidFill>
-              <a:schemeClr val="tx1"/>
+              <a:schemeClr val="accent4">
+                <a:lumMod val="75000"/>
+              </a:schemeClr>
             </a:solidFill>
             <a:prstDash val="dash"/>
             <a:miter lim="800000"/>
@@ -4675,7 +4343,7 @@
           <a:noFill/>
           <a:ln w="25400" cap="flat" cmpd="sng" algn="ctr">
             <a:solidFill>
-              <a:schemeClr val="tx1"/>
+              <a:srgbClr val="C00000"/>
             </a:solidFill>
             <a:prstDash val="sysDot"/>
             <a:miter lim="800000"/>
@@ -4684,12 +4352,165 @@
           <a:effectLst/>
         </p:spPr>
       </p:cxnSp>
-      <p:sp>
-        <p:nvSpPr>
-          <p:cNvPr id="41" name="TextBox 40">
-            <a:extLst>
-              <a:ext uri="{FF2B5EF4-FFF2-40B4-BE49-F238E27FC236}">
-                <a16:creationId xmlns:a16="http://schemas.microsoft.com/office/drawing/2014/main" id="{BD162DFD-E285-2F4A-B25D-B7A2B3E53FFE}"/>
+      <p:cxnSp>
+        <p:nvCxnSpPr>
+          <p:cNvPr id="51" name="Elbow Connector 50">
+            <a:extLst>
+              <a:ext uri="{FF2B5EF4-FFF2-40B4-BE49-F238E27FC236}">
+                <a16:creationId xmlns:a16="http://schemas.microsoft.com/office/drawing/2014/main" id="{877BEA82-29F3-8043-96DA-3059B56510EE}"/>
+              </a:ext>
+            </a:extLst>
+          </p:cNvPr>
+          <p:cNvCxnSpPr>
+            <a:cxnSpLocks/>
+            <a:stCxn id="24" idx="3"/>
+            <a:endCxn id="36" idx="1"/>
+          </p:cNvCxnSpPr>
+          <p:nvPr/>
+        </p:nvCxnSpPr>
+        <p:spPr>
+          <a:xfrm>
+            <a:off x="6816462" y="5461571"/>
+            <a:ext cx="1923116" cy="1"/>
+          </a:xfrm>
+          <a:prstGeom prst="bentConnector3">
+            <a:avLst>
+              <a:gd name="adj1" fmla="val 50000"/>
+            </a:avLst>
+          </a:prstGeom>
+          <a:noFill/>
+          <a:ln w="25400" cap="flat" cmpd="sng" algn="ctr">
+            <a:solidFill>
+              <a:schemeClr val="accent4">
+                <a:lumMod val="75000"/>
+              </a:schemeClr>
+            </a:solidFill>
+            <a:prstDash val="dash"/>
+            <a:miter lim="800000"/>
+            <a:tailEnd type="triangle" w="lg" len="lg"/>
+          </a:ln>
+          <a:effectLst/>
+        </p:spPr>
+      </p:cxnSp>
+      <p:cxnSp>
+        <p:nvCxnSpPr>
+          <p:cNvPr id="58" name="Straight Arrow Connector 129">
+            <a:extLst>
+              <a:ext uri="{FF2B5EF4-FFF2-40B4-BE49-F238E27FC236}">
+                <a16:creationId xmlns:a16="http://schemas.microsoft.com/office/drawing/2014/main" id="{02698802-ACA5-E94B-9B2D-D1C7AA99CA3F}"/>
+              </a:ext>
+            </a:extLst>
+          </p:cNvPr>
+          <p:cNvCxnSpPr>
+            <a:cxnSpLocks/>
+            <a:stCxn id="70" idx="2"/>
+            <a:endCxn id="36" idx="2"/>
+          </p:cNvCxnSpPr>
+          <p:nvPr/>
+        </p:nvCxnSpPr>
+        <p:spPr>
+          <a:xfrm rot="16200000" flipH="1">
+            <a:off x="4759887" y="1180144"/>
+            <a:ext cx="4230624" cy="5156590"/>
+          </a:xfrm>
+          <a:prstGeom prst="bentConnector3">
+            <a:avLst>
+              <a:gd name="adj1" fmla="val 109293"/>
+            </a:avLst>
+          </a:prstGeom>
+          <a:noFill/>
+          <a:ln w="25400" cap="flat" cmpd="sng" algn="ctr">
+            <a:solidFill>
+              <a:schemeClr val="accent4">
+                <a:lumMod val="75000"/>
+              </a:schemeClr>
+            </a:solidFill>
+            <a:prstDash val="dash"/>
+            <a:miter lim="800000"/>
+            <a:tailEnd type="triangle" w="lg" len="lg"/>
+          </a:ln>
+          <a:effectLst/>
+        </p:spPr>
+      </p:cxnSp>
+      <p:cxnSp>
+        <p:nvCxnSpPr>
+          <p:cNvPr id="68" name="Straight Arrow Connector 129">
+            <a:extLst>
+              <a:ext uri="{FF2B5EF4-FFF2-40B4-BE49-F238E27FC236}">
+                <a16:creationId xmlns:a16="http://schemas.microsoft.com/office/drawing/2014/main" id="{5D61C376-75FA-0745-B2D3-1B26C2D5D9FE}"/>
+              </a:ext>
+            </a:extLst>
+          </p:cNvPr>
+          <p:cNvCxnSpPr>
+            <a:cxnSpLocks/>
+            <a:endCxn id="12" idx="1"/>
+          </p:cNvCxnSpPr>
+          <p:nvPr/>
+        </p:nvCxnSpPr>
+        <p:spPr>
+          <a:xfrm flipV="1">
+            <a:off x="6816462" y="4226574"/>
+            <a:ext cx="3405139" cy="1000119"/>
+          </a:xfrm>
+          <a:prstGeom prst="bentConnector3">
+            <a:avLst>
+              <a:gd name="adj1" fmla="val 44629"/>
+            </a:avLst>
+          </a:prstGeom>
+          <a:noFill/>
+          <a:ln w="25400" cap="flat" cmpd="sng" algn="ctr">
+            <a:solidFill>
+              <a:srgbClr val="C00000"/>
+            </a:solidFill>
+            <a:prstDash val="sysDot"/>
+            <a:miter lim="800000"/>
+            <a:tailEnd type="triangle" w="lg" len="lg"/>
+          </a:ln>
+          <a:effectLst/>
+        </p:spPr>
+      </p:cxnSp>
+      <p:cxnSp>
+        <p:nvCxnSpPr>
+          <p:cNvPr id="185" name="Straight Arrow Connector 129">
+            <a:extLst>
+              <a:ext uri="{FF2B5EF4-FFF2-40B4-BE49-F238E27FC236}">
+                <a16:creationId xmlns:a16="http://schemas.microsoft.com/office/drawing/2014/main" id="{B58B2C01-150D-F94A-9DF6-9F2C02927DF4}"/>
+              </a:ext>
+            </a:extLst>
+          </p:cNvPr>
+          <p:cNvCxnSpPr>
+            <a:cxnSpLocks/>
+            <a:endCxn id="12" idx="0"/>
+          </p:cNvCxnSpPr>
+          <p:nvPr/>
+        </p:nvCxnSpPr>
+        <p:spPr>
+          <a:xfrm>
+            <a:off x="9886492" y="2990007"/>
+            <a:ext cx="1049024" cy="824387"/>
+          </a:xfrm>
+          <a:prstGeom prst="bentConnector2">
+            <a:avLst/>
+          </a:prstGeom>
+          <a:noFill/>
+          <a:ln w="25400" cap="flat" cmpd="sng" algn="ctr">
+            <a:solidFill>
+              <a:srgbClr val="C00000"/>
+            </a:solidFill>
+            <a:prstDash val="sysDot"/>
+            <a:miter lim="800000"/>
+            <a:headEnd type="triangle" w="lg" len="lg"/>
+            <a:tailEnd type="none" w="lg" len="lg"/>
+          </a:ln>
+          <a:effectLst/>
+        </p:spPr>
+      </p:cxnSp>
+      <p:sp>
+        <p:nvSpPr>
+          <p:cNvPr id="3" name="TextBox 2">
+            <a:extLst>
+              <a:ext uri="{FF2B5EF4-FFF2-40B4-BE49-F238E27FC236}">
+                <a16:creationId xmlns:a16="http://schemas.microsoft.com/office/drawing/2014/main" id="{472D95DD-DC61-D648-9992-BF218E98C908}"/>
               </a:ext>
             </a:extLst>
           </p:cNvPr>
@@ -4698,8 +4519,373 @@
         </p:nvSpPr>
         <p:spPr>
           <a:xfrm>
-            <a:off x="3356133" y="4595398"/>
-            <a:ext cx="766456" cy="430887"/>
+            <a:off x="9845234" y="2428854"/>
+            <a:ext cx="1789238" cy="307777"/>
+          </a:xfrm>
+          <a:prstGeom prst="rect">
+            <a:avLst/>
+          </a:prstGeom>
+          <a:noFill/>
+        </p:spPr>
+        <p:txBody>
+          <a:bodyPr wrap="square" rtlCol="0">
+            <a:spAutoFit/>
+          </a:bodyPr>
+          <a:lstStyle/>
+          <a:p>
+            <a:r>
+              <a:rPr lang="en-US" sz="1400" b="1" dirty="0">
+                <a:solidFill>
+                  <a:schemeClr val="accent1"/>
+                </a:solidFill>
+              </a:rPr>
+              <a:t>Power plant locations</a:t>
+            </a:r>
+          </a:p>
+        </p:txBody>
+      </p:sp>
+      <p:sp>
+        <p:nvSpPr>
+          <p:cNvPr id="4" name="TextBox 3">
+            <a:extLst>
+              <a:ext uri="{FF2B5EF4-FFF2-40B4-BE49-F238E27FC236}">
+                <a16:creationId xmlns:a16="http://schemas.microsoft.com/office/drawing/2014/main" id="{EE940FB5-27B2-CB44-B83F-B97BA5BFF786}"/>
+              </a:ext>
+            </a:extLst>
+          </p:cNvPr>
+          <p:cNvSpPr txBox="1"/>
+          <p:nvPr/>
+        </p:nvSpPr>
+        <p:spPr>
+          <a:xfrm>
+            <a:off x="10161181" y="5462854"/>
+            <a:ext cx="1688175" cy="738664"/>
+          </a:xfrm>
+          <a:prstGeom prst="rect">
+            <a:avLst/>
+          </a:prstGeom>
+          <a:noFill/>
+        </p:spPr>
+        <p:txBody>
+          <a:bodyPr wrap="square" rtlCol="0">
+            <a:spAutoFit/>
+          </a:bodyPr>
+          <a:lstStyle/>
+          <a:p>
+            <a:r>
+              <a:rPr lang="en-US" sz="1400" b="1" dirty="0">
+                <a:solidFill>
+                  <a:schemeClr val="accent1"/>
+                </a:solidFill>
+              </a:rPr>
+              <a:t>Hourly electricity loads by Balancing Authority</a:t>
+            </a:r>
+          </a:p>
+        </p:txBody>
+      </p:sp>
+      <p:sp>
+        <p:nvSpPr>
+          <p:cNvPr id="53" name="TextBox 52">
+            <a:extLst>
+              <a:ext uri="{FF2B5EF4-FFF2-40B4-BE49-F238E27FC236}">
+                <a16:creationId xmlns:a16="http://schemas.microsoft.com/office/drawing/2014/main" id="{2707E22F-F80B-9048-B4E2-415E39D454A2}"/>
+              </a:ext>
+            </a:extLst>
+          </p:cNvPr>
+          <p:cNvSpPr txBox="1"/>
+          <p:nvPr/>
+        </p:nvSpPr>
+        <p:spPr>
+          <a:xfrm>
+            <a:off x="6809665" y="5603639"/>
+            <a:ext cx="1977223" cy="523220"/>
+          </a:xfrm>
+          <a:prstGeom prst="rect">
+            <a:avLst/>
+          </a:prstGeom>
+          <a:noFill/>
+        </p:spPr>
+        <p:txBody>
+          <a:bodyPr wrap="square" rtlCol="0">
+            <a:spAutoFit/>
+          </a:bodyPr>
+          <a:lstStyle/>
+          <a:p>
+            <a:pPr algn="ctr"/>
+            <a:r>
+              <a:rPr lang="en-US" sz="1400" b="1" dirty="0">
+                <a:solidFill>
+                  <a:schemeClr val="accent1"/>
+                </a:solidFill>
+              </a:rPr>
+              <a:t>State-level annual electricity consumption</a:t>
+            </a:r>
+          </a:p>
+        </p:txBody>
+      </p:sp>
+      <p:sp>
+        <p:nvSpPr>
+          <p:cNvPr id="59" name="TextBox 58">
+            <a:extLst>
+              <a:ext uri="{FF2B5EF4-FFF2-40B4-BE49-F238E27FC236}">
+                <a16:creationId xmlns:a16="http://schemas.microsoft.com/office/drawing/2014/main" id="{2E830D7D-98B2-5049-A700-3D0B7C0B1185}"/>
+              </a:ext>
+            </a:extLst>
+          </p:cNvPr>
+          <p:cNvSpPr txBox="1"/>
+          <p:nvPr/>
+        </p:nvSpPr>
+        <p:spPr>
+          <a:xfrm>
+            <a:off x="6115522" y="3596311"/>
+            <a:ext cx="3115663" cy="307777"/>
+          </a:xfrm>
+          <a:prstGeom prst="rect">
+            <a:avLst/>
+          </a:prstGeom>
+          <a:noFill/>
+        </p:spPr>
+        <p:txBody>
+          <a:bodyPr wrap="square" rtlCol="0">
+            <a:spAutoFit/>
+          </a:bodyPr>
+          <a:lstStyle/>
+          <a:p>
+            <a:pPr algn="ctr"/>
+            <a:r>
+              <a:rPr lang="en-US" sz="1400" b="1" dirty="0">
+                <a:solidFill>
+                  <a:schemeClr val="accent1"/>
+                </a:solidFill>
+              </a:rPr>
+              <a:t>State-level electricity system expansion</a:t>
+            </a:r>
+          </a:p>
+        </p:txBody>
+      </p:sp>
+      <p:sp>
+        <p:nvSpPr>
+          <p:cNvPr id="60" name="TextBox 59">
+            <a:extLst>
+              <a:ext uri="{FF2B5EF4-FFF2-40B4-BE49-F238E27FC236}">
+                <a16:creationId xmlns:a16="http://schemas.microsoft.com/office/drawing/2014/main" id="{95697975-EAFC-EF43-8DE3-97766A57C7AE}"/>
+              </a:ext>
+            </a:extLst>
+          </p:cNvPr>
+          <p:cNvSpPr txBox="1"/>
+          <p:nvPr/>
+        </p:nvSpPr>
+        <p:spPr>
+          <a:xfrm>
+            <a:off x="4394798" y="3484742"/>
+            <a:ext cx="1293609" cy="1169551"/>
+          </a:xfrm>
+          <a:prstGeom prst="rect">
+            <a:avLst/>
+          </a:prstGeom>
+          <a:noFill/>
+        </p:spPr>
+        <p:txBody>
+          <a:bodyPr wrap="square" rtlCol="0">
+            <a:spAutoFit/>
+          </a:bodyPr>
+          <a:lstStyle/>
+          <a:p>
+            <a:pPr algn="r"/>
+            <a:r>
+              <a:rPr lang="en-US" sz="1400" b="1" dirty="0">
+                <a:solidFill>
+                  <a:schemeClr val="accent1"/>
+                </a:solidFill>
+              </a:rPr>
+              <a:t> Temperature and precipitation by state and basin</a:t>
+            </a:r>
+          </a:p>
+        </p:txBody>
+      </p:sp>
+      <p:sp>
+        <p:nvSpPr>
+          <p:cNvPr id="62" name="TextBox 61">
+            <a:extLst>
+              <a:ext uri="{FF2B5EF4-FFF2-40B4-BE49-F238E27FC236}">
+                <a16:creationId xmlns:a16="http://schemas.microsoft.com/office/drawing/2014/main" id="{BB5BDC1D-C801-824E-8697-6244FE33D14D}"/>
+              </a:ext>
+            </a:extLst>
+          </p:cNvPr>
+          <p:cNvSpPr txBox="1"/>
+          <p:nvPr/>
+        </p:nvSpPr>
+        <p:spPr>
+          <a:xfrm>
+            <a:off x="6007359" y="696873"/>
+            <a:ext cx="5542090" cy="307777"/>
+          </a:xfrm>
+          <a:prstGeom prst="rect">
+            <a:avLst/>
+          </a:prstGeom>
+          <a:noFill/>
+        </p:spPr>
+        <p:txBody>
+          <a:bodyPr wrap="square" rtlCol="0">
+            <a:spAutoFit/>
+          </a:bodyPr>
+          <a:lstStyle/>
+          <a:p>
+            <a:r>
+              <a:rPr lang="en-US" sz="1400" b="1" dirty="0">
+                <a:solidFill>
+                  <a:schemeClr val="accent1"/>
+                </a:solidFill>
+              </a:rPr>
+              <a:t>Hourly weather variables needed to derate thermoelectric power plants</a:t>
+            </a:r>
+          </a:p>
+        </p:txBody>
+      </p:sp>
+      <p:sp>
+        <p:nvSpPr>
+          <p:cNvPr id="63" name="TextBox 62">
+            <a:extLst>
+              <a:ext uri="{FF2B5EF4-FFF2-40B4-BE49-F238E27FC236}">
+                <a16:creationId xmlns:a16="http://schemas.microsoft.com/office/drawing/2014/main" id="{47BD10D5-8F86-9441-A6C6-BADB16DB5D03}"/>
+              </a:ext>
+            </a:extLst>
+          </p:cNvPr>
+          <p:cNvSpPr txBox="1"/>
+          <p:nvPr/>
+        </p:nvSpPr>
+        <p:spPr>
+          <a:xfrm>
+            <a:off x="7102899" y="4364044"/>
+            <a:ext cx="1254197" cy="738664"/>
+          </a:xfrm>
+          <a:prstGeom prst="rect">
+            <a:avLst/>
+          </a:prstGeom>
+          <a:noFill/>
+        </p:spPr>
+        <p:txBody>
+          <a:bodyPr wrap="square" rtlCol="0">
+            <a:spAutoFit/>
+          </a:bodyPr>
+          <a:lstStyle/>
+          <a:p>
+            <a:pPr algn="r"/>
+            <a:r>
+              <a:rPr lang="en-US" sz="1400" b="1" dirty="0">
+                <a:solidFill>
+                  <a:schemeClr val="accent1"/>
+                </a:solidFill>
+              </a:rPr>
+              <a:t>Fuel prices and generator </a:t>
+            </a:r>
+          </a:p>
+          <a:p>
+            <a:pPr algn="r"/>
+            <a:r>
+              <a:rPr lang="en-US" sz="1400" b="1" dirty="0">
+                <a:solidFill>
+                  <a:schemeClr val="accent1"/>
+                </a:solidFill>
+              </a:rPr>
+              <a:t>variable costs</a:t>
+            </a:r>
+          </a:p>
+        </p:txBody>
+      </p:sp>
+      <p:cxnSp>
+        <p:nvCxnSpPr>
+          <p:cNvPr id="64" name="Straight Arrow Connector 129">
+            <a:extLst>
+              <a:ext uri="{FF2B5EF4-FFF2-40B4-BE49-F238E27FC236}">
+                <a16:creationId xmlns:a16="http://schemas.microsoft.com/office/drawing/2014/main" id="{31D3CE99-F34F-C544-945B-85DA1EF12B3E}"/>
+              </a:ext>
+            </a:extLst>
+          </p:cNvPr>
+          <p:cNvCxnSpPr>
+            <a:cxnSpLocks/>
+          </p:cNvCxnSpPr>
+          <p:nvPr/>
+        </p:nvCxnSpPr>
+        <p:spPr>
+          <a:xfrm rot="10800000">
+            <a:off x="9919822" y="2744687"/>
+            <a:ext cx="1310757" cy="1074638"/>
+          </a:xfrm>
+          <a:prstGeom prst="bentConnector3">
+            <a:avLst>
+              <a:gd name="adj1" fmla="val -228"/>
+            </a:avLst>
+          </a:prstGeom>
+          <a:noFill/>
+          <a:ln w="25400" cap="flat" cmpd="sng" algn="ctr">
+            <a:solidFill>
+              <a:srgbClr val="C00000"/>
+            </a:solidFill>
+            <a:prstDash val="sysDot"/>
+            <a:miter lim="800000"/>
+            <a:headEnd type="triangle" w="lg" len="lg"/>
+            <a:tailEnd type="none" w="lg" len="lg"/>
+          </a:ln>
+          <a:effectLst/>
+        </p:spPr>
+      </p:cxnSp>
+      <p:sp>
+        <p:nvSpPr>
+          <p:cNvPr id="65" name="TextBox 64">
+            <a:extLst>
+              <a:ext uri="{FF2B5EF4-FFF2-40B4-BE49-F238E27FC236}">
+                <a16:creationId xmlns:a16="http://schemas.microsoft.com/office/drawing/2014/main" id="{A4BA03A6-DE29-AE4B-8989-AF09CDFD8120}"/>
+              </a:ext>
+            </a:extLst>
+          </p:cNvPr>
+          <p:cNvSpPr txBox="1"/>
+          <p:nvPr/>
+        </p:nvSpPr>
+        <p:spPr>
+          <a:xfrm>
+            <a:off x="9776521" y="3048156"/>
+            <a:ext cx="959687" cy="738664"/>
+          </a:xfrm>
+          <a:prstGeom prst="rect">
+            <a:avLst/>
+          </a:prstGeom>
+          <a:noFill/>
+        </p:spPr>
+        <p:txBody>
+          <a:bodyPr wrap="square" rtlCol="0">
+            <a:spAutoFit/>
+          </a:bodyPr>
+          <a:lstStyle/>
+          <a:p>
+            <a:pPr algn="r"/>
+            <a:r>
+              <a:rPr lang="en-US" sz="1400" b="1" dirty="0">
+                <a:solidFill>
+                  <a:schemeClr val="accent1"/>
+                </a:solidFill>
+              </a:rPr>
+              <a:t>Locational marginal prices</a:t>
+            </a:r>
+          </a:p>
+        </p:txBody>
+      </p:sp>
+      <p:sp>
+        <p:nvSpPr>
+          <p:cNvPr id="69" name="TextBox 68">
+            <a:extLst>
+              <a:ext uri="{FF2B5EF4-FFF2-40B4-BE49-F238E27FC236}">
+                <a16:creationId xmlns:a16="http://schemas.microsoft.com/office/drawing/2014/main" id="{DF15A046-2AE0-CB40-ADB2-93E331DA618F}"/>
+              </a:ext>
+            </a:extLst>
+          </p:cNvPr>
+          <p:cNvSpPr txBox="1"/>
+          <p:nvPr/>
+        </p:nvSpPr>
+        <p:spPr>
+          <a:xfrm>
+            <a:off x="8832229" y="1851352"/>
+            <a:ext cx="739205" cy="430887"/>
           </a:xfrm>
           <a:prstGeom prst="rect">
             <a:avLst/>
@@ -4752,1008 +4938,6 @@
               </a:rPr>
               <a:t>)</a:t>
             </a:r>
-          </a:p>
-        </p:txBody>
-      </p:sp>
-      <p:sp>
-        <p:nvSpPr>
-          <p:cNvPr id="42" name="TextBox 41">
-            <a:extLst>
-              <a:ext uri="{FF2B5EF4-FFF2-40B4-BE49-F238E27FC236}">
-                <a16:creationId xmlns:a16="http://schemas.microsoft.com/office/drawing/2014/main" id="{8D658F95-C0BA-F543-9A2C-825FFB26BFF0}"/>
-              </a:ext>
-            </a:extLst>
-          </p:cNvPr>
-          <p:cNvSpPr txBox="1"/>
-          <p:nvPr/>
-        </p:nvSpPr>
-        <p:spPr>
-          <a:xfrm>
-            <a:off x="5286290" y="5779176"/>
-            <a:ext cx="1688175" cy="430887"/>
-          </a:xfrm>
-          <a:prstGeom prst="rect">
-            <a:avLst/>
-          </a:prstGeom>
-          <a:noFill/>
-        </p:spPr>
-        <p:txBody>
-          <a:bodyPr wrap="square" rtlCol="0">
-            <a:spAutoFit/>
-          </a:bodyPr>
-          <a:lstStyle/>
-          <a:p>
-            <a:pPr algn="ctr">
-              <a:buClr>
-                <a:srgbClr val="000000"/>
-              </a:buClr>
-              <a:buFont typeface="Arial"/>
-              <a:buNone/>
-            </a:pPr>
-            <a:r>
-              <a:rPr lang="en-US" sz="1100" b="1" kern="0" dirty="0">
-                <a:solidFill>
-                  <a:srgbClr val="7030A0"/>
-                </a:solidFill>
-                <a:latin typeface="Arial"/>
-                <a:cs typeface="Arial"/>
-                <a:sym typeface="Arial"/>
-              </a:rPr>
-              <a:t>Annual </a:t>
-            </a:r>
-          </a:p>
-          <a:p>
-            <a:pPr algn="ctr">
-              <a:buClr>
-                <a:srgbClr val="000000"/>
-              </a:buClr>
-              <a:buFont typeface="Arial"/>
-              <a:buNone/>
-            </a:pPr>
-            <a:r>
-              <a:rPr lang="en-US" sz="1100" b="1" kern="0" dirty="0">
-                <a:solidFill>
-                  <a:srgbClr val="7030A0"/>
-                </a:solidFill>
-                <a:latin typeface="Arial"/>
-                <a:cs typeface="Arial"/>
-                <a:sym typeface="Arial"/>
-              </a:rPr>
-              <a:t>(States/Major Basins)</a:t>
-            </a:r>
-          </a:p>
-        </p:txBody>
-      </p:sp>
-      <p:sp>
-        <p:nvSpPr>
-          <p:cNvPr id="43" name="TextBox 42">
-            <a:extLst>
-              <a:ext uri="{FF2B5EF4-FFF2-40B4-BE49-F238E27FC236}">
-                <a16:creationId xmlns:a16="http://schemas.microsoft.com/office/drawing/2014/main" id="{80480488-6CCD-7D4B-8290-D03AC49B180C}"/>
-              </a:ext>
-            </a:extLst>
-          </p:cNvPr>
-          <p:cNvSpPr txBox="1"/>
-          <p:nvPr/>
-        </p:nvSpPr>
-        <p:spPr>
-          <a:xfrm>
-            <a:off x="10980565" y="4601661"/>
-            <a:ext cx="708772" cy="430887"/>
-          </a:xfrm>
-          <a:prstGeom prst="rect">
-            <a:avLst/>
-          </a:prstGeom>
-          <a:noFill/>
-        </p:spPr>
-        <p:txBody>
-          <a:bodyPr wrap="square" rtlCol="0">
-            <a:spAutoFit/>
-          </a:bodyPr>
-          <a:lstStyle/>
-          <a:p>
-            <a:pPr algn="ctr">
-              <a:buClr>
-                <a:srgbClr val="000000"/>
-              </a:buClr>
-              <a:buFont typeface="Arial"/>
-              <a:buNone/>
-            </a:pPr>
-            <a:r>
-              <a:rPr lang="en-US" sz="1100" b="1" kern="0" dirty="0">
-                <a:solidFill>
-                  <a:srgbClr val="7030A0"/>
-                </a:solidFill>
-                <a:latin typeface="Arial"/>
-                <a:cs typeface="Arial"/>
-                <a:sym typeface="Arial"/>
-              </a:rPr>
-              <a:t>Hourly (Nodal) </a:t>
-            </a:r>
-          </a:p>
-        </p:txBody>
-      </p:sp>
-      <p:cxnSp>
-        <p:nvCxnSpPr>
-          <p:cNvPr id="51" name="Elbow Connector 50">
-            <a:extLst>
-              <a:ext uri="{FF2B5EF4-FFF2-40B4-BE49-F238E27FC236}">
-                <a16:creationId xmlns:a16="http://schemas.microsoft.com/office/drawing/2014/main" id="{877BEA82-29F3-8043-96DA-3059B56510EE}"/>
-              </a:ext>
-            </a:extLst>
-          </p:cNvPr>
-          <p:cNvCxnSpPr>
-            <a:cxnSpLocks/>
-            <a:stCxn id="24" idx="3"/>
-            <a:endCxn id="36" idx="1"/>
-          </p:cNvCxnSpPr>
-          <p:nvPr/>
-        </p:nvCxnSpPr>
-        <p:spPr>
-          <a:xfrm>
-            <a:off x="6816462" y="5461571"/>
-            <a:ext cx="1923116" cy="1"/>
-          </a:xfrm>
-          <a:prstGeom prst="bentConnector3">
-            <a:avLst>
-              <a:gd name="adj1" fmla="val 50000"/>
-            </a:avLst>
-          </a:prstGeom>
-          <a:noFill/>
-          <a:ln w="25400" cap="flat" cmpd="sng" algn="ctr">
-            <a:solidFill>
-              <a:schemeClr val="tx1"/>
-            </a:solidFill>
-            <a:prstDash val="dash"/>
-            <a:miter lim="800000"/>
-            <a:tailEnd type="triangle" w="lg" len="lg"/>
-          </a:ln>
-          <a:effectLst/>
-        </p:spPr>
-      </p:cxnSp>
-      <p:sp>
-        <p:nvSpPr>
-          <p:cNvPr id="54" name="Rounded Rectangle 53">
-            <a:extLst>
-              <a:ext uri="{FF2B5EF4-FFF2-40B4-BE49-F238E27FC236}">
-                <a16:creationId xmlns:a16="http://schemas.microsoft.com/office/drawing/2014/main" id="{2496E921-A9F4-D645-8C0F-4915E0C64BAC}"/>
-              </a:ext>
-            </a:extLst>
-          </p:cNvPr>
-          <p:cNvSpPr/>
-          <p:nvPr/>
-        </p:nvSpPr>
-        <p:spPr>
-          <a:xfrm>
-            <a:off x="8532303" y="2301675"/>
-            <a:ext cx="1339059" cy="968555"/>
-          </a:xfrm>
-          <a:prstGeom prst="roundRect">
-            <a:avLst/>
-          </a:prstGeom>
-          <a:solidFill>
-            <a:schemeClr val="bg1">
-              <a:lumMod val="50000"/>
-            </a:schemeClr>
-          </a:solidFill>
-          <a:ln w="25400" cap="flat" cmpd="sng" algn="ctr">
-            <a:solidFill>
-              <a:schemeClr val="tx1"/>
-            </a:solidFill>
-            <a:prstDash val="solid"/>
-            <a:miter lim="800000"/>
-          </a:ln>
-          <a:effectLst/>
-        </p:spPr>
-        <p:txBody>
-          <a:bodyPr rtlCol="0" anchor="ctr"/>
-          <a:lstStyle/>
-          <a:p>
-            <a:pPr marL="0" marR="0" lvl="0" indent="0" algn="ctr" defTabSz="914400" eaLnBrk="1" fontAlgn="auto" latinLnBrk="0" hangingPunct="1">
-              <a:lnSpc>
-                <a:spcPct val="100000"/>
-              </a:lnSpc>
-              <a:spcBef>
-                <a:spcPts val="0"/>
-              </a:spcBef>
-              <a:spcAft>
-                <a:spcPts val="0"/>
-              </a:spcAft>
-              <a:buClr>
-                <a:srgbClr val="000000"/>
-              </a:buClr>
-              <a:buSzTx/>
-              <a:buFont typeface="Arial"/>
-              <a:buNone/>
-              <a:tabLst/>
-              <a:defRPr/>
-            </a:pPr>
-            <a:r>
-              <a:rPr kumimoji="0" lang="en-US" sz="1400" b="0" i="0" u="none" strike="noStrike" kern="0" cap="none" spc="0" normalizeH="0" baseline="0" noProof="0" dirty="0">
-                <a:ln>
-                  <a:noFill/>
-                </a:ln>
-                <a:solidFill>
-                  <a:srgbClr val="FFFFFF"/>
-                </a:solidFill>
-                <a:effectLst/>
-                <a:uLnTx/>
-                <a:uFillTx/>
-                <a:latin typeface="Calibri" panose="020F0502020204030204"/>
-                <a:ea typeface="+mn-ea"/>
-                <a:cs typeface="+mn-cs"/>
-                <a:sym typeface="Arial"/>
-              </a:rPr>
-              <a:t>Power Plant Siting Feasibility</a:t>
-            </a:r>
-          </a:p>
-          <a:p>
-            <a:pPr marL="0" marR="0" lvl="0" indent="0" algn="ctr" defTabSz="914400" eaLnBrk="1" fontAlgn="auto" latinLnBrk="0" hangingPunct="1">
-              <a:lnSpc>
-                <a:spcPct val="100000"/>
-              </a:lnSpc>
-              <a:spcBef>
-                <a:spcPts val="0"/>
-              </a:spcBef>
-              <a:spcAft>
-                <a:spcPts val="0"/>
-              </a:spcAft>
-              <a:buClr>
-                <a:srgbClr val="000000"/>
-              </a:buClr>
-              <a:buSzTx/>
-              <a:buFont typeface="Arial"/>
-              <a:buNone/>
-              <a:tabLst/>
-              <a:defRPr/>
-            </a:pPr>
-            <a:r>
-              <a:rPr kumimoji="0" lang="en-US" sz="1400" b="0" i="0" u="none" strike="noStrike" kern="0" cap="none" spc="0" normalizeH="0" baseline="0" noProof="0" dirty="0">
-                <a:ln>
-                  <a:noFill/>
-                </a:ln>
-                <a:solidFill>
-                  <a:srgbClr val="FFFFFF"/>
-                </a:solidFill>
-                <a:effectLst/>
-                <a:uLnTx/>
-                <a:uFillTx/>
-                <a:latin typeface="Calibri" panose="020F0502020204030204"/>
-                <a:ea typeface="+mn-ea"/>
-                <a:cs typeface="+mn-cs"/>
-                <a:sym typeface="Arial"/>
-              </a:rPr>
-              <a:t>(CERF)</a:t>
-            </a:r>
-          </a:p>
-        </p:txBody>
-      </p:sp>
-      <p:cxnSp>
-        <p:nvCxnSpPr>
-          <p:cNvPr id="58" name="Straight Arrow Connector 129">
-            <a:extLst>
-              <a:ext uri="{FF2B5EF4-FFF2-40B4-BE49-F238E27FC236}">
-                <a16:creationId xmlns:a16="http://schemas.microsoft.com/office/drawing/2014/main" id="{02698802-ACA5-E94B-9B2D-D1C7AA99CA3F}"/>
-              </a:ext>
-            </a:extLst>
-          </p:cNvPr>
-          <p:cNvCxnSpPr>
-            <a:cxnSpLocks/>
-            <a:stCxn id="70" idx="2"/>
-            <a:endCxn id="36" idx="2"/>
-          </p:cNvCxnSpPr>
-          <p:nvPr/>
-        </p:nvCxnSpPr>
-        <p:spPr>
-          <a:xfrm rot="16200000" flipH="1">
-            <a:off x="4759887" y="1180144"/>
-            <a:ext cx="4230624" cy="5156590"/>
-          </a:xfrm>
-          <a:prstGeom prst="bentConnector3">
-            <a:avLst>
-              <a:gd name="adj1" fmla="val 109293"/>
-            </a:avLst>
-          </a:prstGeom>
-          <a:noFill/>
-          <a:ln w="25400" cap="flat" cmpd="sng" algn="ctr">
-            <a:solidFill>
-              <a:schemeClr val="tx1"/>
-            </a:solidFill>
-            <a:prstDash val="dash"/>
-            <a:miter lim="800000"/>
-            <a:tailEnd type="triangle" w="lg" len="lg"/>
-          </a:ln>
-          <a:effectLst/>
-        </p:spPr>
-      </p:cxnSp>
-      <p:sp>
-        <p:nvSpPr>
-          <p:cNvPr id="67" name="Right Arrow 66">
-            <a:extLst>
-              <a:ext uri="{FF2B5EF4-FFF2-40B4-BE49-F238E27FC236}">
-                <a16:creationId xmlns:a16="http://schemas.microsoft.com/office/drawing/2014/main" id="{E6CC63D5-8110-684F-8C4A-71B2C6B7835D}"/>
-              </a:ext>
-            </a:extLst>
-          </p:cNvPr>
-          <p:cNvSpPr/>
-          <p:nvPr/>
-        </p:nvSpPr>
-        <p:spPr>
-          <a:xfrm>
-            <a:off x="316699" y="-31517"/>
-            <a:ext cx="11160111" cy="432619"/>
-          </a:xfrm>
-          <a:prstGeom prst="rightArrow">
-            <a:avLst/>
-          </a:prstGeom>
-          <a:solidFill>
-            <a:srgbClr val="7030A0"/>
-          </a:solidFill>
-          <a:ln w="12700" cap="flat" cmpd="sng" algn="ctr">
-            <a:noFill/>
-            <a:prstDash val="solid"/>
-            <a:miter lim="800000"/>
-          </a:ln>
-          <a:effectLst/>
-        </p:spPr>
-        <p:txBody>
-          <a:bodyPr rtlCol="0" anchor="ctr"/>
-          <a:lstStyle/>
-          <a:p>
-            <a:pPr marL="0" marR="0" lvl="0" indent="0" defTabSz="914400" eaLnBrk="1" fontAlgn="auto" latinLnBrk="0" hangingPunct="1">
-              <a:lnSpc>
-                <a:spcPct val="100000"/>
-              </a:lnSpc>
-              <a:spcBef>
-                <a:spcPts val="0"/>
-              </a:spcBef>
-              <a:spcAft>
-                <a:spcPts val="0"/>
-              </a:spcAft>
-              <a:buClr>
-                <a:srgbClr val="000000"/>
-              </a:buClr>
-              <a:buSzTx/>
-              <a:buFont typeface="Arial"/>
-              <a:buNone/>
-              <a:tabLst/>
-              <a:defRPr/>
-            </a:pPr>
-            <a:r>
-              <a:rPr kumimoji="0" lang="en-US" sz="1400" b="0" i="0" u="none" strike="noStrike" kern="0" cap="none" spc="0" normalizeH="0" baseline="0" noProof="0" dirty="0">
-                <a:ln>
-                  <a:noFill/>
-                </a:ln>
-                <a:solidFill>
-                  <a:srgbClr val="FFFFFF"/>
-                </a:solidFill>
-                <a:effectLst/>
-                <a:uLnTx/>
-                <a:uFillTx/>
-                <a:latin typeface="Calibri" panose="020F0502020204030204"/>
-                <a:ea typeface="+mn-ea"/>
-                <a:cs typeface="+mn-cs"/>
-                <a:sym typeface="Arial"/>
-              </a:rPr>
-              <a:t>Modeling Sequence</a:t>
-            </a:r>
-            <a:r>
-              <a:rPr kumimoji="0" lang="en-US" sz="1200" b="0" i="0" u="none" strike="noStrike" kern="0" cap="none" spc="0" normalizeH="0" baseline="0" noProof="0" dirty="0">
-                <a:ln>
-                  <a:noFill/>
-                </a:ln>
-                <a:solidFill>
-                  <a:srgbClr val="FFFFFF"/>
-                </a:solidFill>
-                <a:effectLst/>
-                <a:uLnTx/>
-                <a:uFillTx/>
-                <a:latin typeface="Calibri" panose="020F0502020204030204"/>
-                <a:ea typeface="+mn-ea"/>
-                <a:cs typeface="+mn-cs"/>
-                <a:sym typeface="Arial"/>
-              </a:rPr>
-              <a:t>:     Scenarios of Climate, SSP, Pop, Urbanization       </a:t>
-            </a:r>
-            <a:r>
-              <a:rPr kumimoji="0" lang="en-US" sz="1200" b="0" i="0" u="none" strike="noStrike" kern="0" cap="none" spc="0" normalizeH="0" baseline="0" noProof="0" dirty="0" err="1">
-                <a:ln>
-                  <a:noFill/>
-                </a:ln>
-                <a:solidFill>
-                  <a:srgbClr val="FFFFFF"/>
-                </a:solidFill>
-                <a:effectLst/>
-                <a:uLnTx/>
-                <a:uFillTx/>
-                <a:latin typeface="Calibri" panose="020F0502020204030204"/>
-                <a:ea typeface="+mn-ea"/>
-                <a:cs typeface="+mn-cs"/>
-                <a:sym typeface="Arial"/>
-              </a:rPr>
-              <a:t>Globa</a:t>
-            </a:r>
-            <a:r>
-              <a:rPr lang="en-US" sz="1200" kern="0" dirty="0">
-                <a:solidFill>
-                  <a:srgbClr val="FFFFFF"/>
-                </a:solidFill>
-                <a:latin typeface="Calibri" panose="020F0502020204030204"/>
-                <a:sym typeface="Arial"/>
-              </a:rPr>
-              <a:t>l/US E-W-L Dynamics                     High-Resolution Electricity Supply/Demand Dynamics</a:t>
-            </a:r>
-            <a:endParaRPr kumimoji="0" lang="en-US" sz="1400" b="0" i="0" u="none" strike="noStrike" kern="0" cap="none" spc="0" normalizeH="0" baseline="0" noProof="0" dirty="0">
-              <a:ln>
-                <a:noFill/>
-              </a:ln>
-              <a:solidFill>
-                <a:srgbClr val="FFFFFF"/>
-              </a:solidFill>
-              <a:effectLst/>
-              <a:uLnTx/>
-              <a:uFillTx/>
-              <a:latin typeface="Calibri" panose="020F0502020204030204"/>
-              <a:ea typeface="+mn-ea"/>
-              <a:cs typeface="+mn-cs"/>
-              <a:sym typeface="Arial"/>
-            </a:endParaRPr>
-          </a:p>
-        </p:txBody>
-      </p:sp>
-      <p:cxnSp>
-        <p:nvCxnSpPr>
-          <p:cNvPr id="68" name="Straight Arrow Connector 129">
-            <a:extLst>
-              <a:ext uri="{FF2B5EF4-FFF2-40B4-BE49-F238E27FC236}">
-                <a16:creationId xmlns:a16="http://schemas.microsoft.com/office/drawing/2014/main" id="{5D61C376-75FA-0745-B2D3-1B26C2D5D9FE}"/>
-              </a:ext>
-            </a:extLst>
-          </p:cNvPr>
-          <p:cNvCxnSpPr>
-            <a:cxnSpLocks/>
-            <a:endCxn id="12" idx="1"/>
-          </p:cNvCxnSpPr>
-          <p:nvPr/>
-        </p:nvCxnSpPr>
-        <p:spPr>
-          <a:xfrm flipV="1">
-            <a:off x="6816462" y="4226574"/>
-            <a:ext cx="3405139" cy="1000119"/>
-          </a:xfrm>
-          <a:prstGeom prst="bentConnector3">
-            <a:avLst>
-              <a:gd name="adj1" fmla="val 44629"/>
-            </a:avLst>
-          </a:prstGeom>
-          <a:noFill/>
-          <a:ln w="25400" cap="flat" cmpd="sng" algn="ctr">
-            <a:solidFill>
-              <a:schemeClr val="tx1"/>
-            </a:solidFill>
-            <a:prstDash val="sysDot"/>
-            <a:miter lim="800000"/>
-            <a:tailEnd type="triangle" w="lg" len="lg"/>
-          </a:ln>
-          <a:effectLst/>
-        </p:spPr>
-      </p:cxnSp>
-      <p:cxnSp>
-        <p:nvCxnSpPr>
-          <p:cNvPr id="185" name="Straight Arrow Connector 129">
-            <a:extLst>
-              <a:ext uri="{FF2B5EF4-FFF2-40B4-BE49-F238E27FC236}">
-                <a16:creationId xmlns:a16="http://schemas.microsoft.com/office/drawing/2014/main" id="{B58B2C01-150D-F94A-9DF6-9F2C02927DF4}"/>
-              </a:ext>
-            </a:extLst>
-          </p:cNvPr>
-          <p:cNvCxnSpPr>
-            <a:cxnSpLocks/>
-            <a:endCxn id="12" idx="0"/>
-          </p:cNvCxnSpPr>
-          <p:nvPr/>
-        </p:nvCxnSpPr>
-        <p:spPr>
-          <a:xfrm>
-            <a:off x="9886492" y="2990007"/>
-            <a:ext cx="1049024" cy="824387"/>
-          </a:xfrm>
-          <a:prstGeom prst="bentConnector2">
-            <a:avLst/>
-          </a:prstGeom>
-          <a:noFill/>
-          <a:ln w="25400" cap="flat" cmpd="sng" algn="ctr">
-            <a:solidFill>
-              <a:schemeClr val="tx1"/>
-            </a:solidFill>
-            <a:prstDash val="sysDot"/>
-            <a:miter lim="800000"/>
-            <a:headEnd type="triangle" w="lg" len="lg"/>
-            <a:tailEnd type="none" w="lg" len="lg"/>
-          </a:ln>
-          <a:effectLst/>
-        </p:spPr>
-      </p:cxnSp>
-      <p:sp>
-        <p:nvSpPr>
-          <p:cNvPr id="79" name="TextBox 78">
-            <a:extLst>
-              <a:ext uri="{FF2B5EF4-FFF2-40B4-BE49-F238E27FC236}">
-                <a16:creationId xmlns:a16="http://schemas.microsoft.com/office/drawing/2014/main" id="{EBD5A84F-08E3-3F47-9B0E-242D8B515EBE}"/>
-              </a:ext>
-            </a:extLst>
-          </p:cNvPr>
-          <p:cNvSpPr txBox="1"/>
-          <p:nvPr/>
-        </p:nvSpPr>
-        <p:spPr>
-          <a:xfrm>
-            <a:off x="8599801" y="4638173"/>
-            <a:ext cx="1639415" cy="430887"/>
-          </a:xfrm>
-          <a:prstGeom prst="rect">
-            <a:avLst/>
-          </a:prstGeom>
-          <a:noFill/>
-        </p:spPr>
-        <p:txBody>
-          <a:bodyPr wrap="square" rtlCol="0">
-            <a:spAutoFit/>
-          </a:bodyPr>
-          <a:lstStyle/>
-          <a:p>
-            <a:pPr algn="ctr">
-              <a:buClr>
-                <a:srgbClr val="000000"/>
-              </a:buClr>
-            </a:pPr>
-            <a:r>
-              <a:rPr lang="en-US" sz="1100" b="1" kern="0" dirty="0">
-                <a:solidFill>
-                  <a:srgbClr val="7030A0"/>
-                </a:solidFill>
-                <a:latin typeface="Arial"/>
-                <a:cs typeface="Arial"/>
-                <a:sym typeface="Arial"/>
-              </a:rPr>
-              <a:t>Hourly (County/State/ Balancing Authority)</a:t>
-            </a:r>
-          </a:p>
-        </p:txBody>
-      </p:sp>
-      <p:sp>
-        <p:nvSpPr>
-          <p:cNvPr id="3" name="TextBox 2">
-            <a:extLst>
-              <a:ext uri="{FF2B5EF4-FFF2-40B4-BE49-F238E27FC236}">
-                <a16:creationId xmlns:a16="http://schemas.microsoft.com/office/drawing/2014/main" id="{472D95DD-DC61-D648-9992-BF218E98C908}"/>
-              </a:ext>
-            </a:extLst>
-          </p:cNvPr>
-          <p:cNvSpPr txBox="1"/>
-          <p:nvPr/>
-        </p:nvSpPr>
-        <p:spPr>
-          <a:xfrm>
-            <a:off x="9845234" y="2428854"/>
-            <a:ext cx="1789238" cy="307777"/>
-          </a:xfrm>
-          <a:prstGeom prst="rect">
-            <a:avLst/>
-          </a:prstGeom>
-          <a:noFill/>
-        </p:spPr>
-        <p:txBody>
-          <a:bodyPr wrap="square" rtlCol="0">
-            <a:spAutoFit/>
-          </a:bodyPr>
-          <a:lstStyle/>
-          <a:p>
-            <a:r>
-              <a:rPr lang="en-US" sz="1400" b="1" dirty="0">
-                <a:solidFill>
-                  <a:schemeClr val="accent2"/>
-                </a:solidFill>
-              </a:rPr>
-              <a:t>Power plant locations</a:t>
-            </a:r>
-          </a:p>
-        </p:txBody>
-      </p:sp>
-      <p:sp>
-        <p:nvSpPr>
-          <p:cNvPr id="4" name="TextBox 3">
-            <a:extLst>
-              <a:ext uri="{FF2B5EF4-FFF2-40B4-BE49-F238E27FC236}">
-                <a16:creationId xmlns:a16="http://schemas.microsoft.com/office/drawing/2014/main" id="{EE940FB5-27B2-CB44-B83F-B97BA5BFF786}"/>
-              </a:ext>
-            </a:extLst>
-          </p:cNvPr>
-          <p:cNvSpPr txBox="1"/>
-          <p:nvPr/>
-        </p:nvSpPr>
-        <p:spPr>
-          <a:xfrm>
-            <a:off x="10161181" y="5462854"/>
-            <a:ext cx="1688175" cy="738664"/>
-          </a:xfrm>
-          <a:prstGeom prst="rect">
-            <a:avLst/>
-          </a:prstGeom>
-          <a:noFill/>
-        </p:spPr>
-        <p:txBody>
-          <a:bodyPr wrap="square" rtlCol="0">
-            <a:spAutoFit/>
-          </a:bodyPr>
-          <a:lstStyle/>
-          <a:p>
-            <a:r>
-              <a:rPr lang="en-US" sz="1400" b="1" dirty="0">
-                <a:solidFill>
-                  <a:schemeClr val="accent2"/>
-                </a:solidFill>
-              </a:rPr>
-              <a:t>Hourly electricity loads by Balancing Authority</a:t>
-            </a:r>
-          </a:p>
-        </p:txBody>
-      </p:sp>
-      <p:sp>
-        <p:nvSpPr>
-          <p:cNvPr id="53" name="TextBox 52">
-            <a:extLst>
-              <a:ext uri="{FF2B5EF4-FFF2-40B4-BE49-F238E27FC236}">
-                <a16:creationId xmlns:a16="http://schemas.microsoft.com/office/drawing/2014/main" id="{2707E22F-F80B-9048-B4E2-415E39D454A2}"/>
-              </a:ext>
-            </a:extLst>
-          </p:cNvPr>
-          <p:cNvSpPr txBox="1"/>
-          <p:nvPr/>
-        </p:nvSpPr>
-        <p:spPr>
-          <a:xfrm>
-            <a:off x="6809665" y="5603639"/>
-            <a:ext cx="1977223" cy="523220"/>
-          </a:xfrm>
-          <a:prstGeom prst="rect">
-            <a:avLst/>
-          </a:prstGeom>
-          <a:noFill/>
-        </p:spPr>
-        <p:txBody>
-          <a:bodyPr wrap="square" rtlCol="0">
-            <a:spAutoFit/>
-          </a:bodyPr>
-          <a:lstStyle/>
-          <a:p>
-            <a:pPr algn="ctr"/>
-            <a:r>
-              <a:rPr lang="en-US" sz="1400" b="1" dirty="0">
-                <a:solidFill>
-                  <a:schemeClr val="accent2"/>
-                </a:solidFill>
-              </a:rPr>
-              <a:t>State-level annual electricity consumption</a:t>
-            </a:r>
-          </a:p>
-        </p:txBody>
-      </p:sp>
-      <p:sp>
-        <p:nvSpPr>
-          <p:cNvPr id="59" name="TextBox 58">
-            <a:extLst>
-              <a:ext uri="{FF2B5EF4-FFF2-40B4-BE49-F238E27FC236}">
-                <a16:creationId xmlns:a16="http://schemas.microsoft.com/office/drawing/2014/main" id="{2E830D7D-98B2-5049-A700-3D0B7C0B1185}"/>
-              </a:ext>
-            </a:extLst>
-          </p:cNvPr>
-          <p:cNvSpPr txBox="1"/>
-          <p:nvPr/>
-        </p:nvSpPr>
-        <p:spPr>
-          <a:xfrm>
-            <a:off x="6123760" y="3604549"/>
-            <a:ext cx="3115663" cy="307777"/>
-          </a:xfrm>
-          <a:prstGeom prst="rect">
-            <a:avLst/>
-          </a:prstGeom>
-          <a:noFill/>
-        </p:spPr>
-        <p:txBody>
-          <a:bodyPr wrap="square" rtlCol="0">
-            <a:spAutoFit/>
-          </a:bodyPr>
-          <a:lstStyle/>
-          <a:p>
-            <a:pPr algn="ctr"/>
-            <a:r>
-              <a:rPr lang="en-US" sz="1400" b="1" dirty="0">
-                <a:solidFill>
-                  <a:schemeClr val="accent2"/>
-                </a:solidFill>
-              </a:rPr>
-              <a:t>State-level electricity system expansion</a:t>
-            </a:r>
-          </a:p>
-        </p:txBody>
-      </p:sp>
-      <p:sp>
-        <p:nvSpPr>
-          <p:cNvPr id="60" name="TextBox 59">
-            <a:extLst>
-              <a:ext uri="{FF2B5EF4-FFF2-40B4-BE49-F238E27FC236}">
-                <a16:creationId xmlns:a16="http://schemas.microsoft.com/office/drawing/2014/main" id="{95697975-EAFC-EF43-8DE3-97766A57C7AE}"/>
-              </a:ext>
-            </a:extLst>
-          </p:cNvPr>
-          <p:cNvSpPr txBox="1"/>
-          <p:nvPr/>
-        </p:nvSpPr>
-        <p:spPr>
-          <a:xfrm>
-            <a:off x="4394798" y="3484742"/>
-            <a:ext cx="1293609" cy="1169551"/>
-          </a:xfrm>
-          <a:prstGeom prst="rect">
-            <a:avLst/>
-          </a:prstGeom>
-          <a:noFill/>
-        </p:spPr>
-        <p:txBody>
-          <a:bodyPr wrap="square" rtlCol="0">
-            <a:spAutoFit/>
-          </a:bodyPr>
-          <a:lstStyle/>
-          <a:p>
-            <a:pPr algn="r"/>
-            <a:r>
-              <a:rPr lang="en-US" sz="1400" b="1" dirty="0">
-                <a:solidFill>
-                  <a:schemeClr val="accent2"/>
-                </a:solidFill>
-              </a:rPr>
-              <a:t> Temperature and precipitation by state and basin</a:t>
-            </a:r>
-          </a:p>
-        </p:txBody>
-      </p:sp>
-      <p:sp>
-        <p:nvSpPr>
-          <p:cNvPr id="62" name="TextBox 61">
-            <a:extLst>
-              <a:ext uri="{FF2B5EF4-FFF2-40B4-BE49-F238E27FC236}">
-                <a16:creationId xmlns:a16="http://schemas.microsoft.com/office/drawing/2014/main" id="{BB5BDC1D-C801-824E-8697-6244FE33D14D}"/>
-              </a:ext>
-            </a:extLst>
-          </p:cNvPr>
-          <p:cNvSpPr txBox="1"/>
-          <p:nvPr/>
-        </p:nvSpPr>
-        <p:spPr>
-          <a:xfrm>
-            <a:off x="5562514" y="771015"/>
-            <a:ext cx="6051126" cy="307777"/>
-          </a:xfrm>
-          <a:prstGeom prst="rect">
-            <a:avLst/>
-          </a:prstGeom>
-          <a:noFill/>
-        </p:spPr>
-        <p:txBody>
-          <a:bodyPr wrap="square" rtlCol="0">
-            <a:spAutoFit/>
-          </a:bodyPr>
-          <a:lstStyle/>
-          <a:p>
-            <a:r>
-              <a:rPr lang="en-US" sz="1400" b="1" dirty="0">
-                <a:solidFill>
-                  <a:schemeClr val="accent2"/>
-                </a:solidFill>
-              </a:rPr>
-              <a:t>Hourly weather variables needed to derate thermoelectric power plants</a:t>
-            </a:r>
-          </a:p>
-        </p:txBody>
-      </p:sp>
-      <p:sp>
-        <p:nvSpPr>
-          <p:cNvPr id="63" name="TextBox 62">
-            <a:extLst>
-              <a:ext uri="{FF2B5EF4-FFF2-40B4-BE49-F238E27FC236}">
-                <a16:creationId xmlns:a16="http://schemas.microsoft.com/office/drawing/2014/main" id="{47BD10D5-8F86-9441-A6C6-BADB16DB5D03}"/>
-              </a:ext>
-            </a:extLst>
-          </p:cNvPr>
-          <p:cNvSpPr txBox="1"/>
-          <p:nvPr/>
-        </p:nvSpPr>
-        <p:spPr>
-          <a:xfrm>
-            <a:off x="7102899" y="4364044"/>
-            <a:ext cx="1254197" cy="738664"/>
-          </a:xfrm>
-          <a:prstGeom prst="rect">
-            <a:avLst/>
-          </a:prstGeom>
-          <a:noFill/>
-        </p:spPr>
-        <p:txBody>
-          <a:bodyPr wrap="square" rtlCol="0">
-            <a:spAutoFit/>
-          </a:bodyPr>
-          <a:lstStyle/>
-          <a:p>
-            <a:pPr algn="r"/>
-            <a:r>
-              <a:rPr lang="en-US" sz="1400" b="1" dirty="0">
-                <a:solidFill>
-                  <a:schemeClr val="accent2"/>
-                </a:solidFill>
-              </a:rPr>
-              <a:t>Fuel prices and generator </a:t>
-            </a:r>
-          </a:p>
-          <a:p>
-            <a:pPr algn="r"/>
-            <a:r>
-              <a:rPr lang="en-US" sz="1400" b="1" dirty="0">
-                <a:solidFill>
-                  <a:schemeClr val="accent2"/>
-                </a:solidFill>
-              </a:rPr>
-              <a:t>variable costs</a:t>
-            </a:r>
-          </a:p>
-        </p:txBody>
-      </p:sp>
-      <p:cxnSp>
-        <p:nvCxnSpPr>
-          <p:cNvPr id="64" name="Straight Arrow Connector 129">
-            <a:extLst>
-              <a:ext uri="{FF2B5EF4-FFF2-40B4-BE49-F238E27FC236}">
-                <a16:creationId xmlns:a16="http://schemas.microsoft.com/office/drawing/2014/main" id="{31D3CE99-F34F-C544-945B-85DA1EF12B3E}"/>
-              </a:ext>
-            </a:extLst>
-          </p:cNvPr>
-          <p:cNvCxnSpPr>
-            <a:cxnSpLocks/>
-          </p:cNvCxnSpPr>
-          <p:nvPr/>
-        </p:nvCxnSpPr>
-        <p:spPr>
-          <a:xfrm rot="10800000">
-            <a:off x="9919822" y="2744687"/>
-            <a:ext cx="1310757" cy="1074638"/>
-          </a:xfrm>
-          <a:prstGeom prst="bentConnector3">
-            <a:avLst>
-              <a:gd name="adj1" fmla="val -228"/>
-            </a:avLst>
-          </a:prstGeom>
-          <a:noFill/>
-          <a:ln w="25400" cap="flat" cmpd="sng" algn="ctr">
-            <a:solidFill>
-              <a:schemeClr val="tx1"/>
-            </a:solidFill>
-            <a:prstDash val="sysDot"/>
-            <a:miter lim="800000"/>
-            <a:headEnd type="triangle" w="lg" len="lg"/>
-            <a:tailEnd type="none" w="lg" len="lg"/>
-          </a:ln>
-          <a:effectLst/>
-        </p:spPr>
-      </p:cxnSp>
-      <p:sp>
-        <p:nvSpPr>
-          <p:cNvPr id="65" name="TextBox 64">
-            <a:extLst>
-              <a:ext uri="{FF2B5EF4-FFF2-40B4-BE49-F238E27FC236}">
-                <a16:creationId xmlns:a16="http://schemas.microsoft.com/office/drawing/2014/main" id="{A4BA03A6-DE29-AE4B-8989-AF09CDFD8120}"/>
-              </a:ext>
-            </a:extLst>
-          </p:cNvPr>
-          <p:cNvSpPr txBox="1"/>
-          <p:nvPr/>
-        </p:nvSpPr>
-        <p:spPr>
-          <a:xfrm>
-            <a:off x="9776521" y="3048156"/>
-            <a:ext cx="959687" cy="738664"/>
-          </a:xfrm>
-          <a:prstGeom prst="rect">
-            <a:avLst/>
-          </a:prstGeom>
-          <a:noFill/>
-        </p:spPr>
-        <p:txBody>
-          <a:bodyPr wrap="square" rtlCol="0">
-            <a:spAutoFit/>
-          </a:bodyPr>
-          <a:lstStyle/>
-          <a:p>
-            <a:pPr algn="r"/>
-            <a:r>
-              <a:rPr lang="en-US" sz="1400" b="1" dirty="0">
-                <a:solidFill>
-                  <a:schemeClr val="accent2"/>
-                </a:solidFill>
-              </a:rPr>
-              <a:t>Locational marginal prices</a:t>
-            </a:r>
-          </a:p>
-        </p:txBody>
-      </p:sp>
-      <p:sp>
-        <p:nvSpPr>
-          <p:cNvPr id="69" name="TextBox 68">
-            <a:extLst>
-              <a:ext uri="{FF2B5EF4-FFF2-40B4-BE49-F238E27FC236}">
-                <a16:creationId xmlns:a16="http://schemas.microsoft.com/office/drawing/2014/main" id="{DF15A046-2AE0-CB40-ADB2-93E331DA618F}"/>
-              </a:ext>
-            </a:extLst>
-          </p:cNvPr>
-          <p:cNvSpPr txBox="1"/>
-          <p:nvPr/>
-        </p:nvSpPr>
-        <p:spPr>
-          <a:xfrm>
-            <a:off x="8832229" y="1851352"/>
-            <a:ext cx="739205" cy="430887"/>
-          </a:xfrm>
-          <a:prstGeom prst="rect">
-            <a:avLst/>
-          </a:prstGeom>
-          <a:noFill/>
-        </p:spPr>
-        <p:txBody>
-          <a:bodyPr wrap="square" rtlCol="0">
-            <a:spAutoFit/>
-          </a:bodyPr>
-          <a:lstStyle/>
-          <a:p>
-            <a:pPr algn="ctr">
-              <a:buClr>
-                <a:srgbClr val="000000"/>
-              </a:buClr>
-              <a:buFont typeface="Arial"/>
-              <a:buNone/>
-            </a:pPr>
-            <a:r>
-              <a:rPr lang="en-US" sz="1100" b="1" kern="0" dirty="0">
-                <a:solidFill>
-                  <a:srgbClr val="7030A0"/>
-                </a:solidFill>
-                <a:latin typeface="Arial"/>
-                <a:cs typeface="Arial"/>
-                <a:sym typeface="Arial"/>
-              </a:rPr>
-              <a:t>CONUS (1 km</a:t>
-            </a:r>
-            <a:r>
-              <a:rPr lang="en-US" sz="1100" b="1" kern="0" baseline="30000" dirty="0">
-                <a:solidFill>
-                  <a:srgbClr val="7030A0"/>
-                </a:solidFill>
-                <a:latin typeface="Arial"/>
-                <a:cs typeface="Arial"/>
-                <a:sym typeface="Arial"/>
-              </a:rPr>
-              <a:t>2</a:t>
-            </a:r>
-            <a:r>
-              <a:rPr lang="en-US" sz="1100" b="1" kern="0" dirty="0">
-                <a:solidFill>
-                  <a:srgbClr val="7030A0"/>
-                </a:solidFill>
-                <a:latin typeface="Arial"/>
-                <a:cs typeface="Arial"/>
-                <a:sym typeface="Arial"/>
-              </a:rPr>
-              <a:t>)</a:t>
-            </a:r>
             <a:endParaRPr lang="en-US" sz="1100" b="1" kern="0" baseline="30000" dirty="0">
               <a:solidFill>
                 <a:srgbClr val="7030A0"/>
@@ -5765,84 +4949,6 @@
           </a:p>
         </p:txBody>
       </p:sp>
-      <p:sp>
-        <p:nvSpPr>
-          <p:cNvPr id="70" name="Rounded Rectangle 69">
-            <a:extLst>
-              <a:ext uri="{FF2B5EF4-FFF2-40B4-BE49-F238E27FC236}">
-                <a16:creationId xmlns:a16="http://schemas.microsoft.com/office/drawing/2014/main" id="{33144FA7-DB63-E44B-B5F6-03C886F88948}"/>
-              </a:ext>
-            </a:extLst>
-          </p:cNvPr>
-          <p:cNvSpPr/>
-          <p:nvPr/>
-        </p:nvSpPr>
-        <p:spPr>
-          <a:xfrm>
-            <a:off x="3630407" y="786870"/>
-            <a:ext cx="1332993" cy="856257"/>
-          </a:xfrm>
-          <a:prstGeom prst="roundRect">
-            <a:avLst/>
-          </a:prstGeom>
-          <a:solidFill>
-            <a:schemeClr val="bg1">
-              <a:lumMod val="50000"/>
-            </a:schemeClr>
-          </a:solidFill>
-          <a:ln w="25400" cap="flat" cmpd="sng" algn="ctr">
-            <a:solidFill>
-              <a:schemeClr val="tx1"/>
-            </a:solidFill>
-            <a:prstDash val="solid"/>
-            <a:miter lim="800000"/>
-          </a:ln>
-          <a:effectLst/>
-        </p:spPr>
-        <p:txBody>
-          <a:bodyPr rtlCol="0" anchor="ctr"/>
-          <a:lstStyle/>
-          <a:p>
-            <a:pPr marL="0" marR="0" lvl="0" indent="0" algn="ctr" defTabSz="914400" eaLnBrk="1" fontAlgn="auto" latinLnBrk="0" hangingPunct="1">
-              <a:lnSpc>
-                <a:spcPct val="100000"/>
-              </a:lnSpc>
-              <a:spcBef>
-                <a:spcPts val="0"/>
-              </a:spcBef>
-              <a:spcAft>
-                <a:spcPts val="0"/>
-              </a:spcAft>
-              <a:buClr>
-                <a:srgbClr val="000000"/>
-              </a:buClr>
-              <a:buSzTx/>
-              <a:buFont typeface="Arial"/>
-              <a:buNone/>
-              <a:tabLst/>
-              <a:defRPr/>
-            </a:pPr>
-            <a:r>
-              <a:rPr kumimoji="0" lang="en-US" sz="1200" b="0" i="0" u="none" strike="noStrike" kern="0" cap="none" spc="0" normalizeH="0" baseline="0" noProof="0" dirty="0">
-                <a:ln>
-                  <a:noFill/>
-                </a:ln>
-                <a:solidFill>
-                  <a:srgbClr val="FFFFFF"/>
-                </a:solidFill>
-                <a:effectLst/>
-                <a:uLnTx/>
-                <a:uFillTx/>
-                <a:latin typeface="Calibri" panose="020F0502020204030204"/>
-                <a:ea typeface="+mn-ea"/>
-                <a:cs typeface="+mn-cs"/>
-                <a:sym typeface="Arial"/>
-              </a:rPr>
-              <a:t>Thermodynamic Global Warming Simulations (WRF)</a:t>
-            </a:r>
-          </a:p>
-        </p:txBody>
-      </p:sp>
       <p:cxnSp>
         <p:nvCxnSpPr>
           <p:cNvPr id="83" name="Straight Arrow Connector 82">
@@ -5870,7 +4976,9 @@
           <a:noFill/>
           <a:ln w="25400" cap="flat" cmpd="sng" algn="ctr">
             <a:solidFill>
-              <a:schemeClr val="tx1"/>
+              <a:schemeClr val="accent6">
+                <a:lumMod val="75000"/>
+              </a:schemeClr>
             </a:solidFill>
             <a:prstDash val="solid"/>
             <a:miter lim="800000"/>
@@ -5906,7 +5014,9 @@
           <a:noFill/>
           <a:ln w="25400" cap="flat" cmpd="sng" algn="ctr">
             <a:solidFill>
-              <a:schemeClr val="tx1"/>
+              <a:schemeClr val="accent4">
+                <a:lumMod val="75000"/>
+              </a:schemeClr>
             </a:solidFill>
             <a:prstDash val="dash"/>
             <a:miter lim="800000"/>
@@ -5942,7 +5052,9 @@
           <a:noFill/>
           <a:ln w="25400" cap="flat" cmpd="sng" algn="ctr">
             <a:solidFill>
-              <a:schemeClr val="tx1"/>
+              <a:schemeClr val="accent6">
+                <a:lumMod val="75000"/>
+              </a:schemeClr>
             </a:solidFill>
             <a:prstDash val="solid"/>
             <a:miter lim="800000"/>
@@ -5983,7 +5095,7 @@
             <a:r>
               <a:rPr lang="en-US" sz="1400" b="1" dirty="0">
                 <a:solidFill>
-                  <a:schemeClr val="accent2"/>
+                  <a:schemeClr val="accent1"/>
                 </a:solidFill>
               </a:rPr>
               <a:t>Hourly weather variables</a:t>
@@ -6021,7 +5133,9 @@
           <a:noFill/>
           <a:ln w="25400" cap="flat" cmpd="sng" algn="ctr">
             <a:solidFill>
-              <a:schemeClr val="tx1"/>
+              <a:schemeClr val="accent4">
+                <a:lumMod val="75000"/>
+              </a:schemeClr>
             </a:solidFill>
             <a:prstDash val="dash"/>
             <a:miter lim="800000"/>
@@ -6032,79 +5146,6 @@
       </p:cxnSp>
       <p:sp>
         <p:nvSpPr>
-          <p:cNvPr id="18" name="Rounded Rectangle 17">
-            <a:extLst>
-              <a:ext uri="{FF2B5EF4-FFF2-40B4-BE49-F238E27FC236}">
-                <a16:creationId xmlns:a16="http://schemas.microsoft.com/office/drawing/2014/main" id="{CB3773D0-064F-C840-942F-AED3E66D04EE}"/>
-              </a:ext>
-            </a:extLst>
-          </p:cNvPr>
-          <p:cNvSpPr/>
-          <p:nvPr/>
-        </p:nvSpPr>
-        <p:spPr>
-          <a:xfrm>
-            <a:off x="2715876" y="3799240"/>
-            <a:ext cx="1382139" cy="824359"/>
-          </a:xfrm>
-          <a:prstGeom prst="roundRect">
-            <a:avLst/>
-          </a:prstGeom>
-          <a:solidFill>
-            <a:schemeClr val="bg1">
-              <a:lumMod val="50000"/>
-            </a:schemeClr>
-          </a:solidFill>
-          <a:ln w="25400" cap="flat" cmpd="sng" algn="ctr">
-            <a:solidFill>
-              <a:schemeClr val="tx1"/>
-            </a:solidFill>
-            <a:prstDash val="solid"/>
-            <a:miter lim="800000"/>
-          </a:ln>
-          <a:effectLst/>
-        </p:spPr>
-        <p:txBody>
-          <a:bodyPr rtlCol="0" anchor="ctr"/>
-          <a:lstStyle/>
-          <a:p>
-            <a:pPr lvl="0" algn="ctr">
-              <a:buClr>
-                <a:srgbClr val="000000"/>
-              </a:buClr>
-              <a:defRPr/>
-            </a:pPr>
-            <a:r>
-              <a:rPr lang="en-US" sz="1400" kern="0" dirty="0">
-                <a:solidFill>
-                  <a:schemeClr val="bg1"/>
-                </a:solidFill>
-                <a:sym typeface="Arial"/>
-              </a:rPr>
-              <a:t>Gridded</a:t>
-            </a:r>
-          </a:p>
-          <a:p>
-            <a:pPr lvl="0" algn="ctr">
-              <a:buClr>
-                <a:srgbClr val="000000"/>
-              </a:buClr>
-              <a:defRPr/>
-            </a:pPr>
-            <a:r>
-              <a:rPr lang="en-US" sz="1400" kern="0" dirty="0">
-                <a:solidFill>
-                  <a:schemeClr val="bg1"/>
-                </a:solidFill>
-                <a:sym typeface="Arial"/>
-              </a:rPr>
-              <a:t>Population</a:t>
-            </a:r>
-          </a:p>
-        </p:txBody>
-      </p:sp>
-      <p:sp>
-        <p:nvSpPr>
           <p:cNvPr id="102" name="TextBox 101">
             <a:extLst>
               <a:ext uri="{FF2B5EF4-FFF2-40B4-BE49-F238E27FC236}">
@@ -6135,353 +5176,10 @@
             <a:r>
               <a:rPr lang="en-US" sz="1400" b="1" dirty="0">
                 <a:solidFill>
-                  <a:schemeClr val="accent2"/>
+                  <a:schemeClr val="accent1"/>
                 </a:solidFill>
               </a:rPr>
               <a:t>County populations</a:t>
-            </a:r>
-          </a:p>
-        </p:txBody>
-      </p:sp>
-      <p:sp>
-        <p:nvSpPr>
-          <p:cNvPr id="76" name="Rounded Rectangle 75">
-            <a:extLst>
-              <a:ext uri="{FF2B5EF4-FFF2-40B4-BE49-F238E27FC236}">
-                <a16:creationId xmlns:a16="http://schemas.microsoft.com/office/drawing/2014/main" id="{A5AEB2BB-4E50-5D4C-A78A-F7021C22F135}"/>
-              </a:ext>
-            </a:extLst>
-          </p:cNvPr>
-          <p:cNvSpPr/>
-          <p:nvPr/>
-        </p:nvSpPr>
-        <p:spPr>
-          <a:xfrm>
-            <a:off x="4577571" y="1838686"/>
-            <a:ext cx="914400" cy="744200"/>
-          </a:xfrm>
-          <a:prstGeom prst="roundRect">
-            <a:avLst/>
-          </a:prstGeom>
-          <a:solidFill>
-            <a:schemeClr val="bg1">
-              <a:lumMod val="50000"/>
-            </a:schemeClr>
-          </a:solidFill>
-          <a:ln w="25400" cap="flat" cmpd="sng" algn="ctr">
-            <a:solidFill>
-              <a:schemeClr val="tx1"/>
-            </a:solidFill>
-            <a:prstDash val="solid"/>
-            <a:miter lim="800000"/>
-          </a:ln>
-          <a:effectLst/>
-        </p:spPr>
-        <p:txBody>
-          <a:bodyPr rtlCol="0" anchor="ctr"/>
-          <a:lstStyle/>
-          <a:p>
-            <a:pPr marL="0" marR="0" lvl="0" indent="0" algn="ctr" defTabSz="914400" eaLnBrk="1" fontAlgn="auto" latinLnBrk="0" hangingPunct="1">
-              <a:lnSpc>
-                <a:spcPct val="100000"/>
-              </a:lnSpc>
-              <a:spcBef>
-                <a:spcPts val="0"/>
-              </a:spcBef>
-              <a:spcAft>
-                <a:spcPts val="0"/>
-              </a:spcAft>
-              <a:buClr>
-                <a:srgbClr val="000000"/>
-              </a:buClr>
-              <a:buSzTx/>
-              <a:buFont typeface="Arial"/>
-              <a:buNone/>
-              <a:tabLst/>
-              <a:defRPr/>
-            </a:pPr>
-            <a:r>
-              <a:rPr kumimoji="0" lang="en-US" sz="1200" b="0" i="0" u="none" strike="noStrike" kern="0" cap="none" spc="0" normalizeH="0" baseline="0" noProof="0" dirty="0">
-                <a:ln>
-                  <a:noFill/>
-                </a:ln>
-                <a:solidFill>
-                  <a:srgbClr val="FFFFFF"/>
-                </a:solidFill>
-                <a:effectLst/>
-                <a:uLnTx/>
-                <a:uFillTx/>
-                <a:latin typeface="Calibri" panose="020F0502020204030204"/>
-                <a:ea typeface="+mn-ea"/>
-                <a:cs typeface="+mn-cs"/>
-                <a:sym typeface="Arial"/>
-              </a:rPr>
-              <a:t>Water Runoff</a:t>
-            </a:r>
-          </a:p>
-          <a:p>
-            <a:pPr marL="0" marR="0" lvl="0" indent="0" algn="ctr" defTabSz="914400" eaLnBrk="1" fontAlgn="auto" latinLnBrk="0" hangingPunct="1">
-              <a:lnSpc>
-                <a:spcPct val="100000"/>
-              </a:lnSpc>
-              <a:spcBef>
-                <a:spcPts val="0"/>
-              </a:spcBef>
-              <a:spcAft>
-                <a:spcPts val="0"/>
-              </a:spcAft>
-              <a:buClr>
-                <a:srgbClr val="000000"/>
-              </a:buClr>
-              <a:buSzTx/>
-              <a:buFont typeface="Arial"/>
-              <a:buNone/>
-              <a:tabLst/>
-              <a:defRPr/>
-            </a:pPr>
-            <a:r>
-              <a:rPr kumimoji="0" lang="en-US" sz="900" b="0" i="0" u="none" strike="noStrike" kern="0" cap="none" spc="0" normalizeH="0" baseline="0" noProof="0" dirty="0">
-                <a:ln>
-                  <a:noFill/>
-                </a:ln>
-                <a:solidFill>
-                  <a:srgbClr val="FFFFFF"/>
-                </a:solidFill>
-                <a:effectLst/>
-                <a:uLnTx/>
-                <a:uFillTx/>
-                <a:latin typeface="Calibri" panose="020F0502020204030204"/>
-                <a:ea typeface="+mn-ea"/>
-                <a:cs typeface="+mn-cs"/>
-                <a:sym typeface="Arial"/>
-              </a:rPr>
-              <a:t>(Xanthos)</a:t>
-            </a:r>
-          </a:p>
-        </p:txBody>
-      </p:sp>
-      <p:sp>
-        <p:nvSpPr>
-          <p:cNvPr id="77" name="Rounded Rectangle 76">
-            <a:extLst>
-              <a:ext uri="{FF2B5EF4-FFF2-40B4-BE49-F238E27FC236}">
-                <a16:creationId xmlns:a16="http://schemas.microsoft.com/office/drawing/2014/main" id="{9AB0B74A-828D-9548-B981-A52F96E3244E}"/>
-              </a:ext>
-            </a:extLst>
-          </p:cNvPr>
-          <p:cNvSpPr/>
-          <p:nvPr/>
-        </p:nvSpPr>
-        <p:spPr>
-          <a:xfrm>
-            <a:off x="5539906" y="1838686"/>
-            <a:ext cx="914400" cy="744200"/>
-          </a:xfrm>
-          <a:prstGeom prst="roundRect">
-            <a:avLst/>
-          </a:prstGeom>
-          <a:solidFill>
-            <a:schemeClr val="bg1">
-              <a:lumMod val="50000"/>
-            </a:schemeClr>
-          </a:solidFill>
-          <a:ln w="25400" cap="flat" cmpd="sng" algn="ctr">
-            <a:solidFill>
-              <a:schemeClr val="tx1"/>
-            </a:solidFill>
-            <a:prstDash val="solid"/>
-            <a:miter lim="800000"/>
-          </a:ln>
-          <a:effectLst/>
-        </p:spPr>
-        <p:txBody>
-          <a:bodyPr rtlCol="0" anchor="ctr"/>
-          <a:lstStyle/>
-          <a:p>
-            <a:pPr marL="0" marR="0" lvl="0" indent="0" algn="ctr" defTabSz="914400" eaLnBrk="1" fontAlgn="auto" latinLnBrk="0" hangingPunct="1">
-              <a:lnSpc>
-                <a:spcPct val="100000"/>
-              </a:lnSpc>
-              <a:spcBef>
-                <a:spcPts val="0"/>
-              </a:spcBef>
-              <a:spcAft>
-                <a:spcPts val="0"/>
-              </a:spcAft>
-              <a:buClr>
-                <a:srgbClr val="000000"/>
-              </a:buClr>
-              <a:buSzTx/>
-              <a:buFont typeface="Arial"/>
-              <a:buNone/>
-              <a:tabLst/>
-              <a:defRPr/>
-            </a:pPr>
-            <a:r>
-              <a:rPr kumimoji="0" lang="en-US" sz="1200" b="0" i="0" u="none" strike="noStrike" kern="0" cap="none" spc="0" normalizeH="0" baseline="0" noProof="0" dirty="0">
-                <a:ln>
-                  <a:noFill/>
-                </a:ln>
-                <a:solidFill>
-                  <a:srgbClr val="FFFFFF"/>
-                </a:solidFill>
-                <a:effectLst/>
-                <a:uLnTx/>
-                <a:uFillTx/>
-                <a:latin typeface="Calibri" panose="020F0502020204030204"/>
-                <a:ea typeface="+mn-ea"/>
-                <a:cs typeface="+mn-cs"/>
-                <a:sym typeface="Arial"/>
-              </a:rPr>
-              <a:t>HDH/CDH</a:t>
-            </a:r>
-          </a:p>
-          <a:p>
-            <a:pPr marL="0" marR="0" lvl="0" indent="0" algn="ctr" defTabSz="914400" eaLnBrk="1" fontAlgn="auto" latinLnBrk="0" hangingPunct="1">
-              <a:lnSpc>
-                <a:spcPct val="100000"/>
-              </a:lnSpc>
-              <a:spcBef>
-                <a:spcPts val="0"/>
-              </a:spcBef>
-              <a:spcAft>
-                <a:spcPts val="0"/>
-              </a:spcAft>
-              <a:buClr>
-                <a:srgbClr val="000000"/>
-              </a:buClr>
-              <a:buSzTx/>
-              <a:buFont typeface="Arial"/>
-              <a:buNone/>
-              <a:tabLst/>
-              <a:defRPr/>
-            </a:pPr>
-            <a:r>
-              <a:rPr kumimoji="0" lang="en-US" sz="900" b="0" i="0" u="none" strike="noStrike" kern="0" cap="none" spc="0" normalizeH="0" baseline="0" noProof="0" dirty="0">
-                <a:ln>
-                  <a:noFill/>
-                </a:ln>
-                <a:solidFill>
-                  <a:srgbClr val="FFFFFF"/>
-                </a:solidFill>
-                <a:effectLst/>
-                <a:uLnTx/>
-                <a:uFillTx/>
-                <a:latin typeface="Calibri" panose="020F0502020204030204"/>
-                <a:ea typeface="+mn-ea"/>
-                <a:cs typeface="+mn-cs"/>
-                <a:sym typeface="Arial"/>
-              </a:rPr>
-              <a:t>(Helios)</a:t>
-            </a:r>
-          </a:p>
-        </p:txBody>
-      </p:sp>
-      <p:sp>
-        <p:nvSpPr>
-          <p:cNvPr id="78" name="Rounded Rectangle 77">
-            <a:extLst>
-              <a:ext uri="{FF2B5EF4-FFF2-40B4-BE49-F238E27FC236}">
-                <a16:creationId xmlns:a16="http://schemas.microsoft.com/office/drawing/2014/main" id="{2213A539-FE75-2E49-97A2-21078ECCB86B}"/>
-              </a:ext>
-            </a:extLst>
-          </p:cNvPr>
-          <p:cNvSpPr/>
-          <p:nvPr/>
-        </p:nvSpPr>
-        <p:spPr>
-          <a:xfrm>
-            <a:off x="6502241" y="1838686"/>
-            <a:ext cx="914400" cy="744200"/>
-          </a:xfrm>
-          <a:prstGeom prst="roundRect">
-            <a:avLst/>
-          </a:prstGeom>
-          <a:solidFill>
-            <a:schemeClr val="bg1">
-              <a:lumMod val="50000"/>
-            </a:schemeClr>
-          </a:solidFill>
-          <a:ln w="25400" cap="flat" cmpd="sng" algn="ctr">
-            <a:solidFill>
-              <a:schemeClr val="tx1"/>
-            </a:solidFill>
-            <a:prstDash val="solid"/>
-            <a:miter lim="800000"/>
-          </a:ln>
-          <a:effectLst/>
-        </p:spPr>
-        <p:txBody>
-          <a:bodyPr rtlCol="0" anchor="ctr"/>
-          <a:lstStyle/>
-          <a:p>
-            <a:pPr marL="0" marR="0" lvl="0" indent="0" algn="ctr" defTabSz="914400" eaLnBrk="1" fontAlgn="auto" latinLnBrk="0" hangingPunct="1">
-              <a:lnSpc>
-                <a:spcPct val="100000"/>
-              </a:lnSpc>
-              <a:spcBef>
-                <a:spcPts val="0"/>
-              </a:spcBef>
-              <a:spcAft>
-                <a:spcPts val="0"/>
-              </a:spcAft>
-              <a:buClr>
-                <a:srgbClr val="000000"/>
-              </a:buClr>
-              <a:buSzTx/>
-              <a:buFont typeface="Arial"/>
-              <a:buNone/>
-              <a:tabLst/>
-              <a:defRPr/>
-            </a:pPr>
-            <a:r>
-              <a:rPr kumimoji="0" lang="en-US" sz="1200" b="0" i="0" u="none" strike="noStrike" kern="0" cap="none" spc="0" normalizeH="0" baseline="0" noProof="0" dirty="0">
-                <a:ln>
-                  <a:noFill/>
-                </a:ln>
-                <a:solidFill>
-                  <a:srgbClr val="FFFFFF"/>
-                </a:solidFill>
-                <a:effectLst/>
-                <a:uLnTx/>
-                <a:uFillTx/>
-                <a:latin typeface="Calibri" panose="020F0502020204030204"/>
-                <a:ea typeface="+mn-ea"/>
-                <a:cs typeface="+mn-cs"/>
-                <a:sym typeface="Arial"/>
-              </a:rPr>
-              <a:t>Ag Yield</a:t>
-            </a:r>
-          </a:p>
-          <a:p>
-            <a:pPr marL="0" marR="0" lvl="0" indent="0" algn="ctr" defTabSz="914400" eaLnBrk="1" fontAlgn="auto" latinLnBrk="0" hangingPunct="1">
-              <a:lnSpc>
-                <a:spcPct val="100000"/>
-              </a:lnSpc>
-              <a:spcBef>
-                <a:spcPts val="0"/>
-              </a:spcBef>
-              <a:spcAft>
-                <a:spcPts val="0"/>
-              </a:spcAft>
-              <a:buClr>
-                <a:srgbClr val="000000"/>
-              </a:buClr>
-              <a:buSzTx/>
-              <a:buFont typeface="Arial"/>
-              <a:buNone/>
-              <a:tabLst/>
-              <a:defRPr/>
-            </a:pPr>
-            <a:r>
-              <a:rPr lang="en-US" sz="900" kern="0" dirty="0">
-                <a:solidFill>
-                  <a:srgbClr val="FFFFFF"/>
-                </a:solidFill>
-                <a:latin typeface="Calibri" panose="020F0502020204030204"/>
-                <a:sym typeface="Arial"/>
-              </a:rPr>
-              <a:t>(Persephone)</a:t>
             </a:r>
           </a:p>
         </p:txBody>
@@ -6515,7 +5213,7 @@
           <a:noFill/>
           <a:ln w="25400" cap="flat" cmpd="sng" algn="ctr">
             <a:solidFill>
-              <a:schemeClr val="tx1"/>
+              <a:srgbClr val="C00000"/>
             </a:solidFill>
             <a:prstDash val="sysDot"/>
             <a:miter lim="800000"/>
@@ -6551,7 +5249,9 @@
           <a:noFill/>
           <a:ln w="25400" cap="flat" cmpd="sng" algn="ctr">
             <a:solidFill>
-              <a:schemeClr val="tx1"/>
+              <a:schemeClr val="accent4">
+                <a:lumMod val="75000"/>
+              </a:schemeClr>
             </a:solidFill>
             <a:prstDash val="dash"/>
             <a:miter lim="800000"/>
@@ -6587,7 +5287,9 @@
           <a:noFill/>
           <a:ln w="25400" cap="flat" cmpd="sng" algn="ctr">
             <a:solidFill>
-              <a:schemeClr val="tx1"/>
+              <a:schemeClr val="accent4">
+                <a:lumMod val="75000"/>
+              </a:schemeClr>
             </a:solidFill>
             <a:prstDash val="dash"/>
             <a:miter lim="800000"/>
@@ -6622,7 +5324,9 @@
           </a:prstGeom>
           <a:ln w="25400">
             <a:solidFill>
-              <a:schemeClr val="tx1"/>
+              <a:schemeClr val="accent4">
+                <a:lumMod val="75000"/>
+              </a:schemeClr>
             </a:solidFill>
             <a:prstDash val="dash"/>
             <a:tailEnd type="triangle"/>
@@ -6668,7 +5372,9 @@
           <a:noFill/>
           <a:ln w="25400">
             <a:solidFill>
-              <a:schemeClr val="tx1"/>
+              <a:schemeClr val="accent4">
+                <a:lumMod val="75000"/>
+              </a:schemeClr>
             </a:solidFill>
           </a:ln>
         </p:spPr>
@@ -6723,7 +5429,9 @@
           </a:prstGeom>
           <a:ln w="25400">
             <a:solidFill>
-              <a:schemeClr val="tx1"/>
+              <a:schemeClr val="accent4">
+                <a:lumMod val="75000"/>
+              </a:schemeClr>
             </a:solidFill>
             <a:prstDash val="dash"/>
             <a:tailEnd type="triangle"/>
@@ -6770,7 +5478,9 @@
           </a:prstGeom>
           <a:ln w="25400">
             <a:solidFill>
-              <a:schemeClr val="tx1"/>
+              <a:schemeClr val="accent4">
+                <a:lumMod val="75000"/>
+              </a:schemeClr>
             </a:solidFill>
             <a:prstDash val="dash"/>
             <a:tailEnd type="triangle"/>
@@ -6816,7 +5526,9 @@
           </a:prstGeom>
           <a:ln w="25400">
             <a:solidFill>
-              <a:schemeClr val="tx1"/>
+              <a:schemeClr val="accent4">
+                <a:lumMod val="75000"/>
+              </a:schemeClr>
             </a:solidFill>
             <a:prstDash val="dash"/>
             <a:tailEnd type="triangle"/>
@@ -6851,10 +5563,10 @@
         </p:nvGrpSpPr>
         <p:grpSpPr>
           <a:xfrm>
-            <a:off x="91744" y="1609786"/>
-            <a:ext cx="1330005" cy="3865368"/>
+            <a:off x="91744" y="1788760"/>
+            <a:ext cx="1330005" cy="3280480"/>
             <a:chOff x="74810" y="1956920"/>
-            <a:chExt cx="1330005" cy="3865368"/>
+            <a:chExt cx="1330005" cy="3280480"/>
           </a:xfrm>
         </p:grpSpPr>
         <p:sp>
@@ -7211,7 +5923,9 @@
               <a:noFill/>
               <a:ln w="28575" cap="flat" cmpd="sng" algn="ctr">
                 <a:solidFill>
-                  <a:schemeClr val="tx1"/>
+                  <a:schemeClr val="accent6">
+                    <a:lumMod val="75000"/>
+                  </a:schemeClr>
                 </a:solidFill>
                 <a:prstDash val="solid"/>
                 <a:miter lim="800000"/>
@@ -7283,7 +5997,9 @@
               <a:noFill/>
               <a:ln w="28575" cap="flat" cmpd="sng" algn="ctr">
                 <a:solidFill>
-                  <a:schemeClr val="tx1"/>
+                  <a:schemeClr val="accent4">
+                    <a:lumMod val="75000"/>
+                  </a:schemeClr>
                 </a:solidFill>
                 <a:prstDash val="dash"/>
                 <a:miter lim="800000"/>
@@ -7307,7 +6023,7 @@
             <p:spPr>
               <a:xfrm>
                 <a:off x="805563" y="6294041"/>
-                <a:ext cx="741412" cy="246221"/>
+                <a:ext cx="818434" cy="246221"/>
               </a:xfrm>
               <a:prstGeom prst="rect">
                 <a:avLst/>
@@ -7325,7 +6041,7 @@
                     <a:latin typeface="Arial" panose="020B0604020202020204" pitchFamily="34" charset="0"/>
                     <a:cs typeface="Arial" panose="020B0604020202020204" pitchFamily="34" charset="0"/>
                   </a:rPr>
-                  <a:t>Tested</a:t>
+                  <a:t>In progress</a:t>
                 </a:r>
               </a:p>
             </p:txBody>
@@ -7355,7 +6071,7 @@
               <a:noFill/>
               <a:ln w="28575" cap="flat" cmpd="sng" algn="ctr">
                 <a:solidFill>
-                  <a:schemeClr val="tx1"/>
+                  <a:srgbClr val="C00000"/>
                 </a:solidFill>
                 <a:prstDash val="sysDot"/>
                 <a:miter lim="800000"/>
@@ -7405,61 +6121,6 @@
         </p:grpSp>
         <p:sp>
           <p:nvSpPr>
-            <p:cNvPr id="13" name="TextBox 12">
-              <a:extLst>
-                <a:ext uri="{FF2B5EF4-FFF2-40B4-BE49-F238E27FC236}">
-                  <a16:creationId xmlns:a16="http://schemas.microsoft.com/office/drawing/2014/main" id="{8F2808AF-5952-8843-AF70-52BA5B85ABA7}"/>
-                </a:ext>
-              </a:extLst>
-            </p:cNvPr>
-            <p:cNvSpPr txBox="1"/>
-            <p:nvPr/>
-          </p:nvSpPr>
-          <p:spPr>
-            <a:xfrm>
-              <a:off x="129156" y="4976401"/>
-              <a:ext cx="1221313" cy="523220"/>
-            </a:xfrm>
-            <a:prstGeom prst="rect">
-              <a:avLst/>
-            </a:prstGeom>
-            <a:noFill/>
-          </p:spPr>
-          <p:txBody>
-            <a:bodyPr wrap="square" rtlCol="0">
-              <a:spAutoFit/>
-            </a:bodyPr>
-            <a:lstStyle/>
-            <a:p>
-              <a:pPr algn="ctr"/>
-              <a:r>
-                <a:rPr lang="en-US" sz="1400" b="1" dirty="0">
-                  <a:solidFill>
-                    <a:srgbClr val="7030A0"/>
-                  </a:solidFill>
-                  <a:latin typeface="Arial" panose="020B0604020202020204" pitchFamily="34" charset="0"/>
-                  <a:cs typeface="Arial" panose="020B0604020202020204" pitchFamily="34" charset="0"/>
-                </a:rPr>
-                <a:t>Scale</a:t>
-              </a:r>
-            </a:p>
-            <a:p>
-              <a:pPr algn="ctr"/>
-              <a:r>
-                <a:rPr lang="en-US" sz="1400" b="1" dirty="0">
-                  <a:solidFill>
-                    <a:srgbClr val="7030A0"/>
-                  </a:solidFill>
-                  <a:latin typeface="Arial" panose="020B0604020202020204" pitchFamily="34" charset="0"/>
-                  <a:cs typeface="Arial" panose="020B0604020202020204" pitchFamily="34" charset="0"/>
-                </a:rPr>
-                <a:t>(Resolution)</a:t>
-              </a:r>
-            </a:p>
-          </p:txBody>
-        </p:sp>
-        <p:sp>
-          <p:nvSpPr>
             <p:cNvPr id="118" name="TextBox 117">
               <a:extLst>
                 <a:ext uri="{FF2B5EF4-FFF2-40B4-BE49-F238E27FC236}">
@@ -7472,7 +6133,7 @@
           </p:nvSpPr>
           <p:spPr>
             <a:xfrm>
-              <a:off x="129156" y="5514511"/>
+              <a:off x="129156" y="4929623"/>
               <a:ext cx="1221313" cy="307777"/>
             </a:xfrm>
             <a:prstGeom prst="rect">
@@ -7490,7 +6151,7 @@
               <a:r>
                 <a:rPr lang="en-US" sz="1400" b="1" dirty="0">
                   <a:solidFill>
-                    <a:schemeClr val="accent2"/>
+                    <a:schemeClr val="accent1"/>
                   </a:solidFill>
                   <a:latin typeface="Arial" panose="020B0604020202020204" pitchFamily="34" charset="0"/>
                   <a:cs typeface="Arial" panose="020B0604020202020204" pitchFamily="34" charset="0"/>
@@ -7516,6 +6177,222 @@
         <p:spPr>
           <a:xfrm>
             <a:off x="4996124" y="1275360"/>
+            <a:ext cx="297180" cy="369332"/>
+          </a:xfrm>
+          <a:prstGeom prst="rect">
+            <a:avLst/>
+          </a:prstGeom>
+          <a:solidFill>
+            <a:schemeClr val="accent4">
+              <a:lumMod val="40000"/>
+              <a:lumOff val="60000"/>
+            </a:schemeClr>
+          </a:solidFill>
+          <a:ln w="25400">
+            <a:solidFill>
+              <a:schemeClr val="accent4">
+                <a:lumMod val="75000"/>
+              </a:schemeClr>
+            </a:solidFill>
+          </a:ln>
+        </p:spPr>
+        <p:txBody>
+          <a:bodyPr wrap="square" rtlCol="0">
+            <a:spAutoFit/>
+          </a:bodyPr>
+          <a:lstStyle/>
+          <a:p>
+            <a:pPr algn="ctr"/>
+            <a:r>
+              <a:rPr lang="en-US" b="1" dirty="0">
+                <a:solidFill>
+                  <a:schemeClr val="accent4">
+                    <a:lumMod val="75000"/>
+                  </a:schemeClr>
+                </a:solidFill>
+              </a:rPr>
+              <a:t>1</a:t>
+            </a:r>
+          </a:p>
+        </p:txBody>
+      </p:sp>
+      <p:sp>
+        <p:nvSpPr>
+          <p:cNvPr id="80" name="TextBox 79">
+            <a:extLst>
+              <a:ext uri="{FF2B5EF4-FFF2-40B4-BE49-F238E27FC236}">
+                <a16:creationId xmlns:a16="http://schemas.microsoft.com/office/drawing/2014/main" id="{E3529C63-5322-A744-B319-98BA91E66223}"/>
+              </a:ext>
+            </a:extLst>
+          </p:cNvPr>
+          <p:cNvSpPr txBox="1"/>
+          <p:nvPr/>
+        </p:nvSpPr>
+        <p:spPr>
+          <a:xfrm>
+            <a:off x="5848517" y="1275360"/>
+            <a:ext cx="297180" cy="369332"/>
+          </a:xfrm>
+          <a:prstGeom prst="rect">
+            <a:avLst/>
+          </a:prstGeom>
+          <a:solidFill>
+            <a:schemeClr val="accent4">
+              <a:lumMod val="40000"/>
+              <a:lumOff val="60000"/>
+            </a:schemeClr>
+          </a:solidFill>
+          <a:ln w="25400">
+            <a:solidFill>
+              <a:schemeClr val="accent4">
+                <a:lumMod val="75000"/>
+              </a:schemeClr>
+            </a:solidFill>
+          </a:ln>
+        </p:spPr>
+        <p:txBody>
+          <a:bodyPr wrap="square" rtlCol="0">
+            <a:spAutoFit/>
+          </a:bodyPr>
+          <a:lstStyle/>
+          <a:p>
+            <a:pPr algn="ctr"/>
+            <a:r>
+              <a:rPr lang="en-US" b="1" dirty="0">
+                <a:solidFill>
+                  <a:schemeClr val="accent4">
+                    <a:lumMod val="75000"/>
+                  </a:schemeClr>
+                </a:solidFill>
+              </a:rPr>
+              <a:t>2</a:t>
+            </a:r>
+          </a:p>
+        </p:txBody>
+      </p:sp>
+      <p:sp>
+        <p:nvSpPr>
+          <p:cNvPr id="81" name="TextBox 80">
+            <a:extLst>
+              <a:ext uri="{FF2B5EF4-FFF2-40B4-BE49-F238E27FC236}">
+                <a16:creationId xmlns:a16="http://schemas.microsoft.com/office/drawing/2014/main" id="{4F258ED9-EC4A-6146-92F1-A7D878A4A006}"/>
+              </a:ext>
+            </a:extLst>
+          </p:cNvPr>
+          <p:cNvSpPr txBox="1"/>
+          <p:nvPr/>
+        </p:nvSpPr>
+        <p:spPr>
+          <a:xfrm>
+            <a:off x="6825875" y="1275360"/>
+            <a:ext cx="297180" cy="369332"/>
+          </a:xfrm>
+          <a:prstGeom prst="rect">
+            <a:avLst/>
+          </a:prstGeom>
+          <a:solidFill>
+            <a:schemeClr val="accent4">
+              <a:lumMod val="40000"/>
+              <a:lumOff val="60000"/>
+            </a:schemeClr>
+          </a:solidFill>
+          <a:ln w="25400">
+            <a:solidFill>
+              <a:schemeClr val="accent4">
+                <a:lumMod val="75000"/>
+              </a:schemeClr>
+            </a:solidFill>
+          </a:ln>
+        </p:spPr>
+        <p:txBody>
+          <a:bodyPr wrap="square" rtlCol="0">
+            <a:spAutoFit/>
+          </a:bodyPr>
+          <a:lstStyle/>
+          <a:p>
+            <a:pPr algn="ctr"/>
+            <a:r>
+              <a:rPr lang="en-US" b="1" dirty="0">
+                <a:solidFill>
+                  <a:schemeClr val="accent4">
+                    <a:lumMod val="75000"/>
+                  </a:schemeClr>
+                </a:solidFill>
+              </a:rPr>
+              <a:t>3</a:t>
+            </a:r>
+          </a:p>
+        </p:txBody>
+      </p:sp>
+      <p:sp>
+        <p:nvSpPr>
+          <p:cNvPr id="85" name="TextBox 84">
+            <a:extLst>
+              <a:ext uri="{FF2B5EF4-FFF2-40B4-BE49-F238E27FC236}">
+                <a16:creationId xmlns:a16="http://schemas.microsoft.com/office/drawing/2014/main" id="{EE4152AD-6E88-E645-994E-833183D46272}"/>
+              </a:ext>
+            </a:extLst>
+          </p:cNvPr>
+          <p:cNvSpPr txBox="1"/>
+          <p:nvPr/>
+        </p:nvSpPr>
+        <p:spPr>
+          <a:xfrm>
+            <a:off x="4148184" y="3055338"/>
+            <a:ext cx="297180" cy="369332"/>
+          </a:xfrm>
+          <a:prstGeom prst="rect">
+            <a:avLst/>
+          </a:prstGeom>
+          <a:solidFill>
+            <a:schemeClr val="accent4">
+              <a:lumMod val="40000"/>
+              <a:lumOff val="60000"/>
+            </a:schemeClr>
+          </a:solidFill>
+          <a:ln w="25400">
+            <a:solidFill>
+              <a:schemeClr val="accent4">
+                <a:lumMod val="75000"/>
+              </a:schemeClr>
+            </a:solidFill>
+          </a:ln>
+        </p:spPr>
+        <p:txBody>
+          <a:bodyPr wrap="square" rtlCol="0">
+            <a:spAutoFit/>
+          </a:bodyPr>
+          <a:lstStyle/>
+          <a:p>
+            <a:pPr algn="ctr"/>
+            <a:r>
+              <a:rPr lang="en-US" b="1" dirty="0">
+                <a:solidFill>
+                  <a:schemeClr val="accent4">
+                    <a:lumMod val="75000"/>
+                  </a:schemeClr>
+                </a:solidFill>
+              </a:rPr>
+              <a:t>4</a:t>
+            </a:r>
+          </a:p>
+        </p:txBody>
+      </p:sp>
+      <p:sp>
+        <p:nvSpPr>
+          <p:cNvPr id="88" name="TextBox 87">
+            <a:extLst>
+              <a:ext uri="{FF2B5EF4-FFF2-40B4-BE49-F238E27FC236}">
+                <a16:creationId xmlns:a16="http://schemas.microsoft.com/office/drawing/2014/main" id="{B2109F4C-9694-BD4C-8273-4C27F4E653F1}"/>
+              </a:ext>
+            </a:extLst>
+          </p:cNvPr>
+          <p:cNvSpPr txBox="1"/>
+          <p:nvPr/>
+        </p:nvSpPr>
+        <p:spPr>
+          <a:xfrm>
+            <a:off x="3729782" y="5040932"/>
             <a:ext cx="297180" cy="369332"/>
           </a:xfrm>
           <a:prstGeom prst="rect">
@@ -7530,7 +6407,7 @@
           <a:ln w="25400">
             <a:solidFill>
               <a:schemeClr val="accent6">
-                <a:lumMod val="50000"/>
+                <a:lumMod val="75000"/>
               </a:schemeClr>
             </a:solidFill>
           </a:ln>
@@ -7546,21 +6423,21 @@
               <a:rPr lang="en-US" b="1" dirty="0">
                 <a:solidFill>
                   <a:schemeClr val="accent6">
-                    <a:lumMod val="50000"/>
+                    <a:lumMod val="75000"/>
                   </a:schemeClr>
                 </a:solidFill>
               </a:rPr>
-              <a:t>1</a:t>
-            </a:r>
-          </a:p>
-        </p:txBody>
-      </p:sp>
-      <p:sp>
-        <p:nvSpPr>
-          <p:cNvPr id="80" name="TextBox 79">
-            <a:extLst>
-              <a:ext uri="{FF2B5EF4-FFF2-40B4-BE49-F238E27FC236}">
-                <a16:creationId xmlns:a16="http://schemas.microsoft.com/office/drawing/2014/main" id="{E3529C63-5322-A744-B319-98BA91E66223}"/>
+              <a:t>6</a:t>
+            </a:r>
+          </a:p>
+        </p:txBody>
+      </p:sp>
+      <p:sp>
+        <p:nvSpPr>
+          <p:cNvPr id="89" name="TextBox 88">
+            <a:extLst>
+              <a:ext uri="{FF2B5EF4-FFF2-40B4-BE49-F238E27FC236}">
+                <a16:creationId xmlns:a16="http://schemas.microsoft.com/office/drawing/2014/main" id="{741C2CDB-C418-E240-9824-F33B6FB55B1F}"/>
               </a:ext>
             </a:extLst>
           </p:cNvPr>
@@ -7569,22 +6446,22 @@
         </p:nvSpPr>
         <p:spPr>
           <a:xfrm>
-            <a:off x="5848517" y="1275360"/>
+            <a:off x="5238280" y="6468265"/>
             <a:ext cx="297180" cy="369332"/>
           </a:xfrm>
           <a:prstGeom prst="rect">
             <a:avLst/>
           </a:prstGeom>
           <a:solidFill>
-            <a:schemeClr val="accent6">
-              <a:lumMod val="20000"/>
-              <a:lumOff val="80000"/>
+            <a:schemeClr val="accent4">
+              <a:lumMod val="40000"/>
+              <a:lumOff val="60000"/>
             </a:schemeClr>
           </a:solidFill>
           <a:ln w="25400">
             <a:solidFill>
-              <a:schemeClr val="accent6">
-                <a:lumMod val="50000"/>
+              <a:schemeClr val="accent4">
+                <a:lumMod val="75000"/>
               </a:schemeClr>
             </a:solidFill>
           </a:ln>
@@ -7599,22 +6476,22 @@
             <a:r>
               <a:rPr lang="en-US" b="1" dirty="0">
                 <a:solidFill>
-                  <a:schemeClr val="accent6">
-                    <a:lumMod val="50000"/>
+                  <a:schemeClr val="accent4">
+                    <a:lumMod val="75000"/>
                   </a:schemeClr>
                 </a:solidFill>
               </a:rPr>
-              <a:t>2</a:t>
-            </a:r>
-          </a:p>
-        </p:txBody>
-      </p:sp>
-      <p:sp>
-        <p:nvSpPr>
-          <p:cNvPr id="81" name="TextBox 80">
-            <a:extLst>
-              <a:ext uri="{FF2B5EF4-FFF2-40B4-BE49-F238E27FC236}">
-                <a16:creationId xmlns:a16="http://schemas.microsoft.com/office/drawing/2014/main" id="{4F258ED9-EC4A-6146-92F1-A7D878A4A006}"/>
+              <a:t>7</a:t>
+            </a:r>
+          </a:p>
+        </p:txBody>
+      </p:sp>
+      <p:sp>
+        <p:nvSpPr>
+          <p:cNvPr id="90" name="TextBox 89">
+            <a:extLst>
+              <a:ext uri="{FF2B5EF4-FFF2-40B4-BE49-F238E27FC236}">
+                <a16:creationId xmlns:a16="http://schemas.microsoft.com/office/drawing/2014/main" id="{F72EDA13-3023-F544-9568-8433B3292E59}"/>
               </a:ext>
             </a:extLst>
           </p:cNvPr>
@@ -7623,22 +6500,22 @@
         </p:nvSpPr>
         <p:spPr>
           <a:xfrm>
-            <a:off x="6825875" y="1275360"/>
+            <a:off x="5099500" y="2700643"/>
             <a:ext cx="297180" cy="369332"/>
           </a:xfrm>
           <a:prstGeom prst="rect">
             <a:avLst/>
           </a:prstGeom>
           <a:solidFill>
-            <a:schemeClr val="accent6">
-              <a:lumMod val="20000"/>
-              <a:lumOff val="80000"/>
+            <a:schemeClr val="accent4">
+              <a:lumMod val="40000"/>
+              <a:lumOff val="60000"/>
             </a:schemeClr>
           </a:solidFill>
           <a:ln w="25400">
             <a:solidFill>
-              <a:schemeClr val="accent6">
-                <a:lumMod val="50000"/>
+              <a:schemeClr val="accent4">
+                <a:lumMod val="75000"/>
               </a:schemeClr>
             </a:solidFill>
           </a:ln>
@@ -7653,22 +6530,22 @@
             <a:r>
               <a:rPr lang="en-US" b="1" dirty="0">
                 <a:solidFill>
-                  <a:schemeClr val="accent6">
-                    <a:lumMod val="50000"/>
+                  <a:schemeClr val="accent4">
+                    <a:lumMod val="75000"/>
                   </a:schemeClr>
                 </a:solidFill>
               </a:rPr>
-              <a:t>3</a:t>
-            </a:r>
-          </a:p>
-        </p:txBody>
-      </p:sp>
-      <p:sp>
-        <p:nvSpPr>
-          <p:cNvPr id="85" name="TextBox 84">
-            <a:extLst>
-              <a:ext uri="{FF2B5EF4-FFF2-40B4-BE49-F238E27FC236}">
-                <a16:creationId xmlns:a16="http://schemas.microsoft.com/office/drawing/2014/main" id="{EE4152AD-6E88-E645-994E-833183D46272}"/>
+              <a:t>8</a:t>
+            </a:r>
+          </a:p>
+        </p:txBody>
+      </p:sp>
+      <p:sp>
+        <p:nvSpPr>
+          <p:cNvPr id="92" name="TextBox 91">
+            <a:extLst>
+              <a:ext uri="{FF2B5EF4-FFF2-40B4-BE49-F238E27FC236}">
+                <a16:creationId xmlns:a16="http://schemas.microsoft.com/office/drawing/2014/main" id="{C8B9378D-E069-5E43-A1D1-C030C23C26D6}"/>
               </a:ext>
             </a:extLst>
           </p:cNvPr>
@@ -7677,22 +6554,22 @@
         </p:nvSpPr>
         <p:spPr>
           <a:xfrm>
-            <a:off x="4148184" y="3047100"/>
+            <a:off x="5665266" y="2644816"/>
             <a:ext cx="297180" cy="369332"/>
           </a:xfrm>
           <a:prstGeom prst="rect">
             <a:avLst/>
           </a:prstGeom>
           <a:solidFill>
-            <a:schemeClr val="accent6">
-              <a:lumMod val="20000"/>
-              <a:lumOff val="80000"/>
+            <a:schemeClr val="accent4">
+              <a:lumMod val="40000"/>
+              <a:lumOff val="60000"/>
             </a:schemeClr>
           </a:solidFill>
           <a:ln w="25400">
             <a:solidFill>
-              <a:schemeClr val="accent6">
-                <a:lumMod val="50000"/>
+              <a:schemeClr val="accent4">
+                <a:lumMod val="75000"/>
               </a:schemeClr>
             </a:solidFill>
           </a:ln>
@@ -7707,22 +6584,22 @@
             <a:r>
               <a:rPr lang="en-US" b="1" dirty="0">
                 <a:solidFill>
-                  <a:schemeClr val="accent6">
-                    <a:lumMod val="50000"/>
+                  <a:schemeClr val="accent4">
+                    <a:lumMod val="75000"/>
                   </a:schemeClr>
                 </a:solidFill>
               </a:rPr>
-              <a:t>4</a:t>
-            </a:r>
-          </a:p>
-        </p:txBody>
-      </p:sp>
-      <p:sp>
-        <p:nvSpPr>
-          <p:cNvPr id="88" name="TextBox 87">
-            <a:extLst>
-              <a:ext uri="{FF2B5EF4-FFF2-40B4-BE49-F238E27FC236}">
-                <a16:creationId xmlns:a16="http://schemas.microsoft.com/office/drawing/2014/main" id="{B2109F4C-9694-BD4C-8273-4C27F4E653F1}"/>
+              <a:t>9</a:t>
+            </a:r>
+          </a:p>
+        </p:txBody>
+      </p:sp>
+      <p:sp>
+        <p:nvSpPr>
+          <p:cNvPr id="94" name="TextBox 93">
+            <a:extLst>
+              <a:ext uri="{FF2B5EF4-FFF2-40B4-BE49-F238E27FC236}">
+                <a16:creationId xmlns:a16="http://schemas.microsoft.com/office/drawing/2014/main" id="{0CC0ADAB-FFED-C340-A9EF-F806DD0E31E1}"/>
               </a:ext>
             </a:extLst>
           </p:cNvPr>
@@ -7731,22 +6608,22 @@
         </p:nvSpPr>
         <p:spPr>
           <a:xfrm>
-            <a:off x="3729782" y="5040932"/>
-            <a:ext cx="297180" cy="369332"/>
+            <a:off x="7537027" y="5276905"/>
+            <a:ext cx="481986" cy="369332"/>
           </a:xfrm>
           <a:prstGeom prst="rect">
             <a:avLst/>
           </a:prstGeom>
           <a:solidFill>
-            <a:schemeClr val="accent6">
-              <a:lumMod val="20000"/>
-              <a:lumOff val="80000"/>
+            <a:schemeClr val="accent4">
+              <a:lumMod val="40000"/>
+              <a:lumOff val="60000"/>
             </a:schemeClr>
           </a:solidFill>
           <a:ln w="25400">
             <a:solidFill>
-              <a:schemeClr val="accent6">
-                <a:lumMod val="50000"/>
+              <a:schemeClr val="accent4">
+                <a:lumMod val="75000"/>
               </a:schemeClr>
             </a:solidFill>
           </a:ln>
@@ -7761,22 +6638,22 @@
             <a:r>
               <a:rPr lang="en-US" b="1" dirty="0">
                 <a:solidFill>
-                  <a:schemeClr val="accent6">
-                    <a:lumMod val="50000"/>
+                  <a:schemeClr val="accent4">
+                    <a:lumMod val="75000"/>
                   </a:schemeClr>
                 </a:solidFill>
               </a:rPr>
-              <a:t>6</a:t>
-            </a:r>
-          </a:p>
-        </p:txBody>
-      </p:sp>
-      <p:sp>
-        <p:nvSpPr>
-          <p:cNvPr id="89" name="TextBox 88">
-            <a:extLst>
-              <a:ext uri="{FF2B5EF4-FFF2-40B4-BE49-F238E27FC236}">
-                <a16:creationId xmlns:a16="http://schemas.microsoft.com/office/drawing/2014/main" id="{741C2CDB-C418-E240-9824-F33B6FB55B1F}"/>
+              <a:t>11</a:t>
+            </a:r>
+          </a:p>
+        </p:txBody>
+      </p:sp>
+      <p:sp>
+        <p:nvSpPr>
+          <p:cNvPr id="95" name="TextBox 94">
+            <a:extLst>
+              <a:ext uri="{FF2B5EF4-FFF2-40B4-BE49-F238E27FC236}">
+                <a16:creationId xmlns:a16="http://schemas.microsoft.com/office/drawing/2014/main" id="{955074F7-B7FF-8B4A-A57E-D123CD396386}"/>
               </a:ext>
             </a:extLst>
           </p:cNvPr>
@@ -7785,23 +6662,21 @@
         </p:nvSpPr>
         <p:spPr>
           <a:xfrm>
-            <a:off x="5238280" y="6468265"/>
-            <a:ext cx="297180" cy="369332"/>
+            <a:off x="5868650" y="4266559"/>
+            <a:ext cx="481986" cy="369332"/>
           </a:xfrm>
           <a:prstGeom prst="rect">
             <a:avLst/>
           </a:prstGeom>
           <a:solidFill>
-            <a:schemeClr val="accent6">
-              <a:lumMod val="20000"/>
-              <a:lumOff val="80000"/>
+            <a:schemeClr val="accent2">
+              <a:lumMod val="40000"/>
+              <a:lumOff val="60000"/>
             </a:schemeClr>
           </a:solidFill>
           <a:ln w="25400">
             <a:solidFill>
-              <a:schemeClr val="accent6">
-                <a:lumMod val="50000"/>
-              </a:schemeClr>
+              <a:srgbClr val="C00000"/>
             </a:solidFill>
           </a:ln>
         </p:spPr>
@@ -7815,22 +6690,20 @@
             <a:r>
               <a:rPr lang="en-US" b="1" dirty="0">
                 <a:solidFill>
-                  <a:schemeClr val="accent6">
-                    <a:lumMod val="50000"/>
-                  </a:schemeClr>
+                  <a:srgbClr val="C00000"/>
                 </a:solidFill>
               </a:rPr>
-              <a:t>7</a:t>
-            </a:r>
-          </a:p>
-        </p:txBody>
-      </p:sp>
-      <p:sp>
-        <p:nvSpPr>
-          <p:cNvPr id="90" name="TextBox 89">
-            <a:extLst>
-              <a:ext uri="{FF2B5EF4-FFF2-40B4-BE49-F238E27FC236}">
-                <a16:creationId xmlns:a16="http://schemas.microsoft.com/office/drawing/2014/main" id="{F72EDA13-3023-F544-9568-8433B3292E59}"/>
+              <a:t>12</a:t>
+            </a:r>
+          </a:p>
+        </p:txBody>
+      </p:sp>
+      <p:sp>
+        <p:nvSpPr>
+          <p:cNvPr id="96" name="TextBox 95">
+            <a:extLst>
+              <a:ext uri="{FF2B5EF4-FFF2-40B4-BE49-F238E27FC236}">
+                <a16:creationId xmlns:a16="http://schemas.microsoft.com/office/drawing/2014/main" id="{F5995287-6C5B-2049-BDBC-7533E75F350E}"/>
               </a:ext>
             </a:extLst>
           </p:cNvPr>
@@ -7839,23 +6712,21 @@
         </p:nvSpPr>
         <p:spPr>
           <a:xfrm>
-            <a:off x="5099500" y="2700643"/>
-            <a:ext cx="297180" cy="369332"/>
+            <a:off x="8994280" y="4040918"/>
+            <a:ext cx="481986" cy="369332"/>
           </a:xfrm>
           <a:prstGeom prst="rect">
             <a:avLst/>
           </a:prstGeom>
           <a:solidFill>
-            <a:schemeClr val="accent6">
-              <a:lumMod val="20000"/>
-              <a:lumOff val="80000"/>
+            <a:schemeClr val="accent2">
+              <a:lumMod val="40000"/>
+              <a:lumOff val="60000"/>
             </a:schemeClr>
           </a:solidFill>
           <a:ln w="25400">
             <a:solidFill>
-              <a:schemeClr val="accent6">
-                <a:lumMod val="50000"/>
-              </a:schemeClr>
+              <a:srgbClr val="C00000"/>
             </a:solidFill>
           </a:ln>
         </p:spPr>
@@ -7869,22 +6740,20 @@
             <a:r>
               <a:rPr lang="en-US" b="1" dirty="0">
                 <a:solidFill>
-                  <a:schemeClr val="accent6">
-                    <a:lumMod val="50000"/>
-                  </a:schemeClr>
+                  <a:srgbClr val="C00000"/>
                 </a:solidFill>
               </a:rPr>
-              <a:t>8</a:t>
-            </a:r>
-          </a:p>
-        </p:txBody>
-      </p:sp>
-      <p:sp>
-        <p:nvSpPr>
-          <p:cNvPr id="92" name="TextBox 91">
-            <a:extLst>
-              <a:ext uri="{FF2B5EF4-FFF2-40B4-BE49-F238E27FC236}">
-                <a16:creationId xmlns:a16="http://schemas.microsoft.com/office/drawing/2014/main" id="{C8B9378D-E069-5E43-A1D1-C030C23C26D6}"/>
+              <a:t>13</a:t>
+            </a:r>
+          </a:p>
+        </p:txBody>
+      </p:sp>
+      <p:sp>
+        <p:nvSpPr>
+          <p:cNvPr id="97" name="TextBox 96">
+            <a:extLst>
+              <a:ext uri="{FF2B5EF4-FFF2-40B4-BE49-F238E27FC236}">
+                <a16:creationId xmlns:a16="http://schemas.microsoft.com/office/drawing/2014/main" id="{E713F805-3CF5-684C-81FB-5D5321772451}"/>
               </a:ext>
             </a:extLst>
           </p:cNvPr>
@@ -7893,22 +6762,22 @@
         </p:nvSpPr>
         <p:spPr>
           <a:xfrm>
-            <a:off x="5665266" y="2644816"/>
-            <a:ext cx="297180" cy="369332"/>
+            <a:off x="10692935" y="4898507"/>
+            <a:ext cx="481986" cy="369332"/>
           </a:xfrm>
           <a:prstGeom prst="rect">
             <a:avLst/>
           </a:prstGeom>
           <a:solidFill>
-            <a:schemeClr val="accent6">
-              <a:lumMod val="20000"/>
-              <a:lumOff val="80000"/>
+            <a:schemeClr val="accent4">
+              <a:lumMod val="40000"/>
+              <a:lumOff val="60000"/>
             </a:schemeClr>
           </a:solidFill>
           <a:ln w="25400">
             <a:solidFill>
-              <a:schemeClr val="accent6">
-                <a:lumMod val="50000"/>
+              <a:schemeClr val="accent4">
+                <a:lumMod val="75000"/>
               </a:schemeClr>
             </a:solidFill>
           </a:ln>
@@ -7923,22 +6792,22 @@
             <a:r>
               <a:rPr lang="en-US" b="1" dirty="0">
                 <a:solidFill>
-                  <a:schemeClr val="accent6">
-                    <a:lumMod val="50000"/>
+                  <a:schemeClr val="accent4">
+                    <a:lumMod val="75000"/>
                   </a:schemeClr>
                 </a:solidFill>
               </a:rPr>
-              <a:t>9</a:t>
-            </a:r>
-          </a:p>
-        </p:txBody>
-      </p:sp>
-      <p:sp>
-        <p:nvSpPr>
-          <p:cNvPr id="94" name="TextBox 93">
-            <a:extLst>
-              <a:ext uri="{FF2B5EF4-FFF2-40B4-BE49-F238E27FC236}">
-                <a16:creationId xmlns:a16="http://schemas.microsoft.com/office/drawing/2014/main" id="{0CC0ADAB-FFED-C340-A9EF-F806DD0E31E1}"/>
+              <a:t>14</a:t>
+            </a:r>
+          </a:p>
+        </p:txBody>
+      </p:sp>
+      <p:sp>
+        <p:nvSpPr>
+          <p:cNvPr id="98" name="TextBox 97">
+            <a:extLst>
+              <a:ext uri="{FF2B5EF4-FFF2-40B4-BE49-F238E27FC236}">
+                <a16:creationId xmlns:a16="http://schemas.microsoft.com/office/drawing/2014/main" id="{4E29A9A4-6A48-9348-AF91-21BA80C6C07B}"/>
               </a:ext>
             </a:extLst>
           </p:cNvPr>
@@ -7947,23 +6816,21 @@
         </p:nvSpPr>
         <p:spPr>
           <a:xfrm>
-            <a:off x="7537027" y="5276905"/>
+            <a:off x="10991608" y="2798189"/>
             <a:ext cx="481986" cy="369332"/>
           </a:xfrm>
           <a:prstGeom prst="rect">
             <a:avLst/>
           </a:prstGeom>
           <a:solidFill>
-            <a:schemeClr val="accent6">
-              <a:lumMod val="20000"/>
-              <a:lumOff val="80000"/>
+            <a:schemeClr val="accent2">
+              <a:lumMod val="40000"/>
+              <a:lumOff val="60000"/>
             </a:schemeClr>
           </a:solidFill>
           <a:ln w="25400">
             <a:solidFill>
-              <a:schemeClr val="accent6">
-                <a:lumMod val="50000"/>
-              </a:schemeClr>
+              <a:srgbClr val="C00000"/>
             </a:solidFill>
           </a:ln>
         </p:spPr>
@@ -7977,22 +6844,20 @@
             <a:r>
               <a:rPr lang="en-US" b="1" dirty="0">
                 <a:solidFill>
-                  <a:schemeClr val="accent6">
-                    <a:lumMod val="50000"/>
-                  </a:schemeClr>
+                  <a:srgbClr val="C00000"/>
                 </a:solidFill>
               </a:rPr>
-              <a:t>11</a:t>
-            </a:r>
-          </a:p>
-        </p:txBody>
-      </p:sp>
-      <p:sp>
-        <p:nvSpPr>
-          <p:cNvPr id="95" name="TextBox 94">
-            <a:extLst>
-              <a:ext uri="{FF2B5EF4-FFF2-40B4-BE49-F238E27FC236}">
-                <a16:creationId xmlns:a16="http://schemas.microsoft.com/office/drawing/2014/main" id="{955074F7-B7FF-8B4A-A57E-D123CD396386}"/>
+              <a:t>15</a:t>
+            </a:r>
+          </a:p>
+        </p:txBody>
+      </p:sp>
+      <p:sp>
+        <p:nvSpPr>
+          <p:cNvPr id="99" name="TextBox 98">
+            <a:extLst>
+              <a:ext uri="{FF2B5EF4-FFF2-40B4-BE49-F238E27FC236}">
+                <a16:creationId xmlns:a16="http://schemas.microsoft.com/office/drawing/2014/main" id="{0CC4B71B-821E-CF40-A2BD-5C83A466D98B}"/>
               </a:ext>
             </a:extLst>
           </p:cNvPr>
@@ -8001,23 +6866,21 @@
         </p:nvSpPr>
         <p:spPr>
           <a:xfrm>
-            <a:off x="5868650" y="4266559"/>
+            <a:off x="10696505" y="3273876"/>
             <a:ext cx="481986" cy="369332"/>
           </a:xfrm>
           <a:prstGeom prst="rect">
             <a:avLst/>
           </a:prstGeom>
           <a:solidFill>
-            <a:schemeClr val="accent6">
-              <a:lumMod val="20000"/>
-              <a:lumOff val="80000"/>
+            <a:schemeClr val="accent2">
+              <a:lumMod val="40000"/>
+              <a:lumOff val="60000"/>
             </a:schemeClr>
           </a:solidFill>
           <a:ln w="25400">
             <a:solidFill>
-              <a:schemeClr val="accent6">
-                <a:lumMod val="50000"/>
-              </a:schemeClr>
+              <a:srgbClr val="C00000"/>
             </a:solidFill>
           </a:ln>
         </p:spPr>
@@ -8031,22 +6894,20 @@
             <a:r>
               <a:rPr lang="en-US" b="1" dirty="0">
                 <a:solidFill>
-                  <a:schemeClr val="accent6">
-                    <a:lumMod val="50000"/>
-                  </a:schemeClr>
+                  <a:srgbClr val="C00000"/>
                 </a:solidFill>
               </a:rPr>
-              <a:t>12</a:t>
-            </a:r>
-          </a:p>
-        </p:txBody>
-      </p:sp>
-      <p:sp>
-        <p:nvSpPr>
-          <p:cNvPr id="96" name="TextBox 95">
-            <a:extLst>
-              <a:ext uri="{FF2B5EF4-FFF2-40B4-BE49-F238E27FC236}">
-                <a16:creationId xmlns:a16="http://schemas.microsoft.com/office/drawing/2014/main" id="{F5995287-6C5B-2049-BDBC-7533E75F350E}"/>
+              <a:t>16</a:t>
+            </a:r>
+          </a:p>
+        </p:txBody>
+      </p:sp>
+      <p:sp>
+        <p:nvSpPr>
+          <p:cNvPr id="101" name="TextBox 100">
+            <a:extLst>
+              <a:ext uri="{FF2B5EF4-FFF2-40B4-BE49-F238E27FC236}">
+                <a16:creationId xmlns:a16="http://schemas.microsoft.com/office/drawing/2014/main" id="{43D6964B-D4D6-5743-BB72-390BB83E816C}"/>
               </a:ext>
             </a:extLst>
           </p:cNvPr>
@@ -8055,23 +6916,21 @@
         </p:nvSpPr>
         <p:spPr>
           <a:xfrm>
-            <a:off x="8994280" y="4032680"/>
-            <a:ext cx="481986" cy="369332"/>
+            <a:off x="5238350" y="529864"/>
+            <a:ext cx="297180" cy="369332"/>
           </a:xfrm>
           <a:prstGeom prst="rect">
             <a:avLst/>
           </a:prstGeom>
           <a:solidFill>
-            <a:schemeClr val="accent6">
-              <a:lumMod val="20000"/>
-              <a:lumOff val="80000"/>
+            <a:schemeClr val="accent2">
+              <a:lumMod val="40000"/>
+              <a:lumOff val="60000"/>
             </a:schemeClr>
           </a:solidFill>
           <a:ln w="25400">
             <a:solidFill>
-              <a:schemeClr val="accent6">
-                <a:lumMod val="50000"/>
-              </a:schemeClr>
+              <a:srgbClr val="C00000"/>
             </a:solidFill>
           </a:ln>
         </p:spPr>
@@ -8085,22 +6944,20 @@
             <a:r>
               <a:rPr lang="en-US" b="1" dirty="0">
                 <a:solidFill>
-                  <a:schemeClr val="accent6">
-                    <a:lumMod val="50000"/>
-                  </a:schemeClr>
+                  <a:srgbClr val="C00000"/>
                 </a:solidFill>
               </a:rPr>
-              <a:t>13</a:t>
-            </a:r>
-          </a:p>
-        </p:txBody>
-      </p:sp>
-      <p:sp>
-        <p:nvSpPr>
-          <p:cNvPr id="97" name="TextBox 96">
-            <a:extLst>
-              <a:ext uri="{FF2B5EF4-FFF2-40B4-BE49-F238E27FC236}">
-                <a16:creationId xmlns:a16="http://schemas.microsoft.com/office/drawing/2014/main" id="{E713F805-3CF5-684C-81FB-5D5321772451}"/>
+              <a:t>5</a:t>
+            </a:r>
+          </a:p>
+        </p:txBody>
+      </p:sp>
+      <p:sp>
+        <p:nvSpPr>
+          <p:cNvPr id="104" name="TextBox 103">
+            <a:extLst>
+              <a:ext uri="{FF2B5EF4-FFF2-40B4-BE49-F238E27FC236}">
+                <a16:creationId xmlns:a16="http://schemas.microsoft.com/office/drawing/2014/main" id="{8FF9DF29-8FC9-A74D-A896-3FC80ADACA58}"/>
               </a:ext>
             </a:extLst>
           </p:cNvPr>
@@ -8109,22 +6966,22 @@
         </p:nvSpPr>
         <p:spPr>
           <a:xfrm>
-            <a:off x="10701173" y="5013839"/>
+            <a:off x="6175364" y="2661558"/>
             <a:ext cx="481986" cy="369332"/>
           </a:xfrm>
           <a:prstGeom prst="rect">
             <a:avLst/>
           </a:prstGeom>
           <a:solidFill>
-            <a:schemeClr val="accent6">
-              <a:lumMod val="20000"/>
-              <a:lumOff val="80000"/>
+            <a:schemeClr val="accent4">
+              <a:lumMod val="40000"/>
+              <a:lumOff val="60000"/>
             </a:schemeClr>
           </a:solidFill>
           <a:ln w="25400">
             <a:solidFill>
-              <a:schemeClr val="accent6">
-                <a:lumMod val="50000"/>
+              <a:schemeClr val="accent4">
+                <a:lumMod val="75000"/>
               </a:schemeClr>
             </a:solidFill>
           </a:ln>
@@ -8139,228 +6996,963 @@
             <a:r>
               <a:rPr lang="en-US" b="1" dirty="0">
                 <a:solidFill>
-                  <a:schemeClr val="accent6">
-                    <a:lumMod val="50000"/>
-                  </a:schemeClr>
-                </a:solidFill>
-              </a:rPr>
-              <a:t>14</a:t>
-            </a:r>
-          </a:p>
-        </p:txBody>
-      </p:sp>
-      <p:sp>
-        <p:nvSpPr>
-          <p:cNvPr id="98" name="TextBox 97">
-            <a:extLst>
-              <a:ext uri="{FF2B5EF4-FFF2-40B4-BE49-F238E27FC236}">
-                <a16:creationId xmlns:a16="http://schemas.microsoft.com/office/drawing/2014/main" id="{4E29A9A4-6A48-9348-AF91-21BA80C6C07B}"/>
-              </a:ext>
-            </a:extLst>
-          </p:cNvPr>
-          <p:cNvSpPr txBox="1"/>
-          <p:nvPr/>
-        </p:nvSpPr>
-        <p:spPr>
-          <a:xfrm>
-            <a:off x="11181082" y="2765237"/>
-            <a:ext cx="481986" cy="369332"/>
-          </a:xfrm>
-          <a:prstGeom prst="rect">
-            <a:avLst/>
-          </a:prstGeom>
-          <a:solidFill>
-            <a:schemeClr val="accent6">
-              <a:lumMod val="20000"/>
-              <a:lumOff val="80000"/>
-            </a:schemeClr>
-          </a:solidFill>
-          <a:ln w="25400">
-            <a:solidFill>
-              <a:schemeClr val="accent6">
-                <a:lumMod val="50000"/>
-              </a:schemeClr>
-            </a:solidFill>
-          </a:ln>
-        </p:spPr>
-        <p:txBody>
-          <a:bodyPr wrap="square" rtlCol="0">
-            <a:spAutoFit/>
-          </a:bodyPr>
-          <a:lstStyle/>
-          <a:p>
-            <a:pPr algn="ctr"/>
-            <a:r>
-              <a:rPr lang="en-US" b="1" dirty="0">
-                <a:solidFill>
-                  <a:schemeClr val="accent6">
-                    <a:lumMod val="50000"/>
-                  </a:schemeClr>
-                </a:solidFill>
-              </a:rPr>
-              <a:t>15</a:t>
-            </a:r>
-          </a:p>
-        </p:txBody>
-      </p:sp>
-      <p:sp>
-        <p:nvSpPr>
-          <p:cNvPr id="99" name="TextBox 98">
-            <a:extLst>
-              <a:ext uri="{FF2B5EF4-FFF2-40B4-BE49-F238E27FC236}">
-                <a16:creationId xmlns:a16="http://schemas.microsoft.com/office/drawing/2014/main" id="{0CC4B71B-821E-CF40-A2BD-5C83A466D98B}"/>
-              </a:ext>
-            </a:extLst>
-          </p:cNvPr>
-          <p:cNvSpPr txBox="1"/>
-          <p:nvPr/>
-        </p:nvSpPr>
-        <p:spPr>
-          <a:xfrm>
-            <a:off x="10696505" y="3273876"/>
-            <a:ext cx="481986" cy="369332"/>
-          </a:xfrm>
-          <a:prstGeom prst="rect">
-            <a:avLst/>
-          </a:prstGeom>
-          <a:solidFill>
-            <a:schemeClr val="accent6">
-              <a:lumMod val="20000"/>
-              <a:lumOff val="80000"/>
-            </a:schemeClr>
-          </a:solidFill>
-          <a:ln w="25400">
-            <a:solidFill>
-              <a:schemeClr val="accent6">
-                <a:lumMod val="50000"/>
-              </a:schemeClr>
-            </a:solidFill>
-          </a:ln>
-        </p:spPr>
-        <p:txBody>
-          <a:bodyPr wrap="square" rtlCol="0">
-            <a:spAutoFit/>
-          </a:bodyPr>
-          <a:lstStyle/>
-          <a:p>
-            <a:pPr algn="ctr"/>
-            <a:r>
-              <a:rPr lang="en-US" b="1" dirty="0">
-                <a:solidFill>
-                  <a:schemeClr val="accent6">
-                    <a:lumMod val="50000"/>
-                  </a:schemeClr>
-                </a:solidFill>
-              </a:rPr>
-              <a:t>16</a:t>
-            </a:r>
-          </a:p>
-        </p:txBody>
-      </p:sp>
-      <p:sp>
-        <p:nvSpPr>
-          <p:cNvPr id="101" name="TextBox 100">
-            <a:extLst>
-              <a:ext uri="{FF2B5EF4-FFF2-40B4-BE49-F238E27FC236}">
-                <a16:creationId xmlns:a16="http://schemas.microsoft.com/office/drawing/2014/main" id="{43D6964B-D4D6-5743-BB72-390BB83E816C}"/>
-              </a:ext>
-            </a:extLst>
-          </p:cNvPr>
-          <p:cNvSpPr txBox="1"/>
-          <p:nvPr/>
-        </p:nvSpPr>
-        <p:spPr>
-          <a:xfrm>
-            <a:off x="5238350" y="529864"/>
-            <a:ext cx="297180" cy="369332"/>
-          </a:xfrm>
-          <a:prstGeom prst="rect">
-            <a:avLst/>
-          </a:prstGeom>
-          <a:solidFill>
-            <a:schemeClr val="accent6">
-              <a:lumMod val="20000"/>
-              <a:lumOff val="80000"/>
-            </a:schemeClr>
-          </a:solidFill>
-          <a:ln w="25400">
-            <a:solidFill>
-              <a:schemeClr val="accent6">
-                <a:lumMod val="50000"/>
-              </a:schemeClr>
-            </a:solidFill>
-          </a:ln>
-        </p:spPr>
-        <p:txBody>
-          <a:bodyPr wrap="square" rtlCol="0">
-            <a:spAutoFit/>
-          </a:bodyPr>
-          <a:lstStyle/>
-          <a:p>
-            <a:pPr algn="ctr"/>
-            <a:r>
-              <a:rPr lang="en-US" b="1" dirty="0">
-                <a:solidFill>
-                  <a:schemeClr val="accent6">
-                    <a:lumMod val="50000"/>
-                  </a:schemeClr>
-                </a:solidFill>
-              </a:rPr>
-              <a:t>5</a:t>
-            </a:r>
-          </a:p>
-        </p:txBody>
-      </p:sp>
-      <p:sp>
-        <p:nvSpPr>
-          <p:cNvPr id="104" name="TextBox 103">
-            <a:extLst>
-              <a:ext uri="{FF2B5EF4-FFF2-40B4-BE49-F238E27FC236}">
-                <a16:creationId xmlns:a16="http://schemas.microsoft.com/office/drawing/2014/main" id="{8FF9DF29-8FC9-A74D-A896-3FC80ADACA58}"/>
-              </a:ext>
-            </a:extLst>
-          </p:cNvPr>
-          <p:cNvSpPr txBox="1"/>
-          <p:nvPr/>
-        </p:nvSpPr>
-        <p:spPr>
-          <a:xfrm>
-            <a:off x="6175364" y="2661558"/>
-            <a:ext cx="481986" cy="369332"/>
-          </a:xfrm>
-          <a:prstGeom prst="rect">
-            <a:avLst/>
-          </a:prstGeom>
-          <a:solidFill>
-            <a:schemeClr val="accent6">
-              <a:lumMod val="20000"/>
-              <a:lumOff val="80000"/>
-            </a:schemeClr>
-          </a:solidFill>
-          <a:ln w="25400">
-            <a:solidFill>
-              <a:schemeClr val="accent6">
-                <a:lumMod val="50000"/>
-              </a:schemeClr>
-            </a:solidFill>
-          </a:ln>
-        </p:spPr>
-        <p:txBody>
-          <a:bodyPr wrap="square" rtlCol="0">
-            <a:spAutoFit/>
-          </a:bodyPr>
-          <a:lstStyle/>
-          <a:p>
-            <a:pPr algn="ctr"/>
-            <a:r>
-              <a:rPr lang="en-US" b="1" dirty="0">
-                <a:solidFill>
-                  <a:schemeClr val="accent6">
-                    <a:lumMod val="50000"/>
+                  <a:schemeClr val="accent4">
+                    <a:lumMod val="75000"/>
                   </a:schemeClr>
                 </a:solidFill>
               </a:rPr>
               <a:t>10</a:t>
+            </a:r>
+          </a:p>
+        </p:txBody>
+      </p:sp>
+      <p:sp>
+        <p:nvSpPr>
+          <p:cNvPr id="76" name="Rounded Rectangle 75">
+            <a:extLst>
+              <a:ext uri="{FF2B5EF4-FFF2-40B4-BE49-F238E27FC236}">
+                <a16:creationId xmlns:a16="http://schemas.microsoft.com/office/drawing/2014/main" id="{A5AEB2BB-4E50-5D4C-A78A-F7021C22F135}"/>
+              </a:ext>
+            </a:extLst>
+          </p:cNvPr>
+          <p:cNvSpPr/>
+          <p:nvPr/>
+        </p:nvSpPr>
+        <p:spPr>
+          <a:xfrm>
+            <a:off x="4577571" y="1838686"/>
+            <a:ext cx="914400" cy="744200"/>
+          </a:xfrm>
+          <a:prstGeom prst="roundRect">
+            <a:avLst/>
+          </a:prstGeom>
+          <a:solidFill>
+            <a:schemeClr val="bg1">
+              <a:lumMod val="50000"/>
+            </a:schemeClr>
+          </a:solidFill>
+          <a:ln w="25400" cap="flat" cmpd="sng" algn="ctr">
+            <a:solidFill>
+              <a:schemeClr val="tx1"/>
+            </a:solidFill>
+            <a:prstDash val="solid"/>
+            <a:miter lim="800000"/>
+          </a:ln>
+          <a:effectLst/>
+        </p:spPr>
+        <p:txBody>
+          <a:bodyPr rtlCol="0" anchor="ctr"/>
+          <a:lstStyle/>
+          <a:p>
+            <a:pPr marL="0" marR="0" lvl="0" indent="0" algn="ctr" defTabSz="914400" eaLnBrk="1" fontAlgn="auto" latinLnBrk="0" hangingPunct="1">
+              <a:lnSpc>
+                <a:spcPct val="100000"/>
+              </a:lnSpc>
+              <a:spcBef>
+                <a:spcPts val="0"/>
+              </a:spcBef>
+              <a:spcAft>
+                <a:spcPts val="0"/>
+              </a:spcAft>
+              <a:buClr>
+                <a:srgbClr val="000000"/>
+              </a:buClr>
+              <a:buSzTx/>
+              <a:buFont typeface="Arial"/>
+              <a:buNone/>
+              <a:tabLst/>
+              <a:defRPr/>
+            </a:pPr>
+            <a:r>
+              <a:rPr kumimoji="0" lang="en-US" sz="1200" b="0" i="0" u="none" strike="noStrike" kern="0" cap="none" spc="0" normalizeH="0" baseline="0" noProof="0" dirty="0">
+                <a:ln>
+                  <a:noFill/>
+                </a:ln>
+                <a:solidFill>
+                  <a:srgbClr val="FFFFFF"/>
+                </a:solidFill>
+                <a:effectLst/>
+                <a:uLnTx/>
+                <a:uFillTx/>
+                <a:latin typeface="Calibri" panose="020F0502020204030204"/>
+                <a:ea typeface="+mn-ea"/>
+                <a:cs typeface="+mn-cs"/>
+                <a:sym typeface="Arial"/>
+              </a:rPr>
+              <a:t>Water Runoff</a:t>
+            </a:r>
+          </a:p>
+          <a:p>
+            <a:pPr marL="0" marR="0" lvl="0" indent="0" algn="ctr" defTabSz="914400" eaLnBrk="1" fontAlgn="auto" latinLnBrk="0" hangingPunct="1">
+              <a:lnSpc>
+                <a:spcPct val="100000"/>
+              </a:lnSpc>
+              <a:spcBef>
+                <a:spcPts val="0"/>
+              </a:spcBef>
+              <a:spcAft>
+                <a:spcPts val="0"/>
+              </a:spcAft>
+              <a:buClr>
+                <a:srgbClr val="000000"/>
+              </a:buClr>
+              <a:buSzTx/>
+              <a:buFont typeface="Arial"/>
+              <a:buNone/>
+              <a:tabLst/>
+              <a:defRPr/>
+            </a:pPr>
+            <a:r>
+              <a:rPr kumimoji="0" lang="en-US" sz="900" b="0" i="0" u="none" strike="noStrike" kern="0" cap="none" spc="0" normalizeH="0" baseline="0" noProof="0" dirty="0">
+                <a:ln>
+                  <a:noFill/>
+                </a:ln>
+                <a:solidFill>
+                  <a:srgbClr val="FFFFFF"/>
+                </a:solidFill>
+                <a:effectLst/>
+                <a:uLnTx/>
+                <a:uFillTx/>
+                <a:latin typeface="Calibri" panose="020F0502020204030204"/>
+                <a:ea typeface="+mn-ea"/>
+                <a:cs typeface="+mn-cs"/>
+                <a:sym typeface="Arial"/>
+              </a:rPr>
+              <a:t>(Xanthos)</a:t>
+            </a:r>
+          </a:p>
+        </p:txBody>
+      </p:sp>
+      <p:sp>
+        <p:nvSpPr>
+          <p:cNvPr id="77" name="Rounded Rectangle 76">
+            <a:extLst>
+              <a:ext uri="{FF2B5EF4-FFF2-40B4-BE49-F238E27FC236}">
+                <a16:creationId xmlns:a16="http://schemas.microsoft.com/office/drawing/2014/main" id="{9AB0B74A-828D-9548-B981-A52F96E3244E}"/>
+              </a:ext>
+            </a:extLst>
+          </p:cNvPr>
+          <p:cNvSpPr/>
+          <p:nvPr/>
+        </p:nvSpPr>
+        <p:spPr>
+          <a:xfrm>
+            <a:off x="5539906" y="1838686"/>
+            <a:ext cx="914400" cy="744200"/>
+          </a:xfrm>
+          <a:prstGeom prst="roundRect">
+            <a:avLst/>
+          </a:prstGeom>
+          <a:solidFill>
+            <a:schemeClr val="bg1">
+              <a:lumMod val="50000"/>
+            </a:schemeClr>
+          </a:solidFill>
+          <a:ln w="25400" cap="flat" cmpd="sng" algn="ctr">
+            <a:solidFill>
+              <a:schemeClr val="tx1"/>
+            </a:solidFill>
+            <a:prstDash val="solid"/>
+            <a:miter lim="800000"/>
+          </a:ln>
+          <a:effectLst/>
+        </p:spPr>
+        <p:txBody>
+          <a:bodyPr rtlCol="0" anchor="ctr"/>
+          <a:lstStyle/>
+          <a:p>
+            <a:pPr marL="0" marR="0" lvl="0" indent="0" algn="ctr" defTabSz="914400" eaLnBrk="1" fontAlgn="auto" latinLnBrk="0" hangingPunct="1">
+              <a:lnSpc>
+                <a:spcPct val="100000"/>
+              </a:lnSpc>
+              <a:spcBef>
+                <a:spcPts val="0"/>
+              </a:spcBef>
+              <a:spcAft>
+                <a:spcPts val="0"/>
+              </a:spcAft>
+              <a:buClr>
+                <a:srgbClr val="000000"/>
+              </a:buClr>
+              <a:buSzTx/>
+              <a:buFont typeface="Arial"/>
+              <a:buNone/>
+              <a:tabLst/>
+              <a:defRPr/>
+            </a:pPr>
+            <a:r>
+              <a:rPr kumimoji="0" lang="en-US" sz="1200" b="0" i="0" u="none" strike="noStrike" kern="0" cap="none" spc="0" normalizeH="0" baseline="0" noProof="0" dirty="0">
+                <a:ln>
+                  <a:noFill/>
+                </a:ln>
+                <a:solidFill>
+                  <a:srgbClr val="FFFFFF"/>
+                </a:solidFill>
+                <a:effectLst/>
+                <a:uLnTx/>
+                <a:uFillTx/>
+                <a:latin typeface="Calibri" panose="020F0502020204030204"/>
+                <a:ea typeface="+mn-ea"/>
+                <a:cs typeface="+mn-cs"/>
+                <a:sym typeface="Arial"/>
+              </a:rPr>
+              <a:t>HDH/CDH</a:t>
+            </a:r>
+          </a:p>
+          <a:p>
+            <a:pPr marL="0" marR="0" lvl="0" indent="0" algn="ctr" defTabSz="914400" eaLnBrk="1" fontAlgn="auto" latinLnBrk="0" hangingPunct="1">
+              <a:lnSpc>
+                <a:spcPct val="100000"/>
+              </a:lnSpc>
+              <a:spcBef>
+                <a:spcPts val="0"/>
+              </a:spcBef>
+              <a:spcAft>
+                <a:spcPts val="0"/>
+              </a:spcAft>
+              <a:buClr>
+                <a:srgbClr val="000000"/>
+              </a:buClr>
+              <a:buSzTx/>
+              <a:buFont typeface="Arial"/>
+              <a:buNone/>
+              <a:tabLst/>
+              <a:defRPr/>
+            </a:pPr>
+            <a:r>
+              <a:rPr kumimoji="0" lang="en-US" sz="900" b="0" i="0" u="none" strike="noStrike" kern="0" cap="none" spc="0" normalizeH="0" baseline="0" noProof="0" dirty="0">
+                <a:ln>
+                  <a:noFill/>
+                </a:ln>
+                <a:solidFill>
+                  <a:srgbClr val="FFFFFF"/>
+                </a:solidFill>
+                <a:effectLst/>
+                <a:uLnTx/>
+                <a:uFillTx/>
+                <a:latin typeface="Calibri" panose="020F0502020204030204"/>
+                <a:ea typeface="+mn-ea"/>
+                <a:cs typeface="+mn-cs"/>
+                <a:sym typeface="Arial"/>
+              </a:rPr>
+              <a:t>(Helios)</a:t>
+            </a:r>
+          </a:p>
+        </p:txBody>
+      </p:sp>
+      <p:sp>
+        <p:nvSpPr>
+          <p:cNvPr id="78" name="Rounded Rectangle 77">
+            <a:extLst>
+              <a:ext uri="{FF2B5EF4-FFF2-40B4-BE49-F238E27FC236}">
+                <a16:creationId xmlns:a16="http://schemas.microsoft.com/office/drawing/2014/main" id="{2213A539-FE75-2E49-97A2-21078ECCB86B}"/>
+              </a:ext>
+            </a:extLst>
+          </p:cNvPr>
+          <p:cNvSpPr/>
+          <p:nvPr/>
+        </p:nvSpPr>
+        <p:spPr>
+          <a:xfrm>
+            <a:off x="6502241" y="1838686"/>
+            <a:ext cx="914400" cy="744200"/>
+          </a:xfrm>
+          <a:prstGeom prst="roundRect">
+            <a:avLst/>
+          </a:prstGeom>
+          <a:solidFill>
+            <a:schemeClr val="bg1">
+              <a:lumMod val="50000"/>
+            </a:schemeClr>
+          </a:solidFill>
+          <a:ln w="25400" cap="flat" cmpd="sng" algn="ctr">
+            <a:solidFill>
+              <a:schemeClr val="tx1"/>
+            </a:solidFill>
+            <a:prstDash val="solid"/>
+            <a:miter lim="800000"/>
+          </a:ln>
+          <a:effectLst/>
+        </p:spPr>
+        <p:txBody>
+          <a:bodyPr rtlCol="0" anchor="ctr"/>
+          <a:lstStyle/>
+          <a:p>
+            <a:pPr marL="0" marR="0" lvl="0" indent="0" algn="ctr" defTabSz="914400" eaLnBrk="1" fontAlgn="auto" latinLnBrk="0" hangingPunct="1">
+              <a:lnSpc>
+                <a:spcPct val="100000"/>
+              </a:lnSpc>
+              <a:spcBef>
+                <a:spcPts val="0"/>
+              </a:spcBef>
+              <a:spcAft>
+                <a:spcPts val="0"/>
+              </a:spcAft>
+              <a:buClr>
+                <a:srgbClr val="000000"/>
+              </a:buClr>
+              <a:buSzTx/>
+              <a:buFont typeface="Arial"/>
+              <a:buNone/>
+              <a:tabLst/>
+              <a:defRPr/>
+            </a:pPr>
+            <a:r>
+              <a:rPr kumimoji="0" lang="en-US" sz="1200" b="0" i="0" u="none" strike="noStrike" kern="0" cap="none" spc="0" normalizeH="0" baseline="0" noProof="0" dirty="0">
+                <a:ln>
+                  <a:noFill/>
+                </a:ln>
+                <a:solidFill>
+                  <a:srgbClr val="FFFFFF"/>
+                </a:solidFill>
+                <a:effectLst/>
+                <a:uLnTx/>
+                <a:uFillTx/>
+                <a:latin typeface="Calibri" panose="020F0502020204030204"/>
+                <a:ea typeface="+mn-ea"/>
+                <a:cs typeface="+mn-cs"/>
+                <a:sym typeface="Arial"/>
+              </a:rPr>
+              <a:t>Ag Yield</a:t>
+            </a:r>
+          </a:p>
+          <a:p>
+            <a:pPr marL="0" marR="0" lvl="0" indent="0" algn="ctr" defTabSz="914400" eaLnBrk="1" fontAlgn="auto" latinLnBrk="0" hangingPunct="1">
+              <a:lnSpc>
+                <a:spcPct val="100000"/>
+              </a:lnSpc>
+              <a:spcBef>
+                <a:spcPts val="0"/>
+              </a:spcBef>
+              <a:spcAft>
+                <a:spcPts val="0"/>
+              </a:spcAft>
+              <a:buClr>
+                <a:srgbClr val="000000"/>
+              </a:buClr>
+              <a:buSzTx/>
+              <a:buFont typeface="Arial"/>
+              <a:buNone/>
+              <a:tabLst/>
+              <a:defRPr/>
+            </a:pPr>
+            <a:r>
+              <a:rPr lang="en-US" sz="900" kern="0" dirty="0">
+                <a:solidFill>
+                  <a:srgbClr val="FFFFFF"/>
+                </a:solidFill>
+                <a:latin typeface="Calibri" panose="020F0502020204030204"/>
+                <a:sym typeface="Arial"/>
+              </a:rPr>
+              <a:t>(Persephone)</a:t>
+            </a:r>
+          </a:p>
+        </p:txBody>
+      </p:sp>
+      <p:sp>
+        <p:nvSpPr>
+          <p:cNvPr id="12" name="Rounded Rectangle 11">
+            <a:extLst>
+              <a:ext uri="{FF2B5EF4-FFF2-40B4-BE49-F238E27FC236}">
+                <a16:creationId xmlns:a16="http://schemas.microsoft.com/office/drawing/2014/main" id="{F0116956-FCCD-0748-BCB3-ABD6C0D6A895}"/>
+              </a:ext>
+            </a:extLst>
+          </p:cNvPr>
+          <p:cNvSpPr/>
+          <p:nvPr/>
+        </p:nvSpPr>
+        <p:spPr>
+          <a:xfrm>
+            <a:off x="10221601" y="3814394"/>
+            <a:ext cx="1427830" cy="824359"/>
+          </a:xfrm>
+          <a:prstGeom prst="roundRect">
+            <a:avLst/>
+          </a:prstGeom>
+          <a:solidFill>
+            <a:schemeClr val="bg1">
+              <a:lumMod val="50000"/>
+            </a:schemeClr>
+          </a:solidFill>
+          <a:ln w="25400" cap="flat" cmpd="sng" algn="ctr">
+            <a:solidFill>
+              <a:schemeClr val="tx1"/>
+            </a:solidFill>
+            <a:prstDash val="solid"/>
+            <a:miter lim="800000"/>
+          </a:ln>
+          <a:effectLst/>
+        </p:spPr>
+        <p:txBody>
+          <a:bodyPr rtlCol="0" anchor="ctr"/>
+          <a:lstStyle/>
+          <a:p>
+            <a:pPr marL="0" marR="0" lvl="0" indent="0" algn="ctr" defTabSz="914400" eaLnBrk="1" fontAlgn="auto" latinLnBrk="0" hangingPunct="1">
+              <a:lnSpc>
+                <a:spcPct val="100000"/>
+              </a:lnSpc>
+              <a:spcBef>
+                <a:spcPts val="0"/>
+              </a:spcBef>
+              <a:spcAft>
+                <a:spcPts val="0"/>
+              </a:spcAft>
+              <a:buClr>
+                <a:srgbClr val="000000"/>
+              </a:buClr>
+              <a:buSzTx/>
+              <a:buFont typeface="Arial"/>
+              <a:buNone/>
+              <a:tabLst/>
+              <a:defRPr/>
+            </a:pPr>
+            <a:r>
+              <a:rPr kumimoji="0" lang="en-US" sz="1400" b="0" i="0" u="none" strike="noStrike" kern="0" cap="none" spc="0" normalizeH="0" baseline="0" noProof="0" dirty="0">
+                <a:ln>
+                  <a:noFill/>
+                </a:ln>
+                <a:solidFill>
+                  <a:srgbClr val="FFFFFF"/>
+                </a:solidFill>
+                <a:effectLst/>
+                <a:uLnTx/>
+                <a:uFillTx/>
+                <a:latin typeface="Calibri" panose="020F0502020204030204"/>
+                <a:ea typeface="+mn-ea"/>
+                <a:cs typeface="+mn-cs"/>
+                <a:sym typeface="Arial"/>
+              </a:rPr>
+              <a:t>Electric Grid Operations</a:t>
+            </a:r>
+          </a:p>
+          <a:p>
+            <a:pPr marL="0" marR="0" lvl="0" indent="0" algn="ctr" defTabSz="914400" eaLnBrk="1" fontAlgn="auto" latinLnBrk="0" hangingPunct="1">
+              <a:lnSpc>
+                <a:spcPct val="100000"/>
+              </a:lnSpc>
+              <a:spcBef>
+                <a:spcPts val="0"/>
+              </a:spcBef>
+              <a:spcAft>
+                <a:spcPts val="0"/>
+              </a:spcAft>
+              <a:buClr>
+                <a:srgbClr val="000000"/>
+              </a:buClr>
+              <a:buSzTx/>
+              <a:buFont typeface="Arial"/>
+              <a:buNone/>
+              <a:tabLst/>
+              <a:defRPr/>
+            </a:pPr>
+            <a:r>
+              <a:rPr kumimoji="0" lang="en-US" sz="1400" b="0" i="0" u="none" strike="noStrike" kern="0" cap="none" spc="0" normalizeH="0" baseline="0" noProof="0" dirty="0">
+                <a:ln>
+                  <a:noFill/>
+                </a:ln>
+                <a:solidFill>
+                  <a:srgbClr val="FFFFFF"/>
+                </a:solidFill>
+                <a:effectLst/>
+                <a:uLnTx/>
+                <a:uFillTx/>
+                <a:latin typeface="Calibri" panose="020F0502020204030204"/>
+                <a:ea typeface="+mn-ea"/>
+                <a:cs typeface="+mn-cs"/>
+                <a:sym typeface="Arial"/>
+              </a:rPr>
+              <a:t>(</a:t>
+            </a:r>
+            <a:r>
+              <a:rPr lang="en-US" sz="1400" kern="0" dirty="0">
+                <a:solidFill>
+                  <a:srgbClr val="FFFFFF"/>
+                </a:solidFill>
+                <a:latin typeface="Calibri" panose="020F0502020204030204"/>
+                <a:sym typeface="Arial"/>
+              </a:rPr>
+              <a:t>GO</a:t>
+            </a:r>
+            <a:r>
+              <a:rPr kumimoji="0" lang="en-US" sz="1400" b="0" i="0" u="none" strike="noStrike" kern="0" cap="none" spc="0" normalizeH="0" baseline="0" noProof="0" dirty="0">
+                <a:ln>
+                  <a:noFill/>
+                </a:ln>
+                <a:solidFill>
+                  <a:srgbClr val="FFFFFF"/>
+                </a:solidFill>
+                <a:effectLst/>
+                <a:uLnTx/>
+                <a:uFillTx/>
+                <a:latin typeface="Calibri" panose="020F0502020204030204"/>
+                <a:ea typeface="+mn-ea"/>
+                <a:cs typeface="+mn-cs"/>
+                <a:sym typeface="Arial"/>
+              </a:rPr>
+              <a:t>)</a:t>
+            </a:r>
+          </a:p>
+        </p:txBody>
+      </p:sp>
+      <p:sp>
+        <p:nvSpPr>
+          <p:cNvPr id="24" name="Rounded Rectangle 23">
+            <a:extLst>
+              <a:ext uri="{FF2B5EF4-FFF2-40B4-BE49-F238E27FC236}">
+                <a16:creationId xmlns:a16="http://schemas.microsoft.com/office/drawing/2014/main" id="{1D075DFC-86C8-F549-9F4F-5BAF7DAC4516}"/>
+              </a:ext>
+            </a:extLst>
+          </p:cNvPr>
+          <p:cNvSpPr/>
+          <p:nvPr/>
+        </p:nvSpPr>
+        <p:spPr>
+          <a:xfrm>
+            <a:off x="5434323" y="5089471"/>
+            <a:ext cx="1382139" cy="744200"/>
+          </a:xfrm>
+          <a:prstGeom prst="roundRect">
+            <a:avLst/>
+          </a:prstGeom>
+          <a:solidFill>
+            <a:schemeClr val="bg1">
+              <a:lumMod val="50000"/>
+            </a:schemeClr>
+          </a:solidFill>
+          <a:ln w="25400" cap="flat" cmpd="sng" algn="ctr">
+            <a:solidFill>
+              <a:schemeClr val="tx1"/>
+            </a:solidFill>
+            <a:prstDash val="solid"/>
+            <a:miter lim="800000"/>
+          </a:ln>
+          <a:effectLst/>
+        </p:spPr>
+        <p:txBody>
+          <a:bodyPr rtlCol="0" anchor="ctr"/>
+          <a:lstStyle/>
+          <a:p>
+            <a:pPr marL="0" marR="0" lvl="0" indent="0" algn="ctr" defTabSz="914400" eaLnBrk="1" fontAlgn="auto" latinLnBrk="0" hangingPunct="1">
+              <a:lnSpc>
+                <a:spcPct val="100000"/>
+              </a:lnSpc>
+              <a:spcBef>
+                <a:spcPts val="0"/>
+              </a:spcBef>
+              <a:spcAft>
+                <a:spcPts val="0"/>
+              </a:spcAft>
+              <a:buClr>
+                <a:srgbClr val="000000"/>
+              </a:buClr>
+              <a:buSzTx/>
+              <a:buFont typeface="Arial"/>
+              <a:buNone/>
+              <a:tabLst/>
+              <a:defRPr/>
+            </a:pPr>
+            <a:r>
+              <a:rPr kumimoji="0" lang="en-US" sz="1400" b="0" i="0" u="none" strike="noStrike" kern="0" cap="none" spc="0" normalizeH="0" baseline="0" noProof="0" dirty="0">
+                <a:ln>
+                  <a:noFill/>
+                </a:ln>
+                <a:solidFill>
+                  <a:srgbClr val="FFFFFF"/>
+                </a:solidFill>
+                <a:effectLst/>
+                <a:uLnTx/>
+                <a:uFillTx/>
+                <a:latin typeface="Calibri" panose="020F0502020204030204"/>
+                <a:ea typeface="+mn-ea"/>
+                <a:cs typeface="+mn-cs"/>
+                <a:sym typeface="Arial"/>
+              </a:rPr>
+              <a:t>Energy, Water, Land Markets</a:t>
+            </a:r>
+          </a:p>
+          <a:p>
+            <a:pPr marL="0" marR="0" lvl="0" indent="0" algn="ctr" defTabSz="914400" eaLnBrk="1" fontAlgn="auto" latinLnBrk="0" hangingPunct="1">
+              <a:lnSpc>
+                <a:spcPct val="100000"/>
+              </a:lnSpc>
+              <a:spcBef>
+                <a:spcPts val="0"/>
+              </a:spcBef>
+              <a:spcAft>
+                <a:spcPts val="0"/>
+              </a:spcAft>
+              <a:buClr>
+                <a:srgbClr val="000000"/>
+              </a:buClr>
+              <a:buSzTx/>
+              <a:buFont typeface="Arial"/>
+              <a:buNone/>
+              <a:tabLst/>
+              <a:defRPr/>
+            </a:pPr>
+            <a:r>
+              <a:rPr kumimoji="0" lang="en-US" sz="1400" b="0" i="0" u="none" strike="noStrike" kern="0" cap="none" spc="0" normalizeH="0" baseline="0" noProof="0" dirty="0">
+                <a:ln>
+                  <a:noFill/>
+                </a:ln>
+                <a:solidFill>
+                  <a:srgbClr val="FFFFFF"/>
+                </a:solidFill>
+                <a:effectLst/>
+                <a:uLnTx/>
+                <a:uFillTx/>
+                <a:latin typeface="Calibri" panose="020F0502020204030204"/>
+                <a:ea typeface="+mn-ea"/>
+                <a:cs typeface="+mn-cs"/>
+                <a:sym typeface="Arial"/>
+              </a:rPr>
+              <a:t>(GCAM-USA)</a:t>
+            </a:r>
+          </a:p>
+        </p:txBody>
+      </p:sp>
+      <p:sp>
+        <p:nvSpPr>
+          <p:cNvPr id="36" name="Rounded Rectangle 35">
+            <a:extLst>
+              <a:ext uri="{FF2B5EF4-FFF2-40B4-BE49-F238E27FC236}">
+                <a16:creationId xmlns:a16="http://schemas.microsoft.com/office/drawing/2014/main" id="{BC28141A-8220-3B48-9D85-19C7DBB3D748}"/>
+              </a:ext>
+            </a:extLst>
+          </p:cNvPr>
+          <p:cNvSpPr/>
+          <p:nvPr/>
+        </p:nvSpPr>
+        <p:spPr>
+          <a:xfrm>
+            <a:off x="8739578" y="5049392"/>
+            <a:ext cx="1427831" cy="824359"/>
+          </a:xfrm>
+          <a:prstGeom prst="roundRect">
+            <a:avLst/>
+          </a:prstGeom>
+          <a:solidFill>
+            <a:schemeClr val="bg1">
+              <a:lumMod val="50000"/>
+            </a:schemeClr>
+          </a:solidFill>
+          <a:ln w="25400" cap="flat" cmpd="sng" algn="ctr">
+            <a:solidFill>
+              <a:schemeClr val="tx1"/>
+            </a:solidFill>
+            <a:prstDash val="solid"/>
+            <a:miter lim="800000"/>
+          </a:ln>
+          <a:effectLst/>
+        </p:spPr>
+        <p:txBody>
+          <a:bodyPr rtlCol="0" anchor="ctr"/>
+          <a:lstStyle/>
+          <a:p>
+            <a:pPr marL="0" marR="0" lvl="0" indent="0" algn="ctr" defTabSz="914400" eaLnBrk="1" fontAlgn="auto" latinLnBrk="0" hangingPunct="1">
+              <a:lnSpc>
+                <a:spcPct val="100000"/>
+              </a:lnSpc>
+              <a:spcBef>
+                <a:spcPts val="0"/>
+              </a:spcBef>
+              <a:spcAft>
+                <a:spcPts val="0"/>
+              </a:spcAft>
+              <a:buClr>
+                <a:srgbClr val="000000"/>
+              </a:buClr>
+              <a:buSzTx/>
+              <a:buFont typeface="Arial"/>
+              <a:buNone/>
+              <a:tabLst/>
+              <a:defRPr/>
+            </a:pPr>
+            <a:r>
+              <a:rPr kumimoji="0" lang="en-US" sz="1400" b="0" i="0" u="none" strike="noStrike" kern="0" cap="none" spc="0" normalizeH="0" baseline="0" noProof="0" dirty="0">
+                <a:ln>
+                  <a:noFill/>
+                </a:ln>
+                <a:solidFill>
+                  <a:srgbClr val="FFFFFF"/>
+                </a:solidFill>
+                <a:effectLst/>
+                <a:uLnTx/>
+                <a:uFillTx/>
+                <a:latin typeface="Calibri" panose="020F0502020204030204"/>
+                <a:ea typeface="+mn-ea"/>
+                <a:cs typeface="+mn-cs"/>
+                <a:sym typeface="Arial"/>
+              </a:rPr>
+              <a:t>Total ELectricity Loads (TELL)</a:t>
+            </a:r>
+          </a:p>
+        </p:txBody>
+      </p:sp>
+      <p:sp>
+        <p:nvSpPr>
+          <p:cNvPr id="54" name="Rounded Rectangle 53">
+            <a:extLst>
+              <a:ext uri="{FF2B5EF4-FFF2-40B4-BE49-F238E27FC236}">
+                <a16:creationId xmlns:a16="http://schemas.microsoft.com/office/drawing/2014/main" id="{2496E921-A9F4-D645-8C0F-4915E0C64BAC}"/>
+              </a:ext>
+            </a:extLst>
+          </p:cNvPr>
+          <p:cNvSpPr/>
+          <p:nvPr/>
+        </p:nvSpPr>
+        <p:spPr>
+          <a:xfrm>
+            <a:off x="8532303" y="2301675"/>
+            <a:ext cx="1339059" cy="968555"/>
+          </a:xfrm>
+          <a:prstGeom prst="roundRect">
+            <a:avLst/>
+          </a:prstGeom>
+          <a:solidFill>
+            <a:schemeClr val="bg1">
+              <a:lumMod val="50000"/>
+            </a:schemeClr>
+          </a:solidFill>
+          <a:ln w="25400" cap="flat" cmpd="sng" algn="ctr">
+            <a:solidFill>
+              <a:schemeClr val="tx1"/>
+            </a:solidFill>
+            <a:prstDash val="solid"/>
+            <a:miter lim="800000"/>
+          </a:ln>
+          <a:effectLst/>
+        </p:spPr>
+        <p:txBody>
+          <a:bodyPr rtlCol="0" anchor="ctr"/>
+          <a:lstStyle/>
+          <a:p>
+            <a:pPr marL="0" marR="0" lvl="0" indent="0" algn="ctr" defTabSz="914400" eaLnBrk="1" fontAlgn="auto" latinLnBrk="0" hangingPunct="1">
+              <a:lnSpc>
+                <a:spcPct val="100000"/>
+              </a:lnSpc>
+              <a:spcBef>
+                <a:spcPts val="0"/>
+              </a:spcBef>
+              <a:spcAft>
+                <a:spcPts val="0"/>
+              </a:spcAft>
+              <a:buClr>
+                <a:srgbClr val="000000"/>
+              </a:buClr>
+              <a:buSzTx/>
+              <a:buFont typeface="Arial"/>
+              <a:buNone/>
+              <a:tabLst/>
+              <a:defRPr/>
+            </a:pPr>
+            <a:r>
+              <a:rPr kumimoji="0" lang="en-US" sz="1400" b="0" i="0" u="none" strike="noStrike" kern="0" cap="none" spc="0" normalizeH="0" baseline="0" noProof="0" dirty="0">
+                <a:ln>
+                  <a:noFill/>
+                </a:ln>
+                <a:solidFill>
+                  <a:srgbClr val="FFFFFF"/>
+                </a:solidFill>
+                <a:effectLst/>
+                <a:uLnTx/>
+                <a:uFillTx/>
+                <a:latin typeface="Calibri" panose="020F0502020204030204"/>
+                <a:ea typeface="+mn-ea"/>
+                <a:cs typeface="+mn-cs"/>
+                <a:sym typeface="Arial"/>
+              </a:rPr>
+              <a:t>Power Plant Siting Feasibility</a:t>
+            </a:r>
+          </a:p>
+          <a:p>
+            <a:pPr marL="0" marR="0" lvl="0" indent="0" algn="ctr" defTabSz="914400" eaLnBrk="1" fontAlgn="auto" latinLnBrk="0" hangingPunct="1">
+              <a:lnSpc>
+                <a:spcPct val="100000"/>
+              </a:lnSpc>
+              <a:spcBef>
+                <a:spcPts val="0"/>
+              </a:spcBef>
+              <a:spcAft>
+                <a:spcPts val="0"/>
+              </a:spcAft>
+              <a:buClr>
+                <a:srgbClr val="000000"/>
+              </a:buClr>
+              <a:buSzTx/>
+              <a:buFont typeface="Arial"/>
+              <a:buNone/>
+              <a:tabLst/>
+              <a:defRPr/>
+            </a:pPr>
+            <a:r>
+              <a:rPr kumimoji="0" lang="en-US" sz="1400" b="0" i="0" u="none" strike="noStrike" kern="0" cap="none" spc="0" normalizeH="0" baseline="0" noProof="0" dirty="0">
+                <a:ln>
+                  <a:noFill/>
+                </a:ln>
+                <a:solidFill>
+                  <a:srgbClr val="FFFFFF"/>
+                </a:solidFill>
+                <a:effectLst/>
+                <a:uLnTx/>
+                <a:uFillTx/>
+                <a:latin typeface="Calibri" panose="020F0502020204030204"/>
+                <a:ea typeface="+mn-ea"/>
+                <a:cs typeface="+mn-cs"/>
+                <a:sym typeface="Arial"/>
+              </a:rPr>
+              <a:t>(CERF)</a:t>
+            </a:r>
+          </a:p>
+        </p:txBody>
+      </p:sp>
+      <p:sp>
+        <p:nvSpPr>
+          <p:cNvPr id="70" name="Rounded Rectangle 69">
+            <a:extLst>
+              <a:ext uri="{FF2B5EF4-FFF2-40B4-BE49-F238E27FC236}">
+                <a16:creationId xmlns:a16="http://schemas.microsoft.com/office/drawing/2014/main" id="{33144FA7-DB63-E44B-B5F6-03C886F88948}"/>
+              </a:ext>
+            </a:extLst>
+          </p:cNvPr>
+          <p:cNvSpPr/>
+          <p:nvPr/>
+        </p:nvSpPr>
+        <p:spPr>
+          <a:xfrm>
+            <a:off x="3630407" y="786870"/>
+            <a:ext cx="1332993" cy="856257"/>
+          </a:xfrm>
+          <a:prstGeom prst="roundRect">
+            <a:avLst/>
+          </a:prstGeom>
+          <a:solidFill>
+            <a:schemeClr val="bg1">
+              <a:lumMod val="50000"/>
+            </a:schemeClr>
+          </a:solidFill>
+          <a:ln w="25400" cap="flat" cmpd="sng" algn="ctr">
+            <a:solidFill>
+              <a:schemeClr val="tx1"/>
+            </a:solidFill>
+            <a:prstDash val="solid"/>
+            <a:miter lim="800000"/>
+          </a:ln>
+          <a:effectLst/>
+        </p:spPr>
+        <p:txBody>
+          <a:bodyPr rtlCol="0" anchor="ctr"/>
+          <a:lstStyle/>
+          <a:p>
+            <a:pPr marL="0" marR="0" lvl="0" indent="0" algn="ctr" defTabSz="914400" eaLnBrk="1" fontAlgn="auto" latinLnBrk="0" hangingPunct="1">
+              <a:lnSpc>
+                <a:spcPct val="100000"/>
+              </a:lnSpc>
+              <a:spcBef>
+                <a:spcPts val="0"/>
+              </a:spcBef>
+              <a:spcAft>
+                <a:spcPts val="0"/>
+              </a:spcAft>
+              <a:buClr>
+                <a:srgbClr val="000000"/>
+              </a:buClr>
+              <a:buSzTx/>
+              <a:buFont typeface="Arial"/>
+              <a:buNone/>
+              <a:tabLst/>
+              <a:defRPr/>
+            </a:pPr>
+            <a:r>
+              <a:rPr kumimoji="0" lang="en-US" sz="1200" b="0" i="0" u="none" strike="noStrike" kern="0" cap="none" spc="0" normalizeH="0" baseline="0" noProof="0" dirty="0">
+                <a:ln>
+                  <a:noFill/>
+                </a:ln>
+                <a:solidFill>
+                  <a:srgbClr val="FFFFFF"/>
+                </a:solidFill>
+                <a:effectLst/>
+                <a:uLnTx/>
+                <a:uFillTx/>
+                <a:latin typeface="Calibri" panose="020F0502020204030204"/>
+                <a:ea typeface="+mn-ea"/>
+                <a:cs typeface="+mn-cs"/>
+                <a:sym typeface="Arial"/>
+              </a:rPr>
+              <a:t>Thermodynamic Global Warming Simulations (WRF)</a:t>
+            </a:r>
+          </a:p>
+        </p:txBody>
+      </p:sp>
+      <p:sp>
+        <p:nvSpPr>
+          <p:cNvPr id="18" name="Rounded Rectangle 17">
+            <a:extLst>
+              <a:ext uri="{FF2B5EF4-FFF2-40B4-BE49-F238E27FC236}">
+                <a16:creationId xmlns:a16="http://schemas.microsoft.com/office/drawing/2014/main" id="{CB3773D0-064F-C840-942F-AED3E66D04EE}"/>
+              </a:ext>
+            </a:extLst>
+          </p:cNvPr>
+          <p:cNvSpPr/>
+          <p:nvPr/>
+        </p:nvSpPr>
+        <p:spPr>
+          <a:xfrm>
+            <a:off x="2715876" y="3799240"/>
+            <a:ext cx="1382139" cy="824359"/>
+          </a:xfrm>
+          <a:prstGeom prst="roundRect">
+            <a:avLst/>
+          </a:prstGeom>
+          <a:solidFill>
+            <a:schemeClr val="bg1">
+              <a:lumMod val="50000"/>
+            </a:schemeClr>
+          </a:solidFill>
+          <a:ln w="25400" cap="flat" cmpd="sng" algn="ctr">
+            <a:solidFill>
+              <a:schemeClr val="tx1"/>
+            </a:solidFill>
+            <a:prstDash val="solid"/>
+            <a:miter lim="800000"/>
+          </a:ln>
+          <a:effectLst/>
+        </p:spPr>
+        <p:txBody>
+          <a:bodyPr rtlCol="0" anchor="ctr"/>
+          <a:lstStyle/>
+          <a:p>
+            <a:pPr lvl="0" algn="ctr">
+              <a:buClr>
+                <a:srgbClr val="000000"/>
+              </a:buClr>
+              <a:defRPr/>
+            </a:pPr>
+            <a:r>
+              <a:rPr lang="en-US" sz="1400" kern="0" dirty="0">
+                <a:solidFill>
+                  <a:schemeClr val="bg1"/>
+                </a:solidFill>
+                <a:sym typeface="Arial"/>
+              </a:rPr>
+              <a:t>Gridded</a:t>
+            </a:r>
+          </a:p>
+          <a:p>
+            <a:pPr lvl="0" algn="ctr">
+              <a:buClr>
+                <a:srgbClr val="000000"/>
+              </a:buClr>
+              <a:defRPr/>
+            </a:pPr>
+            <a:r>
+              <a:rPr lang="en-US" sz="1400" kern="0" dirty="0">
+                <a:solidFill>
+                  <a:schemeClr val="bg1"/>
+                </a:solidFill>
+                <a:sym typeface="Arial"/>
+              </a:rPr>
+              <a:t>Population</a:t>
             </a:r>
           </a:p>
         </p:txBody>

--- a/experiment_diagram/experiment-B-N6_interconnect.pptx
+++ b/experiment_diagram/experiment-B-N6_interconnect.pptx
@@ -4381,11 +4381,11 @@
           <a:noFill/>
           <a:ln w="25400" cap="flat" cmpd="sng" algn="ctr">
             <a:solidFill>
-              <a:schemeClr val="accent4">
+              <a:schemeClr val="accent6">
                 <a:lumMod val="75000"/>
               </a:schemeClr>
             </a:solidFill>
-            <a:prstDash val="dash"/>
+            <a:prstDash val="solid"/>
             <a:miter lim="800000"/>
             <a:tailEnd type="triangle" w="lg" len="lg"/>
           </a:ln>
@@ -4421,11 +4421,11 @@
           <a:noFill/>
           <a:ln w="25400" cap="flat" cmpd="sng" algn="ctr">
             <a:solidFill>
-              <a:schemeClr val="accent4">
+              <a:schemeClr val="accent6">
                 <a:lumMod val="75000"/>
               </a:schemeClr>
             </a:solidFill>
-            <a:prstDash val="dash"/>
+            <a:prstDash val="solid"/>
             <a:miter lim="800000"/>
             <a:tailEnd type="triangle" w="lg" len="lg"/>
           </a:ln>
@@ -5133,11 +5133,11 @@
           <a:noFill/>
           <a:ln w="25400" cap="flat" cmpd="sng" algn="ctr">
             <a:solidFill>
-              <a:schemeClr val="accent4">
+              <a:schemeClr val="accent6">
                 <a:lumMod val="75000"/>
               </a:schemeClr>
             </a:solidFill>
-            <a:prstDash val="dash"/>
+            <a:prstDash val="solid"/>
             <a:miter lim="800000"/>
             <a:tailEnd type="triangle" w="lg" len="lg"/>
           </a:ln>
@@ -6345,63 +6345,9 @@
             <a:avLst/>
           </a:prstGeom>
           <a:solidFill>
-            <a:schemeClr val="accent4">
+            <a:schemeClr val="accent6">
               <a:lumMod val="40000"/>
               <a:lumOff val="60000"/>
-            </a:schemeClr>
-          </a:solidFill>
-          <a:ln w="25400">
-            <a:solidFill>
-              <a:schemeClr val="accent4">
-                <a:lumMod val="75000"/>
-              </a:schemeClr>
-            </a:solidFill>
-          </a:ln>
-        </p:spPr>
-        <p:txBody>
-          <a:bodyPr wrap="square" rtlCol="0">
-            <a:spAutoFit/>
-          </a:bodyPr>
-          <a:lstStyle/>
-          <a:p>
-            <a:pPr algn="ctr"/>
-            <a:r>
-              <a:rPr lang="en-US" b="1" dirty="0">
-                <a:solidFill>
-                  <a:schemeClr val="accent4">
-                    <a:lumMod val="75000"/>
-                  </a:schemeClr>
-                </a:solidFill>
-              </a:rPr>
-              <a:t>4</a:t>
-            </a:r>
-          </a:p>
-        </p:txBody>
-      </p:sp>
-      <p:sp>
-        <p:nvSpPr>
-          <p:cNvPr id="88" name="TextBox 87">
-            <a:extLst>
-              <a:ext uri="{FF2B5EF4-FFF2-40B4-BE49-F238E27FC236}">
-                <a16:creationId xmlns:a16="http://schemas.microsoft.com/office/drawing/2014/main" id="{B2109F4C-9694-BD4C-8273-4C27F4E653F1}"/>
-              </a:ext>
-            </a:extLst>
-          </p:cNvPr>
-          <p:cNvSpPr txBox="1"/>
-          <p:nvPr/>
-        </p:nvSpPr>
-        <p:spPr>
-          <a:xfrm>
-            <a:off x="3729782" y="5040932"/>
-            <a:ext cx="297180" cy="369332"/>
-          </a:xfrm>
-          <a:prstGeom prst="rect">
-            <a:avLst/>
-          </a:prstGeom>
-          <a:solidFill>
-            <a:schemeClr val="accent6">
-              <a:lumMod val="20000"/>
-              <a:lumOff val="80000"/>
             </a:schemeClr>
           </a:solidFill>
           <a:ln w="25400">
@@ -6427,17 +6373,17 @@
                   </a:schemeClr>
                 </a:solidFill>
               </a:rPr>
-              <a:t>6</a:t>
-            </a:r>
-          </a:p>
-        </p:txBody>
-      </p:sp>
-      <p:sp>
-        <p:nvSpPr>
-          <p:cNvPr id="89" name="TextBox 88">
-            <a:extLst>
-              <a:ext uri="{FF2B5EF4-FFF2-40B4-BE49-F238E27FC236}">
-                <a16:creationId xmlns:a16="http://schemas.microsoft.com/office/drawing/2014/main" id="{741C2CDB-C418-E240-9824-F33B6FB55B1F}"/>
+              <a:t>4</a:t>
+            </a:r>
+          </a:p>
+        </p:txBody>
+      </p:sp>
+      <p:sp>
+        <p:nvSpPr>
+          <p:cNvPr id="88" name="TextBox 87">
+            <a:extLst>
+              <a:ext uri="{FF2B5EF4-FFF2-40B4-BE49-F238E27FC236}">
+                <a16:creationId xmlns:a16="http://schemas.microsoft.com/office/drawing/2014/main" id="{B2109F4C-9694-BD4C-8273-4C27F4E653F1}"/>
               </a:ext>
             </a:extLst>
           </p:cNvPr>
@@ -6446,7 +6392,115 @@
         </p:nvSpPr>
         <p:spPr>
           <a:xfrm>
+            <a:off x="3729782" y="5040932"/>
+            <a:ext cx="297180" cy="369332"/>
+          </a:xfrm>
+          <a:prstGeom prst="rect">
+            <a:avLst/>
+          </a:prstGeom>
+          <a:solidFill>
+            <a:schemeClr val="accent6">
+              <a:lumMod val="40000"/>
+              <a:lumOff val="60000"/>
+            </a:schemeClr>
+          </a:solidFill>
+          <a:ln w="25400">
+            <a:solidFill>
+              <a:schemeClr val="accent6">
+                <a:lumMod val="75000"/>
+              </a:schemeClr>
+            </a:solidFill>
+          </a:ln>
+        </p:spPr>
+        <p:txBody>
+          <a:bodyPr wrap="square" rtlCol="0">
+            <a:spAutoFit/>
+          </a:bodyPr>
+          <a:lstStyle/>
+          <a:p>
+            <a:pPr algn="ctr"/>
+            <a:r>
+              <a:rPr lang="en-US" b="1" dirty="0">
+                <a:solidFill>
+                  <a:schemeClr val="accent6">
+                    <a:lumMod val="75000"/>
+                  </a:schemeClr>
+                </a:solidFill>
+              </a:rPr>
+              <a:t>6</a:t>
+            </a:r>
+          </a:p>
+        </p:txBody>
+      </p:sp>
+      <p:sp>
+        <p:nvSpPr>
+          <p:cNvPr id="89" name="TextBox 88">
+            <a:extLst>
+              <a:ext uri="{FF2B5EF4-FFF2-40B4-BE49-F238E27FC236}">
+                <a16:creationId xmlns:a16="http://schemas.microsoft.com/office/drawing/2014/main" id="{741C2CDB-C418-E240-9824-F33B6FB55B1F}"/>
+              </a:ext>
+            </a:extLst>
+          </p:cNvPr>
+          <p:cNvSpPr txBox="1"/>
+          <p:nvPr/>
+        </p:nvSpPr>
+        <p:spPr>
+          <a:xfrm>
             <a:off x="5238280" y="6468265"/>
+            <a:ext cx="297180" cy="369332"/>
+          </a:xfrm>
+          <a:prstGeom prst="rect">
+            <a:avLst/>
+          </a:prstGeom>
+          <a:solidFill>
+            <a:schemeClr val="accent6">
+              <a:lumMod val="40000"/>
+              <a:lumOff val="60000"/>
+            </a:schemeClr>
+          </a:solidFill>
+          <a:ln w="25400">
+            <a:solidFill>
+              <a:schemeClr val="accent6">
+                <a:lumMod val="75000"/>
+              </a:schemeClr>
+            </a:solidFill>
+          </a:ln>
+        </p:spPr>
+        <p:txBody>
+          <a:bodyPr wrap="square" rtlCol="0">
+            <a:spAutoFit/>
+          </a:bodyPr>
+          <a:lstStyle/>
+          <a:p>
+            <a:pPr algn="ctr"/>
+            <a:r>
+              <a:rPr lang="en-US" b="1" dirty="0">
+                <a:solidFill>
+                  <a:schemeClr val="accent6">
+                    <a:lumMod val="75000"/>
+                  </a:schemeClr>
+                </a:solidFill>
+              </a:rPr>
+              <a:t>7</a:t>
+            </a:r>
+          </a:p>
+        </p:txBody>
+      </p:sp>
+      <p:sp>
+        <p:nvSpPr>
+          <p:cNvPr id="90" name="TextBox 89">
+            <a:extLst>
+              <a:ext uri="{FF2B5EF4-FFF2-40B4-BE49-F238E27FC236}">
+                <a16:creationId xmlns:a16="http://schemas.microsoft.com/office/drawing/2014/main" id="{F72EDA13-3023-F544-9568-8433B3292E59}"/>
+              </a:ext>
+            </a:extLst>
+          </p:cNvPr>
+          <p:cNvSpPr txBox="1"/>
+          <p:nvPr/>
+        </p:nvSpPr>
+        <p:spPr>
+          <a:xfrm>
+            <a:off x="5099500" y="2700643"/>
             <a:ext cx="297180" cy="369332"/>
           </a:xfrm>
           <a:prstGeom prst="rect">
@@ -6481,17 +6535,17 @@
                   </a:schemeClr>
                 </a:solidFill>
               </a:rPr>
-              <a:t>7</a:t>
-            </a:r>
-          </a:p>
-        </p:txBody>
-      </p:sp>
-      <p:sp>
-        <p:nvSpPr>
-          <p:cNvPr id="90" name="TextBox 89">
-            <a:extLst>
-              <a:ext uri="{FF2B5EF4-FFF2-40B4-BE49-F238E27FC236}">
-                <a16:creationId xmlns:a16="http://schemas.microsoft.com/office/drawing/2014/main" id="{F72EDA13-3023-F544-9568-8433B3292E59}"/>
+              <a:t>8</a:t>
+            </a:r>
+          </a:p>
+        </p:txBody>
+      </p:sp>
+      <p:sp>
+        <p:nvSpPr>
+          <p:cNvPr id="92" name="TextBox 91">
+            <a:extLst>
+              <a:ext uri="{FF2B5EF4-FFF2-40B4-BE49-F238E27FC236}">
+                <a16:creationId xmlns:a16="http://schemas.microsoft.com/office/drawing/2014/main" id="{C8B9378D-E069-5E43-A1D1-C030C23C26D6}"/>
               </a:ext>
             </a:extLst>
           </p:cNvPr>
@@ -6500,7 +6554,7 @@
         </p:nvSpPr>
         <p:spPr>
           <a:xfrm>
-            <a:off x="5099500" y="2700643"/>
+            <a:off x="5665266" y="2644816"/>
             <a:ext cx="297180" cy="369332"/>
           </a:xfrm>
           <a:prstGeom prst="rect">
@@ -6535,17 +6589,17 @@
                   </a:schemeClr>
                 </a:solidFill>
               </a:rPr>
-              <a:t>8</a:t>
-            </a:r>
-          </a:p>
-        </p:txBody>
-      </p:sp>
-      <p:sp>
-        <p:nvSpPr>
-          <p:cNvPr id="92" name="TextBox 91">
-            <a:extLst>
-              <a:ext uri="{FF2B5EF4-FFF2-40B4-BE49-F238E27FC236}">
-                <a16:creationId xmlns:a16="http://schemas.microsoft.com/office/drawing/2014/main" id="{C8B9378D-E069-5E43-A1D1-C030C23C26D6}"/>
+              <a:t>9</a:t>
+            </a:r>
+          </a:p>
+        </p:txBody>
+      </p:sp>
+      <p:sp>
+        <p:nvSpPr>
+          <p:cNvPr id="94" name="TextBox 93">
+            <a:extLst>
+              <a:ext uri="{FF2B5EF4-FFF2-40B4-BE49-F238E27FC236}">
+                <a16:creationId xmlns:a16="http://schemas.microsoft.com/office/drawing/2014/main" id="{0CC0ADAB-FFED-C340-A9EF-F806DD0E31E1}"/>
               </a:ext>
             </a:extLst>
           </p:cNvPr>
@@ -6554,21 +6608,21 @@
         </p:nvSpPr>
         <p:spPr>
           <a:xfrm>
-            <a:off x="5665266" y="2644816"/>
-            <a:ext cx="297180" cy="369332"/>
+            <a:off x="7537027" y="5276905"/>
+            <a:ext cx="481986" cy="369332"/>
           </a:xfrm>
           <a:prstGeom prst="rect">
             <a:avLst/>
           </a:prstGeom>
           <a:solidFill>
-            <a:schemeClr val="accent4">
+            <a:schemeClr val="accent6">
               <a:lumMod val="40000"/>
               <a:lumOff val="60000"/>
             </a:schemeClr>
           </a:solidFill>
           <a:ln w="25400">
             <a:solidFill>
-              <a:schemeClr val="accent4">
+              <a:schemeClr val="accent6">
                 <a:lumMod val="75000"/>
               </a:schemeClr>
             </a:solidFill>
@@ -6584,61 +6638,7 @@
             <a:r>
               <a:rPr lang="en-US" b="1" dirty="0">
                 <a:solidFill>
-                  <a:schemeClr val="accent4">
-                    <a:lumMod val="75000"/>
-                  </a:schemeClr>
-                </a:solidFill>
-              </a:rPr>
-              <a:t>9</a:t>
-            </a:r>
-          </a:p>
-        </p:txBody>
-      </p:sp>
-      <p:sp>
-        <p:nvSpPr>
-          <p:cNvPr id="94" name="TextBox 93">
-            <a:extLst>
-              <a:ext uri="{FF2B5EF4-FFF2-40B4-BE49-F238E27FC236}">
-                <a16:creationId xmlns:a16="http://schemas.microsoft.com/office/drawing/2014/main" id="{0CC0ADAB-FFED-C340-A9EF-F806DD0E31E1}"/>
-              </a:ext>
-            </a:extLst>
-          </p:cNvPr>
-          <p:cNvSpPr txBox="1"/>
-          <p:nvPr/>
-        </p:nvSpPr>
-        <p:spPr>
-          <a:xfrm>
-            <a:off x="7537027" y="5276905"/>
-            <a:ext cx="481986" cy="369332"/>
-          </a:xfrm>
-          <a:prstGeom prst="rect">
-            <a:avLst/>
-          </a:prstGeom>
-          <a:solidFill>
-            <a:schemeClr val="accent4">
-              <a:lumMod val="40000"/>
-              <a:lumOff val="60000"/>
-            </a:schemeClr>
-          </a:solidFill>
-          <a:ln w="25400">
-            <a:solidFill>
-              <a:schemeClr val="accent4">
-                <a:lumMod val="75000"/>
-              </a:schemeClr>
-            </a:solidFill>
-          </a:ln>
-        </p:spPr>
-        <p:txBody>
-          <a:bodyPr wrap="square" rtlCol="0">
-            <a:spAutoFit/>
-          </a:bodyPr>
-          <a:lstStyle/>
-          <a:p>
-            <a:pPr algn="ctr"/>
-            <a:r>
-              <a:rPr lang="en-US" b="1" dirty="0">
-                <a:solidFill>
-                  <a:schemeClr val="accent4">
+                  <a:schemeClr val="accent6">
                     <a:lumMod val="75000"/>
                   </a:schemeClr>
                 </a:solidFill>

--- a/experiment_diagram/experiment-B-N6_interconnect.pptx
+++ b/experiment_diagram/experiment-B-N6_interconnect.pptx
@@ -4870,85 +4870,6 @@
           </a:p>
         </p:txBody>
       </p:sp>
-      <p:sp>
-        <p:nvSpPr>
-          <p:cNvPr id="69" name="TextBox 68">
-            <a:extLst>
-              <a:ext uri="{FF2B5EF4-FFF2-40B4-BE49-F238E27FC236}">
-                <a16:creationId xmlns:a16="http://schemas.microsoft.com/office/drawing/2014/main" id="{DF15A046-2AE0-CB40-ADB2-93E331DA618F}"/>
-              </a:ext>
-            </a:extLst>
-          </p:cNvPr>
-          <p:cNvSpPr txBox="1"/>
-          <p:nvPr/>
-        </p:nvSpPr>
-        <p:spPr>
-          <a:xfrm>
-            <a:off x="8832229" y="1851352"/>
-            <a:ext cx="739205" cy="430887"/>
-          </a:xfrm>
-          <a:prstGeom prst="rect">
-            <a:avLst/>
-          </a:prstGeom>
-          <a:noFill/>
-        </p:spPr>
-        <p:txBody>
-          <a:bodyPr wrap="square" rtlCol="0">
-            <a:spAutoFit/>
-          </a:bodyPr>
-          <a:lstStyle/>
-          <a:p>
-            <a:pPr algn="ctr">
-              <a:buClr>
-                <a:srgbClr val="000000"/>
-              </a:buClr>
-              <a:buFont typeface="Arial"/>
-              <a:buNone/>
-            </a:pPr>
-            <a:r>
-              <a:rPr lang="en-US" sz="1100" b="1" kern="0" dirty="0">
-                <a:solidFill>
-                  <a:srgbClr val="7030A0"/>
-                </a:solidFill>
-                <a:latin typeface="Arial"/>
-                <a:cs typeface="Arial"/>
-                <a:sym typeface="Arial"/>
-              </a:rPr>
-              <a:t>CONUS (1 km</a:t>
-            </a:r>
-            <a:r>
-              <a:rPr lang="en-US" sz="1100" b="1" kern="0" baseline="30000" dirty="0">
-                <a:solidFill>
-                  <a:srgbClr val="7030A0"/>
-                </a:solidFill>
-                <a:latin typeface="Arial"/>
-                <a:cs typeface="Arial"/>
-                <a:sym typeface="Arial"/>
-              </a:rPr>
-              <a:t>2</a:t>
-            </a:r>
-            <a:r>
-              <a:rPr lang="en-US" sz="1100" b="1" kern="0" dirty="0">
-                <a:solidFill>
-                  <a:srgbClr val="7030A0"/>
-                </a:solidFill>
-                <a:latin typeface="Arial"/>
-                <a:cs typeface="Arial"/>
-                <a:sym typeface="Arial"/>
-              </a:rPr>
-              <a:t>)</a:t>
-            </a:r>
-            <a:endParaRPr lang="en-US" sz="1100" b="1" kern="0" baseline="30000" dirty="0">
-              <a:solidFill>
-                <a:srgbClr val="7030A0"/>
-              </a:solidFill>
-              <a:latin typeface="Arial"/>
-              <a:cs typeface="Arial"/>
-              <a:sym typeface="Arial"/>
-            </a:endParaRPr>
-          </a:p>
-        </p:txBody>
-      </p:sp>
       <p:cxnSp>
         <p:nvCxnSpPr>
           <p:cNvPr id="83" name="Straight Arrow Connector 82">

--- a/experiment_diagram/experiment-B-N6_interconnect.pptx
+++ b/experiment_diagram/experiment-B-N6_interconnect.pptx
@@ -4677,7 +4677,7 @@
         </p:nvSpPr>
         <p:spPr>
           <a:xfrm>
-            <a:off x="4394798" y="3484742"/>
+            <a:off x="4394798" y="3929802"/>
             <a:ext cx="1293609" cy="1169551"/>
           </a:xfrm>
           <a:prstGeom prst="rect">
@@ -4927,7 +4927,7 @@
         <p:spPr>
           <a:xfrm>
             <a:off x="4963400" y="1214999"/>
-            <a:ext cx="71371" cy="623687"/>
+            <a:ext cx="71371" cy="1044471"/>
           </a:xfrm>
           <a:prstGeom prst="bentConnector2">
             <a:avLst/>
@@ -5162,7 +5162,7 @@
         <p:spPr>
           <a:xfrm>
             <a:off x="4963400" y="1214999"/>
-            <a:ext cx="1033706" cy="623687"/>
+            <a:ext cx="1033706" cy="1044471"/>
           </a:xfrm>
           <a:prstGeom prst="bentConnector2">
             <a:avLst/>
@@ -5200,7 +5200,7 @@
         <p:spPr>
           <a:xfrm>
             <a:off x="4963400" y="1214999"/>
-            <a:ext cx="1996041" cy="623687"/>
+            <a:ext cx="1996041" cy="1044471"/>
           </a:xfrm>
           <a:prstGeom prst="bentConnector2">
             <a:avLst/>
@@ -5237,8 +5237,8 @@
         </p:nvCxnSpPr>
         <p:spPr>
           <a:xfrm>
-            <a:off x="5034771" y="2582886"/>
-            <a:ext cx="524611" cy="629933"/>
+            <a:off x="5034771" y="3003670"/>
+            <a:ext cx="524611" cy="767497"/>
           </a:xfrm>
           <a:prstGeom prst="straightConnector1">
             <a:avLst/>
@@ -5284,7 +5284,7 @@
         </p:nvSpPr>
         <p:spPr>
           <a:xfrm>
-            <a:off x="5559382" y="3121379"/>
+            <a:off x="5559382" y="3679727"/>
             <a:ext cx="182880" cy="182880"/>
           </a:xfrm>
           <a:prstGeom prst="ellipse">
@@ -5342,8 +5342,8 @@
         </p:nvCxnSpPr>
         <p:spPr>
           <a:xfrm flipH="1">
-            <a:off x="5650822" y="2582886"/>
-            <a:ext cx="346284" cy="538493"/>
+            <a:off x="5650822" y="3003670"/>
+            <a:ext cx="346284" cy="676057"/>
           </a:xfrm>
           <a:prstGeom prst="straightConnector1">
             <a:avLst/>
@@ -5391,8 +5391,8 @@
         </p:nvCxnSpPr>
         <p:spPr>
           <a:xfrm flipH="1">
-            <a:off x="5742262" y="2582886"/>
-            <a:ext cx="1217179" cy="629933"/>
+            <a:off x="5742262" y="3003670"/>
+            <a:ext cx="1217179" cy="767497"/>
           </a:xfrm>
           <a:prstGeom prst="straightConnector1">
             <a:avLst/>
@@ -5439,7 +5439,7 @@
         </p:nvCxnSpPr>
         <p:spPr>
           <a:xfrm>
-            <a:off x="5650822" y="3304259"/>
+            <a:off x="5650822" y="3862607"/>
             <a:ext cx="6610" cy="1764801"/>
           </a:xfrm>
           <a:prstGeom prst="straightConnector1">
@@ -6097,7 +6097,7 @@
         </p:nvSpPr>
         <p:spPr>
           <a:xfrm>
-            <a:off x="4996124" y="1275360"/>
+            <a:off x="4899020" y="1696144"/>
             <a:ext cx="297180" cy="369332"/>
           </a:xfrm>
           <a:prstGeom prst="rect">
@@ -6151,7 +6151,7 @@
         </p:nvSpPr>
         <p:spPr>
           <a:xfrm>
-            <a:off x="5848517" y="1275360"/>
+            <a:off x="5848517" y="1696144"/>
             <a:ext cx="297180" cy="369332"/>
           </a:xfrm>
           <a:prstGeom prst="rect">
@@ -6205,7 +6205,7 @@
         </p:nvSpPr>
         <p:spPr>
           <a:xfrm>
-            <a:off x="6825875" y="1275360"/>
+            <a:off x="6817783" y="1696144"/>
             <a:ext cx="297180" cy="369332"/>
           </a:xfrm>
           <a:prstGeom prst="rect">
@@ -6421,7 +6421,7 @@
         </p:nvSpPr>
         <p:spPr>
           <a:xfrm>
-            <a:off x="5099500" y="2700643"/>
+            <a:off x="5075224" y="3118068"/>
             <a:ext cx="297180" cy="369332"/>
           </a:xfrm>
           <a:prstGeom prst="rect">
@@ -6475,7 +6475,7 @@
         </p:nvSpPr>
         <p:spPr>
           <a:xfrm>
-            <a:off x="5665266" y="2644816"/>
+            <a:off x="5730002" y="3118068"/>
             <a:ext cx="297180" cy="369332"/>
           </a:xfrm>
           <a:prstGeom prst="rect">
@@ -6887,8 +6887,8 @@
         </p:nvSpPr>
         <p:spPr>
           <a:xfrm>
-            <a:off x="6175364" y="2661558"/>
-            <a:ext cx="481986" cy="369332"/>
+            <a:off x="6321020" y="3118068"/>
+            <a:ext cx="457490" cy="369332"/>
           </a:xfrm>
           <a:prstGeom prst="rect">
             <a:avLst/>
@@ -6941,7 +6941,7 @@
         </p:nvSpPr>
         <p:spPr>
           <a:xfrm>
-            <a:off x="4577571" y="1838686"/>
+            <a:off x="4577571" y="2259470"/>
             <a:ext cx="914400" cy="744200"/>
           </a:xfrm>
           <a:prstGeom prst="roundRect">
@@ -7058,7 +7058,7 @@
         </p:nvSpPr>
         <p:spPr>
           <a:xfrm>
-            <a:off x="5539906" y="1838686"/>
+            <a:off x="5539906" y="2259470"/>
             <a:ext cx="914400" cy="744200"/>
           </a:xfrm>
           <a:prstGeom prst="roundRect">
@@ -7175,7 +7175,7 @@
         </p:nvSpPr>
         <p:spPr>
           <a:xfrm>
-            <a:off x="6502241" y="1838686"/>
+            <a:off x="6502241" y="2259470"/>
             <a:ext cx="914400" cy="744200"/>
           </a:xfrm>
           <a:prstGeom prst="roundRect">

--- a/experiment_diagram/experiment-B-N6_interconnect.pptx
+++ b/experiment_diagram/experiment-B-N6_interconnect.pptx
@@ -816,7 +816,7 @@
           <a:p>
             <a:fld id="{50E52EA3-2204-804F-9678-85900D481E2E}" type="datetimeFigureOut">
               <a:rPr lang="en-US" smtClean="0"/>
-              <a:t>3/17/22</a:t>
+              <a:t>4/4/22</a:t>
             </a:fld>
             <a:endParaRPr lang="en-US"/>
           </a:p>
@@ -1014,7 +1014,7 @@
           <a:p>
             <a:fld id="{50E52EA3-2204-804F-9678-85900D481E2E}" type="datetimeFigureOut">
               <a:rPr lang="en-US" smtClean="0"/>
-              <a:t>3/17/22</a:t>
+              <a:t>4/4/22</a:t>
             </a:fld>
             <a:endParaRPr lang="en-US"/>
           </a:p>
@@ -1222,7 +1222,7 @@
           <a:p>
             <a:fld id="{50E52EA3-2204-804F-9678-85900D481E2E}" type="datetimeFigureOut">
               <a:rPr lang="en-US" smtClean="0"/>
-              <a:t>3/17/22</a:t>
+              <a:t>4/4/22</a:t>
             </a:fld>
             <a:endParaRPr lang="en-US"/>
           </a:p>
@@ -1420,7 +1420,7 @@
           <a:p>
             <a:fld id="{50E52EA3-2204-804F-9678-85900D481E2E}" type="datetimeFigureOut">
               <a:rPr lang="en-US" smtClean="0"/>
-              <a:t>3/17/22</a:t>
+              <a:t>4/4/22</a:t>
             </a:fld>
             <a:endParaRPr lang="en-US"/>
           </a:p>
@@ -1695,7 +1695,7 @@
           <a:p>
             <a:fld id="{50E52EA3-2204-804F-9678-85900D481E2E}" type="datetimeFigureOut">
               <a:rPr lang="en-US" smtClean="0"/>
-              <a:t>3/17/22</a:t>
+              <a:t>4/4/22</a:t>
             </a:fld>
             <a:endParaRPr lang="en-US"/>
           </a:p>
@@ -1960,7 +1960,7 @@
           <a:p>
             <a:fld id="{50E52EA3-2204-804F-9678-85900D481E2E}" type="datetimeFigureOut">
               <a:rPr lang="en-US" smtClean="0"/>
-              <a:t>3/17/22</a:t>
+              <a:t>4/4/22</a:t>
             </a:fld>
             <a:endParaRPr lang="en-US"/>
           </a:p>
@@ -2372,7 +2372,7 @@
           <a:p>
             <a:fld id="{50E52EA3-2204-804F-9678-85900D481E2E}" type="datetimeFigureOut">
               <a:rPr lang="en-US" smtClean="0"/>
-              <a:t>3/17/22</a:t>
+              <a:t>4/4/22</a:t>
             </a:fld>
             <a:endParaRPr lang="en-US"/>
           </a:p>
@@ -2513,7 +2513,7 @@
           <a:p>
             <a:fld id="{50E52EA3-2204-804F-9678-85900D481E2E}" type="datetimeFigureOut">
               <a:rPr lang="en-US" smtClean="0"/>
-              <a:t>3/17/22</a:t>
+              <a:t>4/4/22</a:t>
             </a:fld>
             <a:endParaRPr lang="en-US"/>
           </a:p>
@@ -2626,7 +2626,7 @@
           <a:p>
             <a:fld id="{50E52EA3-2204-804F-9678-85900D481E2E}" type="datetimeFigureOut">
               <a:rPr lang="en-US" smtClean="0"/>
-              <a:t>3/17/22</a:t>
+              <a:t>4/4/22</a:t>
             </a:fld>
             <a:endParaRPr lang="en-US"/>
           </a:p>
@@ -2937,7 +2937,7 @@
           <a:p>
             <a:fld id="{50E52EA3-2204-804F-9678-85900D481E2E}" type="datetimeFigureOut">
               <a:rPr lang="en-US" smtClean="0"/>
-              <a:t>3/17/22</a:t>
+              <a:t>4/4/22</a:t>
             </a:fld>
             <a:endParaRPr lang="en-US"/>
           </a:p>
@@ -3225,7 +3225,7 @@
           <a:p>
             <a:fld id="{50E52EA3-2204-804F-9678-85900D481E2E}" type="datetimeFigureOut">
               <a:rPr lang="en-US" smtClean="0"/>
-              <a:t>3/17/22</a:t>
+              <a:t>4/4/22</a:t>
             </a:fld>
             <a:endParaRPr lang="en-US"/>
           </a:p>
@@ -3466,7 +3466,7 @@
           <a:p>
             <a:fld id="{50E52EA3-2204-804F-9678-85900D481E2E}" type="datetimeFigureOut">
               <a:rPr lang="en-US" smtClean="0"/>
-              <a:t>3/17/22</a:t>
+              <a:t>4/4/22</a:t>
             </a:fld>
             <a:endParaRPr lang="en-US"/>
           </a:p>
@@ -7265,7 +7265,7 @@
                 <a:latin typeface="Calibri" panose="020F0502020204030204"/>
                 <a:sym typeface="Arial"/>
               </a:rPr>
-              <a:t>(Persephone)</a:t>
+              <a:t>(Osiris)</a:t>
             </a:r>
           </a:p>
         </p:txBody>

--- a/experiment_diagram/experiment-B-N6_interconnect.pptx
+++ b/experiment_diagram/experiment-B-N6_interconnect.pptx
@@ -816,7 +816,7 @@
           <a:p>
             <a:fld id="{50E52EA3-2204-804F-9678-85900D481E2E}" type="datetimeFigureOut">
               <a:rPr lang="en-US" smtClean="0"/>
-              <a:t>4/4/22</a:t>
+              <a:t>4/28/2022</a:t>
             </a:fld>
             <a:endParaRPr lang="en-US"/>
           </a:p>
@@ -1014,7 +1014,7 @@
           <a:p>
             <a:fld id="{50E52EA3-2204-804F-9678-85900D481E2E}" type="datetimeFigureOut">
               <a:rPr lang="en-US" smtClean="0"/>
-              <a:t>4/4/22</a:t>
+              <a:t>4/28/2022</a:t>
             </a:fld>
             <a:endParaRPr lang="en-US"/>
           </a:p>
@@ -1222,7 +1222,7 @@
           <a:p>
             <a:fld id="{50E52EA3-2204-804F-9678-85900D481E2E}" type="datetimeFigureOut">
               <a:rPr lang="en-US" smtClean="0"/>
-              <a:t>4/4/22</a:t>
+              <a:t>4/28/2022</a:t>
             </a:fld>
             <a:endParaRPr lang="en-US"/>
           </a:p>
@@ -1420,7 +1420,7 @@
           <a:p>
             <a:fld id="{50E52EA3-2204-804F-9678-85900D481E2E}" type="datetimeFigureOut">
               <a:rPr lang="en-US" smtClean="0"/>
-              <a:t>4/4/22</a:t>
+              <a:t>4/28/2022</a:t>
             </a:fld>
             <a:endParaRPr lang="en-US"/>
           </a:p>
@@ -1695,7 +1695,7 @@
           <a:p>
             <a:fld id="{50E52EA3-2204-804F-9678-85900D481E2E}" type="datetimeFigureOut">
               <a:rPr lang="en-US" smtClean="0"/>
-              <a:t>4/4/22</a:t>
+              <a:t>4/28/2022</a:t>
             </a:fld>
             <a:endParaRPr lang="en-US"/>
           </a:p>
@@ -1960,7 +1960,7 @@
           <a:p>
             <a:fld id="{50E52EA3-2204-804F-9678-85900D481E2E}" type="datetimeFigureOut">
               <a:rPr lang="en-US" smtClean="0"/>
-              <a:t>4/4/22</a:t>
+              <a:t>4/28/2022</a:t>
             </a:fld>
             <a:endParaRPr lang="en-US"/>
           </a:p>
@@ -2372,7 +2372,7 @@
           <a:p>
             <a:fld id="{50E52EA3-2204-804F-9678-85900D481E2E}" type="datetimeFigureOut">
               <a:rPr lang="en-US" smtClean="0"/>
-              <a:t>4/4/22</a:t>
+              <a:t>4/28/2022</a:t>
             </a:fld>
             <a:endParaRPr lang="en-US"/>
           </a:p>
@@ -2513,7 +2513,7 @@
           <a:p>
             <a:fld id="{50E52EA3-2204-804F-9678-85900D481E2E}" type="datetimeFigureOut">
               <a:rPr lang="en-US" smtClean="0"/>
-              <a:t>4/4/22</a:t>
+              <a:t>4/28/2022</a:t>
             </a:fld>
             <a:endParaRPr lang="en-US"/>
           </a:p>
@@ -2626,7 +2626,7 @@
           <a:p>
             <a:fld id="{50E52EA3-2204-804F-9678-85900D481E2E}" type="datetimeFigureOut">
               <a:rPr lang="en-US" smtClean="0"/>
-              <a:t>4/4/22</a:t>
+              <a:t>4/28/2022</a:t>
             </a:fld>
             <a:endParaRPr lang="en-US"/>
           </a:p>
@@ -2937,7 +2937,7 @@
           <a:p>
             <a:fld id="{50E52EA3-2204-804F-9678-85900D481E2E}" type="datetimeFigureOut">
               <a:rPr lang="en-US" smtClean="0"/>
-              <a:t>4/4/22</a:t>
+              <a:t>4/28/2022</a:t>
             </a:fld>
             <a:endParaRPr lang="en-US"/>
           </a:p>
@@ -3225,7 +3225,7 @@
           <a:p>
             <a:fld id="{50E52EA3-2204-804F-9678-85900D481E2E}" type="datetimeFigureOut">
               <a:rPr lang="en-US" smtClean="0"/>
-              <a:t>4/4/22</a:t>
+              <a:t>4/28/2022</a:t>
             </a:fld>
             <a:endParaRPr lang="en-US"/>
           </a:p>
@@ -3466,7 +3466,7 @@
           <a:p>
             <a:fld id="{50E52EA3-2204-804F-9678-85900D481E2E}" type="datetimeFigureOut">
               <a:rPr lang="en-US" smtClean="0"/>
-              <a:t>4/4/22</a:t>
+              <a:t>4/28/2022</a:t>
             </a:fld>
             <a:endParaRPr lang="en-US"/>
           </a:p>
@@ -4820,7 +4820,9 @@
           <a:noFill/>
           <a:ln w="25400" cap="flat" cmpd="sng" algn="ctr">
             <a:solidFill>
-              <a:srgbClr val="C00000"/>
+              <a:schemeClr val="accent4">
+                <a:lumMod val="75000"/>
+              </a:schemeClr>
             </a:solidFill>
             <a:prstDash val="sysDot"/>
             <a:miter lim="800000"/>
@@ -5134,7 +5136,9 @@
           <a:noFill/>
           <a:ln w="25400" cap="flat" cmpd="sng" algn="ctr">
             <a:solidFill>
-              <a:srgbClr val="C00000"/>
+              <a:schemeClr val="accent4">
+                <a:lumMod val="75000"/>
+              </a:schemeClr>
             </a:solidFill>
             <a:prstDash val="sysDot"/>
             <a:miter lim="800000"/>
@@ -6590,14 +6594,16 @@
             <a:avLst/>
           </a:prstGeom>
           <a:solidFill>
-            <a:schemeClr val="accent2">
+            <a:schemeClr val="accent4">
               <a:lumMod val="40000"/>
               <a:lumOff val="60000"/>
             </a:schemeClr>
           </a:solidFill>
           <a:ln w="25400">
             <a:solidFill>
-              <a:srgbClr val="C00000"/>
+              <a:schemeClr val="accent4">
+                <a:lumMod val="75000"/>
+              </a:schemeClr>
             </a:solidFill>
           </a:ln>
         </p:spPr>
@@ -6611,7 +6617,9 @@
             <a:r>
               <a:rPr lang="en-US" b="1" dirty="0">
                 <a:solidFill>
-                  <a:srgbClr val="C00000"/>
+                  <a:schemeClr val="accent4">
+                    <a:lumMod val="75000"/>
+                  </a:schemeClr>
                 </a:solidFill>
               </a:rPr>
               <a:t>12</a:t>
@@ -6744,14 +6752,16 @@
             <a:avLst/>
           </a:prstGeom>
           <a:solidFill>
-            <a:schemeClr val="accent2">
+            <a:schemeClr val="accent4">
               <a:lumMod val="40000"/>
               <a:lumOff val="60000"/>
             </a:schemeClr>
           </a:solidFill>
           <a:ln w="25400">
             <a:solidFill>
-              <a:srgbClr val="C00000"/>
+              <a:schemeClr val="accent4">
+                <a:lumMod val="75000"/>
+              </a:schemeClr>
             </a:solidFill>
           </a:ln>
         </p:spPr>
@@ -6765,7 +6775,9 @@
             <a:r>
               <a:rPr lang="en-US" b="1" dirty="0">
                 <a:solidFill>
-                  <a:srgbClr val="C00000"/>
+                  <a:schemeClr val="accent4">
+                    <a:lumMod val="75000"/>
+                  </a:schemeClr>
                 </a:solidFill>
               </a:rPr>
               <a:t>15</a:t>
@@ -7722,7 +7734,7 @@
                 <a:cs typeface="+mn-cs"/>
                 <a:sym typeface="Arial"/>
               </a:rPr>
-              <a:t>(CERF)</a:t>
+              <a:t>(CERF) </a:t>
             </a:r>
           </a:p>
         </p:txBody>

--- a/experiment_diagram/experiment-B-N6_interconnect.pptx
+++ b/experiment_diagram/experiment-B-N6_interconnect.pptx
@@ -816,7 +816,7 @@
           <a:p>
             <a:fld id="{50E52EA3-2204-804F-9678-85900D481E2E}" type="datetimeFigureOut">
               <a:rPr lang="en-US" smtClean="0"/>
-              <a:t>4/28/2022</a:t>
+              <a:t>4/28/22</a:t>
             </a:fld>
             <a:endParaRPr lang="en-US"/>
           </a:p>
@@ -1014,7 +1014,7 @@
           <a:p>
             <a:fld id="{50E52EA3-2204-804F-9678-85900D481E2E}" type="datetimeFigureOut">
               <a:rPr lang="en-US" smtClean="0"/>
-              <a:t>4/28/2022</a:t>
+              <a:t>4/28/22</a:t>
             </a:fld>
             <a:endParaRPr lang="en-US"/>
           </a:p>
@@ -1222,7 +1222,7 @@
           <a:p>
             <a:fld id="{50E52EA3-2204-804F-9678-85900D481E2E}" type="datetimeFigureOut">
               <a:rPr lang="en-US" smtClean="0"/>
-              <a:t>4/28/2022</a:t>
+              <a:t>4/28/22</a:t>
             </a:fld>
             <a:endParaRPr lang="en-US"/>
           </a:p>
@@ -1420,7 +1420,7 @@
           <a:p>
             <a:fld id="{50E52EA3-2204-804F-9678-85900D481E2E}" type="datetimeFigureOut">
               <a:rPr lang="en-US" smtClean="0"/>
-              <a:t>4/28/2022</a:t>
+              <a:t>4/28/22</a:t>
             </a:fld>
             <a:endParaRPr lang="en-US"/>
           </a:p>
@@ -1695,7 +1695,7 @@
           <a:p>
             <a:fld id="{50E52EA3-2204-804F-9678-85900D481E2E}" type="datetimeFigureOut">
               <a:rPr lang="en-US" smtClean="0"/>
-              <a:t>4/28/2022</a:t>
+              <a:t>4/28/22</a:t>
             </a:fld>
             <a:endParaRPr lang="en-US"/>
           </a:p>
@@ -1960,7 +1960,7 @@
           <a:p>
             <a:fld id="{50E52EA3-2204-804F-9678-85900D481E2E}" type="datetimeFigureOut">
               <a:rPr lang="en-US" smtClean="0"/>
-              <a:t>4/28/2022</a:t>
+              <a:t>4/28/22</a:t>
             </a:fld>
             <a:endParaRPr lang="en-US"/>
           </a:p>
@@ -2372,7 +2372,7 @@
           <a:p>
             <a:fld id="{50E52EA3-2204-804F-9678-85900D481E2E}" type="datetimeFigureOut">
               <a:rPr lang="en-US" smtClean="0"/>
-              <a:t>4/28/2022</a:t>
+              <a:t>4/28/22</a:t>
             </a:fld>
             <a:endParaRPr lang="en-US"/>
           </a:p>
@@ -2513,7 +2513,7 @@
           <a:p>
             <a:fld id="{50E52EA3-2204-804F-9678-85900D481E2E}" type="datetimeFigureOut">
               <a:rPr lang="en-US" smtClean="0"/>
-              <a:t>4/28/2022</a:t>
+              <a:t>4/28/22</a:t>
             </a:fld>
             <a:endParaRPr lang="en-US"/>
           </a:p>
@@ -2626,7 +2626,7 @@
           <a:p>
             <a:fld id="{50E52EA3-2204-804F-9678-85900D481E2E}" type="datetimeFigureOut">
               <a:rPr lang="en-US" smtClean="0"/>
-              <a:t>4/28/2022</a:t>
+              <a:t>4/28/22</a:t>
             </a:fld>
             <a:endParaRPr lang="en-US"/>
           </a:p>
@@ -2937,7 +2937,7 @@
           <a:p>
             <a:fld id="{50E52EA3-2204-804F-9678-85900D481E2E}" type="datetimeFigureOut">
               <a:rPr lang="en-US" smtClean="0"/>
-              <a:t>4/28/2022</a:t>
+              <a:t>4/28/22</a:t>
             </a:fld>
             <a:endParaRPr lang="en-US"/>
           </a:p>
@@ -3225,7 +3225,7 @@
           <a:p>
             <a:fld id="{50E52EA3-2204-804F-9678-85900D481E2E}" type="datetimeFigureOut">
               <a:rPr lang="en-US" smtClean="0"/>
-              <a:t>4/28/2022</a:t>
+              <a:t>4/28/22</a:t>
             </a:fld>
             <a:endParaRPr lang="en-US"/>
           </a:p>
@@ -3466,7 +3466,7 @@
           <a:p>
             <a:fld id="{50E52EA3-2204-804F-9678-85900D481E2E}" type="datetimeFigureOut">
               <a:rPr lang="en-US" smtClean="0"/>
-              <a:t>4/28/2022</a:t>
+              <a:t>4/28/22</a:t>
             </a:fld>
             <a:endParaRPr lang="en-US"/>
           </a:p>
@@ -4824,7 +4824,7 @@
                 <a:lumMod val="75000"/>
               </a:schemeClr>
             </a:solidFill>
-            <a:prstDash val="sysDot"/>
+            <a:prstDash val="dash"/>
             <a:miter lim="800000"/>
             <a:headEnd type="triangle" w="lg" len="lg"/>
             <a:tailEnd type="none" w="lg" len="lg"/>
@@ -5140,7 +5140,7 @@
                 <a:lumMod val="75000"/>
               </a:schemeClr>
             </a:solidFill>
-            <a:prstDash val="sysDot"/>
+            <a:prstDash val="dash"/>
             <a:miter lim="800000"/>
             <a:tailEnd type="triangle" w="lg" len="lg"/>
           </a:ln>

--- a/experiment_diagram/experiment-B-N6_interconnect.pptx
+++ b/experiment_diagram/experiment-B-N6_interconnect.pptx
@@ -816,7 +816,7 @@
           <a:p>
             <a:fld id="{50E52EA3-2204-804F-9678-85900D481E2E}" type="datetimeFigureOut">
               <a:rPr lang="en-US" smtClean="0"/>
-              <a:t>4/28/22</a:t>
+              <a:t>5/2/2022</a:t>
             </a:fld>
             <a:endParaRPr lang="en-US"/>
           </a:p>
@@ -1014,7 +1014,7 @@
           <a:p>
             <a:fld id="{50E52EA3-2204-804F-9678-85900D481E2E}" type="datetimeFigureOut">
               <a:rPr lang="en-US" smtClean="0"/>
-              <a:t>4/28/22</a:t>
+              <a:t>5/2/2022</a:t>
             </a:fld>
             <a:endParaRPr lang="en-US"/>
           </a:p>
@@ -1222,7 +1222,7 @@
           <a:p>
             <a:fld id="{50E52EA3-2204-804F-9678-85900D481E2E}" type="datetimeFigureOut">
               <a:rPr lang="en-US" smtClean="0"/>
-              <a:t>4/28/22</a:t>
+              <a:t>5/2/2022</a:t>
             </a:fld>
             <a:endParaRPr lang="en-US"/>
           </a:p>
@@ -1420,7 +1420,7 @@
           <a:p>
             <a:fld id="{50E52EA3-2204-804F-9678-85900D481E2E}" type="datetimeFigureOut">
               <a:rPr lang="en-US" smtClean="0"/>
-              <a:t>4/28/22</a:t>
+              <a:t>5/2/2022</a:t>
             </a:fld>
             <a:endParaRPr lang="en-US"/>
           </a:p>
@@ -1695,7 +1695,7 @@
           <a:p>
             <a:fld id="{50E52EA3-2204-804F-9678-85900D481E2E}" type="datetimeFigureOut">
               <a:rPr lang="en-US" smtClean="0"/>
-              <a:t>4/28/22</a:t>
+              <a:t>5/2/2022</a:t>
             </a:fld>
             <a:endParaRPr lang="en-US"/>
           </a:p>
@@ -1960,7 +1960,7 @@
           <a:p>
             <a:fld id="{50E52EA3-2204-804F-9678-85900D481E2E}" type="datetimeFigureOut">
               <a:rPr lang="en-US" smtClean="0"/>
-              <a:t>4/28/22</a:t>
+              <a:t>5/2/2022</a:t>
             </a:fld>
             <a:endParaRPr lang="en-US"/>
           </a:p>
@@ -2372,7 +2372,7 @@
           <a:p>
             <a:fld id="{50E52EA3-2204-804F-9678-85900D481E2E}" type="datetimeFigureOut">
               <a:rPr lang="en-US" smtClean="0"/>
-              <a:t>4/28/22</a:t>
+              <a:t>5/2/2022</a:t>
             </a:fld>
             <a:endParaRPr lang="en-US"/>
           </a:p>
@@ -2513,7 +2513,7 @@
           <a:p>
             <a:fld id="{50E52EA3-2204-804F-9678-85900D481E2E}" type="datetimeFigureOut">
               <a:rPr lang="en-US" smtClean="0"/>
-              <a:t>4/28/22</a:t>
+              <a:t>5/2/2022</a:t>
             </a:fld>
             <a:endParaRPr lang="en-US"/>
           </a:p>
@@ -2626,7 +2626,7 @@
           <a:p>
             <a:fld id="{50E52EA3-2204-804F-9678-85900D481E2E}" type="datetimeFigureOut">
               <a:rPr lang="en-US" smtClean="0"/>
-              <a:t>4/28/22</a:t>
+              <a:t>5/2/2022</a:t>
             </a:fld>
             <a:endParaRPr lang="en-US"/>
           </a:p>
@@ -2937,7 +2937,7 @@
           <a:p>
             <a:fld id="{50E52EA3-2204-804F-9678-85900D481E2E}" type="datetimeFigureOut">
               <a:rPr lang="en-US" smtClean="0"/>
-              <a:t>4/28/22</a:t>
+              <a:t>5/2/2022</a:t>
             </a:fld>
             <a:endParaRPr lang="en-US"/>
           </a:p>
@@ -3225,7 +3225,7 @@
           <a:p>
             <a:fld id="{50E52EA3-2204-804F-9678-85900D481E2E}" type="datetimeFigureOut">
               <a:rPr lang="en-US" smtClean="0"/>
-              <a:t>4/28/22</a:t>
+              <a:t>5/2/2022</a:t>
             </a:fld>
             <a:endParaRPr lang="en-US"/>
           </a:p>
@@ -3466,7 +3466,7 @@
           <a:p>
             <a:fld id="{50E52EA3-2204-804F-9678-85900D481E2E}" type="datetimeFigureOut">
               <a:rPr lang="en-US" smtClean="0"/>
-              <a:t>4/28/22</a:t>
+              <a:t>5/2/2022</a:t>
             </a:fld>
             <a:endParaRPr lang="en-US"/>
           </a:p>
@@ -4637,8 +4637,8 @@
         </p:nvSpPr>
         <p:spPr>
           <a:xfrm>
-            <a:off x="6115522" y="3596311"/>
-            <a:ext cx="3115663" cy="307777"/>
+            <a:off x="7425486" y="3261178"/>
+            <a:ext cx="2180304" cy="523220"/>
           </a:xfrm>
           <a:prstGeom prst="rect">
             <a:avLst/>
@@ -4665,46 +4665,6 @@
       </p:sp>
       <p:sp>
         <p:nvSpPr>
-          <p:cNvPr id="60" name="TextBox 59">
-            <a:extLst>
-              <a:ext uri="{FF2B5EF4-FFF2-40B4-BE49-F238E27FC236}">
-                <a16:creationId xmlns:a16="http://schemas.microsoft.com/office/drawing/2014/main" id="{95697975-EAFC-EF43-8DE3-97766A57C7AE}"/>
-              </a:ext>
-            </a:extLst>
-          </p:cNvPr>
-          <p:cNvSpPr txBox="1"/>
-          <p:nvPr/>
-        </p:nvSpPr>
-        <p:spPr>
-          <a:xfrm>
-            <a:off x="4394798" y="3929802"/>
-            <a:ext cx="1293609" cy="1169551"/>
-          </a:xfrm>
-          <a:prstGeom prst="rect">
-            <a:avLst/>
-          </a:prstGeom>
-          <a:noFill/>
-        </p:spPr>
-        <p:txBody>
-          <a:bodyPr wrap="square" rtlCol="0">
-            <a:spAutoFit/>
-          </a:bodyPr>
-          <a:lstStyle/>
-          <a:p>
-            <a:pPr algn="r"/>
-            <a:r>
-              <a:rPr lang="en-US" sz="1400" b="1" dirty="0">
-                <a:solidFill>
-                  <a:schemeClr val="accent1"/>
-                </a:solidFill>
-              </a:rPr>
-              <a:t> Temperature and precipitation by state and basin</a:t>
-            </a:r>
-          </a:p>
-        </p:txBody>
-      </p:sp>
-      <p:sp>
-        <p:nvSpPr>
           <p:cNvPr id="62" name="TextBox 61">
             <a:extLst>
               <a:ext uri="{FF2B5EF4-FFF2-40B4-BE49-F238E27FC236}">
@@ -4756,7 +4716,7 @@
         </p:nvSpPr>
         <p:spPr>
           <a:xfrm>
-            <a:off x="7102899" y="4364044"/>
+            <a:off x="7635157" y="4316572"/>
             <a:ext cx="1254197" cy="738664"/>
           </a:xfrm>
           <a:prstGeom prst="rect">
@@ -5118,19 +5078,17 @@
           </p:cNvPr>
           <p:cNvCxnSpPr>
             <a:cxnSpLocks/>
-            <a:stCxn id="24" idx="0"/>
-            <a:endCxn id="54" idx="2"/>
           </p:cNvCxnSpPr>
           <p:nvPr/>
         </p:nvCxnSpPr>
         <p:spPr>
-          <a:xfrm rot="5400000" flipH="1" flipV="1">
-            <a:off x="6753993" y="2641631"/>
-            <a:ext cx="1819241" cy="3076440"/>
+          <a:xfrm flipV="1">
+            <a:off x="6816462" y="2680449"/>
+            <a:ext cx="1715841" cy="2675618"/>
           </a:xfrm>
           <a:prstGeom prst="bentConnector3">
             <a:avLst>
-              <a:gd name="adj1" fmla="val 65358"/>
+              <a:gd name="adj1" fmla="val 46157"/>
             </a:avLst>
           </a:prstGeom>
           <a:noFill/>
@@ -5225,254 +5183,41 @@
       </p:cxnSp>
       <p:cxnSp>
         <p:nvCxnSpPr>
-          <p:cNvPr id="40" name="Straight Arrow Connector 39">
-            <a:extLst>
-              <a:ext uri="{FF2B5EF4-FFF2-40B4-BE49-F238E27FC236}">
-                <a16:creationId xmlns:a16="http://schemas.microsoft.com/office/drawing/2014/main" id="{5C96A930-84BC-3041-A1C2-0838C211D222}"/>
+          <p:cNvPr id="106" name="Straight Arrow Connector 105">
+            <a:extLst>
+              <a:ext uri="{FF2B5EF4-FFF2-40B4-BE49-F238E27FC236}">
+                <a16:creationId xmlns:a16="http://schemas.microsoft.com/office/drawing/2014/main" id="{8C935D2A-E3B6-6944-9601-E9768D46D807}"/>
               </a:ext>
             </a:extLst>
           </p:cNvPr>
           <p:cNvCxnSpPr>
             <a:cxnSpLocks/>
-            <a:stCxn id="76" idx="2"/>
-            <a:endCxn id="87" idx="2"/>
+            <a:stCxn id="77" idx="2"/>
+            <a:endCxn id="24" idx="0"/>
           </p:cNvCxnSpPr>
           <p:nvPr/>
         </p:nvCxnSpPr>
         <p:spPr>
           <a:xfrm>
-            <a:off x="5034771" y="3003670"/>
-            <a:ext cx="524611" cy="767497"/>
+            <a:off x="5997106" y="3003670"/>
+            <a:ext cx="0" cy="2085801"/>
           </a:xfrm>
           <a:prstGeom prst="straightConnector1">
             <a:avLst/>
           </a:prstGeom>
-          <a:ln w="25400">
+          <a:noFill/>
+          <a:ln w="25400" cap="flat" cmpd="sng" algn="ctr">
             <a:solidFill>
               <a:schemeClr val="accent4">
                 <a:lumMod val="75000"/>
               </a:schemeClr>
             </a:solidFill>
             <a:prstDash val="dash"/>
-            <a:tailEnd type="triangle"/>
+            <a:miter lim="800000"/>
+            <a:tailEnd type="triangle" w="lg" len="lg"/>
           </a:ln>
-        </p:spPr>
-        <p:style>
-          <a:lnRef idx="1">
-            <a:schemeClr val="accent1"/>
-          </a:lnRef>
-          <a:fillRef idx="0">
-            <a:schemeClr val="accent1"/>
-          </a:fillRef>
-          <a:effectRef idx="0">
-            <a:schemeClr val="accent1"/>
-          </a:effectRef>
-          <a:fontRef idx="minor">
-            <a:schemeClr val="tx1"/>
-          </a:fontRef>
-        </p:style>
-      </p:cxnSp>
-      <p:sp>
-        <p:nvSpPr>
-          <p:cNvPr id="87" name="Oval 86">
-            <a:extLst>
-              <a:ext uri="{FF2B5EF4-FFF2-40B4-BE49-F238E27FC236}">
-                <a16:creationId xmlns:a16="http://schemas.microsoft.com/office/drawing/2014/main" id="{CA6C9072-E18D-5A47-B9D2-B883D90FF579}"/>
-              </a:ext>
-            </a:extLst>
-          </p:cNvPr>
-          <p:cNvSpPr>
-            <a:spLocks noChangeAspect="1"/>
-          </p:cNvSpPr>
-          <p:nvPr/>
-        </p:nvSpPr>
-        <p:spPr>
-          <a:xfrm>
-            <a:off x="5559382" y="3679727"/>
-            <a:ext cx="182880" cy="182880"/>
-          </a:xfrm>
-          <a:prstGeom prst="ellipse">
-            <a:avLst/>
-          </a:prstGeom>
-          <a:noFill/>
-          <a:ln w="25400">
-            <a:solidFill>
-              <a:schemeClr val="accent4">
-                <a:lumMod val="75000"/>
-              </a:schemeClr>
-            </a:solidFill>
-          </a:ln>
-        </p:spPr>
-        <p:style>
-          <a:lnRef idx="2">
-            <a:schemeClr val="accent1">
-              <a:shade val="50000"/>
-            </a:schemeClr>
-          </a:lnRef>
-          <a:fillRef idx="1">
-            <a:schemeClr val="accent1"/>
-          </a:fillRef>
-          <a:effectRef idx="0">
-            <a:schemeClr val="accent1"/>
-          </a:effectRef>
-          <a:fontRef idx="minor">
-            <a:schemeClr val="lt1"/>
-          </a:fontRef>
-        </p:style>
-        <p:txBody>
-          <a:bodyPr rtlCol="0" anchor="ctr"/>
-          <a:lstStyle/>
-          <a:p>
-            <a:pPr algn="ctr"/>
-            <a:endParaRPr lang="en-US"/>
-          </a:p>
-        </p:txBody>
-      </p:sp>
-      <p:cxnSp>
-        <p:nvCxnSpPr>
-          <p:cNvPr id="106" name="Straight Arrow Connector 105">
-            <a:extLst>
-              <a:ext uri="{FF2B5EF4-FFF2-40B4-BE49-F238E27FC236}">
-                <a16:creationId xmlns:a16="http://schemas.microsoft.com/office/drawing/2014/main" id="{8C935D2A-E3B6-6944-9601-E9768D46D807}"/>
-              </a:ext>
-            </a:extLst>
-          </p:cNvPr>
-          <p:cNvCxnSpPr>
-            <a:cxnSpLocks/>
-            <a:stCxn id="77" idx="2"/>
-            <a:endCxn id="87" idx="0"/>
-          </p:cNvCxnSpPr>
-          <p:nvPr/>
-        </p:nvCxnSpPr>
-        <p:spPr>
-          <a:xfrm flipH="1">
-            <a:off x="5650822" y="3003670"/>
-            <a:ext cx="346284" cy="676057"/>
-          </a:xfrm>
-          <a:prstGeom prst="straightConnector1">
-            <a:avLst/>
-          </a:prstGeom>
-          <a:ln w="25400">
-            <a:solidFill>
-              <a:schemeClr val="accent4">
-                <a:lumMod val="75000"/>
-              </a:schemeClr>
-            </a:solidFill>
-            <a:prstDash val="dash"/>
-            <a:tailEnd type="triangle"/>
-          </a:ln>
-        </p:spPr>
-        <p:style>
-          <a:lnRef idx="1">
-            <a:schemeClr val="accent1"/>
-          </a:lnRef>
-          <a:fillRef idx="0">
-            <a:schemeClr val="accent1"/>
-          </a:fillRef>
-          <a:effectRef idx="0">
-            <a:schemeClr val="accent1"/>
-          </a:effectRef>
-          <a:fontRef idx="minor">
-            <a:schemeClr val="tx1"/>
-          </a:fontRef>
-        </p:style>
-      </p:cxnSp>
-      <p:cxnSp>
-        <p:nvCxnSpPr>
-          <p:cNvPr id="109" name="Straight Arrow Connector 108">
-            <a:extLst>
-              <a:ext uri="{FF2B5EF4-FFF2-40B4-BE49-F238E27FC236}">
-                <a16:creationId xmlns:a16="http://schemas.microsoft.com/office/drawing/2014/main" id="{61B45BE4-D6DA-8F48-B61A-51C2C4E75204}"/>
-              </a:ext>
-            </a:extLst>
-          </p:cNvPr>
-          <p:cNvCxnSpPr>
-            <a:cxnSpLocks/>
-            <a:stCxn id="78" idx="2"/>
-            <a:endCxn id="87" idx="6"/>
-          </p:cNvCxnSpPr>
-          <p:nvPr/>
-        </p:nvCxnSpPr>
-        <p:spPr>
-          <a:xfrm flipH="1">
-            <a:off x="5742262" y="3003670"/>
-            <a:ext cx="1217179" cy="767497"/>
-          </a:xfrm>
-          <a:prstGeom prst="straightConnector1">
-            <a:avLst/>
-          </a:prstGeom>
-          <a:ln w="25400">
-            <a:solidFill>
-              <a:schemeClr val="accent4">
-                <a:lumMod val="75000"/>
-              </a:schemeClr>
-            </a:solidFill>
-            <a:prstDash val="dash"/>
-            <a:tailEnd type="triangle"/>
-          </a:ln>
-        </p:spPr>
-        <p:style>
-          <a:lnRef idx="1">
-            <a:schemeClr val="accent1"/>
-          </a:lnRef>
-          <a:fillRef idx="0">
-            <a:schemeClr val="accent1"/>
-          </a:fillRef>
-          <a:effectRef idx="0">
-            <a:schemeClr val="accent1"/>
-          </a:effectRef>
-          <a:fontRef idx="minor">
-            <a:schemeClr val="tx1"/>
-          </a:fontRef>
-        </p:style>
-      </p:cxnSp>
-      <p:cxnSp>
-        <p:nvCxnSpPr>
-          <p:cNvPr id="115" name="Straight Arrow Connector 114">
-            <a:extLst>
-              <a:ext uri="{FF2B5EF4-FFF2-40B4-BE49-F238E27FC236}">
-                <a16:creationId xmlns:a16="http://schemas.microsoft.com/office/drawing/2014/main" id="{84B73658-5FF1-BE4D-A839-5F97D1CADEF1}"/>
-              </a:ext>
-            </a:extLst>
-          </p:cNvPr>
-          <p:cNvCxnSpPr>
-            <a:cxnSpLocks/>
-            <a:stCxn id="87" idx="4"/>
-          </p:cNvCxnSpPr>
-          <p:nvPr/>
-        </p:nvCxnSpPr>
-        <p:spPr>
-          <a:xfrm>
-            <a:off x="5650822" y="3862607"/>
-            <a:ext cx="6610" cy="1764801"/>
-          </a:xfrm>
-          <a:prstGeom prst="straightConnector1">
-            <a:avLst/>
-          </a:prstGeom>
-          <a:ln w="25400">
-            <a:solidFill>
-              <a:schemeClr val="accent4">
-                <a:lumMod val="75000"/>
-              </a:schemeClr>
-            </a:solidFill>
-            <a:prstDash val="dash"/>
-            <a:tailEnd type="triangle"/>
-          </a:ln>
-        </p:spPr>
-        <p:style>
-          <a:lnRef idx="1">
-            <a:schemeClr val="accent1"/>
-          </a:lnRef>
-          <a:fillRef idx="0">
-            <a:schemeClr val="accent1"/>
-          </a:fillRef>
-          <a:effectRef idx="0">
-            <a:schemeClr val="accent1"/>
-          </a:effectRef>
-          <a:fontRef idx="minor">
-            <a:schemeClr val="tx1"/>
-          </a:fontRef>
-        </p:style>
+          <a:effectLst/>
+        </p:spPr>
       </p:cxnSp>
       <p:grpSp>
         <p:nvGrpSpPr>
@@ -6413,10 +6158,10 @@
       </p:sp>
       <p:sp>
         <p:nvSpPr>
-          <p:cNvPr id="90" name="TextBox 89">
-            <a:extLst>
-              <a:ext uri="{FF2B5EF4-FFF2-40B4-BE49-F238E27FC236}">
-                <a16:creationId xmlns:a16="http://schemas.microsoft.com/office/drawing/2014/main" id="{F72EDA13-3023-F544-9568-8433B3292E59}"/>
+          <p:cNvPr id="92" name="TextBox 91">
+            <a:extLst>
+              <a:ext uri="{FF2B5EF4-FFF2-40B4-BE49-F238E27FC236}">
+                <a16:creationId xmlns:a16="http://schemas.microsoft.com/office/drawing/2014/main" id="{C8B9378D-E069-5E43-A1D1-C030C23C26D6}"/>
               </a:ext>
             </a:extLst>
           </p:cNvPr>
@@ -6425,7 +6170,7 @@
         </p:nvSpPr>
         <p:spPr>
           <a:xfrm>
-            <a:off x="5075224" y="3118068"/>
+            <a:off x="5834702" y="3286469"/>
             <a:ext cx="297180" cy="369332"/>
           </a:xfrm>
           <a:prstGeom prst="rect">
@@ -6460,17 +6205,17 @@
                   </a:schemeClr>
                 </a:solidFill>
               </a:rPr>
-              <a:t>8</a:t>
-            </a:r>
-          </a:p>
-        </p:txBody>
-      </p:sp>
-      <p:sp>
-        <p:nvSpPr>
-          <p:cNvPr id="92" name="TextBox 91">
-            <a:extLst>
-              <a:ext uri="{FF2B5EF4-FFF2-40B4-BE49-F238E27FC236}">
-                <a16:creationId xmlns:a16="http://schemas.microsoft.com/office/drawing/2014/main" id="{C8B9378D-E069-5E43-A1D1-C030C23C26D6}"/>
+              <a:t>9</a:t>
+            </a:r>
+          </a:p>
+        </p:txBody>
+      </p:sp>
+      <p:sp>
+        <p:nvSpPr>
+          <p:cNvPr id="94" name="TextBox 93">
+            <a:extLst>
+              <a:ext uri="{FF2B5EF4-FFF2-40B4-BE49-F238E27FC236}">
+                <a16:creationId xmlns:a16="http://schemas.microsoft.com/office/drawing/2014/main" id="{0CC0ADAB-FFED-C340-A9EF-F806DD0E31E1}"/>
               </a:ext>
             </a:extLst>
           </p:cNvPr>
@@ -6479,8 +6224,62 @@
         </p:nvSpPr>
         <p:spPr>
           <a:xfrm>
-            <a:off x="5730002" y="3118068"/>
-            <a:ext cx="297180" cy="369332"/>
+            <a:off x="7743647" y="5276905"/>
+            <a:ext cx="481986" cy="369332"/>
+          </a:xfrm>
+          <a:prstGeom prst="rect">
+            <a:avLst/>
+          </a:prstGeom>
+          <a:solidFill>
+            <a:schemeClr val="accent6">
+              <a:lumMod val="40000"/>
+              <a:lumOff val="60000"/>
+            </a:schemeClr>
+          </a:solidFill>
+          <a:ln w="25400">
+            <a:solidFill>
+              <a:schemeClr val="accent6">
+                <a:lumMod val="75000"/>
+              </a:schemeClr>
+            </a:solidFill>
+          </a:ln>
+        </p:spPr>
+        <p:txBody>
+          <a:bodyPr wrap="square" rtlCol="0">
+            <a:spAutoFit/>
+          </a:bodyPr>
+          <a:lstStyle/>
+          <a:p>
+            <a:pPr algn="ctr"/>
+            <a:r>
+              <a:rPr lang="en-US" b="1" dirty="0">
+                <a:solidFill>
+                  <a:schemeClr val="accent6">
+                    <a:lumMod val="75000"/>
+                  </a:schemeClr>
+                </a:solidFill>
+              </a:rPr>
+              <a:t>11</a:t>
+            </a:r>
+          </a:p>
+        </p:txBody>
+      </p:sp>
+      <p:sp>
+        <p:nvSpPr>
+          <p:cNvPr id="95" name="TextBox 94">
+            <a:extLst>
+              <a:ext uri="{FF2B5EF4-FFF2-40B4-BE49-F238E27FC236}">
+                <a16:creationId xmlns:a16="http://schemas.microsoft.com/office/drawing/2014/main" id="{955074F7-B7FF-8B4A-A57E-D123CD396386}"/>
+              </a:ext>
+            </a:extLst>
+          </p:cNvPr>
+          <p:cNvSpPr txBox="1"/>
+          <p:nvPr/>
+        </p:nvSpPr>
+        <p:spPr>
+          <a:xfrm>
+            <a:off x="7320563" y="3522849"/>
+            <a:ext cx="481986" cy="369332"/>
           </a:xfrm>
           <a:prstGeom prst="rect">
             <a:avLst/>
@@ -6514,17 +6313,17 @@
                   </a:schemeClr>
                 </a:solidFill>
               </a:rPr>
-              <a:t>9</a:t>
-            </a:r>
-          </a:p>
-        </p:txBody>
-      </p:sp>
-      <p:sp>
-        <p:nvSpPr>
-          <p:cNvPr id="94" name="TextBox 93">
-            <a:extLst>
-              <a:ext uri="{FF2B5EF4-FFF2-40B4-BE49-F238E27FC236}">
-                <a16:creationId xmlns:a16="http://schemas.microsoft.com/office/drawing/2014/main" id="{0CC0ADAB-FFED-C340-A9EF-F806DD0E31E1}"/>
+              <a:t>12</a:t>
+            </a:r>
+          </a:p>
+        </p:txBody>
+      </p:sp>
+      <p:sp>
+        <p:nvSpPr>
+          <p:cNvPr id="96" name="TextBox 95">
+            <a:extLst>
+              <a:ext uri="{FF2B5EF4-FFF2-40B4-BE49-F238E27FC236}">
+                <a16:creationId xmlns:a16="http://schemas.microsoft.com/office/drawing/2014/main" id="{F5995287-6C5B-2049-BDBC-7533E75F350E}"/>
               </a:ext>
             </a:extLst>
           </p:cNvPr>
@@ -6533,23 +6332,21 @@
         </p:nvSpPr>
         <p:spPr>
           <a:xfrm>
-            <a:off x="7537027" y="5276905"/>
+            <a:off x="8994280" y="4040918"/>
             <a:ext cx="481986" cy="369332"/>
           </a:xfrm>
           <a:prstGeom prst="rect">
             <a:avLst/>
           </a:prstGeom>
           <a:solidFill>
-            <a:schemeClr val="accent6">
+            <a:schemeClr val="accent2">
               <a:lumMod val="40000"/>
               <a:lumOff val="60000"/>
             </a:schemeClr>
           </a:solidFill>
           <a:ln w="25400">
             <a:solidFill>
-              <a:schemeClr val="accent6">
-                <a:lumMod val="75000"/>
-              </a:schemeClr>
+              <a:srgbClr val="C00000"/>
             </a:solidFill>
           </a:ln>
         </p:spPr>
@@ -6563,22 +6360,20 @@
             <a:r>
               <a:rPr lang="en-US" b="1" dirty="0">
                 <a:solidFill>
-                  <a:schemeClr val="accent6">
-                    <a:lumMod val="75000"/>
-                  </a:schemeClr>
+                  <a:srgbClr val="C00000"/>
                 </a:solidFill>
               </a:rPr>
-              <a:t>11</a:t>
-            </a:r>
-          </a:p>
-        </p:txBody>
-      </p:sp>
-      <p:sp>
-        <p:nvSpPr>
-          <p:cNvPr id="95" name="TextBox 94">
-            <a:extLst>
-              <a:ext uri="{FF2B5EF4-FFF2-40B4-BE49-F238E27FC236}">
-                <a16:creationId xmlns:a16="http://schemas.microsoft.com/office/drawing/2014/main" id="{955074F7-B7FF-8B4A-A57E-D123CD396386}"/>
+              <a:t>13</a:t>
+            </a:r>
+          </a:p>
+        </p:txBody>
+      </p:sp>
+      <p:sp>
+        <p:nvSpPr>
+          <p:cNvPr id="97" name="TextBox 96">
+            <a:extLst>
+              <a:ext uri="{FF2B5EF4-FFF2-40B4-BE49-F238E27FC236}">
+                <a16:creationId xmlns:a16="http://schemas.microsoft.com/office/drawing/2014/main" id="{E713F805-3CF5-684C-81FB-5D5321772451}"/>
               </a:ext>
             </a:extLst>
           </p:cNvPr>
@@ -6587,7 +6382,7 @@
         </p:nvSpPr>
         <p:spPr>
           <a:xfrm>
-            <a:off x="5868650" y="4266559"/>
+            <a:off x="10692935" y="4898507"/>
             <a:ext cx="481986" cy="369332"/>
           </a:xfrm>
           <a:prstGeom prst="rect">
@@ -6622,17 +6417,17 @@
                   </a:schemeClr>
                 </a:solidFill>
               </a:rPr>
-              <a:t>12</a:t>
-            </a:r>
-          </a:p>
-        </p:txBody>
-      </p:sp>
-      <p:sp>
-        <p:nvSpPr>
-          <p:cNvPr id="96" name="TextBox 95">
-            <a:extLst>
-              <a:ext uri="{FF2B5EF4-FFF2-40B4-BE49-F238E27FC236}">
-                <a16:creationId xmlns:a16="http://schemas.microsoft.com/office/drawing/2014/main" id="{F5995287-6C5B-2049-BDBC-7533E75F350E}"/>
+              <a:t>14</a:t>
+            </a:r>
+          </a:p>
+        </p:txBody>
+      </p:sp>
+      <p:sp>
+        <p:nvSpPr>
+          <p:cNvPr id="98" name="TextBox 97">
+            <a:extLst>
+              <a:ext uri="{FF2B5EF4-FFF2-40B4-BE49-F238E27FC236}">
+                <a16:creationId xmlns:a16="http://schemas.microsoft.com/office/drawing/2014/main" id="{4E29A9A4-6A48-9348-AF91-21BA80C6C07B}"/>
               </a:ext>
             </a:extLst>
           </p:cNvPr>
@@ -6641,57 +6436,7 @@
         </p:nvSpPr>
         <p:spPr>
           <a:xfrm>
-            <a:off x="8994280" y="4040918"/>
-            <a:ext cx="481986" cy="369332"/>
-          </a:xfrm>
-          <a:prstGeom prst="rect">
-            <a:avLst/>
-          </a:prstGeom>
-          <a:solidFill>
-            <a:schemeClr val="accent2">
-              <a:lumMod val="40000"/>
-              <a:lumOff val="60000"/>
-            </a:schemeClr>
-          </a:solidFill>
-          <a:ln w="25400">
-            <a:solidFill>
-              <a:srgbClr val="C00000"/>
-            </a:solidFill>
-          </a:ln>
-        </p:spPr>
-        <p:txBody>
-          <a:bodyPr wrap="square" rtlCol="0">
-            <a:spAutoFit/>
-          </a:bodyPr>
-          <a:lstStyle/>
-          <a:p>
-            <a:pPr algn="ctr"/>
-            <a:r>
-              <a:rPr lang="en-US" b="1" dirty="0">
-                <a:solidFill>
-                  <a:srgbClr val="C00000"/>
-                </a:solidFill>
-              </a:rPr>
-              <a:t>13</a:t>
-            </a:r>
-          </a:p>
-        </p:txBody>
-      </p:sp>
-      <p:sp>
-        <p:nvSpPr>
-          <p:cNvPr id="97" name="TextBox 96">
-            <a:extLst>
-              <a:ext uri="{FF2B5EF4-FFF2-40B4-BE49-F238E27FC236}">
-                <a16:creationId xmlns:a16="http://schemas.microsoft.com/office/drawing/2014/main" id="{E713F805-3CF5-684C-81FB-5D5321772451}"/>
-              </a:ext>
-            </a:extLst>
-          </p:cNvPr>
-          <p:cNvSpPr txBox="1"/>
-          <p:nvPr/>
-        </p:nvSpPr>
-        <p:spPr>
-          <a:xfrm>
-            <a:off x="10692935" y="4898507"/>
+            <a:off x="10991608" y="2798189"/>
             <a:ext cx="481986" cy="369332"/>
           </a:xfrm>
           <a:prstGeom prst="rect">
@@ -6726,60 +6471,6 @@
                   </a:schemeClr>
                 </a:solidFill>
               </a:rPr>
-              <a:t>14</a:t>
-            </a:r>
-          </a:p>
-        </p:txBody>
-      </p:sp>
-      <p:sp>
-        <p:nvSpPr>
-          <p:cNvPr id="98" name="TextBox 97">
-            <a:extLst>
-              <a:ext uri="{FF2B5EF4-FFF2-40B4-BE49-F238E27FC236}">
-                <a16:creationId xmlns:a16="http://schemas.microsoft.com/office/drawing/2014/main" id="{4E29A9A4-6A48-9348-AF91-21BA80C6C07B}"/>
-              </a:ext>
-            </a:extLst>
-          </p:cNvPr>
-          <p:cNvSpPr txBox="1"/>
-          <p:nvPr/>
-        </p:nvSpPr>
-        <p:spPr>
-          <a:xfrm>
-            <a:off x="10991608" y="2798189"/>
-            <a:ext cx="481986" cy="369332"/>
-          </a:xfrm>
-          <a:prstGeom prst="rect">
-            <a:avLst/>
-          </a:prstGeom>
-          <a:solidFill>
-            <a:schemeClr val="accent4">
-              <a:lumMod val="40000"/>
-              <a:lumOff val="60000"/>
-            </a:schemeClr>
-          </a:solidFill>
-          <a:ln w="25400">
-            <a:solidFill>
-              <a:schemeClr val="accent4">
-                <a:lumMod val="75000"/>
-              </a:schemeClr>
-            </a:solidFill>
-          </a:ln>
-        </p:spPr>
-        <p:txBody>
-          <a:bodyPr wrap="square" rtlCol="0">
-            <a:spAutoFit/>
-          </a:bodyPr>
-          <a:lstStyle/>
-          <a:p>
-            <a:pPr algn="ctr"/>
-            <a:r>
-              <a:rPr lang="en-US" b="1" dirty="0">
-                <a:solidFill>
-                  <a:schemeClr val="accent4">
-                    <a:lumMod val="75000"/>
-                  </a:schemeClr>
-                </a:solidFill>
-              </a:rPr>
               <a:t>15</a:t>
             </a:r>
           </a:p>
@@ -6881,60 +6572,6 @@
                 </a:solidFill>
               </a:rPr>
               <a:t>5</a:t>
-            </a:r>
-          </a:p>
-        </p:txBody>
-      </p:sp>
-      <p:sp>
-        <p:nvSpPr>
-          <p:cNvPr id="104" name="TextBox 103">
-            <a:extLst>
-              <a:ext uri="{FF2B5EF4-FFF2-40B4-BE49-F238E27FC236}">
-                <a16:creationId xmlns:a16="http://schemas.microsoft.com/office/drawing/2014/main" id="{8FF9DF29-8FC9-A74D-A896-3FC80ADACA58}"/>
-              </a:ext>
-            </a:extLst>
-          </p:cNvPr>
-          <p:cNvSpPr txBox="1"/>
-          <p:nvPr/>
-        </p:nvSpPr>
-        <p:spPr>
-          <a:xfrm>
-            <a:off x="6321020" y="3118068"/>
-            <a:ext cx="457490" cy="369332"/>
-          </a:xfrm>
-          <a:prstGeom prst="rect">
-            <a:avLst/>
-          </a:prstGeom>
-          <a:solidFill>
-            <a:schemeClr val="accent4">
-              <a:lumMod val="40000"/>
-              <a:lumOff val="60000"/>
-            </a:schemeClr>
-          </a:solidFill>
-          <a:ln w="25400">
-            <a:solidFill>
-              <a:schemeClr val="accent4">
-                <a:lumMod val="75000"/>
-              </a:schemeClr>
-            </a:solidFill>
-          </a:ln>
-        </p:spPr>
-        <p:txBody>
-          <a:bodyPr wrap="square" rtlCol="0">
-            <a:spAutoFit/>
-          </a:bodyPr>
-          <a:lstStyle/>
-          <a:p>
-            <a:pPr algn="ctr"/>
-            <a:r>
-              <a:rPr lang="en-US" b="1" dirty="0">
-                <a:solidFill>
-                  <a:schemeClr val="accent4">
-                    <a:lumMod val="75000"/>
-                  </a:schemeClr>
-                </a:solidFill>
-              </a:rPr>
-              <a:t>10</a:t>
             </a:r>
           </a:p>
         </p:txBody>
@@ -7886,6 +7523,332 @@
                 <a:sym typeface="Arial"/>
               </a:rPr>
               <a:t>Population</a:t>
+            </a:r>
+          </a:p>
+        </p:txBody>
+      </p:sp>
+      <p:cxnSp>
+        <p:nvCxnSpPr>
+          <p:cNvPr id="93" name="Straight Arrow Connector 129">
+            <a:extLst>
+              <a:ext uri="{FF2B5EF4-FFF2-40B4-BE49-F238E27FC236}">
+                <a16:creationId xmlns:a16="http://schemas.microsoft.com/office/drawing/2014/main" id="{7BD44C0A-863E-4D8C-8FF5-E48E77AE9EFC}"/>
+              </a:ext>
+            </a:extLst>
+          </p:cNvPr>
+          <p:cNvCxnSpPr>
+            <a:cxnSpLocks/>
+            <a:stCxn id="78" idx="2"/>
+          </p:cNvCxnSpPr>
+          <p:nvPr/>
+        </p:nvCxnSpPr>
+        <p:spPr>
+          <a:xfrm rot="5400000">
+            <a:off x="5727723" y="3837522"/>
+            <a:ext cx="2065570" cy="397866"/>
+          </a:xfrm>
+          <a:prstGeom prst="bentConnector3">
+            <a:avLst>
+              <a:gd name="adj1" fmla="val 50000"/>
+            </a:avLst>
+          </a:prstGeom>
+          <a:noFill/>
+          <a:ln w="25400" cap="flat" cmpd="sng" algn="ctr">
+            <a:solidFill>
+              <a:schemeClr val="accent4">
+                <a:lumMod val="75000"/>
+              </a:schemeClr>
+            </a:solidFill>
+            <a:prstDash val="dash"/>
+            <a:miter lim="800000"/>
+            <a:tailEnd type="triangle" w="lg" len="lg"/>
+          </a:ln>
+          <a:effectLst/>
+        </p:spPr>
+      </p:cxnSp>
+      <p:sp>
+        <p:nvSpPr>
+          <p:cNvPr id="104" name="TextBox 103">
+            <a:extLst>
+              <a:ext uri="{FF2B5EF4-FFF2-40B4-BE49-F238E27FC236}">
+                <a16:creationId xmlns:a16="http://schemas.microsoft.com/office/drawing/2014/main" id="{8FF9DF29-8FC9-A74D-A896-3FC80ADACA58}"/>
+              </a:ext>
+            </a:extLst>
+          </p:cNvPr>
+          <p:cNvSpPr txBox="1"/>
+          <p:nvPr/>
+        </p:nvSpPr>
+        <p:spPr>
+          <a:xfrm>
+            <a:off x="6719891" y="3282553"/>
+            <a:ext cx="457490" cy="369332"/>
+          </a:xfrm>
+          <a:prstGeom prst="rect">
+            <a:avLst/>
+          </a:prstGeom>
+          <a:solidFill>
+            <a:schemeClr val="accent4">
+              <a:lumMod val="40000"/>
+              <a:lumOff val="60000"/>
+            </a:schemeClr>
+          </a:solidFill>
+          <a:ln w="25400">
+            <a:solidFill>
+              <a:schemeClr val="accent4">
+                <a:lumMod val="75000"/>
+              </a:schemeClr>
+            </a:solidFill>
+          </a:ln>
+        </p:spPr>
+        <p:txBody>
+          <a:bodyPr wrap="square" rtlCol="0">
+            <a:spAutoFit/>
+          </a:bodyPr>
+          <a:lstStyle/>
+          <a:p>
+            <a:pPr algn="ctr"/>
+            <a:r>
+              <a:rPr lang="en-US" b="1" dirty="0">
+                <a:solidFill>
+                  <a:schemeClr val="accent4">
+                    <a:lumMod val="75000"/>
+                  </a:schemeClr>
+                </a:solidFill>
+              </a:rPr>
+              <a:t>10</a:t>
+            </a:r>
+          </a:p>
+        </p:txBody>
+      </p:sp>
+      <p:cxnSp>
+        <p:nvCxnSpPr>
+          <p:cNvPr id="100" name="Straight Arrow Connector 129">
+            <a:extLst>
+              <a:ext uri="{FF2B5EF4-FFF2-40B4-BE49-F238E27FC236}">
+                <a16:creationId xmlns:a16="http://schemas.microsoft.com/office/drawing/2014/main" id="{DF79BE50-8645-45B8-9D27-56623488135F}"/>
+              </a:ext>
+            </a:extLst>
+          </p:cNvPr>
+          <p:cNvCxnSpPr>
+            <a:cxnSpLocks/>
+            <a:stCxn id="76" idx="2"/>
+          </p:cNvCxnSpPr>
+          <p:nvPr/>
+        </p:nvCxnSpPr>
+        <p:spPr>
+          <a:xfrm rot="16200000" flipH="1">
+            <a:off x="4260500" y="3777941"/>
+            <a:ext cx="2085801" cy="537258"/>
+          </a:xfrm>
+          <a:prstGeom prst="bentConnector3">
+            <a:avLst>
+              <a:gd name="adj1" fmla="val 50000"/>
+            </a:avLst>
+          </a:prstGeom>
+          <a:noFill/>
+          <a:ln w="25400" cap="flat" cmpd="sng" algn="ctr">
+            <a:solidFill>
+              <a:schemeClr val="accent4">
+                <a:lumMod val="75000"/>
+              </a:schemeClr>
+            </a:solidFill>
+            <a:prstDash val="dash"/>
+            <a:miter lim="800000"/>
+            <a:tailEnd type="triangle" w="lg" len="lg"/>
+          </a:ln>
+          <a:effectLst/>
+        </p:spPr>
+      </p:cxnSp>
+      <p:sp>
+        <p:nvSpPr>
+          <p:cNvPr id="90" name="TextBox 89">
+            <a:extLst>
+              <a:ext uri="{FF2B5EF4-FFF2-40B4-BE49-F238E27FC236}">
+                <a16:creationId xmlns:a16="http://schemas.microsoft.com/office/drawing/2014/main" id="{F72EDA13-3023-F544-9568-8433B3292E59}"/>
+              </a:ext>
+            </a:extLst>
+          </p:cNvPr>
+          <p:cNvSpPr txBox="1"/>
+          <p:nvPr/>
+        </p:nvSpPr>
+        <p:spPr>
+          <a:xfrm>
+            <a:off x="4886181" y="3270230"/>
+            <a:ext cx="297180" cy="369332"/>
+          </a:xfrm>
+          <a:prstGeom prst="rect">
+            <a:avLst/>
+          </a:prstGeom>
+          <a:solidFill>
+            <a:schemeClr val="accent4">
+              <a:lumMod val="40000"/>
+              <a:lumOff val="60000"/>
+            </a:schemeClr>
+          </a:solidFill>
+          <a:ln w="25400">
+            <a:solidFill>
+              <a:schemeClr val="accent4">
+                <a:lumMod val="75000"/>
+              </a:schemeClr>
+            </a:solidFill>
+          </a:ln>
+        </p:spPr>
+        <p:txBody>
+          <a:bodyPr wrap="square" rtlCol="0">
+            <a:spAutoFit/>
+          </a:bodyPr>
+          <a:lstStyle/>
+          <a:p>
+            <a:pPr algn="ctr"/>
+            <a:r>
+              <a:rPr lang="en-US" b="1" dirty="0">
+                <a:solidFill>
+                  <a:schemeClr val="accent4">
+                    <a:lumMod val="75000"/>
+                  </a:schemeClr>
+                </a:solidFill>
+              </a:rPr>
+              <a:t>8</a:t>
+            </a:r>
+          </a:p>
+        </p:txBody>
+      </p:sp>
+      <p:sp>
+        <p:nvSpPr>
+          <p:cNvPr id="107" name="TextBox 106">
+            <a:extLst>
+              <a:ext uri="{FF2B5EF4-FFF2-40B4-BE49-F238E27FC236}">
+                <a16:creationId xmlns:a16="http://schemas.microsoft.com/office/drawing/2014/main" id="{3218D5BB-EB76-46E2-93B4-9E1CD3B5EBDF}"/>
+              </a:ext>
+            </a:extLst>
+          </p:cNvPr>
+          <p:cNvSpPr txBox="1"/>
+          <p:nvPr/>
+        </p:nvSpPr>
+        <p:spPr>
+          <a:xfrm>
+            <a:off x="4296904" y="4095181"/>
+            <a:ext cx="1254197" cy="523220"/>
+          </a:xfrm>
+          <a:prstGeom prst="rect">
+            <a:avLst/>
+          </a:prstGeom>
+          <a:noFill/>
+        </p:spPr>
+        <p:txBody>
+          <a:bodyPr wrap="square" rtlCol="0">
+            <a:spAutoFit/>
+          </a:bodyPr>
+          <a:lstStyle/>
+          <a:p>
+            <a:pPr algn="r"/>
+            <a:r>
+              <a:rPr lang="en-US" sz="1400" b="1" dirty="0">
+                <a:solidFill>
+                  <a:schemeClr val="accent1"/>
+                </a:solidFill>
+              </a:rPr>
+              <a:t>Runoff by Basin</a:t>
+            </a:r>
+          </a:p>
+        </p:txBody>
+      </p:sp>
+      <p:sp>
+        <p:nvSpPr>
+          <p:cNvPr id="108" name="TextBox 107">
+            <a:extLst>
+              <a:ext uri="{FF2B5EF4-FFF2-40B4-BE49-F238E27FC236}">
+                <a16:creationId xmlns:a16="http://schemas.microsoft.com/office/drawing/2014/main" id="{C3C50344-8FCA-4773-B9F5-3FB195D364AB}"/>
+              </a:ext>
+            </a:extLst>
+          </p:cNvPr>
+          <p:cNvSpPr txBox="1"/>
+          <p:nvPr/>
+        </p:nvSpPr>
+        <p:spPr>
+          <a:xfrm>
+            <a:off x="5556928" y="3692019"/>
+            <a:ext cx="919721" cy="523220"/>
+          </a:xfrm>
+          <a:prstGeom prst="rect">
+            <a:avLst/>
+          </a:prstGeom>
+          <a:noFill/>
+        </p:spPr>
+        <p:txBody>
+          <a:bodyPr wrap="square" rtlCol="0">
+            <a:spAutoFit/>
+          </a:bodyPr>
+          <a:lstStyle/>
+          <a:p>
+            <a:pPr algn="ctr"/>
+            <a:r>
+              <a:rPr lang="en-US" sz="1400" b="1" dirty="0">
+                <a:solidFill>
+                  <a:schemeClr val="accent1"/>
+                </a:solidFill>
+              </a:rPr>
+              <a:t>HDD/CDD </a:t>
+            </a:r>
+          </a:p>
+          <a:p>
+            <a:pPr algn="ctr"/>
+            <a:r>
+              <a:rPr lang="en-US" sz="1400" b="1" dirty="0">
+                <a:solidFill>
+                  <a:schemeClr val="accent1"/>
+                </a:solidFill>
+              </a:rPr>
+              <a:t>by State</a:t>
+            </a:r>
+          </a:p>
+        </p:txBody>
+      </p:sp>
+      <p:sp>
+        <p:nvSpPr>
+          <p:cNvPr id="110" name="TextBox 109">
+            <a:extLst>
+              <a:ext uri="{FF2B5EF4-FFF2-40B4-BE49-F238E27FC236}">
+                <a16:creationId xmlns:a16="http://schemas.microsoft.com/office/drawing/2014/main" id="{F3216295-03FA-4A2C-AE62-DB57451FF6C1}"/>
+              </a:ext>
+            </a:extLst>
+          </p:cNvPr>
+          <p:cNvSpPr txBox="1"/>
+          <p:nvPr/>
+        </p:nvSpPr>
+        <p:spPr>
+          <a:xfrm>
+            <a:off x="6544079" y="4054962"/>
+            <a:ext cx="1254197" cy="523220"/>
+          </a:xfrm>
+          <a:prstGeom prst="rect">
+            <a:avLst/>
+          </a:prstGeom>
+          <a:noFill/>
+        </p:spPr>
+        <p:txBody>
+          <a:bodyPr wrap="square" rtlCol="0">
+            <a:spAutoFit/>
+          </a:bodyPr>
+          <a:lstStyle/>
+          <a:p>
+            <a:r>
+              <a:rPr lang="en-US" sz="1400" b="1" dirty="0">
+                <a:solidFill>
+                  <a:schemeClr val="accent1"/>
+                </a:solidFill>
+              </a:rPr>
+              <a:t>Ag Yields</a:t>
+            </a:r>
+          </a:p>
+          <a:p>
+            <a:r>
+              <a:rPr lang="en-US" sz="1400" b="1" dirty="0">
+                <a:solidFill>
+                  <a:schemeClr val="accent1"/>
+                </a:solidFill>
+              </a:rPr>
+              <a:t>By Basin</a:t>
             </a:r>
           </a:p>
         </p:txBody>

--- a/experiment_diagram/experiment-B-N6_interconnect.pptx
+++ b/experiment_diagram/experiment-B-N6_interconnect.pptx
@@ -816,7 +816,7 @@
           <a:p>
             <a:fld id="{50E52EA3-2204-804F-9678-85900D481E2E}" type="datetimeFigureOut">
               <a:rPr lang="en-US" smtClean="0"/>
-              <a:t>5/2/2022</a:t>
+              <a:t>5/2/22</a:t>
             </a:fld>
             <a:endParaRPr lang="en-US"/>
           </a:p>
@@ -1014,7 +1014,7 @@
           <a:p>
             <a:fld id="{50E52EA3-2204-804F-9678-85900D481E2E}" type="datetimeFigureOut">
               <a:rPr lang="en-US" smtClean="0"/>
-              <a:t>5/2/2022</a:t>
+              <a:t>5/2/22</a:t>
             </a:fld>
             <a:endParaRPr lang="en-US"/>
           </a:p>
@@ -1222,7 +1222,7 @@
           <a:p>
             <a:fld id="{50E52EA3-2204-804F-9678-85900D481E2E}" type="datetimeFigureOut">
               <a:rPr lang="en-US" smtClean="0"/>
-              <a:t>5/2/2022</a:t>
+              <a:t>5/2/22</a:t>
             </a:fld>
             <a:endParaRPr lang="en-US"/>
           </a:p>
@@ -1420,7 +1420,7 @@
           <a:p>
             <a:fld id="{50E52EA3-2204-804F-9678-85900D481E2E}" type="datetimeFigureOut">
               <a:rPr lang="en-US" smtClean="0"/>
-              <a:t>5/2/2022</a:t>
+              <a:t>5/2/22</a:t>
             </a:fld>
             <a:endParaRPr lang="en-US"/>
           </a:p>
@@ -1695,7 +1695,7 @@
           <a:p>
             <a:fld id="{50E52EA3-2204-804F-9678-85900D481E2E}" type="datetimeFigureOut">
               <a:rPr lang="en-US" smtClean="0"/>
-              <a:t>5/2/2022</a:t>
+              <a:t>5/2/22</a:t>
             </a:fld>
             <a:endParaRPr lang="en-US"/>
           </a:p>
@@ -1960,7 +1960,7 @@
           <a:p>
             <a:fld id="{50E52EA3-2204-804F-9678-85900D481E2E}" type="datetimeFigureOut">
               <a:rPr lang="en-US" smtClean="0"/>
-              <a:t>5/2/2022</a:t>
+              <a:t>5/2/22</a:t>
             </a:fld>
             <a:endParaRPr lang="en-US"/>
           </a:p>
@@ -2372,7 +2372,7 @@
           <a:p>
             <a:fld id="{50E52EA3-2204-804F-9678-85900D481E2E}" type="datetimeFigureOut">
               <a:rPr lang="en-US" smtClean="0"/>
-              <a:t>5/2/2022</a:t>
+              <a:t>5/2/22</a:t>
             </a:fld>
             <a:endParaRPr lang="en-US"/>
           </a:p>
@@ -2513,7 +2513,7 @@
           <a:p>
             <a:fld id="{50E52EA3-2204-804F-9678-85900D481E2E}" type="datetimeFigureOut">
               <a:rPr lang="en-US" smtClean="0"/>
-              <a:t>5/2/2022</a:t>
+              <a:t>5/2/22</a:t>
             </a:fld>
             <a:endParaRPr lang="en-US"/>
           </a:p>
@@ -2626,7 +2626,7 @@
           <a:p>
             <a:fld id="{50E52EA3-2204-804F-9678-85900D481E2E}" type="datetimeFigureOut">
               <a:rPr lang="en-US" smtClean="0"/>
-              <a:t>5/2/2022</a:t>
+              <a:t>5/2/22</a:t>
             </a:fld>
             <a:endParaRPr lang="en-US"/>
           </a:p>
@@ -2937,7 +2937,7 @@
           <a:p>
             <a:fld id="{50E52EA3-2204-804F-9678-85900D481E2E}" type="datetimeFigureOut">
               <a:rPr lang="en-US" smtClean="0"/>
-              <a:t>5/2/2022</a:t>
+              <a:t>5/2/22</a:t>
             </a:fld>
             <a:endParaRPr lang="en-US"/>
           </a:p>
@@ -3225,7 +3225,7 @@
           <a:p>
             <a:fld id="{50E52EA3-2204-804F-9678-85900D481E2E}" type="datetimeFigureOut">
               <a:rPr lang="en-US" smtClean="0"/>
-              <a:t>5/2/2022</a:t>
+              <a:t>5/2/22</a:t>
             </a:fld>
             <a:endParaRPr lang="en-US"/>
           </a:p>
@@ -3466,7 +3466,7 @@
           <a:p>
             <a:fld id="{50E52EA3-2204-804F-9678-85900D481E2E}" type="datetimeFigureOut">
               <a:rPr lang="en-US" smtClean="0"/>
-              <a:t>5/2/2022</a:t>
+              <a:t>5/2/22</a:t>
             </a:fld>
             <a:endParaRPr lang="en-US"/>
           </a:p>
@@ -4637,8 +4637,8 @@
         </p:nvSpPr>
         <p:spPr>
           <a:xfrm>
-            <a:off x="7425486" y="3261178"/>
-            <a:ext cx="2180304" cy="523220"/>
+            <a:off x="7845623" y="3475364"/>
+            <a:ext cx="1741398" cy="523220"/>
           </a:xfrm>
           <a:prstGeom prst="rect">
             <a:avLst/>
@@ -4651,7 +4651,6 @@
           </a:bodyPr>
           <a:lstStyle/>
           <a:p>
-            <a:pPr algn="ctr"/>
             <a:r>
               <a:rPr lang="en-US" sz="1400" b="1" dirty="0">
                 <a:solidFill>
@@ -4716,8 +4715,8 @@
         </p:nvSpPr>
         <p:spPr>
           <a:xfrm>
-            <a:off x="7635157" y="4316572"/>
-            <a:ext cx="1254197" cy="738664"/>
+            <a:off x="8305710" y="4189065"/>
+            <a:ext cx="1232255" cy="738664"/>
           </a:xfrm>
           <a:prstGeom prst="rect">
             <a:avLst/>
@@ -4730,25 +4729,13 @@
           </a:bodyPr>
           <a:lstStyle/>
           <a:p>
-            <a:pPr algn="r"/>
             <a:r>
               <a:rPr lang="en-US" sz="1400" b="1" dirty="0">
                 <a:solidFill>
                   <a:schemeClr val="accent1"/>
                 </a:solidFill>
               </a:rPr>
-              <a:t>Fuel prices and generator </a:t>
-            </a:r>
-          </a:p>
-          <a:p>
-            <a:pPr algn="r"/>
-            <a:r>
-              <a:rPr lang="en-US" sz="1400" b="1" dirty="0">
-                <a:solidFill>
-                  <a:schemeClr val="accent1"/>
-                </a:solidFill>
-              </a:rPr>
-              <a:t>variable costs</a:t>
+              <a:t>Fuel prices and generator variable costs</a:t>
             </a:r>
           </a:p>
         </p:txBody>
@@ -5192,14 +5179,12 @@
           </p:cNvPr>
           <p:cNvCxnSpPr>
             <a:cxnSpLocks/>
-            <a:stCxn id="77" idx="2"/>
-            <a:endCxn id="24" idx="0"/>
           </p:cNvCxnSpPr>
           <p:nvPr/>
         </p:nvCxnSpPr>
         <p:spPr>
           <a:xfrm>
-            <a:off x="5997106" y="3003670"/>
+            <a:off x="6069934" y="3003670"/>
             <a:ext cx="0" cy="2085801"/>
           </a:xfrm>
           <a:prstGeom prst="straightConnector1">
@@ -6170,7 +6155,7 @@
         </p:nvSpPr>
         <p:spPr>
           <a:xfrm>
-            <a:off x="5834702" y="3286469"/>
+            <a:off x="5907530" y="3286469"/>
             <a:ext cx="297180" cy="369332"/>
           </a:xfrm>
           <a:prstGeom prst="rect">
@@ -6278,7 +6263,7 @@
         </p:nvSpPr>
         <p:spPr>
           <a:xfrm>
-            <a:off x="7320563" y="3522849"/>
+            <a:off x="7369991" y="3552308"/>
             <a:ext cx="481986" cy="369332"/>
           </a:xfrm>
           <a:prstGeom prst="rect">
@@ -6332,7 +6317,7 @@
         </p:nvSpPr>
         <p:spPr>
           <a:xfrm>
-            <a:off x="8994280" y="4040918"/>
+            <a:off x="9471708" y="4040918"/>
             <a:ext cx="481986" cy="369332"/>
           </a:xfrm>
           <a:prstGeom prst="rect">
@@ -6578,10 +6563,10 @@
       </p:sp>
       <p:sp>
         <p:nvSpPr>
-          <p:cNvPr id="76" name="Rounded Rectangle 75">
-            <a:extLst>
-              <a:ext uri="{FF2B5EF4-FFF2-40B4-BE49-F238E27FC236}">
-                <a16:creationId xmlns:a16="http://schemas.microsoft.com/office/drawing/2014/main" id="{A5AEB2BB-4E50-5D4C-A78A-F7021C22F135}"/>
+          <p:cNvPr id="12" name="Rounded Rectangle 11">
+            <a:extLst>
+              <a:ext uri="{FF2B5EF4-FFF2-40B4-BE49-F238E27FC236}">
+                <a16:creationId xmlns:a16="http://schemas.microsoft.com/office/drawing/2014/main" id="{F0116956-FCCD-0748-BCB3-ABD6C0D6A895}"/>
               </a:ext>
             </a:extLst>
           </p:cNvPr>
@@ -6590,8 +6575,8 @@
         </p:nvSpPr>
         <p:spPr>
           <a:xfrm>
-            <a:off x="4577571" y="2259470"/>
-            <a:ext cx="914400" cy="744200"/>
+            <a:off x="10221601" y="3814394"/>
+            <a:ext cx="1427830" cy="824359"/>
           </a:xfrm>
           <a:prstGeom prst="roundRect">
             <a:avLst/>
@@ -6634,7 +6619,7 @@
               <a:defRPr/>
             </a:pPr>
             <a:r>
-              <a:rPr kumimoji="0" lang="en-US" sz="1200" b="0" i="0" u="none" strike="noStrike" kern="0" cap="none" spc="0" normalizeH="0" baseline="0" noProof="0" dirty="0">
+              <a:rPr kumimoji="0" lang="en-US" sz="1400" b="0" i="0" u="none" strike="noStrike" kern="0" cap="none" spc="0" normalizeH="0" baseline="0" noProof="0" dirty="0">
                 <a:ln>
                   <a:noFill/>
                 </a:ln>
@@ -6649,7 +6634,7 @@
                 <a:cs typeface="+mn-cs"/>
                 <a:sym typeface="Arial"/>
               </a:rPr>
-              <a:t>Water Runoff</a:t>
+              <a:t>Electric Grid Operations</a:t>
             </a:r>
           </a:p>
           <a:p>
@@ -6673,7 +6658,7 @@
               <a:defRPr/>
             </a:pPr>
             <a:r>
-              <a:rPr kumimoji="0" lang="en-US" sz="900" b="0" i="0" u="none" strike="noStrike" kern="0" cap="none" spc="0" normalizeH="0" baseline="0" noProof="0" dirty="0">
+              <a:rPr kumimoji="0" lang="en-US" sz="1400" b="0" i="0" u="none" strike="noStrike" kern="0" cap="none" spc="0" normalizeH="0" baseline="0" noProof="0" dirty="0">
                 <a:ln>
                   <a:noFill/>
                 </a:ln>
@@ -6688,17 +6673,45 @@
                 <a:cs typeface="+mn-cs"/>
                 <a:sym typeface="Arial"/>
               </a:rPr>
-              <a:t>(Xanthos)</a:t>
-            </a:r>
-          </a:p>
-        </p:txBody>
-      </p:sp>
-      <p:sp>
-        <p:nvSpPr>
-          <p:cNvPr id="77" name="Rounded Rectangle 76">
-            <a:extLst>
-              <a:ext uri="{FF2B5EF4-FFF2-40B4-BE49-F238E27FC236}">
-                <a16:creationId xmlns:a16="http://schemas.microsoft.com/office/drawing/2014/main" id="{9AB0B74A-828D-9548-B981-A52F96E3244E}"/>
+              <a:t>(</a:t>
+            </a:r>
+            <a:r>
+              <a:rPr lang="en-US" sz="1400" kern="0" dirty="0">
+                <a:solidFill>
+                  <a:srgbClr val="FFFFFF"/>
+                </a:solidFill>
+                <a:latin typeface="Calibri" panose="020F0502020204030204"/>
+                <a:sym typeface="Arial"/>
+              </a:rPr>
+              <a:t>GO</a:t>
+            </a:r>
+            <a:r>
+              <a:rPr kumimoji="0" lang="en-US" sz="1400" b="0" i="0" u="none" strike="noStrike" kern="0" cap="none" spc="0" normalizeH="0" baseline="0" noProof="0" dirty="0">
+                <a:ln>
+                  <a:noFill/>
+                </a:ln>
+                <a:solidFill>
+                  <a:srgbClr val="FFFFFF"/>
+                </a:solidFill>
+                <a:effectLst/>
+                <a:uLnTx/>
+                <a:uFillTx/>
+                <a:latin typeface="Calibri" panose="020F0502020204030204"/>
+                <a:ea typeface="+mn-ea"/>
+                <a:cs typeface="+mn-cs"/>
+                <a:sym typeface="Arial"/>
+              </a:rPr>
+              <a:t>)</a:t>
+            </a:r>
+          </a:p>
+        </p:txBody>
+      </p:sp>
+      <p:sp>
+        <p:nvSpPr>
+          <p:cNvPr id="24" name="Rounded Rectangle 23">
+            <a:extLst>
+              <a:ext uri="{FF2B5EF4-FFF2-40B4-BE49-F238E27FC236}">
+                <a16:creationId xmlns:a16="http://schemas.microsoft.com/office/drawing/2014/main" id="{1D075DFC-86C8-F549-9F4F-5BAF7DAC4516}"/>
               </a:ext>
             </a:extLst>
           </p:cNvPr>
@@ -6707,8 +6720,8 @@
         </p:nvSpPr>
         <p:spPr>
           <a:xfrm>
-            <a:off x="5539906" y="2259470"/>
-            <a:ext cx="914400" cy="744200"/>
+            <a:off x="5434323" y="5089471"/>
+            <a:ext cx="1382139" cy="744200"/>
           </a:xfrm>
           <a:prstGeom prst="roundRect">
             <a:avLst/>
@@ -6751,7 +6764,7 @@
               <a:defRPr/>
             </a:pPr>
             <a:r>
-              <a:rPr kumimoji="0" lang="en-US" sz="1200" b="0" i="0" u="none" strike="noStrike" kern="0" cap="none" spc="0" normalizeH="0" baseline="0" noProof="0" dirty="0">
+              <a:rPr kumimoji="0" lang="en-US" sz="1400" b="0" i="0" u="none" strike="noStrike" kern="0" cap="none" spc="0" normalizeH="0" baseline="0" noProof="0" dirty="0">
                 <a:ln>
                   <a:noFill/>
                 </a:ln>
@@ -6766,7 +6779,7 @@
                 <a:cs typeface="+mn-cs"/>
                 <a:sym typeface="Arial"/>
               </a:rPr>
-              <a:t>HDH/CDH</a:t>
+              <a:t>Energy, Water, Land Markets</a:t>
             </a:r>
           </a:p>
           <a:p>
@@ -6790,7 +6803,7 @@
               <a:defRPr/>
             </a:pPr>
             <a:r>
-              <a:rPr kumimoji="0" lang="en-US" sz="900" b="0" i="0" u="none" strike="noStrike" kern="0" cap="none" spc="0" normalizeH="0" baseline="0" noProof="0" dirty="0">
+              <a:rPr kumimoji="0" lang="en-US" sz="1400" b="0" i="0" u="none" strike="noStrike" kern="0" cap="none" spc="0" normalizeH="0" baseline="0" noProof="0" dirty="0">
                 <a:ln>
                   <a:noFill/>
                 </a:ln>
@@ -6805,17 +6818,17 @@
                 <a:cs typeface="+mn-cs"/>
                 <a:sym typeface="Arial"/>
               </a:rPr>
-              <a:t>(Helios)</a:t>
-            </a:r>
-          </a:p>
-        </p:txBody>
-      </p:sp>
-      <p:sp>
-        <p:nvSpPr>
-          <p:cNvPr id="78" name="Rounded Rectangle 77">
-            <a:extLst>
-              <a:ext uri="{FF2B5EF4-FFF2-40B4-BE49-F238E27FC236}">
-                <a16:creationId xmlns:a16="http://schemas.microsoft.com/office/drawing/2014/main" id="{2213A539-FE75-2E49-97A2-21078ECCB86B}"/>
+              <a:t>(GCAM-USA)</a:t>
+            </a:r>
+          </a:p>
+        </p:txBody>
+      </p:sp>
+      <p:sp>
+        <p:nvSpPr>
+          <p:cNvPr id="36" name="Rounded Rectangle 35">
+            <a:extLst>
+              <a:ext uri="{FF2B5EF4-FFF2-40B4-BE49-F238E27FC236}">
+                <a16:creationId xmlns:a16="http://schemas.microsoft.com/office/drawing/2014/main" id="{BC28141A-8220-3B48-9D85-19C7DBB3D748}"/>
               </a:ext>
             </a:extLst>
           </p:cNvPr>
@@ -6824,8 +6837,8 @@
         </p:nvSpPr>
         <p:spPr>
           <a:xfrm>
-            <a:off x="6502241" y="2259470"/>
-            <a:ext cx="914400" cy="744200"/>
+            <a:off x="8739578" y="5049392"/>
+            <a:ext cx="1427831" cy="824359"/>
           </a:xfrm>
           <a:prstGeom prst="roundRect">
             <a:avLst/>
@@ -6868,7 +6881,7 @@
               <a:defRPr/>
             </a:pPr>
             <a:r>
-              <a:rPr kumimoji="0" lang="en-US" sz="1200" b="0" i="0" u="none" strike="noStrike" kern="0" cap="none" spc="0" normalizeH="0" baseline="0" noProof="0" dirty="0">
+              <a:rPr kumimoji="0" lang="en-US" sz="1400" b="0" i="0" u="none" strike="noStrike" kern="0" cap="none" spc="0" normalizeH="0" baseline="0" noProof="0" dirty="0">
                 <a:ln>
                   <a:noFill/>
                 </a:ln>
@@ -6883,9 +6896,48 @@
                 <a:cs typeface="+mn-cs"/>
                 <a:sym typeface="Arial"/>
               </a:rPr>
-              <a:t>Ag Yield</a:t>
-            </a:r>
-          </a:p>
+              <a:t>Total ELectricity Loads (TELL)</a:t>
+            </a:r>
+          </a:p>
+        </p:txBody>
+      </p:sp>
+      <p:sp>
+        <p:nvSpPr>
+          <p:cNvPr id="54" name="Rounded Rectangle 53">
+            <a:extLst>
+              <a:ext uri="{FF2B5EF4-FFF2-40B4-BE49-F238E27FC236}">
+                <a16:creationId xmlns:a16="http://schemas.microsoft.com/office/drawing/2014/main" id="{2496E921-A9F4-D645-8C0F-4915E0C64BAC}"/>
+              </a:ext>
+            </a:extLst>
+          </p:cNvPr>
+          <p:cNvSpPr/>
+          <p:nvPr/>
+        </p:nvSpPr>
+        <p:spPr>
+          <a:xfrm>
+            <a:off x="8532303" y="2301675"/>
+            <a:ext cx="1339059" cy="968555"/>
+          </a:xfrm>
+          <a:prstGeom prst="roundRect">
+            <a:avLst/>
+          </a:prstGeom>
+          <a:solidFill>
+            <a:schemeClr val="bg1">
+              <a:lumMod val="50000"/>
+            </a:schemeClr>
+          </a:solidFill>
+          <a:ln w="25400" cap="flat" cmpd="sng" algn="ctr">
+            <a:solidFill>
+              <a:schemeClr val="tx1"/>
+            </a:solidFill>
+            <a:prstDash val="solid"/>
+            <a:miter lim="800000"/>
+          </a:ln>
+          <a:effectLst/>
+        </p:spPr>
+        <p:txBody>
+          <a:bodyPr rtlCol="0" anchor="ctr"/>
+          <a:lstStyle/>
           <a:p>
             <a:pPr marL="0" marR="0" lvl="0" indent="0" algn="ctr" defTabSz="914400" eaLnBrk="1" fontAlgn="auto" latinLnBrk="0" hangingPunct="1">
               <a:lnSpc>
@@ -6907,55 +6959,24 @@
               <a:defRPr/>
             </a:pPr>
             <a:r>
-              <a:rPr lang="en-US" sz="900" kern="0" dirty="0">
+              <a:rPr kumimoji="0" lang="en-US" sz="1400" b="0" i="0" u="none" strike="noStrike" kern="0" cap="none" spc="0" normalizeH="0" baseline="0" noProof="0" dirty="0">
+                <a:ln>
+                  <a:noFill/>
+                </a:ln>
                 <a:solidFill>
                   <a:srgbClr val="FFFFFF"/>
                 </a:solidFill>
+                <a:effectLst/>
+                <a:uLnTx/>
+                <a:uFillTx/>
                 <a:latin typeface="Calibri" panose="020F0502020204030204"/>
+                <a:ea typeface="+mn-ea"/>
+                <a:cs typeface="+mn-cs"/>
                 <a:sym typeface="Arial"/>
               </a:rPr>
-              <a:t>(Osiris)</a:t>
-            </a:r>
-          </a:p>
-        </p:txBody>
-      </p:sp>
-      <p:sp>
-        <p:nvSpPr>
-          <p:cNvPr id="12" name="Rounded Rectangle 11">
-            <a:extLst>
-              <a:ext uri="{FF2B5EF4-FFF2-40B4-BE49-F238E27FC236}">
-                <a16:creationId xmlns:a16="http://schemas.microsoft.com/office/drawing/2014/main" id="{F0116956-FCCD-0748-BCB3-ABD6C0D6A895}"/>
-              </a:ext>
-            </a:extLst>
-          </p:cNvPr>
-          <p:cNvSpPr/>
-          <p:nvPr/>
-        </p:nvSpPr>
-        <p:spPr>
-          <a:xfrm>
-            <a:off x="10221601" y="3814394"/>
-            <a:ext cx="1427830" cy="824359"/>
-          </a:xfrm>
-          <a:prstGeom prst="roundRect">
-            <a:avLst/>
-          </a:prstGeom>
-          <a:solidFill>
-            <a:schemeClr val="bg1">
-              <a:lumMod val="50000"/>
-            </a:schemeClr>
-          </a:solidFill>
-          <a:ln w="25400" cap="flat" cmpd="sng" algn="ctr">
-            <a:solidFill>
-              <a:schemeClr val="tx1"/>
-            </a:solidFill>
-            <a:prstDash val="solid"/>
-            <a:miter lim="800000"/>
-          </a:ln>
-          <a:effectLst/>
-        </p:spPr>
-        <p:txBody>
-          <a:bodyPr rtlCol="0" anchor="ctr"/>
-          <a:lstStyle/>
+              <a:t>Power Plant Siting Feasibility</a:t>
+            </a:r>
+          </a:p>
           <a:p>
             <a:pPr marL="0" marR="0" lvl="0" indent="0" algn="ctr" defTabSz="914400" eaLnBrk="1" fontAlgn="auto" latinLnBrk="0" hangingPunct="1">
               <a:lnSpc>
@@ -6992,9 +7013,48 @@
                 <a:cs typeface="+mn-cs"/>
                 <a:sym typeface="Arial"/>
               </a:rPr>
-              <a:t>Electric Grid Operations</a:t>
-            </a:r>
-          </a:p>
+              <a:t>(CERF) </a:t>
+            </a:r>
+          </a:p>
+        </p:txBody>
+      </p:sp>
+      <p:sp>
+        <p:nvSpPr>
+          <p:cNvPr id="70" name="Rounded Rectangle 69">
+            <a:extLst>
+              <a:ext uri="{FF2B5EF4-FFF2-40B4-BE49-F238E27FC236}">
+                <a16:creationId xmlns:a16="http://schemas.microsoft.com/office/drawing/2014/main" id="{33144FA7-DB63-E44B-B5F6-03C886F88948}"/>
+              </a:ext>
+            </a:extLst>
+          </p:cNvPr>
+          <p:cNvSpPr/>
+          <p:nvPr/>
+        </p:nvSpPr>
+        <p:spPr>
+          <a:xfrm>
+            <a:off x="3630407" y="786870"/>
+            <a:ext cx="1332993" cy="856257"/>
+          </a:xfrm>
+          <a:prstGeom prst="roundRect">
+            <a:avLst/>
+          </a:prstGeom>
+          <a:solidFill>
+            <a:schemeClr val="bg1">
+              <a:lumMod val="50000"/>
+            </a:schemeClr>
+          </a:solidFill>
+          <a:ln w="25400" cap="flat" cmpd="sng" algn="ctr">
+            <a:solidFill>
+              <a:schemeClr val="tx1"/>
+            </a:solidFill>
+            <a:prstDash val="solid"/>
+            <a:miter lim="800000"/>
+          </a:ln>
+          <a:effectLst/>
+        </p:spPr>
+        <p:txBody>
+          <a:bodyPr rtlCol="0" anchor="ctr"/>
+          <a:lstStyle/>
           <a:p>
             <a:pPr marL="0" marR="0" lvl="0" indent="0" algn="ctr" defTabSz="914400" eaLnBrk="1" fontAlgn="auto" latinLnBrk="0" hangingPunct="1">
               <a:lnSpc>
@@ -7016,7 +7076,7 @@
               <a:defRPr/>
             </a:pPr>
             <a:r>
-              <a:rPr kumimoji="0" lang="en-US" sz="1400" b="0" i="0" u="none" strike="noStrike" kern="0" cap="none" spc="0" normalizeH="0" baseline="0" noProof="0" dirty="0">
+              <a:rPr kumimoji="0" lang="en-US" sz="1200" b="0" i="0" u="none" strike="noStrike" kern="0" cap="none" spc="0" normalizeH="0" baseline="0" noProof="0" dirty="0">
                 <a:ln>
                   <a:noFill/>
                 </a:ln>
@@ -7031,45 +7091,418 @@
                 <a:cs typeface="+mn-cs"/>
                 <a:sym typeface="Arial"/>
               </a:rPr>
-              <a:t>(</a:t>
-            </a:r>
+              <a:t>Thermodynamic Global Warming Simulations (WRF)</a:t>
+            </a:r>
+          </a:p>
+        </p:txBody>
+      </p:sp>
+      <p:sp>
+        <p:nvSpPr>
+          <p:cNvPr id="18" name="Rounded Rectangle 17">
+            <a:extLst>
+              <a:ext uri="{FF2B5EF4-FFF2-40B4-BE49-F238E27FC236}">
+                <a16:creationId xmlns:a16="http://schemas.microsoft.com/office/drawing/2014/main" id="{CB3773D0-064F-C840-942F-AED3E66D04EE}"/>
+              </a:ext>
+            </a:extLst>
+          </p:cNvPr>
+          <p:cNvSpPr/>
+          <p:nvPr/>
+        </p:nvSpPr>
+        <p:spPr>
+          <a:xfrm>
+            <a:off x="2715876" y="3799240"/>
+            <a:ext cx="1382139" cy="824359"/>
+          </a:xfrm>
+          <a:prstGeom prst="roundRect">
+            <a:avLst/>
+          </a:prstGeom>
+          <a:solidFill>
+            <a:schemeClr val="bg1">
+              <a:lumMod val="50000"/>
+            </a:schemeClr>
+          </a:solidFill>
+          <a:ln w="25400" cap="flat" cmpd="sng" algn="ctr">
+            <a:solidFill>
+              <a:schemeClr val="tx1"/>
+            </a:solidFill>
+            <a:prstDash val="solid"/>
+            <a:miter lim="800000"/>
+          </a:ln>
+          <a:effectLst/>
+        </p:spPr>
+        <p:txBody>
+          <a:bodyPr rtlCol="0" anchor="ctr"/>
+          <a:lstStyle/>
+          <a:p>
+            <a:pPr lvl="0" algn="ctr">
+              <a:buClr>
+                <a:srgbClr val="000000"/>
+              </a:buClr>
+              <a:defRPr/>
+            </a:pPr>
             <a:r>
               <a:rPr lang="en-US" sz="1400" kern="0" dirty="0">
                 <a:solidFill>
-                  <a:srgbClr val="FFFFFF"/>
+                  <a:schemeClr val="bg1"/>
                 </a:solidFill>
-                <a:latin typeface="Calibri" panose="020F0502020204030204"/>
                 <a:sym typeface="Arial"/>
               </a:rPr>
-              <a:t>GO</a:t>
-            </a:r>
-            <a:r>
-              <a:rPr kumimoji="0" lang="en-US" sz="1400" b="0" i="0" u="none" strike="noStrike" kern="0" cap="none" spc="0" normalizeH="0" baseline="0" noProof="0" dirty="0">
-                <a:ln>
-                  <a:noFill/>
-                </a:ln>
+              <a:t>Gridded</a:t>
+            </a:r>
+          </a:p>
+          <a:p>
+            <a:pPr lvl="0" algn="ctr">
+              <a:buClr>
+                <a:srgbClr val="000000"/>
+              </a:buClr>
+              <a:defRPr/>
+            </a:pPr>
+            <a:r>
+              <a:rPr lang="en-US" sz="1400" kern="0" dirty="0">
                 <a:solidFill>
-                  <a:srgbClr val="FFFFFF"/>
+                  <a:schemeClr val="bg1"/>
                 </a:solidFill>
-                <a:effectLst/>
-                <a:uLnTx/>
-                <a:uFillTx/>
-                <a:latin typeface="Calibri" panose="020F0502020204030204"/>
-                <a:ea typeface="+mn-ea"/>
-                <a:cs typeface="+mn-cs"/>
                 <a:sym typeface="Arial"/>
               </a:rPr>
-              <a:t>)</a:t>
-            </a:r>
-          </a:p>
-        </p:txBody>
-      </p:sp>
-      <p:sp>
-        <p:nvSpPr>
-          <p:cNvPr id="24" name="Rounded Rectangle 23">
-            <a:extLst>
-              <a:ext uri="{FF2B5EF4-FFF2-40B4-BE49-F238E27FC236}">
-                <a16:creationId xmlns:a16="http://schemas.microsoft.com/office/drawing/2014/main" id="{1D075DFC-86C8-F549-9F4F-5BAF7DAC4516}"/>
+              <a:t>Population</a:t>
+            </a:r>
+          </a:p>
+        </p:txBody>
+      </p:sp>
+      <p:cxnSp>
+        <p:nvCxnSpPr>
+          <p:cNvPr id="93" name="Straight Arrow Connector 129">
+            <a:extLst>
+              <a:ext uri="{FF2B5EF4-FFF2-40B4-BE49-F238E27FC236}">
+                <a16:creationId xmlns:a16="http://schemas.microsoft.com/office/drawing/2014/main" id="{7BD44C0A-863E-4D8C-8FF5-E48E77AE9EFC}"/>
+              </a:ext>
+            </a:extLst>
+          </p:cNvPr>
+          <p:cNvCxnSpPr>
+            <a:cxnSpLocks/>
+            <a:stCxn id="78" idx="2"/>
+          </p:cNvCxnSpPr>
+          <p:nvPr/>
+        </p:nvCxnSpPr>
+        <p:spPr>
+          <a:xfrm rot="5400000">
+            <a:off x="5727723" y="3837522"/>
+            <a:ext cx="2065570" cy="397866"/>
+          </a:xfrm>
+          <a:prstGeom prst="bentConnector3">
+            <a:avLst>
+              <a:gd name="adj1" fmla="val 50000"/>
+            </a:avLst>
+          </a:prstGeom>
+          <a:noFill/>
+          <a:ln w="25400" cap="flat" cmpd="sng" algn="ctr">
+            <a:solidFill>
+              <a:schemeClr val="accent4">
+                <a:lumMod val="75000"/>
+              </a:schemeClr>
+            </a:solidFill>
+            <a:prstDash val="dash"/>
+            <a:miter lim="800000"/>
+            <a:tailEnd type="triangle" w="lg" len="lg"/>
+          </a:ln>
+          <a:effectLst/>
+        </p:spPr>
+      </p:cxnSp>
+      <p:sp>
+        <p:nvSpPr>
+          <p:cNvPr id="104" name="TextBox 103">
+            <a:extLst>
+              <a:ext uri="{FF2B5EF4-FFF2-40B4-BE49-F238E27FC236}">
+                <a16:creationId xmlns:a16="http://schemas.microsoft.com/office/drawing/2014/main" id="{8FF9DF29-8FC9-A74D-A896-3FC80ADACA58}"/>
+              </a:ext>
+            </a:extLst>
+          </p:cNvPr>
+          <p:cNvSpPr txBox="1"/>
+          <p:nvPr/>
+        </p:nvSpPr>
+        <p:spPr>
+          <a:xfrm>
+            <a:off x="6719891" y="3282553"/>
+            <a:ext cx="457490" cy="369332"/>
+          </a:xfrm>
+          <a:prstGeom prst="rect">
+            <a:avLst/>
+          </a:prstGeom>
+          <a:solidFill>
+            <a:schemeClr val="accent4">
+              <a:lumMod val="40000"/>
+              <a:lumOff val="60000"/>
+            </a:schemeClr>
+          </a:solidFill>
+          <a:ln w="25400">
+            <a:solidFill>
+              <a:schemeClr val="accent4">
+                <a:lumMod val="75000"/>
+              </a:schemeClr>
+            </a:solidFill>
+          </a:ln>
+        </p:spPr>
+        <p:txBody>
+          <a:bodyPr wrap="square" rtlCol="0">
+            <a:spAutoFit/>
+          </a:bodyPr>
+          <a:lstStyle/>
+          <a:p>
+            <a:pPr algn="ctr"/>
+            <a:r>
+              <a:rPr lang="en-US" b="1" dirty="0">
+                <a:solidFill>
+                  <a:schemeClr val="accent4">
+                    <a:lumMod val="75000"/>
+                  </a:schemeClr>
+                </a:solidFill>
+              </a:rPr>
+              <a:t>10</a:t>
+            </a:r>
+          </a:p>
+        </p:txBody>
+      </p:sp>
+      <p:cxnSp>
+        <p:nvCxnSpPr>
+          <p:cNvPr id="100" name="Straight Arrow Connector 129">
+            <a:extLst>
+              <a:ext uri="{FF2B5EF4-FFF2-40B4-BE49-F238E27FC236}">
+                <a16:creationId xmlns:a16="http://schemas.microsoft.com/office/drawing/2014/main" id="{DF79BE50-8645-45B8-9D27-56623488135F}"/>
+              </a:ext>
+            </a:extLst>
+          </p:cNvPr>
+          <p:cNvCxnSpPr>
+            <a:cxnSpLocks/>
+            <a:stCxn id="76" idx="2"/>
+          </p:cNvCxnSpPr>
+          <p:nvPr/>
+        </p:nvCxnSpPr>
+        <p:spPr>
+          <a:xfrm rot="16200000" flipH="1">
+            <a:off x="4260500" y="3777941"/>
+            <a:ext cx="2085801" cy="537258"/>
+          </a:xfrm>
+          <a:prstGeom prst="bentConnector3">
+            <a:avLst>
+              <a:gd name="adj1" fmla="val 50000"/>
+            </a:avLst>
+          </a:prstGeom>
+          <a:noFill/>
+          <a:ln w="25400" cap="flat" cmpd="sng" algn="ctr">
+            <a:solidFill>
+              <a:schemeClr val="accent4">
+                <a:lumMod val="75000"/>
+              </a:schemeClr>
+            </a:solidFill>
+            <a:prstDash val="dash"/>
+            <a:miter lim="800000"/>
+            <a:tailEnd type="triangle" w="lg" len="lg"/>
+          </a:ln>
+          <a:effectLst/>
+        </p:spPr>
+      </p:cxnSp>
+      <p:sp>
+        <p:nvSpPr>
+          <p:cNvPr id="90" name="TextBox 89">
+            <a:extLst>
+              <a:ext uri="{FF2B5EF4-FFF2-40B4-BE49-F238E27FC236}">
+                <a16:creationId xmlns:a16="http://schemas.microsoft.com/office/drawing/2014/main" id="{F72EDA13-3023-F544-9568-8433B3292E59}"/>
+              </a:ext>
+            </a:extLst>
+          </p:cNvPr>
+          <p:cNvSpPr txBox="1"/>
+          <p:nvPr/>
+        </p:nvSpPr>
+        <p:spPr>
+          <a:xfrm>
+            <a:off x="4886181" y="3270230"/>
+            <a:ext cx="297180" cy="369332"/>
+          </a:xfrm>
+          <a:prstGeom prst="rect">
+            <a:avLst/>
+          </a:prstGeom>
+          <a:solidFill>
+            <a:schemeClr val="accent4">
+              <a:lumMod val="40000"/>
+              <a:lumOff val="60000"/>
+            </a:schemeClr>
+          </a:solidFill>
+          <a:ln w="25400">
+            <a:solidFill>
+              <a:schemeClr val="accent4">
+                <a:lumMod val="75000"/>
+              </a:schemeClr>
+            </a:solidFill>
+          </a:ln>
+        </p:spPr>
+        <p:txBody>
+          <a:bodyPr wrap="square" rtlCol="0">
+            <a:spAutoFit/>
+          </a:bodyPr>
+          <a:lstStyle/>
+          <a:p>
+            <a:pPr algn="ctr"/>
+            <a:r>
+              <a:rPr lang="en-US" b="1" dirty="0">
+                <a:solidFill>
+                  <a:schemeClr val="accent4">
+                    <a:lumMod val="75000"/>
+                  </a:schemeClr>
+                </a:solidFill>
+              </a:rPr>
+              <a:t>8</a:t>
+            </a:r>
+          </a:p>
+        </p:txBody>
+      </p:sp>
+      <p:sp>
+        <p:nvSpPr>
+          <p:cNvPr id="107" name="TextBox 106">
+            <a:extLst>
+              <a:ext uri="{FF2B5EF4-FFF2-40B4-BE49-F238E27FC236}">
+                <a16:creationId xmlns:a16="http://schemas.microsoft.com/office/drawing/2014/main" id="{3218D5BB-EB76-46E2-93B4-9E1CD3B5EBDF}"/>
+              </a:ext>
+            </a:extLst>
+          </p:cNvPr>
+          <p:cNvSpPr txBox="1"/>
+          <p:nvPr/>
+        </p:nvSpPr>
+        <p:spPr>
+          <a:xfrm>
+            <a:off x="4745665" y="4030686"/>
+            <a:ext cx="813528" cy="523220"/>
+          </a:xfrm>
+          <a:prstGeom prst="rect">
+            <a:avLst/>
+          </a:prstGeom>
+          <a:noFill/>
+        </p:spPr>
+        <p:txBody>
+          <a:bodyPr wrap="square" rtlCol="0">
+            <a:spAutoFit/>
+          </a:bodyPr>
+          <a:lstStyle/>
+          <a:p>
+            <a:pPr algn="r"/>
+            <a:r>
+              <a:rPr lang="en-US" sz="1400" b="1" dirty="0">
+                <a:solidFill>
+                  <a:schemeClr val="accent1"/>
+                </a:solidFill>
+              </a:rPr>
+              <a:t>Runoff by basin</a:t>
+            </a:r>
+          </a:p>
+        </p:txBody>
+      </p:sp>
+      <p:sp>
+        <p:nvSpPr>
+          <p:cNvPr id="108" name="TextBox 107">
+            <a:extLst>
+              <a:ext uri="{FF2B5EF4-FFF2-40B4-BE49-F238E27FC236}">
+                <a16:creationId xmlns:a16="http://schemas.microsoft.com/office/drawing/2014/main" id="{C3C50344-8FCA-4773-B9F5-3FB195D364AB}"/>
+              </a:ext>
+            </a:extLst>
+          </p:cNvPr>
+          <p:cNvSpPr txBox="1"/>
+          <p:nvPr/>
+        </p:nvSpPr>
+        <p:spPr>
+          <a:xfrm>
+            <a:off x="5597388" y="3691289"/>
+            <a:ext cx="936360" cy="523220"/>
+          </a:xfrm>
+          <a:prstGeom prst="rect">
+            <a:avLst/>
+          </a:prstGeom>
+          <a:solidFill>
+            <a:schemeClr val="bg1"/>
+          </a:solidFill>
+        </p:spPr>
+        <p:txBody>
+          <a:bodyPr wrap="square" rtlCol="0">
+            <a:spAutoFit/>
+          </a:bodyPr>
+          <a:lstStyle/>
+          <a:p>
+            <a:pPr algn="ctr"/>
+            <a:r>
+              <a:rPr lang="en-US" sz="1400" b="1" dirty="0">
+                <a:solidFill>
+                  <a:schemeClr val="accent1"/>
+                </a:solidFill>
+              </a:rPr>
+              <a:t>HDD/CDD </a:t>
+            </a:r>
+          </a:p>
+          <a:p>
+            <a:pPr algn="ctr"/>
+            <a:r>
+              <a:rPr lang="en-US" sz="1400" b="1" dirty="0">
+                <a:solidFill>
+                  <a:schemeClr val="accent1"/>
+                </a:solidFill>
+              </a:rPr>
+              <a:t>by state</a:t>
+            </a:r>
+          </a:p>
+        </p:txBody>
+      </p:sp>
+      <p:sp>
+        <p:nvSpPr>
+          <p:cNvPr id="110" name="TextBox 109">
+            <a:extLst>
+              <a:ext uri="{FF2B5EF4-FFF2-40B4-BE49-F238E27FC236}">
+                <a16:creationId xmlns:a16="http://schemas.microsoft.com/office/drawing/2014/main" id="{F3216295-03FA-4A2C-AE62-DB57451FF6C1}"/>
+              </a:ext>
+            </a:extLst>
+          </p:cNvPr>
+          <p:cNvSpPr txBox="1"/>
+          <p:nvPr/>
+        </p:nvSpPr>
+        <p:spPr>
+          <a:xfrm>
+            <a:off x="6552171" y="4030686"/>
+            <a:ext cx="881407" cy="523220"/>
+          </a:xfrm>
+          <a:prstGeom prst="rect">
+            <a:avLst/>
+          </a:prstGeom>
+          <a:noFill/>
+        </p:spPr>
+        <p:txBody>
+          <a:bodyPr wrap="square" rtlCol="0">
+            <a:spAutoFit/>
+          </a:bodyPr>
+          <a:lstStyle/>
+          <a:p>
+            <a:r>
+              <a:rPr lang="en-US" sz="1400" b="1" dirty="0">
+                <a:solidFill>
+                  <a:schemeClr val="accent1"/>
+                </a:solidFill>
+              </a:rPr>
+              <a:t>Ag yields</a:t>
+            </a:r>
+          </a:p>
+          <a:p>
+            <a:r>
+              <a:rPr lang="en-US" sz="1400" b="1" dirty="0">
+                <a:solidFill>
+                  <a:schemeClr val="accent1"/>
+                </a:solidFill>
+              </a:rPr>
+              <a:t>by basin</a:t>
+            </a:r>
+          </a:p>
+        </p:txBody>
+      </p:sp>
+      <p:sp>
+        <p:nvSpPr>
+          <p:cNvPr id="76" name="Rounded Rectangle 75">
+            <a:extLst>
+              <a:ext uri="{FF2B5EF4-FFF2-40B4-BE49-F238E27FC236}">
+                <a16:creationId xmlns:a16="http://schemas.microsoft.com/office/drawing/2014/main" id="{A5AEB2BB-4E50-5D4C-A78A-F7021C22F135}"/>
               </a:ext>
             </a:extLst>
           </p:cNvPr>
@@ -7078,8 +7511,8 @@
         </p:nvSpPr>
         <p:spPr>
           <a:xfrm>
-            <a:off x="5434323" y="5089471"/>
-            <a:ext cx="1382139" cy="744200"/>
+            <a:off x="4577571" y="2259470"/>
+            <a:ext cx="914400" cy="744200"/>
           </a:xfrm>
           <a:prstGeom prst="roundRect">
             <a:avLst/>
@@ -7137,7 +7570,7 @@
                 <a:cs typeface="+mn-cs"/>
                 <a:sym typeface="Arial"/>
               </a:rPr>
-              <a:t>Energy, Water, Land Markets</a:t>
+              <a:t>Water Runoff</a:t>
             </a:r>
           </a:p>
           <a:p>
@@ -7161,7 +7594,7 @@
               <a:defRPr/>
             </a:pPr>
             <a:r>
-              <a:rPr kumimoji="0" lang="en-US" sz="1400" b="0" i="0" u="none" strike="noStrike" kern="0" cap="none" spc="0" normalizeH="0" baseline="0" noProof="0" dirty="0">
+              <a:rPr kumimoji="0" lang="en-US" sz="1000" b="0" i="0" u="none" strike="noStrike" kern="0" cap="none" spc="0" normalizeH="0" baseline="0" noProof="0" dirty="0">
                 <a:ln>
                   <a:noFill/>
                 </a:ln>
@@ -7176,17 +7609,32 @@
                 <a:cs typeface="+mn-cs"/>
                 <a:sym typeface="Arial"/>
               </a:rPr>
-              <a:t>(GCAM-USA)</a:t>
-            </a:r>
-          </a:p>
-        </p:txBody>
-      </p:sp>
-      <p:sp>
-        <p:nvSpPr>
-          <p:cNvPr id="36" name="Rounded Rectangle 35">
-            <a:extLst>
-              <a:ext uri="{FF2B5EF4-FFF2-40B4-BE49-F238E27FC236}">
-                <a16:creationId xmlns:a16="http://schemas.microsoft.com/office/drawing/2014/main" id="{BC28141A-8220-3B48-9D85-19C7DBB3D748}"/>
+              <a:t>(Xanthos)</a:t>
+            </a:r>
+            <a:endParaRPr kumimoji="0" lang="en-US" sz="900" b="0" i="0" u="none" strike="noStrike" kern="0" cap="none" spc="0" normalizeH="0" baseline="0" noProof="0" dirty="0">
+              <a:ln>
+                <a:noFill/>
+              </a:ln>
+              <a:solidFill>
+                <a:srgbClr val="FFFFFF"/>
+              </a:solidFill>
+              <a:effectLst/>
+              <a:uLnTx/>
+              <a:uFillTx/>
+              <a:latin typeface="Calibri" panose="020F0502020204030204"/>
+              <a:ea typeface="+mn-ea"/>
+              <a:cs typeface="+mn-cs"/>
+              <a:sym typeface="Arial"/>
+            </a:endParaRPr>
+          </a:p>
+        </p:txBody>
+      </p:sp>
+      <p:sp>
+        <p:nvSpPr>
+          <p:cNvPr id="77" name="Rounded Rectangle 76">
+            <a:extLst>
+              <a:ext uri="{FF2B5EF4-FFF2-40B4-BE49-F238E27FC236}">
+                <a16:creationId xmlns:a16="http://schemas.microsoft.com/office/drawing/2014/main" id="{9AB0B74A-828D-9548-B981-A52F96E3244E}"/>
               </a:ext>
             </a:extLst>
           </p:cNvPr>
@@ -7195,8 +7643,8 @@
         </p:nvSpPr>
         <p:spPr>
           <a:xfrm>
-            <a:off x="8739578" y="5049392"/>
-            <a:ext cx="1427831" cy="824359"/>
+            <a:off x="5539906" y="2259470"/>
+            <a:ext cx="914400" cy="744200"/>
           </a:xfrm>
           <a:prstGeom prst="roundRect">
             <a:avLst/>
@@ -7239,7 +7687,7 @@
               <a:defRPr/>
             </a:pPr>
             <a:r>
-              <a:rPr kumimoji="0" lang="en-US" sz="1400" b="0" i="0" u="none" strike="noStrike" kern="0" cap="none" spc="0" normalizeH="0" baseline="0" noProof="0" dirty="0">
+              <a:rPr kumimoji="0" lang="en-US" sz="1200" b="0" i="0" u="none" strike="noStrike" kern="0" cap="none" spc="0" normalizeH="0" baseline="0" noProof="0" dirty="0">
                 <a:ln>
                   <a:noFill/>
                 </a:ln>
@@ -7254,48 +7702,9 @@
                 <a:cs typeface="+mn-cs"/>
                 <a:sym typeface="Arial"/>
               </a:rPr>
-              <a:t>Total ELectricity Loads (TELL)</a:t>
-            </a:r>
-          </a:p>
-        </p:txBody>
-      </p:sp>
-      <p:sp>
-        <p:nvSpPr>
-          <p:cNvPr id="54" name="Rounded Rectangle 53">
-            <a:extLst>
-              <a:ext uri="{FF2B5EF4-FFF2-40B4-BE49-F238E27FC236}">
-                <a16:creationId xmlns:a16="http://schemas.microsoft.com/office/drawing/2014/main" id="{2496E921-A9F4-D645-8C0F-4915E0C64BAC}"/>
-              </a:ext>
-            </a:extLst>
-          </p:cNvPr>
-          <p:cNvSpPr/>
-          <p:nvPr/>
-        </p:nvSpPr>
-        <p:spPr>
-          <a:xfrm>
-            <a:off x="8532303" y="2301675"/>
-            <a:ext cx="1339059" cy="968555"/>
-          </a:xfrm>
-          <a:prstGeom prst="roundRect">
-            <a:avLst/>
-          </a:prstGeom>
-          <a:solidFill>
-            <a:schemeClr val="bg1">
-              <a:lumMod val="50000"/>
-            </a:schemeClr>
-          </a:solidFill>
-          <a:ln w="25400" cap="flat" cmpd="sng" algn="ctr">
-            <a:solidFill>
-              <a:schemeClr val="tx1"/>
-            </a:solidFill>
-            <a:prstDash val="solid"/>
-            <a:miter lim="800000"/>
-          </a:ln>
-          <a:effectLst/>
-        </p:spPr>
-        <p:txBody>
-          <a:bodyPr rtlCol="0" anchor="ctr"/>
-          <a:lstStyle/>
+              <a:t>HDH/CDH</a:t>
+            </a:r>
+          </a:p>
           <a:p>
             <a:pPr marL="0" marR="0" lvl="0" indent="0" algn="ctr" defTabSz="914400" eaLnBrk="1" fontAlgn="auto" latinLnBrk="0" hangingPunct="1">
               <a:lnSpc>
@@ -7317,7 +7726,7 @@
               <a:defRPr/>
             </a:pPr>
             <a:r>
-              <a:rPr kumimoji="0" lang="en-US" sz="1400" b="0" i="0" u="none" strike="noStrike" kern="0" cap="none" spc="0" normalizeH="0" baseline="0" noProof="0" dirty="0">
+              <a:rPr kumimoji="0" lang="en-US" sz="1000" b="0" i="0" u="none" strike="noStrike" kern="0" cap="none" spc="0" normalizeH="0" baseline="0" noProof="0" dirty="0">
                 <a:ln>
                   <a:noFill/>
                 </a:ln>
@@ -7332,9 +7741,48 @@
                 <a:cs typeface="+mn-cs"/>
                 <a:sym typeface="Arial"/>
               </a:rPr>
-              <a:t>Power Plant Siting Feasibility</a:t>
-            </a:r>
-          </a:p>
+              <a:t>(Helios)</a:t>
+            </a:r>
+          </a:p>
+        </p:txBody>
+      </p:sp>
+      <p:sp>
+        <p:nvSpPr>
+          <p:cNvPr id="78" name="Rounded Rectangle 77">
+            <a:extLst>
+              <a:ext uri="{FF2B5EF4-FFF2-40B4-BE49-F238E27FC236}">
+                <a16:creationId xmlns:a16="http://schemas.microsoft.com/office/drawing/2014/main" id="{2213A539-FE75-2E49-97A2-21078ECCB86B}"/>
+              </a:ext>
+            </a:extLst>
+          </p:cNvPr>
+          <p:cNvSpPr/>
+          <p:nvPr/>
+        </p:nvSpPr>
+        <p:spPr>
+          <a:xfrm>
+            <a:off x="6502241" y="2259470"/>
+            <a:ext cx="914400" cy="744200"/>
+          </a:xfrm>
+          <a:prstGeom prst="roundRect">
+            <a:avLst/>
+          </a:prstGeom>
+          <a:solidFill>
+            <a:schemeClr val="bg1">
+              <a:lumMod val="50000"/>
+            </a:schemeClr>
+          </a:solidFill>
+          <a:ln w="25400" cap="flat" cmpd="sng" algn="ctr">
+            <a:solidFill>
+              <a:schemeClr val="tx1"/>
+            </a:solidFill>
+            <a:prstDash val="solid"/>
+            <a:miter lim="800000"/>
+          </a:ln>
+          <a:effectLst/>
+        </p:spPr>
+        <p:txBody>
+          <a:bodyPr rtlCol="0" anchor="ctr"/>
+          <a:lstStyle/>
           <a:p>
             <a:pPr marL="0" marR="0" lvl="0" indent="0" algn="ctr" defTabSz="914400" eaLnBrk="1" fontAlgn="auto" latinLnBrk="0" hangingPunct="1">
               <a:lnSpc>
@@ -7371,48 +7819,9 @@
                 <a:cs typeface="+mn-cs"/>
                 <a:sym typeface="Arial"/>
               </a:rPr>
-              <a:t>(CERF) </a:t>
-            </a:r>
-          </a:p>
-        </p:txBody>
-      </p:sp>
-      <p:sp>
-        <p:nvSpPr>
-          <p:cNvPr id="70" name="Rounded Rectangle 69">
-            <a:extLst>
-              <a:ext uri="{FF2B5EF4-FFF2-40B4-BE49-F238E27FC236}">
-                <a16:creationId xmlns:a16="http://schemas.microsoft.com/office/drawing/2014/main" id="{33144FA7-DB63-E44B-B5F6-03C886F88948}"/>
-              </a:ext>
-            </a:extLst>
-          </p:cNvPr>
-          <p:cNvSpPr/>
-          <p:nvPr/>
-        </p:nvSpPr>
-        <p:spPr>
-          <a:xfrm>
-            <a:off x="3630407" y="786870"/>
-            <a:ext cx="1332993" cy="856257"/>
-          </a:xfrm>
-          <a:prstGeom prst="roundRect">
-            <a:avLst/>
-          </a:prstGeom>
-          <a:solidFill>
-            <a:schemeClr val="bg1">
-              <a:lumMod val="50000"/>
-            </a:schemeClr>
-          </a:solidFill>
-          <a:ln w="25400" cap="flat" cmpd="sng" algn="ctr">
-            <a:solidFill>
-              <a:schemeClr val="tx1"/>
-            </a:solidFill>
-            <a:prstDash val="solid"/>
-            <a:miter lim="800000"/>
-          </a:ln>
-          <a:effectLst/>
-        </p:spPr>
-        <p:txBody>
-          <a:bodyPr rtlCol="0" anchor="ctr"/>
-          <a:lstStyle/>
+              <a:t>Ag Yield</a:t>
+            </a:r>
+          </a:p>
           <a:p>
             <a:pPr marL="0" marR="0" lvl="0" indent="0" algn="ctr" defTabSz="914400" eaLnBrk="1" fontAlgn="auto" latinLnBrk="0" hangingPunct="1">
               <a:lnSpc>
@@ -7434,421 +7843,14 @@
               <a:defRPr/>
             </a:pPr>
             <a:r>
-              <a:rPr kumimoji="0" lang="en-US" sz="1200" b="0" i="0" u="none" strike="noStrike" kern="0" cap="none" spc="0" normalizeH="0" baseline="0" noProof="0" dirty="0">
-                <a:ln>
-                  <a:noFill/>
-                </a:ln>
+              <a:rPr lang="en-US" sz="1000" kern="0" dirty="0">
                 <a:solidFill>
                   <a:srgbClr val="FFFFFF"/>
                 </a:solidFill>
-                <a:effectLst/>
-                <a:uLnTx/>
-                <a:uFillTx/>
                 <a:latin typeface="Calibri" panose="020F0502020204030204"/>
-                <a:ea typeface="+mn-ea"/>
-                <a:cs typeface="+mn-cs"/>
                 <a:sym typeface="Arial"/>
               </a:rPr>
-              <a:t>Thermodynamic Global Warming Simulations (WRF)</a:t>
-            </a:r>
-          </a:p>
-        </p:txBody>
-      </p:sp>
-      <p:sp>
-        <p:nvSpPr>
-          <p:cNvPr id="18" name="Rounded Rectangle 17">
-            <a:extLst>
-              <a:ext uri="{FF2B5EF4-FFF2-40B4-BE49-F238E27FC236}">
-                <a16:creationId xmlns:a16="http://schemas.microsoft.com/office/drawing/2014/main" id="{CB3773D0-064F-C840-942F-AED3E66D04EE}"/>
-              </a:ext>
-            </a:extLst>
-          </p:cNvPr>
-          <p:cNvSpPr/>
-          <p:nvPr/>
-        </p:nvSpPr>
-        <p:spPr>
-          <a:xfrm>
-            <a:off x="2715876" y="3799240"/>
-            <a:ext cx="1382139" cy="824359"/>
-          </a:xfrm>
-          <a:prstGeom prst="roundRect">
-            <a:avLst/>
-          </a:prstGeom>
-          <a:solidFill>
-            <a:schemeClr val="bg1">
-              <a:lumMod val="50000"/>
-            </a:schemeClr>
-          </a:solidFill>
-          <a:ln w="25400" cap="flat" cmpd="sng" algn="ctr">
-            <a:solidFill>
-              <a:schemeClr val="tx1"/>
-            </a:solidFill>
-            <a:prstDash val="solid"/>
-            <a:miter lim="800000"/>
-          </a:ln>
-          <a:effectLst/>
-        </p:spPr>
-        <p:txBody>
-          <a:bodyPr rtlCol="0" anchor="ctr"/>
-          <a:lstStyle/>
-          <a:p>
-            <a:pPr lvl="0" algn="ctr">
-              <a:buClr>
-                <a:srgbClr val="000000"/>
-              </a:buClr>
-              <a:defRPr/>
-            </a:pPr>
-            <a:r>
-              <a:rPr lang="en-US" sz="1400" kern="0" dirty="0">
-                <a:solidFill>
-                  <a:schemeClr val="bg1"/>
-                </a:solidFill>
-                <a:sym typeface="Arial"/>
-              </a:rPr>
-              <a:t>Gridded</a:t>
-            </a:r>
-          </a:p>
-          <a:p>
-            <a:pPr lvl="0" algn="ctr">
-              <a:buClr>
-                <a:srgbClr val="000000"/>
-              </a:buClr>
-              <a:defRPr/>
-            </a:pPr>
-            <a:r>
-              <a:rPr lang="en-US" sz="1400" kern="0" dirty="0">
-                <a:solidFill>
-                  <a:schemeClr val="bg1"/>
-                </a:solidFill>
-                <a:sym typeface="Arial"/>
-              </a:rPr>
-              <a:t>Population</a:t>
-            </a:r>
-          </a:p>
-        </p:txBody>
-      </p:sp>
-      <p:cxnSp>
-        <p:nvCxnSpPr>
-          <p:cNvPr id="93" name="Straight Arrow Connector 129">
-            <a:extLst>
-              <a:ext uri="{FF2B5EF4-FFF2-40B4-BE49-F238E27FC236}">
-                <a16:creationId xmlns:a16="http://schemas.microsoft.com/office/drawing/2014/main" id="{7BD44C0A-863E-4D8C-8FF5-E48E77AE9EFC}"/>
-              </a:ext>
-            </a:extLst>
-          </p:cNvPr>
-          <p:cNvCxnSpPr>
-            <a:cxnSpLocks/>
-            <a:stCxn id="78" idx="2"/>
-          </p:cNvCxnSpPr>
-          <p:nvPr/>
-        </p:nvCxnSpPr>
-        <p:spPr>
-          <a:xfrm rot="5400000">
-            <a:off x="5727723" y="3837522"/>
-            <a:ext cx="2065570" cy="397866"/>
-          </a:xfrm>
-          <a:prstGeom prst="bentConnector3">
-            <a:avLst>
-              <a:gd name="adj1" fmla="val 50000"/>
-            </a:avLst>
-          </a:prstGeom>
-          <a:noFill/>
-          <a:ln w="25400" cap="flat" cmpd="sng" algn="ctr">
-            <a:solidFill>
-              <a:schemeClr val="accent4">
-                <a:lumMod val="75000"/>
-              </a:schemeClr>
-            </a:solidFill>
-            <a:prstDash val="dash"/>
-            <a:miter lim="800000"/>
-            <a:tailEnd type="triangle" w="lg" len="lg"/>
-          </a:ln>
-          <a:effectLst/>
-        </p:spPr>
-      </p:cxnSp>
-      <p:sp>
-        <p:nvSpPr>
-          <p:cNvPr id="104" name="TextBox 103">
-            <a:extLst>
-              <a:ext uri="{FF2B5EF4-FFF2-40B4-BE49-F238E27FC236}">
-                <a16:creationId xmlns:a16="http://schemas.microsoft.com/office/drawing/2014/main" id="{8FF9DF29-8FC9-A74D-A896-3FC80ADACA58}"/>
-              </a:ext>
-            </a:extLst>
-          </p:cNvPr>
-          <p:cNvSpPr txBox="1"/>
-          <p:nvPr/>
-        </p:nvSpPr>
-        <p:spPr>
-          <a:xfrm>
-            <a:off x="6719891" y="3282553"/>
-            <a:ext cx="457490" cy="369332"/>
-          </a:xfrm>
-          <a:prstGeom prst="rect">
-            <a:avLst/>
-          </a:prstGeom>
-          <a:solidFill>
-            <a:schemeClr val="accent4">
-              <a:lumMod val="40000"/>
-              <a:lumOff val="60000"/>
-            </a:schemeClr>
-          </a:solidFill>
-          <a:ln w="25400">
-            <a:solidFill>
-              <a:schemeClr val="accent4">
-                <a:lumMod val="75000"/>
-              </a:schemeClr>
-            </a:solidFill>
-          </a:ln>
-        </p:spPr>
-        <p:txBody>
-          <a:bodyPr wrap="square" rtlCol="0">
-            <a:spAutoFit/>
-          </a:bodyPr>
-          <a:lstStyle/>
-          <a:p>
-            <a:pPr algn="ctr"/>
-            <a:r>
-              <a:rPr lang="en-US" b="1" dirty="0">
-                <a:solidFill>
-                  <a:schemeClr val="accent4">
-                    <a:lumMod val="75000"/>
-                  </a:schemeClr>
-                </a:solidFill>
-              </a:rPr>
-              <a:t>10</a:t>
-            </a:r>
-          </a:p>
-        </p:txBody>
-      </p:sp>
-      <p:cxnSp>
-        <p:nvCxnSpPr>
-          <p:cNvPr id="100" name="Straight Arrow Connector 129">
-            <a:extLst>
-              <a:ext uri="{FF2B5EF4-FFF2-40B4-BE49-F238E27FC236}">
-                <a16:creationId xmlns:a16="http://schemas.microsoft.com/office/drawing/2014/main" id="{DF79BE50-8645-45B8-9D27-56623488135F}"/>
-              </a:ext>
-            </a:extLst>
-          </p:cNvPr>
-          <p:cNvCxnSpPr>
-            <a:cxnSpLocks/>
-            <a:stCxn id="76" idx="2"/>
-          </p:cNvCxnSpPr>
-          <p:nvPr/>
-        </p:nvCxnSpPr>
-        <p:spPr>
-          <a:xfrm rot="16200000" flipH="1">
-            <a:off x="4260500" y="3777941"/>
-            <a:ext cx="2085801" cy="537258"/>
-          </a:xfrm>
-          <a:prstGeom prst="bentConnector3">
-            <a:avLst>
-              <a:gd name="adj1" fmla="val 50000"/>
-            </a:avLst>
-          </a:prstGeom>
-          <a:noFill/>
-          <a:ln w="25400" cap="flat" cmpd="sng" algn="ctr">
-            <a:solidFill>
-              <a:schemeClr val="accent4">
-                <a:lumMod val="75000"/>
-              </a:schemeClr>
-            </a:solidFill>
-            <a:prstDash val="dash"/>
-            <a:miter lim="800000"/>
-            <a:tailEnd type="triangle" w="lg" len="lg"/>
-          </a:ln>
-          <a:effectLst/>
-        </p:spPr>
-      </p:cxnSp>
-      <p:sp>
-        <p:nvSpPr>
-          <p:cNvPr id="90" name="TextBox 89">
-            <a:extLst>
-              <a:ext uri="{FF2B5EF4-FFF2-40B4-BE49-F238E27FC236}">
-                <a16:creationId xmlns:a16="http://schemas.microsoft.com/office/drawing/2014/main" id="{F72EDA13-3023-F544-9568-8433B3292E59}"/>
-              </a:ext>
-            </a:extLst>
-          </p:cNvPr>
-          <p:cNvSpPr txBox="1"/>
-          <p:nvPr/>
-        </p:nvSpPr>
-        <p:spPr>
-          <a:xfrm>
-            <a:off x="4886181" y="3270230"/>
-            <a:ext cx="297180" cy="369332"/>
-          </a:xfrm>
-          <a:prstGeom prst="rect">
-            <a:avLst/>
-          </a:prstGeom>
-          <a:solidFill>
-            <a:schemeClr val="accent4">
-              <a:lumMod val="40000"/>
-              <a:lumOff val="60000"/>
-            </a:schemeClr>
-          </a:solidFill>
-          <a:ln w="25400">
-            <a:solidFill>
-              <a:schemeClr val="accent4">
-                <a:lumMod val="75000"/>
-              </a:schemeClr>
-            </a:solidFill>
-          </a:ln>
-        </p:spPr>
-        <p:txBody>
-          <a:bodyPr wrap="square" rtlCol="0">
-            <a:spAutoFit/>
-          </a:bodyPr>
-          <a:lstStyle/>
-          <a:p>
-            <a:pPr algn="ctr"/>
-            <a:r>
-              <a:rPr lang="en-US" b="1" dirty="0">
-                <a:solidFill>
-                  <a:schemeClr val="accent4">
-                    <a:lumMod val="75000"/>
-                  </a:schemeClr>
-                </a:solidFill>
-              </a:rPr>
-              <a:t>8</a:t>
-            </a:r>
-          </a:p>
-        </p:txBody>
-      </p:sp>
-      <p:sp>
-        <p:nvSpPr>
-          <p:cNvPr id="107" name="TextBox 106">
-            <a:extLst>
-              <a:ext uri="{FF2B5EF4-FFF2-40B4-BE49-F238E27FC236}">
-                <a16:creationId xmlns:a16="http://schemas.microsoft.com/office/drawing/2014/main" id="{3218D5BB-EB76-46E2-93B4-9E1CD3B5EBDF}"/>
-              </a:ext>
-            </a:extLst>
-          </p:cNvPr>
-          <p:cNvSpPr txBox="1"/>
-          <p:nvPr/>
-        </p:nvSpPr>
-        <p:spPr>
-          <a:xfrm>
-            <a:off x="4296904" y="4095181"/>
-            <a:ext cx="1254197" cy="523220"/>
-          </a:xfrm>
-          <a:prstGeom prst="rect">
-            <a:avLst/>
-          </a:prstGeom>
-          <a:noFill/>
-        </p:spPr>
-        <p:txBody>
-          <a:bodyPr wrap="square" rtlCol="0">
-            <a:spAutoFit/>
-          </a:bodyPr>
-          <a:lstStyle/>
-          <a:p>
-            <a:pPr algn="r"/>
-            <a:r>
-              <a:rPr lang="en-US" sz="1400" b="1" dirty="0">
-                <a:solidFill>
-                  <a:schemeClr val="accent1"/>
-                </a:solidFill>
-              </a:rPr>
-              <a:t>Runoff by Basin</a:t>
-            </a:r>
-          </a:p>
-        </p:txBody>
-      </p:sp>
-      <p:sp>
-        <p:nvSpPr>
-          <p:cNvPr id="108" name="TextBox 107">
-            <a:extLst>
-              <a:ext uri="{FF2B5EF4-FFF2-40B4-BE49-F238E27FC236}">
-                <a16:creationId xmlns:a16="http://schemas.microsoft.com/office/drawing/2014/main" id="{C3C50344-8FCA-4773-B9F5-3FB195D364AB}"/>
-              </a:ext>
-            </a:extLst>
-          </p:cNvPr>
-          <p:cNvSpPr txBox="1"/>
-          <p:nvPr/>
-        </p:nvSpPr>
-        <p:spPr>
-          <a:xfrm>
-            <a:off x="5556928" y="3692019"/>
-            <a:ext cx="919721" cy="523220"/>
-          </a:xfrm>
-          <a:prstGeom prst="rect">
-            <a:avLst/>
-          </a:prstGeom>
-          <a:noFill/>
-        </p:spPr>
-        <p:txBody>
-          <a:bodyPr wrap="square" rtlCol="0">
-            <a:spAutoFit/>
-          </a:bodyPr>
-          <a:lstStyle/>
-          <a:p>
-            <a:pPr algn="ctr"/>
-            <a:r>
-              <a:rPr lang="en-US" sz="1400" b="1" dirty="0">
-                <a:solidFill>
-                  <a:schemeClr val="accent1"/>
-                </a:solidFill>
-              </a:rPr>
-              <a:t>HDD/CDD </a:t>
-            </a:r>
-          </a:p>
-          <a:p>
-            <a:pPr algn="ctr"/>
-            <a:r>
-              <a:rPr lang="en-US" sz="1400" b="1" dirty="0">
-                <a:solidFill>
-                  <a:schemeClr val="accent1"/>
-                </a:solidFill>
-              </a:rPr>
-              <a:t>by State</a:t>
-            </a:r>
-          </a:p>
-        </p:txBody>
-      </p:sp>
-      <p:sp>
-        <p:nvSpPr>
-          <p:cNvPr id="110" name="TextBox 109">
-            <a:extLst>
-              <a:ext uri="{FF2B5EF4-FFF2-40B4-BE49-F238E27FC236}">
-                <a16:creationId xmlns:a16="http://schemas.microsoft.com/office/drawing/2014/main" id="{F3216295-03FA-4A2C-AE62-DB57451FF6C1}"/>
-              </a:ext>
-            </a:extLst>
-          </p:cNvPr>
-          <p:cNvSpPr txBox="1"/>
-          <p:nvPr/>
-        </p:nvSpPr>
-        <p:spPr>
-          <a:xfrm>
-            <a:off x="6544079" y="4054962"/>
-            <a:ext cx="1254197" cy="523220"/>
-          </a:xfrm>
-          <a:prstGeom prst="rect">
-            <a:avLst/>
-          </a:prstGeom>
-          <a:noFill/>
-        </p:spPr>
-        <p:txBody>
-          <a:bodyPr wrap="square" rtlCol="0">
-            <a:spAutoFit/>
-          </a:bodyPr>
-          <a:lstStyle/>
-          <a:p>
-            <a:r>
-              <a:rPr lang="en-US" sz="1400" b="1" dirty="0">
-                <a:solidFill>
-                  <a:schemeClr val="accent1"/>
-                </a:solidFill>
-              </a:rPr>
-              <a:t>Ag Yields</a:t>
-            </a:r>
-          </a:p>
-          <a:p>
-            <a:r>
-              <a:rPr lang="en-US" sz="1400" b="1" dirty="0">
-                <a:solidFill>
-                  <a:schemeClr val="accent1"/>
-                </a:solidFill>
-              </a:rPr>
-              <a:t>By Basin</a:t>
+              <a:t>(Osiris)</a:t>
             </a:r>
           </a:p>
         </p:txBody>

--- a/experiment_diagram/experiment-B-N6_interconnect.pptx
+++ b/experiment_diagram/experiment-B-N6_interconnect.pptx
@@ -7432,8 +7432,21 @@
                   <a:schemeClr val="accent1"/>
                 </a:solidFill>
               </a:rPr>
-              <a:t>HDD/CDD </a:t>
-            </a:r>
+              <a:t>HDH</a:t>
+            </a:r>
+            <a:r>
+              <a:rPr lang="en-US" sz="1400" b="1">
+                <a:solidFill>
+                  <a:schemeClr val="accent1"/>
+                </a:solidFill>
+              </a:rPr>
+              <a:t>/CDH </a:t>
+            </a:r>
+            <a:endParaRPr lang="en-US" sz="1400" b="1" dirty="0">
+              <a:solidFill>
+                <a:schemeClr val="accent1"/>
+              </a:solidFill>
+            </a:endParaRPr>
           </a:p>
           <a:p>
             <a:pPr algn="ctr"/>

--- a/experiment_diagram/experiment-B-N6_interconnect.pptx
+++ b/experiment_diagram/experiment-B-N6_interconnect.pptx
@@ -816,7 +816,7 @@
           <a:p>
             <a:fld id="{50E52EA3-2204-804F-9678-85900D481E2E}" type="datetimeFigureOut">
               <a:rPr lang="en-US" smtClean="0"/>
-              <a:t>5/2/22</a:t>
+              <a:t>7/29/22</a:t>
             </a:fld>
             <a:endParaRPr lang="en-US"/>
           </a:p>
@@ -1014,7 +1014,7 @@
           <a:p>
             <a:fld id="{50E52EA3-2204-804F-9678-85900D481E2E}" type="datetimeFigureOut">
               <a:rPr lang="en-US" smtClean="0"/>
-              <a:t>5/2/22</a:t>
+              <a:t>7/29/22</a:t>
             </a:fld>
             <a:endParaRPr lang="en-US"/>
           </a:p>
@@ -1222,7 +1222,7 @@
           <a:p>
             <a:fld id="{50E52EA3-2204-804F-9678-85900D481E2E}" type="datetimeFigureOut">
               <a:rPr lang="en-US" smtClean="0"/>
-              <a:t>5/2/22</a:t>
+              <a:t>7/29/22</a:t>
             </a:fld>
             <a:endParaRPr lang="en-US"/>
           </a:p>
@@ -1420,7 +1420,7 @@
           <a:p>
             <a:fld id="{50E52EA3-2204-804F-9678-85900D481E2E}" type="datetimeFigureOut">
               <a:rPr lang="en-US" smtClean="0"/>
-              <a:t>5/2/22</a:t>
+              <a:t>7/29/22</a:t>
             </a:fld>
             <a:endParaRPr lang="en-US"/>
           </a:p>
@@ -1695,7 +1695,7 @@
           <a:p>
             <a:fld id="{50E52EA3-2204-804F-9678-85900D481E2E}" type="datetimeFigureOut">
               <a:rPr lang="en-US" smtClean="0"/>
-              <a:t>5/2/22</a:t>
+              <a:t>7/29/22</a:t>
             </a:fld>
             <a:endParaRPr lang="en-US"/>
           </a:p>
@@ -1960,7 +1960,7 @@
           <a:p>
             <a:fld id="{50E52EA3-2204-804F-9678-85900D481E2E}" type="datetimeFigureOut">
               <a:rPr lang="en-US" smtClean="0"/>
-              <a:t>5/2/22</a:t>
+              <a:t>7/29/22</a:t>
             </a:fld>
             <a:endParaRPr lang="en-US"/>
           </a:p>
@@ -2372,7 +2372,7 @@
           <a:p>
             <a:fld id="{50E52EA3-2204-804F-9678-85900D481E2E}" type="datetimeFigureOut">
               <a:rPr lang="en-US" smtClean="0"/>
-              <a:t>5/2/22</a:t>
+              <a:t>7/29/22</a:t>
             </a:fld>
             <a:endParaRPr lang="en-US"/>
           </a:p>
@@ -2513,7 +2513,7 @@
           <a:p>
             <a:fld id="{50E52EA3-2204-804F-9678-85900D481E2E}" type="datetimeFigureOut">
               <a:rPr lang="en-US" smtClean="0"/>
-              <a:t>5/2/22</a:t>
+              <a:t>7/29/22</a:t>
             </a:fld>
             <a:endParaRPr lang="en-US"/>
           </a:p>
@@ -2626,7 +2626,7 @@
           <a:p>
             <a:fld id="{50E52EA3-2204-804F-9678-85900D481E2E}" type="datetimeFigureOut">
               <a:rPr lang="en-US" smtClean="0"/>
-              <a:t>5/2/22</a:t>
+              <a:t>7/29/22</a:t>
             </a:fld>
             <a:endParaRPr lang="en-US"/>
           </a:p>
@@ -2937,7 +2937,7 @@
           <a:p>
             <a:fld id="{50E52EA3-2204-804F-9678-85900D481E2E}" type="datetimeFigureOut">
               <a:rPr lang="en-US" smtClean="0"/>
-              <a:t>5/2/22</a:t>
+              <a:t>7/29/22</a:t>
             </a:fld>
             <a:endParaRPr lang="en-US"/>
           </a:p>
@@ -3225,7 +3225,7 @@
           <a:p>
             <a:fld id="{50E52EA3-2204-804F-9678-85900D481E2E}" type="datetimeFigureOut">
               <a:rPr lang="en-US" smtClean="0"/>
-              <a:t>5/2/22</a:t>
+              <a:t>7/29/22</a:t>
             </a:fld>
             <a:endParaRPr lang="en-US"/>
           </a:p>
@@ -3466,7 +3466,7 @@
           <a:p>
             <a:fld id="{50E52EA3-2204-804F-9678-85900D481E2E}" type="datetimeFigureOut">
               <a:rPr lang="en-US" smtClean="0"/>
-              <a:t>5/2/22</a:t>
+              <a:t>7/29/22</a:t>
             </a:fld>
             <a:endParaRPr lang="en-US"/>
           </a:p>
@@ -4343,9 +4343,11 @@
           <a:noFill/>
           <a:ln w="25400" cap="flat" cmpd="sng" algn="ctr">
             <a:solidFill>
-              <a:srgbClr val="C00000"/>
+              <a:schemeClr val="accent4">
+                <a:lumMod val="75000"/>
+              </a:schemeClr>
             </a:solidFill>
-            <a:prstDash val="sysDot"/>
+            <a:prstDash val="dash"/>
             <a:miter lim="800000"/>
             <a:tailEnd type="triangle" w="lg" len="lg"/>
           </a:ln>
@@ -4460,9 +4462,11 @@
           <a:noFill/>
           <a:ln w="25400" cap="flat" cmpd="sng" algn="ctr">
             <a:solidFill>
-              <a:srgbClr val="C00000"/>
+              <a:schemeClr val="accent4">
+                <a:lumMod val="75000"/>
+              </a:schemeClr>
             </a:solidFill>
-            <a:prstDash val="sysDot"/>
+            <a:prstDash val="dash"/>
             <a:miter lim="800000"/>
             <a:tailEnd type="triangle" w="lg" len="lg"/>
           </a:ln>
@@ -4495,9 +4499,11 @@
           <a:noFill/>
           <a:ln w="25400" cap="flat" cmpd="sng" algn="ctr">
             <a:solidFill>
-              <a:srgbClr val="C00000"/>
+              <a:schemeClr val="accent4">
+                <a:lumMod val="75000"/>
+              </a:schemeClr>
             </a:solidFill>
-            <a:prstDash val="sysDot"/>
+            <a:prstDash val="dash"/>
             <a:miter lim="800000"/>
             <a:headEnd type="triangle" w="lg" len="lg"/>
             <a:tailEnd type="none" w="lg" len="lg"/>
@@ -4884,11 +4890,11 @@
           <a:noFill/>
           <a:ln w="25400" cap="flat" cmpd="sng" algn="ctr">
             <a:solidFill>
-              <a:schemeClr val="accent4">
+              <a:schemeClr val="accent6">
                 <a:lumMod val="75000"/>
               </a:schemeClr>
             </a:solidFill>
-            <a:prstDash val="dash"/>
+            <a:prstDash val="solid"/>
             <a:miter lim="800000"/>
             <a:tailEnd type="triangle" w="lg" len="lg"/>
           </a:ln>
@@ -5119,11 +5125,11 @@
           <a:noFill/>
           <a:ln w="25400" cap="flat" cmpd="sng" algn="ctr">
             <a:solidFill>
-              <a:schemeClr val="accent4">
+              <a:schemeClr val="accent6">
                 <a:lumMod val="75000"/>
               </a:schemeClr>
             </a:solidFill>
-            <a:prstDash val="dash"/>
+            <a:prstDash val="solid"/>
             <a:miter lim="800000"/>
             <a:tailEnd type="triangle" w="lg" len="lg"/>
           </a:ln>
@@ -5157,11 +5163,11 @@
           <a:noFill/>
           <a:ln w="25400" cap="flat" cmpd="sng" algn="ctr">
             <a:solidFill>
-              <a:schemeClr val="accent4">
+              <a:schemeClr val="accent6">
                 <a:lumMod val="75000"/>
               </a:schemeClr>
             </a:solidFill>
-            <a:prstDash val="dash"/>
+            <a:prstDash val="solid"/>
             <a:miter lim="800000"/>
             <a:tailEnd type="triangle" w="lg" len="lg"/>
           </a:ln>
@@ -5193,11 +5199,11 @@
           <a:noFill/>
           <a:ln w="25400" cap="flat" cmpd="sng" algn="ctr">
             <a:solidFill>
-              <a:schemeClr val="accent4">
+              <a:schemeClr val="accent6">
                 <a:lumMod val="75000"/>
               </a:schemeClr>
             </a:solidFill>
-            <a:prstDash val="dash"/>
+            <a:prstDash val="solid"/>
             <a:miter lim="800000"/>
             <a:tailEnd type="triangle" w="lg" len="lg"/>
           </a:ln>
@@ -5838,14 +5844,14 @@
             <a:avLst/>
           </a:prstGeom>
           <a:solidFill>
-            <a:schemeClr val="accent4">
+            <a:schemeClr val="accent6">
               <a:lumMod val="40000"/>
               <a:lumOff val="60000"/>
             </a:schemeClr>
           </a:solidFill>
           <a:ln w="25400">
             <a:solidFill>
-              <a:schemeClr val="accent4">
+              <a:schemeClr val="accent6">
                 <a:lumMod val="75000"/>
               </a:schemeClr>
             </a:solidFill>
@@ -5861,7 +5867,7 @@
             <a:r>
               <a:rPr lang="en-US" b="1" dirty="0">
                 <a:solidFill>
-                  <a:schemeClr val="accent4">
+                  <a:schemeClr val="accent6">
                     <a:lumMod val="75000"/>
                   </a:schemeClr>
                 </a:solidFill>
@@ -5887,6 +5893,384 @@
           <a:xfrm>
             <a:off x="5848517" y="1696144"/>
             <a:ext cx="297180" cy="369332"/>
+          </a:xfrm>
+          <a:prstGeom prst="rect">
+            <a:avLst/>
+          </a:prstGeom>
+          <a:solidFill>
+            <a:schemeClr val="accent6">
+              <a:lumMod val="40000"/>
+              <a:lumOff val="60000"/>
+            </a:schemeClr>
+          </a:solidFill>
+          <a:ln w="25400">
+            <a:solidFill>
+              <a:schemeClr val="accent6">
+                <a:lumMod val="75000"/>
+              </a:schemeClr>
+            </a:solidFill>
+          </a:ln>
+        </p:spPr>
+        <p:txBody>
+          <a:bodyPr wrap="square" rtlCol="0">
+            <a:spAutoFit/>
+          </a:bodyPr>
+          <a:lstStyle/>
+          <a:p>
+            <a:pPr algn="ctr"/>
+            <a:r>
+              <a:rPr lang="en-US" b="1" dirty="0">
+                <a:solidFill>
+                  <a:schemeClr val="accent6">
+                    <a:lumMod val="75000"/>
+                  </a:schemeClr>
+                </a:solidFill>
+              </a:rPr>
+              <a:t>2</a:t>
+            </a:r>
+          </a:p>
+        </p:txBody>
+      </p:sp>
+      <p:sp>
+        <p:nvSpPr>
+          <p:cNvPr id="81" name="TextBox 80">
+            <a:extLst>
+              <a:ext uri="{FF2B5EF4-FFF2-40B4-BE49-F238E27FC236}">
+                <a16:creationId xmlns:a16="http://schemas.microsoft.com/office/drawing/2014/main" id="{4F258ED9-EC4A-6146-92F1-A7D878A4A006}"/>
+              </a:ext>
+            </a:extLst>
+          </p:cNvPr>
+          <p:cNvSpPr txBox="1"/>
+          <p:nvPr/>
+        </p:nvSpPr>
+        <p:spPr>
+          <a:xfrm>
+            <a:off x="6817783" y="1696144"/>
+            <a:ext cx="297180" cy="369332"/>
+          </a:xfrm>
+          <a:prstGeom prst="rect">
+            <a:avLst/>
+          </a:prstGeom>
+          <a:solidFill>
+            <a:schemeClr val="accent6">
+              <a:lumMod val="40000"/>
+              <a:lumOff val="60000"/>
+            </a:schemeClr>
+          </a:solidFill>
+          <a:ln w="25400">
+            <a:solidFill>
+              <a:schemeClr val="accent6">
+                <a:lumMod val="75000"/>
+              </a:schemeClr>
+            </a:solidFill>
+          </a:ln>
+        </p:spPr>
+        <p:txBody>
+          <a:bodyPr wrap="square" rtlCol="0">
+            <a:spAutoFit/>
+          </a:bodyPr>
+          <a:lstStyle/>
+          <a:p>
+            <a:pPr algn="ctr"/>
+            <a:r>
+              <a:rPr lang="en-US" b="1" dirty="0">
+                <a:solidFill>
+                  <a:schemeClr val="accent6">
+                    <a:lumMod val="75000"/>
+                  </a:schemeClr>
+                </a:solidFill>
+              </a:rPr>
+              <a:t>3</a:t>
+            </a:r>
+          </a:p>
+        </p:txBody>
+      </p:sp>
+      <p:sp>
+        <p:nvSpPr>
+          <p:cNvPr id="85" name="TextBox 84">
+            <a:extLst>
+              <a:ext uri="{FF2B5EF4-FFF2-40B4-BE49-F238E27FC236}">
+                <a16:creationId xmlns:a16="http://schemas.microsoft.com/office/drawing/2014/main" id="{EE4152AD-6E88-E645-994E-833183D46272}"/>
+              </a:ext>
+            </a:extLst>
+          </p:cNvPr>
+          <p:cNvSpPr txBox="1"/>
+          <p:nvPr/>
+        </p:nvSpPr>
+        <p:spPr>
+          <a:xfrm>
+            <a:off x="4148184" y="3055338"/>
+            <a:ext cx="297180" cy="369332"/>
+          </a:xfrm>
+          <a:prstGeom prst="rect">
+            <a:avLst/>
+          </a:prstGeom>
+          <a:solidFill>
+            <a:schemeClr val="accent6">
+              <a:lumMod val="40000"/>
+              <a:lumOff val="60000"/>
+            </a:schemeClr>
+          </a:solidFill>
+          <a:ln w="25400">
+            <a:solidFill>
+              <a:schemeClr val="accent6">
+                <a:lumMod val="75000"/>
+              </a:schemeClr>
+            </a:solidFill>
+          </a:ln>
+        </p:spPr>
+        <p:txBody>
+          <a:bodyPr wrap="square" rtlCol="0">
+            <a:spAutoFit/>
+          </a:bodyPr>
+          <a:lstStyle/>
+          <a:p>
+            <a:pPr algn="ctr"/>
+            <a:r>
+              <a:rPr lang="en-US" b="1" dirty="0">
+                <a:solidFill>
+                  <a:schemeClr val="accent6">
+                    <a:lumMod val="75000"/>
+                  </a:schemeClr>
+                </a:solidFill>
+              </a:rPr>
+              <a:t>4</a:t>
+            </a:r>
+          </a:p>
+        </p:txBody>
+      </p:sp>
+      <p:sp>
+        <p:nvSpPr>
+          <p:cNvPr id="88" name="TextBox 87">
+            <a:extLst>
+              <a:ext uri="{FF2B5EF4-FFF2-40B4-BE49-F238E27FC236}">
+                <a16:creationId xmlns:a16="http://schemas.microsoft.com/office/drawing/2014/main" id="{B2109F4C-9694-BD4C-8273-4C27F4E653F1}"/>
+              </a:ext>
+            </a:extLst>
+          </p:cNvPr>
+          <p:cNvSpPr txBox="1"/>
+          <p:nvPr/>
+        </p:nvSpPr>
+        <p:spPr>
+          <a:xfrm>
+            <a:off x="3729782" y="5040932"/>
+            <a:ext cx="297180" cy="369332"/>
+          </a:xfrm>
+          <a:prstGeom prst="rect">
+            <a:avLst/>
+          </a:prstGeom>
+          <a:solidFill>
+            <a:schemeClr val="accent6">
+              <a:lumMod val="40000"/>
+              <a:lumOff val="60000"/>
+            </a:schemeClr>
+          </a:solidFill>
+          <a:ln w="25400">
+            <a:solidFill>
+              <a:schemeClr val="accent6">
+                <a:lumMod val="75000"/>
+              </a:schemeClr>
+            </a:solidFill>
+          </a:ln>
+        </p:spPr>
+        <p:txBody>
+          <a:bodyPr wrap="square" rtlCol="0">
+            <a:spAutoFit/>
+          </a:bodyPr>
+          <a:lstStyle/>
+          <a:p>
+            <a:pPr algn="ctr"/>
+            <a:r>
+              <a:rPr lang="en-US" b="1" dirty="0">
+                <a:solidFill>
+                  <a:schemeClr val="accent6">
+                    <a:lumMod val="75000"/>
+                  </a:schemeClr>
+                </a:solidFill>
+              </a:rPr>
+              <a:t>6</a:t>
+            </a:r>
+          </a:p>
+        </p:txBody>
+      </p:sp>
+      <p:sp>
+        <p:nvSpPr>
+          <p:cNvPr id="89" name="TextBox 88">
+            <a:extLst>
+              <a:ext uri="{FF2B5EF4-FFF2-40B4-BE49-F238E27FC236}">
+                <a16:creationId xmlns:a16="http://schemas.microsoft.com/office/drawing/2014/main" id="{741C2CDB-C418-E240-9824-F33B6FB55B1F}"/>
+              </a:ext>
+            </a:extLst>
+          </p:cNvPr>
+          <p:cNvSpPr txBox="1"/>
+          <p:nvPr/>
+        </p:nvSpPr>
+        <p:spPr>
+          <a:xfrm>
+            <a:off x="5238280" y="6468265"/>
+            <a:ext cx="297180" cy="369332"/>
+          </a:xfrm>
+          <a:prstGeom prst="rect">
+            <a:avLst/>
+          </a:prstGeom>
+          <a:solidFill>
+            <a:schemeClr val="accent6">
+              <a:lumMod val="40000"/>
+              <a:lumOff val="60000"/>
+            </a:schemeClr>
+          </a:solidFill>
+          <a:ln w="25400">
+            <a:solidFill>
+              <a:schemeClr val="accent6">
+                <a:lumMod val="75000"/>
+              </a:schemeClr>
+            </a:solidFill>
+          </a:ln>
+        </p:spPr>
+        <p:txBody>
+          <a:bodyPr wrap="square" rtlCol="0">
+            <a:spAutoFit/>
+          </a:bodyPr>
+          <a:lstStyle/>
+          <a:p>
+            <a:pPr algn="ctr"/>
+            <a:r>
+              <a:rPr lang="en-US" b="1" dirty="0">
+                <a:solidFill>
+                  <a:schemeClr val="accent6">
+                    <a:lumMod val="75000"/>
+                  </a:schemeClr>
+                </a:solidFill>
+              </a:rPr>
+              <a:t>7</a:t>
+            </a:r>
+          </a:p>
+        </p:txBody>
+      </p:sp>
+      <p:sp>
+        <p:nvSpPr>
+          <p:cNvPr id="92" name="TextBox 91">
+            <a:extLst>
+              <a:ext uri="{FF2B5EF4-FFF2-40B4-BE49-F238E27FC236}">
+                <a16:creationId xmlns:a16="http://schemas.microsoft.com/office/drawing/2014/main" id="{C8B9378D-E069-5E43-A1D1-C030C23C26D6}"/>
+              </a:ext>
+            </a:extLst>
+          </p:cNvPr>
+          <p:cNvSpPr txBox="1"/>
+          <p:nvPr/>
+        </p:nvSpPr>
+        <p:spPr>
+          <a:xfrm>
+            <a:off x="5907530" y="3286469"/>
+            <a:ext cx="297180" cy="369332"/>
+          </a:xfrm>
+          <a:prstGeom prst="rect">
+            <a:avLst/>
+          </a:prstGeom>
+          <a:solidFill>
+            <a:schemeClr val="accent6">
+              <a:lumMod val="40000"/>
+              <a:lumOff val="60000"/>
+            </a:schemeClr>
+          </a:solidFill>
+          <a:ln w="25400">
+            <a:solidFill>
+              <a:schemeClr val="accent6">
+                <a:lumMod val="75000"/>
+              </a:schemeClr>
+            </a:solidFill>
+          </a:ln>
+        </p:spPr>
+        <p:txBody>
+          <a:bodyPr wrap="square" rtlCol="0">
+            <a:spAutoFit/>
+          </a:bodyPr>
+          <a:lstStyle/>
+          <a:p>
+            <a:pPr algn="ctr"/>
+            <a:r>
+              <a:rPr lang="en-US" b="1" dirty="0">
+                <a:solidFill>
+                  <a:schemeClr val="accent6">
+                    <a:lumMod val="75000"/>
+                  </a:schemeClr>
+                </a:solidFill>
+              </a:rPr>
+              <a:t>9</a:t>
+            </a:r>
+          </a:p>
+        </p:txBody>
+      </p:sp>
+      <p:sp>
+        <p:nvSpPr>
+          <p:cNvPr id="94" name="TextBox 93">
+            <a:extLst>
+              <a:ext uri="{FF2B5EF4-FFF2-40B4-BE49-F238E27FC236}">
+                <a16:creationId xmlns:a16="http://schemas.microsoft.com/office/drawing/2014/main" id="{0CC0ADAB-FFED-C340-A9EF-F806DD0E31E1}"/>
+              </a:ext>
+            </a:extLst>
+          </p:cNvPr>
+          <p:cNvSpPr txBox="1"/>
+          <p:nvPr/>
+        </p:nvSpPr>
+        <p:spPr>
+          <a:xfrm>
+            <a:off x="7743647" y="5276905"/>
+            <a:ext cx="481986" cy="369332"/>
+          </a:xfrm>
+          <a:prstGeom prst="rect">
+            <a:avLst/>
+          </a:prstGeom>
+          <a:solidFill>
+            <a:schemeClr val="accent6">
+              <a:lumMod val="40000"/>
+              <a:lumOff val="60000"/>
+            </a:schemeClr>
+          </a:solidFill>
+          <a:ln w="25400">
+            <a:solidFill>
+              <a:schemeClr val="accent6">
+                <a:lumMod val="75000"/>
+              </a:schemeClr>
+            </a:solidFill>
+          </a:ln>
+        </p:spPr>
+        <p:txBody>
+          <a:bodyPr wrap="square" rtlCol="0">
+            <a:spAutoFit/>
+          </a:bodyPr>
+          <a:lstStyle/>
+          <a:p>
+            <a:pPr algn="ctr"/>
+            <a:r>
+              <a:rPr lang="en-US" b="1" dirty="0">
+                <a:solidFill>
+                  <a:schemeClr val="accent6">
+                    <a:lumMod val="75000"/>
+                  </a:schemeClr>
+                </a:solidFill>
+              </a:rPr>
+              <a:t>11</a:t>
+            </a:r>
+          </a:p>
+        </p:txBody>
+      </p:sp>
+      <p:sp>
+        <p:nvSpPr>
+          <p:cNvPr id="95" name="TextBox 94">
+            <a:extLst>
+              <a:ext uri="{FF2B5EF4-FFF2-40B4-BE49-F238E27FC236}">
+                <a16:creationId xmlns:a16="http://schemas.microsoft.com/office/drawing/2014/main" id="{955074F7-B7FF-8B4A-A57E-D123CD396386}"/>
+              </a:ext>
+            </a:extLst>
+          </p:cNvPr>
+          <p:cNvSpPr txBox="1"/>
+          <p:nvPr/>
+        </p:nvSpPr>
+        <p:spPr>
+          <a:xfrm>
+            <a:off x="7369991" y="3552308"/>
+            <a:ext cx="481986" cy="369332"/>
           </a:xfrm>
           <a:prstGeom prst="rect">
             <a:avLst/>
@@ -5920,17 +6304,17 @@
                   </a:schemeClr>
                 </a:solidFill>
               </a:rPr>
-              <a:t>2</a:t>
-            </a:r>
-          </a:p>
-        </p:txBody>
-      </p:sp>
-      <p:sp>
-        <p:nvSpPr>
-          <p:cNvPr id="81" name="TextBox 80">
-            <a:extLst>
-              <a:ext uri="{FF2B5EF4-FFF2-40B4-BE49-F238E27FC236}">
-                <a16:creationId xmlns:a16="http://schemas.microsoft.com/office/drawing/2014/main" id="{4F258ED9-EC4A-6146-92F1-A7D878A4A006}"/>
+              <a:t>12</a:t>
+            </a:r>
+          </a:p>
+        </p:txBody>
+      </p:sp>
+      <p:sp>
+        <p:nvSpPr>
+          <p:cNvPr id="96" name="TextBox 95">
+            <a:extLst>
+              <a:ext uri="{FF2B5EF4-FFF2-40B4-BE49-F238E27FC236}">
+                <a16:creationId xmlns:a16="http://schemas.microsoft.com/office/drawing/2014/main" id="{F5995287-6C5B-2049-BDBC-7533E75F350E}"/>
               </a:ext>
             </a:extLst>
           </p:cNvPr>
@@ -5939,8 +6323,8 @@
         </p:nvSpPr>
         <p:spPr>
           <a:xfrm>
-            <a:off x="6817783" y="1696144"/>
-            <a:ext cx="297180" cy="369332"/>
+            <a:off x="9471708" y="4040918"/>
+            <a:ext cx="481986" cy="369332"/>
           </a:xfrm>
           <a:prstGeom prst="rect">
             <a:avLst/>
@@ -5974,17 +6358,17 @@
                   </a:schemeClr>
                 </a:solidFill>
               </a:rPr>
-              <a:t>3</a:t>
-            </a:r>
-          </a:p>
-        </p:txBody>
-      </p:sp>
-      <p:sp>
-        <p:nvSpPr>
-          <p:cNvPr id="85" name="TextBox 84">
-            <a:extLst>
-              <a:ext uri="{FF2B5EF4-FFF2-40B4-BE49-F238E27FC236}">
-                <a16:creationId xmlns:a16="http://schemas.microsoft.com/office/drawing/2014/main" id="{EE4152AD-6E88-E645-994E-833183D46272}"/>
+              <a:t>13</a:t>
+            </a:r>
+          </a:p>
+        </p:txBody>
+      </p:sp>
+      <p:sp>
+        <p:nvSpPr>
+          <p:cNvPr id="97" name="TextBox 96">
+            <a:extLst>
+              <a:ext uri="{FF2B5EF4-FFF2-40B4-BE49-F238E27FC236}">
+                <a16:creationId xmlns:a16="http://schemas.microsoft.com/office/drawing/2014/main" id="{E713F805-3CF5-684C-81FB-5D5321772451}"/>
               </a:ext>
             </a:extLst>
           </p:cNvPr>
@@ -5993,170 +6377,8 @@
         </p:nvSpPr>
         <p:spPr>
           <a:xfrm>
-            <a:off x="4148184" y="3055338"/>
-            <a:ext cx="297180" cy="369332"/>
-          </a:xfrm>
-          <a:prstGeom prst="rect">
-            <a:avLst/>
-          </a:prstGeom>
-          <a:solidFill>
-            <a:schemeClr val="accent6">
-              <a:lumMod val="40000"/>
-              <a:lumOff val="60000"/>
-            </a:schemeClr>
-          </a:solidFill>
-          <a:ln w="25400">
-            <a:solidFill>
-              <a:schemeClr val="accent6">
-                <a:lumMod val="75000"/>
-              </a:schemeClr>
-            </a:solidFill>
-          </a:ln>
-        </p:spPr>
-        <p:txBody>
-          <a:bodyPr wrap="square" rtlCol="0">
-            <a:spAutoFit/>
-          </a:bodyPr>
-          <a:lstStyle/>
-          <a:p>
-            <a:pPr algn="ctr"/>
-            <a:r>
-              <a:rPr lang="en-US" b="1" dirty="0">
-                <a:solidFill>
-                  <a:schemeClr val="accent6">
-                    <a:lumMod val="75000"/>
-                  </a:schemeClr>
-                </a:solidFill>
-              </a:rPr>
-              <a:t>4</a:t>
-            </a:r>
-          </a:p>
-        </p:txBody>
-      </p:sp>
-      <p:sp>
-        <p:nvSpPr>
-          <p:cNvPr id="88" name="TextBox 87">
-            <a:extLst>
-              <a:ext uri="{FF2B5EF4-FFF2-40B4-BE49-F238E27FC236}">
-                <a16:creationId xmlns:a16="http://schemas.microsoft.com/office/drawing/2014/main" id="{B2109F4C-9694-BD4C-8273-4C27F4E653F1}"/>
-              </a:ext>
-            </a:extLst>
-          </p:cNvPr>
-          <p:cNvSpPr txBox="1"/>
-          <p:nvPr/>
-        </p:nvSpPr>
-        <p:spPr>
-          <a:xfrm>
-            <a:off x="3729782" y="5040932"/>
-            <a:ext cx="297180" cy="369332"/>
-          </a:xfrm>
-          <a:prstGeom prst="rect">
-            <a:avLst/>
-          </a:prstGeom>
-          <a:solidFill>
-            <a:schemeClr val="accent6">
-              <a:lumMod val="40000"/>
-              <a:lumOff val="60000"/>
-            </a:schemeClr>
-          </a:solidFill>
-          <a:ln w="25400">
-            <a:solidFill>
-              <a:schemeClr val="accent6">
-                <a:lumMod val="75000"/>
-              </a:schemeClr>
-            </a:solidFill>
-          </a:ln>
-        </p:spPr>
-        <p:txBody>
-          <a:bodyPr wrap="square" rtlCol="0">
-            <a:spAutoFit/>
-          </a:bodyPr>
-          <a:lstStyle/>
-          <a:p>
-            <a:pPr algn="ctr"/>
-            <a:r>
-              <a:rPr lang="en-US" b="1" dirty="0">
-                <a:solidFill>
-                  <a:schemeClr val="accent6">
-                    <a:lumMod val="75000"/>
-                  </a:schemeClr>
-                </a:solidFill>
-              </a:rPr>
-              <a:t>6</a:t>
-            </a:r>
-          </a:p>
-        </p:txBody>
-      </p:sp>
-      <p:sp>
-        <p:nvSpPr>
-          <p:cNvPr id="89" name="TextBox 88">
-            <a:extLst>
-              <a:ext uri="{FF2B5EF4-FFF2-40B4-BE49-F238E27FC236}">
-                <a16:creationId xmlns:a16="http://schemas.microsoft.com/office/drawing/2014/main" id="{741C2CDB-C418-E240-9824-F33B6FB55B1F}"/>
-              </a:ext>
-            </a:extLst>
-          </p:cNvPr>
-          <p:cNvSpPr txBox="1"/>
-          <p:nvPr/>
-        </p:nvSpPr>
-        <p:spPr>
-          <a:xfrm>
-            <a:off x="5238280" y="6468265"/>
-            <a:ext cx="297180" cy="369332"/>
-          </a:xfrm>
-          <a:prstGeom prst="rect">
-            <a:avLst/>
-          </a:prstGeom>
-          <a:solidFill>
-            <a:schemeClr val="accent6">
-              <a:lumMod val="40000"/>
-              <a:lumOff val="60000"/>
-            </a:schemeClr>
-          </a:solidFill>
-          <a:ln w="25400">
-            <a:solidFill>
-              <a:schemeClr val="accent6">
-                <a:lumMod val="75000"/>
-              </a:schemeClr>
-            </a:solidFill>
-          </a:ln>
-        </p:spPr>
-        <p:txBody>
-          <a:bodyPr wrap="square" rtlCol="0">
-            <a:spAutoFit/>
-          </a:bodyPr>
-          <a:lstStyle/>
-          <a:p>
-            <a:pPr algn="ctr"/>
-            <a:r>
-              <a:rPr lang="en-US" b="1" dirty="0">
-                <a:solidFill>
-                  <a:schemeClr val="accent6">
-                    <a:lumMod val="75000"/>
-                  </a:schemeClr>
-                </a:solidFill>
-              </a:rPr>
-              <a:t>7</a:t>
-            </a:r>
-          </a:p>
-        </p:txBody>
-      </p:sp>
-      <p:sp>
-        <p:nvSpPr>
-          <p:cNvPr id="92" name="TextBox 91">
-            <a:extLst>
-              <a:ext uri="{FF2B5EF4-FFF2-40B4-BE49-F238E27FC236}">
-                <a16:creationId xmlns:a16="http://schemas.microsoft.com/office/drawing/2014/main" id="{C8B9378D-E069-5E43-A1D1-C030C23C26D6}"/>
-              </a:ext>
-            </a:extLst>
-          </p:cNvPr>
-          <p:cNvSpPr txBox="1"/>
-          <p:nvPr/>
-        </p:nvSpPr>
-        <p:spPr>
-          <a:xfrm>
-            <a:off x="5907530" y="3286469"/>
-            <a:ext cx="297180" cy="369332"/>
+            <a:off x="10692935" y="4898507"/>
+            <a:ext cx="481986" cy="369332"/>
           </a:xfrm>
           <a:prstGeom prst="rect">
             <a:avLst/>
@@ -6190,17 +6412,17 @@
                   </a:schemeClr>
                 </a:solidFill>
               </a:rPr>
-              <a:t>9</a:t>
-            </a:r>
-          </a:p>
-        </p:txBody>
-      </p:sp>
-      <p:sp>
-        <p:nvSpPr>
-          <p:cNvPr id="94" name="TextBox 93">
-            <a:extLst>
-              <a:ext uri="{FF2B5EF4-FFF2-40B4-BE49-F238E27FC236}">
-                <a16:creationId xmlns:a16="http://schemas.microsoft.com/office/drawing/2014/main" id="{0CC0ADAB-FFED-C340-A9EF-F806DD0E31E1}"/>
+              <a:t>14</a:t>
+            </a:r>
+          </a:p>
+        </p:txBody>
+      </p:sp>
+      <p:sp>
+        <p:nvSpPr>
+          <p:cNvPr id="98" name="TextBox 97">
+            <a:extLst>
+              <a:ext uri="{FF2B5EF4-FFF2-40B4-BE49-F238E27FC236}">
+                <a16:creationId xmlns:a16="http://schemas.microsoft.com/office/drawing/2014/main" id="{4E29A9A4-6A48-9348-AF91-21BA80C6C07B}"/>
               </a:ext>
             </a:extLst>
           </p:cNvPr>
@@ -6209,61 +6431,7 @@
         </p:nvSpPr>
         <p:spPr>
           <a:xfrm>
-            <a:off x="7743647" y="5276905"/>
-            <a:ext cx="481986" cy="369332"/>
-          </a:xfrm>
-          <a:prstGeom prst="rect">
-            <a:avLst/>
-          </a:prstGeom>
-          <a:solidFill>
-            <a:schemeClr val="accent6">
-              <a:lumMod val="40000"/>
-              <a:lumOff val="60000"/>
-            </a:schemeClr>
-          </a:solidFill>
-          <a:ln w="25400">
-            <a:solidFill>
-              <a:schemeClr val="accent6">
-                <a:lumMod val="75000"/>
-              </a:schemeClr>
-            </a:solidFill>
-          </a:ln>
-        </p:spPr>
-        <p:txBody>
-          <a:bodyPr wrap="square" rtlCol="0">
-            <a:spAutoFit/>
-          </a:bodyPr>
-          <a:lstStyle/>
-          <a:p>
-            <a:pPr algn="ctr"/>
-            <a:r>
-              <a:rPr lang="en-US" b="1" dirty="0">
-                <a:solidFill>
-                  <a:schemeClr val="accent6">
-                    <a:lumMod val="75000"/>
-                  </a:schemeClr>
-                </a:solidFill>
-              </a:rPr>
-              <a:t>11</a:t>
-            </a:r>
-          </a:p>
-        </p:txBody>
-      </p:sp>
-      <p:sp>
-        <p:nvSpPr>
-          <p:cNvPr id="95" name="TextBox 94">
-            <a:extLst>
-              <a:ext uri="{FF2B5EF4-FFF2-40B4-BE49-F238E27FC236}">
-                <a16:creationId xmlns:a16="http://schemas.microsoft.com/office/drawing/2014/main" id="{955074F7-B7FF-8B4A-A57E-D123CD396386}"/>
-              </a:ext>
-            </a:extLst>
-          </p:cNvPr>
-          <p:cNvSpPr txBox="1"/>
-          <p:nvPr/>
-        </p:nvSpPr>
-        <p:spPr>
-          <a:xfrm>
-            <a:off x="7369991" y="3552308"/>
+            <a:off x="10991608" y="2798189"/>
             <a:ext cx="481986" cy="369332"/>
           </a:xfrm>
           <a:prstGeom prst="rect">
@@ -6298,17 +6466,17 @@
                   </a:schemeClr>
                 </a:solidFill>
               </a:rPr>
-              <a:t>12</a:t>
-            </a:r>
-          </a:p>
-        </p:txBody>
-      </p:sp>
-      <p:sp>
-        <p:nvSpPr>
-          <p:cNvPr id="96" name="TextBox 95">
-            <a:extLst>
-              <a:ext uri="{FF2B5EF4-FFF2-40B4-BE49-F238E27FC236}">
-                <a16:creationId xmlns:a16="http://schemas.microsoft.com/office/drawing/2014/main" id="{F5995287-6C5B-2049-BDBC-7533E75F350E}"/>
+              <a:t>15</a:t>
+            </a:r>
+          </a:p>
+        </p:txBody>
+      </p:sp>
+      <p:sp>
+        <p:nvSpPr>
+          <p:cNvPr id="99" name="TextBox 98">
+            <a:extLst>
+              <a:ext uri="{FF2B5EF4-FFF2-40B4-BE49-F238E27FC236}">
+                <a16:creationId xmlns:a16="http://schemas.microsoft.com/office/drawing/2014/main" id="{0CC4B71B-821E-CF40-A2BD-5C83A466D98B}"/>
               </a:ext>
             </a:extLst>
           </p:cNvPr>
@@ -6317,57 +6485,7 @@
         </p:nvSpPr>
         <p:spPr>
           <a:xfrm>
-            <a:off x="9471708" y="4040918"/>
-            <a:ext cx="481986" cy="369332"/>
-          </a:xfrm>
-          <a:prstGeom prst="rect">
-            <a:avLst/>
-          </a:prstGeom>
-          <a:solidFill>
-            <a:schemeClr val="accent2">
-              <a:lumMod val="40000"/>
-              <a:lumOff val="60000"/>
-            </a:schemeClr>
-          </a:solidFill>
-          <a:ln w="25400">
-            <a:solidFill>
-              <a:srgbClr val="C00000"/>
-            </a:solidFill>
-          </a:ln>
-        </p:spPr>
-        <p:txBody>
-          <a:bodyPr wrap="square" rtlCol="0">
-            <a:spAutoFit/>
-          </a:bodyPr>
-          <a:lstStyle/>
-          <a:p>
-            <a:pPr algn="ctr"/>
-            <a:r>
-              <a:rPr lang="en-US" b="1" dirty="0">
-                <a:solidFill>
-                  <a:srgbClr val="C00000"/>
-                </a:solidFill>
-              </a:rPr>
-              <a:t>13</a:t>
-            </a:r>
-          </a:p>
-        </p:txBody>
-      </p:sp>
-      <p:sp>
-        <p:nvSpPr>
-          <p:cNvPr id="97" name="TextBox 96">
-            <a:extLst>
-              <a:ext uri="{FF2B5EF4-FFF2-40B4-BE49-F238E27FC236}">
-                <a16:creationId xmlns:a16="http://schemas.microsoft.com/office/drawing/2014/main" id="{E713F805-3CF5-684C-81FB-5D5321772451}"/>
-              </a:ext>
-            </a:extLst>
-          </p:cNvPr>
-          <p:cNvSpPr txBox="1"/>
-          <p:nvPr/>
-        </p:nvSpPr>
-        <p:spPr>
-          <a:xfrm>
-            <a:off x="10692935" y="4898507"/>
+            <a:off x="10696505" y="3273876"/>
             <a:ext cx="481986" cy="369332"/>
           </a:xfrm>
           <a:prstGeom prst="rect">
@@ -6402,17 +6520,17 @@
                   </a:schemeClr>
                 </a:solidFill>
               </a:rPr>
-              <a:t>14</a:t>
-            </a:r>
-          </a:p>
-        </p:txBody>
-      </p:sp>
-      <p:sp>
-        <p:nvSpPr>
-          <p:cNvPr id="98" name="TextBox 97">
-            <a:extLst>
-              <a:ext uri="{FF2B5EF4-FFF2-40B4-BE49-F238E27FC236}">
-                <a16:creationId xmlns:a16="http://schemas.microsoft.com/office/drawing/2014/main" id="{4E29A9A4-6A48-9348-AF91-21BA80C6C07B}"/>
+              <a:t>16</a:t>
+            </a:r>
+          </a:p>
+        </p:txBody>
+      </p:sp>
+      <p:sp>
+        <p:nvSpPr>
+          <p:cNvPr id="101" name="TextBox 100">
+            <a:extLst>
+              <a:ext uri="{FF2B5EF4-FFF2-40B4-BE49-F238E27FC236}">
+                <a16:creationId xmlns:a16="http://schemas.microsoft.com/office/drawing/2014/main" id="{43D6964B-D4D6-5743-BB72-390BB83E816C}"/>
               </a:ext>
             </a:extLst>
           </p:cNvPr>
@@ -6421,8 +6539,8 @@
         </p:nvSpPr>
         <p:spPr>
           <a:xfrm>
-            <a:off x="10991608" y="2798189"/>
-            <a:ext cx="481986" cy="369332"/>
+            <a:off x="5238350" y="529864"/>
+            <a:ext cx="297180" cy="369332"/>
           </a:xfrm>
           <a:prstGeom prst="rect">
             <a:avLst/>
@@ -6454,106 +6572,6 @@
                   <a:schemeClr val="accent4">
                     <a:lumMod val="75000"/>
                   </a:schemeClr>
-                </a:solidFill>
-              </a:rPr>
-              <a:t>15</a:t>
-            </a:r>
-          </a:p>
-        </p:txBody>
-      </p:sp>
-      <p:sp>
-        <p:nvSpPr>
-          <p:cNvPr id="99" name="TextBox 98">
-            <a:extLst>
-              <a:ext uri="{FF2B5EF4-FFF2-40B4-BE49-F238E27FC236}">
-                <a16:creationId xmlns:a16="http://schemas.microsoft.com/office/drawing/2014/main" id="{0CC4B71B-821E-CF40-A2BD-5C83A466D98B}"/>
-              </a:ext>
-            </a:extLst>
-          </p:cNvPr>
-          <p:cNvSpPr txBox="1"/>
-          <p:nvPr/>
-        </p:nvSpPr>
-        <p:spPr>
-          <a:xfrm>
-            <a:off x="10696505" y="3273876"/>
-            <a:ext cx="481986" cy="369332"/>
-          </a:xfrm>
-          <a:prstGeom prst="rect">
-            <a:avLst/>
-          </a:prstGeom>
-          <a:solidFill>
-            <a:schemeClr val="accent2">
-              <a:lumMod val="40000"/>
-              <a:lumOff val="60000"/>
-            </a:schemeClr>
-          </a:solidFill>
-          <a:ln w="25400">
-            <a:solidFill>
-              <a:srgbClr val="C00000"/>
-            </a:solidFill>
-          </a:ln>
-        </p:spPr>
-        <p:txBody>
-          <a:bodyPr wrap="square" rtlCol="0">
-            <a:spAutoFit/>
-          </a:bodyPr>
-          <a:lstStyle/>
-          <a:p>
-            <a:pPr algn="ctr"/>
-            <a:r>
-              <a:rPr lang="en-US" b="1" dirty="0">
-                <a:solidFill>
-                  <a:srgbClr val="C00000"/>
-                </a:solidFill>
-              </a:rPr>
-              <a:t>16</a:t>
-            </a:r>
-          </a:p>
-        </p:txBody>
-      </p:sp>
-      <p:sp>
-        <p:nvSpPr>
-          <p:cNvPr id="101" name="TextBox 100">
-            <a:extLst>
-              <a:ext uri="{FF2B5EF4-FFF2-40B4-BE49-F238E27FC236}">
-                <a16:creationId xmlns:a16="http://schemas.microsoft.com/office/drawing/2014/main" id="{43D6964B-D4D6-5743-BB72-390BB83E816C}"/>
-              </a:ext>
-            </a:extLst>
-          </p:cNvPr>
-          <p:cNvSpPr txBox="1"/>
-          <p:nvPr/>
-        </p:nvSpPr>
-        <p:spPr>
-          <a:xfrm>
-            <a:off x="5238350" y="529864"/>
-            <a:ext cx="297180" cy="369332"/>
-          </a:xfrm>
-          <a:prstGeom prst="rect">
-            <a:avLst/>
-          </a:prstGeom>
-          <a:solidFill>
-            <a:schemeClr val="accent2">
-              <a:lumMod val="40000"/>
-              <a:lumOff val="60000"/>
-            </a:schemeClr>
-          </a:solidFill>
-          <a:ln w="25400">
-            <a:solidFill>
-              <a:srgbClr val="C00000"/>
-            </a:solidFill>
-          </a:ln>
-        </p:spPr>
-        <p:txBody>
-          <a:bodyPr wrap="square" rtlCol="0">
-            <a:spAutoFit/>
-          </a:bodyPr>
-          <a:lstStyle/>
-          <a:p>
-            <a:pPr algn="ctr"/>
-            <a:r>
-              <a:rPr lang="en-US" b="1" dirty="0">
-                <a:solidFill>
-                  <a:srgbClr val="C00000"/>
                 </a:solidFill>
               </a:rPr>
               <a:t>5</a:t>
@@ -7197,11 +7215,11 @@
           <a:noFill/>
           <a:ln w="25400" cap="flat" cmpd="sng" algn="ctr">
             <a:solidFill>
-              <a:schemeClr val="accent4">
+              <a:schemeClr val="accent6">
                 <a:lumMod val="75000"/>
               </a:schemeClr>
             </a:solidFill>
-            <a:prstDash val="dash"/>
+            <a:prstDash val="solid"/>
             <a:miter lim="800000"/>
             <a:tailEnd type="triangle" w="lg" len="lg"/>
           </a:ln>
@@ -7229,14 +7247,14 @@
             <a:avLst/>
           </a:prstGeom>
           <a:solidFill>
-            <a:schemeClr val="accent4">
+            <a:schemeClr val="accent6">
               <a:lumMod val="40000"/>
               <a:lumOff val="60000"/>
             </a:schemeClr>
           </a:solidFill>
           <a:ln w="25400">
             <a:solidFill>
-              <a:schemeClr val="accent4">
+              <a:schemeClr val="accent6">
                 <a:lumMod val="75000"/>
               </a:schemeClr>
             </a:solidFill>
@@ -7252,7 +7270,7 @@
             <a:r>
               <a:rPr lang="en-US" b="1" dirty="0">
                 <a:solidFill>
-                  <a:schemeClr val="accent4">
+                  <a:schemeClr val="accent6">
                     <a:lumMod val="75000"/>
                   </a:schemeClr>
                 </a:solidFill>
@@ -7290,11 +7308,11 @@
           <a:noFill/>
           <a:ln w="25400" cap="flat" cmpd="sng" algn="ctr">
             <a:solidFill>
-              <a:schemeClr val="accent4">
+              <a:schemeClr val="accent6">
                 <a:lumMod val="75000"/>
               </a:schemeClr>
             </a:solidFill>
-            <a:prstDash val="dash"/>
+            <a:prstDash val="solid"/>
             <a:miter lim="800000"/>
             <a:tailEnd type="triangle" w="lg" len="lg"/>
           </a:ln>
@@ -7322,14 +7340,14 @@
             <a:avLst/>
           </a:prstGeom>
           <a:solidFill>
-            <a:schemeClr val="accent4">
+            <a:schemeClr val="accent6">
               <a:lumMod val="40000"/>
               <a:lumOff val="60000"/>
             </a:schemeClr>
           </a:solidFill>
           <a:ln w="25400">
             <a:solidFill>
-              <a:schemeClr val="accent4">
+              <a:schemeClr val="accent6">
                 <a:lumMod val="75000"/>
               </a:schemeClr>
             </a:solidFill>
@@ -7345,7 +7363,7 @@
             <a:r>
               <a:rPr lang="en-US" b="1" dirty="0">
                 <a:solidFill>
-                  <a:schemeClr val="accent4">
+                  <a:schemeClr val="accent6">
                     <a:lumMod val="75000"/>
                   </a:schemeClr>
                 </a:solidFill>

--- a/experiment_diagram/experiment-B-N6_interconnect.pptx
+++ b/experiment_diagram/experiment-B-N6_interconnect.pptx
@@ -816,7 +816,7 @@
           <a:p>
             <a:fld id="{50E52EA3-2204-804F-9678-85900D481E2E}" type="datetimeFigureOut">
               <a:rPr lang="en-US" smtClean="0"/>
-              <a:t>7/29/22</a:t>
+              <a:t>8/1/22</a:t>
             </a:fld>
             <a:endParaRPr lang="en-US"/>
           </a:p>
@@ -1014,7 +1014,7 @@
           <a:p>
             <a:fld id="{50E52EA3-2204-804F-9678-85900D481E2E}" type="datetimeFigureOut">
               <a:rPr lang="en-US" smtClean="0"/>
-              <a:t>7/29/22</a:t>
+              <a:t>8/1/22</a:t>
             </a:fld>
             <a:endParaRPr lang="en-US"/>
           </a:p>
@@ -1222,7 +1222,7 @@
           <a:p>
             <a:fld id="{50E52EA3-2204-804F-9678-85900D481E2E}" type="datetimeFigureOut">
               <a:rPr lang="en-US" smtClean="0"/>
-              <a:t>7/29/22</a:t>
+              <a:t>8/1/22</a:t>
             </a:fld>
             <a:endParaRPr lang="en-US"/>
           </a:p>
@@ -1420,7 +1420,7 @@
           <a:p>
             <a:fld id="{50E52EA3-2204-804F-9678-85900D481E2E}" type="datetimeFigureOut">
               <a:rPr lang="en-US" smtClean="0"/>
-              <a:t>7/29/22</a:t>
+              <a:t>8/1/22</a:t>
             </a:fld>
             <a:endParaRPr lang="en-US"/>
           </a:p>
@@ -1695,7 +1695,7 @@
           <a:p>
             <a:fld id="{50E52EA3-2204-804F-9678-85900D481E2E}" type="datetimeFigureOut">
               <a:rPr lang="en-US" smtClean="0"/>
-              <a:t>7/29/22</a:t>
+              <a:t>8/1/22</a:t>
             </a:fld>
             <a:endParaRPr lang="en-US"/>
           </a:p>
@@ -1960,7 +1960,7 @@
           <a:p>
             <a:fld id="{50E52EA3-2204-804F-9678-85900D481E2E}" type="datetimeFigureOut">
               <a:rPr lang="en-US" smtClean="0"/>
-              <a:t>7/29/22</a:t>
+              <a:t>8/1/22</a:t>
             </a:fld>
             <a:endParaRPr lang="en-US"/>
           </a:p>
@@ -2372,7 +2372,7 @@
           <a:p>
             <a:fld id="{50E52EA3-2204-804F-9678-85900D481E2E}" type="datetimeFigureOut">
               <a:rPr lang="en-US" smtClean="0"/>
-              <a:t>7/29/22</a:t>
+              <a:t>8/1/22</a:t>
             </a:fld>
             <a:endParaRPr lang="en-US"/>
           </a:p>
@@ -2513,7 +2513,7 @@
           <a:p>
             <a:fld id="{50E52EA3-2204-804F-9678-85900D481E2E}" type="datetimeFigureOut">
               <a:rPr lang="en-US" smtClean="0"/>
-              <a:t>7/29/22</a:t>
+              <a:t>8/1/22</a:t>
             </a:fld>
             <a:endParaRPr lang="en-US"/>
           </a:p>
@@ -2626,7 +2626,7 @@
           <a:p>
             <a:fld id="{50E52EA3-2204-804F-9678-85900D481E2E}" type="datetimeFigureOut">
               <a:rPr lang="en-US" smtClean="0"/>
-              <a:t>7/29/22</a:t>
+              <a:t>8/1/22</a:t>
             </a:fld>
             <a:endParaRPr lang="en-US"/>
           </a:p>
@@ -2937,7 +2937,7 @@
           <a:p>
             <a:fld id="{50E52EA3-2204-804F-9678-85900D481E2E}" type="datetimeFigureOut">
               <a:rPr lang="en-US" smtClean="0"/>
-              <a:t>7/29/22</a:t>
+              <a:t>8/1/22</a:t>
             </a:fld>
             <a:endParaRPr lang="en-US"/>
           </a:p>
@@ -3225,7 +3225,7 @@
           <a:p>
             <a:fld id="{50E52EA3-2204-804F-9678-85900D481E2E}" type="datetimeFigureOut">
               <a:rPr lang="en-US" smtClean="0"/>
-              <a:t>7/29/22</a:t>
+              <a:t>8/1/22</a:t>
             </a:fld>
             <a:endParaRPr lang="en-US"/>
           </a:p>
@@ -3466,7 +3466,7 @@
           <a:p>
             <a:fld id="{50E52EA3-2204-804F-9678-85900D481E2E}" type="datetimeFigureOut">
               <a:rPr lang="en-US" smtClean="0"/>
-              <a:t>7/29/22</a:t>
+              <a:t>8/1/22</a:t>
             </a:fld>
             <a:endParaRPr lang="en-US"/>
           </a:p>
@@ -7215,11 +7215,11 @@
           <a:noFill/>
           <a:ln w="25400" cap="flat" cmpd="sng" algn="ctr">
             <a:solidFill>
-              <a:schemeClr val="accent6">
+              <a:schemeClr val="accent4">
                 <a:lumMod val="75000"/>
               </a:schemeClr>
             </a:solidFill>
-            <a:prstDash val="solid"/>
+            <a:prstDash val="dash"/>
             <a:miter lim="800000"/>
             <a:tailEnd type="triangle" w="lg" len="lg"/>
           </a:ln>
@@ -7247,14 +7247,14 @@
             <a:avLst/>
           </a:prstGeom>
           <a:solidFill>
-            <a:schemeClr val="accent6">
+            <a:schemeClr val="accent4">
               <a:lumMod val="40000"/>
               <a:lumOff val="60000"/>
             </a:schemeClr>
           </a:solidFill>
           <a:ln w="25400">
             <a:solidFill>
-              <a:schemeClr val="accent6">
+              <a:schemeClr val="accent4">
                 <a:lumMod val="75000"/>
               </a:schemeClr>
             </a:solidFill>
@@ -7270,7 +7270,7 @@
             <a:r>
               <a:rPr lang="en-US" b="1" dirty="0">
                 <a:solidFill>
-                  <a:schemeClr val="accent6">
+                  <a:schemeClr val="accent4">
                     <a:lumMod val="75000"/>
                   </a:schemeClr>
                 </a:solidFill>

--- a/experiment_diagram/experiment-B-N6_interconnect.pptx
+++ b/experiment_diagram/experiment-B-N6_interconnect.pptx
@@ -6,6 +6,7 @@
   </p:sldMasterIdLst>
   <p:sldIdLst>
     <p:sldId id="257" r:id="rId2"/>
+    <p:sldId id="258" r:id="rId3"/>
   </p:sldIdLst>
   <p:sldSz cx="12192000" cy="6858000"/>
   <p:notesSz cx="6858000" cy="9144000"/>
@@ -816,7 +817,7 @@
           <a:p>
             <a:fld id="{50E52EA3-2204-804F-9678-85900D481E2E}" type="datetimeFigureOut">
               <a:rPr lang="en-US" smtClean="0"/>
-              <a:t>8/1/22</a:t>
+              <a:t>10/14/22</a:t>
             </a:fld>
             <a:endParaRPr lang="en-US"/>
           </a:p>
@@ -1014,7 +1015,7 @@
           <a:p>
             <a:fld id="{50E52EA3-2204-804F-9678-85900D481E2E}" type="datetimeFigureOut">
               <a:rPr lang="en-US" smtClean="0"/>
-              <a:t>8/1/22</a:t>
+              <a:t>10/14/22</a:t>
             </a:fld>
             <a:endParaRPr lang="en-US"/>
           </a:p>
@@ -1222,7 +1223,7 @@
           <a:p>
             <a:fld id="{50E52EA3-2204-804F-9678-85900D481E2E}" type="datetimeFigureOut">
               <a:rPr lang="en-US" smtClean="0"/>
-              <a:t>8/1/22</a:t>
+              <a:t>10/14/22</a:t>
             </a:fld>
             <a:endParaRPr lang="en-US"/>
           </a:p>
@@ -1420,7 +1421,7 @@
           <a:p>
             <a:fld id="{50E52EA3-2204-804F-9678-85900D481E2E}" type="datetimeFigureOut">
               <a:rPr lang="en-US" smtClean="0"/>
-              <a:t>8/1/22</a:t>
+              <a:t>10/14/22</a:t>
             </a:fld>
             <a:endParaRPr lang="en-US"/>
           </a:p>
@@ -1695,7 +1696,7 @@
           <a:p>
             <a:fld id="{50E52EA3-2204-804F-9678-85900D481E2E}" type="datetimeFigureOut">
               <a:rPr lang="en-US" smtClean="0"/>
-              <a:t>8/1/22</a:t>
+              <a:t>10/14/22</a:t>
             </a:fld>
             <a:endParaRPr lang="en-US"/>
           </a:p>
@@ -1960,7 +1961,7 @@
           <a:p>
             <a:fld id="{50E52EA3-2204-804F-9678-85900D481E2E}" type="datetimeFigureOut">
               <a:rPr lang="en-US" smtClean="0"/>
-              <a:t>8/1/22</a:t>
+              <a:t>10/14/22</a:t>
             </a:fld>
             <a:endParaRPr lang="en-US"/>
           </a:p>
@@ -2372,7 +2373,7 @@
           <a:p>
             <a:fld id="{50E52EA3-2204-804F-9678-85900D481E2E}" type="datetimeFigureOut">
               <a:rPr lang="en-US" smtClean="0"/>
-              <a:t>8/1/22</a:t>
+              <a:t>10/14/22</a:t>
             </a:fld>
             <a:endParaRPr lang="en-US"/>
           </a:p>
@@ -2513,7 +2514,7 @@
           <a:p>
             <a:fld id="{50E52EA3-2204-804F-9678-85900D481E2E}" type="datetimeFigureOut">
               <a:rPr lang="en-US" smtClean="0"/>
-              <a:t>8/1/22</a:t>
+              <a:t>10/14/22</a:t>
             </a:fld>
             <a:endParaRPr lang="en-US"/>
           </a:p>
@@ -2626,7 +2627,7 @@
           <a:p>
             <a:fld id="{50E52EA3-2204-804F-9678-85900D481E2E}" type="datetimeFigureOut">
               <a:rPr lang="en-US" smtClean="0"/>
-              <a:t>8/1/22</a:t>
+              <a:t>10/14/22</a:t>
             </a:fld>
             <a:endParaRPr lang="en-US"/>
           </a:p>
@@ -2937,7 +2938,7 @@
           <a:p>
             <a:fld id="{50E52EA3-2204-804F-9678-85900D481E2E}" type="datetimeFigureOut">
               <a:rPr lang="en-US" smtClean="0"/>
-              <a:t>8/1/22</a:t>
+              <a:t>10/14/22</a:t>
             </a:fld>
             <a:endParaRPr lang="en-US"/>
           </a:p>
@@ -3225,7 +3226,7 @@
           <a:p>
             <a:fld id="{50E52EA3-2204-804F-9678-85900D481E2E}" type="datetimeFigureOut">
               <a:rPr lang="en-US" smtClean="0"/>
-              <a:t>8/1/22</a:t>
+              <a:t>10/14/22</a:t>
             </a:fld>
             <a:endParaRPr lang="en-US"/>
           </a:p>
@@ -3466,7 +3467,7 @@
           <a:p>
             <a:fld id="{50E52EA3-2204-804F-9678-85900D481E2E}" type="datetimeFigureOut">
               <a:rPr lang="en-US" smtClean="0"/>
-              <a:t>8/1/22</a:t>
+              <a:t>10/14/22</a:t>
             </a:fld>
             <a:endParaRPr lang="en-US"/>
           </a:p>
@@ -7899,6 +7900,4039 @@
 </p:sld>
 </file>
 
+<file path=ppt/slides/slide2.xml><?xml version="1.0" encoding="utf-8"?>
+<p:sld xmlns:a="http://schemas.openxmlformats.org/drawingml/2006/main" xmlns:r="http://schemas.openxmlformats.org/officeDocument/2006/relationships" xmlns:p="http://schemas.openxmlformats.org/presentationml/2006/main">
+  <p:cSld>
+    <p:spTree>
+      <p:nvGrpSpPr>
+        <p:cNvPr id="1" name=""/>
+        <p:cNvGrpSpPr/>
+        <p:nvPr/>
+      </p:nvGrpSpPr>
+      <p:grpSpPr>
+        <a:xfrm>
+          <a:off x="0" y="0"/>
+          <a:ext cx="0" cy="0"/>
+          <a:chOff x="0" y="0"/>
+          <a:chExt cx="0" cy="0"/>
+        </a:xfrm>
+      </p:grpSpPr>
+      <p:sp>
+        <p:nvSpPr>
+          <p:cNvPr id="9" name="Oval 8">
+            <a:extLst>
+              <a:ext uri="{FF2B5EF4-FFF2-40B4-BE49-F238E27FC236}">
+                <a16:creationId xmlns:a16="http://schemas.microsoft.com/office/drawing/2014/main" id="{018804A4-31C7-8448-982E-593E364F5864}"/>
+              </a:ext>
+            </a:extLst>
+          </p:cNvPr>
+          <p:cNvSpPr/>
+          <p:nvPr/>
+        </p:nvSpPr>
+        <p:spPr>
+          <a:xfrm>
+            <a:off x="1935313" y="675818"/>
+            <a:ext cx="1393161" cy="1074291"/>
+          </a:xfrm>
+          <a:prstGeom prst="ellipse">
+            <a:avLst/>
+          </a:prstGeom>
+          <a:solidFill>
+            <a:srgbClr val="307F9C"/>
+          </a:solidFill>
+          <a:ln w="12700" cap="flat" cmpd="sng" algn="ctr">
+            <a:noFill/>
+            <a:prstDash val="solid"/>
+            <a:miter lim="800000"/>
+          </a:ln>
+          <a:effectLst/>
+        </p:spPr>
+        <p:txBody>
+          <a:bodyPr rtlCol="0" anchor="ctr"/>
+          <a:lstStyle/>
+          <a:p>
+            <a:pPr marL="0" marR="0" lvl="0" indent="0" algn="ctr" defTabSz="914400" eaLnBrk="1" fontAlgn="auto" latinLnBrk="0" hangingPunct="1">
+              <a:lnSpc>
+                <a:spcPct val="100000"/>
+              </a:lnSpc>
+              <a:spcBef>
+                <a:spcPts val="0"/>
+              </a:spcBef>
+              <a:spcAft>
+                <a:spcPts val="0"/>
+              </a:spcAft>
+              <a:buClr>
+                <a:srgbClr val="000000"/>
+              </a:buClr>
+              <a:buSzTx/>
+              <a:buFont typeface="Arial"/>
+              <a:buNone/>
+              <a:tabLst/>
+              <a:defRPr/>
+            </a:pPr>
+            <a:r>
+              <a:rPr kumimoji="0" lang="en-US" sz="1400" b="0" i="0" u="none" strike="noStrike" kern="0" cap="none" spc="0" normalizeH="0" baseline="0" noProof="0" dirty="0">
+                <a:ln>
+                  <a:noFill/>
+                </a:ln>
+                <a:solidFill>
+                  <a:srgbClr val="FFFFFF"/>
+                </a:solidFill>
+                <a:effectLst/>
+                <a:uLnTx/>
+                <a:uFillTx/>
+                <a:latin typeface="Calibri" panose="020F0502020204030204"/>
+                <a:ea typeface="+mn-ea"/>
+                <a:cs typeface="+mn-cs"/>
+                <a:sym typeface="Arial"/>
+              </a:rPr>
+              <a:t>Climate/</a:t>
+            </a:r>
+          </a:p>
+          <a:p>
+            <a:pPr marL="0" marR="0" lvl="0" indent="0" algn="ctr" defTabSz="914400" eaLnBrk="1" fontAlgn="auto" latinLnBrk="0" hangingPunct="1">
+              <a:lnSpc>
+                <a:spcPct val="100000"/>
+              </a:lnSpc>
+              <a:spcBef>
+                <a:spcPts val="0"/>
+              </a:spcBef>
+              <a:spcAft>
+                <a:spcPts val="0"/>
+              </a:spcAft>
+              <a:buClr>
+                <a:srgbClr val="000000"/>
+              </a:buClr>
+              <a:buSzTx/>
+              <a:buFont typeface="Arial"/>
+              <a:buNone/>
+              <a:tabLst/>
+              <a:defRPr/>
+            </a:pPr>
+            <a:r>
+              <a:rPr lang="en-US" sz="1400" kern="0" dirty="0">
+                <a:solidFill>
+                  <a:srgbClr val="FFFFFF"/>
+                </a:solidFill>
+                <a:latin typeface="Calibri" panose="020F0502020204030204"/>
+                <a:sym typeface="Arial"/>
+              </a:rPr>
+              <a:t>E</a:t>
+            </a:r>
+            <a:r>
+              <a:rPr kumimoji="0" lang="en-US" sz="1400" b="0" i="0" u="none" strike="noStrike" kern="0" cap="none" spc="0" normalizeH="0" baseline="0" noProof="0" dirty="0">
+                <a:ln>
+                  <a:noFill/>
+                </a:ln>
+                <a:solidFill>
+                  <a:srgbClr val="FFFFFF"/>
+                </a:solidFill>
+                <a:effectLst/>
+                <a:uLnTx/>
+                <a:uFillTx/>
+                <a:latin typeface="Calibri" panose="020F0502020204030204"/>
+                <a:ea typeface="+mn-ea"/>
+                <a:cs typeface="+mn-cs"/>
+                <a:sym typeface="Arial"/>
+              </a:rPr>
+              <a:t>missions Scenario</a:t>
+            </a:r>
+          </a:p>
+          <a:p>
+            <a:pPr marL="0" marR="0" lvl="0" indent="0" algn="ctr" defTabSz="914400" eaLnBrk="1" fontAlgn="auto" latinLnBrk="0" hangingPunct="1">
+              <a:lnSpc>
+                <a:spcPct val="100000"/>
+              </a:lnSpc>
+              <a:spcBef>
+                <a:spcPts val="0"/>
+              </a:spcBef>
+              <a:spcAft>
+                <a:spcPts val="0"/>
+              </a:spcAft>
+              <a:buClr>
+                <a:srgbClr val="000000"/>
+              </a:buClr>
+              <a:buSzTx/>
+              <a:buFont typeface="Arial"/>
+              <a:buNone/>
+              <a:tabLst/>
+              <a:defRPr/>
+            </a:pPr>
+            <a:r>
+              <a:rPr kumimoji="0" lang="en-US" sz="1400" b="0" i="0" u="none" strike="noStrike" kern="0" cap="none" spc="0" normalizeH="0" baseline="0" noProof="0" dirty="0">
+                <a:ln>
+                  <a:noFill/>
+                </a:ln>
+                <a:solidFill>
+                  <a:srgbClr val="FFFFFF"/>
+                </a:solidFill>
+                <a:effectLst/>
+                <a:uLnTx/>
+                <a:uFillTx/>
+                <a:latin typeface="Calibri" panose="020F0502020204030204"/>
+                <a:ea typeface="+mn-ea"/>
+                <a:cs typeface="+mn-cs"/>
+                <a:sym typeface="Arial"/>
+              </a:rPr>
+              <a:t>(RCP4.5, 8.5)</a:t>
+            </a:r>
+          </a:p>
+        </p:txBody>
+      </p:sp>
+      <p:sp>
+        <p:nvSpPr>
+          <p:cNvPr id="19" name="Oval 18">
+            <a:extLst>
+              <a:ext uri="{FF2B5EF4-FFF2-40B4-BE49-F238E27FC236}">
+                <a16:creationId xmlns:a16="http://schemas.microsoft.com/office/drawing/2014/main" id="{3F422638-7BB9-C542-A481-D2E4D0C253EC}"/>
+              </a:ext>
+            </a:extLst>
+          </p:cNvPr>
+          <p:cNvSpPr/>
+          <p:nvPr/>
+        </p:nvSpPr>
+        <p:spPr>
+          <a:xfrm>
+            <a:off x="2706615" y="1839933"/>
+            <a:ext cx="1382139" cy="824359"/>
+          </a:xfrm>
+          <a:prstGeom prst="ellipse">
+            <a:avLst/>
+          </a:prstGeom>
+          <a:solidFill>
+            <a:srgbClr val="307F9C"/>
+          </a:solidFill>
+          <a:ln w="12700" cap="flat" cmpd="sng" algn="ctr">
+            <a:noFill/>
+            <a:prstDash val="solid"/>
+            <a:miter lim="800000"/>
+          </a:ln>
+          <a:effectLst/>
+        </p:spPr>
+        <p:txBody>
+          <a:bodyPr rtlCol="0" anchor="ctr"/>
+          <a:lstStyle/>
+          <a:p>
+            <a:pPr marL="0" marR="0" lvl="0" indent="0" algn="ctr" defTabSz="914400" eaLnBrk="1" fontAlgn="auto" latinLnBrk="0" hangingPunct="1">
+              <a:lnSpc>
+                <a:spcPct val="100000"/>
+              </a:lnSpc>
+              <a:spcBef>
+                <a:spcPts val="0"/>
+              </a:spcBef>
+              <a:spcAft>
+                <a:spcPts val="0"/>
+              </a:spcAft>
+              <a:buClr>
+                <a:srgbClr val="000000"/>
+              </a:buClr>
+              <a:buSzTx/>
+              <a:buFont typeface="Arial"/>
+              <a:buNone/>
+              <a:tabLst/>
+              <a:defRPr/>
+            </a:pPr>
+            <a:r>
+              <a:rPr kumimoji="0" lang="en-US" sz="1400" b="0" i="0" u="none" strike="noStrike" kern="0" cap="none" spc="0" normalizeH="0" baseline="0" noProof="0" dirty="0">
+                <a:ln>
+                  <a:noFill/>
+                </a:ln>
+                <a:solidFill>
+                  <a:srgbClr val="FFFFFF"/>
+                </a:solidFill>
+                <a:effectLst/>
+                <a:uLnTx/>
+                <a:uFillTx/>
+                <a:latin typeface="Calibri" panose="020F0502020204030204"/>
+                <a:ea typeface="+mn-ea"/>
+                <a:cs typeface="+mn-cs"/>
+                <a:sym typeface="Arial"/>
+              </a:rPr>
+              <a:t>Socio-economic  Scenario</a:t>
+            </a:r>
+          </a:p>
+          <a:p>
+            <a:pPr marL="0" marR="0" lvl="0" indent="0" algn="ctr" defTabSz="914400" eaLnBrk="1" fontAlgn="auto" latinLnBrk="0" hangingPunct="1">
+              <a:lnSpc>
+                <a:spcPct val="100000"/>
+              </a:lnSpc>
+              <a:spcBef>
+                <a:spcPts val="0"/>
+              </a:spcBef>
+              <a:spcAft>
+                <a:spcPts val="0"/>
+              </a:spcAft>
+              <a:buClr>
+                <a:srgbClr val="000000"/>
+              </a:buClr>
+              <a:buSzTx/>
+              <a:buFont typeface="Arial"/>
+              <a:buNone/>
+              <a:tabLst/>
+              <a:defRPr/>
+            </a:pPr>
+            <a:r>
+              <a:rPr kumimoji="0" lang="en-US" sz="1400" b="0" i="0" u="none" strike="noStrike" kern="0" cap="none" spc="0" normalizeH="0" baseline="0" noProof="0" dirty="0">
+                <a:ln>
+                  <a:noFill/>
+                </a:ln>
+                <a:solidFill>
+                  <a:srgbClr val="FFFFFF"/>
+                </a:solidFill>
+                <a:effectLst/>
+                <a:uLnTx/>
+                <a:uFillTx/>
+                <a:latin typeface="Calibri" panose="020F0502020204030204"/>
+                <a:ea typeface="+mn-ea"/>
+                <a:cs typeface="+mn-cs"/>
+                <a:sym typeface="Arial"/>
+              </a:rPr>
+              <a:t>(SSP3, 5)</a:t>
+            </a:r>
+          </a:p>
+        </p:txBody>
+      </p:sp>
+      <p:cxnSp>
+        <p:nvCxnSpPr>
+          <p:cNvPr id="32" name="Elbow Connector 31">
+            <a:extLst>
+              <a:ext uri="{FF2B5EF4-FFF2-40B4-BE49-F238E27FC236}">
+                <a16:creationId xmlns:a16="http://schemas.microsoft.com/office/drawing/2014/main" id="{439FDA17-6630-C940-AE12-64A07E0CEDDB}"/>
+              </a:ext>
+            </a:extLst>
+          </p:cNvPr>
+          <p:cNvCxnSpPr>
+            <a:cxnSpLocks/>
+            <a:stCxn id="9" idx="2"/>
+            <a:endCxn id="24" idx="1"/>
+          </p:cNvCxnSpPr>
+          <p:nvPr/>
+        </p:nvCxnSpPr>
+        <p:spPr>
+          <a:xfrm rot="10800000" flipH="1" flipV="1">
+            <a:off x="1935313" y="1212963"/>
+            <a:ext cx="3499010" cy="4248607"/>
+          </a:xfrm>
+          <a:prstGeom prst="bentConnector3">
+            <a:avLst>
+              <a:gd name="adj1" fmla="val -6533"/>
+            </a:avLst>
+          </a:prstGeom>
+          <a:noFill/>
+          <a:ln w="25400" cap="flat" cmpd="sng" algn="ctr">
+            <a:solidFill>
+              <a:schemeClr val="accent6">
+                <a:lumMod val="75000"/>
+              </a:schemeClr>
+            </a:solidFill>
+            <a:prstDash val="solid"/>
+            <a:miter lim="800000"/>
+            <a:tailEnd type="triangle" w="lg" len="lg"/>
+          </a:ln>
+          <a:effectLst/>
+        </p:spPr>
+      </p:cxnSp>
+      <p:cxnSp>
+        <p:nvCxnSpPr>
+          <p:cNvPr id="33" name="Elbow Connector 32">
+            <a:extLst>
+              <a:ext uri="{FF2B5EF4-FFF2-40B4-BE49-F238E27FC236}">
+                <a16:creationId xmlns:a16="http://schemas.microsoft.com/office/drawing/2014/main" id="{971A11EC-8682-EB4E-A825-3E5E292E8968}"/>
+              </a:ext>
+            </a:extLst>
+          </p:cNvPr>
+          <p:cNvCxnSpPr>
+            <a:cxnSpLocks/>
+            <a:stCxn id="19" idx="2"/>
+          </p:cNvCxnSpPr>
+          <p:nvPr/>
+        </p:nvCxnSpPr>
+        <p:spPr>
+          <a:xfrm rot="10800000" flipH="1" flipV="1">
+            <a:off x="2706614" y="2252113"/>
+            <a:ext cx="2743459" cy="3424450"/>
+          </a:xfrm>
+          <a:prstGeom prst="bentConnector4">
+            <a:avLst>
+              <a:gd name="adj1" fmla="val -10311"/>
+              <a:gd name="adj2" fmla="val 100169"/>
+            </a:avLst>
+          </a:prstGeom>
+          <a:noFill/>
+          <a:ln w="25400" cap="flat" cmpd="sng" algn="ctr">
+            <a:solidFill>
+              <a:schemeClr val="accent6">
+                <a:lumMod val="75000"/>
+              </a:schemeClr>
+            </a:solidFill>
+            <a:prstDash val="solid"/>
+            <a:miter lim="800000"/>
+            <a:tailEnd type="triangle" w="lg" len="lg"/>
+          </a:ln>
+          <a:effectLst/>
+        </p:spPr>
+      </p:cxnSp>
+      <p:cxnSp>
+        <p:nvCxnSpPr>
+          <p:cNvPr id="34" name="Elbow Connector 33">
+            <a:extLst>
+              <a:ext uri="{FF2B5EF4-FFF2-40B4-BE49-F238E27FC236}">
+                <a16:creationId xmlns:a16="http://schemas.microsoft.com/office/drawing/2014/main" id="{3C6463E1-19F2-2D4C-9159-AC78D23CB3CD}"/>
+              </a:ext>
+            </a:extLst>
+          </p:cNvPr>
+          <p:cNvCxnSpPr>
+            <a:cxnSpLocks/>
+            <a:stCxn id="18" idx="2"/>
+          </p:cNvCxnSpPr>
+          <p:nvPr/>
+        </p:nvCxnSpPr>
+        <p:spPr>
+          <a:xfrm rot="16200000" flipH="1">
+            <a:off x="4123719" y="3906826"/>
+            <a:ext cx="603094" cy="2036640"/>
+          </a:xfrm>
+          <a:prstGeom prst="bentConnector2">
+            <a:avLst/>
+          </a:prstGeom>
+          <a:noFill/>
+          <a:ln w="25400" cap="flat" cmpd="sng" algn="ctr">
+            <a:solidFill>
+              <a:schemeClr val="accent6">
+                <a:lumMod val="75000"/>
+              </a:schemeClr>
+            </a:solidFill>
+            <a:prstDash val="solid"/>
+            <a:miter lim="800000"/>
+            <a:tailEnd type="triangle" w="lg" len="lg"/>
+          </a:ln>
+          <a:effectLst/>
+        </p:spPr>
+      </p:cxnSp>
+      <p:cxnSp>
+        <p:nvCxnSpPr>
+          <p:cNvPr id="37" name="Straight Arrow Connector 232">
+            <a:extLst>
+              <a:ext uri="{FF2B5EF4-FFF2-40B4-BE49-F238E27FC236}">
+                <a16:creationId xmlns:a16="http://schemas.microsoft.com/office/drawing/2014/main" id="{897F4E8B-5A67-0844-8D12-CD663D71BDA6}"/>
+              </a:ext>
+            </a:extLst>
+          </p:cNvPr>
+          <p:cNvCxnSpPr>
+            <a:cxnSpLocks/>
+            <a:stCxn id="36" idx="3"/>
+            <a:endCxn id="12" idx="2"/>
+          </p:cNvCxnSpPr>
+          <p:nvPr/>
+        </p:nvCxnSpPr>
+        <p:spPr>
+          <a:xfrm flipV="1">
+            <a:off x="10167409" y="4638753"/>
+            <a:ext cx="768107" cy="822819"/>
+          </a:xfrm>
+          <a:prstGeom prst="bentConnector2">
+            <a:avLst/>
+          </a:prstGeom>
+          <a:noFill/>
+          <a:ln w="25400" cap="flat" cmpd="sng" algn="ctr">
+            <a:solidFill>
+              <a:schemeClr val="accent6">
+                <a:lumMod val="75000"/>
+              </a:schemeClr>
+            </a:solidFill>
+            <a:prstDash val="solid"/>
+            <a:miter lim="800000"/>
+            <a:tailEnd type="triangle" w="lg" len="lg"/>
+          </a:ln>
+          <a:effectLst/>
+        </p:spPr>
+      </p:cxnSp>
+      <p:cxnSp>
+        <p:nvCxnSpPr>
+          <p:cNvPr id="38" name="Elbow Connector 37">
+            <a:extLst>
+              <a:ext uri="{FF2B5EF4-FFF2-40B4-BE49-F238E27FC236}">
+                <a16:creationId xmlns:a16="http://schemas.microsoft.com/office/drawing/2014/main" id="{CA0D5344-7BE4-EC49-B045-776F70B053F7}"/>
+              </a:ext>
+            </a:extLst>
+          </p:cNvPr>
+          <p:cNvCxnSpPr>
+            <a:cxnSpLocks/>
+            <a:stCxn id="70" idx="0"/>
+            <a:endCxn id="12" idx="3"/>
+          </p:cNvCxnSpPr>
+          <p:nvPr/>
+        </p:nvCxnSpPr>
+        <p:spPr>
+          <a:xfrm rot="16200000" flipH="1">
+            <a:off x="6253315" y="-1169541"/>
+            <a:ext cx="3439704" cy="7352527"/>
+          </a:xfrm>
+          <a:prstGeom prst="bentConnector4">
+            <a:avLst>
+              <a:gd name="adj1" fmla="val -2174"/>
+              <a:gd name="adj2" fmla="val 103109"/>
+            </a:avLst>
+          </a:prstGeom>
+          <a:noFill/>
+          <a:ln w="25400" cap="flat" cmpd="sng" algn="ctr">
+            <a:solidFill>
+              <a:schemeClr val="accent4">
+                <a:lumMod val="75000"/>
+              </a:schemeClr>
+            </a:solidFill>
+            <a:prstDash val="dash"/>
+            <a:miter lim="800000"/>
+            <a:tailEnd type="triangle" w="lg" len="lg"/>
+          </a:ln>
+          <a:effectLst/>
+        </p:spPr>
+      </p:cxnSp>
+      <p:cxnSp>
+        <p:nvCxnSpPr>
+          <p:cNvPr id="51" name="Elbow Connector 50">
+            <a:extLst>
+              <a:ext uri="{FF2B5EF4-FFF2-40B4-BE49-F238E27FC236}">
+                <a16:creationId xmlns:a16="http://schemas.microsoft.com/office/drawing/2014/main" id="{877BEA82-29F3-8043-96DA-3059B56510EE}"/>
+              </a:ext>
+            </a:extLst>
+          </p:cNvPr>
+          <p:cNvCxnSpPr>
+            <a:cxnSpLocks/>
+            <a:stCxn id="24" idx="3"/>
+            <a:endCxn id="36" idx="1"/>
+          </p:cNvCxnSpPr>
+          <p:nvPr/>
+        </p:nvCxnSpPr>
+        <p:spPr>
+          <a:xfrm>
+            <a:off x="6816462" y="5461571"/>
+            <a:ext cx="1923116" cy="1"/>
+          </a:xfrm>
+          <a:prstGeom prst="bentConnector3">
+            <a:avLst>
+              <a:gd name="adj1" fmla="val 50000"/>
+            </a:avLst>
+          </a:prstGeom>
+          <a:noFill/>
+          <a:ln w="25400" cap="flat" cmpd="sng" algn="ctr">
+            <a:solidFill>
+              <a:schemeClr val="accent6">
+                <a:lumMod val="75000"/>
+              </a:schemeClr>
+            </a:solidFill>
+            <a:prstDash val="solid"/>
+            <a:miter lim="800000"/>
+            <a:tailEnd type="triangle" w="lg" len="lg"/>
+          </a:ln>
+          <a:effectLst/>
+        </p:spPr>
+      </p:cxnSp>
+      <p:cxnSp>
+        <p:nvCxnSpPr>
+          <p:cNvPr id="58" name="Straight Arrow Connector 129">
+            <a:extLst>
+              <a:ext uri="{FF2B5EF4-FFF2-40B4-BE49-F238E27FC236}">
+                <a16:creationId xmlns:a16="http://schemas.microsoft.com/office/drawing/2014/main" id="{02698802-ACA5-E94B-9B2D-D1C7AA99CA3F}"/>
+              </a:ext>
+            </a:extLst>
+          </p:cNvPr>
+          <p:cNvCxnSpPr>
+            <a:cxnSpLocks/>
+            <a:stCxn id="70" idx="2"/>
+            <a:endCxn id="36" idx="2"/>
+          </p:cNvCxnSpPr>
+          <p:nvPr/>
+        </p:nvCxnSpPr>
+        <p:spPr>
+          <a:xfrm rot="16200000" flipH="1">
+            <a:off x="4759887" y="1180144"/>
+            <a:ext cx="4230624" cy="5156590"/>
+          </a:xfrm>
+          <a:prstGeom prst="bentConnector3">
+            <a:avLst>
+              <a:gd name="adj1" fmla="val 109293"/>
+            </a:avLst>
+          </a:prstGeom>
+          <a:noFill/>
+          <a:ln w="25400" cap="flat" cmpd="sng" algn="ctr">
+            <a:solidFill>
+              <a:schemeClr val="accent6">
+                <a:lumMod val="75000"/>
+              </a:schemeClr>
+            </a:solidFill>
+            <a:prstDash val="solid"/>
+            <a:miter lim="800000"/>
+            <a:tailEnd type="triangle" w="lg" len="lg"/>
+          </a:ln>
+          <a:effectLst/>
+        </p:spPr>
+      </p:cxnSp>
+      <p:cxnSp>
+        <p:nvCxnSpPr>
+          <p:cNvPr id="68" name="Straight Arrow Connector 129">
+            <a:extLst>
+              <a:ext uri="{FF2B5EF4-FFF2-40B4-BE49-F238E27FC236}">
+                <a16:creationId xmlns:a16="http://schemas.microsoft.com/office/drawing/2014/main" id="{5D61C376-75FA-0745-B2D3-1B26C2D5D9FE}"/>
+              </a:ext>
+            </a:extLst>
+          </p:cNvPr>
+          <p:cNvCxnSpPr>
+            <a:cxnSpLocks/>
+            <a:endCxn id="12" idx="1"/>
+          </p:cNvCxnSpPr>
+          <p:nvPr/>
+        </p:nvCxnSpPr>
+        <p:spPr>
+          <a:xfrm flipV="1">
+            <a:off x="6816462" y="4226574"/>
+            <a:ext cx="3405139" cy="1000119"/>
+          </a:xfrm>
+          <a:prstGeom prst="bentConnector3">
+            <a:avLst>
+              <a:gd name="adj1" fmla="val 44629"/>
+            </a:avLst>
+          </a:prstGeom>
+          <a:noFill/>
+          <a:ln w="25400" cap="flat" cmpd="sng" algn="ctr">
+            <a:solidFill>
+              <a:schemeClr val="accent6">
+                <a:lumMod val="75000"/>
+              </a:schemeClr>
+            </a:solidFill>
+            <a:prstDash val="solid"/>
+            <a:miter lim="800000"/>
+            <a:tailEnd type="triangle" w="lg" len="lg"/>
+          </a:ln>
+          <a:effectLst/>
+        </p:spPr>
+      </p:cxnSp>
+      <p:cxnSp>
+        <p:nvCxnSpPr>
+          <p:cNvPr id="185" name="Straight Arrow Connector 129">
+            <a:extLst>
+              <a:ext uri="{FF2B5EF4-FFF2-40B4-BE49-F238E27FC236}">
+                <a16:creationId xmlns:a16="http://schemas.microsoft.com/office/drawing/2014/main" id="{B58B2C01-150D-F94A-9DF6-9F2C02927DF4}"/>
+              </a:ext>
+            </a:extLst>
+          </p:cNvPr>
+          <p:cNvCxnSpPr>
+            <a:cxnSpLocks/>
+            <a:endCxn id="12" idx="0"/>
+          </p:cNvCxnSpPr>
+          <p:nvPr/>
+        </p:nvCxnSpPr>
+        <p:spPr>
+          <a:xfrm>
+            <a:off x="9886492" y="2990007"/>
+            <a:ext cx="1049024" cy="824387"/>
+          </a:xfrm>
+          <a:prstGeom prst="bentConnector2">
+            <a:avLst/>
+          </a:prstGeom>
+          <a:noFill/>
+          <a:ln w="25400" cap="flat" cmpd="sng" algn="ctr">
+            <a:solidFill>
+              <a:schemeClr val="accent6">
+                <a:lumMod val="75000"/>
+              </a:schemeClr>
+            </a:solidFill>
+            <a:prstDash val="solid"/>
+            <a:miter lim="800000"/>
+            <a:headEnd type="triangle" w="lg" len="lg"/>
+            <a:tailEnd type="none" w="lg" len="lg"/>
+          </a:ln>
+          <a:effectLst/>
+        </p:spPr>
+      </p:cxnSp>
+      <p:sp>
+        <p:nvSpPr>
+          <p:cNvPr id="3" name="TextBox 2">
+            <a:extLst>
+              <a:ext uri="{FF2B5EF4-FFF2-40B4-BE49-F238E27FC236}">
+                <a16:creationId xmlns:a16="http://schemas.microsoft.com/office/drawing/2014/main" id="{472D95DD-DC61-D648-9992-BF218E98C908}"/>
+              </a:ext>
+            </a:extLst>
+          </p:cNvPr>
+          <p:cNvSpPr txBox="1"/>
+          <p:nvPr/>
+        </p:nvSpPr>
+        <p:spPr>
+          <a:xfrm>
+            <a:off x="9845234" y="2428854"/>
+            <a:ext cx="1789238" cy="307777"/>
+          </a:xfrm>
+          <a:prstGeom prst="rect">
+            <a:avLst/>
+          </a:prstGeom>
+          <a:noFill/>
+        </p:spPr>
+        <p:txBody>
+          <a:bodyPr wrap="square" rtlCol="0">
+            <a:spAutoFit/>
+          </a:bodyPr>
+          <a:lstStyle/>
+          <a:p>
+            <a:r>
+              <a:rPr lang="en-US" sz="1400" b="1" dirty="0">
+                <a:solidFill>
+                  <a:schemeClr val="accent1"/>
+                </a:solidFill>
+              </a:rPr>
+              <a:t>Power plant locations</a:t>
+            </a:r>
+          </a:p>
+        </p:txBody>
+      </p:sp>
+      <p:sp>
+        <p:nvSpPr>
+          <p:cNvPr id="4" name="TextBox 3">
+            <a:extLst>
+              <a:ext uri="{FF2B5EF4-FFF2-40B4-BE49-F238E27FC236}">
+                <a16:creationId xmlns:a16="http://schemas.microsoft.com/office/drawing/2014/main" id="{EE940FB5-27B2-CB44-B83F-B97BA5BFF786}"/>
+              </a:ext>
+            </a:extLst>
+          </p:cNvPr>
+          <p:cNvSpPr txBox="1"/>
+          <p:nvPr/>
+        </p:nvSpPr>
+        <p:spPr>
+          <a:xfrm>
+            <a:off x="10161181" y="5462854"/>
+            <a:ext cx="1688175" cy="738664"/>
+          </a:xfrm>
+          <a:prstGeom prst="rect">
+            <a:avLst/>
+          </a:prstGeom>
+          <a:noFill/>
+        </p:spPr>
+        <p:txBody>
+          <a:bodyPr wrap="square" rtlCol="0">
+            <a:spAutoFit/>
+          </a:bodyPr>
+          <a:lstStyle/>
+          <a:p>
+            <a:r>
+              <a:rPr lang="en-US" sz="1400" b="1" dirty="0">
+                <a:solidFill>
+                  <a:schemeClr val="accent1"/>
+                </a:solidFill>
+              </a:rPr>
+              <a:t>Hourly electricity loads by Balancing Authority</a:t>
+            </a:r>
+          </a:p>
+        </p:txBody>
+      </p:sp>
+      <p:sp>
+        <p:nvSpPr>
+          <p:cNvPr id="53" name="TextBox 52">
+            <a:extLst>
+              <a:ext uri="{FF2B5EF4-FFF2-40B4-BE49-F238E27FC236}">
+                <a16:creationId xmlns:a16="http://schemas.microsoft.com/office/drawing/2014/main" id="{2707E22F-F80B-9048-B4E2-415E39D454A2}"/>
+              </a:ext>
+            </a:extLst>
+          </p:cNvPr>
+          <p:cNvSpPr txBox="1"/>
+          <p:nvPr/>
+        </p:nvSpPr>
+        <p:spPr>
+          <a:xfrm>
+            <a:off x="6809665" y="5603639"/>
+            <a:ext cx="1977223" cy="523220"/>
+          </a:xfrm>
+          <a:prstGeom prst="rect">
+            <a:avLst/>
+          </a:prstGeom>
+          <a:noFill/>
+        </p:spPr>
+        <p:txBody>
+          <a:bodyPr wrap="square" rtlCol="0">
+            <a:spAutoFit/>
+          </a:bodyPr>
+          <a:lstStyle/>
+          <a:p>
+            <a:pPr algn="ctr"/>
+            <a:r>
+              <a:rPr lang="en-US" sz="1400" b="1" dirty="0">
+                <a:solidFill>
+                  <a:schemeClr val="accent1"/>
+                </a:solidFill>
+              </a:rPr>
+              <a:t>State-level annual electricity consumption</a:t>
+            </a:r>
+          </a:p>
+        </p:txBody>
+      </p:sp>
+      <p:sp>
+        <p:nvSpPr>
+          <p:cNvPr id="59" name="TextBox 58">
+            <a:extLst>
+              <a:ext uri="{FF2B5EF4-FFF2-40B4-BE49-F238E27FC236}">
+                <a16:creationId xmlns:a16="http://schemas.microsoft.com/office/drawing/2014/main" id="{2E830D7D-98B2-5049-A700-3D0B7C0B1185}"/>
+              </a:ext>
+            </a:extLst>
+          </p:cNvPr>
+          <p:cNvSpPr txBox="1"/>
+          <p:nvPr/>
+        </p:nvSpPr>
+        <p:spPr>
+          <a:xfrm>
+            <a:off x="7845623" y="3475364"/>
+            <a:ext cx="1741398" cy="523220"/>
+          </a:xfrm>
+          <a:prstGeom prst="rect">
+            <a:avLst/>
+          </a:prstGeom>
+          <a:noFill/>
+        </p:spPr>
+        <p:txBody>
+          <a:bodyPr wrap="square" rtlCol="0">
+            <a:spAutoFit/>
+          </a:bodyPr>
+          <a:lstStyle/>
+          <a:p>
+            <a:r>
+              <a:rPr lang="en-US" sz="1400" b="1" dirty="0">
+                <a:solidFill>
+                  <a:schemeClr val="accent1"/>
+                </a:solidFill>
+              </a:rPr>
+              <a:t>State-level electricity system expansion</a:t>
+            </a:r>
+          </a:p>
+        </p:txBody>
+      </p:sp>
+      <p:sp>
+        <p:nvSpPr>
+          <p:cNvPr id="62" name="TextBox 61">
+            <a:extLst>
+              <a:ext uri="{FF2B5EF4-FFF2-40B4-BE49-F238E27FC236}">
+                <a16:creationId xmlns:a16="http://schemas.microsoft.com/office/drawing/2014/main" id="{BB5BDC1D-C801-824E-8697-6244FE33D14D}"/>
+              </a:ext>
+            </a:extLst>
+          </p:cNvPr>
+          <p:cNvSpPr txBox="1"/>
+          <p:nvPr/>
+        </p:nvSpPr>
+        <p:spPr>
+          <a:xfrm>
+            <a:off x="6007359" y="696873"/>
+            <a:ext cx="5542090" cy="307777"/>
+          </a:xfrm>
+          <a:prstGeom prst="rect">
+            <a:avLst/>
+          </a:prstGeom>
+          <a:noFill/>
+        </p:spPr>
+        <p:txBody>
+          <a:bodyPr wrap="square" rtlCol="0">
+            <a:spAutoFit/>
+          </a:bodyPr>
+          <a:lstStyle/>
+          <a:p>
+            <a:r>
+              <a:rPr lang="en-US" sz="1400" b="1" dirty="0">
+                <a:solidFill>
+                  <a:schemeClr val="accent1"/>
+                </a:solidFill>
+              </a:rPr>
+              <a:t>Hourly weather variables needed to derate thermoelectric power plants</a:t>
+            </a:r>
+          </a:p>
+        </p:txBody>
+      </p:sp>
+      <p:sp>
+        <p:nvSpPr>
+          <p:cNvPr id="63" name="TextBox 62">
+            <a:extLst>
+              <a:ext uri="{FF2B5EF4-FFF2-40B4-BE49-F238E27FC236}">
+                <a16:creationId xmlns:a16="http://schemas.microsoft.com/office/drawing/2014/main" id="{47BD10D5-8F86-9441-A6C6-BADB16DB5D03}"/>
+              </a:ext>
+            </a:extLst>
+          </p:cNvPr>
+          <p:cNvSpPr txBox="1"/>
+          <p:nvPr/>
+        </p:nvSpPr>
+        <p:spPr>
+          <a:xfrm>
+            <a:off x="8305710" y="4189065"/>
+            <a:ext cx="1232255" cy="738664"/>
+          </a:xfrm>
+          <a:prstGeom prst="rect">
+            <a:avLst/>
+          </a:prstGeom>
+          <a:noFill/>
+        </p:spPr>
+        <p:txBody>
+          <a:bodyPr wrap="square" rtlCol="0">
+            <a:spAutoFit/>
+          </a:bodyPr>
+          <a:lstStyle/>
+          <a:p>
+            <a:r>
+              <a:rPr lang="en-US" sz="1400" b="1" dirty="0">
+                <a:solidFill>
+                  <a:schemeClr val="accent1"/>
+                </a:solidFill>
+              </a:rPr>
+              <a:t>Fuel prices and generator variable costs</a:t>
+            </a:r>
+          </a:p>
+        </p:txBody>
+      </p:sp>
+      <p:cxnSp>
+        <p:nvCxnSpPr>
+          <p:cNvPr id="64" name="Straight Arrow Connector 129">
+            <a:extLst>
+              <a:ext uri="{FF2B5EF4-FFF2-40B4-BE49-F238E27FC236}">
+                <a16:creationId xmlns:a16="http://schemas.microsoft.com/office/drawing/2014/main" id="{31D3CE99-F34F-C544-945B-85DA1EF12B3E}"/>
+              </a:ext>
+            </a:extLst>
+          </p:cNvPr>
+          <p:cNvCxnSpPr>
+            <a:cxnSpLocks/>
+          </p:cNvCxnSpPr>
+          <p:nvPr/>
+        </p:nvCxnSpPr>
+        <p:spPr>
+          <a:xfrm rot="10800000">
+            <a:off x="9886492" y="2736631"/>
+            <a:ext cx="1344088" cy="1082694"/>
+          </a:xfrm>
+          <a:prstGeom prst="bentConnector3">
+            <a:avLst>
+              <a:gd name="adj1" fmla="val -257"/>
+            </a:avLst>
+          </a:prstGeom>
+          <a:noFill/>
+          <a:ln w="25400" cap="flat" cmpd="sng" algn="ctr">
+            <a:solidFill>
+              <a:schemeClr val="accent6">
+                <a:lumMod val="75000"/>
+              </a:schemeClr>
+            </a:solidFill>
+            <a:prstDash val="solid"/>
+            <a:miter lim="800000"/>
+            <a:headEnd type="triangle" w="lg" len="lg"/>
+            <a:tailEnd type="none" w="lg" len="lg"/>
+          </a:ln>
+          <a:effectLst/>
+        </p:spPr>
+      </p:cxnSp>
+      <p:sp>
+        <p:nvSpPr>
+          <p:cNvPr id="65" name="TextBox 64">
+            <a:extLst>
+              <a:ext uri="{FF2B5EF4-FFF2-40B4-BE49-F238E27FC236}">
+                <a16:creationId xmlns:a16="http://schemas.microsoft.com/office/drawing/2014/main" id="{A4BA03A6-DE29-AE4B-8989-AF09CDFD8120}"/>
+              </a:ext>
+            </a:extLst>
+          </p:cNvPr>
+          <p:cNvSpPr txBox="1"/>
+          <p:nvPr/>
+        </p:nvSpPr>
+        <p:spPr>
+          <a:xfrm>
+            <a:off x="9776521" y="3048156"/>
+            <a:ext cx="959687" cy="738664"/>
+          </a:xfrm>
+          <a:prstGeom prst="rect">
+            <a:avLst/>
+          </a:prstGeom>
+          <a:noFill/>
+        </p:spPr>
+        <p:txBody>
+          <a:bodyPr wrap="square" rtlCol="0">
+            <a:spAutoFit/>
+          </a:bodyPr>
+          <a:lstStyle/>
+          <a:p>
+            <a:pPr algn="r"/>
+            <a:r>
+              <a:rPr lang="en-US" sz="1400" b="1" dirty="0">
+                <a:solidFill>
+                  <a:schemeClr val="accent1"/>
+                </a:solidFill>
+              </a:rPr>
+              <a:t>Locational marginal prices</a:t>
+            </a:r>
+          </a:p>
+        </p:txBody>
+      </p:sp>
+      <p:cxnSp>
+        <p:nvCxnSpPr>
+          <p:cNvPr id="83" name="Straight Arrow Connector 82">
+            <a:extLst>
+              <a:ext uri="{FF2B5EF4-FFF2-40B4-BE49-F238E27FC236}">
+                <a16:creationId xmlns:a16="http://schemas.microsoft.com/office/drawing/2014/main" id="{69548FD6-53F9-AD44-8CE5-D9818ECA1380}"/>
+              </a:ext>
+            </a:extLst>
+          </p:cNvPr>
+          <p:cNvCxnSpPr>
+            <a:cxnSpLocks/>
+            <a:stCxn id="19" idx="4"/>
+            <a:endCxn id="18" idx="0"/>
+          </p:cNvCxnSpPr>
+          <p:nvPr/>
+        </p:nvCxnSpPr>
+        <p:spPr>
+          <a:xfrm>
+            <a:off x="3397685" y="2664292"/>
+            <a:ext cx="9261" cy="1134948"/>
+          </a:xfrm>
+          <a:prstGeom prst="straightConnector1">
+            <a:avLst/>
+          </a:prstGeom>
+          <a:noFill/>
+          <a:ln w="25400" cap="flat" cmpd="sng" algn="ctr">
+            <a:solidFill>
+              <a:schemeClr val="accent6">
+                <a:lumMod val="75000"/>
+              </a:schemeClr>
+            </a:solidFill>
+            <a:prstDash val="solid"/>
+            <a:miter lim="800000"/>
+            <a:tailEnd type="triangle" w="lg" len="lg"/>
+          </a:ln>
+          <a:effectLst/>
+        </p:spPr>
+      </p:cxnSp>
+      <p:cxnSp>
+        <p:nvCxnSpPr>
+          <p:cNvPr id="91" name="Elbow Connector 90">
+            <a:extLst>
+              <a:ext uri="{FF2B5EF4-FFF2-40B4-BE49-F238E27FC236}">
+                <a16:creationId xmlns:a16="http://schemas.microsoft.com/office/drawing/2014/main" id="{89BF4FB9-954A-E14C-AAE4-734AEFCEE5B3}"/>
+              </a:ext>
+            </a:extLst>
+          </p:cNvPr>
+          <p:cNvCxnSpPr>
+            <a:cxnSpLocks/>
+            <a:stCxn id="70" idx="3"/>
+            <a:endCxn id="76" idx="0"/>
+          </p:cNvCxnSpPr>
+          <p:nvPr/>
+        </p:nvCxnSpPr>
+        <p:spPr>
+          <a:xfrm>
+            <a:off x="4963400" y="1214999"/>
+            <a:ext cx="71371" cy="1044471"/>
+          </a:xfrm>
+          <a:prstGeom prst="bentConnector2">
+            <a:avLst/>
+          </a:prstGeom>
+          <a:noFill/>
+          <a:ln w="25400" cap="flat" cmpd="sng" algn="ctr">
+            <a:solidFill>
+              <a:schemeClr val="accent6">
+                <a:lumMod val="75000"/>
+              </a:schemeClr>
+            </a:solidFill>
+            <a:prstDash val="solid"/>
+            <a:miter lim="800000"/>
+            <a:tailEnd type="triangle" w="lg" len="lg"/>
+          </a:ln>
+          <a:effectLst/>
+        </p:spPr>
+      </p:cxnSp>
+      <p:cxnSp>
+        <p:nvCxnSpPr>
+          <p:cNvPr id="105" name="Straight Arrow Connector 104">
+            <a:extLst>
+              <a:ext uri="{FF2B5EF4-FFF2-40B4-BE49-F238E27FC236}">
+                <a16:creationId xmlns:a16="http://schemas.microsoft.com/office/drawing/2014/main" id="{73B9BD94-6408-2543-A519-C1CD9111297A}"/>
+              </a:ext>
+            </a:extLst>
+          </p:cNvPr>
+          <p:cNvCxnSpPr>
+            <a:cxnSpLocks/>
+            <a:stCxn id="9" idx="6"/>
+            <a:endCxn id="70" idx="1"/>
+          </p:cNvCxnSpPr>
+          <p:nvPr/>
+        </p:nvCxnSpPr>
+        <p:spPr>
+          <a:xfrm>
+            <a:off x="3328474" y="1212964"/>
+            <a:ext cx="301933" cy="2035"/>
+          </a:xfrm>
+          <a:prstGeom prst="straightConnector1">
+            <a:avLst/>
+          </a:prstGeom>
+          <a:noFill/>
+          <a:ln w="25400" cap="flat" cmpd="sng" algn="ctr">
+            <a:solidFill>
+              <a:schemeClr val="accent6">
+                <a:lumMod val="75000"/>
+              </a:schemeClr>
+            </a:solidFill>
+            <a:prstDash val="solid"/>
+            <a:miter lim="800000"/>
+            <a:tailEnd type="triangle" w="lg" len="lg"/>
+          </a:ln>
+          <a:effectLst/>
+        </p:spPr>
+      </p:cxnSp>
+      <p:sp>
+        <p:nvSpPr>
+          <p:cNvPr id="113" name="TextBox 112">
+            <a:extLst>
+              <a:ext uri="{FF2B5EF4-FFF2-40B4-BE49-F238E27FC236}">
+                <a16:creationId xmlns:a16="http://schemas.microsoft.com/office/drawing/2014/main" id="{37ACEC3B-5BD7-7045-8EA6-FA0BACD95F14}"/>
+              </a:ext>
+            </a:extLst>
+          </p:cNvPr>
+          <p:cNvSpPr txBox="1"/>
+          <p:nvPr/>
+        </p:nvSpPr>
+        <p:spPr>
+          <a:xfrm>
+            <a:off x="3448350" y="5729601"/>
+            <a:ext cx="848553" cy="738664"/>
+          </a:xfrm>
+          <a:prstGeom prst="rect">
+            <a:avLst/>
+          </a:prstGeom>
+          <a:noFill/>
+        </p:spPr>
+        <p:txBody>
+          <a:bodyPr wrap="square" rtlCol="0">
+            <a:spAutoFit/>
+          </a:bodyPr>
+          <a:lstStyle/>
+          <a:p>
+            <a:pPr algn="r"/>
+            <a:r>
+              <a:rPr lang="en-US" sz="1400" b="1" dirty="0">
+                <a:solidFill>
+                  <a:schemeClr val="accent1"/>
+                </a:solidFill>
+              </a:rPr>
+              <a:t>Hourly weather variables</a:t>
+            </a:r>
+          </a:p>
+        </p:txBody>
+      </p:sp>
+      <p:cxnSp>
+        <p:nvCxnSpPr>
+          <p:cNvPr id="66" name="Straight Arrow Connector 129">
+            <a:extLst>
+              <a:ext uri="{FF2B5EF4-FFF2-40B4-BE49-F238E27FC236}">
+                <a16:creationId xmlns:a16="http://schemas.microsoft.com/office/drawing/2014/main" id="{3901C5BD-7D19-CC44-AD95-69A08C3FA09D}"/>
+              </a:ext>
+            </a:extLst>
+          </p:cNvPr>
+          <p:cNvCxnSpPr>
+            <a:cxnSpLocks/>
+            <a:stCxn id="18" idx="1"/>
+            <a:endCxn id="36" idx="2"/>
+          </p:cNvCxnSpPr>
+          <p:nvPr/>
+        </p:nvCxnSpPr>
+        <p:spPr>
+          <a:xfrm rot="10800000" flipH="1" flipV="1">
+            <a:off x="2715876" y="4211419"/>
+            <a:ext cx="6737618" cy="1662331"/>
+          </a:xfrm>
+          <a:prstGeom prst="bentConnector4">
+            <a:avLst>
+              <a:gd name="adj1" fmla="val 136"/>
+              <a:gd name="adj2" fmla="val 146756"/>
+            </a:avLst>
+          </a:prstGeom>
+          <a:noFill/>
+          <a:ln w="25400" cap="flat" cmpd="sng" algn="ctr">
+            <a:solidFill>
+              <a:schemeClr val="accent6">
+                <a:lumMod val="75000"/>
+              </a:schemeClr>
+            </a:solidFill>
+            <a:prstDash val="solid"/>
+            <a:miter lim="800000"/>
+            <a:tailEnd type="triangle" w="lg" len="lg"/>
+          </a:ln>
+          <a:effectLst/>
+        </p:spPr>
+      </p:cxnSp>
+      <p:sp>
+        <p:nvSpPr>
+          <p:cNvPr id="102" name="TextBox 101">
+            <a:extLst>
+              <a:ext uri="{FF2B5EF4-FFF2-40B4-BE49-F238E27FC236}">
+                <a16:creationId xmlns:a16="http://schemas.microsoft.com/office/drawing/2014/main" id="{1BE3D55E-57B2-404D-A2F9-0D3653D980EC}"/>
+              </a:ext>
+            </a:extLst>
+          </p:cNvPr>
+          <p:cNvSpPr txBox="1"/>
+          <p:nvPr/>
+        </p:nvSpPr>
+        <p:spPr>
+          <a:xfrm>
+            <a:off x="1625938" y="5890252"/>
+            <a:ext cx="1096149" cy="523220"/>
+          </a:xfrm>
+          <a:prstGeom prst="rect">
+            <a:avLst/>
+          </a:prstGeom>
+          <a:noFill/>
+        </p:spPr>
+        <p:txBody>
+          <a:bodyPr wrap="square" rtlCol="0">
+            <a:spAutoFit/>
+          </a:bodyPr>
+          <a:lstStyle/>
+          <a:p>
+            <a:pPr algn="r"/>
+            <a:r>
+              <a:rPr lang="en-US" sz="1400" b="1" dirty="0">
+                <a:solidFill>
+                  <a:schemeClr val="accent1"/>
+                </a:solidFill>
+              </a:rPr>
+              <a:t>County populations</a:t>
+            </a:r>
+          </a:p>
+        </p:txBody>
+      </p:sp>
+      <p:cxnSp>
+        <p:nvCxnSpPr>
+          <p:cNvPr id="82" name="Straight Arrow Connector 129">
+            <a:extLst>
+              <a:ext uri="{FF2B5EF4-FFF2-40B4-BE49-F238E27FC236}">
+                <a16:creationId xmlns:a16="http://schemas.microsoft.com/office/drawing/2014/main" id="{E7393740-2167-1742-B862-37826BBA8F5F}"/>
+              </a:ext>
+            </a:extLst>
+          </p:cNvPr>
+          <p:cNvCxnSpPr>
+            <a:cxnSpLocks/>
+          </p:cNvCxnSpPr>
+          <p:nvPr/>
+        </p:nvCxnSpPr>
+        <p:spPr>
+          <a:xfrm flipV="1">
+            <a:off x="6816462" y="2680449"/>
+            <a:ext cx="1715841" cy="2675618"/>
+          </a:xfrm>
+          <a:prstGeom prst="bentConnector3">
+            <a:avLst>
+              <a:gd name="adj1" fmla="val 46157"/>
+            </a:avLst>
+          </a:prstGeom>
+          <a:noFill/>
+          <a:ln w="25400" cap="flat" cmpd="sng" algn="ctr">
+            <a:solidFill>
+              <a:schemeClr val="accent6">
+                <a:lumMod val="75000"/>
+              </a:schemeClr>
+            </a:solidFill>
+            <a:prstDash val="solid"/>
+            <a:miter lim="800000"/>
+            <a:tailEnd type="triangle" w="lg" len="lg"/>
+          </a:ln>
+          <a:effectLst/>
+        </p:spPr>
+      </p:cxnSp>
+      <p:cxnSp>
+        <p:nvCxnSpPr>
+          <p:cNvPr id="84" name="Elbow Connector 83">
+            <a:extLst>
+              <a:ext uri="{FF2B5EF4-FFF2-40B4-BE49-F238E27FC236}">
+                <a16:creationId xmlns:a16="http://schemas.microsoft.com/office/drawing/2014/main" id="{242EC4CD-2D81-6545-B429-1114C5D150B7}"/>
+              </a:ext>
+            </a:extLst>
+          </p:cNvPr>
+          <p:cNvCxnSpPr>
+            <a:cxnSpLocks/>
+            <a:stCxn id="70" idx="3"/>
+            <a:endCxn id="77" idx="0"/>
+          </p:cNvCxnSpPr>
+          <p:nvPr/>
+        </p:nvCxnSpPr>
+        <p:spPr>
+          <a:xfrm>
+            <a:off x="4963400" y="1214999"/>
+            <a:ext cx="1033706" cy="1044471"/>
+          </a:xfrm>
+          <a:prstGeom prst="bentConnector2">
+            <a:avLst/>
+          </a:prstGeom>
+          <a:noFill/>
+          <a:ln w="25400" cap="flat" cmpd="sng" algn="ctr">
+            <a:solidFill>
+              <a:schemeClr val="accent6">
+                <a:lumMod val="75000"/>
+              </a:schemeClr>
+            </a:solidFill>
+            <a:prstDash val="solid"/>
+            <a:miter lim="800000"/>
+            <a:tailEnd type="triangle" w="lg" len="lg"/>
+          </a:ln>
+          <a:effectLst/>
+        </p:spPr>
+      </p:cxnSp>
+      <p:cxnSp>
+        <p:nvCxnSpPr>
+          <p:cNvPr id="86" name="Elbow Connector 85">
+            <a:extLst>
+              <a:ext uri="{FF2B5EF4-FFF2-40B4-BE49-F238E27FC236}">
+                <a16:creationId xmlns:a16="http://schemas.microsoft.com/office/drawing/2014/main" id="{36938572-468B-C14F-931C-08F086B9DF09}"/>
+              </a:ext>
+            </a:extLst>
+          </p:cNvPr>
+          <p:cNvCxnSpPr>
+            <a:cxnSpLocks/>
+            <a:stCxn id="70" idx="3"/>
+            <a:endCxn id="78" idx="0"/>
+          </p:cNvCxnSpPr>
+          <p:nvPr/>
+        </p:nvCxnSpPr>
+        <p:spPr>
+          <a:xfrm>
+            <a:off x="4963400" y="1214999"/>
+            <a:ext cx="1996041" cy="1044471"/>
+          </a:xfrm>
+          <a:prstGeom prst="bentConnector2">
+            <a:avLst/>
+          </a:prstGeom>
+          <a:noFill/>
+          <a:ln w="25400" cap="flat" cmpd="sng" algn="ctr">
+            <a:solidFill>
+              <a:schemeClr val="accent6">
+                <a:lumMod val="75000"/>
+              </a:schemeClr>
+            </a:solidFill>
+            <a:prstDash val="solid"/>
+            <a:miter lim="800000"/>
+            <a:tailEnd type="triangle" w="lg" len="lg"/>
+          </a:ln>
+          <a:effectLst/>
+        </p:spPr>
+      </p:cxnSp>
+      <p:cxnSp>
+        <p:nvCxnSpPr>
+          <p:cNvPr id="106" name="Straight Arrow Connector 105">
+            <a:extLst>
+              <a:ext uri="{FF2B5EF4-FFF2-40B4-BE49-F238E27FC236}">
+                <a16:creationId xmlns:a16="http://schemas.microsoft.com/office/drawing/2014/main" id="{8C935D2A-E3B6-6944-9601-E9768D46D807}"/>
+              </a:ext>
+            </a:extLst>
+          </p:cNvPr>
+          <p:cNvCxnSpPr>
+            <a:cxnSpLocks/>
+          </p:cNvCxnSpPr>
+          <p:nvPr/>
+        </p:nvCxnSpPr>
+        <p:spPr>
+          <a:xfrm>
+            <a:off x="6069934" y="3003670"/>
+            <a:ext cx="0" cy="2085801"/>
+          </a:xfrm>
+          <a:prstGeom prst="straightConnector1">
+            <a:avLst/>
+          </a:prstGeom>
+          <a:noFill/>
+          <a:ln w="25400" cap="flat" cmpd="sng" algn="ctr">
+            <a:solidFill>
+              <a:schemeClr val="accent6">
+                <a:lumMod val="75000"/>
+              </a:schemeClr>
+            </a:solidFill>
+            <a:prstDash val="solid"/>
+            <a:miter lim="800000"/>
+            <a:tailEnd type="triangle" w="lg" len="lg"/>
+          </a:ln>
+          <a:effectLst/>
+        </p:spPr>
+      </p:cxnSp>
+      <p:grpSp>
+        <p:nvGrpSpPr>
+          <p:cNvPr id="103" name="Group 102">
+            <a:extLst>
+              <a:ext uri="{FF2B5EF4-FFF2-40B4-BE49-F238E27FC236}">
+                <a16:creationId xmlns:a16="http://schemas.microsoft.com/office/drawing/2014/main" id="{F49108ED-E2EC-A04F-B805-797F8A2E518B}"/>
+              </a:ext>
+            </a:extLst>
+          </p:cNvPr>
+          <p:cNvGrpSpPr/>
+          <p:nvPr/>
+        </p:nvGrpSpPr>
+        <p:grpSpPr>
+          <a:xfrm>
+            <a:off x="91744" y="1788760"/>
+            <a:ext cx="1330005" cy="3280480"/>
+            <a:chOff x="74810" y="1956920"/>
+            <a:chExt cx="1330005" cy="3280480"/>
+          </a:xfrm>
+        </p:grpSpPr>
+        <p:sp>
+          <p:nvSpPr>
+            <p:cNvPr id="29" name="Oval 28">
+              <a:extLst>
+                <a:ext uri="{FF2B5EF4-FFF2-40B4-BE49-F238E27FC236}">
+                  <a16:creationId xmlns:a16="http://schemas.microsoft.com/office/drawing/2014/main" id="{F56FB104-9D0D-D245-80A2-BC882529750C}"/>
+                </a:ext>
+              </a:extLst>
+            </p:cNvPr>
+            <p:cNvSpPr/>
+            <p:nvPr/>
+          </p:nvSpPr>
+          <p:spPr>
+            <a:xfrm>
+              <a:off x="104304" y="2338956"/>
+              <a:ext cx="1271016" cy="462009"/>
+            </a:xfrm>
+            <a:prstGeom prst="ellipse">
+              <a:avLst/>
+            </a:prstGeom>
+            <a:solidFill>
+              <a:srgbClr val="307F9C"/>
+            </a:solidFill>
+            <a:ln w="12700" cap="flat" cmpd="sng" algn="ctr">
+              <a:noFill/>
+              <a:prstDash val="solid"/>
+              <a:miter lim="800000"/>
+            </a:ln>
+            <a:effectLst/>
+          </p:spPr>
+          <p:txBody>
+            <a:bodyPr rtlCol="0" anchor="ctr"/>
+            <a:lstStyle/>
+            <a:p>
+              <a:pPr marL="0" marR="0" lvl="0" indent="0" algn="ctr" defTabSz="914400" eaLnBrk="1" fontAlgn="auto" latinLnBrk="0" hangingPunct="1">
+                <a:lnSpc>
+                  <a:spcPct val="100000"/>
+                </a:lnSpc>
+                <a:spcBef>
+                  <a:spcPts val="0"/>
+                </a:spcBef>
+                <a:spcAft>
+                  <a:spcPts val="0"/>
+                </a:spcAft>
+                <a:buClr>
+                  <a:srgbClr val="000000"/>
+                </a:buClr>
+                <a:buSzTx/>
+                <a:buFont typeface="Arial"/>
+                <a:buNone/>
+                <a:tabLst/>
+                <a:defRPr/>
+              </a:pPr>
+              <a:r>
+                <a:rPr kumimoji="0" lang="en-US" sz="1200" b="0" i="0" u="none" strike="noStrike" kern="0" cap="none" spc="0" normalizeH="0" baseline="0" noProof="0" dirty="0">
+                  <a:ln>
+                    <a:noFill/>
+                  </a:ln>
+                  <a:solidFill>
+                    <a:srgbClr val="FFFFFF"/>
+                  </a:solidFill>
+                  <a:effectLst/>
+                  <a:uLnTx/>
+                  <a:uFillTx/>
+                  <a:latin typeface="Calibri" panose="020F0502020204030204"/>
+                  <a:ea typeface="+mn-ea"/>
+                  <a:cs typeface="+mn-cs"/>
+                  <a:sym typeface="Arial"/>
+                </a:rPr>
+                <a:t>Exogenous Scenario</a:t>
+              </a:r>
+            </a:p>
+          </p:txBody>
+        </p:sp>
+        <p:sp>
+          <p:nvSpPr>
+            <p:cNvPr id="31" name="Rounded Rectangle 30">
+              <a:extLst>
+                <a:ext uri="{FF2B5EF4-FFF2-40B4-BE49-F238E27FC236}">
+                  <a16:creationId xmlns:a16="http://schemas.microsoft.com/office/drawing/2014/main" id="{64DE08EC-9A73-5D41-A228-A2A023250EB5}"/>
+                </a:ext>
+              </a:extLst>
+            </p:cNvPr>
+            <p:cNvSpPr/>
+            <p:nvPr/>
+          </p:nvSpPr>
+          <p:spPr>
+            <a:xfrm>
+              <a:off x="145452" y="2930706"/>
+              <a:ext cx="1188720" cy="802758"/>
+            </a:xfrm>
+            <a:prstGeom prst="roundRect">
+              <a:avLst/>
+            </a:prstGeom>
+            <a:solidFill>
+              <a:schemeClr val="bg1">
+                <a:lumMod val="50000"/>
+              </a:schemeClr>
+            </a:solidFill>
+            <a:ln w="25400" cap="flat" cmpd="sng" algn="ctr">
+              <a:solidFill>
+                <a:schemeClr val="tx1"/>
+              </a:solidFill>
+              <a:prstDash val="solid"/>
+              <a:miter lim="800000"/>
+            </a:ln>
+            <a:effectLst/>
+          </p:spPr>
+          <p:txBody>
+            <a:bodyPr rtlCol="0" anchor="ctr"/>
+            <a:lstStyle/>
+            <a:p>
+              <a:pPr marL="0" marR="0" lvl="0" indent="0" algn="ctr" defTabSz="914400" eaLnBrk="1" fontAlgn="auto" latinLnBrk="0" hangingPunct="1">
+                <a:lnSpc>
+                  <a:spcPct val="100000"/>
+                </a:lnSpc>
+                <a:spcBef>
+                  <a:spcPts val="0"/>
+                </a:spcBef>
+                <a:spcAft>
+                  <a:spcPts val="0"/>
+                </a:spcAft>
+                <a:buClr>
+                  <a:srgbClr val="000000"/>
+                </a:buClr>
+                <a:buSzTx/>
+                <a:buFont typeface="Arial"/>
+                <a:buNone/>
+                <a:tabLst/>
+                <a:defRPr/>
+              </a:pPr>
+              <a:r>
+                <a:rPr kumimoji="0" lang="en-US" sz="1400" b="0" i="0" u="none" strike="noStrike" kern="0" cap="none" spc="0" normalizeH="0" baseline="0" noProof="0" dirty="0">
+                  <a:ln>
+                    <a:noFill/>
+                  </a:ln>
+                  <a:solidFill>
+                    <a:srgbClr val="FFFFFF"/>
+                  </a:solidFill>
+                  <a:effectLst/>
+                  <a:uLnTx/>
+                  <a:uFillTx/>
+                  <a:latin typeface="Calibri" panose="020F0502020204030204"/>
+                  <a:ea typeface="+mn-ea"/>
+                  <a:cs typeface="+mn-cs"/>
+                  <a:sym typeface="Arial"/>
+                </a:rPr>
+                <a:t>Model</a:t>
+              </a:r>
+            </a:p>
+          </p:txBody>
+        </p:sp>
+        <p:sp>
+          <p:nvSpPr>
+            <p:cNvPr id="35" name="TextBox 34">
+              <a:extLst>
+                <a:ext uri="{FF2B5EF4-FFF2-40B4-BE49-F238E27FC236}">
+                  <a16:creationId xmlns:a16="http://schemas.microsoft.com/office/drawing/2014/main" id="{E18794E3-E5B7-084B-B1CC-6DE7E21ED13B}"/>
+                </a:ext>
+              </a:extLst>
+            </p:cNvPr>
+            <p:cNvSpPr txBox="1"/>
+            <p:nvPr/>
+          </p:nvSpPr>
+          <p:spPr>
+            <a:xfrm>
+              <a:off x="330085" y="1956920"/>
+              <a:ext cx="819455" cy="307777"/>
+            </a:xfrm>
+            <a:prstGeom prst="rect">
+              <a:avLst/>
+            </a:prstGeom>
+            <a:noFill/>
+          </p:spPr>
+          <p:txBody>
+            <a:bodyPr wrap="none" rtlCol="0">
+              <a:spAutoFit/>
+            </a:bodyPr>
+            <a:lstStyle/>
+            <a:p>
+              <a:pPr>
+                <a:buClr>
+                  <a:srgbClr val="000000"/>
+                </a:buClr>
+                <a:buFont typeface="Arial"/>
+                <a:buNone/>
+              </a:pPr>
+              <a:r>
+                <a:rPr lang="en-US" sz="1400" b="1" kern="0" dirty="0">
+                  <a:solidFill>
+                    <a:srgbClr val="000000"/>
+                  </a:solidFill>
+                  <a:latin typeface="Arial"/>
+                  <a:cs typeface="Arial"/>
+                  <a:sym typeface="Arial"/>
+                </a:rPr>
+                <a:t>Legend</a:t>
+              </a:r>
+            </a:p>
+          </p:txBody>
+        </p:sp>
+        <p:grpSp>
+          <p:nvGrpSpPr>
+            <p:cNvPr id="7" name="Group 6">
+              <a:extLst>
+                <a:ext uri="{FF2B5EF4-FFF2-40B4-BE49-F238E27FC236}">
+                  <a16:creationId xmlns:a16="http://schemas.microsoft.com/office/drawing/2014/main" id="{B6A06564-2248-3A4A-B71D-C12038F41874}"/>
+                </a:ext>
+              </a:extLst>
+            </p:cNvPr>
+            <p:cNvGrpSpPr/>
+            <p:nvPr/>
+          </p:nvGrpSpPr>
+          <p:grpSpPr>
+            <a:xfrm>
+              <a:off x="269171" y="3772123"/>
+              <a:ext cx="941283" cy="353538"/>
+              <a:chOff x="229039" y="3772123"/>
+              <a:chExt cx="941283" cy="353538"/>
+            </a:xfrm>
+          </p:grpSpPr>
+          <p:sp>
+            <p:nvSpPr>
+              <p:cNvPr id="203" name="TextBox 202">
+                <a:extLst>
+                  <a:ext uri="{FF2B5EF4-FFF2-40B4-BE49-F238E27FC236}">
+                    <a16:creationId xmlns:a16="http://schemas.microsoft.com/office/drawing/2014/main" id="{777C1B20-7A8B-3B43-9896-A5BEAC01CBA9}"/>
+                  </a:ext>
+                </a:extLst>
+              </p:cNvPr>
+              <p:cNvSpPr txBox="1"/>
+              <p:nvPr/>
+            </p:nvSpPr>
+            <p:spPr>
+              <a:xfrm>
+                <a:off x="229039" y="3772123"/>
+                <a:ext cx="941283" cy="307777"/>
+              </a:xfrm>
+              <a:prstGeom prst="rect">
+                <a:avLst/>
+              </a:prstGeom>
+              <a:noFill/>
+            </p:spPr>
+            <p:txBody>
+              <a:bodyPr wrap="none" rtlCol="0">
+                <a:spAutoFit/>
+              </a:bodyPr>
+              <a:lstStyle/>
+              <a:p>
+                <a:pPr algn="ctr">
+                  <a:buClr>
+                    <a:srgbClr val="000000"/>
+                  </a:buClr>
+                  <a:buFont typeface="Arial"/>
+                  <a:buNone/>
+                </a:pPr>
+                <a:r>
+                  <a:rPr lang="en-US" sz="1400" kern="0" dirty="0">
+                    <a:solidFill>
+                      <a:schemeClr val="bg1">
+                        <a:lumMod val="50000"/>
+                      </a:schemeClr>
+                    </a:solidFill>
+                    <a:latin typeface="Arial"/>
+                    <a:cs typeface="Arial"/>
+                    <a:sym typeface="Arial"/>
+                  </a:rPr>
+                  <a:t>Coupling </a:t>
+                </a:r>
+              </a:p>
+            </p:txBody>
+          </p:sp>
+          <p:cxnSp>
+            <p:nvCxnSpPr>
+              <p:cNvPr id="204" name="Straight Arrow Connector 203">
+                <a:extLst>
+                  <a:ext uri="{FF2B5EF4-FFF2-40B4-BE49-F238E27FC236}">
+                    <a16:creationId xmlns:a16="http://schemas.microsoft.com/office/drawing/2014/main" id="{6CCA6508-87D9-8B4D-930D-E1A1CDDB9EDE}"/>
+                  </a:ext>
+                </a:extLst>
+              </p:cNvPr>
+              <p:cNvCxnSpPr>
+                <a:cxnSpLocks/>
+              </p:cNvCxnSpPr>
+              <p:nvPr/>
+            </p:nvCxnSpPr>
+            <p:spPr>
+              <a:xfrm>
+                <a:off x="282808" y="4125661"/>
+                <a:ext cx="833745" cy="0"/>
+              </a:xfrm>
+              <a:prstGeom prst="straightConnector1">
+                <a:avLst/>
+              </a:prstGeom>
+              <a:noFill/>
+              <a:ln w="28575" cap="flat" cmpd="sng" algn="ctr">
+                <a:solidFill>
+                  <a:schemeClr val="bg1">
+                    <a:lumMod val="50000"/>
+                  </a:schemeClr>
+                </a:solidFill>
+                <a:prstDash val="solid"/>
+                <a:miter lim="800000"/>
+                <a:tailEnd type="triangle" w="lg" len="lg"/>
+              </a:ln>
+              <a:effectLst/>
+            </p:spPr>
+          </p:cxnSp>
+        </p:grpSp>
+        <p:grpSp>
+          <p:nvGrpSpPr>
+            <p:cNvPr id="11" name="Group 10">
+              <a:extLst>
+                <a:ext uri="{FF2B5EF4-FFF2-40B4-BE49-F238E27FC236}">
+                  <a16:creationId xmlns:a16="http://schemas.microsoft.com/office/drawing/2014/main" id="{9C52BBD8-1A23-014D-A601-48DA43FB3C4C}"/>
+                </a:ext>
+              </a:extLst>
+            </p:cNvPr>
+            <p:cNvGrpSpPr/>
+            <p:nvPr/>
+          </p:nvGrpSpPr>
+          <p:grpSpPr>
+            <a:xfrm>
+              <a:off x="74810" y="4278616"/>
+              <a:ext cx="1330005" cy="633564"/>
+              <a:chOff x="293992" y="6102043"/>
+              <a:chExt cx="1330005" cy="633564"/>
+            </a:xfrm>
+          </p:grpSpPr>
+          <p:cxnSp>
+            <p:nvCxnSpPr>
+              <p:cNvPr id="71" name="Straight Arrow Connector 70">
+                <a:extLst>
+                  <a:ext uri="{FF2B5EF4-FFF2-40B4-BE49-F238E27FC236}">
+                    <a16:creationId xmlns:a16="http://schemas.microsoft.com/office/drawing/2014/main" id="{3848818D-6426-6941-B7C5-B1B59CFCBC19}"/>
+                  </a:ext>
+                </a:extLst>
+              </p:cNvPr>
+              <p:cNvCxnSpPr>
+                <a:cxnSpLocks/>
+              </p:cNvCxnSpPr>
+              <p:nvPr/>
+            </p:nvCxnSpPr>
+            <p:spPr>
+              <a:xfrm>
+                <a:off x="293992" y="6225153"/>
+                <a:ext cx="548640" cy="0"/>
+              </a:xfrm>
+              <a:prstGeom prst="straightConnector1">
+                <a:avLst/>
+              </a:prstGeom>
+              <a:noFill/>
+              <a:ln w="28575" cap="flat" cmpd="sng" algn="ctr">
+                <a:solidFill>
+                  <a:schemeClr val="accent6">
+                    <a:lumMod val="75000"/>
+                  </a:schemeClr>
+                </a:solidFill>
+                <a:prstDash val="solid"/>
+                <a:miter lim="800000"/>
+                <a:tailEnd type="triangle" w="lg" len="lg"/>
+              </a:ln>
+              <a:effectLst/>
+            </p:spPr>
+          </p:cxnSp>
+          <p:sp>
+            <p:nvSpPr>
+              <p:cNvPr id="6" name="TextBox 5">
+                <a:extLst>
+                  <a:ext uri="{FF2B5EF4-FFF2-40B4-BE49-F238E27FC236}">
+                    <a16:creationId xmlns:a16="http://schemas.microsoft.com/office/drawing/2014/main" id="{741A565B-90ED-B648-8687-E708FBAEAEAC}"/>
+                  </a:ext>
+                </a:extLst>
+              </p:cNvPr>
+              <p:cNvSpPr txBox="1"/>
+              <p:nvPr/>
+            </p:nvSpPr>
+            <p:spPr>
+              <a:xfrm>
+                <a:off x="805562" y="6102043"/>
+                <a:ext cx="818435" cy="246221"/>
+              </a:xfrm>
+              <a:prstGeom prst="rect">
+                <a:avLst/>
+              </a:prstGeom>
+              <a:noFill/>
+            </p:spPr>
+            <p:txBody>
+              <a:bodyPr wrap="square" rtlCol="0">
+                <a:spAutoFit/>
+              </a:bodyPr>
+              <a:lstStyle/>
+              <a:p>
+                <a:r>
+                  <a:rPr lang="en-US" sz="1000" dirty="0">
+                    <a:latin typeface="Arial" panose="020B0604020202020204" pitchFamily="34" charset="0"/>
+                    <a:cs typeface="Arial" panose="020B0604020202020204" pitchFamily="34" charset="0"/>
+                  </a:rPr>
+                  <a:t>Completed</a:t>
+                </a:r>
+              </a:p>
+            </p:txBody>
+          </p:sp>
+          <p:cxnSp>
+            <p:nvCxnSpPr>
+              <p:cNvPr id="72" name="Straight Arrow Connector 71">
+                <a:extLst>
+                  <a:ext uri="{FF2B5EF4-FFF2-40B4-BE49-F238E27FC236}">
+                    <a16:creationId xmlns:a16="http://schemas.microsoft.com/office/drawing/2014/main" id="{7B7C24A9-5999-2F4E-B4ED-06F39EE1C0FC}"/>
+                  </a:ext>
+                </a:extLst>
+              </p:cNvPr>
+              <p:cNvCxnSpPr>
+                <a:cxnSpLocks/>
+              </p:cNvCxnSpPr>
+              <p:nvPr/>
+            </p:nvCxnSpPr>
+            <p:spPr>
+              <a:xfrm>
+                <a:off x="293992" y="6417151"/>
+                <a:ext cx="548640" cy="0"/>
+              </a:xfrm>
+              <a:prstGeom prst="straightConnector1">
+                <a:avLst/>
+              </a:prstGeom>
+              <a:noFill/>
+              <a:ln w="28575" cap="flat" cmpd="sng" algn="ctr">
+                <a:solidFill>
+                  <a:schemeClr val="accent4">
+                    <a:lumMod val="75000"/>
+                  </a:schemeClr>
+                </a:solidFill>
+                <a:prstDash val="dash"/>
+                <a:miter lim="800000"/>
+                <a:tailEnd type="triangle" w="lg" len="lg"/>
+              </a:ln>
+              <a:effectLst/>
+            </p:spPr>
+          </p:cxnSp>
+          <p:sp>
+            <p:nvSpPr>
+              <p:cNvPr id="74" name="TextBox 73">
+                <a:extLst>
+                  <a:ext uri="{FF2B5EF4-FFF2-40B4-BE49-F238E27FC236}">
+                    <a16:creationId xmlns:a16="http://schemas.microsoft.com/office/drawing/2014/main" id="{22B61D55-0E71-D649-AAEA-6AE9B632C137}"/>
+                  </a:ext>
+                </a:extLst>
+              </p:cNvPr>
+              <p:cNvSpPr txBox="1"/>
+              <p:nvPr/>
+            </p:nvSpPr>
+            <p:spPr>
+              <a:xfrm>
+                <a:off x="805563" y="6294041"/>
+                <a:ext cx="818434" cy="246221"/>
+              </a:xfrm>
+              <a:prstGeom prst="rect">
+                <a:avLst/>
+              </a:prstGeom>
+              <a:noFill/>
+            </p:spPr>
+            <p:txBody>
+              <a:bodyPr wrap="square" rtlCol="0">
+                <a:spAutoFit/>
+              </a:bodyPr>
+              <a:lstStyle/>
+              <a:p>
+                <a:r>
+                  <a:rPr lang="en-US" sz="1000" dirty="0">
+                    <a:latin typeface="Arial" panose="020B0604020202020204" pitchFamily="34" charset="0"/>
+                    <a:cs typeface="Arial" panose="020B0604020202020204" pitchFamily="34" charset="0"/>
+                  </a:rPr>
+                  <a:t>In progress</a:t>
+                </a:r>
+              </a:p>
+            </p:txBody>
+          </p:sp>
+          <p:cxnSp>
+            <p:nvCxnSpPr>
+              <p:cNvPr id="73" name="Straight Arrow Connector 72">
+                <a:extLst>
+                  <a:ext uri="{FF2B5EF4-FFF2-40B4-BE49-F238E27FC236}">
+                    <a16:creationId xmlns:a16="http://schemas.microsoft.com/office/drawing/2014/main" id="{304CB50A-1E82-A941-B734-3708FEBA8BBA}"/>
+                  </a:ext>
+                </a:extLst>
+              </p:cNvPr>
+              <p:cNvCxnSpPr>
+                <a:cxnSpLocks/>
+              </p:cNvCxnSpPr>
+              <p:nvPr/>
+            </p:nvCxnSpPr>
+            <p:spPr>
+              <a:xfrm>
+                <a:off x="293992" y="6612496"/>
+                <a:ext cx="548640" cy="0"/>
+              </a:xfrm>
+              <a:prstGeom prst="straightConnector1">
+                <a:avLst/>
+              </a:prstGeom>
+              <a:noFill/>
+              <a:ln w="28575" cap="flat" cmpd="sng" algn="ctr">
+                <a:solidFill>
+                  <a:srgbClr val="C00000"/>
+                </a:solidFill>
+                <a:prstDash val="sysDot"/>
+                <a:miter lim="800000"/>
+                <a:tailEnd type="triangle" w="lg" len="lg"/>
+              </a:ln>
+              <a:effectLst/>
+            </p:spPr>
+          </p:cxnSp>
+          <p:sp>
+            <p:nvSpPr>
+              <p:cNvPr id="75" name="TextBox 74">
+                <a:extLst>
+                  <a:ext uri="{FF2B5EF4-FFF2-40B4-BE49-F238E27FC236}">
+                    <a16:creationId xmlns:a16="http://schemas.microsoft.com/office/drawing/2014/main" id="{61F1AFC1-666C-284A-94A7-8CDC2A4EFA17}"/>
+                  </a:ext>
+                </a:extLst>
+              </p:cNvPr>
+              <p:cNvSpPr txBox="1"/>
+              <p:nvPr/>
+            </p:nvSpPr>
+            <p:spPr>
+              <a:xfrm>
+                <a:off x="805563" y="6489386"/>
+                <a:ext cx="741412" cy="246221"/>
+              </a:xfrm>
+              <a:prstGeom prst="rect">
+                <a:avLst/>
+              </a:prstGeom>
+              <a:noFill/>
+            </p:spPr>
+            <p:txBody>
+              <a:bodyPr wrap="square" rtlCol="0">
+                <a:spAutoFit/>
+              </a:bodyPr>
+              <a:lstStyle/>
+              <a:p>
+                <a:r>
+                  <a:rPr lang="en-US" sz="1000" dirty="0">
+                    <a:latin typeface="Arial" panose="020B0604020202020204" pitchFamily="34" charset="0"/>
+                    <a:cs typeface="Arial" panose="020B0604020202020204" pitchFamily="34" charset="0"/>
+                  </a:rPr>
+                  <a:t>Planned</a:t>
+                </a:r>
+              </a:p>
+            </p:txBody>
+          </p:sp>
+        </p:grpSp>
+        <p:sp>
+          <p:nvSpPr>
+            <p:cNvPr id="118" name="TextBox 117">
+              <a:extLst>
+                <a:ext uri="{FF2B5EF4-FFF2-40B4-BE49-F238E27FC236}">
+                  <a16:creationId xmlns:a16="http://schemas.microsoft.com/office/drawing/2014/main" id="{137691AA-0AEF-B34E-991D-DFE44F2A79A5}"/>
+                </a:ext>
+              </a:extLst>
+            </p:cNvPr>
+            <p:cNvSpPr txBox="1"/>
+            <p:nvPr/>
+          </p:nvSpPr>
+          <p:spPr>
+            <a:xfrm>
+              <a:off x="129156" y="4929623"/>
+              <a:ext cx="1221313" cy="307777"/>
+            </a:xfrm>
+            <a:prstGeom prst="rect">
+              <a:avLst/>
+            </a:prstGeom>
+            <a:noFill/>
+          </p:spPr>
+          <p:txBody>
+            <a:bodyPr wrap="square" rtlCol="0">
+              <a:spAutoFit/>
+            </a:bodyPr>
+            <a:lstStyle/>
+            <a:p>
+              <a:pPr algn="ctr"/>
+              <a:r>
+                <a:rPr lang="en-US" sz="1400" b="1" dirty="0">
+                  <a:solidFill>
+                    <a:schemeClr val="accent1"/>
+                  </a:solidFill>
+                  <a:latin typeface="Arial" panose="020B0604020202020204" pitchFamily="34" charset="0"/>
+                  <a:cs typeface="Arial" panose="020B0604020202020204" pitchFamily="34" charset="0"/>
+                </a:rPr>
+                <a:t>Variable</a:t>
+              </a:r>
+            </a:p>
+          </p:txBody>
+        </p:sp>
+      </p:grpSp>
+      <p:sp>
+        <p:nvSpPr>
+          <p:cNvPr id="2" name="TextBox 1">
+            <a:extLst>
+              <a:ext uri="{FF2B5EF4-FFF2-40B4-BE49-F238E27FC236}">
+                <a16:creationId xmlns:a16="http://schemas.microsoft.com/office/drawing/2014/main" id="{1B17CB3D-9857-1143-A863-1626A712DC87}"/>
+              </a:ext>
+            </a:extLst>
+          </p:cNvPr>
+          <p:cNvSpPr txBox="1"/>
+          <p:nvPr/>
+        </p:nvSpPr>
+        <p:spPr>
+          <a:xfrm>
+            <a:off x="4899020" y="1696144"/>
+            <a:ext cx="297180" cy="369332"/>
+          </a:xfrm>
+          <a:prstGeom prst="rect">
+            <a:avLst/>
+          </a:prstGeom>
+          <a:solidFill>
+            <a:schemeClr val="accent6">
+              <a:lumMod val="40000"/>
+              <a:lumOff val="60000"/>
+            </a:schemeClr>
+          </a:solidFill>
+          <a:ln w="25400">
+            <a:solidFill>
+              <a:schemeClr val="accent6">
+                <a:lumMod val="75000"/>
+              </a:schemeClr>
+            </a:solidFill>
+          </a:ln>
+        </p:spPr>
+        <p:txBody>
+          <a:bodyPr wrap="square" rtlCol="0">
+            <a:spAutoFit/>
+          </a:bodyPr>
+          <a:lstStyle/>
+          <a:p>
+            <a:pPr algn="ctr"/>
+            <a:r>
+              <a:rPr lang="en-US" b="1" dirty="0">
+                <a:solidFill>
+                  <a:schemeClr val="accent6">
+                    <a:lumMod val="75000"/>
+                  </a:schemeClr>
+                </a:solidFill>
+              </a:rPr>
+              <a:t>1</a:t>
+            </a:r>
+          </a:p>
+        </p:txBody>
+      </p:sp>
+      <p:sp>
+        <p:nvSpPr>
+          <p:cNvPr id="80" name="TextBox 79">
+            <a:extLst>
+              <a:ext uri="{FF2B5EF4-FFF2-40B4-BE49-F238E27FC236}">
+                <a16:creationId xmlns:a16="http://schemas.microsoft.com/office/drawing/2014/main" id="{E3529C63-5322-A744-B319-98BA91E66223}"/>
+              </a:ext>
+            </a:extLst>
+          </p:cNvPr>
+          <p:cNvSpPr txBox="1"/>
+          <p:nvPr/>
+        </p:nvSpPr>
+        <p:spPr>
+          <a:xfrm>
+            <a:off x="5848517" y="1696144"/>
+            <a:ext cx="297180" cy="369332"/>
+          </a:xfrm>
+          <a:prstGeom prst="rect">
+            <a:avLst/>
+          </a:prstGeom>
+          <a:solidFill>
+            <a:schemeClr val="accent6">
+              <a:lumMod val="40000"/>
+              <a:lumOff val="60000"/>
+            </a:schemeClr>
+          </a:solidFill>
+          <a:ln w="25400">
+            <a:solidFill>
+              <a:schemeClr val="accent6">
+                <a:lumMod val="75000"/>
+              </a:schemeClr>
+            </a:solidFill>
+          </a:ln>
+        </p:spPr>
+        <p:txBody>
+          <a:bodyPr wrap="square" rtlCol="0">
+            <a:spAutoFit/>
+          </a:bodyPr>
+          <a:lstStyle/>
+          <a:p>
+            <a:pPr algn="ctr"/>
+            <a:r>
+              <a:rPr lang="en-US" b="1" dirty="0">
+                <a:solidFill>
+                  <a:schemeClr val="accent6">
+                    <a:lumMod val="75000"/>
+                  </a:schemeClr>
+                </a:solidFill>
+              </a:rPr>
+              <a:t>2</a:t>
+            </a:r>
+          </a:p>
+        </p:txBody>
+      </p:sp>
+      <p:sp>
+        <p:nvSpPr>
+          <p:cNvPr id="81" name="TextBox 80">
+            <a:extLst>
+              <a:ext uri="{FF2B5EF4-FFF2-40B4-BE49-F238E27FC236}">
+                <a16:creationId xmlns:a16="http://schemas.microsoft.com/office/drawing/2014/main" id="{4F258ED9-EC4A-6146-92F1-A7D878A4A006}"/>
+              </a:ext>
+            </a:extLst>
+          </p:cNvPr>
+          <p:cNvSpPr txBox="1"/>
+          <p:nvPr/>
+        </p:nvSpPr>
+        <p:spPr>
+          <a:xfrm>
+            <a:off x="6817783" y="1696144"/>
+            <a:ext cx="297180" cy="369332"/>
+          </a:xfrm>
+          <a:prstGeom prst="rect">
+            <a:avLst/>
+          </a:prstGeom>
+          <a:solidFill>
+            <a:schemeClr val="accent6">
+              <a:lumMod val="40000"/>
+              <a:lumOff val="60000"/>
+            </a:schemeClr>
+          </a:solidFill>
+          <a:ln w="25400">
+            <a:solidFill>
+              <a:schemeClr val="accent6">
+                <a:lumMod val="75000"/>
+              </a:schemeClr>
+            </a:solidFill>
+          </a:ln>
+        </p:spPr>
+        <p:txBody>
+          <a:bodyPr wrap="square" rtlCol="0">
+            <a:spAutoFit/>
+          </a:bodyPr>
+          <a:lstStyle/>
+          <a:p>
+            <a:pPr algn="ctr"/>
+            <a:r>
+              <a:rPr lang="en-US" b="1" dirty="0">
+                <a:solidFill>
+                  <a:schemeClr val="accent6">
+                    <a:lumMod val="75000"/>
+                  </a:schemeClr>
+                </a:solidFill>
+              </a:rPr>
+              <a:t>3</a:t>
+            </a:r>
+          </a:p>
+        </p:txBody>
+      </p:sp>
+      <p:sp>
+        <p:nvSpPr>
+          <p:cNvPr id="85" name="TextBox 84">
+            <a:extLst>
+              <a:ext uri="{FF2B5EF4-FFF2-40B4-BE49-F238E27FC236}">
+                <a16:creationId xmlns:a16="http://schemas.microsoft.com/office/drawing/2014/main" id="{EE4152AD-6E88-E645-994E-833183D46272}"/>
+              </a:ext>
+            </a:extLst>
+          </p:cNvPr>
+          <p:cNvSpPr txBox="1"/>
+          <p:nvPr/>
+        </p:nvSpPr>
+        <p:spPr>
+          <a:xfrm>
+            <a:off x="4148184" y="3055338"/>
+            <a:ext cx="297180" cy="369332"/>
+          </a:xfrm>
+          <a:prstGeom prst="rect">
+            <a:avLst/>
+          </a:prstGeom>
+          <a:solidFill>
+            <a:schemeClr val="accent6">
+              <a:lumMod val="40000"/>
+              <a:lumOff val="60000"/>
+            </a:schemeClr>
+          </a:solidFill>
+          <a:ln w="25400">
+            <a:solidFill>
+              <a:schemeClr val="accent6">
+                <a:lumMod val="75000"/>
+              </a:schemeClr>
+            </a:solidFill>
+          </a:ln>
+        </p:spPr>
+        <p:txBody>
+          <a:bodyPr wrap="square" rtlCol="0">
+            <a:spAutoFit/>
+          </a:bodyPr>
+          <a:lstStyle/>
+          <a:p>
+            <a:pPr algn="ctr"/>
+            <a:r>
+              <a:rPr lang="en-US" b="1" dirty="0">
+                <a:solidFill>
+                  <a:schemeClr val="accent6">
+                    <a:lumMod val="75000"/>
+                  </a:schemeClr>
+                </a:solidFill>
+              </a:rPr>
+              <a:t>4</a:t>
+            </a:r>
+          </a:p>
+        </p:txBody>
+      </p:sp>
+      <p:sp>
+        <p:nvSpPr>
+          <p:cNvPr id="88" name="TextBox 87">
+            <a:extLst>
+              <a:ext uri="{FF2B5EF4-FFF2-40B4-BE49-F238E27FC236}">
+                <a16:creationId xmlns:a16="http://schemas.microsoft.com/office/drawing/2014/main" id="{B2109F4C-9694-BD4C-8273-4C27F4E653F1}"/>
+              </a:ext>
+            </a:extLst>
+          </p:cNvPr>
+          <p:cNvSpPr txBox="1"/>
+          <p:nvPr/>
+        </p:nvSpPr>
+        <p:spPr>
+          <a:xfrm>
+            <a:off x="3729782" y="5040932"/>
+            <a:ext cx="297180" cy="369332"/>
+          </a:xfrm>
+          <a:prstGeom prst="rect">
+            <a:avLst/>
+          </a:prstGeom>
+          <a:solidFill>
+            <a:schemeClr val="accent6">
+              <a:lumMod val="40000"/>
+              <a:lumOff val="60000"/>
+            </a:schemeClr>
+          </a:solidFill>
+          <a:ln w="25400">
+            <a:solidFill>
+              <a:schemeClr val="accent6">
+                <a:lumMod val="75000"/>
+              </a:schemeClr>
+            </a:solidFill>
+          </a:ln>
+        </p:spPr>
+        <p:txBody>
+          <a:bodyPr wrap="square" rtlCol="0">
+            <a:spAutoFit/>
+          </a:bodyPr>
+          <a:lstStyle/>
+          <a:p>
+            <a:pPr algn="ctr"/>
+            <a:r>
+              <a:rPr lang="en-US" b="1" dirty="0">
+                <a:solidFill>
+                  <a:schemeClr val="accent6">
+                    <a:lumMod val="75000"/>
+                  </a:schemeClr>
+                </a:solidFill>
+              </a:rPr>
+              <a:t>6</a:t>
+            </a:r>
+          </a:p>
+        </p:txBody>
+      </p:sp>
+      <p:sp>
+        <p:nvSpPr>
+          <p:cNvPr id="89" name="TextBox 88">
+            <a:extLst>
+              <a:ext uri="{FF2B5EF4-FFF2-40B4-BE49-F238E27FC236}">
+                <a16:creationId xmlns:a16="http://schemas.microsoft.com/office/drawing/2014/main" id="{741C2CDB-C418-E240-9824-F33B6FB55B1F}"/>
+              </a:ext>
+            </a:extLst>
+          </p:cNvPr>
+          <p:cNvSpPr txBox="1"/>
+          <p:nvPr/>
+        </p:nvSpPr>
+        <p:spPr>
+          <a:xfrm>
+            <a:off x="5238280" y="6468265"/>
+            <a:ext cx="297180" cy="369332"/>
+          </a:xfrm>
+          <a:prstGeom prst="rect">
+            <a:avLst/>
+          </a:prstGeom>
+          <a:solidFill>
+            <a:schemeClr val="accent6">
+              <a:lumMod val="40000"/>
+              <a:lumOff val="60000"/>
+            </a:schemeClr>
+          </a:solidFill>
+          <a:ln w="25400">
+            <a:solidFill>
+              <a:schemeClr val="accent6">
+                <a:lumMod val="75000"/>
+              </a:schemeClr>
+            </a:solidFill>
+          </a:ln>
+        </p:spPr>
+        <p:txBody>
+          <a:bodyPr wrap="square" rtlCol="0">
+            <a:spAutoFit/>
+          </a:bodyPr>
+          <a:lstStyle/>
+          <a:p>
+            <a:pPr algn="ctr"/>
+            <a:r>
+              <a:rPr lang="en-US" b="1" dirty="0">
+                <a:solidFill>
+                  <a:schemeClr val="accent6">
+                    <a:lumMod val="75000"/>
+                  </a:schemeClr>
+                </a:solidFill>
+              </a:rPr>
+              <a:t>7</a:t>
+            </a:r>
+          </a:p>
+        </p:txBody>
+      </p:sp>
+      <p:sp>
+        <p:nvSpPr>
+          <p:cNvPr id="92" name="TextBox 91">
+            <a:extLst>
+              <a:ext uri="{FF2B5EF4-FFF2-40B4-BE49-F238E27FC236}">
+                <a16:creationId xmlns:a16="http://schemas.microsoft.com/office/drawing/2014/main" id="{C8B9378D-E069-5E43-A1D1-C030C23C26D6}"/>
+              </a:ext>
+            </a:extLst>
+          </p:cNvPr>
+          <p:cNvSpPr txBox="1"/>
+          <p:nvPr/>
+        </p:nvSpPr>
+        <p:spPr>
+          <a:xfrm>
+            <a:off x="5907530" y="3286469"/>
+            <a:ext cx="297180" cy="369332"/>
+          </a:xfrm>
+          <a:prstGeom prst="rect">
+            <a:avLst/>
+          </a:prstGeom>
+          <a:solidFill>
+            <a:schemeClr val="accent6">
+              <a:lumMod val="40000"/>
+              <a:lumOff val="60000"/>
+            </a:schemeClr>
+          </a:solidFill>
+          <a:ln w="25400">
+            <a:solidFill>
+              <a:schemeClr val="accent6">
+                <a:lumMod val="75000"/>
+              </a:schemeClr>
+            </a:solidFill>
+          </a:ln>
+        </p:spPr>
+        <p:txBody>
+          <a:bodyPr wrap="square" rtlCol="0">
+            <a:spAutoFit/>
+          </a:bodyPr>
+          <a:lstStyle/>
+          <a:p>
+            <a:pPr algn="ctr"/>
+            <a:r>
+              <a:rPr lang="en-US" b="1" dirty="0">
+                <a:solidFill>
+                  <a:schemeClr val="accent6">
+                    <a:lumMod val="75000"/>
+                  </a:schemeClr>
+                </a:solidFill>
+              </a:rPr>
+              <a:t>9</a:t>
+            </a:r>
+          </a:p>
+        </p:txBody>
+      </p:sp>
+      <p:sp>
+        <p:nvSpPr>
+          <p:cNvPr id="94" name="TextBox 93">
+            <a:extLst>
+              <a:ext uri="{FF2B5EF4-FFF2-40B4-BE49-F238E27FC236}">
+                <a16:creationId xmlns:a16="http://schemas.microsoft.com/office/drawing/2014/main" id="{0CC0ADAB-FFED-C340-A9EF-F806DD0E31E1}"/>
+              </a:ext>
+            </a:extLst>
+          </p:cNvPr>
+          <p:cNvSpPr txBox="1"/>
+          <p:nvPr/>
+        </p:nvSpPr>
+        <p:spPr>
+          <a:xfrm>
+            <a:off x="7743647" y="5276905"/>
+            <a:ext cx="481986" cy="369332"/>
+          </a:xfrm>
+          <a:prstGeom prst="rect">
+            <a:avLst/>
+          </a:prstGeom>
+          <a:solidFill>
+            <a:schemeClr val="accent6">
+              <a:lumMod val="40000"/>
+              <a:lumOff val="60000"/>
+            </a:schemeClr>
+          </a:solidFill>
+          <a:ln w="25400">
+            <a:solidFill>
+              <a:schemeClr val="accent6">
+                <a:lumMod val="75000"/>
+              </a:schemeClr>
+            </a:solidFill>
+          </a:ln>
+        </p:spPr>
+        <p:txBody>
+          <a:bodyPr wrap="square" rtlCol="0">
+            <a:spAutoFit/>
+          </a:bodyPr>
+          <a:lstStyle/>
+          <a:p>
+            <a:pPr algn="ctr"/>
+            <a:r>
+              <a:rPr lang="en-US" b="1" dirty="0">
+                <a:solidFill>
+                  <a:schemeClr val="accent6">
+                    <a:lumMod val="75000"/>
+                  </a:schemeClr>
+                </a:solidFill>
+              </a:rPr>
+              <a:t>11</a:t>
+            </a:r>
+          </a:p>
+        </p:txBody>
+      </p:sp>
+      <p:sp>
+        <p:nvSpPr>
+          <p:cNvPr id="95" name="TextBox 94">
+            <a:extLst>
+              <a:ext uri="{FF2B5EF4-FFF2-40B4-BE49-F238E27FC236}">
+                <a16:creationId xmlns:a16="http://schemas.microsoft.com/office/drawing/2014/main" id="{955074F7-B7FF-8B4A-A57E-D123CD396386}"/>
+              </a:ext>
+            </a:extLst>
+          </p:cNvPr>
+          <p:cNvSpPr txBox="1"/>
+          <p:nvPr/>
+        </p:nvSpPr>
+        <p:spPr>
+          <a:xfrm>
+            <a:off x="7369991" y="3552308"/>
+            <a:ext cx="481986" cy="369332"/>
+          </a:xfrm>
+          <a:prstGeom prst="rect">
+            <a:avLst/>
+          </a:prstGeom>
+          <a:solidFill>
+            <a:schemeClr val="accent6">
+              <a:lumMod val="40000"/>
+              <a:lumOff val="60000"/>
+            </a:schemeClr>
+          </a:solidFill>
+          <a:ln w="25400">
+            <a:solidFill>
+              <a:schemeClr val="accent6">
+                <a:lumMod val="75000"/>
+              </a:schemeClr>
+            </a:solidFill>
+          </a:ln>
+        </p:spPr>
+        <p:txBody>
+          <a:bodyPr wrap="square" rtlCol="0">
+            <a:spAutoFit/>
+          </a:bodyPr>
+          <a:lstStyle/>
+          <a:p>
+            <a:pPr algn="ctr"/>
+            <a:r>
+              <a:rPr lang="en-US" b="1" dirty="0">
+                <a:solidFill>
+                  <a:schemeClr val="accent6">
+                    <a:lumMod val="75000"/>
+                  </a:schemeClr>
+                </a:solidFill>
+              </a:rPr>
+              <a:t>12</a:t>
+            </a:r>
+          </a:p>
+        </p:txBody>
+      </p:sp>
+      <p:sp>
+        <p:nvSpPr>
+          <p:cNvPr id="96" name="TextBox 95">
+            <a:extLst>
+              <a:ext uri="{FF2B5EF4-FFF2-40B4-BE49-F238E27FC236}">
+                <a16:creationId xmlns:a16="http://schemas.microsoft.com/office/drawing/2014/main" id="{F5995287-6C5B-2049-BDBC-7533E75F350E}"/>
+              </a:ext>
+            </a:extLst>
+          </p:cNvPr>
+          <p:cNvSpPr txBox="1"/>
+          <p:nvPr/>
+        </p:nvSpPr>
+        <p:spPr>
+          <a:xfrm>
+            <a:off x="9471708" y="4040918"/>
+            <a:ext cx="481986" cy="369332"/>
+          </a:xfrm>
+          <a:prstGeom prst="rect">
+            <a:avLst/>
+          </a:prstGeom>
+          <a:solidFill>
+            <a:schemeClr val="accent6">
+              <a:lumMod val="40000"/>
+              <a:lumOff val="60000"/>
+            </a:schemeClr>
+          </a:solidFill>
+          <a:ln w="25400">
+            <a:solidFill>
+              <a:schemeClr val="accent6">
+                <a:lumMod val="75000"/>
+              </a:schemeClr>
+            </a:solidFill>
+          </a:ln>
+        </p:spPr>
+        <p:txBody>
+          <a:bodyPr wrap="square" rtlCol="0">
+            <a:spAutoFit/>
+          </a:bodyPr>
+          <a:lstStyle/>
+          <a:p>
+            <a:pPr algn="ctr"/>
+            <a:r>
+              <a:rPr lang="en-US" b="1" dirty="0">
+                <a:solidFill>
+                  <a:schemeClr val="accent6">
+                    <a:lumMod val="75000"/>
+                  </a:schemeClr>
+                </a:solidFill>
+              </a:rPr>
+              <a:t>13</a:t>
+            </a:r>
+          </a:p>
+        </p:txBody>
+      </p:sp>
+      <p:sp>
+        <p:nvSpPr>
+          <p:cNvPr id="97" name="TextBox 96">
+            <a:extLst>
+              <a:ext uri="{FF2B5EF4-FFF2-40B4-BE49-F238E27FC236}">
+                <a16:creationId xmlns:a16="http://schemas.microsoft.com/office/drawing/2014/main" id="{E713F805-3CF5-684C-81FB-5D5321772451}"/>
+              </a:ext>
+            </a:extLst>
+          </p:cNvPr>
+          <p:cNvSpPr txBox="1"/>
+          <p:nvPr/>
+        </p:nvSpPr>
+        <p:spPr>
+          <a:xfrm>
+            <a:off x="10692935" y="4898507"/>
+            <a:ext cx="481986" cy="369332"/>
+          </a:xfrm>
+          <a:prstGeom prst="rect">
+            <a:avLst/>
+          </a:prstGeom>
+          <a:solidFill>
+            <a:schemeClr val="accent6">
+              <a:lumMod val="40000"/>
+              <a:lumOff val="60000"/>
+            </a:schemeClr>
+          </a:solidFill>
+          <a:ln w="25400">
+            <a:solidFill>
+              <a:schemeClr val="accent6">
+                <a:lumMod val="75000"/>
+              </a:schemeClr>
+            </a:solidFill>
+          </a:ln>
+        </p:spPr>
+        <p:txBody>
+          <a:bodyPr wrap="square" rtlCol="0">
+            <a:spAutoFit/>
+          </a:bodyPr>
+          <a:lstStyle/>
+          <a:p>
+            <a:pPr algn="ctr"/>
+            <a:r>
+              <a:rPr lang="en-US" b="1" dirty="0">
+                <a:solidFill>
+                  <a:schemeClr val="accent6">
+                    <a:lumMod val="75000"/>
+                  </a:schemeClr>
+                </a:solidFill>
+              </a:rPr>
+              <a:t>14</a:t>
+            </a:r>
+          </a:p>
+        </p:txBody>
+      </p:sp>
+      <p:sp>
+        <p:nvSpPr>
+          <p:cNvPr id="98" name="TextBox 97">
+            <a:extLst>
+              <a:ext uri="{FF2B5EF4-FFF2-40B4-BE49-F238E27FC236}">
+                <a16:creationId xmlns:a16="http://schemas.microsoft.com/office/drawing/2014/main" id="{4E29A9A4-6A48-9348-AF91-21BA80C6C07B}"/>
+              </a:ext>
+            </a:extLst>
+          </p:cNvPr>
+          <p:cNvSpPr txBox="1"/>
+          <p:nvPr/>
+        </p:nvSpPr>
+        <p:spPr>
+          <a:xfrm>
+            <a:off x="10991608" y="2798189"/>
+            <a:ext cx="481986" cy="369332"/>
+          </a:xfrm>
+          <a:prstGeom prst="rect">
+            <a:avLst/>
+          </a:prstGeom>
+          <a:solidFill>
+            <a:schemeClr val="accent6">
+              <a:lumMod val="40000"/>
+              <a:lumOff val="60000"/>
+            </a:schemeClr>
+          </a:solidFill>
+          <a:ln w="25400">
+            <a:solidFill>
+              <a:schemeClr val="accent6">
+                <a:lumMod val="75000"/>
+              </a:schemeClr>
+            </a:solidFill>
+          </a:ln>
+        </p:spPr>
+        <p:txBody>
+          <a:bodyPr wrap="square" rtlCol="0">
+            <a:spAutoFit/>
+          </a:bodyPr>
+          <a:lstStyle/>
+          <a:p>
+            <a:pPr algn="ctr"/>
+            <a:r>
+              <a:rPr lang="en-US" b="1" dirty="0">
+                <a:solidFill>
+                  <a:schemeClr val="accent6">
+                    <a:lumMod val="75000"/>
+                  </a:schemeClr>
+                </a:solidFill>
+              </a:rPr>
+              <a:t>15</a:t>
+            </a:r>
+          </a:p>
+        </p:txBody>
+      </p:sp>
+      <p:sp>
+        <p:nvSpPr>
+          <p:cNvPr id="99" name="TextBox 98">
+            <a:extLst>
+              <a:ext uri="{FF2B5EF4-FFF2-40B4-BE49-F238E27FC236}">
+                <a16:creationId xmlns:a16="http://schemas.microsoft.com/office/drawing/2014/main" id="{0CC4B71B-821E-CF40-A2BD-5C83A466D98B}"/>
+              </a:ext>
+            </a:extLst>
+          </p:cNvPr>
+          <p:cNvSpPr txBox="1"/>
+          <p:nvPr/>
+        </p:nvSpPr>
+        <p:spPr>
+          <a:xfrm>
+            <a:off x="10696505" y="3273876"/>
+            <a:ext cx="481986" cy="369332"/>
+          </a:xfrm>
+          <a:prstGeom prst="rect">
+            <a:avLst/>
+          </a:prstGeom>
+          <a:solidFill>
+            <a:schemeClr val="accent6">
+              <a:lumMod val="40000"/>
+              <a:lumOff val="60000"/>
+            </a:schemeClr>
+          </a:solidFill>
+          <a:ln w="25400">
+            <a:solidFill>
+              <a:schemeClr val="accent6">
+                <a:lumMod val="75000"/>
+              </a:schemeClr>
+            </a:solidFill>
+          </a:ln>
+        </p:spPr>
+        <p:txBody>
+          <a:bodyPr wrap="square" rtlCol="0">
+            <a:spAutoFit/>
+          </a:bodyPr>
+          <a:lstStyle/>
+          <a:p>
+            <a:pPr algn="ctr"/>
+            <a:r>
+              <a:rPr lang="en-US" b="1" dirty="0">
+                <a:solidFill>
+                  <a:schemeClr val="accent6">
+                    <a:lumMod val="75000"/>
+                  </a:schemeClr>
+                </a:solidFill>
+              </a:rPr>
+              <a:t>16</a:t>
+            </a:r>
+          </a:p>
+        </p:txBody>
+      </p:sp>
+      <p:sp>
+        <p:nvSpPr>
+          <p:cNvPr id="101" name="TextBox 100">
+            <a:extLst>
+              <a:ext uri="{FF2B5EF4-FFF2-40B4-BE49-F238E27FC236}">
+                <a16:creationId xmlns:a16="http://schemas.microsoft.com/office/drawing/2014/main" id="{43D6964B-D4D6-5743-BB72-390BB83E816C}"/>
+              </a:ext>
+            </a:extLst>
+          </p:cNvPr>
+          <p:cNvSpPr txBox="1"/>
+          <p:nvPr/>
+        </p:nvSpPr>
+        <p:spPr>
+          <a:xfrm>
+            <a:off x="5238350" y="529864"/>
+            <a:ext cx="297180" cy="369332"/>
+          </a:xfrm>
+          <a:prstGeom prst="rect">
+            <a:avLst/>
+          </a:prstGeom>
+          <a:solidFill>
+            <a:schemeClr val="accent4">
+              <a:lumMod val="40000"/>
+              <a:lumOff val="60000"/>
+            </a:schemeClr>
+          </a:solidFill>
+          <a:ln w="25400">
+            <a:solidFill>
+              <a:schemeClr val="accent4">
+                <a:lumMod val="75000"/>
+              </a:schemeClr>
+            </a:solidFill>
+          </a:ln>
+        </p:spPr>
+        <p:txBody>
+          <a:bodyPr wrap="square" rtlCol="0">
+            <a:spAutoFit/>
+          </a:bodyPr>
+          <a:lstStyle/>
+          <a:p>
+            <a:pPr algn="ctr"/>
+            <a:r>
+              <a:rPr lang="en-US" b="1" dirty="0">
+                <a:solidFill>
+                  <a:schemeClr val="accent4">
+                    <a:lumMod val="75000"/>
+                  </a:schemeClr>
+                </a:solidFill>
+              </a:rPr>
+              <a:t>5</a:t>
+            </a:r>
+          </a:p>
+        </p:txBody>
+      </p:sp>
+      <p:sp>
+        <p:nvSpPr>
+          <p:cNvPr id="12" name="Rounded Rectangle 11">
+            <a:extLst>
+              <a:ext uri="{FF2B5EF4-FFF2-40B4-BE49-F238E27FC236}">
+                <a16:creationId xmlns:a16="http://schemas.microsoft.com/office/drawing/2014/main" id="{F0116956-FCCD-0748-BCB3-ABD6C0D6A895}"/>
+              </a:ext>
+            </a:extLst>
+          </p:cNvPr>
+          <p:cNvSpPr/>
+          <p:nvPr/>
+        </p:nvSpPr>
+        <p:spPr>
+          <a:xfrm>
+            <a:off x="10221601" y="3814394"/>
+            <a:ext cx="1427830" cy="824359"/>
+          </a:xfrm>
+          <a:prstGeom prst="roundRect">
+            <a:avLst/>
+          </a:prstGeom>
+          <a:solidFill>
+            <a:schemeClr val="bg1">
+              <a:lumMod val="50000"/>
+            </a:schemeClr>
+          </a:solidFill>
+          <a:ln w="25400" cap="flat" cmpd="sng" algn="ctr">
+            <a:solidFill>
+              <a:schemeClr val="tx1"/>
+            </a:solidFill>
+            <a:prstDash val="solid"/>
+            <a:miter lim="800000"/>
+          </a:ln>
+          <a:effectLst/>
+        </p:spPr>
+        <p:txBody>
+          <a:bodyPr rtlCol="0" anchor="ctr"/>
+          <a:lstStyle/>
+          <a:p>
+            <a:pPr marL="0" marR="0" lvl="0" indent="0" algn="ctr" defTabSz="914400" eaLnBrk="1" fontAlgn="auto" latinLnBrk="0" hangingPunct="1">
+              <a:lnSpc>
+                <a:spcPct val="100000"/>
+              </a:lnSpc>
+              <a:spcBef>
+                <a:spcPts val="0"/>
+              </a:spcBef>
+              <a:spcAft>
+                <a:spcPts val="0"/>
+              </a:spcAft>
+              <a:buClr>
+                <a:srgbClr val="000000"/>
+              </a:buClr>
+              <a:buSzTx/>
+              <a:buFont typeface="Arial"/>
+              <a:buNone/>
+              <a:tabLst/>
+              <a:defRPr/>
+            </a:pPr>
+            <a:r>
+              <a:rPr kumimoji="0" lang="en-US" sz="1400" b="0" i="0" u="none" strike="noStrike" kern="0" cap="none" spc="0" normalizeH="0" baseline="0" noProof="0" dirty="0">
+                <a:ln>
+                  <a:noFill/>
+                </a:ln>
+                <a:solidFill>
+                  <a:srgbClr val="FFFFFF"/>
+                </a:solidFill>
+                <a:effectLst/>
+                <a:uLnTx/>
+                <a:uFillTx/>
+                <a:latin typeface="Calibri" panose="020F0502020204030204"/>
+                <a:ea typeface="+mn-ea"/>
+                <a:cs typeface="+mn-cs"/>
+                <a:sym typeface="Arial"/>
+              </a:rPr>
+              <a:t>Electric Grid Operations</a:t>
+            </a:r>
+          </a:p>
+          <a:p>
+            <a:pPr marL="0" marR="0" lvl="0" indent="0" algn="ctr" defTabSz="914400" eaLnBrk="1" fontAlgn="auto" latinLnBrk="0" hangingPunct="1">
+              <a:lnSpc>
+                <a:spcPct val="100000"/>
+              </a:lnSpc>
+              <a:spcBef>
+                <a:spcPts val="0"/>
+              </a:spcBef>
+              <a:spcAft>
+                <a:spcPts val="0"/>
+              </a:spcAft>
+              <a:buClr>
+                <a:srgbClr val="000000"/>
+              </a:buClr>
+              <a:buSzTx/>
+              <a:buFont typeface="Arial"/>
+              <a:buNone/>
+              <a:tabLst/>
+              <a:defRPr/>
+            </a:pPr>
+            <a:r>
+              <a:rPr kumimoji="0" lang="en-US" sz="1400" b="0" i="0" u="none" strike="noStrike" kern="0" cap="none" spc="0" normalizeH="0" baseline="0" noProof="0" dirty="0">
+                <a:ln>
+                  <a:noFill/>
+                </a:ln>
+                <a:solidFill>
+                  <a:srgbClr val="FFFFFF"/>
+                </a:solidFill>
+                <a:effectLst/>
+                <a:uLnTx/>
+                <a:uFillTx/>
+                <a:latin typeface="Calibri" panose="020F0502020204030204"/>
+                <a:ea typeface="+mn-ea"/>
+                <a:cs typeface="+mn-cs"/>
+                <a:sym typeface="Arial"/>
+              </a:rPr>
+              <a:t>(</a:t>
+            </a:r>
+            <a:r>
+              <a:rPr lang="en-US" sz="1400" kern="0" dirty="0">
+                <a:solidFill>
+                  <a:srgbClr val="FFFFFF"/>
+                </a:solidFill>
+                <a:latin typeface="Calibri" panose="020F0502020204030204"/>
+                <a:sym typeface="Arial"/>
+              </a:rPr>
+              <a:t>GO</a:t>
+            </a:r>
+            <a:r>
+              <a:rPr kumimoji="0" lang="en-US" sz="1400" b="0" i="0" u="none" strike="noStrike" kern="0" cap="none" spc="0" normalizeH="0" baseline="0" noProof="0" dirty="0">
+                <a:ln>
+                  <a:noFill/>
+                </a:ln>
+                <a:solidFill>
+                  <a:srgbClr val="FFFFFF"/>
+                </a:solidFill>
+                <a:effectLst/>
+                <a:uLnTx/>
+                <a:uFillTx/>
+                <a:latin typeface="Calibri" panose="020F0502020204030204"/>
+                <a:ea typeface="+mn-ea"/>
+                <a:cs typeface="+mn-cs"/>
+                <a:sym typeface="Arial"/>
+              </a:rPr>
+              <a:t>)</a:t>
+            </a:r>
+          </a:p>
+        </p:txBody>
+      </p:sp>
+      <p:sp>
+        <p:nvSpPr>
+          <p:cNvPr id="24" name="Rounded Rectangle 23">
+            <a:extLst>
+              <a:ext uri="{FF2B5EF4-FFF2-40B4-BE49-F238E27FC236}">
+                <a16:creationId xmlns:a16="http://schemas.microsoft.com/office/drawing/2014/main" id="{1D075DFC-86C8-F549-9F4F-5BAF7DAC4516}"/>
+              </a:ext>
+            </a:extLst>
+          </p:cNvPr>
+          <p:cNvSpPr/>
+          <p:nvPr/>
+        </p:nvSpPr>
+        <p:spPr>
+          <a:xfrm>
+            <a:off x="5434323" y="5089471"/>
+            <a:ext cx="1382139" cy="744200"/>
+          </a:xfrm>
+          <a:prstGeom prst="roundRect">
+            <a:avLst/>
+          </a:prstGeom>
+          <a:solidFill>
+            <a:schemeClr val="bg1">
+              <a:lumMod val="50000"/>
+            </a:schemeClr>
+          </a:solidFill>
+          <a:ln w="25400" cap="flat" cmpd="sng" algn="ctr">
+            <a:solidFill>
+              <a:schemeClr val="tx1"/>
+            </a:solidFill>
+            <a:prstDash val="solid"/>
+            <a:miter lim="800000"/>
+          </a:ln>
+          <a:effectLst/>
+        </p:spPr>
+        <p:txBody>
+          <a:bodyPr rtlCol="0" anchor="ctr"/>
+          <a:lstStyle/>
+          <a:p>
+            <a:pPr marL="0" marR="0" lvl="0" indent="0" algn="ctr" defTabSz="914400" eaLnBrk="1" fontAlgn="auto" latinLnBrk="0" hangingPunct="1">
+              <a:lnSpc>
+                <a:spcPct val="100000"/>
+              </a:lnSpc>
+              <a:spcBef>
+                <a:spcPts val="0"/>
+              </a:spcBef>
+              <a:spcAft>
+                <a:spcPts val="0"/>
+              </a:spcAft>
+              <a:buClr>
+                <a:srgbClr val="000000"/>
+              </a:buClr>
+              <a:buSzTx/>
+              <a:buFont typeface="Arial"/>
+              <a:buNone/>
+              <a:tabLst/>
+              <a:defRPr/>
+            </a:pPr>
+            <a:r>
+              <a:rPr kumimoji="0" lang="en-US" sz="1400" b="0" i="0" u="none" strike="noStrike" kern="0" cap="none" spc="0" normalizeH="0" baseline="0" noProof="0" dirty="0">
+                <a:ln>
+                  <a:noFill/>
+                </a:ln>
+                <a:solidFill>
+                  <a:srgbClr val="FFFFFF"/>
+                </a:solidFill>
+                <a:effectLst/>
+                <a:uLnTx/>
+                <a:uFillTx/>
+                <a:latin typeface="Calibri" panose="020F0502020204030204"/>
+                <a:ea typeface="+mn-ea"/>
+                <a:cs typeface="+mn-cs"/>
+                <a:sym typeface="Arial"/>
+              </a:rPr>
+              <a:t>Energy, Water, Land Markets</a:t>
+            </a:r>
+          </a:p>
+          <a:p>
+            <a:pPr marL="0" marR="0" lvl="0" indent="0" algn="ctr" defTabSz="914400" eaLnBrk="1" fontAlgn="auto" latinLnBrk="0" hangingPunct="1">
+              <a:lnSpc>
+                <a:spcPct val="100000"/>
+              </a:lnSpc>
+              <a:spcBef>
+                <a:spcPts val="0"/>
+              </a:spcBef>
+              <a:spcAft>
+                <a:spcPts val="0"/>
+              </a:spcAft>
+              <a:buClr>
+                <a:srgbClr val="000000"/>
+              </a:buClr>
+              <a:buSzTx/>
+              <a:buFont typeface="Arial"/>
+              <a:buNone/>
+              <a:tabLst/>
+              <a:defRPr/>
+            </a:pPr>
+            <a:r>
+              <a:rPr kumimoji="0" lang="en-US" sz="1400" b="0" i="0" u="none" strike="noStrike" kern="0" cap="none" spc="0" normalizeH="0" baseline="0" noProof="0" dirty="0">
+                <a:ln>
+                  <a:noFill/>
+                </a:ln>
+                <a:solidFill>
+                  <a:srgbClr val="FFFFFF"/>
+                </a:solidFill>
+                <a:effectLst/>
+                <a:uLnTx/>
+                <a:uFillTx/>
+                <a:latin typeface="Calibri" panose="020F0502020204030204"/>
+                <a:ea typeface="+mn-ea"/>
+                <a:cs typeface="+mn-cs"/>
+                <a:sym typeface="Arial"/>
+              </a:rPr>
+              <a:t>(GCAM-USA)</a:t>
+            </a:r>
+          </a:p>
+        </p:txBody>
+      </p:sp>
+      <p:sp>
+        <p:nvSpPr>
+          <p:cNvPr id="36" name="Rounded Rectangle 35">
+            <a:extLst>
+              <a:ext uri="{FF2B5EF4-FFF2-40B4-BE49-F238E27FC236}">
+                <a16:creationId xmlns:a16="http://schemas.microsoft.com/office/drawing/2014/main" id="{BC28141A-8220-3B48-9D85-19C7DBB3D748}"/>
+              </a:ext>
+            </a:extLst>
+          </p:cNvPr>
+          <p:cNvSpPr/>
+          <p:nvPr/>
+        </p:nvSpPr>
+        <p:spPr>
+          <a:xfrm>
+            <a:off x="8739578" y="5049392"/>
+            <a:ext cx="1427831" cy="824359"/>
+          </a:xfrm>
+          <a:prstGeom prst="roundRect">
+            <a:avLst/>
+          </a:prstGeom>
+          <a:solidFill>
+            <a:schemeClr val="bg1">
+              <a:lumMod val="50000"/>
+            </a:schemeClr>
+          </a:solidFill>
+          <a:ln w="25400" cap="flat" cmpd="sng" algn="ctr">
+            <a:solidFill>
+              <a:schemeClr val="tx1"/>
+            </a:solidFill>
+            <a:prstDash val="solid"/>
+            <a:miter lim="800000"/>
+          </a:ln>
+          <a:effectLst/>
+        </p:spPr>
+        <p:txBody>
+          <a:bodyPr rtlCol="0" anchor="ctr"/>
+          <a:lstStyle/>
+          <a:p>
+            <a:pPr marL="0" marR="0" lvl="0" indent="0" algn="ctr" defTabSz="914400" eaLnBrk="1" fontAlgn="auto" latinLnBrk="0" hangingPunct="1">
+              <a:lnSpc>
+                <a:spcPct val="100000"/>
+              </a:lnSpc>
+              <a:spcBef>
+                <a:spcPts val="0"/>
+              </a:spcBef>
+              <a:spcAft>
+                <a:spcPts val="0"/>
+              </a:spcAft>
+              <a:buClr>
+                <a:srgbClr val="000000"/>
+              </a:buClr>
+              <a:buSzTx/>
+              <a:buFont typeface="Arial"/>
+              <a:buNone/>
+              <a:tabLst/>
+              <a:defRPr/>
+            </a:pPr>
+            <a:r>
+              <a:rPr kumimoji="0" lang="en-US" sz="1400" b="0" i="0" u="none" strike="noStrike" kern="0" cap="none" spc="0" normalizeH="0" baseline="0" noProof="0" dirty="0">
+                <a:ln>
+                  <a:noFill/>
+                </a:ln>
+                <a:solidFill>
+                  <a:srgbClr val="FFFFFF"/>
+                </a:solidFill>
+                <a:effectLst/>
+                <a:uLnTx/>
+                <a:uFillTx/>
+                <a:latin typeface="Calibri" panose="020F0502020204030204"/>
+                <a:ea typeface="+mn-ea"/>
+                <a:cs typeface="+mn-cs"/>
+                <a:sym typeface="Arial"/>
+              </a:rPr>
+              <a:t>Total ELectricity Loads (TELL)</a:t>
+            </a:r>
+          </a:p>
+        </p:txBody>
+      </p:sp>
+      <p:sp>
+        <p:nvSpPr>
+          <p:cNvPr id="54" name="Rounded Rectangle 53">
+            <a:extLst>
+              <a:ext uri="{FF2B5EF4-FFF2-40B4-BE49-F238E27FC236}">
+                <a16:creationId xmlns:a16="http://schemas.microsoft.com/office/drawing/2014/main" id="{2496E921-A9F4-D645-8C0F-4915E0C64BAC}"/>
+              </a:ext>
+            </a:extLst>
+          </p:cNvPr>
+          <p:cNvSpPr/>
+          <p:nvPr/>
+        </p:nvSpPr>
+        <p:spPr>
+          <a:xfrm>
+            <a:off x="8532303" y="2301675"/>
+            <a:ext cx="1339059" cy="968555"/>
+          </a:xfrm>
+          <a:prstGeom prst="roundRect">
+            <a:avLst/>
+          </a:prstGeom>
+          <a:solidFill>
+            <a:schemeClr val="bg1">
+              <a:lumMod val="50000"/>
+            </a:schemeClr>
+          </a:solidFill>
+          <a:ln w="25400" cap="flat" cmpd="sng" algn="ctr">
+            <a:solidFill>
+              <a:schemeClr val="tx1"/>
+            </a:solidFill>
+            <a:prstDash val="solid"/>
+            <a:miter lim="800000"/>
+          </a:ln>
+          <a:effectLst/>
+        </p:spPr>
+        <p:txBody>
+          <a:bodyPr rtlCol="0" anchor="ctr"/>
+          <a:lstStyle/>
+          <a:p>
+            <a:pPr marL="0" marR="0" lvl="0" indent="0" algn="ctr" defTabSz="914400" eaLnBrk="1" fontAlgn="auto" latinLnBrk="0" hangingPunct="1">
+              <a:lnSpc>
+                <a:spcPct val="100000"/>
+              </a:lnSpc>
+              <a:spcBef>
+                <a:spcPts val="0"/>
+              </a:spcBef>
+              <a:spcAft>
+                <a:spcPts val="0"/>
+              </a:spcAft>
+              <a:buClr>
+                <a:srgbClr val="000000"/>
+              </a:buClr>
+              <a:buSzTx/>
+              <a:buFont typeface="Arial"/>
+              <a:buNone/>
+              <a:tabLst/>
+              <a:defRPr/>
+            </a:pPr>
+            <a:r>
+              <a:rPr kumimoji="0" lang="en-US" sz="1400" b="0" i="0" u="none" strike="noStrike" kern="0" cap="none" spc="0" normalizeH="0" baseline="0" noProof="0" dirty="0">
+                <a:ln>
+                  <a:noFill/>
+                </a:ln>
+                <a:solidFill>
+                  <a:srgbClr val="FFFFFF"/>
+                </a:solidFill>
+                <a:effectLst/>
+                <a:uLnTx/>
+                <a:uFillTx/>
+                <a:latin typeface="Calibri" panose="020F0502020204030204"/>
+                <a:ea typeface="+mn-ea"/>
+                <a:cs typeface="+mn-cs"/>
+                <a:sym typeface="Arial"/>
+              </a:rPr>
+              <a:t>Power Plant Siting Feasibility</a:t>
+            </a:r>
+          </a:p>
+          <a:p>
+            <a:pPr marL="0" marR="0" lvl="0" indent="0" algn="ctr" defTabSz="914400" eaLnBrk="1" fontAlgn="auto" latinLnBrk="0" hangingPunct="1">
+              <a:lnSpc>
+                <a:spcPct val="100000"/>
+              </a:lnSpc>
+              <a:spcBef>
+                <a:spcPts val="0"/>
+              </a:spcBef>
+              <a:spcAft>
+                <a:spcPts val="0"/>
+              </a:spcAft>
+              <a:buClr>
+                <a:srgbClr val="000000"/>
+              </a:buClr>
+              <a:buSzTx/>
+              <a:buFont typeface="Arial"/>
+              <a:buNone/>
+              <a:tabLst/>
+              <a:defRPr/>
+            </a:pPr>
+            <a:r>
+              <a:rPr kumimoji="0" lang="en-US" sz="1400" b="0" i="0" u="none" strike="noStrike" kern="0" cap="none" spc="0" normalizeH="0" baseline="0" noProof="0" dirty="0">
+                <a:ln>
+                  <a:noFill/>
+                </a:ln>
+                <a:solidFill>
+                  <a:srgbClr val="FFFFFF"/>
+                </a:solidFill>
+                <a:effectLst/>
+                <a:uLnTx/>
+                <a:uFillTx/>
+                <a:latin typeface="Calibri" panose="020F0502020204030204"/>
+                <a:ea typeface="+mn-ea"/>
+                <a:cs typeface="+mn-cs"/>
+                <a:sym typeface="Arial"/>
+              </a:rPr>
+              <a:t>(CERF) </a:t>
+            </a:r>
+          </a:p>
+        </p:txBody>
+      </p:sp>
+      <p:sp>
+        <p:nvSpPr>
+          <p:cNvPr id="70" name="Rounded Rectangle 69">
+            <a:extLst>
+              <a:ext uri="{FF2B5EF4-FFF2-40B4-BE49-F238E27FC236}">
+                <a16:creationId xmlns:a16="http://schemas.microsoft.com/office/drawing/2014/main" id="{33144FA7-DB63-E44B-B5F6-03C886F88948}"/>
+              </a:ext>
+            </a:extLst>
+          </p:cNvPr>
+          <p:cNvSpPr/>
+          <p:nvPr/>
+        </p:nvSpPr>
+        <p:spPr>
+          <a:xfrm>
+            <a:off x="3630407" y="786870"/>
+            <a:ext cx="1332993" cy="856257"/>
+          </a:xfrm>
+          <a:prstGeom prst="roundRect">
+            <a:avLst/>
+          </a:prstGeom>
+          <a:solidFill>
+            <a:schemeClr val="bg1">
+              <a:lumMod val="50000"/>
+            </a:schemeClr>
+          </a:solidFill>
+          <a:ln w="25400" cap="flat" cmpd="sng" algn="ctr">
+            <a:solidFill>
+              <a:schemeClr val="tx1"/>
+            </a:solidFill>
+            <a:prstDash val="solid"/>
+            <a:miter lim="800000"/>
+          </a:ln>
+          <a:effectLst/>
+        </p:spPr>
+        <p:txBody>
+          <a:bodyPr rtlCol="0" anchor="ctr"/>
+          <a:lstStyle/>
+          <a:p>
+            <a:pPr marL="0" marR="0" lvl="0" indent="0" algn="ctr" defTabSz="914400" eaLnBrk="1" fontAlgn="auto" latinLnBrk="0" hangingPunct="1">
+              <a:lnSpc>
+                <a:spcPct val="100000"/>
+              </a:lnSpc>
+              <a:spcBef>
+                <a:spcPts val="0"/>
+              </a:spcBef>
+              <a:spcAft>
+                <a:spcPts val="0"/>
+              </a:spcAft>
+              <a:buClr>
+                <a:srgbClr val="000000"/>
+              </a:buClr>
+              <a:buSzTx/>
+              <a:buFont typeface="Arial"/>
+              <a:buNone/>
+              <a:tabLst/>
+              <a:defRPr/>
+            </a:pPr>
+            <a:r>
+              <a:rPr kumimoji="0" lang="en-US" sz="1200" b="0" i="0" u="none" strike="noStrike" kern="0" cap="none" spc="0" normalizeH="0" baseline="0" noProof="0" dirty="0">
+                <a:ln>
+                  <a:noFill/>
+                </a:ln>
+                <a:solidFill>
+                  <a:srgbClr val="FFFFFF"/>
+                </a:solidFill>
+                <a:effectLst/>
+                <a:uLnTx/>
+                <a:uFillTx/>
+                <a:latin typeface="Calibri" panose="020F0502020204030204"/>
+                <a:ea typeface="+mn-ea"/>
+                <a:cs typeface="+mn-cs"/>
+                <a:sym typeface="Arial"/>
+              </a:rPr>
+              <a:t>Thermodynamic Global Warming Simulations (WRF)</a:t>
+            </a:r>
+          </a:p>
+        </p:txBody>
+      </p:sp>
+      <p:sp>
+        <p:nvSpPr>
+          <p:cNvPr id="18" name="Rounded Rectangle 17">
+            <a:extLst>
+              <a:ext uri="{FF2B5EF4-FFF2-40B4-BE49-F238E27FC236}">
+                <a16:creationId xmlns:a16="http://schemas.microsoft.com/office/drawing/2014/main" id="{CB3773D0-064F-C840-942F-AED3E66D04EE}"/>
+              </a:ext>
+            </a:extLst>
+          </p:cNvPr>
+          <p:cNvSpPr/>
+          <p:nvPr/>
+        </p:nvSpPr>
+        <p:spPr>
+          <a:xfrm>
+            <a:off x="2715876" y="3799240"/>
+            <a:ext cx="1382139" cy="824359"/>
+          </a:xfrm>
+          <a:prstGeom prst="roundRect">
+            <a:avLst/>
+          </a:prstGeom>
+          <a:solidFill>
+            <a:schemeClr val="bg1">
+              <a:lumMod val="50000"/>
+            </a:schemeClr>
+          </a:solidFill>
+          <a:ln w="25400" cap="flat" cmpd="sng" algn="ctr">
+            <a:solidFill>
+              <a:schemeClr val="tx1"/>
+            </a:solidFill>
+            <a:prstDash val="solid"/>
+            <a:miter lim="800000"/>
+          </a:ln>
+          <a:effectLst/>
+        </p:spPr>
+        <p:txBody>
+          <a:bodyPr rtlCol="0" anchor="ctr"/>
+          <a:lstStyle/>
+          <a:p>
+            <a:pPr lvl="0" algn="ctr">
+              <a:buClr>
+                <a:srgbClr val="000000"/>
+              </a:buClr>
+              <a:defRPr/>
+            </a:pPr>
+            <a:r>
+              <a:rPr lang="en-US" sz="1400" kern="0" dirty="0">
+                <a:solidFill>
+                  <a:schemeClr val="bg1"/>
+                </a:solidFill>
+                <a:sym typeface="Arial"/>
+              </a:rPr>
+              <a:t>Gridded</a:t>
+            </a:r>
+          </a:p>
+          <a:p>
+            <a:pPr lvl="0" algn="ctr">
+              <a:buClr>
+                <a:srgbClr val="000000"/>
+              </a:buClr>
+              <a:defRPr/>
+            </a:pPr>
+            <a:r>
+              <a:rPr lang="en-US" sz="1400" kern="0" dirty="0">
+                <a:solidFill>
+                  <a:schemeClr val="bg1"/>
+                </a:solidFill>
+                <a:sym typeface="Arial"/>
+              </a:rPr>
+              <a:t>Population</a:t>
+            </a:r>
+          </a:p>
+        </p:txBody>
+      </p:sp>
+      <p:cxnSp>
+        <p:nvCxnSpPr>
+          <p:cNvPr id="93" name="Straight Arrow Connector 129">
+            <a:extLst>
+              <a:ext uri="{FF2B5EF4-FFF2-40B4-BE49-F238E27FC236}">
+                <a16:creationId xmlns:a16="http://schemas.microsoft.com/office/drawing/2014/main" id="{7BD44C0A-863E-4D8C-8FF5-E48E77AE9EFC}"/>
+              </a:ext>
+            </a:extLst>
+          </p:cNvPr>
+          <p:cNvCxnSpPr>
+            <a:cxnSpLocks/>
+            <a:stCxn id="78" idx="2"/>
+          </p:cNvCxnSpPr>
+          <p:nvPr/>
+        </p:nvCxnSpPr>
+        <p:spPr>
+          <a:xfrm rot="5400000">
+            <a:off x="5727723" y="3837522"/>
+            <a:ext cx="2065570" cy="397866"/>
+          </a:xfrm>
+          <a:prstGeom prst="bentConnector3">
+            <a:avLst>
+              <a:gd name="adj1" fmla="val 50000"/>
+            </a:avLst>
+          </a:prstGeom>
+          <a:noFill/>
+          <a:ln w="25400" cap="flat" cmpd="sng" algn="ctr">
+            <a:solidFill>
+              <a:schemeClr val="accent6">
+                <a:lumMod val="75000"/>
+              </a:schemeClr>
+            </a:solidFill>
+            <a:prstDash val="solid"/>
+            <a:miter lim="800000"/>
+            <a:tailEnd type="triangle" w="lg" len="lg"/>
+          </a:ln>
+          <a:effectLst/>
+        </p:spPr>
+      </p:cxnSp>
+      <p:sp>
+        <p:nvSpPr>
+          <p:cNvPr id="104" name="TextBox 103">
+            <a:extLst>
+              <a:ext uri="{FF2B5EF4-FFF2-40B4-BE49-F238E27FC236}">
+                <a16:creationId xmlns:a16="http://schemas.microsoft.com/office/drawing/2014/main" id="{8FF9DF29-8FC9-A74D-A896-3FC80ADACA58}"/>
+              </a:ext>
+            </a:extLst>
+          </p:cNvPr>
+          <p:cNvSpPr txBox="1"/>
+          <p:nvPr/>
+        </p:nvSpPr>
+        <p:spPr>
+          <a:xfrm>
+            <a:off x="6719891" y="3282553"/>
+            <a:ext cx="457490" cy="369332"/>
+          </a:xfrm>
+          <a:prstGeom prst="rect">
+            <a:avLst/>
+          </a:prstGeom>
+          <a:solidFill>
+            <a:schemeClr val="accent6">
+              <a:lumMod val="40000"/>
+              <a:lumOff val="60000"/>
+            </a:schemeClr>
+          </a:solidFill>
+          <a:ln w="25400">
+            <a:solidFill>
+              <a:schemeClr val="accent6">
+                <a:lumMod val="75000"/>
+              </a:schemeClr>
+            </a:solidFill>
+          </a:ln>
+        </p:spPr>
+        <p:txBody>
+          <a:bodyPr wrap="square" rtlCol="0">
+            <a:spAutoFit/>
+          </a:bodyPr>
+          <a:lstStyle/>
+          <a:p>
+            <a:pPr algn="ctr"/>
+            <a:r>
+              <a:rPr lang="en-US" b="1" dirty="0">
+                <a:solidFill>
+                  <a:schemeClr val="accent6">
+                    <a:lumMod val="75000"/>
+                  </a:schemeClr>
+                </a:solidFill>
+              </a:rPr>
+              <a:t>10</a:t>
+            </a:r>
+          </a:p>
+        </p:txBody>
+      </p:sp>
+      <p:cxnSp>
+        <p:nvCxnSpPr>
+          <p:cNvPr id="100" name="Straight Arrow Connector 129">
+            <a:extLst>
+              <a:ext uri="{FF2B5EF4-FFF2-40B4-BE49-F238E27FC236}">
+                <a16:creationId xmlns:a16="http://schemas.microsoft.com/office/drawing/2014/main" id="{DF79BE50-8645-45B8-9D27-56623488135F}"/>
+              </a:ext>
+            </a:extLst>
+          </p:cNvPr>
+          <p:cNvCxnSpPr>
+            <a:cxnSpLocks/>
+            <a:stCxn id="76" idx="2"/>
+          </p:cNvCxnSpPr>
+          <p:nvPr/>
+        </p:nvCxnSpPr>
+        <p:spPr>
+          <a:xfrm rot="16200000" flipH="1">
+            <a:off x="4260500" y="3777941"/>
+            <a:ext cx="2085801" cy="537258"/>
+          </a:xfrm>
+          <a:prstGeom prst="bentConnector3">
+            <a:avLst>
+              <a:gd name="adj1" fmla="val 50000"/>
+            </a:avLst>
+          </a:prstGeom>
+          <a:noFill/>
+          <a:ln w="25400" cap="flat" cmpd="sng" algn="ctr">
+            <a:solidFill>
+              <a:schemeClr val="accent6">
+                <a:lumMod val="75000"/>
+              </a:schemeClr>
+            </a:solidFill>
+            <a:prstDash val="solid"/>
+            <a:miter lim="800000"/>
+            <a:tailEnd type="triangle" w="lg" len="lg"/>
+          </a:ln>
+          <a:effectLst/>
+        </p:spPr>
+      </p:cxnSp>
+      <p:sp>
+        <p:nvSpPr>
+          <p:cNvPr id="90" name="TextBox 89">
+            <a:extLst>
+              <a:ext uri="{FF2B5EF4-FFF2-40B4-BE49-F238E27FC236}">
+                <a16:creationId xmlns:a16="http://schemas.microsoft.com/office/drawing/2014/main" id="{F72EDA13-3023-F544-9568-8433B3292E59}"/>
+              </a:ext>
+            </a:extLst>
+          </p:cNvPr>
+          <p:cNvSpPr txBox="1"/>
+          <p:nvPr/>
+        </p:nvSpPr>
+        <p:spPr>
+          <a:xfrm>
+            <a:off x="4886181" y="3270230"/>
+            <a:ext cx="297180" cy="369332"/>
+          </a:xfrm>
+          <a:prstGeom prst="rect">
+            <a:avLst/>
+          </a:prstGeom>
+          <a:solidFill>
+            <a:schemeClr val="accent6">
+              <a:lumMod val="40000"/>
+              <a:lumOff val="60000"/>
+            </a:schemeClr>
+          </a:solidFill>
+          <a:ln w="25400">
+            <a:solidFill>
+              <a:schemeClr val="accent6">
+                <a:lumMod val="75000"/>
+              </a:schemeClr>
+            </a:solidFill>
+          </a:ln>
+        </p:spPr>
+        <p:txBody>
+          <a:bodyPr wrap="square" rtlCol="0">
+            <a:spAutoFit/>
+          </a:bodyPr>
+          <a:lstStyle/>
+          <a:p>
+            <a:pPr algn="ctr"/>
+            <a:r>
+              <a:rPr lang="en-US" b="1" dirty="0">
+                <a:solidFill>
+                  <a:schemeClr val="accent6">
+                    <a:lumMod val="75000"/>
+                  </a:schemeClr>
+                </a:solidFill>
+              </a:rPr>
+              <a:t>8</a:t>
+            </a:r>
+          </a:p>
+        </p:txBody>
+      </p:sp>
+      <p:sp>
+        <p:nvSpPr>
+          <p:cNvPr id="107" name="TextBox 106">
+            <a:extLst>
+              <a:ext uri="{FF2B5EF4-FFF2-40B4-BE49-F238E27FC236}">
+                <a16:creationId xmlns:a16="http://schemas.microsoft.com/office/drawing/2014/main" id="{3218D5BB-EB76-46E2-93B4-9E1CD3B5EBDF}"/>
+              </a:ext>
+            </a:extLst>
+          </p:cNvPr>
+          <p:cNvSpPr txBox="1"/>
+          <p:nvPr/>
+        </p:nvSpPr>
+        <p:spPr>
+          <a:xfrm>
+            <a:off x="4745665" y="4030686"/>
+            <a:ext cx="813528" cy="523220"/>
+          </a:xfrm>
+          <a:prstGeom prst="rect">
+            <a:avLst/>
+          </a:prstGeom>
+          <a:noFill/>
+        </p:spPr>
+        <p:txBody>
+          <a:bodyPr wrap="square" rtlCol="0">
+            <a:spAutoFit/>
+          </a:bodyPr>
+          <a:lstStyle/>
+          <a:p>
+            <a:pPr algn="r"/>
+            <a:r>
+              <a:rPr lang="en-US" sz="1400" b="1" dirty="0">
+                <a:solidFill>
+                  <a:schemeClr val="accent1"/>
+                </a:solidFill>
+              </a:rPr>
+              <a:t>Runoff by basin</a:t>
+            </a:r>
+          </a:p>
+        </p:txBody>
+      </p:sp>
+      <p:sp>
+        <p:nvSpPr>
+          <p:cNvPr id="108" name="TextBox 107">
+            <a:extLst>
+              <a:ext uri="{FF2B5EF4-FFF2-40B4-BE49-F238E27FC236}">
+                <a16:creationId xmlns:a16="http://schemas.microsoft.com/office/drawing/2014/main" id="{C3C50344-8FCA-4773-B9F5-3FB195D364AB}"/>
+              </a:ext>
+            </a:extLst>
+          </p:cNvPr>
+          <p:cNvSpPr txBox="1"/>
+          <p:nvPr/>
+        </p:nvSpPr>
+        <p:spPr>
+          <a:xfrm>
+            <a:off x="5597388" y="3691289"/>
+            <a:ext cx="936360" cy="523220"/>
+          </a:xfrm>
+          <a:prstGeom prst="rect">
+            <a:avLst/>
+          </a:prstGeom>
+          <a:solidFill>
+            <a:schemeClr val="bg1"/>
+          </a:solidFill>
+        </p:spPr>
+        <p:txBody>
+          <a:bodyPr wrap="square" rtlCol="0">
+            <a:spAutoFit/>
+          </a:bodyPr>
+          <a:lstStyle/>
+          <a:p>
+            <a:pPr algn="ctr"/>
+            <a:r>
+              <a:rPr lang="en-US" sz="1400" b="1" dirty="0">
+                <a:solidFill>
+                  <a:schemeClr val="accent1"/>
+                </a:solidFill>
+              </a:rPr>
+              <a:t>HDH</a:t>
+            </a:r>
+            <a:r>
+              <a:rPr lang="en-US" sz="1400" b="1">
+                <a:solidFill>
+                  <a:schemeClr val="accent1"/>
+                </a:solidFill>
+              </a:rPr>
+              <a:t>/CDH </a:t>
+            </a:r>
+            <a:endParaRPr lang="en-US" sz="1400" b="1" dirty="0">
+              <a:solidFill>
+                <a:schemeClr val="accent1"/>
+              </a:solidFill>
+            </a:endParaRPr>
+          </a:p>
+          <a:p>
+            <a:pPr algn="ctr"/>
+            <a:r>
+              <a:rPr lang="en-US" sz="1400" b="1" dirty="0">
+                <a:solidFill>
+                  <a:schemeClr val="accent1"/>
+                </a:solidFill>
+              </a:rPr>
+              <a:t>by state</a:t>
+            </a:r>
+          </a:p>
+        </p:txBody>
+      </p:sp>
+      <p:sp>
+        <p:nvSpPr>
+          <p:cNvPr id="110" name="TextBox 109">
+            <a:extLst>
+              <a:ext uri="{FF2B5EF4-FFF2-40B4-BE49-F238E27FC236}">
+                <a16:creationId xmlns:a16="http://schemas.microsoft.com/office/drawing/2014/main" id="{F3216295-03FA-4A2C-AE62-DB57451FF6C1}"/>
+              </a:ext>
+            </a:extLst>
+          </p:cNvPr>
+          <p:cNvSpPr txBox="1"/>
+          <p:nvPr/>
+        </p:nvSpPr>
+        <p:spPr>
+          <a:xfrm>
+            <a:off x="6552171" y="4030686"/>
+            <a:ext cx="881407" cy="523220"/>
+          </a:xfrm>
+          <a:prstGeom prst="rect">
+            <a:avLst/>
+          </a:prstGeom>
+          <a:noFill/>
+        </p:spPr>
+        <p:txBody>
+          <a:bodyPr wrap="square" rtlCol="0">
+            <a:spAutoFit/>
+          </a:bodyPr>
+          <a:lstStyle/>
+          <a:p>
+            <a:r>
+              <a:rPr lang="en-US" sz="1400" b="1" dirty="0">
+                <a:solidFill>
+                  <a:schemeClr val="accent1"/>
+                </a:solidFill>
+              </a:rPr>
+              <a:t>Ag yields</a:t>
+            </a:r>
+          </a:p>
+          <a:p>
+            <a:r>
+              <a:rPr lang="en-US" sz="1400" b="1" dirty="0">
+                <a:solidFill>
+                  <a:schemeClr val="accent1"/>
+                </a:solidFill>
+              </a:rPr>
+              <a:t>by basin</a:t>
+            </a:r>
+          </a:p>
+        </p:txBody>
+      </p:sp>
+      <p:sp>
+        <p:nvSpPr>
+          <p:cNvPr id="76" name="Rounded Rectangle 75">
+            <a:extLst>
+              <a:ext uri="{FF2B5EF4-FFF2-40B4-BE49-F238E27FC236}">
+                <a16:creationId xmlns:a16="http://schemas.microsoft.com/office/drawing/2014/main" id="{A5AEB2BB-4E50-5D4C-A78A-F7021C22F135}"/>
+              </a:ext>
+            </a:extLst>
+          </p:cNvPr>
+          <p:cNvSpPr/>
+          <p:nvPr/>
+        </p:nvSpPr>
+        <p:spPr>
+          <a:xfrm>
+            <a:off x="4577571" y="2259470"/>
+            <a:ext cx="914400" cy="744200"/>
+          </a:xfrm>
+          <a:prstGeom prst="roundRect">
+            <a:avLst/>
+          </a:prstGeom>
+          <a:solidFill>
+            <a:schemeClr val="bg1">
+              <a:lumMod val="50000"/>
+            </a:schemeClr>
+          </a:solidFill>
+          <a:ln w="25400" cap="flat" cmpd="sng" algn="ctr">
+            <a:solidFill>
+              <a:schemeClr val="tx1"/>
+            </a:solidFill>
+            <a:prstDash val="solid"/>
+            <a:miter lim="800000"/>
+          </a:ln>
+          <a:effectLst/>
+        </p:spPr>
+        <p:txBody>
+          <a:bodyPr rtlCol="0" anchor="ctr"/>
+          <a:lstStyle/>
+          <a:p>
+            <a:pPr marL="0" marR="0" lvl="0" indent="0" algn="ctr" defTabSz="914400" eaLnBrk="1" fontAlgn="auto" latinLnBrk="0" hangingPunct="1">
+              <a:lnSpc>
+                <a:spcPct val="100000"/>
+              </a:lnSpc>
+              <a:spcBef>
+                <a:spcPts val="0"/>
+              </a:spcBef>
+              <a:spcAft>
+                <a:spcPts val="0"/>
+              </a:spcAft>
+              <a:buClr>
+                <a:srgbClr val="000000"/>
+              </a:buClr>
+              <a:buSzTx/>
+              <a:buFont typeface="Arial"/>
+              <a:buNone/>
+              <a:tabLst/>
+              <a:defRPr/>
+            </a:pPr>
+            <a:r>
+              <a:rPr kumimoji="0" lang="en-US" sz="1400" b="0" i="0" u="none" strike="noStrike" kern="0" cap="none" spc="0" normalizeH="0" baseline="0" noProof="0" dirty="0">
+                <a:ln>
+                  <a:noFill/>
+                </a:ln>
+                <a:solidFill>
+                  <a:srgbClr val="FFFFFF"/>
+                </a:solidFill>
+                <a:effectLst/>
+                <a:uLnTx/>
+                <a:uFillTx/>
+                <a:latin typeface="Calibri" panose="020F0502020204030204"/>
+                <a:ea typeface="+mn-ea"/>
+                <a:cs typeface="+mn-cs"/>
+                <a:sym typeface="Arial"/>
+              </a:rPr>
+              <a:t>Water Runoff</a:t>
+            </a:r>
+          </a:p>
+          <a:p>
+            <a:pPr marL="0" marR="0" lvl="0" indent="0" algn="ctr" defTabSz="914400" eaLnBrk="1" fontAlgn="auto" latinLnBrk="0" hangingPunct="1">
+              <a:lnSpc>
+                <a:spcPct val="100000"/>
+              </a:lnSpc>
+              <a:spcBef>
+                <a:spcPts val="0"/>
+              </a:spcBef>
+              <a:spcAft>
+                <a:spcPts val="0"/>
+              </a:spcAft>
+              <a:buClr>
+                <a:srgbClr val="000000"/>
+              </a:buClr>
+              <a:buSzTx/>
+              <a:buFont typeface="Arial"/>
+              <a:buNone/>
+              <a:tabLst/>
+              <a:defRPr/>
+            </a:pPr>
+            <a:r>
+              <a:rPr kumimoji="0" lang="en-US" sz="1000" b="0" i="0" u="none" strike="noStrike" kern="0" cap="none" spc="0" normalizeH="0" baseline="0" noProof="0" dirty="0">
+                <a:ln>
+                  <a:noFill/>
+                </a:ln>
+                <a:solidFill>
+                  <a:srgbClr val="FFFFFF"/>
+                </a:solidFill>
+                <a:effectLst/>
+                <a:uLnTx/>
+                <a:uFillTx/>
+                <a:latin typeface="Calibri" panose="020F0502020204030204"/>
+                <a:ea typeface="+mn-ea"/>
+                <a:cs typeface="+mn-cs"/>
+                <a:sym typeface="Arial"/>
+              </a:rPr>
+              <a:t>(Xanthos)</a:t>
+            </a:r>
+            <a:endParaRPr kumimoji="0" lang="en-US" sz="900" b="0" i="0" u="none" strike="noStrike" kern="0" cap="none" spc="0" normalizeH="0" baseline="0" noProof="0" dirty="0">
+              <a:ln>
+                <a:noFill/>
+              </a:ln>
+              <a:solidFill>
+                <a:srgbClr val="FFFFFF"/>
+              </a:solidFill>
+              <a:effectLst/>
+              <a:uLnTx/>
+              <a:uFillTx/>
+              <a:latin typeface="Calibri" panose="020F0502020204030204"/>
+              <a:ea typeface="+mn-ea"/>
+              <a:cs typeface="+mn-cs"/>
+              <a:sym typeface="Arial"/>
+            </a:endParaRPr>
+          </a:p>
+        </p:txBody>
+      </p:sp>
+      <p:sp>
+        <p:nvSpPr>
+          <p:cNvPr id="77" name="Rounded Rectangle 76">
+            <a:extLst>
+              <a:ext uri="{FF2B5EF4-FFF2-40B4-BE49-F238E27FC236}">
+                <a16:creationId xmlns:a16="http://schemas.microsoft.com/office/drawing/2014/main" id="{9AB0B74A-828D-9548-B981-A52F96E3244E}"/>
+              </a:ext>
+            </a:extLst>
+          </p:cNvPr>
+          <p:cNvSpPr/>
+          <p:nvPr/>
+        </p:nvSpPr>
+        <p:spPr>
+          <a:xfrm>
+            <a:off x="5539906" y="2259470"/>
+            <a:ext cx="914400" cy="744200"/>
+          </a:xfrm>
+          <a:prstGeom prst="roundRect">
+            <a:avLst/>
+          </a:prstGeom>
+          <a:solidFill>
+            <a:schemeClr val="bg1">
+              <a:lumMod val="50000"/>
+            </a:schemeClr>
+          </a:solidFill>
+          <a:ln w="25400" cap="flat" cmpd="sng" algn="ctr">
+            <a:solidFill>
+              <a:schemeClr val="tx1"/>
+            </a:solidFill>
+            <a:prstDash val="solid"/>
+            <a:miter lim="800000"/>
+          </a:ln>
+          <a:effectLst/>
+        </p:spPr>
+        <p:txBody>
+          <a:bodyPr rtlCol="0" anchor="ctr"/>
+          <a:lstStyle/>
+          <a:p>
+            <a:pPr marL="0" marR="0" lvl="0" indent="0" algn="ctr" defTabSz="914400" eaLnBrk="1" fontAlgn="auto" latinLnBrk="0" hangingPunct="1">
+              <a:lnSpc>
+                <a:spcPct val="100000"/>
+              </a:lnSpc>
+              <a:spcBef>
+                <a:spcPts val="0"/>
+              </a:spcBef>
+              <a:spcAft>
+                <a:spcPts val="0"/>
+              </a:spcAft>
+              <a:buClr>
+                <a:srgbClr val="000000"/>
+              </a:buClr>
+              <a:buSzTx/>
+              <a:buFont typeface="Arial"/>
+              <a:buNone/>
+              <a:tabLst/>
+              <a:defRPr/>
+            </a:pPr>
+            <a:r>
+              <a:rPr kumimoji="0" lang="en-US" sz="1200" b="0" i="0" u="none" strike="noStrike" kern="0" cap="none" spc="0" normalizeH="0" baseline="0" noProof="0" dirty="0">
+                <a:ln>
+                  <a:noFill/>
+                </a:ln>
+                <a:solidFill>
+                  <a:srgbClr val="FFFFFF"/>
+                </a:solidFill>
+                <a:effectLst/>
+                <a:uLnTx/>
+                <a:uFillTx/>
+                <a:latin typeface="Calibri" panose="020F0502020204030204"/>
+                <a:ea typeface="+mn-ea"/>
+                <a:cs typeface="+mn-cs"/>
+                <a:sym typeface="Arial"/>
+              </a:rPr>
+              <a:t>HDH/CDH</a:t>
+            </a:r>
+          </a:p>
+          <a:p>
+            <a:pPr marL="0" marR="0" lvl="0" indent="0" algn="ctr" defTabSz="914400" eaLnBrk="1" fontAlgn="auto" latinLnBrk="0" hangingPunct="1">
+              <a:lnSpc>
+                <a:spcPct val="100000"/>
+              </a:lnSpc>
+              <a:spcBef>
+                <a:spcPts val="0"/>
+              </a:spcBef>
+              <a:spcAft>
+                <a:spcPts val="0"/>
+              </a:spcAft>
+              <a:buClr>
+                <a:srgbClr val="000000"/>
+              </a:buClr>
+              <a:buSzTx/>
+              <a:buFont typeface="Arial"/>
+              <a:buNone/>
+              <a:tabLst/>
+              <a:defRPr/>
+            </a:pPr>
+            <a:r>
+              <a:rPr kumimoji="0" lang="en-US" sz="1000" b="0" i="0" u="none" strike="noStrike" kern="0" cap="none" spc="0" normalizeH="0" baseline="0" noProof="0" dirty="0">
+                <a:ln>
+                  <a:noFill/>
+                </a:ln>
+                <a:solidFill>
+                  <a:srgbClr val="FFFFFF"/>
+                </a:solidFill>
+                <a:effectLst/>
+                <a:uLnTx/>
+                <a:uFillTx/>
+                <a:latin typeface="Calibri" panose="020F0502020204030204"/>
+                <a:ea typeface="+mn-ea"/>
+                <a:cs typeface="+mn-cs"/>
+                <a:sym typeface="Arial"/>
+              </a:rPr>
+              <a:t>(Helios)</a:t>
+            </a:r>
+          </a:p>
+        </p:txBody>
+      </p:sp>
+      <p:sp>
+        <p:nvSpPr>
+          <p:cNvPr id="78" name="Rounded Rectangle 77">
+            <a:extLst>
+              <a:ext uri="{FF2B5EF4-FFF2-40B4-BE49-F238E27FC236}">
+                <a16:creationId xmlns:a16="http://schemas.microsoft.com/office/drawing/2014/main" id="{2213A539-FE75-2E49-97A2-21078ECCB86B}"/>
+              </a:ext>
+            </a:extLst>
+          </p:cNvPr>
+          <p:cNvSpPr/>
+          <p:nvPr/>
+        </p:nvSpPr>
+        <p:spPr>
+          <a:xfrm>
+            <a:off x="6502241" y="2259470"/>
+            <a:ext cx="914400" cy="744200"/>
+          </a:xfrm>
+          <a:prstGeom prst="roundRect">
+            <a:avLst/>
+          </a:prstGeom>
+          <a:solidFill>
+            <a:schemeClr val="bg1">
+              <a:lumMod val="50000"/>
+            </a:schemeClr>
+          </a:solidFill>
+          <a:ln w="25400" cap="flat" cmpd="sng" algn="ctr">
+            <a:solidFill>
+              <a:schemeClr val="tx1"/>
+            </a:solidFill>
+            <a:prstDash val="solid"/>
+            <a:miter lim="800000"/>
+          </a:ln>
+          <a:effectLst/>
+        </p:spPr>
+        <p:txBody>
+          <a:bodyPr rtlCol="0" anchor="ctr"/>
+          <a:lstStyle/>
+          <a:p>
+            <a:pPr marL="0" marR="0" lvl="0" indent="0" algn="ctr" defTabSz="914400" eaLnBrk="1" fontAlgn="auto" latinLnBrk="0" hangingPunct="1">
+              <a:lnSpc>
+                <a:spcPct val="100000"/>
+              </a:lnSpc>
+              <a:spcBef>
+                <a:spcPts val="0"/>
+              </a:spcBef>
+              <a:spcAft>
+                <a:spcPts val="0"/>
+              </a:spcAft>
+              <a:buClr>
+                <a:srgbClr val="000000"/>
+              </a:buClr>
+              <a:buSzTx/>
+              <a:buFont typeface="Arial"/>
+              <a:buNone/>
+              <a:tabLst/>
+              <a:defRPr/>
+            </a:pPr>
+            <a:r>
+              <a:rPr kumimoji="0" lang="en-US" sz="1400" b="0" i="0" u="none" strike="noStrike" kern="0" cap="none" spc="0" normalizeH="0" baseline="0" noProof="0" dirty="0">
+                <a:ln>
+                  <a:noFill/>
+                </a:ln>
+                <a:solidFill>
+                  <a:srgbClr val="FFFFFF"/>
+                </a:solidFill>
+                <a:effectLst/>
+                <a:uLnTx/>
+                <a:uFillTx/>
+                <a:latin typeface="Calibri" panose="020F0502020204030204"/>
+                <a:ea typeface="+mn-ea"/>
+                <a:cs typeface="+mn-cs"/>
+                <a:sym typeface="Arial"/>
+              </a:rPr>
+              <a:t>Ag Yield</a:t>
+            </a:r>
+          </a:p>
+          <a:p>
+            <a:pPr marL="0" marR="0" lvl="0" indent="0" algn="ctr" defTabSz="914400" eaLnBrk="1" fontAlgn="auto" latinLnBrk="0" hangingPunct="1">
+              <a:lnSpc>
+                <a:spcPct val="100000"/>
+              </a:lnSpc>
+              <a:spcBef>
+                <a:spcPts val="0"/>
+              </a:spcBef>
+              <a:spcAft>
+                <a:spcPts val="0"/>
+              </a:spcAft>
+              <a:buClr>
+                <a:srgbClr val="000000"/>
+              </a:buClr>
+              <a:buSzTx/>
+              <a:buFont typeface="Arial"/>
+              <a:buNone/>
+              <a:tabLst/>
+              <a:defRPr/>
+            </a:pPr>
+            <a:r>
+              <a:rPr lang="en-US" sz="1000" kern="0" dirty="0">
+                <a:solidFill>
+                  <a:srgbClr val="FFFFFF"/>
+                </a:solidFill>
+                <a:latin typeface="Calibri" panose="020F0502020204030204"/>
+                <a:sym typeface="Arial"/>
+              </a:rPr>
+              <a:t>(Osiris)</a:t>
+            </a:r>
+          </a:p>
+        </p:txBody>
+      </p:sp>
+    </p:spTree>
+    <p:extLst>
+      <p:ext uri="{BB962C8B-B14F-4D97-AF65-F5344CB8AC3E}">
+        <p14:creationId xmlns:p14="http://schemas.microsoft.com/office/powerpoint/2010/main" val="2988460606"/>
+      </p:ext>
+    </p:extLst>
+  </p:cSld>
+  <p:clrMapOvr>
+    <a:masterClrMapping/>
+  </p:clrMapOvr>
+</p:sld>
+</file>
+
 <file path=ppt/theme/theme1.xml><?xml version="1.0" encoding="utf-8"?>
 <a:theme xmlns:a="http://schemas.openxmlformats.org/drawingml/2006/main" name="Office Theme">
   <a:themeElements>

--- a/experiment_diagram/experiment-B-N6_interconnect.pptx
+++ b/experiment_diagram/experiment-B-N6_interconnect.pptx
@@ -6,7 +6,6 @@
   </p:sldMasterIdLst>
   <p:sldIdLst>
     <p:sldId id="257" r:id="rId2"/>
-    <p:sldId id="258" r:id="rId3"/>
   </p:sldIdLst>
   <p:sldSz cx="12192000" cy="6858000"/>
   <p:notesSz cx="6858000" cy="9144000"/>
@@ -817,7 +816,7 @@
           <a:p>
             <a:fld id="{50E52EA3-2204-804F-9678-85900D481E2E}" type="datetimeFigureOut">
               <a:rPr lang="en-US" smtClean="0"/>
-              <a:t>10/14/22</a:t>
+              <a:t>11/16/22</a:t>
             </a:fld>
             <a:endParaRPr lang="en-US"/>
           </a:p>
@@ -1015,7 +1014,7 @@
           <a:p>
             <a:fld id="{50E52EA3-2204-804F-9678-85900D481E2E}" type="datetimeFigureOut">
               <a:rPr lang="en-US" smtClean="0"/>
-              <a:t>10/14/22</a:t>
+              <a:t>11/16/22</a:t>
             </a:fld>
             <a:endParaRPr lang="en-US"/>
           </a:p>
@@ -1223,7 +1222,7 @@
           <a:p>
             <a:fld id="{50E52EA3-2204-804F-9678-85900D481E2E}" type="datetimeFigureOut">
               <a:rPr lang="en-US" smtClean="0"/>
-              <a:t>10/14/22</a:t>
+              <a:t>11/16/22</a:t>
             </a:fld>
             <a:endParaRPr lang="en-US"/>
           </a:p>
@@ -1421,7 +1420,7 @@
           <a:p>
             <a:fld id="{50E52EA3-2204-804F-9678-85900D481E2E}" type="datetimeFigureOut">
               <a:rPr lang="en-US" smtClean="0"/>
-              <a:t>10/14/22</a:t>
+              <a:t>11/16/22</a:t>
             </a:fld>
             <a:endParaRPr lang="en-US"/>
           </a:p>
@@ -1696,7 +1695,7 @@
           <a:p>
             <a:fld id="{50E52EA3-2204-804F-9678-85900D481E2E}" type="datetimeFigureOut">
               <a:rPr lang="en-US" smtClean="0"/>
-              <a:t>10/14/22</a:t>
+              <a:t>11/16/22</a:t>
             </a:fld>
             <a:endParaRPr lang="en-US"/>
           </a:p>
@@ -1961,7 +1960,7 @@
           <a:p>
             <a:fld id="{50E52EA3-2204-804F-9678-85900D481E2E}" type="datetimeFigureOut">
               <a:rPr lang="en-US" smtClean="0"/>
-              <a:t>10/14/22</a:t>
+              <a:t>11/16/22</a:t>
             </a:fld>
             <a:endParaRPr lang="en-US"/>
           </a:p>
@@ -2373,7 +2372,7 @@
           <a:p>
             <a:fld id="{50E52EA3-2204-804F-9678-85900D481E2E}" type="datetimeFigureOut">
               <a:rPr lang="en-US" smtClean="0"/>
-              <a:t>10/14/22</a:t>
+              <a:t>11/16/22</a:t>
             </a:fld>
             <a:endParaRPr lang="en-US"/>
           </a:p>
@@ -2514,7 +2513,7 @@
           <a:p>
             <a:fld id="{50E52EA3-2204-804F-9678-85900D481E2E}" type="datetimeFigureOut">
               <a:rPr lang="en-US" smtClean="0"/>
-              <a:t>10/14/22</a:t>
+              <a:t>11/16/22</a:t>
             </a:fld>
             <a:endParaRPr lang="en-US"/>
           </a:p>
@@ -2627,7 +2626,7 @@
           <a:p>
             <a:fld id="{50E52EA3-2204-804F-9678-85900D481E2E}" type="datetimeFigureOut">
               <a:rPr lang="en-US" smtClean="0"/>
-              <a:t>10/14/22</a:t>
+              <a:t>11/16/22</a:t>
             </a:fld>
             <a:endParaRPr lang="en-US"/>
           </a:p>
@@ -2938,7 +2937,7 @@
           <a:p>
             <a:fld id="{50E52EA3-2204-804F-9678-85900D481E2E}" type="datetimeFigureOut">
               <a:rPr lang="en-US" smtClean="0"/>
-              <a:t>10/14/22</a:t>
+              <a:t>11/16/22</a:t>
             </a:fld>
             <a:endParaRPr lang="en-US"/>
           </a:p>
@@ -3226,7 +3225,7 @@
           <a:p>
             <a:fld id="{50E52EA3-2204-804F-9678-85900D481E2E}" type="datetimeFigureOut">
               <a:rPr lang="en-US" smtClean="0"/>
-              <a:t>10/14/22</a:t>
+              <a:t>11/16/22</a:t>
             </a:fld>
             <a:endParaRPr lang="en-US"/>
           </a:p>
@@ -3467,7 +3466,7 @@
           <a:p>
             <a:fld id="{50E52EA3-2204-804F-9678-85900D481E2E}" type="datetimeFigureOut">
               <a:rPr lang="en-US" smtClean="0"/>
-              <a:t>10/14/22</a:t>
+              <a:t>11/16/22</a:t>
             </a:fld>
             <a:endParaRPr lang="en-US"/>
           </a:p>
@@ -4463,11 +4462,11 @@
           <a:noFill/>
           <a:ln w="25400" cap="flat" cmpd="sng" algn="ctr">
             <a:solidFill>
-              <a:schemeClr val="accent4">
+              <a:schemeClr val="accent6">
                 <a:lumMod val="75000"/>
               </a:schemeClr>
             </a:solidFill>
-            <a:prstDash val="dash"/>
+            <a:prstDash val="solid"/>
             <a:miter lim="800000"/>
             <a:tailEnd type="triangle" w="lg" len="lg"/>
           </a:ln>
@@ -5088,11 +5087,11 @@
           <a:noFill/>
           <a:ln w="25400" cap="flat" cmpd="sng" algn="ctr">
             <a:solidFill>
-              <a:schemeClr val="accent4">
+              <a:schemeClr val="accent6">
                 <a:lumMod val="75000"/>
               </a:schemeClr>
             </a:solidFill>
-            <a:prstDash val="dash"/>
+            <a:prstDash val="solid"/>
             <a:miter lim="800000"/>
             <a:tailEnd type="triangle" w="lg" len="lg"/>
           </a:ln>
@@ -6277,14 +6276,14 @@
             <a:avLst/>
           </a:prstGeom>
           <a:solidFill>
-            <a:schemeClr val="accent4">
+            <a:schemeClr val="accent6">
               <a:lumMod val="40000"/>
               <a:lumOff val="60000"/>
             </a:schemeClr>
           </a:solidFill>
           <a:ln w="25400">
             <a:solidFill>
-              <a:schemeClr val="accent4">
+              <a:schemeClr val="accent6">
                 <a:lumMod val="75000"/>
               </a:schemeClr>
             </a:solidFill>
@@ -6300,7 +6299,7 @@
             <a:r>
               <a:rPr lang="en-US" b="1" dirty="0">
                 <a:solidFill>
-                  <a:schemeClr val="accent4">
+                  <a:schemeClr val="accent6">
                     <a:lumMod val="75000"/>
                   </a:schemeClr>
                 </a:solidFill>
@@ -6331,14 +6330,14 @@
             <a:avLst/>
           </a:prstGeom>
           <a:solidFill>
-            <a:schemeClr val="accent4">
+            <a:schemeClr val="accent6">
               <a:lumMod val="40000"/>
               <a:lumOff val="60000"/>
             </a:schemeClr>
           </a:solidFill>
           <a:ln w="25400">
             <a:solidFill>
-              <a:schemeClr val="accent4">
+              <a:schemeClr val="accent6">
                 <a:lumMod val="75000"/>
               </a:schemeClr>
             </a:solidFill>
@@ -6354,7 +6353,7 @@
             <a:r>
               <a:rPr lang="en-US" b="1" dirty="0">
                 <a:solidFill>
-                  <a:schemeClr val="accent4">
+                  <a:schemeClr val="accent6">
                     <a:lumMod val="75000"/>
                   </a:schemeClr>
                 </a:solidFill>
@@ -7216,11 +7215,11 @@
           <a:noFill/>
           <a:ln w="25400" cap="flat" cmpd="sng" algn="ctr">
             <a:solidFill>
-              <a:schemeClr val="accent4">
+              <a:schemeClr val="accent6">
                 <a:lumMod val="75000"/>
               </a:schemeClr>
             </a:solidFill>
-            <a:prstDash val="dash"/>
+            <a:prstDash val="solid"/>
             <a:miter lim="800000"/>
             <a:tailEnd type="triangle" w="lg" len="lg"/>
           </a:ln>
@@ -7248,14 +7247,14 @@
             <a:avLst/>
           </a:prstGeom>
           <a:solidFill>
-            <a:schemeClr val="accent4">
+            <a:schemeClr val="accent6">
               <a:lumMod val="40000"/>
               <a:lumOff val="60000"/>
             </a:schemeClr>
           </a:solidFill>
           <a:ln w="25400">
             <a:solidFill>
-              <a:schemeClr val="accent4">
+              <a:schemeClr val="accent6">
                 <a:lumMod val="75000"/>
               </a:schemeClr>
             </a:solidFill>
@@ -7271,7 +7270,7 @@
             <a:r>
               <a:rPr lang="en-US" b="1" dirty="0">
                 <a:solidFill>
-                  <a:schemeClr val="accent4">
+                  <a:schemeClr val="accent6">
                     <a:lumMod val="75000"/>
                   </a:schemeClr>
                 </a:solidFill>
@@ -7891,4039 +7890,6 @@
     <p:extLst>
       <p:ext uri="{BB962C8B-B14F-4D97-AF65-F5344CB8AC3E}">
         <p14:creationId xmlns:p14="http://schemas.microsoft.com/office/powerpoint/2010/main" val="1723375323"/>
-      </p:ext>
-    </p:extLst>
-  </p:cSld>
-  <p:clrMapOvr>
-    <a:masterClrMapping/>
-  </p:clrMapOvr>
-</p:sld>
-</file>
-
-<file path=ppt/slides/slide2.xml><?xml version="1.0" encoding="utf-8"?>
-<p:sld xmlns:a="http://schemas.openxmlformats.org/drawingml/2006/main" xmlns:r="http://schemas.openxmlformats.org/officeDocument/2006/relationships" xmlns:p="http://schemas.openxmlformats.org/presentationml/2006/main">
-  <p:cSld>
-    <p:spTree>
-      <p:nvGrpSpPr>
-        <p:cNvPr id="1" name=""/>
-        <p:cNvGrpSpPr/>
-        <p:nvPr/>
-      </p:nvGrpSpPr>
-      <p:grpSpPr>
-        <a:xfrm>
-          <a:off x="0" y="0"/>
-          <a:ext cx="0" cy="0"/>
-          <a:chOff x="0" y="0"/>
-          <a:chExt cx="0" cy="0"/>
-        </a:xfrm>
-      </p:grpSpPr>
-      <p:sp>
-        <p:nvSpPr>
-          <p:cNvPr id="9" name="Oval 8">
-            <a:extLst>
-              <a:ext uri="{FF2B5EF4-FFF2-40B4-BE49-F238E27FC236}">
-                <a16:creationId xmlns:a16="http://schemas.microsoft.com/office/drawing/2014/main" id="{018804A4-31C7-8448-982E-593E364F5864}"/>
-              </a:ext>
-            </a:extLst>
-          </p:cNvPr>
-          <p:cNvSpPr/>
-          <p:nvPr/>
-        </p:nvSpPr>
-        <p:spPr>
-          <a:xfrm>
-            <a:off x="1935313" y="675818"/>
-            <a:ext cx="1393161" cy="1074291"/>
-          </a:xfrm>
-          <a:prstGeom prst="ellipse">
-            <a:avLst/>
-          </a:prstGeom>
-          <a:solidFill>
-            <a:srgbClr val="307F9C"/>
-          </a:solidFill>
-          <a:ln w="12700" cap="flat" cmpd="sng" algn="ctr">
-            <a:noFill/>
-            <a:prstDash val="solid"/>
-            <a:miter lim="800000"/>
-          </a:ln>
-          <a:effectLst/>
-        </p:spPr>
-        <p:txBody>
-          <a:bodyPr rtlCol="0" anchor="ctr"/>
-          <a:lstStyle/>
-          <a:p>
-            <a:pPr marL="0" marR="0" lvl="0" indent="0" algn="ctr" defTabSz="914400" eaLnBrk="1" fontAlgn="auto" latinLnBrk="0" hangingPunct="1">
-              <a:lnSpc>
-                <a:spcPct val="100000"/>
-              </a:lnSpc>
-              <a:spcBef>
-                <a:spcPts val="0"/>
-              </a:spcBef>
-              <a:spcAft>
-                <a:spcPts val="0"/>
-              </a:spcAft>
-              <a:buClr>
-                <a:srgbClr val="000000"/>
-              </a:buClr>
-              <a:buSzTx/>
-              <a:buFont typeface="Arial"/>
-              <a:buNone/>
-              <a:tabLst/>
-              <a:defRPr/>
-            </a:pPr>
-            <a:r>
-              <a:rPr kumimoji="0" lang="en-US" sz="1400" b="0" i="0" u="none" strike="noStrike" kern="0" cap="none" spc="0" normalizeH="0" baseline="0" noProof="0" dirty="0">
-                <a:ln>
-                  <a:noFill/>
-                </a:ln>
-                <a:solidFill>
-                  <a:srgbClr val="FFFFFF"/>
-                </a:solidFill>
-                <a:effectLst/>
-                <a:uLnTx/>
-                <a:uFillTx/>
-                <a:latin typeface="Calibri" panose="020F0502020204030204"/>
-                <a:ea typeface="+mn-ea"/>
-                <a:cs typeface="+mn-cs"/>
-                <a:sym typeface="Arial"/>
-              </a:rPr>
-              <a:t>Climate/</a:t>
-            </a:r>
-          </a:p>
-          <a:p>
-            <a:pPr marL="0" marR="0" lvl="0" indent="0" algn="ctr" defTabSz="914400" eaLnBrk="1" fontAlgn="auto" latinLnBrk="0" hangingPunct="1">
-              <a:lnSpc>
-                <a:spcPct val="100000"/>
-              </a:lnSpc>
-              <a:spcBef>
-                <a:spcPts val="0"/>
-              </a:spcBef>
-              <a:spcAft>
-                <a:spcPts val="0"/>
-              </a:spcAft>
-              <a:buClr>
-                <a:srgbClr val="000000"/>
-              </a:buClr>
-              <a:buSzTx/>
-              <a:buFont typeface="Arial"/>
-              <a:buNone/>
-              <a:tabLst/>
-              <a:defRPr/>
-            </a:pPr>
-            <a:r>
-              <a:rPr lang="en-US" sz="1400" kern="0" dirty="0">
-                <a:solidFill>
-                  <a:srgbClr val="FFFFFF"/>
-                </a:solidFill>
-                <a:latin typeface="Calibri" panose="020F0502020204030204"/>
-                <a:sym typeface="Arial"/>
-              </a:rPr>
-              <a:t>E</a:t>
-            </a:r>
-            <a:r>
-              <a:rPr kumimoji="0" lang="en-US" sz="1400" b="0" i="0" u="none" strike="noStrike" kern="0" cap="none" spc="0" normalizeH="0" baseline="0" noProof="0" dirty="0">
-                <a:ln>
-                  <a:noFill/>
-                </a:ln>
-                <a:solidFill>
-                  <a:srgbClr val="FFFFFF"/>
-                </a:solidFill>
-                <a:effectLst/>
-                <a:uLnTx/>
-                <a:uFillTx/>
-                <a:latin typeface="Calibri" panose="020F0502020204030204"/>
-                <a:ea typeface="+mn-ea"/>
-                <a:cs typeface="+mn-cs"/>
-                <a:sym typeface="Arial"/>
-              </a:rPr>
-              <a:t>missions Scenario</a:t>
-            </a:r>
-          </a:p>
-          <a:p>
-            <a:pPr marL="0" marR="0" lvl="0" indent="0" algn="ctr" defTabSz="914400" eaLnBrk="1" fontAlgn="auto" latinLnBrk="0" hangingPunct="1">
-              <a:lnSpc>
-                <a:spcPct val="100000"/>
-              </a:lnSpc>
-              <a:spcBef>
-                <a:spcPts val="0"/>
-              </a:spcBef>
-              <a:spcAft>
-                <a:spcPts val="0"/>
-              </a:spcAft>
-              <a:buClr>
-                <a:srgbClr val="000000"/>
-              </a:buClr>
-              <a:buSzTx/>
-              <a:buFont typeface="Arial"/>
-              <a:buNone/>
-              <a:tabLst/>
-              <a:defRPr/>
-            </a:pPr>
-            <a:r>
-              <a:rPr kumimoji="0" lang="en-US" sz="1400" b="0" i="0" u="none" strike="noStrike" kern="0" cap="none" spc="0" normalizeH="0" baseline="0" noProof="0" dirty="0">
-                <a:ln>
-                  <a:noFill/>
-                </a:ln>
-                <a:solidFill>
-                  <a:srgbClr val="FFFFFF"/>
-                </a:solidFill>
-                <a:effectLst/>
-                <a:uLnTx/>
-                <a:uFillTx/>
-                <a:latin typeface="Calibri" panose="020F0502020204030204"/>
-                <a:ea typeface="+mn-ea"/>
-                <a:cs typeface="+mn-cs"/>
-                <a:sym typeface="Arial"/>
-              </a:rPr>
-              <a:t>(RCP4.5, 8.5)</a:t>
-            </a:r>
-          </a:p>
-        </p:txBody>
-      </p:sp>
-      <p:sp>
-        <p:nvSpPr>
-          <p:cNvPr id="19" name="Oval 18">
-            <a:extLst>
-              <a:ext uri="{FF2B5EF4-FFF2-40B4-BE49-F238E27FC236}">
-                <a16:creationId xmlns:a16="http://schemas.microsoft.com/office/drawing/2014/main" id="{3F422638-7BB9-C542-A481-D2E4D0C253EC}"/>
-              </a:ext>
-            </a:extLst>
-          </p:cNvPr>
-          <p:cNvSpPr/>
-          <p:nvPr/>
-        </p:nvSpPr>
-        <p:spPr>
-          <a:xfrm>
-            <a:off x="2706615" y="1839933"/>
-            <a:ext cx="1382139" cy="824359"/>
-          </a:xfrm>
-          <a:prstGeom prst="ellipse">
-            <a:avLst/>
-          </a:prstGeom>
-          <a:solidFill>
-            <a:srgbClr val="307F9C"/>
-          </a:solidFill>
-          <a:ln w="12700" cap="flat" cmpd="sng" algn="ctr">
-            <a:noFill/>
-            <a:prstDash val="solid"/>
-            <a:miter lim="800000"/>
-          </a:ln>
-          <a:effectLst/>
-        </p:spPr>
-        <p:txBody>
-          <a:bodyPr rtlCol="0" anchor="ctr"/>
-          <a:lstStyle/>
-          <a:p>
-            <a:pPr marL="0" marR="0" lvl="0" indent="0" algn="ctr" defTabSz="914400" eaLnBrk="1" fontAlgn="auto" latinLnBrk="0" hangingPunct="1">
-              <a:lnSpc>
-                <a:spcPct val="100000"/>
-              </a:lnSpc>
-              <a:spcBef>
-                <a:spcPts val="0"/>
-              </a:spcBef>
-              <a:spcAft>
-                <a:spcPts val="0"/>
-              </a:spcAft>
-              <a:buClr>
-                <a:srgbClr val="000000"/>
-              </a:buClr>
-              <a:buSzTx/>
-              <a:buFont typeface="Arial"/>
-              <a:buNone/>
-              <a:tabLst/>
-              <a:defRPr/>
-            </a:pPr>
-            <a:r>
-              <a:rPr kumimoji="0" lang="en-US" sz="1400" b="0" i="0" u="none" strike="noStrike" kern="0" cap="none" spc="0" normalizeH="0" baseline="0" noProof="0" dirty="0">
-                <a:ln>
-                  <a:noFill/>
-                </a:ln>
-                <a:solidFill>
-                  <a:srgbClr val="FFFFFF"/>
-                </a:solidFill>
-                <a:effectLst/>
-                <a:uLnTx/>
-                <a:uFillTx/>
-                <a:latin typeface="Calibri" panose="020F0502020204030204"/>
-                <a:ea typeface="+mn-ea"/>
-                <a:cs typeface="+mn-cs"/>
-                <a:sym typeface="Arial"/>
-              </a:rPr>
-              <a:t>Socio-economic  Scenario</a:t>
-            </a:r>
-          </a:p>
-          <a:p>
-            <a:pPr marL="0" marR="0" lvl="0" indent="0" algn="ctr" defTabSz="914400" eaLnBrk="1" fontAlgn="auto" latinLnBrk="0" hangingPunct="1">
-              <a:lnSpc>
-                <a:spcPct val="100000"/>
-              </a:lnSpc>
-              <a:spcBef>
-                <a:spcPts val="0"/>
-              </a:spcBef>
-              <a:spcAft>
-                <a:spcPts val="0"/>
-              </a:spcAft>
-              <a:buClr>
-                <a:srgbClr val="000000"/>
-              </a:buClr>
-              <a:buSzTx/>
-              <a:buFont typeface="Arial"/>
-              <a:buNone/>
-              <a:tabLst/>
-              <a:defRPr/>
-            </a:pPr>
-            <a:r>
-              <a:rPr kumimoji="0" lang="en-US" sz="1400" b="0" i="0" u="none" strike="noStrike" kern="0" cap="none" spc="0" normalizeH="0" baseline="0" noProof="0" dirty="0">
-                <a:ln>
-                  <a:noFill/>
-                </a:ln>
-                <a:solidFill>
-                  <a:srgbClr val="FFFFFF"/>
-                </a:solidFill>
-                <a:effectLst/>
-                <a:uLnTx/>
-                <a:uFillTx/>
-                <a:latin typeface="Calibri" panose="020F0502020204030204"/>
-                <a:ea typeface="+mn-ea"/>
-                <a:cs typeface="+mn-cs"/>
-                <a:sym typeface="Arial"/>
-              </a:rPr>
-              <a:t>(SSP3, 5)</a:t>
-            </a:r>
-          </a:p>
-        </p:txBody>
-      </p:sp>
-      <p:cxnSp>
-        <p:nvCxnSpPr>
-          <p:cNvPr id="32" name="Elbow Connector 31">
-            <a:extLst>
-              <a:ext uri="{FF2B5EF4-FFF2-40B4-BE49-F238E27FC236}">
-                <a16:creationId xmlns:a16="http://schemas.microsoft.com/office/drawing/2014/main" id="{439FDA17-6630-C940-AE12-64A07E0CEDDB}"/>
-              </a:ext>
-            </a:extLst>
-          </p:cNvPr>
-          <p:cNvCxnSpPr>
-            <a:cxnSpLocks/>
-            <a:stCxn id="9" idx="2"/>
-            <a:endCxn id="24" idx="1"/>
-          </p:cNvCxnSpPr>
-          <p:nvPr/>
-        </p:nvCxnSpPr>
-        <p:spPr>
-          <a:xfrm rot="10800000" flipH="1" flipV="1">
-            <a:off x="1935313" y="1212963"/>
-            <a:ext cx="3499010" cy="4248607"/>
-          </a:xfrm>
-          <a:prstGeom prst="bentConnector3">
-            <a:avLst>
-              <a:gd name="adj1" fmla="val -6533"/>
-            </a:avLst>
-          </a:prstGeom>
-          <a:noFill/>
-          <a:ln w="25400" cap="flat" cmpd="sng" algn="ctr">
-            <a:solidFill>
-              <a:schemeClr val="accent6">
-                <a:lumMod val="75000"/>
-              </a:schemeClr>
-            </a:solidFill>
-            <a:prstDash val="solid"/>
-            <a:miter lim="800000"/>
-            <a:tailEnd type="triangle" w="lg" len="lg"/>
-          </a:ln>
-          <a:effectLst/>
-        </p:spPr>
-      </p:cxnSp>
-      <p:cxnSp>
-        <p:nvCxnSpPr>
-          <p:cNvPr id="33" name="Elbow Connector 32">
-            <a:extLst>
-              <a:ext uri="{FF2B5EF4-FFF2-40B4-BE49-F238E27FC236}">
-                <a16:creationId xmlns:a16="http://schemas.microsoft.com/office/drawing/2014/main" id="{971A11EC-8682-EB4E-A825-3E5E292E8968}"/>
-              </a:ext>
-            </a:extLst>
-          </p:cNvPr>
-          <p:cNvCxnSpPr>
-            <a:cxnSpLocks/>
-            <a:stCxn id="19" idx="2"/>
-          </p:cNvCxnSpPr>
-          <p:nvPr/>
-        </p:nvCxnSpPr>
-        <p:spPr>
-          <a:xfrm rot="10800000" flipH="1" flipV="1">
-            <a:off x="2706614" y="2252113"/>
-            <a:ext cx="2743459" cy="3424450"/>
-          </a:xfrm>
-          <a:prstGeom prst="bentConnector4">
-            <a:avLst>
-              <a:gd name="adj1" fmla="val -10311"/>
-              <a:gd name="adj2" fmla="val 100169"/>
-            </a:avLst>
-          </a:prstGeom>
-          <a:noFill/>
-          <a:ln w="25400" cap="flat" cmpd="sng" algn="ctr">
-            <a:solidFill>
-              <a:schemeClr val="accent6">
-                <a:lumMod val="75000"/>
-              </a:schemeClr>
-            </a:solidFill>
-            <a:prstDash val="solid"/>
-            <a:miter lim="800000"/>
-            <a:tailEnd type="triangle" w="lg" len="lg"/>
-          </a:ln>
-          <a:effectLst/>
-        </p:spPr>
-      </p:cxnSp>
-      <p:cxnSp>
-        <p:nvCxnSpPr>
-          <p:cNvPr id="34" name="Elbow Connector 33">
-            <a:extLst>
-              <a:ext uri="{FF2B5EF4-FFF2-40B4-BE49-F238E27FC236}">
-                <a16:creationId xmlns:a16="http://schemas.microsoft.com/office/drawing/2014/main" id="{3C6463E1-19F2-2D4C-9159-AC78D23CB3CD}"/>
-              </a:ext>
-            </a:extLst>
-          </p:cNvPr>
-          <p:cNvCxnSpPr>
-            <a:cxnSpLocks/>
-            <a:stCxn id="18" idx="2"/>
-          </p:cNvCxnSpPr>
-          <p:nvPr/>
-        </p:nvCxnSpPr>
-        <p:spPr>
-          <a:xfrm rot="16200000" flipH="1">
-            <a:off x="4123719" y="3906826"/>
-            <a:ext cx="603094" cy="2036640"/>
-          </a:xfrm>
-          <a:prstGeom prst="bentConnector2">
-            <a:avLst/>
-          </a:prstGeom>
-          <a:noFill/>
-          <a:ln w="25400" cap="flat" cmpd="sng" algn="ctr">
-            <a:solidFill>
-              <a:schemeClr val="accent6">
-                <a:lumMod val="75000"/>
-              </a:schemeClr>
-            </a:solidFill>
-            <a:prstDash val="solid"/>
-            <a:miter lim="800000"/>
-            <a:tailEnd type="triangle" w="lg" len="lg"/>
-          </a:ln>
-          <a:effectLst/>
-        </p:spPr>
-      </p:cxnSp>
-      <p:cxnSp>
-        <p:nvCxnSpPr>
-          <p:cNvPr id="37" name="Straight Arrow Connector 232">
-            <a:extLst>
-              <a:ext uri="{FF2B5EF4-FFF2-40B4-BE49-F238E27FC236}">
-                <a16:creationId xmlns:a16="http://schemas.microsoft.com/office/drawing/2014/main" id="{897F4E8B-5A67-0844-8D12-CD663D71BDA6}"/>
-              </a:ext>
-            </a:extLst>
-          </p:cNvPr>
-          <p:cNvCxnSpPr>
-            <a:cxnSpLocks/>
-            <a:stCxn id="36" idx="3"/>
-            <a:endCxn id="12" idx="2"/>
-          </p:cNvCxnSpPr>
-          <p:nvPr/>
-        </p:nvCxnSpPr>
-        <p:spPr>
-          <a:xfrm flipV="1">
-            <a:off x="10167409" y="4638753"/>
-            <a:ext cx="768107" cy="822819"/>
-          </a:xfrm>
-          <a:prstGeom prst="bentConnector2">
-            <a:avLst/>
-          </a:prstGeom>
-          <a:noFill/>
-          <a:ln w="25400" cap="flat" cmpd="sng" algn="ctr">
-            <a:solidFill>
-              <a:schemeClr val="accent6">
-                <a:lumMod val="75000"/>
-              </a:schemeClr>
-            </a:solidFill>
-            <a:prstDash val="solid"/>
-            <a:miter lim="800000"/>
-            <a:tailEnd type="triangle" w="lg" len="lg"/>
-          </a:ln>
-          <a:effectLst/>
-        </p:spPr>
-      </p:cxnSp>
-      <p:cxnSp>
-        <p:nvCxnSpPr>
-          <p:cNvPr id="38" name="Elbow Connector 37">
-            <a:extLst>
-              <a:ext uri="{FF2B5EF4-FFF2-40B4-BE49-F238E27FC236}">
-                <a16:creationId xmlns:a16="http://schemas.microsoft.com/office/drawing/2014/main" id="{CA0D5344-7BE4-EC49-B045-776F70B053F7}"/>
-              </a:ext>
-            </a:extLst>
-          </p:cNvPr>
-          <p:cNvCxnSpPr>
-            <a:cxnSpLocks/>
-            <a:stCxn id="70" idx="0"/>
-            <a:endCxn id="12" idx="3"/>
-          </p:cNvCxnSpPr>
-          <p:nvPr/>
-        </p:nvCxnSpPr>
-        <p:spPr>
-          <a:xfrm rot="16200000" flipH="1">
-            <a:off x="6253315" y="-1169541"/>
-            <a:ext cx="3439704" cy="7352527"/>
-          </a:xfrm>
-          <a:prstGeom prst="bentConnector4">
-            <a:avLst>
-              <a:gd name="adj1" fmla="val -2174"/>
-              <a:gd name="adj2" fmla="val 103109"/>
-            </a:avLst>
-          </a:prstGeom>
-          <a:noFill/>
-          <a:ln w="25400" cap="flat" cmpd="sng" algn="ctr">
-            <a:solidFill>
-              <a:schemeClr val="accent4">
-                <a:lumMod val="75000"/>
-              </a:schemeClr>
-            </a:solidFill>
-            <a:prstDash val="dash"/>
-            <a:miter lim="800000"/>
-            <a:tailEnd type="triangle" w="lg" len="lg"/>
-          </a:ln>
-          <a:effectLst/>
-        </p:spPr>
-      </p:cxnSp>
-      <p:cxnSp>
-        <p:nvCxnSpPr>
-          <p:cNvPr id="51" name="Elbow Connector 50">
-            <a:extLst>
-              <a:ext uri="{FF2B5EF4-FFF2-40B4-BE49-F238E27FC236}">
-                <a16:creationId xmlns:a16="http://schemas.microsoft.com/office/drawing/2014/main" id="{877BEA82-29F3-8043-96DA-3059B56510EE}"/>
-              </a:ext>
-            </a:extLst>
-          </p:cNvPr>
-          <p:cNvCxnSpPr>
-            <a:cxnSpLocks/>
-            <a:stCxn id="24" idx="3"/>
-            <a:endCxn id="36" idx="1"/>
-          </p:cNvCxnSpPr>
-          <p:nvPr/>
-        </p:nvCxnSpPr>
-        <p:spPr>
-          <a:xfrm>
-            <a:off x="6816462" y="5461571"/>
-            <a:ext cx="1923116" cy="1"/>
-          </a:xfrm>
-          <a:prstGeom prst="bentConnector3">
-            <a:avLst>
-              <a:gd name="adj1" fmla="val 50000"/>
-            </a:avLst>
-          </a:prstGeom>
-          <a:noFill/>
-          <a:ln w="25400" cap="flat" cmpd="sng" algn="ctr">
-            <a:solidFill>
-              <a:schemeClr val="accent6">
-                <a:lumMod val="75000"/>
-              </a:schemeClr>
-            </a:solidFill>
-            <a:prstDash val="solid"/>
-            <a:miter lim="800000"/>
-            <a:tailEnd type="triangle" w="lg" len="lg"/>
-          </a:ln>
-          <a:effectLst/>
-        </p:spPr>
-      </p:cxnSp>
-      <p:cxnSp>
-        <p:nvCxnSpPr>
-          <p:cNvPr id="58" name="Straight Arrow Connector 129">
-            <a:extLst>
-              <a:ext uri="{FF2B5EF4-FFF2-40B4-BE49-F238E27FC236}">
-                <a16:creationId xmlns:a16="http://schemas.microsoft.com/office/drawing/2014/main" id="{02698802-ACA5-E94B-9B2D-D1C7AA99CA3F}"/>
-              </a:ext>
-            </a:extLst>
-          </p:cNvPr>
-          <p:cNvCxnSpPr>
-            <a:cxnSpLocks/>
-            <a:stCxn id="70" idx="2"/>
-            <a:endCxn id="36" idx="2"/>
-          </p:cNvCxnSpPr>
-          <p:nvPr/>
-        </p:nvCxnSpPr>
-        <p:spPr>
-          <a:xfrm rot="16200000" flipH="1">
-            <a:off x="4759887" y="1180144"/>
-            <a:ext cx="4230624" cy="5156590"/>
-          </a:xfrm>
-          <a:prstGeom prst="bentConnector3">
-            <a:avLst>
-              <a:gd name="adj1" fmla="val 109293"/>
-            </a:avLst>
-          </a:prstGeom>
-          <a:noFill/>
-          <a:ln w="25400" cap="flat" cmpd="sng" algn="ctr">
-            <a:solidFill>
-              <a:schemeClr val="accent6">
-                <a:lumMod val="75000"/>
-              </a:schemeClr>
-            </a:solidFill>
-            <a:prstDash val="solid"/>
-            <a:miter lim="800000"/>
-            <a:tailEnd type="triangle" w="lg" len="lg"/>
-          </a:ln>
-          <a:effectLst/>
-        </p:spPr>
-      </p:cxnSp>
-      <p:cxnSp>
-        <p:nvCxnSpPr>
-          <p:cNvPr id="68" name="Straight Arrow Connector 129">
-            <a:extLst>
-              <a:ext uri="{FF2B5EF4-FFF2-40B4-BE49-F238E27FC236}">
-                <a16:creationId xmlns:a16="http://schemas.microsoft.com/office/drawing/2014/main" id="{5D61C376-75FA-0745-B2D3-1B26C2D5D9FE}"/>
-              </a:ext>
-            </a:extLst>
-          </p:cNvPr>
-          <p:cNvCxnSpPr>
-            <a:cxnSpLocks/>
-            <a:endCxn id="12" idx="1"/>
-          </p:cNvCxnSpPr>
-          <p:nvPr/>
-        </p:nvCxnSpPr>
-        <p:spPr>
-          <a:xfrm flipV="1">
-            <a:off x="6816462" y="4226574"/>
-            <a:ext cx="3405139" cy="1000119"/>
-          </a:xfrm>
-          <a:prstGeom prst="bentConnector3">
-            <a:avLst>
-              <a:gd name="adj1" fmla="val 44629"/>
-            </a:avLst>
-          </a:prstGeom>
-          <a:noFill/>
-          <a:ln w="25400" cap="flat" cmpd="sng" algn="ctr">
-            <a:solidFill>
-              <a:schemeClr val="accent6">
-                <a:lumMod val="75000"/>
-              </a:schemeClr>
-            </a:solidFill>
-            <a:prstDash val="solid"/>
-            <a:miter lim="800000"/>
-            <a:tailEnd type="triangle" w="lg" len="lg"/>
-          </a:ln>
-          <a:effectLst/>
-        </p:spPr>
-      </p:cxnSp>
-      <p:cxnSp>
-        <p:nvCxnSpPr>
-          <p:cNvPr id="185" name="Straight Arrow Connector 129">
-            <a:extLst>
-              <a:ext uri="{FF2B5EF4-FFF2-40B4-BE49-F238E27FC236}">
-                <a16:creationId xmlns:a16="http://schemas.microsoft.com/office/drawing/2014/main" id="{B58B2C01-150D-F94A-9DF6-9F2C02927DF4}"/>
-              </a:ext>
-            </a:extLst>
-          </p:cNvPr>
-          <p:cNvCxnSpPr>
-            <a:cxnSpLocks/>
-            <a:endCxn id="12" idx="0"/>
-          </p:cNvCxnSpPr>
-          <p:nvPr/>
-        </p:nvCxnSpPr>
-        <p:spPr>
-          <a:xfrm>
-            <a:off x="9886492" y="2990007"/>
-            <a:ext cx="1049024" cy="824387"/>
-          </a:xfrm>
-          <a:prstGeom prst="bentConnector2">
-            <a:avLst/>
-          </a:prstGeom>
-          <a:noFill/>
-          <a:ln w="25400" cap="flat" cmpd="sng" algn="ctr">
-            <a:solidFill>
-              <a:schemeClr val="accent6">
-                <a:lumMod val="75000"/>
-              </a:schemeClr>
-            </a:solidFill>
-            <a:prstDash val="solid"/>
-            <a:miter lim="800000"/>
-            <a:headEnd type="triangle" w="lg" len="lg"/>
-            <a:tailEnd type="none" w="lg" len="lg"/>
-          </a:ln>
-          <a:effectLst/>
-        </p:spPr>
-      </p:cxnSp>
-      <p:sp>
-        <p:nvSpPr>
-          <p:cNvPr id="3" name="TextBox 2">
-            <a:extLst>
-              <a:ext uri="{FF2B5EF4-FFF2-40B4-BE49-F238E27FC236}">
-                <a16:creationId xmlns:a16="http://schemas.microsoft.com/office/drawing/2014/main" id="{472D95DD-DC61-D648-9992-BF218E98C908}"/>
-              </a:ext>
-            </a:extLst>
-          </p:cNvPr>
-          <p:cNvSpPr txBox="1"/>
-          <p:nvPr/>
-        </p:nvSpPr>
-        <p:spPr>
-          <a:xfrm>
-            <a:off x="9845234" y="2428854"/>
-            <a:ext cx="1789238" cy="307777"/>
-          </a:xfrm>
-          <a:prstGeom prst="rect">
-            <a:avLst/>
-          </a:prstGeom>
-          <a:noFill/>
-        </p:spPr>
-        <p:txBody>
-          <a:bodyPr wrap="square" rtlCol="0">
-            <a:spAutoFit/>
-          </a:bodyPr>
-          <a:lstStyle/>
-          <a:p>
-            <a:r>
-              <a:rPr lang="en-US" sz="1400" b="1" dirty="0">
-                <a:solidFill>
-                  <a:schemeClr val="accent1"/>
-                </a:solidFill>
-              </a:rPr>
-              <a:t>Power plant locations</a:t>
-            </a:r>
-          </a:p>
-        </p:txBody>
-      </p:sp>
-      <p:sp>
-        <p:nvSpPr>
-          <p:cNvPr id="4" name="TextBox 3">
-            <a:extLst>
-              <a:ext uri="{FF2B5EF4-FFF2-40B4-BE49-F238E27FC236}">
-                <a16:creationId xmlns:a16="http://schemas.microsoft.com/office/drawing/2014/main" id="{EE940FB5-27B2-CB44-B83F-B97BA5BFF786}"/>
-              </a:ext>
-            </a:extLst>
-          </p:cNvPr>
-          <p:cNvSpPr txBox="1"/>
-          <p:nvPr/>
-        </p:nvSpPr>
-        <p:spPr>
-          <a:xfrm>
-            <a:off x="10161181" y="5462854"/>
-            <a:ext cx="1688175" cy="738664"/>
-          </a:xfrm>
-          <a:prstGeom prst="rect">
-            <a:avLst/>
-          </a:prstGeom>
-          <a:noFill/>
-        </p:spPr>
-        <p:txBody>
-          <a:bodyPr wrap="square" rtlCol="0">
-            <a:spAutoFit/>
-          </a:bodyPr>
-          <a:lstStyle/>
-          <a:p>
-            <a:r>
-              <a:rPr lang="en-US" sz="1400" b="1" dirty="0">
-                <a:solidFill>
-                  <a:schemeClr val="accent1"/>
-                </a:solidFill>
-              </a:rPr>
-              <a:t>Hourly electricity loads by Balancing Authority</a:t>
-            </a:r>
-          </a:p>
-        </p:txBody>
-      </p:sp>
-      <p:sp>
-        <p:nvSpPr>
-          <p:cNvPr id="53" name="TextBox 52">
-            <a:extLst>
-              <a:ext uri="{FF2B5EF4-FFF2-40B4-BE49-F238E27FC236}">
-                <a16:creationId xmlns:a16="http://schemas.microsoft.com/office/drawing/2014/main" id="{2707E22F-F80B-9048-B4E2-415E39D454A2}"/>
-              </a:ext>
-            </a:extLst>
-          </p:cNvPr>
-          <p:cNvSpPr txBox="1"/>
-          <p:nvPr/>
-        </p:nvSpPr>
-        <p:spPr>
-          <a:xfrm>
-            <a:off x="6809665" y="5603639"/>
-            <a:ext cx="1977223" cy="523220"/>
-          </a:xfrm>
-          <a:prstGeom prst="rect">
-            <a:avLst/>
-          </a:prstGeom>
-          <a:noFill/>
-        </p:spPr>
-        <p:txBody>
-          <a:bodyPr wrap="square" rtlCol="0">
-            <a:spAutoFit/>
-          </a:bodyPr>
-          <a:lstStyle/>
-          <a:p>
-            <a:pPr algn="ctr"/>
-            <a:r>
-              <a:rPr lang="en-US" sz="1400" b="1" dirty="0">
-                <a:solidFill>
-                  <a:schemeClr val="accent1"/>
-                </a:solidFill>
-              </a:rPr>
-              <a:t>State-level annual electricity consumption</a:t>
-            </a:r>
-          </a:p>
-        </p:txBody>
-      </p:sp>
-      <p:sp>
-        <p:nvSpPr>
-          <p:cNvPr id="59" name="TextBox 58">
-            <a:extLst>
-              <a:ext uri="{FF2B5EF4-FFF2-40B4-BE49-F238E27FC236}">
-                <a16:creationId xmlns:a16="http://schemas.microsoft.com/office/drawing/2014/main" id="{2E830D7D-98B2-5049-A700-3D0B7C0B1185}"/>
-              </a:ext>
-            </a:extLst>
-          </p:cNvPr>
-          <p:cNvSpPr txBox="1"/>
-          <p:nvPr/>
-        </p:nvSpPr>
-        <p:spPr>
-          <a:xfrm>
-            <a:off x="7845623" y="3475364"/>
-            <a:ext cx="1741398" cy="523220"/>
-          </a:xfrm>
-          <a:prstGeom prst="rect">
-            <a:avLst/>
-          </a:prstGeom>
-          <a:noFill/>
-        </p:spPr>
-        <p:txBody>
-          <a:bodyPr wrap="square" rtlCol="0">
-            <a:spAutoFit/>
-          </a:bodyPr>
-          <a:lstStyle/>
-          <a:p>
-            <a:r>
-              <a:rPr lang="en-US" sz="1400" b="1" dirty="0">
-                <a:solidFill>
-                  <a:schemeClr val="accent1"/>
-                </a:solidFill>
-              </a:rPr>
-              <a:t>State-level electricity system expansion</a:t>
-            </a:r>
-          </a:p>
-        </p:txBody>
-      </p:sp>
-      <p:sp>
-        <p:nvSpPr>
-          <p:cNvPr id="62" name="TextBox 61">
-            <a:extLst>
-              <a:ext uri="{FF2B5EF4-FFF2-40B4-BE49-F238E27FC236}">
-                <a16:creationId xmlns:a16="http://schemas.microsoft.com/office/drawing/2014/main" id="{BB5BDC1D-C801-824E-8697-6244FE33D14D}"/>
-              </a:ext>
-            </a:extLst>
-          </p:cNvPr>
-          <p:cNvSpPr txBox="1"/>
-          <p:nvPr/>
-        </p:nvSpPr>
-        <p:spPr>
-          <a:xfrm>
-            <a:off x="6007359" y="696873"/>
-            <a:ext cx="5542090" cy="307777"/>
-          </a:xfrm>
-          <a:prstGeom prst="rect">
-            <a:avLst/>
-          </a:prstGeom>
-          <a:noFill/>
-        </p:spPr>
-        <p:txBody>
-          <a:bodyPr wrap="square" rtlCol="0">
-            <a:spAutoFit/>
-          </a:bodyPr>
-          <a:lstStyle/>
-          <a:p>
-            <a:r>
-              <a:rPr lang="en-US" sz="1400" b="1" dirty="0">
-                <a:solidFill>
-                  <a:schemeClr val="accent1"/>
-                </a:solidFill>
-              </a:rPr>
-              <a:t>Hourly weather variables needed to derate thermoelectric power plants</a:t>
-            </a:r>
-          </a:p>
-        </p:txBody>
-      </p:sp>
-      <p:sp>
-        <p:nvSpPr>
-          <p:cNvPr id="63" name="TextBox 62">
-            <a:extLst>
-              <a:ext uri="{FF2B5EF4-FFF2-40B4-BE49-F238E27FC236}">
-                <a16:creationId xmlns:a16="http://schemas.microsoft.com/office/drawing/2014/main" id="{47BD10D5-8F86-9441-A6C6-BADB16DB5D03}"/>
-              </a:ext>
-            </a:extLst>
-          </p:cNvPr>
-          <p:cNvSpPr txBox="1"/>
-          <p:nvPr/>
-        </p:nvSpPr>
-        <p:spPr>
-          <a:xfrm>
-            <a:off x="8305710" y="4189065"/>
-            <a:ext cx="1232255" cy="738664"/>
-          </a:xfrm>
-          <a:prstGeom prst="rect">
-            <a:avLst/>
-          </a:prstGeom>
-          <a:noFill/>
-        </p:spPr>
-        <p:txBody>
-          <a:bodyPr wrap="square" rtlCol="0">
-            <a:spAutoFit/>
-          </a:bodyPr>
-          <a:lstStyle/>
-          <a:p>
-            <a:r>
-              <a:rPr lang="en-US" sz="1400" b="1" dirty="0">
-                <a:solidFill>
-                  <a:schemeClr val="accent1"/>
-                </a:solidFill>
-              </a:rPr>
-              <a:t>Fuel prices and generator variable costs</a:t>
-            </a:r>
-          </a:p>
-        </p:txBody>
-      </p:sp>
-      <p:cxnSp>
-        <p:nvCxnSpPr>
-          <p:cNvPr id="64" name="Straight Arrow Connector 129">
-            <a:extLst>
-              <a:ext uri="{FF2B5EF4-FFF2-40B4-BE49-F238E27FC236}">
-                <a16:creationId xmlns:a16="http://schemas.microsoft.com/office/drawing/2014/main" id="{31D3CE99-F34F-C544-945B-85DA1EF12B3E}"/>
-              </a:ext>
-            </a:extLst>
-          </p:cNvPr>
-          <p:cNvCxnSpPr>
-            <a:cxnSpLocks/>
-          </p:cNvCxnSpPr>
-          <p:nvPr/>
-        </p:nvCxnSpPr>
-        <p:spPr>
-          <a:xfrm rot="10800000">
-            <a:off x="9886492" y="2736631"/>
-            <a:ext cx="1344088" cy="1082694"/>
-          </a:xfrm>
-          <a:prstGeom prst="bentConnector3">
-            <a:avLst>
-              <a:gd name="adj1" fmla="val -257"/>
-            </a:avLst>
-          </a:prstGeom>
-          <a:noFill/>
-          <a:ln w="25400" cap="flat" cmpd="sng" algn="ctr">
-            <a:solidFill>
-              <a:schemeClr val="accent6">
-                <a:lumMod val="75000"/>
-              </a:schemeClr>
-            </a:solidFill>
-            <a:prstDash val="solid"/>
-            <a:miter lim="800000"/>
-            <a:headEnd type="triangle" w="lg" len="lg"/>
-            <a:tailEnd type="none" w="lg" len="lg"/>
-          </a:ln>
-          <a:effectLst/>
-        </p:spPr>
-      </p:cxnSp>
-      <p:sp>
-        <p:nvSpPr>
-          <p:cNvPr id="65" name="TextBox 64">
-            <a:extLst>
-              <a:ext uri="{FF2B5EF4-FFF2-40B4-BE49-F238E27FC236}">
-                <a16:creationId xmlns:a16="http://schemas.microsoft.com/office/drawing/2014/main" id="{A4BA03A6-DE29-AE4B-8989-AF09CDFD8120}"/>
-              </a:ext>
-            </a:extLst>
-          </p:cNvPr>
-          <p:cNvSpPr txBox="1"/>
-          <p:nvPr/>
-        </p:nvSpPr>
-        <p:spPr>
-          <a:xfrm>
-            <a:off x="9776521" y="3048156"/>
-            <a:ext cx="959687" cy="738664"/>
-          </a:xfrm>
-          <a:prstGeom prst="rect">
-            <a:avLst/>
-          </a:prstGeom>
-          <a:noFill/>
-        </p:spPr>
-        <p:txBody>
-          <a:bodyPr wrap="square" rtlCol="0">
-            <a:spAutoFit/>
-          </a:bodyPr>
-          <a:lstStyle/>
-          <a:p>
-            <a:pPr algn="r"/>
-            <a:r>
-              <a:rPr lang="en-US" sz="1400" b="1" dirty="0">
-                <a:solidFill>
-                  <a:schemeClr val="accent1"/>
-                </a:solidFill>
-              </a:rPr>
-              <a:t>Locational marginal prices</a:t>
-            </a:r>
-          </a:p>
-        </p:txBody>
-      </p:sp>
-      <p:cxnSp>
-        <p:nvCxnSpPr>
-          <p:cNvPr id="83" name="Straight Arrow Connector 82">
-            <a:extLst>
-              <a:ext uri="{FF2B5EF4-FFF2-40B4-BE49-F238E27FC236}">
-                <a16:creationId xmlns:a16="http://schemas.microsoft.com/office/drawing/2014/main" id="{69548FD6-53F9-AD44-8CE5-D9818ECA1380}"/>
-              </a:ext>
-            </a:extLst>
-          </p:cNvPr>
-          <p:cNvCxnSpPr>
-            <a:cxnSpLocks/>
-            <a:stCxn id="19" idx="4"/>
-            <a:endCxn id="18" idx="0"/>
-          </p:cNvCxnSpPr>
-          <p:nvPr/>
-        </p:nvCxnSpPr>
-        <p:spPr>
-          <a:xfrm>
-            <a:off x="3397685" y="2664292"/>
-            <a:ext cx="9261" cy="1134948"/>
-          </a:xfrm>
-          <a:prstGeom prst="straightConnector1">
-            <a:avLst/>
-          </a:prstGeom>
-          <a:noFill/>
-          <a:ln w="25400" cap="flat" cmpd="sng" algn="ctr">
-            <a:solidFill>
-              <a:schemeClr val="accent6">
-                <a:lumMod val="75000"/>
-              </a:schemeClr>
-            </a:solidFill>
-            <a:prstDash val="solid"/>
-            <a:miter lim="800000"/>
-            <a:tailEnd type="triangle" w="lg" len="lg"/>
-          </a:ln>
-          <a:effectLst/>
-        </p:spPr>
-      </p:cxnSp>
-      <p:cxnSp>
-        <p:nvCxnSpPr>
-          <p:cNvPr id="91" name="Elbow Connector 90">
-            <a:extLst>
-              <a:ext uri="{FF2B5EF4-FFF2-40B4-BE49-F238E27FC236}">
-                <a16:creationId xmlns:a16="http://schemas.microsoft.com/office/drawing/2014/main" id="{89BF4FB9-954A-E14C-AAE4-734AEFCEE5B3}"/>
-              </a:ext>
-            </a:extLst>
-          </p:cNvPr>
-          <p:cNvCxnSpPr>
-            <a:cxnSpLocks/>
-            <a:stCxn id="70" idx="3"/>
-            <a:endCxn id="76" idx="0"/>
-          </p:cNvCxnSpPr>
-          <p:nvPr/>
-        </p:nvCxnSpPr>
-        <p:spPr>
-          <a:xfrm>
-            <a:off x="4963400" y="1214999"/>
-            <a:ext cx="71371" cy="1044471"/>
-          </a:xfrm>
-          <a:prstGeom prst="bentConnector2">
-            <a:avLst/>
-          </a:prstGeom>
-          <a:noFill/>
-          <a:ln w="25400" cap="flat" cmpd="sng" algn="ctr">
-            <a:solidFill>
-              <a:schemeClr val="accent6">
-                <a:lumMod val="75000"/>
-              </a:schemeClr>
-            </a:solidFill>
-            <a:prstDash val="solid"/>
-            <a:miter lim="800000"/>
-            <a:tailEnd type="triangle" w="lg" len="lg"/>
-          </a:ln>
-          <a:effectLst/>
-        </p:spPr>
-      </p:cxnSp>
-      <p:cxnSp>
-        <p:nvCxnSpPr>
-          <p:cNvPr id="105" name="Straight Arrow Connector 104">
-            <a:extLst>
-              <a:ext uri="{FF2B5EF4-FFF2-40B4-BE49-F238E27FC236}">
-                <a16:creationId xmlns:a16="http://schemas.microsoft.com/office/drawing/2014/main" id="{73B9BD94-6408-2543-A519-C1CD9111297A}"/>
-              </a:ext>
-            </a:extLst>
-          </p:cNvPr>
-          <p:cNvCxnSpPr>
-            <a:cxnSpLocks/>
-            <a:stCxn id="9" idx="6"/>
-            <a:endCxn id="70" idx="1"/>
-          </p:cNvCxnSpPr>
-          <p:nvPr/>
-        </p:nvCxnSpPr>
-        <p:spPr>
-          <a:xfrm>
-            <a:off x="3328474" y="1212964"/>
-            <a:ext cx="301933" cy="2035"/>
-          </a:xfrm>
-          <a:prstGeom prst="straightConnector1">
-            <a:avLst/>
-          </a:prstGeom>
-          <a:noFill/>
-          <a:ln w="25400" cap="flat" cmpd="sng" algn="ctr">
-            <a:solidFill>
-              <a:schemeClr val="accent6">
-                <a:lumMod val="75000"/>
-              </a:schemeClr>
-            </a:solidFill>
-            <a:prstDash val="solid"/>
-            <a:miter lim="800000"/>
-            <a:tailEnd type="triangle" w="lg" len="lg"/>
-          </a:ln>
-          <a:effectLst/>
-        </p:spPr>
-      </p:cxnSp>
-      <p:sp>
-        <p:nvSpPr>
-          <p:cNvPr id="113" name="TextBox 112">
-            <a:extLst>
-              <a:ext uri="{FF2B5EF4-FFF2-40B4-BE49-F238E27FC236}">
-                <a16:creationId xmlns:a16="http://schemas.microsoft.com/office/drawing/2014/main" id="{37ACEC3B-5BD7-7045-8EA6-FA0BACD95F14}"/>
-              </a:ext>
-            </a:extLst>
-          </p:cNvPr>
-          <p:cNvSpPr txBox="1"/>
-          <p:nvPr/>
-        </p:nvSpPr>
-        <p:spPr>
-          <a:xfrm>
-            <a:off x="3448350" y="5729601"/>
-            <a:ext cx="848553" cy="738664"/>
-          </a:xfrm>
-          <a:prstGeom prst="rect">
-            <a:avLst/>
-          </a:prstGeom>
-          <a:noFill/>
-        </p:spPr>
-        <p:txBody>
-          <a:bodyPr wrap="square" rtlCol="0">
-            <a:spAutoFit/>
-          </a:bodyPr>
-          <a:lstStyle/>
-          <a:p>
-            <a:pPr algn="r"/>
-            <a:r>
-              <a:rPr lang="en-US" sz="1400" b="1" dirty="0">
-                <a:solidFill>
-                  <a:schemeClr val="accent1"/>
-                </a:solidFill>
-              </a:rPr>
-              <a:t>Hourly weather variables</a:t>
-            </a:r>
-          </a:p>
-        </p:txBody>
-      </p:sp>
-      <p:cxnSp>
-        <p:nvCxnSpPr>
-          <p:cNvPr id="66" name="Straight Arrow Connector 129">
-            <a:extLst>
-              <a:ext uri="{FF2B5EF4-FFF2-40B4-BE49-F238E27FC236}">
-                <a16:creationId xmlns:a16="http://schemas.microsoft.com/office/drawing/2014/main" id="{3901C5BD-7D19-CC44-AD95-69A08C3FA09D}"/>
-              </a:ext>
-            </a:extLst>
-          </p:cNvPr>
-          <p:cNvCxnSpPr>
-            <a:cxnSpLocks/>
-            <a:stCxn id="18" idx="1"/>
-            <a:endCxn id="36" idx="2"/>
-          </p:cNvCxnSpPr>
-          <p:nvPr/>
-        </p:nvCxnSpPr>
-        <p:spPr>
-          <a:xfrm rot="10800000" flipH="1" flipV="1">
-            <a:off x="2715876" y="4211419"/>
-            <a:ext cx="6737618" cy="1662331"/>
-          </a:xfrm>
-          <a:prstGeom prst="bentConnector4">
-            <a:avLst>
-              <a:gd name="adj1" fmla="val 136"/>
-              <a:gd name="adj2" fmla="val 146756"/>
-            </a:avLst>
-          </a:prstGeom>
-          <a:noFill/>
-          <a:ln w="25400" cap="flat" cmpd="sng" algn="ctr">
-            <a:solidFill>
-              <a:schemeClr val="accent6">
-                <a:lumMod val="75000"/>
-              </a:schemeClr>
-            </a:solidFill>
-            <a:prstDash val="solid"/>
-            <a:miter lim="800000"/>
-            <a:tailEnd type="triangle" w="lg" len="lg"/>
-          </a:ln>
-          <a:effectLst/>
-        </p:spPr>
-      </p:cxnSp>
-      <p:sp>
-        <p:nvSpPr>
-          <p:cNvPr id="102" name="TextBox 101">
-            <a:extLst>
-              <a:ext uri="{FF2B5EF4-FFF2-40B4-BE49-F238E27FC236}">
-                <a16:creationId xmlns:a16="http://schemas.microsoft.com/office/drawing/2014/main" id="{1BE3D55E-57B2-404D-A2F9-0D3653D980EC}"/>
-              </a:ext>
-            </a:extLst>
-          </p:cNvPr>
-          <p:cNvSpPr txBox="1"/>
-          <p:nvPr/>
-        </p:nvSpPr>
-        <p:spPr>
-          <a:xfrm>
-            <a:off x="1625938" y="5890252"/>
-            <a:ext cx="1096149" cy="523220"/>
-          </a:xfrm>
-          <a:prstGeom prst="rect">
-            <a:avLst/>
-          </a:prstGeom>
-          <a:noFill/>
-        </p:spPr>
-        <p:txBody>
-          <a:bodyPr wrap="square" rtlCol="0">
-            <a:spAutoFit/>
-          </a:bodyPr>
-          <a:lstStyle/>
-          <a:p>
-            <a:pPr algn="r"/>
-            <a:r>
-              <a:rPr lang="en-US" sz="1400" b="1" dirty="0">
-                <a:solidFill>
-                  <a:schemeClr val="accent1"/>
-                </a:solidFill>
-              </a:rPr>
-              <a:t>County populations</a:t>
-            </a:r>
-          </a:p>
-        </p:txBody>
-      </p:sp>
-      <p:cxnSp>
-        <p:nvCxnSpPr>
-          <p:cNvPr id="82" name="Straight Arrow Connector 129">
-            <a:extLst>
-              <a:ext uri="{FF2B5EF4-FFF2-40B4-BE49-F238E27FC236}">
-                <a16:creationId xmlns:a16="http://schemas.microsoft.com/office/drawing/2014/main" id="{E7393740-2167-1742-B862-37826BBA8F5F}"/>
-              </a:ext>
-            </a:extLst>
-          </p:cNvPr>
-          <p:cNvCxnSpPr>
-            <a:cxnSpLocks/>
-          </p:cNvCxnSpPr>
-          <p:nvPr/>
-        </p:nvCxnSpPr>
-        <p:spPr>
-          <a:xfrm flipV="1">
-            <a:off x="6816462" y="2680449"/>
-            <a:ext cx="1715841" cy="2675618"/>
-          </a:xfrm>
-          <a:prstGeom prst="bentConnector3">
-            <a:avLst>
-              <a:gd name="adj1" fmla="val 46157"/>
-            </a:avLst>
-          </a:prstGeom>
-          <a:noFill/>
-          <a:ln w="25400" cap="flat" cmpd="sng" algn="ctr">
-            <a:solidFill>
-              <a:schemeClr val="accent6">
-                <a:lumMod val="75000"/>
-              </a:schemeClr>
-            </a:solidFill>
-            <a:prstDash val="solid"/>
-            <a:miter lim="800000"/>
-            <a:tailEnd type="triangle" w="lg" len="lg"/>
-          </a:ln>
-          <a:effectLst/>
-        </p:spPr>
-      </p:cxnSp>
-      <p:cxnSp>
-        <p:nvCxnSpPr>
-          <p:cNvPr id="84" name="Elbow Connector 83">
-            <a:extLst>
-              <a:ext uri="{FF2B5EF4-FFF2-40B4-BE49-F238E27FC236}">
-                <a16:creationId xmlns:a16="http://schemas.microsoft.com/office/drawing/2014/main" id="{242EC4CD-2D81-6545-B429-1114C5D150B7}"/>
-              </a:ext>
-            </a:extLst>
-          </p:cNvPr>
-          <p:cNvCxnSpPr>
-            <a:cxnSpLocks/>
-            <a:stCxn id="70" idx="3"/>
-            <a:endCxn id="77" idx="0"/>
-          </p:cNvCxnSpPr>
-          <p:nvPr/>
-        </p:nvCxnSpPr>
-        <p:spPr>
-          <a:xfrm>
-            <a:off x="4963400" y="1214999"/>
-            <a:ext cx="1033706" cy="1044471"/>
-          </a:xfrm>
-          <a:prstGeom prst="bentConnector2">
-            <a:avLst/>
-          </a:prstGeom>
-          <a:noFill/>
-          <a:ln w="25400" cap="flat" cmpd="sng" algn="ctr">
-            <a:solidFill>
-              <a:schemeClr val="accent6">
-                <a:lumMod val="75000"/>
-              </a:schemeClr>
-            </a:solidFill>
-            <a:prstDash val="solid"/>
-            <a:miter lim="800000"/>
-            <a:tailEnd type="triangle" w="lg" len="lg"/>
-          </a:ln>
-          <a:effectLst/>
-        </p:spPr>
-      </p:cxnSp>
-      <p:cxnSp>
-        <p:nvCxnSpPr>
-          <p:cNvPr id="86" name="Elbow Connector 85">
-            <a:extLst>
-              <a:ext uri="{FF2B5EF4-FFF2-40B4-BE49-F238E27FC236}">
-                <a16:creationId xmlns:a16="http://schemas.microsoft.com/office/drawing/2014/main" id="{36938572-468B-C14F-931C-08F086B9DF09}"/>
-              </a:ext>
-            </a:extLst>
-          </p:cNvPr>
-          <p:cNvCxnSpPr>
-            <a:cxnSpLocks/>
-            <a:stCxn id="70" idx="3"/>
-            <a:endCxn id="78" idx="0"/>
-          </p:cNvCxnSpPr>
-          <p:nvPr/>
-        </p:nvCxnSpPr>
-        <p:spPr>
-          <a:xfrm>
-            <a:off x="4963400" y="1214999"/>
-            <a:ext cx="1996041" cy="1044471"/>
-          </a:xfrm>
-          <a:prstGeom prst="bentConnector2">
-            <a:avLst/>
-          </a:prstGeom>
-          <a:noFill/>
-          <a:ln w="25400" cap="flat" cmpd="sng" algn="ctr">
-            <a:solidFill>
-              <a:schemeClr val="accent6">
-                <a:lumMod val="75000"/>
-              </a:schemeClr>
-            </a:solidFill>
-            <a:prstDash val="solid"/>
-            <a:miter lim="800000"/>
-            <a:tailEnd type="triangle" w="lg" len="lg"/>
-          </a:ln>
-          <a:effectLst/>
-        </p:spPr>
-      </p:cxnSp>
-      <p:cxnSp>
-        <p:nvCxnSpPr>
-          <p:cNvPr id="106" name="Straight Arrow Connector 105">
-            <a:extLst>
-              <a:ext uri="{FF2B5EF4-FFF2-40B4-BE49-F238E27FC236}">
-                <a16:creationId xmlns:a16="http://schemas.microsoft.com/office/drawing/2014/main" id="{8C935D2A-E3B6-6944-9601-E9768D46D807}"/>
-              </a:ext>
-            </a:extLst>
-          </p:cNvPr>
-          <p:cNvCxnSpPr>
-            <a:cxnSpLocks/>
-          </p:cNvCxnSpPr>
-          <p:nvPr/>
-        </p:nvCxnSpPr>
-        <p:spPr>
-          <a:xfrm>
-            <a:off x="6069934" y="3003670"/>
-            <a:ext cx="0" cy="2085801"/>
-          </a:xfrm>
-          <a:prstGeom prst="straightConnector1">
-            <a:avLst/>
-          </a:prstGeom>
-          <a:noFill/>
-          <a:ln w="25400" cap="flat" cmpd="sng" algn="ctr">
-            <a:solidFill>
-              <a:schemeClr val="accent6">
-                <a:lumMod val="75000"/>
-              </a:schemeClr>
-            </a:solidFill>
-            <a:prstDash val="solid"/>
-            <a:miter lim="800000"/>
-            <a:tailEnd type="triangle" w="lg" len="lg"/>
-          </a:ln>
-          <a:effectLst/>
-        </p:spPr>
-      </p:cxnSp>
-      <p:grpSp>
-        <p:nvGrpSpPr>
-          <p:cNvPr id="103" name="Group 102">
-            <a:extLst>
-              <a:ext uri="{FF2B5EF4-FFF2-40B4-BE49-F238E27FC236}">
-                <a16:creationId xmlns:a16="http://schemas.microsoft.com/office/drawing/2014/main" id="{F49108ED-E2EC-A04F-B805-797F8A2E518B}"/>
-              </a:ext>
-            </a:extLst>
-          </p:cNvPr>
-          <p:cNvGrpSpPr/>
-          <p:nvPr/>
-        </p:nvGrpSpPr>
-        <p:grpSpPr>
-          <a:xfrm>
-            <a:off x="91744" y="1788760"/>
-            <a:ext cx="1330005" cy="3280480"/>
-            <a:chOff x="74810" y="1956920"/>
-            <a:chExt cx="1330005" cy="3280480"/>
-          </a:xfrm>
-        </p:grpSpPr>
-        <p:sp>
-          <p:nvSpPr>
-            <p:cNvPr id="29" name="Oval 28">
-              <a:extLst>
-                <a:ext uri="{FF2B5EF4-FFF2-40B4-BE49-F238E27FC236}">
-                  <a16:creationId xmlns:a16="http://schemas.microsoft.com/office/drawing/2014/main" id="{F56FB104-9D0D-D245-80A2-BC882529750C}"/>
-                </a:ext>
-              </a:extLst>
-            </p:cNvPr>
-            <p:cNvSpPr/>
-            <p:nvPr/>
-          </p:nvSpPr>
-          <p:spPr>
-            <a:xfrm>
-              <a:off x="104304" y="2338956"/>
-              <a:ext cx="1271016" cy="462009"/>
-            </a:xfrm>
-            <a:prstGeom prst="ellipse">
-              <a:avLst/>
-            </a:prstGeom>
-            <a:solidFill>
-              <a:srgbClr val="307F9C"/>
-            </a:solidFill>
-            <a:ln w="12700" cap="flat" cmpd="sng" algn="ctr">
-              <a:noFill/>
-              <a:prstDash val="solid"/>
-              <a:miter lim="800000"/>
-            </a:ln>
-            <a:effectLst/>
-          </p:spPr>
-          <p:txBody>
-            <a:bodyPr rtlCol="0" anchor="ctr"/>
-            <a:lstStyle/>
-            <a:p>
-              <a:pPr marL="0" marR="0" lvl="0" indent="0" algn="ctr" defTabSz="914400" eaLnBrk="1" fontAlgn="auto" latinLnBrk="0" hangingPunct="1">
-                <a:lnSpc>
-                  <a:spcPct val="100000"/>
-                </a:lnSpc>
-                <a:spcBef>
-                  <a:spcPts val="0"/>
-                </a:spcBef>
-                <a:spcAft>
-                  <a:spcPts val="0"/>
-                </a:spcAft>
-                <a:buClr>
-                  <a:srgbClr val="000000"/>
-                </a:buClr>
-                <a:buSzTx/>
-                <a:buFont typeface="Arial"/>
-                <a:buNone/>
-                <a:tabLst/>
-                <a:defRPr/>
-              </a:pPr>
-              <a:r>
-                <a:rPr kumimoji="0" lang="en-US" sz="1200" b="0" i="0" u="none" strike="noStrike" kern="0" cap="none" spc="0" normalizeH="0" baseline="0" noProof="0" dirty="0">
-                  <a:ln>
-                    <a:noFill/>
-                  </a:ln>
-                  <a:solidFill>
-                    <a:srgbClr val="FFFFFF"/>
-                  </a:solidFill>
-                  <a:effectLst/>
-                  <a:uLnTx/>
-                  <a:uFillTx/>
-                  <a:latin typeface="Calibri" panose="020F0502020204030204"/>
-                  <a:ea typeface="+mn-ea"/>
-                  <a:cs typeface="+mn-cs"/>
-                  <a:sym typeface="Arial"/>
-                </a:rPr>
-                <a:t>Exogenous Scenario</a:t>
-              </a:r>
-            </a:p>
-          </p:txBody>
-        </p:sp>
-        <p:sp>
-          <p:nvSpPr>
-            <p:cNvPr id="31" name="Rounded Rectangle 30">
-              <a:extLst>
-                <a:ext uri="{FF2B5EF4-FFF2-40B4-BE49-F238E27FC236}">
-                  <a16:creationId xmlns:a16="http://schemas.microsoft.com/office/drawing/2014/main" id="{64DE08EC-9A73-5D41-A228-A2A023250EB5}"/>
-                </a:ext>
-              </a:extLst>
-            </p:cNvPr>
-            <p:cNvSpPr/>
-            <p:nvPr/>
-          </p:nvSpPr>
-          <p:spPr>
-            <a:xfrm>
-              <a:off x="145452" y="2930706"/>
-              <a:ext cx="1188720" cy="802758"/>
-            </a:xfrm>
-            <a:prstGeom prst="roundRect">
-              <a:avLst/>
-            </a:prstGeom>
-            <a:solidFill>
-              <a:schemeClr val="bg1">
-                <a:lumMod val="50000"/>
-              </a:schemeClr>
-            </a:solidFill>
-            <a:ln w="25400" cap="flat" cmpd="sng" algn="ctr">
-              <a:solidFill>
-                <a:schemeClr val="tx1"/>
-              </a:solidFill>
-              <a:prstDash val="solid"/>
-              <a:miter lim="800000"/>
-            </a:ln>
-            <a:effectLst/>
-          </p:spPr>
-          <p:txBody>
-            <a:bodyPr rtlCol="0" anchor="ctr"/>
-            <a:lstStyle/>
-            <a:p>
-              <a:pPr marL="0" marR="0" lvl="0" indent="0" algn="ctr" defTabSz="914400" eaLnBrk="1" fontAlgn="auto" latinLnBrk="0" hangingPunct="1">
-                <a:lnSpc>
-                  <a:spcPct val="100000"/>
-                </a:lnSpc>
-                <a:spcBef>
-                  <a:spcPts val="0"/>
-                </a:spcBef>
-                <a:spcAft>
-                  <a:spcPts val="0"/>
-                </a:spcAft>
-                <a:buClr>
-                  <a:srgbClr val="000000"/>
-                </a:buClr>
-                <a:buSzTx/>
-                <a:buFont typeface="Arial"/>
-                <a:buNone/>
-                <a:tabLst/>
-                <a:defRPr/>
-              </a:pPr>
-              <a:r>
-                <a:rPr kumimoji="0" lang="en-US" sz="1400" b="0" i="0" u="none" strike="noStrike" kern="0" cap="none" spc="0" normalizeH="0" baseline="0" noProof="0" dirty="0">
-                  <a:ln>
-                    <a:noFill/>
-                  </a:ln>
-                  <a:solidFill>
-                    <a:srgbClr val="FFFFFF"/>
-                  </a:solidFill>
-                  <a:effectLst/>
-                  <a:uLnTx/>
-                  <a:uFillTx/>
-                  <a:latin typeface="Calibri" panose="020F0502020204030204"/>
-                  <a:ea typeface="+mn-ea"/>
-                  <a:cs typeface="+mn-cs"/>
-                  <a:sym typeface="Arial"/>
-                </a:rPr>
-                <a:t>Model</a:t>
-              </a:r>
-            </a:p>
-          </p:txBody>
-        </p:sp>
-        <p:sp>
-          <p:nvSpPr>
-            <p:cNvPr id="35" name="TextBox 34">
-              <a:extLst>
-                <a:ext uri="{FF2B5EF4-FFF2-40B4-BE49-F238E27FC236}">
-                  <a16:creationId xmlns:a16="http://schemas.microsoft.com/office/drawing/2014/main" id="{E18794E3-E5B7-084B-B1CC-6DE7E21ED13B}"/>
-                </a:ext>
-              </a:extLst>
-            </p:cNvPr>
-            <p:cNvSpPr txBox="1"/>
-            <p:nvPr/>
-          </p:nvSpPr>
-          <p:spPr>
-            <a:xfrm>
-              <a:off x="330085" y="1956920"/>
-              <a:ext cx="819455" cy="307777"/>
-            </a:xfrm>
-            <a:prstGeom prst="rect">
-              <a:avLst/>
-            </a:prstGeom>
-            <a:noFill/>
-          </p:spPr>
-          <p:txBody>
-            <a:bodyPr wrap="none" rtlCol="0">
-              <a:spAutoFit/>
-            </a:bodyPr>
-            <a:lstStyle/>
-            <a:p>
-              <a:pPr>
-                <a:buClr>
-                  <a:srgbClr val="000000"/>
-                </a:buClr>
-                <a:buFont typeface="Arial"/>
-                <a:buNone/>
-              </a:pPr>
-              <a:r>
-                <a:rPr lang="en-US" sz="1400" b="1" kern="0" dirty="0">
-                  <a:solidFill>
-                    <a:srgbClr val="000000"/>
-                  </a:solidFill>
-                  <a:latin typeface="Arial"/>
-                  <a:cs typeface="Arial"/>
-                  <a:sym typeface="Arial"/>
-                </a:rPr>
-                <a:t>Legend</a:t>
-              </a:r>
-            </a:p>
-          </p:txBody>
-        </p:sp>
-        <p:grpSp>
-          <p:nvGrpSpPr>
-            <p:cNvPr id="7" name="Group 6">
-              <a:extLst>
-                <a:ext uri="{FF2B5EF4-FFF2-40B4-BE49-F238E27FC236}">
-                  <a16:creationId xmlns:a16="http://schemas.microsoft.com/office/drawing/2014/main" id="{B6A06564-2248-3A4A-B71D-C12038F41874}"/>
-                </a:ext>
-              </a:extLst>
-            </p:cNvPr>
-            <p:cNvGrpSpPr/>
-            <p:nvPr/>
-          </p:nvGrpSpPr>
-          <p:grpSpPr>
-            <a:xfrm>
-              <a:off x="269171" y="3772123"/>
-              <a:ext cx="941283" cy="353538"/>
-              <a:chOff x="229039" y="3772123"/>
-              <a:chExt cx="941283" cy="353538"/>
-            </a:xfrm>
-          </p:grpSpPr>
-          <p:sp>
-            <p:nvSpPr>
-              <p:cNvPr id="203" name="TextBox 202">
-                <a:extLst>
-                  <a:ext uri="{FF2B5EF4-FFF2-40B4-BE49-F238E27FC236}">
-                    <a16:creationId xmlns:a16="http://schemas.microsoft.com/office/drawing/2014/main" id="{777C1B20-7A8B-3B43-9896-A5BEAC01CBA9}"/>
-                  </a:ext>
-                </a:extLst>
-              </p:cNvPr>
-              <p:cNvSpPr txBox="1"/>
-              <p:nvPr/>
-            </p:nvSpPr>
-            <p:spPr>
-              <a:xfrm>
-                <a:off x="229039" y="3772123"/>
-                <a:ext cx="941283" cy="307777"/>
-              </a:xfrm>
-              <a:prstGeom prst="rect">
-                <a:avLst/>
-              </a:prstGeom>
-              <a:noFill/>
-            </p:spPr>
-            <p:txBody>
-              <a:bodyPr wrap="none" rtlCol="0">
-                <a:spAutoFit/>
-              </a:bodyPr>
-              <a:lstStyle/>
-              <a:p>
-                <a:pPr algn="ctr">
-                  <a:buClr>
-                    <a:srgbClr val="000000"/>
-                  </a:buClr>
-                  <a:buFont typeface="Arial"/>
-                  <a:buNone/>
-                </a:pPr>
-                <a:r>
-                  <a:rPr lang="en-US" sz="1400" kern="0" dirty="0">
-                    <a:solidFill>
-                      <a:schemeClr val="bg1">
-                        <a:lumMod val="50000"/>
-                      </a:schemeClr>
-                    </a:solidFill>
-                    <a:latin typeface="Arial"/>
-                    <a:cs typeface="Arial"/>
-                    <a:sym typeface="Arial"/>
-                  </a:rPr>
-                  <a:t>Coupling </a:t>
-                </a:r>
-              </a:p>
-            </p:txBody>
-          </p:sp>
-          <p:cxnSp>
-            <p:nvCxnSpPr>
-              <p:cNvPr id="204" name="Straight Arrow Connector 203">
-                <a:extLst>
-                  <a:ext uri="{FF2B5EF4-FFF2-40B4-BE49-F238E27FC236}">
-                    <a16:creationId xmlns:a16="http://schemas.microsoft.com/office/drawing/2014/main" id="{6CCA6508-87D9-8B4D-930D-E1A1CDDB9EDE}"/>
-                  </a:ext>
-                </a:extLst>
-              </p:cNvPr>
-              <p:cNvCxnSpPr>
-                <a:cxnSpLocks/>
-              </p:cNvCxnSpPr>
-              <p:nvPr/>
-            </p:nvCxnSpPr>
-            <p:spPr>
-              <a:xfrm>
-                <a:off x="282808" y="4125661"/>
-                <a:ext cx="833745" cy="0"/>
-              </a:xfrm>
-              <a:prstGeom prst="straightConnector1">
-                <a:avLst/>
-              </a:prstGeom>
-              <a:noFill/>
-              <a:ln w="28575" cap="flat" cmpd="sng" algn="ctr">
-                <a:solidFill>
-                  <a:schemeClr val="bg1">
-                    <a:lumMod val="50000"/>
-                  </a:schemeClr>
-                </a:solidFill>
-                <a:prstDash val="solid"/>
-                <a:miter lim="800000"/>
-                <a:tailEnd type="triangle" w="lg" len="lg"/>
-              </a:ln>
-              <a:effectLst/>
-            </p:spPr>
-          </p:cxnSp>
-        </p:grpSp>
-        <p:grpSp>
-          <p:nvGrpSpPr>
-            <p:cNvPr id="11" name="Group 10">
-              <a:extLst>
-                <a:ext uri="{FF2B5EF4-FFF2-40B4-BE49-F238E27FC236}">
-                  <a16:creationId xmlns:a16="http://schemas.microsoft.com/office/drawing/2014/main" id="{9C52BBD8-1A23-014D-A601-48DA43FB3C4C}"/>
-                </a:ext>
-              </a:extLst>
-            </p:cNvPr>
-            <p:cNvGrpSpPr/>
-            <p:nvPr/>
-          </p:nvGrpSpPr>
-          <p:grpSpPr>
-            <a:xfrm>
-              <a:off x="74810" y="4278616"/>
-              <a:ext cx="1330005" cy="633564"/>
-              <a:chOff x="293992" y="6102043"/>
-              <a:chExt cx="1330005" cy="633564"/>
-            </a:xfrm>
-          </p:grpSpPr>
-          <p:cxnSp>
-            <p:nvCxnSpPr>
-              <p:cNvPr id="71" name="Straight Arrow Connector 70">
-                <a:extLst>
-                  <a:ext uri="{FF2B5EF4-FFF2-40B4-BE49-F238E27FC236}">
-                    <a16:creationId xmlns:a16="http://schemas.microsoft.com/office/drawing/2014/main" id="{3848818D-6426-6941-B7C5-B1B59CFCBC19}"/>
-                  </a:ext>
-                </a:extLst>
-              </p:cNvPr>
-              <p:cNvCxnSpPr>
-                <a:cxnSpLocks/>
-              </p:cNvCxnSpPr>
-              <p:nvPr/>
-            </p:nvCxnSpPr>
-            <p:spPr>
-              <a:xfrm>
-                <a:off x="293992" y="6225153"/>
-                <a:ext cx="548640" cy="0"/>
-              </a:xfrm>
-              <a:prstGeom prst="straightConnector1">
-                <a:avLst/>
-              </a:prstGeom>
-              <a:noFill/>
-              <a:ln w="28575" cap="flat" cmpd="sng" algn="ctr">
-                <a:solidFill>
-                  <a:schemeClr val="accent6">
-                    <a:lumMod val="75000"/>
-                  </a:schemeClr>
-                </a:solidFill>
-                <a:prstDash val="solid"/>
-                <a:miter lim="800000"/>
-                <a:tailEnd type="triangle" w="lg" len="lg"/>
-              </a:ln>
-              <a:effectLst/>
-            </p:spPr>
-          </p:cxnSp>
-          <p:sp>
-            <p:nvSpPr>
-              <p:cNvPr id="6" name="TextBox 5">
-                <a:extLst>
-                  <a:ext uri="{FF2B5EF4-FFF2-40B4-BE49-F238E27FC236}">
-                    <a16:creationId xmlns:a16="http://schemas.microsoft.com/office/drawing/2014/main" id="{741A565B-90ED-B648-8687-E708FBAEAEAC}"/>
-                  </a:ext>
-                </a:extLst>
-              </p:cNvPr>
-              <p:cNvSpPr txBox="1"/>
-              <p:nvPr/>
-            </p:nvSpPr>
-            <p:spPr>
-              <a:xfrm>
-                <a:off x="805562" y="6102043"/>
-                <a:ext cx="818435" cy="246221"/>
-              </a:xfrm>
-              <a:prstGeom prst="rect">
-                <a:avLst/>
-              </a:prstGeom>
-              <a:noFill/>
-            </p:spPr>
-            <p:txBody>
-              <a:bodyPr wrap="square" rtlCol="0">
-                <a:spAutoFit/>
-              </a:bodyPr>
-              <a:lstStyle/>
-              <a:p>
-                <a:r>
-                  <a:rPr lang="en-US" sz="1000" dirty="0">
-                    <a:latin typeface="Arial" panose="020B0604020202020204" pitchFamily="34" charset="0"/>
-                    <a:cs typeface="Arial" panose="020B0604020202020204" pitchFamily="34" charset="0"/>
-                  </a:rPr>
-                  <a:t>Completed</a:t>
-                </a:r>
-              </a:p>
-            </p:txBody>
-          </p:sp>
-          <p:cxnSp>
-            <p:nvCxnSpPr>
-              <p:cNvPr id="72" name="Straight Arrow Connector 71">
-                <a:extLst>
-                  <a:ext uri="{FF2B5EF4-FFF2-40B4-BE49-F238E27FC236}">
-                    <a16:creationId xmlns:a16="http://schemas.microsoft.com/office/drawing/2014/main" id="{7B7C24A9-5999-2F4E-B4ED-06F39EE1C0FC}"/>
-                  </a:ext>
-                </a:extLst>
-              </p:cNvPr>
-              <p:cNvCxnSpPr>
-                <a:cxnSpLocks/>
-              </p:cNvCxnSpPr>
-              <p:nvPr/>
-            </p:nvCxnSpPr>
-            <p:spPr>
-              <a:xfrm>
-                <a:off x="293992" y="6417151"/>
-                <a:ext cx="548640" cy="0"/>
-              </a:xfrm>
-              <a:prstGeom prst="straightConnector1">
-                <a:avLst/>
-              </a:prstGeom>
-              <a:noFill/>
-              <a:ln w="28575" cap="flat" cmpd="sng" algn="ctr">
-                <a:solidFill>
-                  <a:schemeClr val="accent4">
-                    <a:lumMod val="75000"/>
-                  </a:schemeClr>
-                </a:solidFill>
-                <a:prstDash val="dash"/>
-                <a:miter lim="800000"/>
-                <a:tailEnd type="triangle" w="lg" len="lg"/>
-              </a:ln>
-              <a:effectLst/>
-            </p:spPr>
-          </p:cxnSp>
-          <p:sp>
-            <p:nvSpPr>
-              <p:cNvPr id="74" name="TextBox 73">
-                <a:extLst>
-                  <a:ext uri="{FF2B5EF4-FFF2-40B4-BE49-F238E27FC236}">
-                    <a16:creationId xmlns:a16="http://schemas.microsoft.com/office/drawing/2014/main" id="{22B61D55-0E71-D649-AAEA-6AE9B632C137}"/>
-                  </a:ext>
-                </a:extLst>
-              </p:cNvPr>
-              <p:cNvSpPr txBox="1"/>
-              <p:nvPr/>
-            </p:nvSpPr>
-            <p:spPr>
-              <a:xfrm>
-                <a:off x="805563" y="6294041"/>
-                <a:ext cx="818434" cy="246221"/>
-              </a:xfrm>
-              <a:prstGeom prst="rect">
-                <a:avLst/>
-              </a:prstGeom>
-              <a:noFill/>
-            </p:spPr>
-            <p:txBody>
-              <a:bodyPr wrap="square" rtlCol="0">
-                <a:spAutoFit/>
-              </a:bodyPr>
-              <a:lstStyle/>
-              <a:p>
-                <a:r>
-                  <a:rPr lang="en-US" sz="1000" dirty="0">
-                    <a:latin typeface="Arial" panose="020B0604020202020204" pitchFamily="34" charset="0"/>
-                    <a:cs typeface="Arial" panose="020B0604020202020204" pitchFamily="34" charset="0"/>
-                  </a:rPr>
-                  <a:t>In progress</a:t>
-                </a:r>
-              </a:p>
-            </p:txBody>
-          </p:sp>
-          <p:cxnSp>
-            <p:nvCxnSpPr>
-              <p:cNvPr id="73" name="Straight Arrow Connector 72">
-                <a:extLst>
-                  <a:ext uri="{FF2B5EF4-FFF2-40B4-BE49-F238E27FC236}">
-                    <a16:creationId xmlns:a16="http://schemas.microsoft.com/office/drawing/2014/main" id="{304CB50A-1E82-A941-B734-3708FEBA8BBA}"/>
-                  </a:ext>
-                </a:extLst>
-              </p:cNvPr>
-              <p:cNvCxnSpPr>
-                <a:cxnSpLocks/>
-              </p:cNvCxnSpPr>
-              <p:nvPr/>
-            </p:nvCxnSpPr>
-            <p:spPr>
-              <a:xfrm>
-                <a:off x="293992" y="6612496"/>
-                <a:ext cx="548640" cy="0"/>
-              </a:xfrm>
-              <a:prstGeom prst="straightConnector1">
-                <a:avLst/>
-              </a:prstGeom>
-              <a:noFill/>
-              <a:ln w="28575" cap="flat" cmpd="sng" algn="ctr">
-                <a:solidFill>
-                  <a:srgbClr val="C00000"/>
-                </a:solidFill>
-                <a:prstDash val="sysDot"/>
-                <a:miter lim="800000"/>
-                <a:tailEnd type="triangle" w="lg" len="lg"/>
-              </a:ln>
-              <a:effectLst/>
-            </p:spPr>
-          </p:cxnSp>
-          <p:sp>
-            <p:nvSpPr>
-              <p:cNvPr id="75" name="TextBox 74">
-                <a:extLst>
-                  <a:ext uri="{FF2B5EF4-FFF2-40B4-BE49-F238E27FC236}">
-                    <a16:creationId xmlns:a16="http://schemas.microsoft.com/office/drawing/2014/main" id="{61F1AFC1-666C-284A-94A7-8CDC2A4EFA17}"/>
-                  </a:ext>
-                </a:extLst>
-              </p:cNvPr>
-              <p:cNvSpPr txBox="1"/>
-              <p:nvPr/>
-            </p:nvSpPr>
-            <p:spPr>
-              <a:xfrm>
-                <a:off x="805563" y="6489386"/>
-                <a:ext cx="741412" cy="246221"/>
-              </a:xfrm>
-              <a:prstGeom prst="rect">
-                <a:avLst/>
-              </a:prstGeom>
-              <a:noFill/>
-            </p:spPr>
-            <p:txBody>
-              <a:bodyPr wrap="square" rtlCol="0">
-                <a:spAutoFit/>
-              </a:bodyPr>
-              <a:lstStyle/>
-              <a:p>
-                <a:r>
-                  <a:rPr lang="en-US" sz="1000" dirty="0">
-                    <a:latin typeface="Arial" panose="020B0604020202020204" pitchFamily="34" charset="0"/>
-                    <a:cs typeface="Arial" panose="020B0604020202020204" pitchFamily="34" charset="0"/>
-                  </a:rPr>
-                  <a:t>Planned</a:t>
-                </a:r>
-              </a:p>
-            </p:txBody>
-          </p:sp>
-        </p:grpSp>
-        <p:sp>
-          <p:nvSpPr>
-            <p:cNvPr id="118" name="TextBox 117">
-              <a:extLst>
-                <a:ext uri="{FF2B5EF4-FFF2-40B4-BE49-F238E27FC236}">
-                  <a16:creationId xmlns:a16="http://schemas.microsoft.com/office/drawing/2014/main" id="{137691AA-0AEF-B34E-991D-DFE44F2A79A5}"/>
-                </a:ext>
-              </a:extLst>
-            </p:cNvPr>
-            <p:cNvSpPr txBox="1"/>
-            <p:nvPr/>
-          </p:nvSpPr>
-          <p:spPr>
-            <a:xfrm>
-              <a:off x="129156" y="4929623"/>
-              <a:ext cx="1221313" cy="307777"/>
-            </a:xfrm>
-            <a:prstGeom prst="rect">
-              <a:avLst/>
-            </a:prstGeom>
-            <a:noFill/>
-          </p:spPr>
-          <p:txBody>
-            <a:bodyPr wrap="square" rtlCol="0">
-              <a:spAutoFit/>
-            </a:bodyPr>
-            <a:lstStyle/>
-            <a:p>
-              <a:pPr algn="ctr"/>
-              <a:r>
-                <a:rPr lang="en-US" sz="1400" b="1" dirty="0">
-                  <a:solidFill>
-                    <a:schemeClr val="accent1"/>
-                  </a:solidFill>
-                  <a:latin typeface="Arial" panose="020B0604020202020204" pitchFamily="34" charset="0"/>
-                  <a:cs typeface="Arial" panose="020B0604020202020204" pitchFamily="34" charset="0"/>
-                </a:rPr>
-                <a:t>Variable</a:t>
-              </a:r>
-            </a:p>
-          </p:txBody>
-        </p:sp>
-      </p:grpSp>
-      <p:sp>
-        <p:nvSpPr>
-          <p:cNvPr id="2" name="TextBox 1">
-            <a:extLst>
-              <a:ext uri="{FF2B5EF4-FFF2-40B4-BE49-F238E27FC236}">
-                <a16:creationId xmlns:a16="http://schemas.microsoft.com/office/drawing/2014/main" id="{1B17CB3D-9857-1143-A863-1626A712DC87}"/>
-              </a:ext>
-            </a:extLst>
-          </p:cNvPr>
-          <p:cNvSpPr txBox="1"/>
-          <p:nvPr/>
-        </p:nvSpPr>
-        <p:spPr>
-          <a:xfrm>
-            <a:off x="4899020" y="1696144"/>
-            <a:ext cx="297180" cy="369332"/>
-          </a:xfrm>
-          <a:prstGeom prst="rect">
-            <a:avLst/>
-          </a:prstGeom>
-          <a:solidFill>
-            <a:schemeClr val="accent6">
-              <a:lumMod val="40000"/>
-              <a:lumOff val="60000"/>
-            </a:schemeClr>
-          </a:solidFill>
-          <a:ln w="25400">
-            <a:solidFill>
-              <a:schemeClr val="accent6">
-                <a:lumMod val="75000"/>
-              </a:schemeClr>
-            </a:solidFill>
-          </a:ln>
-        </p:spPr>
-        <p:txBody>
-          <a:bodyPr wrap="square" rtlCol="0">
-            <a:spAutoFit/>
-          </a:bodyPr>
-          <a:lstStyle/>
-          <a:p>
-            <a:pPr algn="ctr"/>
-            <a:r>
-              <a:rPr lang="en-US" b="1" dirty="0">
-                <a:solidFill>
-                  <a:schemeClr val="accent6">
-                    <a:lumMod val="75000"/>
-                  </a:schemeClr>
-                </a:solidFill>
-              </a:rPr>
-              <a:t>1</a:t>
-            </a:r>
-          </a:p>
-        </p:txBody>
-      </p:sp>
-      <p:sp>
-        <p:nvSpPr>
-          <p:cNvPr id="80" name="TextBox 79">
-            <a:extLst>
-              <a:ext uri="{FF2B5EF4-FFF2-40B4-BE49-F238E27FC236}">
-                <a16:creationId xmlns:a16="http://schemas.microsoft.com/office/drawing/2014/main" id="{E3529C63-5322-A744-B319-98BA91E66223}"/>
-              </a:ext>
-            </a:extLst>
-          </p:cNvPr>
-          <p:cNvSpPr txBox="1"/>
-          <p:nvPr/>
-        </p:nvSpPr>
-        <p:spPr>
-          <a:xfrm>
-            <a:off x="5848517" y="1696144"/>
-            <a:ext cx="297180" cy="369332"/>
-          </a:xfrm>
-          <a:prstGeom prst="rect">
-            <a:avLst/>
-          </a:prstGeom>
-          <a:solidFill>
-            <a:schemeClr val="accent6">
-              <a:lumMod val="40000"/>
-              <a:lumOff val="60000"/>
-            </a:schemeClr>
-          </a:solidFill>
-          <a:ln w="25400">
-            <a:solidFill>
-              <a:schemeClr val="accent6">
-                <a:lumMod val="75000"/>
-              </a:schemeClr>
-            </a:solidFill>
-          </a:ln>
-        </p:spPr>
-        <p:txBody>
-          <a:bodyPr wrap="square" rtlCol="0">
-            <a:spAutoFit/>
-          </a:bodyPr>
-          <a:lstStyle/>
-          <a:p>
-            <a:pPr algn="ctr"/>
-            <a:r>
-              <a:rPr lang="en-US" b="1" dirty="0">
-                <a:solidFill>
-                  <a:schemeClr val="accent6">
-                    <a:lumMod val="75000"/>
-                  </a:schemeClr>
-                </a:solidFill>
-              </a:rPr>
-              <a:t>2</a:t>
-            </a:r>
-          </a:p>
-        </p:txBody>
-      </p:sp>
-      <p:sp>
-        <p:nvSpPr>
-          <p:cNvPr id="81" name="TextBox 80">
-            <a:extLst>
-              <a:ext uri="{FF2B5EF4-FFF2-40B4-BE49-F238E27FC236}">
-                <a16:creationId xmlns:a16="http://schemas.microsoft.com/office/drawing/2014/main" id="{4F258ED9-EC4A-6146-92F1-A7D878A4A006}"/>
-              </a:ext>
-            </a:extLst>
-          </p:cNvPr>
-          <p:cNvSpPr txBox="1"/>
-          <p:nvPr/>
-        </p:nvSpPr>
-        <p:spPr>
-          <a:xfrm>
-            <a:off x="6817783" y="1696144"/>
-            <a:ext cx="297180" cy="369332"/>
-          </a:xfrm>
-          <a:prstGeom prst="rect">
-            <a:avLst/>
-          </a:prstGeom>
-          <a:solidFill>
-            <a:schemeClr val="accent6">
-              <a:lumMod val="40000"/>
-              <a:lumOff val="60000"/>
-            </a:schemeClr>
-          </a:solidFill>
-          <a:ln w="25400">
-            <a:solidFill>
-              <a:schemeClr val="accent6">
-                <a:lumMod val="75000"/>
-              </a:schemeClr>
-            </a:solidFill>
-          </a:ln>
-        </p:spPr>
-        <p:txBody>
-          <a:bodyPr wrap="square" rtlCol="0">
-            <a:spAutoFit/>
-          </a:bodyPr>
-          <a:lstStyle/>
-          <a:p>
-            <a:pPr algn="ctr"/>
-            <a:r>
-              <a:rPr lang="en-US" b="1" dirty="0">
-                <a:solidFill>
-                  <a:schemeClr val="accent6">
-                    <a:lumMod val="75000"/>
-                  </a:schemeClr>
-                </a:solidFill>
-              </a:rPr>
-              <a:t>3</a:t>
-            </a:r>
-          </a:p>
-        </p:txBody>
-      </p:sp>
-      <p:sp>
-        <p:nvSpPr>
-          <p:cNvPr id="85" name="TextBox 84">
-            <a:extLst>
-              <a:ext uri="{FF2B5EF4-FFF2-40B4-BE49-F238E27FC236}">
-                <a16:creationId xmlns:a16="http://schemas.microsoft.com/office/drawing/2014/main" id="{EE4152AD-6E88-E645-994E-833183D46272}"/>
-              </a:ext>
-            </a:extLst>
-          </p:cNvPr>
-          <p:cNvSpPr txBox="1"/>
-          <p:nvPr/>
-        </p:nvSpPr>
-        <p:spPr>
-          <a:xfrm>
-            <a:off x="4148184" y="3055338"/>
-            <a:ext cx="297180" cy="369332"/>
-          </a:xfrm>
-          <a:prstGeom prst="rect">
-            <a:avLst/>
-          </a:prstGeom>
-          <a:solidFill>
-            <a:schemeClr val="accent6">
-              <a:lumMod val="40000"/>
-              <a:lumOff val="60000"/>
-            </a:schemeClr>
-          </a:solidFill>
-          <a:ln w="25400">
-            <a:solidFill>
-              <a:schemeClr val="accent6">
-                <a:lumMod val="75000"/>
-              </a:schemeClr>
-            </a:solidFill>
-          </a:ln>
-        </p:spPr>
-        <p:txBody>
-          <a:bodyPr wrap="square" rtlCol="0">
-            <a:spAutoFit/>
-          </a:bodyPr>
-          <a:lstStyle/>
-          <a:p>
-            <a:pPr algn="ctr"/>
-            <a:r>
-              <a:rPr lang="en-US" b="1" dirty="0">
-                <a:solidFill>
-                  <a:schemeClr val="accent6">
-                    <a:lumMod val="75000"/>
-                  </a:schemeClr>
-                </a:solidFill>
-              </a:rPr>
-              <a:t>4</a:t>
-            </a:r>
-          </a:p>
-        </p:txBody>
-      </p:sp>
-      <p:sp>
-        <p:nvSpPr>
-          <p:cNvPr id="88" name="TextBox 87">
-            <a:extLst>
-              <a:ext uri="{FF2B5EF4-FFF2-40B4-BE49-F238E27FC236}">
-                <a16:creationId xmlns:a16="http://schemas.microsoft.com/office/drawing/2014/main" id="{B2109F4C-9694-BD4C-8273-4C27F4E653F1}"/>
-              </a:ext>
-            </a:extLst>
-          </p:cNvPr>
-          <p:cNvSpPr txBox="1"/>
-          <p:nvPr/>
-        </p:nvSpPr>
-        <p:spPr>
-          <a:xfrm>
-            <a:off x="3729782" y="5040932"/>
-            <a:ext cx="297180" cy="369332"/>
-          </a:xfrm>
-          <a:prstGeom prst="rect">
-            <a:avLst/>
-          </a:prstGeom>
-          <a:solidFill>
-            <a:schemeClr val="accent6">
-              <a:lumMod val="40000"/>
-              <a:lumOff val="60000"/>
-            </a:schemeClr>
-          </a:solidFill>
-          <a:ln w="25400">
-            <a:solidFill>
-              <a:schemeClr val="accent6">
-                <a:lumMod val="75000"/>
-              </a:schemeClr>
-            </a:solidFill>
-          </a:ln>
-        </p:spPr>
-        <p:txBody>
-          <a:bodyPr wrap="square" rtlCol="0">
-            <a:spAutoFit/>
-          </a:bodyPr>
-          <a:lstStyle/>
-          <a:p>
-            <a:pPr algn="ctr"/>
-            <a:r>
-              <a:rPr lang="en-US" b="1" dirty="0">
-                <a:solidFill>
-                  <a:schemeClr val="accent6">
-                    <a:lumMod val="75000"/>
-                  </a:schemeClr>
-                </a:solidFill>
-              </a:rPr>
-              <a:t>6</a:t>
-            </a:r>
-          </a:p>
-        </p:txBody>
-      </p:sp>
-      <p:sp>
-        <p:nvSpPr>
-          <p:cNvPr id="89" name="TextBox 88">
-            <a:extLst>
-              <a:ext uri="{FF2B5EF4-FFF2-40B4-BE49-F238E27FC236}">
-                <a16:creationId xmlns:a16="http://schemas.microsoft.com/office/drawing/2014/main" id="{741C2CDB-C418-E240-9824-F33B6FB55B1F}"/>
-              </a:ext>
-            </a:extLst>
-          </p:cNvPr>
-          <p:cNvSpPr txBox="1"/>
-          <p:nvPr/>
-        </p:nvSpPr>
-        <p:spPr>
-          <a:xfrm>
-            <a:off x="5238280" y="6468265"/>
-            <a:ext cx="297180" cy="369332"/>
-          </a:xfrm>
-          <a:prstGeom prst="rect">
-            <a:avLst/>
-          </a:prstGeom>
-          <a:solidFill>
-            <a:schemeClr val="accent6">
-              <a:lumMod val="40000"/>
-              <a:lumOff val="60000"/>
-            </a:schemeClr>
-          </a:solidFill>
-          <a:ln w="25400">
-            <a:solidFill>
-              <a:schemeClr val="accent6">
-                <a:lumMod val="75000"/>
-              </a:schemeClr>
-            </a:solidFill>
-          </a:ln>
-        </p:spPr>
-        <p:txBody>
-          <a:bodyPr wrap="square" rtlCol="0">
-            <a:spAutoFit/>
-          </a:bodyPr>
-          <a:lstStyle/>
-          <a:p>
-            <a:pPr algn="ctr"/>
-            <a:r>
-              <a:rPr lang="en-US" b="1" dirty="0">
-                <a:solidFill>
-                  <a:schemeClr val="accent6">
-                    <a:lumMod val="75000"/>
-                  </a:schemeClr>
-                </a:solidFill>
-              </a:rPr>
-              <a:t>7</a:t>
-            </a:r>
-          </a:p>
-        </p:txBody>
-      </p:sp>
-      <p:sp>
-        <p:nvSpPr>
-          <p:cNvPr id="92" name="TextBox 91">
-            <a:extLst>
-              <a:ext uri="{FF2B5EF4-FFF2-40B4-BE49-F238E27FC236}">
-                <a16:creationId xmlns:a16="http://schemas.microsoft.com/office/drawing/2014/main" id="{C8B9378D-E069-5E43-A1D1-C030C23C26D6}"/>
-              </a:ext>
-            </a:extLst>
-          </p:cNvPr>
-          <p:cNvSpPr txBox="1"/>
-          <p:nvPr/>
-        </p:nvSpPr>
-        <p:spPr>
-          <a:xfrm>
-            <a:off x="5907530" y="3286469"/>
-            <a:ext cx="297180" cy="369332"/>
-          </a:xfrm>
-          <a:prstGeom prst="rect">
-            <a:avLst/>
-          </a:prstGeom>
-          <a:solidFill>
-            <a:schemeClr val="accent6">
-              <a:lumMod val="40000"/>
-              <a:lumOff val="60000"/>
-            </a:schemeClr>
-          </a:solidFill>
-          <a:ln w="25400">
-            <a:solidFill>
-              <a:schemeClr val="accent6">
-                <a:lumMod val="75000"/>
-              </a:schemeClr>
-            </a:solidFill>
-          </a:ln>
-        </p:spPr>
-        <p:txBody>
-          <a:bodyPr wrap="square" rtlCol="0">
-            <a:spAutoFit/>
-          </a:bodyPr>
-          <a:lstStyle/>
-          <a:p>
-            <a:pPr algn="ctr"/>
-            <a:r>
-              <a:rPr lang="en-US" b="1" dirty="0">
-                <a:solidFill>
-                  <a:schemeClr val="accent6">
-                    <a:lumMod val="75000"/>
-                  </a:schemeClr>
-                </a:solidFill>
-              </a:rPr>
-              <a:t>9</a:t>
-            </a:r>
-          </a:p>
-        </p:txBody>
-      </p:sp>
-      <p:sp>
-        <p:nvSpPr>
-          <p:cNvPr id="94" name="TextBox 93">
-            <a:extLst>
-              <a:ext uri="{FF2B5EF4-FFF2-40B4-BE49-F238E27FC236}">
-                <a16:creationId xmlns:a16="http://schemas.microsoft.com/office/drawing/2014/main" id="{0CC0ADAB-FFED-C340-A9EF-F806DD0E31E1}"/>
-              </a:ext>
-            </a:extLst>
-          </p:cNvPr>
-          <p:cNvSpPr txBox="1"/>
-          <p:nvPr/>
-        </p:nvSpPr>
-        <p:spPr>
-          <a:xfrm>
-            <a:off x="7743647" y="5276905"/>
-            <a:ext cx="481986" cy="369332"/>
-          </a:xfrm>
-          <a:prstGeom prst="rect">
-            <a:avLst/>
-          </a:prstGeom>
-          <a:solidFill>
-            <a:schemeClr val="accent6">
-              <a:lumMod val="40000"/>
-              <a:lumOff val="60000"/>
-            </a:schemeClr>
-          </a:solidFill>
-          <a:ln w="25400">
-            <a:solidFill>
-              <a:schemeClr val="accent6">
-                <a:lumMod val="75000"/>
-              </a:schemeClr>
-            </a:solidFill>
-          </a:ln>
-        </p:spPr>
-        <p:txBody>
-          <a:bodyPr wrap="square" rtlCol="0">
-            <a:spAutoFit/>
-          </a:bodyPr>
-          <a:lstStyle/>
-          <a:p>
-            <a:pPr algn="ctr"/>
-            <a:r>
-              <a:rPr lang="en-US" b="1" dirty="0">
-                <a:solidFill>
-                  <a:schemeClr val="accent6">
-                    <a:lumMod val="75000"/>
-                  </a:schemeClr>
-                </a:solidFill>
-              </a:rPr>
-              <a:t>11</a:t>
-            </a:r>
-          </a:p>
-        </p:txBody>
-      </p:sp>
-      <p:sp>
-        <p:nvSpPr>
-          <p:cNvPr id="95" name="TextBox 94">
-            <a:extLst>
-              <a:ext uri="{FF2B5EF4-FFF2-40B4-BE49-F238E27FC236}">
-                <a16:creationId xmlns:a16="http://schemas.microsoft.com/office/drawing/2014/main" id="{955074F7-B7FF-8B4A-A57E-D123CD396386}"/>
-              </a:ext>
-            </a:extLst>
-          </p:cNvPr>
-          <p:cNvSpPr txBox="1"/>
-          <p:nvPr/>
-        </p:nvSpPr>
-        <p:spPr>
-          <a:xfrm>
-            <a:off x="7369991" y="3552308"/>
-            <a:ext cx="481986" cy="369332"/>
-          </a:xfrm>
-          <a:prstGeom prst="rect">
-            <a:avLst/>
-          </a:prstGeom>
-          <a:solidFill>
-            <a:schemeClr val="accent6">
-              <a:lumMod val="40000"/>
-              <a:lumOff val="60000"/>
-            </a:schemeClr>
-          </a:solidFill>
-          <a:ln w="25400">
-            <a:solidFill>
-              <a:schemeClr val="accent6">
-                <a:lumMod val="75000"/>
-              </a:schemeClr>
-            </a:solidFill>
-          </a:ln>
-        </p:spPr>
-        <p:txBody>
-          <a:bodyPr wrap="square" rtlCol="0">
-            <a:spAutoFit/>
-          </a:bodyPr>
-          <a:lstStyle/>
-          <a:p>
-            <a:pPr algn="ctr"/>
-            <a:r>
-              <a:rPr lang="en-US" b="1" dirty="0">
-                <a:solidFill>
-                  <a:schemeClr val="accent6">
-                    <a:lumMod val="75000"/>
-                  </a:schemeClr>
-                </a:solidFill>
-              </a:rPr>
-              <a:t>12</a:t>
-            </a:r>
-          </a:p>
-        </p:txBody>
-      </p:sp>
-      <p:sp>
-        <p:nvSpPr>
-          <p:cNvPr id="96" name="TextBox 95">
-            <a:extLst>
-              <a:ext uri="{FF2B5EF4-FFF2-40B4-BE49-F238E27FC236}">
-                <a16:creationId xmlns:a16="http://schemas.microsoft.com/office/drawing/2014/main" id="{F5995287-6C5B-2049-BDBC-7533E75F350E}"/>
-              </a:ext>
-            </a:extLst>
-          </p:cNvPr>
-          <p:cNvSpPr txBox="1"/>
-          <p:nvPr/>
-        </p:nvSpPr>
-        <p:spPr>
-          <a:xfrm>
-            <a:off x="9471708" y="4040918"/>
-            <a:ext cx="481986" cy="369332"/>
-          </a:xfrm>
-          <a:prstGeom prst="rect">
-            <a:avLst/>
-          </a:prstGeom>
-          <a:solidFill>
-            <a:schemeClr val="accent6">
-              <a:lumMod val="40000"/>
-              <a:lumOff val="60000"/>
-            </a:schemeClr>
-          </a:solidFill>
-          <a:ln w="25400">
-            <a:solidFill>
-              <a:schemeClr val="accent6">
-                <a:lumMod val="75000"/>
-              </a:schemeClr>
-            </a:solidFill>
-          </a:ln>
-        </p:spPr>
-        <p:txBody>
-          <a:bodyPr wrap="square" rtlCol="0">
-            <a:spAutoFit/>
-          </a:bodyPr>
-          <a:lstStyle/>
-          <a:p>
-            <a:pPr algn="ctr"/>
-            <a:r>
-              <a:rPr lang="en-US" b="1" dirty="0">
-                <a:solidFill>
-                  <a:schemeClr val="accent6">
-                    <a:lumMod val="75000"/>
-                  </a:schemeClr>
-                </a:solidFill>
-              </a:rPr>
-              <a:t>13</a:t>
-            </a:r>
-          </a:p>
-        </p:txBody>
-      </p:sp>
-      <p:sp>
-        <p:nvSpPr>
-          <p:cNvPr id="97" name="TextBox 96">
-            <a:extLst>
-              <a:ext uri="{FF2B5EF4-FFF2-40B4-BE49-F238E27FC236}">
-                <a16:creationId xmlns:a16="http://schemas.microsoft.com/office/drawing/2014/main" id="{E713F805-3CF5-684C-81FB-5D5321772451}"/>
-              </a:ext>
-            </a:extLst>
-          </p:cNvPr>
-          <p:cNvSpPr txBox="1"/>
-          <p:nvPr/>
-        </p:nvSpPr>
-        <p:spPr>
-          <a:xfrm>
-            <a:off x="10692935" y="4898507"/>
-            <a:ext cx="481986" cy="369332"/>
-          </a:xfrm>
-          <a:prstGeom prst="rect">
-            <a:avLst/>
-          </a:prstGeom>
-          <a:solidFill>
-            <a:schemeClr val="accent6">
-              <a:lumMod val="40000"/>
-              <a:lumOff val="60000"/>
-            </a:schemeClr>
-          </a:solidFill>
-          <a:ln w="25400">
-            <a:solidFill>
-              <a:schemeClr val="accent6">
-                <a:lumMod val="75000"/>
-              </a:schemeClr>
-            </a:solidFill>
-          </a:ln>
-        </p:spPr>
-        <p:txBody>
-          <a:bodyPr wrap="square" rtlCol="0">
-            <a:spAutoFit/>
-          </a:bodyPr>
-          <a:lstStyle/>
-          <a:p>
-            <a:pPr algn="ctr"/>
-            <a:r>
-              <a:rPr lang="en-US" b="1" dirty="0">
-                <a:solidFill>
-                  <a:schemeClr val="accent6">
-                    <a:lumMod val="75000"/>
-                  </a:schemeClr>
-                </a:solidFill>
-              </a:rPr>
-              <a:t>14</a:t>
-            </a:r>
-          </a:p>
-        </p:txBody>
-      </p:sp>
-      <p:sp>
-        <p:nvSpPr>
-          <p:cNvPr id="98" name="TextBox 97">
-            <a:extLst>
-              <a:ext uri="{FF2B5EF4-FFF2-40B4-BE49-F238E27FC236}">
-                <a16:creationId xmlns:a16="http://schemas.microsoft.com/office/drawing/2014/main" id="{4E29A9A4-6A48-9348-AF91-21BA80C6C07B}"/>
-              </a:ext>
-            </a:extLst>
-          </p:cNvPr>
-          <p:cNvSpPr txBox="1"/>
-          <p:nvPr/>
-        </p:nvSpPr>
-        <p:spPr>
-          <a:xfrm>
-            <a:off x="10991608" y="2798189"/>
-            <a:ext cx="481986" cy="369332"/>
-          </a:xfrm>
-          <a:prstGeom prst="rect">
-            <a:avLst/>
-          </a:prstGeom>
-          <a:solidFill>
-            <a:schemeClr val="accent6">
-              <a:lumMod val="40000"/>
-              <a:lumOff val="60000"/>
-            </a:schemeClr>
-          </a:solidFill>
-          <a:ln w="25400">
-            <a:solidFill>
-              <a:schemeClr val="accent6">
-                <a:lumMod val="75000"/>
-              </a:schemeClr>
-            </a:solidFill>
-          </a:ln>
-        </p:spPr>
-        <p:txBody>
-          <a:bodyPr wrap="square" rtlCol="0">
-            <a:spAutoFit/>
-          </a:bodyPr>
-          <a:lstStyle/>
-          <a:p>
-            <a:pPr algn="ctr"/>
-            <a:r>
-              <a:rPr lang="en-US" b="1" dirty="0">
-                <a:solidFill>
-                  <a:schemeClr val="accent6">
-                    <a:lumMod val="75000"/>
-                  </a:schemeClr>
-                </a:solidFill>
-              </a:rPr>
-              <a:t>15</a:t>
-            </a:r>
-          </a:p>
-        </p:txBody>
-      </p:sp>
-      <p:sp>
-        <p:nvSpPr>
-          <p:cNvPr id="99" name="TextBox 98">
-            <a:extLst>
-              <a:ext uri="{FF2B5EF4-FFF2-40B4-BE49-F238E27FC236}">
-                <a16:creationId xmlns:a16="http://schemas.microsoft.com/office/drawing/2014/main" id="{0CC4B71B-821E-CF40-A2BD-5C83A466D98B}"/>
-              </a:ext>
-            </a:extLst>
-          </p:cNvPr>
-          <p:cNvSpPr txBox="1"/>
-          <p:nvPr/>
-        </p:nvSpPr>
-        <p:spPr>
-          <a:xfrm>
-            <a:off x="10696505" y="3273876"/>
-            <a:ext cx="481986" cy="369332"/>
-          </a:xfrm>
-          <a:prstGeom prst="rect">
-            <a:avLst/>
-          </a:prstGeom>
-          <a:solidFill>
-            <a:schemeClr val="accent6">
-              <a:lumMod val="40000"/>
-              <a:lumOff val="60000"/>
-            </a:schemeClr>
-          </a:solidFill>
-          <a:ln w="25400">
-            <a:solidFill>
-              <a:schemeClr val="accent6">
-                <a:lumMod val="75000"/>
-              </a:schemeClr>
-            </a:solidFill>
-          </a:ln>
-        </p:spPr>
-        <p:txBody>
-          <a:bodyPr wrap="square" rtlCol="0">
-            <a:spAutoFit/>
-          </a:bodyPr>
-          <a:lstStyle/>
-          <a:p>
-            <a:pPr algn="ctr"/>
-            <a:r>
-              <a:rPr lang="en-US" b="1" dirty="0">
-                <a:solidFill>
-                  <a:schemeClr val="accent6">
-                    <a:lumMod val="75000"/>
-                  </a:schemeClr>
-                </a:solidFill>
-              </a:rPr>
-              <a:t>16</a:t>
-            </a:r>
-          </a:p>
-        </p:txBody>
-      </p:sp>
-      <p:sp>
-        <p:nvSpPr>
-          <p:cNvPr id="101" name="TextBox 100">
-            <a:extLst>
-              <a:ext uri="{FF2B5EF4-FFF2-40B4-BE49-F238E27FC236}">
-                <a16:creationId xmlns:a16="http://schemas.microsoft.com/office/drawing/2014/main" id="{43D6964B-D4D6-5743-BB72-390BB83E816C}"/>
-              </a:ext>
-            </a:extLst>
-          </p:cNvPr>
-          <p:cNvSpPr txBox="1"/>
-          <p:nvPr/>
-        </p:nvSpPr>
-        <p:spPr>
-          <a:xfrm>
-            <a:off x="5238350" y="529864"/>
-            <a:ext cx="297180" cy="369332"/>
-          </a:xfrm>
-          <a:prstGeom prst="rect">
-            <a:avLst/>
-          </a:prstGeom>
-          <a:solidFill>
-            <a:schemeClr val="accent4">
-              <a:lumMod val="40000"/>
-              <a:lumOff val="60000"/>
-            </a:schemeClr>
-          </a:solidFill>
-          <a:ln w="25400">
-            <a:solidFill>
-              <a:schemeClr val="accent4">
-                <a:lumMod val="75000"/>
-              </a:schemeClr>
-            </a:solidFill>
-          </a:ln>
-        </p:spPr>
-        <p:txBody>
-          <a:bodyPr wrap="square" rtlCol="0">
-            <a:spAutoFit/>
-          </a:bodyPr>
-          <a:lstStyle/>
-          <a:p>
-            <a:pPr algn="ctr"/>
-            <a:r>
-              <a:rPr lang="en-US" b="1" dirty="0">
-                <a:solidFill>
-                  <a:schemeClr val="accent4">
-                    <a:lumMod val="75000"/>
-                  </a:schemeClr>
-                </a:solidFill>
-              </a:rPr>
-              <a:t>5</a:t>
-            </a:r>
-          </a:p>
-        </p:txBody>
-      </p:sp>
-      <p:sp>
-        <p:nvSpPr>
-          <p:cNvPr id="12" name="Rounded Rectangle 11">
-            <a:extLst>
-              <a:ext uri="{FF2B5EF4-FFF2-40B4-BE49-F238E27FC236}">
-                <a16:creationId xmlns:a16="http://schemas.microsoft.com/office/drawing/2014/main" id="{F0116956-FCCD-0748-BCB3-ABD6C0D6A895}"/>
-              </a:ext>
-            </a:extLst>
-          </p:cNvPr>
-          <p:cNvSpPr/>
-          <p:nvPr/>
-        </p:nvSpPr>
-        <p:spPr>
-          <a:xfrm>
-            <a:off x="10221601" y="3814394"/>
-            <a:ext cx="1427830" cy="824359"/>
-          </a:xfrm>
-          <a:prstGeom prst="roundRect">
-            <a:avLst/>
-          </a:prstGeom>
-          <a:solidFill>
-            <a:schemeClr val="bg1">
-              <a:lumMod val="50000"/>
-            </a:schemeClr>
-          </a:solidFill>
-          <a:ln w="25400" cap="flat" cmpd="sng" algn="ctr">
-            <a:solidFill>
-              <a:schemeClr val="tx1"/>
-            </a:solidFill>
-            <a:prstDash val="solid"/>
-            <a:miter lim="800000"/>
-          </a:ln>
-          <a:effectLst/>
-        </p:spPr>
-        <p:txBody>
-          <a:bodyPr rtlCol="0" anchor="ctr"/>
-          <a:lstStyle/>
-          <a:p>
-            <a:pPr marL="0" marR="0" lvl="0" indent="0" algn="ctr" defTabSz="914400" eaLnBrk="1" fontAlgn="auto" latinLnBrk="0" hangingPunct="1">
-              <a:lnSpc>
-                <a:spcPct val="100000"/>
-              </a:lnSpc>
-              <a:spcBef>
-                <a:spcPts val="0"/>
-              </a:spcBef>
-              <a:spcAft>
-                <a:spcPts val="0"/>
-              </a:spcAft>
-              <a:buClr>
-                <a:srgbClr val="000000"/>
-              </a:buClr>
-              <a:buSzTx/>
-              <a:buFont typeface="Arial"/>
-              <a:buNone/>
-              <a:tabLst/>
-              <a:defRPr/>
-            </a:pPr>
-            <a:r>
-              <a:rPr kumimoji="0" lang="en-US" sz="1400" b="0" i="0" u="none" strike="noStrike" kern="0" cap="none" spc="0" normalizeH="0" baseline="0" noProof="0" dirty="0">
-                <a:ln>
-                  <a:noFill/>
-                </a:ln>
-                <a:solidFill>
-                  <a:srgbClr val="FFFFFF"/>
-                </a:solidFill>
-                <a:effectLst/>
-                <a:uLnTx/>
-                <a:uFillTx/>
-                <a:latin typeface="Calibri" panose="020F0502020204030204"/>
-                <a:ea typeface="+mn-ea"/>
-                <a:cs typeface="+mn-cs"/>
-                <a:sym typeface="Arial"/>
-              </a:rPr>
-              <a:t>Electric Grid Operations</a:t>
-            </a:r>
-          </a:p>
-          <a:p>
-            <a:pPr marL="0" marR="0" lvl="0" indent="0" algn="ctr" defTabSz="914400" eaLnBrk="1" fontAlgn="auto" latinLnBrk="0" hangingPunct="1">
-              <a:lnSpc>
-                <a:spcPct val="100000"/>
-              </a:lnSpc>
-              <a:spcBef>
-                <a:spcPts val="0"/>
-              </a:spcBef>
-              <a:spcAft>
-                <a:spcPts val="0"/>
-              </a:spcAft>
-              <a:buClr>
-                <a:srgbClr val="000000"/>
-              </a:buClr>
-              <a:buSzTx/>
-              <a:buFont typeface="Arial"/>
-              <a:buNone/>
-              <a:tabLst/>
-              <a:defRPr/>
-            </a:pPr>
-            <a:r>
-              <a:rPr kumimoji="0" lang="en-US" sz="1400" b="0" i="0" u="none" strike="noStrike" kern="0" cap="none" spc="0" normalizeH="0" baseline="0" noProof="0" dirty="0">
-                <a:ln>
-                  <a:noFill/>
-                </a:ln>
-                <a:solidFill>
-                  <a:srgbClr val="FFFFFF"/>
-                </a:solidFill>
-                <a:effectLst/>
-                <a:uLnTx/>
-                <a:uFillTx/>
-                <a:latin typeface="Calibri" panose="020F0502020204030204"/>
-                <a:ea typeface="+mn-ea"/>
-                <a:cs typeface="+mn-cs"/>
-                <a:sym typeface="Arial"/>
-              </a:rPr>
-              <a:t>(</a:t>
-            </a:r>
-            <a:r>
-              <a:rPr lang="en-US" sz="1400" kern="0" dirty="0">
-                <a:solidFill>
-                  <a:srgbClr val="FFFFFF"/>
-                </a:solidFill>
-                <a:latin typeface="Calibri" panose="020F0502020204030204"/>
-                <a:sym typeface="Arial"/>
-              </a:rPr>
-              <a:t>GO</a:t>
-            </a:r>
-            <a:r>
-              <a:rPr kumimoji="0" lang="en-US" sz="1400" b="0" i="0" u="none" strike="noStrike" kern="0" cap="none" spc="0" normalizeH="0" baseline="0" noProof="0" dirty="0">
-                <a:ln>
-                  <a:noFill/>
-                </a:ln>
-                <a:solidFill>
-                  <a:srgbClr val="FFFFFF"/>
-                </a:solidFill>
-                <a:effectLst/>
-                <a:uLnTx/>
-                <a:uFillTx/>
-                <a:latin typeface="Calibri" panose="020F0502020204030204"/>
-                <a:ea typeface="+mn-ea"/>
-                <a:cs typeface="+mn-cs"/>
-                <a:sym typeface="Arial"/>
-              </a:rPr>
-              <a:t>)</a:t>
-            </a:r>
-          </a:p>
-        </p:txBody>
-      </p:sp>
-      <p:sp>
-        <p:nvSpPr>
-          <p:cNvPr id="24" name="Rounded Rectangle 23">
-            <a:extLst>
-              <a:ext uri="{FF2B5EF4-FFF2-40B4-BE49-F238E27FC236}">
-                <a16:creationId xmlns:a16="http://schemas.microsoft.com/office/drawing/2014/main" id="{1D075DFC-86C8-F549-9F4F-5BAF7DAC4516}"/>
-              </a:ext>
-            </a:extLst>
-          </p:cNvPr>
-          <p:cNvSpPr/>
-          <p:nvPr/>
-        </p:nvSpPr>
-        <p:spPr>
-          <a:xfrm>
-            <a:off x="5434323" y="5089471"/>
-            <a:ext cx="1382139" cy="744200"/>
-          </a:xfrm>
-          <a:prstGeom prst="roundRect">
-            <a:avLst/>
-          </a:prstGeom>
-          <a:solidFill>
-            <a:schemeClr val="bg1">
-              <a:lumMod val="50000"/>
-            </a:schemeClr>
-          </a:solidFill>
-          <a:ln w="25400" cap="flat" cmpd="sng" algn="ctr">
-            <a:solidFill>
-              <a:schemeClr val="tx1"/>
-            </a:solidFill>
-            <a:prstDash val="solid"/>
-            <a:miter lim="800000"/>
-          </a:ln>
-          <a:effectLst/>
-        </p:spPr>
-        <p:txBody>
-          <a:bodyPr rtlCol="0" anchor="ctr"/>
-          <a:lstStyle/>
-          <a:p>
-            <a:pPr marL="0" marR="0" lvl="0" indent="0" algn="ctr" defTabSz="914400" eaLnBrk="1" fontAlgn="auto" latinLnBrk="0" hangingPunct="1">
-              <a:lnSpc>
-                <a:spcPct val="100000"/>
-              </a:lnSpc>
-              <a:spcBef>
-                <a:spcPts val="0"/>
-              </a:spcBef>
-              <a:spcAft>
-                <a:spcPts val="0"/>
-              </a:spcAft>
-              <a:buClr>
-                <a:srgbClr val="000000"/>
-              </a:buClr>
-              <a:buSzTx/>
-              <a:buFont typeface="Arial"/>
-              <a:buNone/>
-              <a:tabLst/>
-              <a:defRPr/>
-            </a:pPr>
-            <a:r>
-              <a:rPr kumimoji="0" lang="en-US" sz="1400" b="0" i="0" u="none" strike="noStrike" kern="0" cap="none" spc="0" normalizeH="0" baseline="0" noProof="0" dirty="0">
-                <a:ln>
-                  <a:noFill/>
-                </a:ln>
-                <a:solidFill>
-                  <a:srgbClr val="FFFFFF"/>
-                </a:solidFill>
-                <a:effectLst/>
-                <a:uLnTx/>
-                <a:uFillTx/>
-                <a:latin typeface="Calibri" panose="020F0502020204030204"/>
-                <a:ea typeface="+mn-ea"/>
-                <a:cs typeface="+mn-cs"/>
-                <a:sym typeface="Arial"/>
-              </a:rPr>
-              <a:t>Energy, Water, Land Markets</a:t>
-            </a:r>
-          </a:p>
-          <a:p>
-            <a:pPr marL="0" marR="0" lvl="0" indent="0" algn="ctr" defTabSz="914400" eaLnBrk="1" fontAlgn="auto" latinLnBrk="0" hangingPunct="1">
-              <a:lnSpc>
-                <a:spcPct val="100000"/>
-              </a:lnSpc>
-              <a:spcBef>
-                <a:spcPts val="0"/>
-              </a:spcBef>
-              <a:spcAft>
-                <a:spcPts val="0"/>
-              </a:spcAft>
-              <a:buClr>
-                <a:srgbClr val="000000"/>
-              </a:buClr>
-              <a:buSzTx/>
-              <a:buFont typeface="Arial"/>
-              <a:buNone/>
-              <a:tabLst/>
-              <a:defRPr/>
-            </a:pPr>
-            <a:r>
-              <a:rPr kumimoji="0" lang="en-US" sz="1400" b="0" i="0" u="none" strike="noStrike" kern="0" cap="none" spc="0" normalizeH="0" baseline="0" noProof="0" dirty="0">
-                <a:ln>
-                  <a:noFill/>
-                </a:ln>
-                <a:solidFill>
-                  <a:srgbClr val="FFFFFF"/>
-                </a:solidFill>
-                <a:effectLst/>
-                <a:uLnTx/>
-                <a:uFillTx/>
-                <a:latin typeface="Calibri" panose="020F0502020204030204"/>
-                <a:ea typeface="+mn-ea"/>
-                <a:cs typeface="+mn-cs"/>
-                <a:sym typeface="Arial"/>
-              </a:rPr>
-              <a:t>(GCAM-USA)</a:t>
-            </a:r>
-          </a:p>
-        </p:txBody>
-      </p:sp>
-      <p:sp>
-        <p:nvSpPr>
-          <p:cNvPr id="36" name="Rounded Rectangle 35">
-            <a:extLst>
-              <a:ext uri="{FF2B5EF4-FFF2-40B4-BE49-F238E27FC236}">
-                <a16:creationId xmlns:a16="http://schemas.microsoft.com/office/drawing/2014/main" id="{BC28141A-8220-3B48-9D85-19C7DBB3D748}"/>
-              </a:ext>
-            </a:extLst>
-          </p:cNvPr>
-          <p:cNvSpPr/>
-          <p:nvPr/>
-        </p:nvSpPr>
-        <p:spPr>
-          <a:xfrm>
-            <a:off x="8739578" y="5049392"/>
-            <a:ext cx="1427831" cy="824359"/>
-          </a:xfrm>
-          <a:prstGeom prst="roundRect">
-            <a:avLst/>
-          </a:prstGeom>
-          <a:solidFill>
-            <a:schemeClr val="bg1">
-              <a:lumMod val="50000"/>
-            </a:schemeClr>
-          </a:solidFill>
-          <a:ln w="25400" cap="flat" cmpd="sng" algn="ctr">
-            <a:solidFill>
-              <a:schemeClr val="tx1"/>
-            </a:solidFill>
-            <a:prstDash val="solid"/>
-            <a:miter lim="800000"/>
-          </a:ln>
-          <a:effectLst/>
-        </p:spPr>
-        <p:txBody>
-          <a:bodyPr rtlCol="0" anchor="ctr"/>
-          <a:lstStyle/>
-          <a:p>
-            <a:pPr marL="0" marR="0" lvl="0" indent="0" algn="ctr" defTabSz="914400" eaLnBrk="1" fontAlgn="auto" latinLnBrk="0" hangingPunct="1">
-              <a:lnSpc>
-                <a:spcPct val="100000"/>
-              </a:lnSpc>
-              <a:spcBef>
-                <a:spcPts val="0"/>
-              </a:spcBef>
-              <a:spcAft>
-                <a:spcPts val="0"/>
-              </a:spcAft>
-              <a:buClr>
-                <a:srgbClr val="000000"/>
-              </a:buClr>
-              <a:buSzTx/>
-              <a:buFont typeface="Arial"/>
-              <a:buNone/>
-              <a:tabLst/>
-              <a:defRPr/>
-            </a:pPr>
-            <a:r>
-              <a:rPr kumimoji="0" lang="en-US" sz="1400" b="0" i="0" u="none" strike="noStrike" kern="0" cap="none" spc="0" normalizeH="0" baseline="0" noProof="0" dirty="0">
-                <a:ln>
-                  <a:noFill/>
-                </a:ln>
-                <a:solidFill>
-                  <a:srgbClr val="FFFFFF"/>
-                </a:solidFill>
-                <a:effectLst/>
-                <a:uLnTx/>
-                <a:uFillTx/>
-                <a:latin typeface="Calibri" panose="020F0502020204030204"/>
-                <a:ea typeface="+mn-ea"/>
-                <a:cs typeface="+mn-cs"/>
-                <a:sym typeface="Arial"/>
-              </a:rPr>
-              <a:t>Total ELectricity Loads (TELL)</a:t>
-            </a:r>
-          </a:p>
-        </p:txBody>
-      </p:sp>
-      <p:sp>
-        <p:nvSpPr>
-          <p:cNvPr id="54" name="Rounded Rectangle 53">
-            <a:extLst>
-              <a:ext uri="{FF2B5EF4-FFF2-40B4-BE49-F238E27FC236}">
-                <a16:creationId xmlns:a16="http://schemas.microsoft.com/office/drawing/2014/main" id="{2496E921-A9F4-D645-8C0F-4915E0C64BAC}"/>
-              </a:ext>
-            </a:extLst>
-          </p:cNvPr>
-          <p:cNvSpPr/>
-          <p:nvPr/>
-        </p:nvSpPr>
-        <p:spPr>
-          <a:xfrm>
-            <a:off x="8532303" y="2301675"/>
-            <a:ext cx="1339059" cy="968555"/>
-          </a:xfrm>
-          <a:prstGeom prst="roundRect">
-            <a:avLst/>
-          </a:prstGeom>
-          <a:solidFill>
-            <a:schemeClr val="bg1">
-              <a:lumMod val="50000"/>
-            </a:schemeClr>
-          </a:solidFill>
-          <a:ln w="25400" cap="flat" cmpd="sng" algn="ctr">
-            <a:solidFill>
-              <a:schemeClr val="tx1"/>
-            </a:solidFill>
-            <a:prstDash val="solid"/>
-            <a:miter lim="800000"/>
-          </a:ln>
-          <a:effectLst/>
-        </p:spPr>
-        <p:txBody>
-          <a:bodyPr rtlCol="0" anchor="ctr"/>
-          <a:lstStyle/>
-          <a:p>
-            <a:pPr marL="0" marR="0" lvl="0" indent="0" algn="ctr" defTabSz="914400" eaLnBrk="1" fontAlgn="auto" latinLnBrk="0" hangingPunct="1">
-              <a:lnSpc>
-                <a:spcPct val="100000"/>
-              </a:lnSpc>
-              <a:spcBef>
-                <a:spcPts val="0"/>
-              </a:spcBef>
-              <a:spcAft>
-                <a:spcPts val="0"/>
-              </a:spcAft>
-              <a:buClr>
-                <a:srgbClr val="000000"/>
-              </a:buClr>
-              <a:buSzTx/>
-              <a:buFont typeface="Arial"/>
-              <a:buNone/>
-              <a:tabLst/>
-              <a:defRPr/>
-            </a:pPr>
-            <a:r>
-              <a:rPr kumimoji="0" lang="en-US" sz="1400" b="0" i="0" u="none" strike="noStrike" kern="0" cap="none" spc="0" normalizeH="0" baseline="0" noProof="0" dirty="0">
-                <a:ln>
-                  <a:noFill/>
-                </a:ln>
-                <a:solidFill>
-                  <a:srgbClr val="FFFFFF"/>
-                </a:solidFill>
-                <a:effectLst/>
-                <a:uLnTx/>
-                <a:uFillTx/>
-                <a:latin typeface="Calibri" panose="020F0502020204030204"/>
-                <a:ea typeface="+mn-ea"/>
-                <a:cs typeface="+mn-cs"/>
-                <a:sym typeface="Arial"/>
-              </a:rPr>
-              <a:t>Power Plant Siting Feasibility</a:t>
-            </a:r>
-          </a:p>
-          <a:p>
-            <a:pPr marL="0" marR="0" lvl="0" indent="0" algn="ctr" defTabSz="914400" eaLnBrk="1" fontAlgn="auto" latinLnBrk="0" hangingPunct="1">
-              <a:lnSpc>
-                <a:spcPct val="100000"/>
-              </a:lnSpc>
-              <a:spcBef>
-                <a:spcPts val="0"/>
-              </a:spcBef>
-              <a:spcAft>
-                <a:spcPts val="0"/>
-              </a:spcAft>
-              <a:buClr>
-                <a:srgbClr val="000000"/>
-              </a:buClr>
-              <a:buSzTx/>
-              <a:buFont typeface="Arial"/>
-              <a:buNone/>
-              <a:tabLst/>
-              <a:defRPr/>
-            </a:pPr>
-            <a:r>
-              <a:rPr kumimoji="0" lang="en-US" sz="1400" b="0" i="0" u="none" strike="noStrike" kern="0" cap="none" spc="0" normalizeH="0" baseline="0" noProof="0" dirty="0">
-                <a:ln>
-                  <a:noFill/>
-                </a:ln>
-                <a:solidFill>
-                  <a:srgbClr val="FFFFFF"/>
-                </a:solidFill>
-                <a:effectLst/>
-                <a:uLnTx/>
-                <a:uFillTx/>
-                <a:latin typeface="Calibri" panose="020F0502020204030204"/>
-                <a:ea typeface="+mn-ea"/>
-                <a:cs typeface="+mn-cs"/>
-                <a:sym typeface="Arial"/>
-              </a:rPr>
-              <a:t>(CERF) </a:t>
-            </a:r>
-          </a:p>
-        </p:txBody>
-      </p:sp>
-      <p:sp>
-        <p:nvSpPr>
-          <p:cNvPr id="70" name="Rounded Rectangle 69">
-            <a:extLst>
-              <a:ext uri="{FF2B5EF4-FFF2-40B4-BE49-F238E27FC236}">
-                <a16:creationId xmlns:a16="http://schemas.microsoft.com/office/drawing/2014/main" id="{33144FA7-DB63-E44B-B5F6-03C886F88948}"/>
-              </a:ext>
-            </a:extLst>
-          </p:cNvPr>
-          <p:cNvSpPr/>
-          <p:nvPr/>
-        </p:nvSpPr>
-        <p:spPr>
-          <a:xfrm>
-            <a:off x="3630407" y="786870"/>
-            <a:ext cx="1332993" cy="856257"/>
-          </a:xfrm>
-          <a:prstGeom prst="roundRect">
-            <a:avLst/>
-          </a:prstGeom>
-          <a:solidFill>
-            <a:schemeClr val="bg1">
-              <a:lumMod val="50000"/>
-            </a:schemeClr>
-          </a:solidFill>
-          <a:ln w="25400" cap="flat" cmpd="sng" algn="ctr">
-            <a:solidFill>
-              <a:schemeClr val="tx1"/>
-            </a:solidFill>
-            <a:prstDash val="solid"/>
-            <a:miter lim="800000"/>
-          </a:ln>
-          <a:effectLst/>
-        </p:spPr>
-        <p:txBody>
-          <a:bodyPr rtlCol="0" anchor="ctr"/>
-          <a:lstStyle/>
-          <a:p>
-            <a:pPr marL="0" marR="0" lvl="0" indent="0" algn="ctr" defTabSz="914400" eaLnBrk="1" fontAlgn="auto" latinLnBrk="0" hangingPunct="1">
-              <a:lnSpc>
-                <a:spcPct val="100000"/>
-              </a:lnSpc>
-              <a:spcBef>
-                <a:spcPts val="0"/>
-              </a:spcBef>
-              <a:spcAft>
-                <a:spcPts val="0"/>
-              </a:spcAft>
-              <a:buClr>
-                <a:srgbClr val="000000"/>
-              </a:buClr>
-              <a:buSzTx/>
-              <a:buFont typeface="Arial"/>
-              <a:buNone/>
-              <a:tabLst/>
-              <a:defRPr/>
-            </a:pPr>
-            <a:r>
-              <a:rPr kumimoji="0" lang="en-US" sz="1200" b="0" i="0" u="none" strike="noStrike" kern="0" cap="none" spc="0" normalizeH="0" baseline="0" noProof="0" dirty="0">
-                <a:ln>
-                  <a:noFill/>
-                </a:ln>
-                <a:solidFill>
-                  <a:srgbClr val="FFFFFF"/>
-                </a:solidFill>
-                <a:effectLst/>
-                <a:uLnTx/>
-                <a:uFillTx/>
-                <a:latin typeface="Calibri" panose="020F0502020204030204"/>
-                <a:ea typeface="+mn-ea"/>
-                <a:cs typeface="+mn-cs"/>
-                <a:sym typeface="Arial"/>
-              </a:rPr>
-              <a:t>Thermodynamic Global Warming Simulations (WRF)</a:t>
-            </a:r>
-          </a:p>
-        </p:txBody>
-      </p:sp>
-      <p:sp>
-        <p:nvSpPr>
-          <p:cNvPr id="18" name="Rounded Rectangle 17">
-            <a:extLst>
-              <a:ext uri="{FF2B5EF4-FFF2-40B4-BE49-F238E27FC236}">
-                <a16:creationId xmlns:a16="http://schemas.microsoft.com/office/drawing/2014/main" id="{CB3773D0-064F-C840-942F-AED3E66D04EE}"/>
-              </a:ext>
-            </a:extLst>
-          </p:cNvPr>
-          <p:cNvSpPr/>
-          <p:nvPr/>
-        </p:nvSpPr>
-        <p:spPr>
-          <a:xfrm>
-            <a:off x="2715876" y="3799240"/>
-            <a:ext cx="1382139" cy="824359"/>
-          </a:xfrm>
-          <a:prstGeom prst="roundRect">
-            <a:avLst/>
-          </a:prstGeom>
-          <a:solidFill>
-            <a:schemeClr val="bg1">
-              <a:lumMod val="50000"/>
-            </a:schemeClr>
-          </a:solidFill>
-          <a:ln w="25400" cap="flat" cmpd="sng" algn="ctr">
-            <a:solidFill>
-              <a:schemeClr val="tx1"/>
-            </a:solidFill>
-            <a:prstDash val="solid"/>
-            <a:miter lim="800000"/>
-          </a:ln>
-          <a:effectLst/>
-        </p:spPr>
-        <p:txBody>
-          <a:bodyPr rtlCol="0" anchor="ctr"/>
-          <a:lstStyle/>
-          <a:p>
-            <a:pPr lvl="0" algn="ctr">
-              <a:buClr>
-                <a:srgbClr val="000000"/>
-              </a:buClr>
-              <a:defRPr/>
-            </a:pPr>
-            <a:r>
-              <a:rPr lang="en-US" sz="1400" kern="0" dirty="0">
-                <a:solidFill>
-                  <a:schemeClr val="bg1"/>
-                </a:solidFill>
-                <a:sym typeface="Arial"/>
-              </a:rPr>
-              <a:t>Gridded</a:t>
-            </a:r>
-          </a:p>
-          <a:p>
-            <a:pPr lvl="0" algn="ctr">
-              <a:buClr>
-                <a:srgbClr val="000000"/>
-              </a:buClr>
-              <a:defRPr/>
-            </a:pPr>
-            <a:r>
-              <a:rPr lang="en-US" sz="1400" kern="0" dirty="0">
-                <a:solidFill>
-                  <a:schemeClr val="bg1"/>
-                </a:solidFill>
-                <a:sym typeface="Arial"/>
-              </a:rPr>
-              <a:t>Population</a:t>
-            </a:r>
-          </a:p>
-        </p:txBody>
-      </p:sp>
-      <p:cxnSp>
-        <p:nvCxnSpPr>
-          <p:cNvPr id="93" name="Straight Arrow Connector 129">
-            <a:extLst>
-              <a:ext uri="{FF2B5EF4-FFF2-40B4-BE49-F238E27FC236}">
-                <a16:creationId xmlns:a16="http://schemas.microsoft.com/office/drawing/2014/main" id="{7BD44C0A-863E-4D8C-8FF5-E48E77AE9EFC}"/>
-              </a:ext>
-            </a:extLst>
-          </p:cNvPr>
-          <p:cNvCxnSpPr>
-            <a:cxnSpLocks/>
-            <a:stCxn id="78" idx="2"/>
-          </p:cNvCxnSpPr>
-          <p:nvPr/>
-        </p:nvCxnSpPr>
-        <p:spPr>
-          <a:xfrm rot="5400000">
-            <a:off x="5727723" y="3837522"/>
-            <a:ext cx="2065570" cy="397866"/>
-          </a:xfrm>
-          <a:prstGeom prst="bentConnector3">
-            <a:avLst>
-              <a:gd name="adj1" fmla="val 50000"/>
-            </a:avLst>
-          </a:prstGeom>
-          <a:noFill/>
-          <a:ln w="25400" cap="flat" cmpd="sng" algn="ctr">
-            <a:solidFill>
-              <a:schemeClr val="accent6">
-                <a:lumMod val="75000"/>
-              </a:schemeClr>
-            </a:solidFill>
-            <a:prstDash val="solid"/>
-            <a:miter lim="800000"/>
-            <a:tailEnd type="triangle" w="lg" len="lg"/>
-          </a:ln>
-          <a:effectLst/>
-        </p:spPr>
-      </p:cxnSp>
-      <p:sp>
-        <p:nvSpPr>
-          <p:cNvPr id="104" name="TextBox 103">
-            <a:extLst>
-              <a:ext uri="{FF2B5EF4-FFF2-40B4-BE49-F238E27FC236}">
-                <a16:creationId xmlns:a16="http://schemas.microsoft.com/office/drawing/2014/main" id="{8FF9DF29-8FC9-A74D-A896-3FC80ADACA58}"/>
-              </a:ext>
-            </a:extLst>
-          </p:cNvPr>
-          <p:cNvSpPr txBox="1"/>
-          <p:nvPr/>
-        </p:nvSpPr>
-        <p:spPr>
-          <a:xfrm>
-            <a:off x="6719891" y="3282553"/>
-            <a:ext cx="457490" cy="369332"/>
-          </a:xfrm>
-          <a:prstGeom prst="rect">
-            <a:avLst/>
-          </a:prstGeom>
-          <a:solidFill>
-            <a:schemeClr val="accent6">
-              <a:lumMod val="40000"/>
-              <a:lumOff val="60000"/>
-            </a:schemeClr>
-          </a:solidFill>
-          <a:ln w="25400">
-            <a:solidFill>
-              <a:schemeClr val="accent6">
-                <a:lumMod val="75000"/>
-              </a:schemeClr>
-            </a:solidFill>
-          </a:ln>
-        </p:spPr>
-        <p:txBody>
-          <a:bodyPr wrap="square" rtlCol="0">
-            <a:spAutoFit/>
-          </a:bodyPr>
-          <a:lstStyle/>
-          <a:p>
-            <a:pPr algn="ctr"/>
-            <a:r>
-              <a:rPr lang="en-US" b="1" dirty="0">
-                <a:solidFill>
-                  <a:schemeClr val="accent6">
-                    <a:lumMod val="75000"/>
-                  </a:schemeClr>
-                </a:solidFill>
-              </a:rPr>
-              <a:t>10</a:t>
-            </a:r>
-          </a:p>
-        </p:txBody>
-      </p:sp>
-      <p:cxnSp>
-        <p:nvCxnSpPr>
-          <p:cNvPr id="100" name="Straight Arrow Connector 129">
-            <a:extLst>
-              <a:ext uri="{FF2B5EF4-FFF2-40B4-BE49-F238E27FC236}">
-                <a16:creationId xmlns:a16="http://schemas.microsoft.com/office/drawing/2014/main" id="{DF79BE50-8645-45B8-9D27-56623488135F}"/>
-              </a:ext>
-            </a:extLst>
-          </p:cNvPr>
-          <p:cNvCxnSpPr>
-            <a:cxnSpLocks/>
-            <a:stCxn id="76" idx="2"/>
-          </p:cNvCxnSpPr>
-          <p:nvPr/>
-        </p:nvCxnSpPr>
-        <p:spPr>
-          <a:xfrm rot="16200000" flipH="1">
-            <a:off x="4260500" y="3777941"/>
-            <a:ext cx="2085801" cy="537258"/>
-          </a:xfrm>
-          <a:prstGeom prst="bentConnector3">
-            <a:avLst>
-              <a:gd name="adj1" fmla="val 50000"/>
-            </a:avLst>
-          </a:prstGeom>
-          <a:noFill/>
-          <a:ln w="25400" cap="flat" cmpd="sng" algn="ctr">
-            <a:solidFill>
-              <a:schemeClr val="accent6">
-                <a:lumMod val="75000"/>
-              </a:schemeClr>
-            </a:solidFill>
-            <a:prstDash val="solid"/>
-            <a:miter lim="800000"/>
-            <a:tailEnd type="triangle" w="lg" len="lg"/>
-          </a:ln>
-          <a:effectLst/>
-        </p:spPr>
-      </p:cxnSp>
-      <p:sp>
-        <p:nvSpPr>
-          <p:cNvPr id="90" name="TextBox 89">
-            <a:extLst>
-              <a:ext uri="{FF2B5EF4-FFF2-40B4-BE49-F238E27FC236}">
-                <a16:creationId xmlns:a16="http://schemas.microsoft.com/office/drawing/2014/main" id="{F72EDA13-3023-F544-9568-8433B3292E59}"/>
-              </a:ext>
-            </a:extLst>
-          </p:cNvPr>
-          <p:cNvSpPr txBox="1"/>
-          <p:nvPr/>
-        </p:nvSpPr>
-        <p:spPr>
-          <a:xfrm>
-            <a:off x="4886181" y="3270230"/>
-            <a:ext cx="297180" cy="369332"/>
-          </a:xfrm>
-          <a:prstGeom prst="rect">
-            <a:avLst/>
-          </a:prstGeom>
-          <a:solidFill>
-            <a:schemeClr val="accent6">
-              <a:lumMod val="40000"/>
-              <a:lumOff val="60000"/>
-            </a:schemeClr>
-          </a:solidFill>
-          <a:ln w="25400">
-            <a:solidFill>
-              <a:schemeClr val="accent6">
-                <a:lumMod val="75000"/>
-              </a:schemeClr>
-            </a:solidFill>
-          </a:ln>
-        </p:spPr>
-        <p:txBody>
-          <a:bodyPr wrap="square" rtlCol="0">
-            <a:spAutoFit/>
-          </a:bodyPr>
-          <a:lstStyle/>
-          <a:p>
-            <a:pPr algn="ctr"/>
-            <a:r>
-              <a:rPr lang="en-US" b="1" dirty="0">
-                <a:solidFill>
-                  <a:schemeClr val="accent6">
-                    <a:lumMod val="75000"/>
-                  </a:schemeClr>
-                </a:solidFill>
-              </a:rPr>
-              <a:t>8</a:t>
-            </a:r>
-          </a:p>
-        </p:txBody>
-      </p:sp>
-      <p:sp>
-        <p:nvSpPr>
-          <p:cNvPr id="107" name="TextBox 106">
-            <a:extLst>
-              <a:ext uri="{FF2B5EF4-FFF2-40B4-BE49-F238E27FC236}">
-                <a16:creationId xmlns:a16="http://schemas.microsoft.com/office/drawing/2014/main" id="{3218D5BB-EB76-46E2-93B4-9E1CD3B5EBDF}"/>
-              </a:ext>
-            </a:extLst>
-          </p:cNvPr>
-          <p:cNvSpPr txBox="1"/>
-          <p:nvPr/>
-        </p:nvSpPr>
-        <p:spPr>
-          <a:xfrm>
-            <a:off x="4745665" y="4030686"/>
-            <a:ext cx="813528" cy="523220"/>
-          </a:xfrm>
-          <a:prstGeom prst="rect">
-            <a:avLst/>
-          </a:prstGeom>
-          <a:noFill/>
-        </p:spPr>
-        <p:txBody>
-          <a:bodyPr wrap="square" rtlCol="0">
-            <a:spAutoFit/>
-          </a:bodyPr>
-          <a:lstStyle/>
-          <a:p>
-            <a:pPr algn="r"/>
-            <a:r>
-              <a:rPr lang="en-US" sz="1400" b="1" dirty="0">
-                <a:solidFill>
-                  <a:schemeClr val="accent1"/>
-                </a:solidFill>
-              </a:rPr>
-              <a:t>Runoff by basin</a:t>
-            </a:r>
-          </a:p>
-        </p:txBody>
-      </p:sp>
-      <p:sp>
-        <p:nvSpPr>
-          <p:cNvPr id="108" name="TextBox 107">
-            <a:extLst>
-              <a:ext uri="{FF2B5EF4-FFF2-40B4-BE49-F238E27FC236}">
-                <a16:creationId xmlns:a16="http://schemas.microsoft.com/office/drawing/2014/main" id="{C3C50344-8FCA-4773-B9F5-3FB195D364AB}"/>
-              </a:ext>
-            </a:extLst>
-          </p:cNvPr>
-          <p:cNvSpPr txBox="1"/>
-          <p:nvPr/>
-        </p:nvSpPr>
-        <p:spPr>
-          <a:xfrm>
-            <a:off x="5597388" y="3691289"/>
-            <a:ext cx="936360" cy="523220"/>
-          </a:xfrm>
-          <a:prstGeom prst="rect">
-            <a:avLst/>
-          </a:prstGeom>
-          <a:solidFill>
-            <a:schemeClr val="bg1"/>
-          </a:solidFill>
-        </p:spPr>
-        <p:txBody>
-          <a:bodyPr wrap="square" rtlCol="0">
-            <a:spAutoFit/>
-          </a:bodyPr>
-          <a:lstStyle/>
-          <a:p>
-            <a:pPr algn="ctr"/>
-            <a:r>
-              <a:rPr lang="en-US" sz="1400" b="1" dirty="0">
-                <a:solidFill>
-                  <a:schemeClr val="accent1"/>
-                </a:solidFill>
-              </a:rPr>
-              <a:t>HDH</a:t>
-            </a:r>
-            <a:r>
-              <a:rPr lang="en-US" sz="1400" b="1">
-                <a:solidFill>
-                  <a:schemeClr val="accent1"/>
-                </a:solidFill>
-              </a:rPr>
-              <a:t>/CDH </a:t>
-            </a:r>
-            <a:endParaRPr lang="en-US" sz="1400" b="1" dirty="0">
-              <a:solidFill>
-                <a:schemeClr val="accent1"/>
-              </a:solidFill>
-            </a:endParaRPr>
-          </a:p>
-          <a:p>
-            <a:pPr algn="ctr"/>
-            <a:r>
-              <a:rPr lang="en-US" sz="1400" b="1" dirty="0">
-                <a:solidFill>
-                  <a:schemeClr val="accent1"/>
-                </a:solidFill>
-              </a:rPr>
-              <a:t>by state</a:t>
-            </a:r>
-          </a:p>
-        </p:txBody>
-      </p:sp>
-      <p:sp>
-        <p:nvSpPr>
-          <p:cNvPr id="110" name="TextBox 109">
-            <a:extLst>
-              <a:ext uri="{FF2B5EF4-FFF2-40B4-BE49-F238E27FC236}">
-                <a16:creationId xmlns:a16="http://schemas.microsoft.com/office/drawing/2014/main" id="{F3216295-03FA-4A2C-AE62-DB57451FF6C1}"/>
-              </a:ext>
-            </a:extLst>
-          </p:cNvPr>
-          <p:cNvSpPr txBox="1"/>
-          <p:nvPr/>
-        </p:nvSpPr>
-        <p:spPr>
-          <a:xfrm>
-            <a:off x="6552171" y="4030686"/>
-            <a:ext cx="881407" cy="523220"/>
-          </a:xfrm>
-          <a:prstGeom prst="rect">
-            <a:avLst/>
-          </a:prstGeom>
-          <a:noFill/>
-        </p:spPr>
-        <p:txBody>
-          <a:bodyPr wrap="square" rtlCol="0">
-            <a:spAutoFit/>
-          </a:bodyPr>
-          <a:lstStyle/>
-          <a:p>
-            <a:r>
-              <a:rPr lang="en-US" sz="1400" b="1" dirty="0">
-                <a:solidFill>
-                  <a:schemeClr val="accent1"/>
-                </a:solidFill>
-              </a:rPr>
-              <a:t>Ag yields</a:t>
-            </a:r>
-          </a:p>
-          <a:p>
-            <a:r>
-              <a:rPr lang="en-US" sz="1400" b="1" dirty="0">
-                <a:solidFill>
-                  <a:schemeClr val="accent1"/>
-                </a:solidFill>
-              </a:rPr>
-              <a:t>by basin</a:t>
-            </a:r>
-          </a:p>
-        </p:txBody>
-      </p:sp>
-      <p:sp>
-        <p:nvSpPr>
-          <p:cNvPr id="76" name="Rounded Rectangle 75">
-            <a:extLst>
-              <a:ext uri="{FF2B5EF4-FFF2-40B4-BE49-F238E27FC236}">
-                <a16:creationId xmlns:a16="http://schemas.microsoft.com/office/drawing/2014/main" id="{A5AEB2BB-4E50-5D4C-A78A-F7021C22F135}"/>
-              </a:ext>
-            </a:extLst>
-          </p:cNvPr>
-          <p:cNvSpPr/>
-          <p:nvPr/>
-        </p:nvSpPr>
-        <p:spPr>
-          <a:xfrm>
-            <a:off x="4577571" y="2259470"/>
-            <a:ext cx="914400" cy="744200"/>
-          </a:xfrm>
-          <a:prstGeom prst="roundRect">
-            <a:avLst/>
-          </a:prstGeom>
-          <a:solidFill>
-            <a:schemeClr val="bg1">
-              <a:lumMod val="50000"/>
-            </a:schemeClr>
-          </a:solidFill>
-          <a:ln w="25400" cap="flat" cmpd="sng" algn="ctr">
-            <a:solidFill>
-              <a:schemeClr val="tx1"/>
-            </a:solidFill>
-            <a:prstDash val="solid"/>
-            <a:miter lim="800000"/>
-          </a:ln>
-          <a:effectLst/>
-        </p:spPr>
-        <p:txBody>
-          <a:bodyPr rtlCol="0" anchor="ctr"/>
-          <a:lstStyle/>
-          <a:p>
-            <a:pPr marL="0" marR="0" lvl="0" indent="0" algn="ctr" defTabSz="914400" eaLnBrk="1" fontAlgn="auto" latinLnBrk="0" hangingPunct="1">
-              <a:lnSpc>
-                <a:spcPct val="100000"/>
-              </a:lnSpc>
-              <a:spcBef>
-                <a:spcPts val="0"/>
-              </a:spcBef>
-              <a:spcAft>
-                <a:spcPts val="0"/>
-              </a:spcAft>
-              <a:buClr>
-                <a:srgbClr val="000000"/>
-              </a:buClr>
-              <a:buSzTx/>
-              <a:buFont typeface="Arial"/>
-              <a:buNone/>
-              <a:tabLst/>
-              <a:defRPr/>
-            </a:pPr>
-            <a:r>
-              <a:rPr kumimoji="0" lang="en-US" sz="1400" b="0" i="0" u="none" strike="noStrike" kern="0" cap="none" spc="0" normalizeH="0" baseline="0" noProof="0" dirty="0">
-                <a:ln>
-                  <a:noFill/>
-                </a:ln>
-                <a:solidFill>
-                  <a:srgbClr val="FFFFFF"/>
-                </a:solidFill>
-                <a:effectLst/>
-                <a:uLnTx/>
-                <a:uFillTx/>
-                <a:latin typeface="Calibri" panose="020F0502020204030204"/>
-                <a:ea typeface="+mn-ea"/>
-                <a:cs typeface="+mn-cs"/>
-                <a:sym typeface="Arial"/>
-              </a:rPr>
-              <a:t>Water Runoff</a:t>
-            </a:r>
-          </a:p>
-          <a:p>
-            <a:pPr marL="0" marR="0" lvl="0" indent="0" algn="ctr" defTabSz="914400" eaLnBrk="1" fontAlgn="auto" latinLnBrk="0" hangingPunct="1">
-              <a:lnSpc>
-                <a:spcPct val="100000"/>
-              </a:lnSpc>
-              <a:spcBef>
-                <a:spcPts val="0"/>
-              </a:spcBef>
-              <a:spcAft>
-                <a:spcPts val="0"/>
-              </a:spcAft>
-              <a:buClr>
-                <a:srgbClr val="000000"/>
-              </a:buClr>
-              <a:buSzTx/>
-              <a:buFont typeface="Arial"/>
-              <a:buNone/>
-              <a:tabLst/>
-              <a:defRPr/>
-            </a:pPr>
-            <a:r>
-              <a:rPr kumimoji="0" lang="en-US" sz="1000" b="0" i="0" u="none" strike="noStrike" kern="0" cap="none" spc="0" normalizeH="0" baseline="0" noProof="0" dirty="0">
-                <a:ln>
-                  <a:noFill/>
-                </a:ln>
-                <a:solidFill>
-                  <a:srgbClr val="FFFFFF"/>
-                </a:solidFill>
-                <a:effectLst/>
-                <a:uLnTx/>
-                <a:uFillTx/>
-                <a:latin typeface="Calibri" panose="020F0502020204030204"/>
-                <a:ea typeface="+mn-ea"/>
-                <a:cs typeface="+mn-cs"/>
-                <a:sym typeface="Arial"/>
-              </a:rPr>
-              <a:t>(Xanthos)</a:t>
-            </a:r>
-            <a:endParaRPr kumimoji="0" lang="en-US" sz="900" b="0" i="0" u="none" strike="noStrike" kern="0" cap="none" spc="0" normalizeH="0" baseline="0" noProof="0" dirty="0">
-              <a:ln>
-                <a:noFill/>
-              </a:ln>
-              <a:solidFill>
-                <a:srgbClr val="FFFFFF"/>
-              </a:solidFill>
-              <a:effectLst/>
-              <a:uLnTx/>
-              <a:uFillTx/>
-              <a:latin typeface="Calibri" panose="020F0502020204030204"/>
-              <a:ea typeface="+mn-ea"/>
-              <a:cs typeface="+mn-cs"/>
-              <a:sym typeface="Arial"/>
-            </a:endParaRPr>
-          </a:p>
-        </p:txBody>
-      </p:sp>
-      <p:sp>
-        <p:nvSpPr>
-          <p:cNvPr id="77" name="Rounded Rectangle 76">
-            <a:extLst>
-              <a:ext uri="{FF2B5EF4-FFF2-40B4-BE49-F238E27FC236}">
-                <a16:creationId xmlns:a16="http://schemas.microsoft.com/office/drawing/2014/main" id="{9AB0B74A-828D-9548-B981-A52F96E3244E}"/>
-              </a:ext>
-            </a:extLst>
-          </p:cNvPr>
-          <p:cNvSpPr/>
-          <p:nvPr/>
-        </p:nvSpPr>
-        <p:spPr>
-          <a:xfrm>
-            <a:off x="5539906" y="2259470"/>
-            <a:ext cx="914400" cy="744200"/>
-          </a:xfrm>
-          <a:prstGeom prst="roundRect">
-            <a:avLst/>
-          </a:prstGeom>
-          <a:solidFill>
-            <a:schemeClr val="bg1">
-              <a:lumMod val="50000"/>
-            </a:schemeClr>
-          </a:solidFill>
-          <a:ln w="25400" cap="flat" cmpd="sng" algn="ctr">
-            <a:solidFill>
-              <a:schemeClr val="tx1"/>
-            </a:solidFill>
-            <a:prstDash val="solid"/>
-            <a:miter lim="800000"/>
-          </a:ln>
-          <a:effectLst/>
-        </p:spPr>
-        <p:txBody>
-          <a:bodyPr rtlCol="0" anchor="ctr"/>
-          <a:lstStyle/>
-          <a:p>
-            <a:pPr marL="0" marR="0" lvl="0" indent="0" algn="ctr" defTabSz="914400" eaLnBrk="1" fontAlgn="auto" latinLnBrk="0" hangingPunct="1">
-              <a:lnSpc>
-                <a:spcPct val="100000"/>
-              </a:lnSpc>
-              <a:spcBef>
-                <a:spcPts val="0"/>
-              </a:spcBef>
-              <a:spcAft>
-                <a:spcPts val="0"/>
-              </a:spcAft>
-              <a:buClr>
-                <a:srgbClr val="000000"/>
-              </a:buClr>
-              <a:buSzTx/>
-              <a:buFont typeface="Arial"/>
-              <a:buNone/>
-              <a:tabLst/>
-              <a:defRPr/>
-            </a:pPr>
-            <a:r>
-              <a:rPr kumimoji="0" lang="en-US" sz="1200" b="0" i="0" u="none" strike="noStrike" kern="0" cap="none" spc="0" normalizeH="0" baseline="0" noProof="0" dirty="0">
-                <a:ln>
-                  <a:noFill/>
-                </a:ln>
-                <a:solidFill>
-                  <a:srgbClr val="FFFFFF"/>
-                </a:solidFill>
-                <a:effectLst/>
-                <a:uLnTx/>
-                <a:uFillTx/>
-                <a:latin typeface="Calibri" panose="020F0502020204030204"/>
-                <a:ea typeface="+mn-ea"/>
-                <a:cs typeface="+mn-cs"/>
-                <a:sym typeface="Arial"/>
-              </a:rPr>
-              <a:t>HDH/CDH</a:t>
-            </a:r>
-          </a:p>
-          <a:p>
-            <a:pPr marL="0" marR="0" lvl="0" indent="0" algn="ctr" defTabSz="914400" eaLnBrk="1" fontAlgn="auto" latinLnBrk="0" hangingPunct="1">
-              <a:lnSpc>
-                <a:spcPct val="100000"/>
-              </a:lnSpc>
-              <a:spcBef>
-                <a:spcPts val="0"/>
-              </a:spcBef>
-              <a:spcAft>
-                <a:spcPts val="0"/>
-              </a:spcAft>
-              <a:buClr>
-                <a:srgbClr val="000000"/>
-              </a:buClr>
-              <a:buSzTx/>
-              <a:buFont typeface="Arial"/>
-              <a:buNone/>
-              <a:tabLst/>
-              <a:defRPr/>
-            </a:pPr>
-            <a:r>
-              <a:rPr kumimoji="0" lang="en-US" sz="1000" b="0" i="0" u="none" strike="noStrike" kern="0" cap="none" spc="0" normalizeH="0" baseline="0" noProof="0" dirty="0">
-                <a:ln>
-                  <a:noFill/>
-                </a:ln>
-                <a:solidFill>
-                  <a:srgbClr val="FFFFFF"/>
-                </a:solidFill>
-                <a:effectLst/>
-                <a:uLnTx/>
-                <a:uFillTx/>
-                <a:latin typeface="Calibri" panose="020F0502020204030204"/>
-                <a:ea typeface="+mn-ea"/>
-                <a:cs typeface="+mn-cs"/>
-                <a:sym typeface="Arial"/>
-              </a:rPr>
-              <a:t>(Helios)</a:t>
-            </a:r>
-          </a:p>
-        </p:txBody>
-      </p:sp>
-      <p:sp>
-        <p:nvSpPr>
-          <p:cNvPr id="78" name="Rounded Rectangle 77">
-            <a:extLst>
-              <a:ext uri="{FF2B5EF4-FFF2-40B4-BE49-F238E27FC236}">
-                <a16:creationId xmlns:a16="http://schemas.microsoft.com/office/drawing/2014/main" id="{2213A539-FE75-2E49-97A2-21078ECCB86B}"/>
-              </a:ext>
-            </a:extLst>
-          </p:cNvPr>
-          <p:cNvSpPr/>
-          <p:nvPr/>
-        </p:nvSpPr>
-        <p:spPr>
-          <a:xfrm>
-            <a:off x="6502241" y="2259470"/>
-            <a:ext cx="914400" cy="744200"/>
-          </a:xfrm>
-          <a:prstGeom prst="roundRect">
-            <a:avLst/>
-          </a:prstGeom>
-          <a:solidFill>
-            <a:schemeClr val="bg1">
-              <a:lumMod val="50000"/>
-            </a:schemeClr>
-          </a:solidFill>
-          <a:ln w="25400" cap="flat" cmpd="sng" algn="ctr">
-            <a:solidFill>
-              <a:schemeClr val="tx1"/>
-            </a:solidFill>
-            <a:prstDash val="solid"/>
-            <a:miter lim="800000"/>
-          </a:ln>
-          <a:effectLst/>
-        </p:spPr>
-        <p:txBody>
-          <a:bodyPr rtlCol="0" anchor="ctr"/>
-          <a:lstStyle/>
-          <a:p>
-            <a:pPr marL="0" marR="0" lvl="0" indent="0" algn="ctr" defTabSz="914400" eaLnBrk="1" fontAlgn="auto" latinLnBrk="0" hangingPunct="1">
-              <a:lnSpc>
-                <a:spcPct val="100000"/>
-              </a:lnSpc>
-              <a:spcBef>
-                <a:spcPts val="0"/>
-              </a:spcBef>
-              <a:spcAft>
-                <a:spcPts val="0"/>
-              </a:spcAft>
-              <a:buClr>
-                <a:srgbClr val="000000"/>
-              </a:buClr>
-              <a:buSzTx/>
-              <a:buFont typeface="Arial"/>
-              <a:buNone/>
-              <a:tabLst/>
-              <a:defRPr/>
-            </a:pPr>
-            <a:r>
-              <a:rPr kumimoji="0" lang="en-US" sz="1400" b="0" i="0" u="none" strike="noStrike" kern="0" cap="none" spc="0" normalizeH="0" baseline="0" noProof="0" dirty="0">
-                <a:ln>
-                  <a:noFill/>
-                </a:ln>
-                <a:solidFill>
-                  <a:srgbClr val="FFFFFF"/>
-                </a:solidFill>
-                <a:effectLst/>
-                <a:uLnTx/>
-                <a:uFillTx/>
-                <a:latin typeface="Calibri" panose="020F0502020204030204"/>
-                <a:ea typeface="+mn-ea"/>
-                <a:cs typeface="+mn-cs"/>
-                <a:sym typeface="Arial"/>
-              </a:rPr>
-              <a:t>Ag Yield</a:t>
-            </a:r>
-          </a:p>
-          <a:p>
-            <a:pPr marL="0" marR="0" lvl="0" indent="0" algn="ctr" defTabSz="914400" eaLnBrk="1" fontAlgn="auto" latinLnBrk="0" hangingPunct="1">
-              <a:lnSpc>
-                <a:spcPct val="100000"/>
-              </a:lnSpc>
-              <a:spcBef>
-                <a:spcPts val="0"/>
-              </a:spcBef>
-              <a:spcAft>
-                <a:spcPts val="0"/>
-              </a:spcAft>
-              <a:buClr>
-                <a:srgbClr val="000000"/>
-              </a:buClr>
-              <a:buSzTx/>
-              <a:buFont typeface="Arial"/>
-              <a:buNone/>
-              <a:tabLst/>
-              <a:defRPr/>
-            </a:pPr>
-            <a:r>
-              <a:rPr lang="en-US" sz="1000" kern="0" dirty="0">
-                <a:solidFill>
-                  <a:srgbClr val="FFFFFF"/>
-                </a:solidFill>
-                <a:latin typeface="Calibri" panose="020F0502020204030204"/>
-                <a:sym typeface="Arial"/>
-              </a:rPr>
-              <a:t>(Osiris)</a:t>
-            </a:r>
-          </a:p>
-        </p:txBody>
-      </p:sp>
-    </p:spTree>
-    <p:extLst>
-      <p:ext uri="{BB962C8B-B14F-4D97-AF65-F5344CB8AC3E}">
-        <p14:creationId xmlns:p14="http://schemas.microsoft.com/office/powerpoint/2010/main" val="2988460606"/>
       </p:ext>
     </p:extLst>
   </p:cSld>

--- a/experiment_diagram/experiment-B-N6_interconnect.pptx
+++ b/experiment_diagram/experiment-B-N6_interconnect.pptx
@@ -817,7 +817,7 @@
           <a:p>
             <a:fld id="{50E52EA3-2204-804F-9678-85900D481E2E}" type="datetimeFigureOut">
               <a:rPr lang="en-US" smtClean="0"/>
-              <a:t>10/14/22</a:t>
+              <a:t>2/15/23</a:t>
             </a:fld>
             <a:endParaRPr lang="en-US"/>
           </a:p>
@@ -1015,7 +1015,7 @@
           <a:p>
             <a:fld id="{50E52EA3-2204-804F-9678-85900D481E2E}" type="datetimeFigureOut">
               <a:rPr lang="en-US" smtClean="0"/>
-              <a:t>10/14/22</a:t>
+              <a:t>2/15/23</a:t>
             </a:fld>
             <a:endParaRPr lang="en-US"/>
           </a:p>
@@ -1223,7 +1223,7 @@
           <a:p>
             <a:fld id="{50E52EA3-2204-804F-9678-85900D481E2E}" type="datetimeFigureOut">
               <a:rPr lang="en-US" smtClean="0"/>
-              <a:t>10/14/22</a:t>
+              <a:t>2/15/23</a:t>
             </a:fld>
             <a:endParaRPr lang="en-US"/>
           </a:p>
@@ -1421,7 +1421,7 @@
           <a:p>
             <a:fld id="{50E52EA3-2204-804F-9678-85900D481E2E}" type="datetimeFigureOut">
               <a:rPr lang="en-US" smtClean="0"/>
-              <a:t>10/14/22</a:t>
+              <a:t>2/15/23</a:t>
             </a:fld>
             <a:endParaRPr lang="en-US"/>
           </a:p>
@@ -1696,7 +1696,7 @@
           <a:p>
             <a:fld id="{50E52EA3-2204-804F-9678-85900D481E2E}" type="datetimeFigureOut">
               <a:rPr lang="en-US" smtClean="0"/>
-              <a:t>10/14/22</a:t>
+              <a:t>2/15/23</a:t>
             </a:fld>
             <a:endParaRPr lang="en-US"/>
           </a:p>
@@ -1961,7 +1961,7 @@
           <a:p>
             <a:fld id="{50E52EA3-2204-804F-9678-85900D481E2E}" type="datetimeFigureOut">
               <a:rPr lang="en-US" smtClean="0"/>
-              <a:t>10/14/22</a:t>
+              <a:t>2/15/23</a:t>
             </a:fld>
             <a:endParaRPr lang="en-US"/>
           </a:p>
@@ -2373,7 +2373,7 @@
           <a:p>
             <a:fld id="{50E52EA3-2204-804F-9678-85900D481E2E}" type="datetimeFigureOut">
               <a:rPr lang="en-US" smtClean="0"/>
-              <a:t>10/14/22</a:t>
+              <a:t>2/15/23</a:t>
             </a:fld>
             <a:endParaRPr lang="en-US"/>
           </a:p>
@@ -2514,7 +2514,7 @@
           <a:p>
             <a:fld id="{50E52EA3-2204-804F-9678-85900D481E2E}" type="datetimeFigureOut">
               <a:rPr lang="en-US" smtClean="0"/>
-              <a:t>10/14/22</a:t>
+              <a:t>2/15/23</a:t>
             </a:fld>
             <a:endParaRPr lang="en-US"/>
           </a:p>
@@ -2627,7 +2627,7 @@
           <a:p>
             <a:fld id="{50E52EA3-2204-804F-9678-85900D481E2E}" type="datetimeFigureOut">
               <a:rPr lang="en-US" smtClean="0"/>
-              <a:t>10/14/22</a:t>
+              <a:t>2/15/23</a:t>
             </a:fld>
             <a:endParaRPr lang="en-US"/>
           </a:p>
@@ -2938,7 +2938,7 @@
           <a:p>
             <a:fld id="{50E52EA3-2204-804F-9678-85900D481E2E}" type="datetimeFigureOut">
               <a:rPr lang="en-US" smtClean="0"/>
-              <a:t>10/14/22</a:t>
+              <a:t>2/15/23</a:t>
             </a:fld>
             <a:endParaRPr lang="en-US"/>
           </a:p>
@@ -3226,7 +3226,7 @@
           <a:p>
             <a:fld id="{50E52EA3-2204-804F-9678-85900D481E2E}" type="datetimeFigureOut">
               <a:rPr lang="en-US" smtClean="0"/>
-              <a:t>10/14/22</a:t>
+              <a:t>2/15/23</a:t>
             </a:fld>
             <a:endParaRPr lang="en-US"/>
           </a:p>
@@ -3467,7 +3467,7 @@
           <a:p>
             <a:fld id="{50E52EA3-2204-804F-9678-85900D481E2E}" type="datetimeFigureOut">
               <a:rPr lang="en-US" smtClean="0"/>
-              <a:t>10/14/22</a:t>
+              <a:t>2/15/23</a:t>
             </a:fld>
             <a:endParaRPr lang="en-US"/>
           </a:p>
